--- a/_umkc-teaching/slides/Lecture3.pptx
+++ b/_umkc-teaching/slides/Lecture3.pptx
@@ -5,7 +5,7 @@
     <p:sldMasterId id="2147483648" r:id="rId1"/>
   </p:sldMasterIdLst>
   <p:notesMasterIdLst>
-    <p:notesMasterId r:id="rId11"/>
+    <p:notesMasterId r:id="rId12"/>
   </p:notesMasterIdLst>
   <p:sldIdLst>
     <p:sldId id="257" r:id="rId2"/>
@@ -15,8 +15,9 @@
     <p:sldId id="315" r:id="rId6"/>
     <p:sldId id="316" r:id="rId7"/>
     <p:sldId id="317" r:id="rId8"/>
-    <p:sldId id="318" r:id="rId9"/>
-    <p:sldId id="293" r:id="rId10"/>
+    <p:sldId id="319" r:id="rId9"/>
+    <p:sldId id="318" r:id="rId10"/>
+    <p:sldId id="293" r:id="rId11"/>
   </p:sldIdLst>
   <p:sldSz cx="12192000" cy="6858000"/>
   <p:notesSz cx="6858000" cy="9144000"/>
@@ -1042,6 +1043,90 @@
             <a:fld id="{3F8BDF20-BE86-4883-8A23-4CE3D0058BEA}" type="slidenum">
               <a:rPr lang="en-US" smtClean="0"/>
               <a:t>8</a:t>
+            </a:fld>
+            <a:endParaRPr lang="en-US"/>
+          </a:p>
+        </p:txBody>
+      </p:sp>
+    </p:spTree>
+    <p:extLst>
+      <p:ext uri="{BB962C8B-B14F-4D97-AF65-F5344CB8AC3E}">
+        <p14:creationId xmlns:p14="http://schemas.microsoft.com/office/powerpoint/2010/main" val="1265228938"/>
+      </p:ext>
+    </p:extLst>
+  </p:cSld>
+  <p:clrMapOvr>
+    <a:masterClrMapping/>
+  </p:clrMapOvr>
+</p:notes>
+</file>
+
+<file path=ppt/notesSlides/notesSlide8.xml><?xml version="1.0" encoding="utf-8"?>
+<p:notes xmlns:a="http://schemas.openxmlformats.org/drawingml/2006/main" xmlns:r="http://schemas.openxmlformats.org/officeDocument/2006/relationships" xmlns:p="http://schemas.openxmlformats.org/presentationml/2006/main">
+  <p:cSld>
+    <p:spTree>
+      <p:nvGrpSpPr>
+        <p:cNvPr id="1" name=""/>
+        <p:cNvGrpSpPr/>
+        <p:nvPr/>
+      </p:nvGrpSpPr>
+      <p:grpSpPr>
+        <a:xfrm>
+          <a:off x="0" y="0"/>
+          <a:ext cx="0" cy="0"/>
+          <a:chOff x="0" y="0"/>
+          <a:chExt cx="0" cy="0"/>
+        </a:xfrm>
+      </p:grpSpPr>
+      <p:sp>
+        <p:nvSpPr>
+          <p:cNvPr id="2" name="Slide Image Placeholder 1"/>
+          <p:cNvSpPr>
+            <a:spLocks noGrp="1" noRot="1" noChangeAspect="1"/>
+          </p:cNvSpPr>
+          <p:nvPr>
+            <p:ph type="sldImg"/>
+          </p:nvPr>
+        </p:nvSpPr>
+        <p:spPr/>
+      </p:sp>
+      <p:sp>
+        <p:nvSpPr>
+          <p:cNvPr id="3" name="Notes Placeholder 2"/>
+          <p:cNvSpPr>
+            <a:spLocks noGrp="1"/>
+          </p:cNvSpPr>
+          <p:nvPr>
+            <p:ph type="body" idx="1"/>
+          </p:nvPr>
+        </p:nvSpPr>
+        <p:spPr/>
+        <p:txBody>
+          <a:bodyPr/>
+          <a:lstStyle/>
+          <a:p>
+            <a:endParaRPr lang="en-US" dirty="0"/>
+          </a:p>
+        </p:txBody>
+      </p:sp>
+      <p:sp>
+        <p:nvSpPr>
+          <p:cNvPr id="4" name="Slide Number Placeholder 3"/>
+          <p:cNvSpPr>
+            <a:spLocks noGrp="1"/>
+          </p:cNvSpPr>
+          <p:nvPr>
+            <p:ph type="sldNum" sz="quarter" idx="5"/>
+          </p:nvPr>
+        </p:nvSpPr>
+        <p:spPr/>
+        <p:txBody>
+          <a:bodyPr/>
+          <a:lstStyle/>
+          <a:p>
+            <a:fld id="{3F8BDF20-BE86-4883-8A23-4CE3D0058BEA}" type="slidenum">
+              <a:rPr lang="en-US" smtClean="0"/>
+              <a:t>9</a:t>
             </a:fld>
             <a:endParaRPr lang="en-US"/>
           </a:p>
@@ -4136,6 +4221,71 @@
     <p:extLst>
       <p:ext uri="{BB962C8B-B14F-4D97-AF65-F5344CB8AC3E}">
         <p14:creationId xmlns:p14="http://schemas.microsoft.com/office/powerpoint/2010/main" val="3522399239"/>
+      </p:ext>
+    </p:extLst>
+  </p:cSld>
+  <p:clrMapOvr>
+    <a:masterClrMapping/>
+  </p:clrMapOvr>
+</p:sld>
+</file>
+
+<file path=ppt/slides/slide10.xml><?xml version="1.0" encoding="utf-8"?>
+<p:sld xmlns:a="http://schemas.openxmlformats.org/drawingml/2006/main" xmlns:r="http://schemas.openxmlformats.org/officeDocument/2006/relationships" xmlns:p="http://schemas.openxmlformats.org/presentationml/2006/main">
+  <p:cSld>
+    <p:spTree>
+      <p:nvGrpSpPr>
+        <p:cNvPr id="1" name=""/>
+        <p:cNvGrpSpPr/>
+        <p:nvPr/>
+      </p:nvGrpSpPr>
+      <p:grpSpPr>
+        <a:xfrm>
+          <a:off x="0" y="0"/>
+          <a:ext cx="0" cy="0"/>
+          <a:chOff x="0" y="0"/>
+          <a:chExt cx="0" cy="0"/>
+        </a:xfrm>
+      </p:grpSpPr>
+      <p:sp>
+        <p:nvSpPr>
+          <p:cNvPr id="10" name="TextBox 9">
+            <a:extLst>
+              <a:ext uri="{FF2B5EF4-FFF2-40B4-BE49-F238E27FC236}">
+                <a16:creationId xmlns:a16="http://schemas.microsoft.com/office/drawing/2014/main" id="{514E73AD-7A38-9D42-8C4C-ADC0FDE0FBC3}"/>
+              </a:ext>
+            </a:extLst>
+          </p:cNvPr>
+          <p:cNvSpPr txBox="1"/>
+          <p:nvPr/>
+        </p:nvSpPr>
+        <p:spPr>
+          <a:xfrm>
+            <a:off x="4792980" y="2601575"/>
+            <a:ext cx="5951220" cy="1077218"/>
+          </a:xfrm>
+          <a:prstGeom prst="rect">
+            <a:avLst/>
+          </a:prstGeom>
+          <a:noFill/>
+        </p:spPr>
+        <p:txBody>
+          <a:bodyPr wrap="square">
+            <a:spAutoFit/>
+          </a:bodyPr>
+          <a:lstStyle/>
+          <a:p>
+            <a:r>
+              <a:rPr lang="en-US" sz="6400" dirty="0"/>
+              <a:t>Q &amp; A</a:t>
+            </a:r>
+          </a:p>
+        </p:txBody>
+      </p:sp>
+    </p:spTree>
+    <p:extLst>
+      <p:ext uri="{BB962C8B-B14F-4D97-AF65-F5344CB8AC3E}">
+        <p14:creationId xmlns:p14="http://schemas.microsoft.com/office/powerpoint/2010/main" val="1613744569"/>
       </p:ext>
     </p:extLst>
   </p:cSld>
@@ -7563,6 +7713,110 @@
                             <a:rPr lang="en-US" sz="2800" b="0" i="1" smtClean="0">
                               <a:latin typeface="Cambria Math" panose="02040503050406030204" pitchFamily="18" charset="0"/>
                             </a:rPr>
+                            <m:t>=</m:t>
+                          </m:r>
+                          <m:sSup>
+                            <m:sSupPr>
+                              <m:ctrlPr>
+                                <a:rPr lang="en-US" sz="2800" b="0" i="1" smtClean="0">
+                                  <a:latin typeface="Cambria Math" panose="02040503050406030204" pitchFamily="18" charset="0"/>
+                                </a:rPr>
+                              </m:ctrlPr>
+                            </m:sSupPr>
+                            <m:e>
+                              <m:d>
+                                <m:dPr>
+                                  <m:ctrlPr>
+                                    <a:rPr lang="en-US" sz="2800" b="0" i="1" smtClean="0">
+                                      <a:latin typeface="Cambria Math" panose="02040503050406030204" pitchFamily="18" charset="0"/>
+                                    </a:rPr>
+                                  </m:ctrlPr>
+                                </m:dPr>
+                                <m:e>
+                                  <m:sSub>
+                                    <m:sSubPr>
+                                      <m:ctrlPr>
+                                        <a:rPr lang="en-US" sz="2800" b="0" i="1" smtClean="0">
+                                          <a:latin typeface="Cambria Math" panose="02040503050406030204" pitchFamily="18" charset="0"/>
+                                        </a:rPr>
+                                      </m:ctrlPr>
+                                    </m:sSubPr>
+                                    <m:e>
+                                      <m:r>
+                                        <a:rPr lang="en-US" sz="2800" b="0" i="1" smtClean="0">
+                                          <a:latin typeface="Cambria Math" panose="02040503050406030204" pitchFamily="18" charset="0"/>
+                                        </a:rPr>
+                                        <m:t>𝑦</m:t>
+                                      </m:r>
+                                    </m:e>
+                                    <m:sub>
+                                      <m:r>
+                                        <a:rPr lang="en-US" sz="2800" b="0" i="1" smtClean="0">
+                                          <a:latin typeface="Cambria Math" panose="02040503050406030204" pitchFamily="18" charset="0"/>
+                                        </a:rPr>
+                                        <m:t>𝑖</m:t>
+                                      </m:r>
+                                    </m:sub>
+                                  </m:sSub>
+                                  <m:r>
+                                    <a:rPr lang="en-US" sz="2800" b="0" i="1" smtClean="0">
+                                      <a:latin typeface="Cambria Math" panose="02040503050406030204" pitchFamily="18" charset="0"/>
+                                    </a:rPr>
+                                    <m:t> −</m:t>
+                                  </m:r>
+                                  <m:sSub>
+                                    <m:sSubPr>
+                                      <m:ctrlPr>
+                                        <a:rPr lang="en-US" sz="2800" b="0" i="1" smtClean="0">
+                                          <a:latin typeface="Cambria Math" panose="02040503050406030204" pitchFamily="18" charset="0"/>
+                                        </a:rPr>
+                                      </m:ctrlPr>
+                                    </m:sSubPr>
+                                    <m:e>
+                                      <m:acc>
+                                        <m:accPr>
+                                          <m:chr m:val="̂"/>
+                                          <m:ctrlPr>
+                                            <a:rPr lang="en-US" sz="2800" b="0" i="1" smtClean="0">
+                                              <a:latin typeface="Cambria Math" panose="02040503050406030204" pitchFamily="18" charset="0"/>
+                                            </a:rPr>
+                                          </m:ctrlPr>
+                                        </m:accPr>
+                                        <m:e>
+                                          <m:r>
+                                            <a:rPr lang="en-US" sz="2800" b="0" i="1" smtClean="0">
+                                              <a:latin typeface="Cambria Math" panose="02040503050406030204" pitchFamily="18" charset="0"/>
+                                            </a:rPr>
+                                            <m:t>𝑦</m:t>
+                                          </m:r>
+                                        </m:e>
+                                      </m:acc>
+                                    </m:e>
+                                    <m:sub>
+                                      <m:r>
+                                        <a:rPr lang="en-US" sz="2800" b="0" i="1" smtClean="0">
+                                          <a:latin typeface="Cambria Math" panose="02040503050406030204" pitchFamily="18" charset="0"/>
+                                        </a:rPr>
+                                        <m:t>𝑖</m:t>
+                                      </m:r>
+                                    </m:sub>
+                                  </m:sSub>
+                                </m:e>
+                              </m:d>
+                            </m:e>
+                            <m:sup>
+                              <m:r>
+                                <a:rPr lang="en-US" sz="2800" b="0" i="1" smtClean="0">
+                                  <a:latin typeface="Cambria Math" panose="02040503050406030204" pitchFamily="18" charset="0"/>
+                                </a:rPr>
+                                <m:t>2</m:t>
+                              </m:r>
+                            </m:sup>
+                          </m:sSup>
+                          <m:r>
+                            <a:rPr lang="en-US" sz="2800" b="0" i="1" smtClean="0">
+                              <a:latin typeface="Cambria Math" panose="02040503050406030204" pitchFamily="18" charset="0"/>
+                            </a:rPr>
                             <m:t> </m:t>
                           </m:r>
                         </m:e>
@@ -7634,6 +7888,537 @@
 </file>
 
 <file path=ppt/slides/slide8.xml><?xml version="1.0" encoding="utf-8"?>
+<p:sld xmlns:a="http://schemas.openxmlformats.org/drawingml/2006/main" xmlns:r="http://schemas.openxmlformats.org/officeDocument/2006/relationships" xmlns:p="http://schemas.openxmlformats.org/presentationml/2006/main">
+  <p:cSld>
+    <p:spTree>
+      <p:nvGrpSpPr>
+        <p:cNvPr id="1" name=""/>
+        <p:cNvGrpSpPr/>
+        <p:nvPr/>
+      </p:nvGrpSpPr>
+      <p:grpSpPr>
+        <a:xfrm>
+          <a:off x="0" y="0"/>
+          <a:ext cx="0" cy="0"/>
+          <a:chOff x="0" y="0"/>
+          <a:chExt cx="0" cy="0"/>
+        </a:xfrm>
+      </p:grpSpPr>
+      <p:sp>
+        <p:nvSpPr>
+          <p:cNvPr id="2" name="Title 1"/>
+          <p:cNvSpPr>
+            <a:spLocks noGrp="1"/>
+          </p:cNvSpPr>
+          <p:nvPr>
+            <p:ph type="title"/>
+          </p:nvPr>
+        </p:nvSpPr>
+        <p:spPr>
+          <a:xfrm>
+            <a:off x="838200" y="365126"/>
+            <a:ext cx="10515600" cy="981894"/>
+          </a:xfrm>
+        </p:spPr>
+        <p:txBody>
+          <a:bodyPr>
+            <a:normAutofit/>
+          </a:bodyPr>
+          <a:lstStyle/>
+          <a:p>
+            <a:r>
+              <a:rPr lang="en-US" dirty="0"/>
+              <a:t>Least Squares Method</a:t>
+            </a:r>
+          </a:p>
+        </p:txBody>
+      </p:sp>
+      <mc:AlternateContent xmlns:mc="http://schemas.openxmlformats.org/markup-compatibility/2006">
+        <mc:Choice xmlns:a14="http://schemas.microsoft.com/office/drawing/2010/main" Requires="a14">
+          <p:sp>
+            <p:nvSpPr>
+              <p:cNvPr id="13" name="TextBox 12">
+                <a:extLst>
+                  <a:ext uri="{FF2B5EF4-FFF2-40B4-BE49-F238E27FC236}">
+                    <a16:creationId xmlns:a16="http://schemas.microsoft.com/office/drawing/2014/main" id="{09C53AE9-0A10-EA4B-BE84-FCE4AB75C2D4}"/>
+                  </a:ext>
+                </a:extLst>
+              </p:cNvPr>
+              <p:cNvSpPr txBox="1"/>
+              <p:nvPr/>
+            </p:nvSpPr>
+            <p:spPr>
+              <a:xfrm>
+                <a:off x="434341" y="1788204"/>
+                <a:ext cx="9951720" cy="1137876"/>
+              </a:xfrm>
+              <a:prstGeom prst="rect">
+                <a:avLst/>
+              </a:prstGeom>
+              <a:noFill/>
+            </p:spPr>
+            <p:txBody>
+              <a:bodyPr wrap="square">
+                <a:spAutoFit/>
+              </a:bodyPr>
+              <a:lstStyle/>
+              <a:p>
+                <a:pPr/>
+                <a14:m>
+                  <m:oMathPara xmlns:m="http://schemas.openxmlformats.org/officeDocument/2006/math">
+                    <m:oMathParaPr>
+                      <m:jc m:val="centerGroup"/>
+                    </m:oMathParaPr>
+                    <m:oMath xmlns:m="http://schemas.openxmlformats.org/officeDocument/2006/math">
+                      <m:func>
+                        <m:funcPr>
+                          <m:ctrlPr>
+                            <a:rPr lang="en-US" sz="2800" b="0" i="1" smtClean="0">
+                              <a:latin typeface="Cambria Math" panose="02040503050406030204" pitchFamily="18" charset="0"/>
+                            </a:rPr>
+                          </m:ctrlPr>
+                        </m:funcPr>
+                        <m:fName>
+                          <m:limLow>
+                            <m:limLowPr>
+                              <m:ctrlPr>
+                                <a:rPr lang="en-US" sz="2800" b="0" i="0" smtClean="0">
+                                  <a:latin typeface="Cambria Math" panose="02040503050406030204" pitchFamily="18" charset="0"/>
+                                </a:rPr>
+                              </m:ctrlPr>
+                            </m:limLowPr>
+                            <m:e>
+                              <m:r>
+                                <m:rPr>
+                                  <m:sty m:val="p"/>
+                                </m:rPr>
+                                <a:rPr lang="en-US" sz="2800" b="0" i="0" smtClean="0">
+                                  <a:latin typeface="Cambria Math" panose="02040503050406030204" pitchFamily="18" charset="0"/>
+                                </a:rPr>
+                                <m:t>min</m:t>
+                              </m:r>
+                            </m:e>
+                            <m:lim>
+                              <m:sSub>
+                                <m:sSubPr>
+                                  <m:ctrlPr>
+                                    <a:rPr lang="en-US" sz="2800" i="1" dirty="0">
+                                      <a:latin typeface="Cambria Math" panose="02040503050406030204" pitchFamily="18" charset="0"/>
+                                    </a:rPr>
+                                  </m:ctrlPr>
+                                </m:sSubPr>
+                                <m:e>
+                                  <m:acc>
+                                    <m:accPr>
+                                      <m:chr m:val="̂"/>
+                                      <m:ctrlPr>
+                                        <a:rPr lang="en-US" sz="2800" i="1">
+                                          <a:latin typeface="Cambria Math" panose="02040503050406030204" pitchFamily="18" charset="0"/>
+                                        </a:rPr>
+                                      </m:ctrlPr>
+                                    </m:accPr>
+                                    <m:e>
+                                      <m:r>
+                                        <a:rPr lang="en-US" sz="2800" i="1">
+                                          <a:latin typeface="Cambria Math" panose="02040503050406030204" pitchFamily="18" charset="0"/>
+                                        </a:rPr>
+                                        <m:t>𝛽</m:t>
+                                      </m:r>
+                                    </m:e>
+                                  </m:acc>
+                                </m:e>
+                                <m:sub>
+                                  <m:r>
+                                    <a:rPr lang="en-US" sz="2800" i="1" dirty="0">
+                                      <a:latin typeface="Cambria Math" panose="02040503050406030204" pitchFamily="18" charset="0"/>
+                                    </a:rPr>
+                                    <m:t>0</m:t>
+                                  </m:r>
+                                </m:sub>
+                              </m:sSub>
+                              <m:r>
+                                <a:rPr lang="en-US" sz="2800" b="0" i="1" dirty="0" smtClean="0">
+                                  <a:latin typeface="Cambria Math" panose="02040503050406030204" pitchFamily="18" charset="0"/>
+                                </a:rPr>
+                                <m:t>,</m:t>
+                              </m:r>
+                              <m:sSub>
+                                <m:sSubPr>
+                                  <m:ctrlPr>
+                                    <a:rPr lang="en-US" sz="2800" i="1" dirty="0">
+                                      <a:latin typeface="Cambria Math" panose="02040503050406030204" pitchFamily="18" charset="0"/>
+                                    </a:rPr>
+                                  </m:ctrlPr>
+                                </m:sSubPr>
+                                <m:e>
+                                  <m:acc>
+                                    <m:accPr>
+                                      <m:chr m:val="̂"/>
+                                      <m:ctrlPr>
+                                        <a:rPr lang="en-US" sz="2800" i="1">
+                                          <a:latin typeface="Cambria Math" panose="02040503050406030204" pitchFamily="18" charset="0"/>
+                                        </a:rPr>
+                                      </m:ctrlPr>
+                                    </m:accPr>
+                                    <m:e>
+                                      <m:r>
+                                        <a:rPr lang="en-US" sz="2800" i="1">
+                                          <a:latin typeface="Cambria Math" panose="02040503050406030204" pitchFamily="18" charset="0"/>
+                                        </a:rPr>
+                                        <m:t>𝛽</m:t>
+                                      </m:r>
+                                    </m:e>
+                                  </m:acc>
+                                </m:e>
+                                <m:sub>
+                                  <m:r>
+                                    <a:rPr lang="en-US" sz="2800" b="0" i="1" smtClean="0">
+                                      <a:latin typeface="Cambria Math" panose="02040503050406030204" pitchFamily="18" charset="0"/>
+                                    </a:rPr>
+                                    <m:t>1</m:t>
+                                  </m:r>
+                                </m:sub>
+                              </m:sSub>
+                            </m:lim>
+                          </m:limLow>
+                        </m:fName>
+                        <m:e>
+                          <m:r>
+                            <a:rPr lang="en-US" sz="2800" i="1">
+                              <a:latin typeface="Cambria Math" panose="02040503050406030204" pitchFamily="18" charset="0"/>
+                            </a:rPr>
+                            <m:t>𝑅𝑆𝑆</m:t>
+                          </m:r>
+                          <m:r>
+                            <a:rPr lang="en-US" sz="2800" i="1">
+                              <a:latin typeface="Cambria Math" panose="02040503050406030204" pitchFamily="18" charset="0"/>
+                            </a:rPr>
+                            <m:t>=</m:t>
+                          </m:r>
+                          <m:nary>
+                            <m:naryPr>
+                              <m:chr m:val="∑"/>
+                              <m:supHide m:val="on"/>
+                              <m:ctrlPr>
+                                <a:rPr lang="en-US" sz="2800" i="1">
+                                  <a:latin typeface="Cambria Math" panose="02040503050406030204" pitchFamily="18" charset="0"/>
+                                </a:rPr>
+                              </m:ctrlPr>
+                            </m:naryPr>
+                            <m:sub>
+                              <m:r>
+                                <a:rPr lang="en-US" sz="2800" i="1">
+                                  <a:latin typeface="Cambria Math" panose="02040503050406030204" pitchFamily="18" charset="0"/>
+                                </a:rPr>
+                                <m:t>𝑖</m:t>
+                              </m:r>
+                            </m:sub>
+                            <m:sup/>
+                            <m:e>
+                              <m:sSubSup>
+                                <m:sSubSupPr>
+                                  <m:ctrlPr>
+                                    <a:rPr lang="en-US" sz="2800" i="1">
+                                      <a:latin typeface="Cambria Math" panose="02040503050406030204" pitchFamily="18" charset="0"/>
+                                    </a:rPr>
+                                  </m:ctrlPr>
+                                </m:sSubSupPr>
+                                <m:e>
+                                  <m:r>
+                                    <a:rPr lang="en-US" sz="2800" i="1">
+                                      <a:latin typeface="Cambria Math" panose="02040503050406030204" pitchFamily="18" charset="0"/>
+                                    </a:rPr>
+                                    <m:t>𝑒</m:t>
+                                  </m:r>
+                                </m:e>
+                                <m:sub>
+                                  <m:r>
+                                    <a:rPr lang="en-US" sz="2800" i="1">
+                                      <a:latin typeface="Cambria Math" panose="02040503050406030204" pitchFamily="18" charset="0"/>
+                                    </a:rPr>
+                                    <m:t>𝑖</m:t>
+                                  </m:r>
+                                </m:sub>
+                                <m:sup>
+                                  <m:r>
+                                    <a:rPr lang="en-US" sz="2800" i="1">
+                                      <a:latin typeface="Cambria Math" panose="02040503050406030204" pitchFamily="18" charset="0"/>
+                                    </a:rPr>
+                                    <m:t>2</m:t>
+                                  </m:r>
+                                </m:sup>
+                              </m:sSubSup>
+                              <m:r>
+                                <a:rPr lang="en-US" sz="2800" i="1">
+                                  <a:latin typeface="Cambria Math" panose="02040503050406030204" pitchFamily="18" charset="0"/>
+                                </a:rPr>
+                                <m:t>=</m:t>
+                              </m:r>
+                              <m:nary>
+                                <m:naryPr>
+                                  <m:chr m:val="∑"/>
+                                  <m:supHide m:val="on"/>
+                                  <m:ctrlPr>
+                                    <a:rPr lang="en-US" sz="2800" b="0" i="1" smtClean="0">
+                                      <a:latin typeface="Cambria Math" panose="02040503050406030204" pitchFamily="18" charset="0"/>
+                                    </a:rPr>
+                                  </m:ctrlPr>
+                                </m:naryPr>
+                                <m:sub>
+                                  <m:r>
+                                    <a:rPr lang="en-US" sz="2800" b="0" i="1" smtClean="0">
+                                      <a:latin typeface="Cambria Math" panose="02040503050406030204" pitchFamily="18" charset="0"/>
+                                    </a:rPr>
+                                    <m:t>𝑖</m:t>
+                                  </m:r>
+                                </m:sub>
+                                <m:sup/>
+                                <m:e>
+                                  <m:sSup>
+                                    <m:sSupPr>
+                                      <m:ctrlPr>
+                                        <a:rPr lang="en-US" sz="2800" i="1">
+                                          <a:latin typeface="Cambria Math" panose="02040503050406030204" pitchFamily="18" charset="0"/>
+                                        </a:rPr>
+                                      </m:ctrlPr>
+                                    </m:sSupPr>
+                                    <m:e>
+                                      <m:d>
+                                        <m:dPr>
+                                          <m:ctrlPr>
+                                            <a:rPr lang="en-US" sz="2800" i="1">
+                                              <a:latin typeface="Cambria Math" panose="02040503050406030204" pitchFamily="18" charset="0"/>
+                                            </a:rPr>
+                                          </m:ctrlPr>
+                                        </m:dPr>
+                                        <m:e>
+                                          <m:sSub>
+                                            <m:sSubPr>
+                                              <m:ctrlPr>
+                                                <a:rPr lang="en-US" sz="2800" i="1">
+                                                  <a:latin typeface="Cambria Math" panose="02040503050406030204" pitchFamily="18" charset="0"/>
+                                                </a:rPr>
+                                              </m:ctrlPr>
+                                            </m:sSubPr>
+                                            <m:e>
+                                              <m:r>
+                                                <a:rPr lang="en-US" sz="2800" i="1">
+                                                  <a:latin typeface="Cambria Math" panose="02040503050406030204" pitchFamily="18" charset="0"/>
+                                                </a:rPr>
+                                                <m:t>𝑦</m:t>
+                                              </m:r>
+                                            </m:e>
+                                            <m:sub>
+                                              <m:r>
+                                                <a:rPr lang="en-US" sz="2800" i="1">
+                                                  <a:latin typeface="Cambria Math" panose="02040503050406030204" pitchFamily="18" charset="0"/>
+                                                </a:rPr>
+                                                <m:t>𝑖</m:t>
+                                              </m:r>
+                                            </m:sub>
+                                          </m:sSub>
+                                          <m:r>
+                                            <a:rPr lang="en-US" sz="2800" i="1">
+                                              <a:latin typeface="Cambria Math" panose="02040503050406030204" pitchFamily="18" charset="0"/>
+                                            </a:rPr>
+                                            <m:t> −</m:t>
+                                          </m:r>
+                                          <m:sSub>
+                                            <m:sSubPr>
+                                              <m:ctrlPr>
+                                                <a:rPr lang="en-US" sz="2800" i="1" dirty="0">
+                                                  <a:latin typeface="Cambria Math" panose="02040503050406030204" pitchFamily="18" charset="0"/>
+                                                </a:rPr>
+                                              </m:ctrlPr>
+                                            </m:sSubPr>
+                                            <m:e>
+                                              <m:acc>
+                                                <m:accPr>
+                                                  <m:chr m:val="̂"/>
+                                                  <m:ctrlPr>
+                                                    <a:rPr lang="en-US" sz="2800" i="1">
+                                                      <a:latin typeface="Cambria Math" panose="02040503050406030204" pitchFamily="18" charset="0"/>
+                                                    </a:rPr>
+                                                  </m:ctrlPr>
+                                                </m:accPr>
+                                                <m:e>
+                                                  <m:r>
+                                                    <a:rPr lang="en-US" sz="2800" i="1">
+                                                      <a:latin typeface="Cambria Math" panose="02040503050406030204" pitchFamily="18" charset="0"/>
+                                                    </a:rPr>
+                                                    <m:t>𝛽</m:t>
+                                                  </m:r>
+                                                </m:e>
+                                              </m:acc>
+                                            </m:e>
+                                            <m:sub>
+                                              <m:r>
+                                                <a:rPr lang="en-US" sz="2800" i="1" dirty="0">
+                                                  <a:latin typeface="Cambria Math" panose="02040503050406030204" pitchFamily="18" charset="0"/>
+                                                </a:rPr>
+                                                <m:t>0</m:t>
+                                              </m:r>
+                                            </m:sub>
+                                          </m:sSub>
+                                          <m:r>
+                                            <a:rPr lang="en-US" sz="2800" b="0" i="1" dirty="0" smtClean="0">
+                                              <a:latin typeface="Cambria Math" panose="02040503050406030204" pitchFamily="18" charset="0"/>
+                                            </a:rPr>
+                                            <m:t>−</m:t>
+                                          </m:r>
+                                          <m:sSub>
+                                            <m:sSubPr>
+                                              <m:ctrlPr>
+                                                <a:rPr lang="en-US" sz="2800" i="1" dirty="0">
+                                                  <a:latin typeface="Cambria Math" panose="02040503050406030204" pitchFamily="18" charset="0"/>
+                                                </a:rPr>
+                                              </m:ctrlPr>
+                                            </m:sSubPr>
+                                            <m:e>
+                                              <m:acc>
+                                                <m:accPr>
+                                                  <m:chr m:val="̂"/>
+                                                  <m:ctrlPr>
+                                                    <a:rPr lang="en-US" sz="2800" i="1">
+                                                      <a:latin typeface="Cambria Math" panose="02040503050406030204" pitchFamily="18" charset="0"/>
+                                                    </a:rPr>
+                                                  </m:ctrlPr>
+                                                </m:accPr>
+                                                <m:e>
+                                                  <m:r>
+                                                    <a:rPr lang="en-US" sz="2800" i="1">
+                                                      <a:latin typeface="Cambria Math" panose="02040503050406030204" pitchFamily="18" charset="0"/>
+                                                    </a:rPr>
+                                                    <m:t>𝛽</m:t>
+                                                  </m:r>
+                                                </m:e>
+                                              </m:acc>
+                                            </m:e>
+                                            <m:sub>
+                                              <m:r>
+                                                <a:rPr lang="en-US" sz="2800" b="0" i="1" smtClean="0">
+                                                  <a:latin typeface="Cambria Math" panose="02040503050406030204" pitchFamily="18" charset="0"/>
+                                                </a:rPr>
+                                                <m:t>1</m:t>
+                                              </m:r>
+                                            </m:sub>
+                                          </m:sSub>
+                                          <m:sSub>
+                                            <m:sSubPr>
+                                              <m:ctrlPr>
+                                                <a:rPr lang="en-US" sz="2800" b="0" i="1" dirty="0" smtClean="0">
+                                                  <a:latin typeface="Cambria Math" panose="02040503050406030204" pitchFamily="18" charset="0"/>
+                                                </a:rPr>
+                                              </m:ctrlPr>
+                                            </m:sSubPr>
+                                            <m:e>
+                                              <m:r>
+                                                <a:rPr lang="en-US" sz="2800" b="0" i="1" dirty="0" smtClean="0">
+                                                  <a:latin typeface="Cambria Math" panose="02040503050406030204" pitchFamily="18" charset="0"/>
+                                                </a:rPr>
+                                                <m:t>𝑥</m:t>
+                                              </m:r>
+                                            </m:e>
+                                            <m:sub>
+                                              <m:r>
+                                                <a:rPr lang="en-US" sz="2800" b="0" i="1" dirty="0" smtClean="0">
+                                                  <a:latin typeface="Cambria Math" panose="02040503050406030204" pitchFamily="18" charset="0"/>
+                                                </a:rPr>
+                                                <m:t>𝑖</m:t>
+                                              </m:r>
+                                            </m:sub>
+                                          </m:sSub>
+                                        </m:e>
+                                      </m:d>
+                                    </m:e>
+                                    <m:sup>
+                                      <m:r>
+                                        <a:rPr lang="en-US" sz="2800" i="1">
+                                          <a:latin typeface="Cambria Math" panose="02040503050406030204" pitchFamily="18" charset="0"/>
+                                        </a:rPr>
+                                        <m:t>2</m:t>
+                                      </m:r>
+                                    </m:sup>
+                                  </m:sSup>
+                                </m:e>
+                              </m:nary>
+                              <m:r>
+                                <a:rPr lang="en-US" sz="2800" i="1">
+                                  <a:latin typeface="Cambria Math" panose="02040503050406030204" pitchFamily="18" charset="0"/>
+                                </a:rPr>
+                                <m:t> </m:t>
+                              </m:r>
+                            </m:e>
+                          </m:nary>
+                        </m:e>
+                      </m:func>
+                    </m:oMath>
+                  </m:oMathPara>
+                </a14:m>
+                <a:endParaRPr lang="en-US" sz="2800" dirty="0"/>
+              </a:p>
+            </p:txBody>
+          </p:sp>
+        </mc:Choice>
+        <mc:Fallback>
+          <p:sp>
+            <p:nvSpPr>
+              <p:cNvPr id="13" name="TextBox 12">
+                <a:extLst>
+                  <a:ext uri="{FF2B5EF4-FFF2-40B4-BE49-F238E27FC236}">
+                    <a16:creationId xmlns:a16="http://schemas.microsoft.com/office/drawing/2014/main" id="{09C53AE9-0A10-EA4B-BE84-FCE4AB75C2D4}"/>
+                  </a:ext>
+                </a:extLst>
+              </p:cNvPr>
+              <p:cNvSpPr txBox="1">
+                <a:spLocks noRot="1" noChangeAspect="1" noMove="1" noResize="1" noEditPoints="1" noAdjustHandles="1" noChangeArrowheads="1" noChangeShapeType="1" noTextEdit="1"/>
+              </p:cNvSpPr>
+              <p:nvPr/>
+            </p:nvSpPr>
+            <p:spPr>
+              <a:xfrm>
+                <a:off x="434341" y="1788204"/>
+                <a:ext cx="9951720" cy="1137876"/>
+              </a:xfrm>
+              <a:prstGeom prst="rect">
+                <a:avLst/>
+              </a:prstGeom>
+              <a:blipFill>
+                <a:blip r:embed="rId3"/>
+                <a:stretch>
+                  <a:fillRect t="-128571" b="-180220"/>
+                </a:stretch>
+              </a:blipFill>
+            </p:spPr>
+            <p:txBody>
+              <a:bodyPr/>
+              <a:lstStyle/>
+              <a:p>
+                <a:r>
+                  <a:rPr lang="en-US">
+                    <a:noFill/>
+                  </a:rPr>
+                  <a:t> </a:t>
+                </a:r>
+              </a:p>
+            </p:txBody>
+          </p:sp>
+        </mc:Fallback>
+      </mc:AlternateContent>
+    </p:spTree>
+    <p:extLst>
+      <p:ext uri="{BB962C8B-B14F-4D97-AF65-F5344CB8AC3E}">
+        <p14:creationId xmlns:p14="http://schemas.microsoft.com/office/powerpoint/2010/main" val="1162817167"/>
+      </p:ext>
+    </p:extLst>
+  </p:cSld>
+  <p:clrMapOvr>
+    <a:masterClrMapping/>
+  </p:clrMapOvr>
+</p:sld>
+</file>
+
+<file path=ppt/slides/slide9.xml><?xml version="1.0" encoding="utf-8"?>
 <p:sld xmlns:a="http://schemas.openxmlformats.org/drawingml/2006/main" xmlns:r="http://schemas.openxmlformats.org/officeDocument/2006/relationships" xmlns:p="http://schemas.openxmlformats.org/presentationml/2006/main">
   <p:cSld>
     <p:spTree>
@@ -7833,71 +8618,6 @@
     <p:extLst>
       <p:ext uri="{BB962C8B-B14F-4D97-AF65-F5344CB8AC3E}">
         <p14:creationId xmlns:p14="http://schemas.microsoft.com/office/powerpoint/2010/main" val="2714364383"/>
-      </p:ext>
-    </p:extLst>
-  </p:cSld>
-  <p:clrMapOvr>
-    <a:masterClrMapping/>
-  </p:clrMapOvr>
-</p:sld>
-</file>
-
-<file path=ppt/slides/slide9.xml><?xml version="1.0" encoding="utf-8"?>
-<p:sld xmlns:a="http://schemas.openxmlformats.org/drawingml/2006/main" xmlns:r="http://schemas.openxmlformats.org/officeDocument/2006/relationships" xmlns:p="http://schemas.openxmlformats.org/presentationml/2006/main">
-  <p:cSld>
-    <p:spTree>
-      <p:nvGrpSpPr>
-        <p:cNvPr id="1" name=""/>
-        <p:cNvGrpSpPr/>
-        <p:nvPr/>
-      </p:nvGrpSpPr>
-      <p:grpSpPr>
-        <a:xfrm>
-          <a:off x="0" y="0"/>
-          <a:ext cx="0" cy="0"/>
-          <a:chOff x="0" y="0"/>
-          <a:chExt cx="0" cy="0"/>
-        </a:xfrm>
-      </p:grpSpPr>
-      <p:sp>
-        <p:nvSpPr>
-          <p:cNvPr id="10" name="TextBox 9">
-            <a:extLst>
-              <a:ext uri="{FF2B5EF4-FFF2-40B4-BE49-F238E27FC236}">
-                <a16:creationId xmlns:a16="http://schemas.microsoft.com/office/drawing/2014/main" id="{514E73AD-7A38-9D42-8C4C-ADC0FDE0FBC3}"/>
-              </a:ext>
-            </a:extLst>
-          </p:cNvPr>
-          <p:cNvSpPr txBox="1"/>
-          <p:nvPr/>
-        </p:nvSpPr>
-        <p:spPr>
-          <a:xfrm>
-            <a:off x="4792980" y="2601575"/>
-            <a:ext cx="5951220" cy="1077218"/>
-          </a:xfrm>
-          <a:prstGeom prst="rect">
-            <a:avLst/>
-          </a:prstGeom>
-          <a:noFill/>
-        </p:spPr>
-        <p:txBody>
-          <a:bodyPr wrap="square">
-            <a:spAutoFit/>
-          </a:bodyPr>
-          <a:lstStyle/>
-          <a:p>
-            <a:r>
-              <a:rPr lang="en-US" sz="6400" dirty="0"/>
-              <a:t>Q &amp; A</a:t>
-            </a:r>
-          </a:p>
-        </p:txBody>
-      </p:sp>
-    </p:spTree>
-    <p:extLst>
-      <p:ext uri="{BB962C8B-B14F-4D97-AF65-F5344CB8AC3E}">
-        <p14:creationId xmlns:p14="http://schemas.microsoft.com/office/powerpoint/2010/main" val="1613744569"/>
       </p:ext>
     </p:extLst>
   </p:cSld>

--- a/_umkc-teaching/slides/Lecture3.pptx
+++ b/_umkc-teaching/slides/Lecture3.pptx
@@ -5,7 +5,7 @@
     <p:sldMasterId id="2147483648" r:id="rId1"/>
   </p:sldMasterIdLst>
   <p:notesMasterIdLst>
-    <p:notesMasterId r:id="rId12"/>
+    <p:notesMasterId r:id="rId14"/>
   </p:notesMasterIdLst>
   <p:sldIdLst>
     <p:sldId id="257" r:id="rId2"/>
@@ -16,8 +16,10 @@
     <p:sldId id="316" r:id="rId7"/>
     <p:sldId id="317" r:id="rId8"/>
     <p:sldId id="319" r:id="rId9"/>
-    <p:sldId id="318" r:id="rId10"/>
-    <p:sldId id="293" r:id="rId11"/>
+    <p:sldId id="322" r:id="rId10"/>
+    <p:sldId id="320" r:id="rId11"/>
+    <p:sldId id="321" r:id="rId12"/>
+    <p:sldId id="293" r:id="rId13"/>
   </p:sldIdLst>
   <p:sldSz cx="12192000" cy="6858000"/>
   <p:notesSz cx="6858000" cy="9144000"/>
@@ -206,7 +208,7 @@
           <a:p>
             <a:fld id="{7AF9442D-9D7C-40D7-A5A3-649EA8C158D2}" type="datetimeFigureOut">
               <a:rPr lang="en-US" smtClean="0"/>
-              <a:t>8/27/23</a:t>
+              <a:t>8/28/23</a:t>
             </a:fld>
             <a:endParaRPr lang="en-US"/>
           </a:p>
@@ -557,6 +559,90 @@
 </p:notes>
 </file>
 
+<file path=ppt/notesSlides/notesSlide10.xml><?xml version="1.0" encoding="utf-8"?>
+<p:notes xmlns:a="http://schemas.openxmlformats.org/drawingml/2006/main" xmlns:r="http://schemas.openxmlformats.org/officeDocument/2006/relationships" xmlns:p="http://schemas.openxmlformats.org/presentationml/2006/main">
+  <p:cSld>
+    <p:spTree>
+      <p:nvGrpSpPr>
+        <p:cNvPr id="1" name=""/>
+        <p:cNvGrpSpPr/>
+        <p:nvPr/>
+      </p:nvGrpSpPr>
+      <p:grpSpPr>
+        <a:xfrm>
+          <a:off x="0" y="0"/>
+          <a:ext cx="0" cy="0"/>
+          <a:chOff x="0" y="0"/>
+          <a:chExt cx="0" cy="0"/>
+        </a:xfrm>
+      </p:grpSpPr>
+      <p:sp>
+        <p:nvSpPr>
+          <p:cNvPr id="2" name="Slide Image Placeholder 1"/>
+          <p:cNvSpPr>
+            <a:spLocks noGrp="1" noRot="1" noChangeAspect="1"/>
+          </p:cNvSpPr>
+          <p:nvPr>
+            <p:ph type="sldImg"/>
+          </p:nvPr>
+        </p:nvSpPr>
+        <p:spPr/>
+      </p:sp>
+      <p:sp>
+        <p:nvSpPr>
+          <p:cNvPr id="3" name="Notes Placeholder 2"/>
+          <p:cNvSpPr>
+            <a:spLocks noGrp="1"/>
+          </p:cNvSpPr>
+          <p:nvPr>
+            <p:ph type="body" idx="1"/>
+          </p:nvPr>
+        </p:nvSpPr>
+        <p:spPr/>
+        <p:txBody>
+          <a:bodyPr/>
+          <a:lstStyle/>
+          <a:p>
+            <a:endParaRPr lang="en-US" dirty="0"/>
+          </a:p>
+        </p:txBody>
+      </p:sp>
+      <p:sp>
+        <p:nvSpPr>
+          <p:cNvPr id="4" name="Slide Number Placeholder 3"/>
+          <p:cNvSpPr>
+            <a:spLocks noGrp="1"/>
+          </p:cNvSpPr>
+          <p:nvPr>
+            <p:ph type="sldNum" sz="quarter" idx="5"/>
+          </p:nvPr>
+        </p:nvSpPr>
+        <p:spPr/>
+        <p:txBody>
+          <a:bodyPr/>
+          <a:lstStyle/>
+          <a:p>
+            <a:fld id="{3F8BDF20-BE86-4883-8A23-4CE3D0058BEA}" type="slidenum">
+              <a:rPr lang="en-US" smtClean="0"/>
+              <a:t>11</a:t>
+            </a:fld>
+            <a:endParaRPr lang="en-US"/>
+          </a:p>
+        </p:txBody>
+      </p:sp>
+    </p:spTree>
+    <p:extLst>
+      <p:ext uri="{BB962C8B-B14F-4D97-AF65-F5344CB8AC3E}">
+        <p14:creationId xmlns:p14="http://schemas.microsoft.com/office/powerpoint/2010/main" val="2277284325"/>
+      </p:ext>
+    </p:extLst>
+  </p:cSld>
+  <p:clrMapOvr>
+    <a:masterClrMapping/>
+  </p:clrMapOvr>
+</p:notes>
+</file>
+
 <file path=ppt/notesSlides/notesSlide2.xml><?xml version="1.0" encoding="utf-8"?>
 <p:notes xmlns:a="http://schemas.openxmlformats.org/drawingml/2006/main" xmlns:r="http://schemas.openxmlformats.org/officeDocument/2006/relationships" xmlns:p="http://schemas.openxmlformats.org/presentationml/2006/main">
   <p:cSld>
@@ -1135,7 +1221,91 @@
     </p:spTree>
     <p:extLst>
       <p:ext uri="{BB962C8B-B14F-4D97-AF65-F5344CB8AC3E}">
-        <p14:creationId xmlns:p14="http://schemas.microsoft.com/office/powerpoint/2010/main" val="950987075"/>
+        <p14:creationId xmlns:p14="http://schemas.microsoft.com/office/powerpoint/2010/main" val="610874879"/>
+      </p:ext>
+    </p:extLst>
+  </p:cSld>
+  <p:clrMapOvr>
+    <a:masterClrMapping/>
+  </p:clrMapOvr>
+</p:notes>
+</file>
+
+<file path=ppt/notesSlides/notesSlide9.xml><?xml version="1.0" encoding="utf-8"?>
+<p:notes xmlns:a="http://schemas.openxmlformats.org/drawingml/2006/main" xmlns:r="http://schemas.openxmlformats.org/officeDocument/2006/relationships" xmlns:p="http://schemas.openxmlformats.org/presentationml/2006/main">
+  <p:cSld>
+    <p:spTree>
+      <p:nvGrpSpPr>
+        <p:cNvPr id="1" name=""/>
+        <p:cNvGrpSpPr/>
+        <p:nvPr/>
+      </p:nvGrpSpPr>
+      <p:grpSpPr>
+        <a:xfrm>
+          <a:off x="0" y="0"/>
+          <a:ext cx="0" cy="0"/>
+          <a:chOff x="0" y="0"/>
+          <a:chExt cx="0" cy="0"/>
+        </a:xfrm>
+      </p:grpSpPr>
+      <p:sp>
+        <p:nvSpPr>
+          <p:cNvPr id="2" name="Slide Image Placeholder 1"/>
+          <p:cNvSpPr>
+            <a:spLocks noGrp="1" noRot="1" noChangeAspect="1"/>
+          </p:cNvSpPr>
+          <p:nvPr>
+            <p:ph type="sldImg"/>
+          </p:nvPr>
+        </p:nvSpPr>
+        <p:spPr/>
+      </p:sp>
+      <p:sp>
+        <p:nvSpPr>
+          <p:cNvPr id="3" name="Notes Placeholder 2"/>
+          <p:cNvSpPr>
+            <a:spLocks noGrp="1"/>
+          </p:cNvSpPr>
+          <p:nvPr>
+            <p:ph type="body" idx="1"/>
+          </p:nvPr>
+        </p:nvSpPr>
+        <p:spPr/>
+        <p:txBody>
+          <a:bodyPr/>
+          <a:lstStyle/>
+          <a:p>
+            <a:endParaRPr lang="en-US" dirty="0"/>
+          </a:p>
+        </p:txBody>
+      </p:sp>
+      <p:sp>
+        <p:nvSpPr>
+          <p:cNvPr id="4" name="Slide Number Placeholder 3"/>
+          <p:cNvSpPr>
+            <a:spLocks noGrp="1"/>
+          </p:cNvSpPr>
+          <p:nvPr>
+            <p:ph type="sldNum" sz="quarter" idx="5"/>
+          </p:nvPr>
+        </p:nvSpPr>
+        <p:spPr/>
+        <p:txBody>
+          <a:bodyPr/>
+          <a:lstStyle/>
+          <a:p>
+            <a:fld id="{3F8BDF20-BE86-4883-8A23-4CE3D0058BEA}" type="slidenum">
+              <a:rPr lang="en-US" smtClean="0"/>
+              <a:t>10</a:t>
+            </a:fld>
+            <a:endParaRPr lang="en-US"/>
+          </a:p>
+        </p:txBody>
+      </p:sp>
+    </p:spTree>
+    <p:extLst>
+      <p:ext uri="{BB962C8B-B14F-4D97-AF65-F5344CB8AC3E}">
+        <p14:creationId xmlns:p14="http://schemas.microsoft.com/office/powerpoint/2010/main" val="1363718744"/>
       </p:ext>
     </p:extLst>
   </p:cSld>
@@ -1274,7 +1444,7 @@
           <a:p>
             <a:fld id="{41748473-9145-41F0-ADB9-654A949CD218}" type="datetimeFigureOut">
               <a:rPr lang="en-US" smtClean="0"/>
-              <a:t>8/27/23</a:t>
+              <a:t>8/28/23</a:t>
             </a:fld>
             <a:endParaRPr lang="en-US"/>
           </a:p>
@@ -1442,7 +1612,7 @@
           <a:p>
             <a:fld id="{41748473-9145-41F0-ADB9-654A949CD218}" type="datetimeFigureOut">
               <a:rPr lang="en-US" smtClean="0"/>
-              <a:t>8/27/23</a:t>
+              <a:t>8/28/23</a:t>
             </a:fld>
             <a:endParaRPr lang="en-US"/>
           </a:p>
@@ -1620,7 +1790,7 @@
           <a:p>
             <a:fld id="{41748473-9145-41F0-ADB9-654A949CD218}" type="datetimeFigureOut">
               <a:rPr lang="en-US" smtClean="0"/>
-              <a:t>8/27/23</a:t>
+              <a:t>8/28/23</a:t>
             </a:fld>
             <a:endParaRPr lang="en-US"/>
           </a:p>
@@ -1788,7 +1958,7 @@
           <a:p>
             <a:fld id="{41748473-9145-41F0-ADB9-654A949CD218}" type="datetimeFigureOut">
               <a:rPr lang="en-US" smtClean="0"/>
-              <a:t>8/27/23</a:t>
+              <a:t>8/28/23</a:t>
             </a:fld>
             <a:endParaRPr lang="en-US"/>
           </a:p>
@@ -2033,7 +2203,7 @@
           <a:p>
             <a:fld id="{41748473-9145-41F0-ADB9-654A949CD218}" type="datetimeFigureOut">
               <a:rPr lang="en-US" smtClean="0"/>
-              <a:t>8/27/23</a:t>
+              <a:t>8/28/23</a:t>
             </a:fld>
             <a:endParaRPr lang="en-US"/>
           </a:p>
@@ -2262,7 +2432,7 @@
           <a:p>
             <a:fld id="{41748473-9145-41F0-ADB9-654A949CD218}" type="datetimeFigureOut">
               <a:rPr lang="en-US" smtClean="0"/>
-              <a:t>8/27/23</a:t>
+              <a:t>8/28/23</a:t>
             </a:fld>
             <a:endParaRPr lang="en-US"/>
           </a:p>
@@ -2626,7 +2796,7 @@
           <a:p>
             <a:fld id="{41748473-9145-41F0-ADB9-654A949CD218}" type="datetimeFigureOut">
               <a:rPr lang="en-US" smtClean="0"/>
-              <a:t>8/27/23</a:t>
+              <a:t>8/28/23</a:t>
             </a:fld>
             <a:endParaRPr lang="en-US"/>
           </a:p>
@@ -2743,7 +2913,7 @@
           <a:p>
             <a:fld id="{41748473-9145-41F0-ADB9-654A949CD218}" type="datetimeFigureOut">
               <a:rPr lang="en-US" smtClean="0"/>
-              <a:t>8/27/23</a:t>
+              <a:t>8/28/23</a:t>
             </a:fld>
             <a:endParaRPr lang="en-US"/>
           </a:p>
@@ -2838,7 +3008,7 @@
           <a:p>
             <a:fld id="{41748473-9145-41F0-ADB9-654A949CD218}" type="datetimeFigureOut">
               <a:rPr lang="en-US" smtClean="0"/>
-              <a:t>8/27/23</a:t>
+              <a:t>8/28/23</a:t>
             </a:fld>
             <a:endParaRPr lang="en-US"/>
           </a:p>
@@ -3113,7 +3283,7 @@
           <a:p>
             <a:fld id="{41748473-9145-41F0-ADB9-654A949CD218}" type="datetimeFigureOut">
               <a:rPr lang="en-US" smtClean="0"/>
-              <a:t>8/27/23</a:t>
+              <a:t>8/28/23</a:t>
             </a:fld>
             <a:endParaRPr lang="en-US"/>
           </a:p>
@@ -3365,7 +3535,7 @@
           <a:p>
             <a:fld id="{41748473-9145-41F0-ADB9-654A949CD218}" type="datetimeFigureOut">
               <a:rPr lang="en-US" smtClean="0"/>
-              <a:t>8/27/23</a:t>
+              <a:t>8/28/23</a:t>
             </a:fld>
             <a:endParaRPr lang="en-US"/>
           </a:p>
@@ -3576,7 +3746,7 @@
           <a:p>
             <a:fld id="{41748473-9145-41F0-ADB9-654A949CD218}" type="datetimeFigureOut">
               <a:rPr lang="en-US" smtClean="0"/>
-              <a:t>8/27/23</a:t>
+              <a:t>8/28/23</a:t>
             </a:fld>
             <a:endParaRPr lang="en-US"/>
           </a:p>
@@ -4249,6 +4419,1497 @@
       </p:grpSpPr>
       <p:sp>
         <p:nvSpPr>
+          <p:cNvPr id="2" name="Title 1"/>
+          <p:cNvSpPr>
+            <a:spLocks noGrp="1"/>
+          </p:cNvSpPr>
+          <p:nvPr>
+            <p:ph type="title"/>
+          </p:nvPr>
+        </p:nvSpPr>
+        <p:spPr>
+          <a:xfrm>
+            <a:off x="838200" y="365126"/>
+            <a:ext cx="10515600" cy="981894"/>
+          </a:xfrm>
+        </p:spPr>
+        <p:txBody>
+          <a:bodyPr>
+            <a:normAutofit/>
+          </a:bodyPr>
+          <a:lstStyle/>
+          <a:p>
+            <a:r>
+              <a:rPr lang="en-US" dirty="0"/>
+              <a:t>Least Squares Method</a:t>
+            </a:r>
+          </a:p>
+        </p:txBody>
+      </p:sp>
+      <mc:AlternateContent xmlns:mc="http://schemas.openxmlformats.org/markup-compatibility/2006">
+        <mc:Choice xmlns:a14="http://schemas.microsoft.com/office/drawing/2010/main" Requires="a14">
+          <p:sp>
+            <p:nvSpPr>
+              <p:cNvPr id="8" name="TextBox 7">
+                <a:extLst>
+                  <a:ext uri="{FF2B5EF4-FFF2-40B4-BE49-F238E27FC236}">
+                    <a16:creationId xmlns:a16="http://schemas.microsoft.com/office/drawing/2014/main" id="{099A7ED8-73D5-9A40-A9DE-A26FA654736F}"/>
+                  </a:ext>
+                </a:extLst>
+              </p:cNvPr>
+              <p:cNvSpPr txBox="1"/>
+              <p:nvPr/>
+            </p:nvSpPr>
+            <p:spPr>
+              <a:xfrm>
+                <a:off x="838200" y="1934704"/>
+                <a:ext cx="10515600" cy="546560"/>
+              </a:xfrm>
+              <a:prstGeom prst="rect">
+                <a:avLst/>
+              </a:prstGeom>
+              <a:noFill/>
+            </p:spPr>
+            <p:txBody>
+              <a:bodyPr wrap="square">
+                <a:spAutoFit/>
+              </a:bodyPr>
+              <a:lstStyle/>
+              <a:p>
+                <a:r>
+                  <a:rPr lang="en-US" sz="2800" b="0" dirty="0"/>
+                  <a:t>The variance of </a:t>
+                </a:r>
+                <a14:m>
+                  <m:oMath xmlns:m="http://schemas.openxmlformats.org/officeDocument/2006/math">
+                    <m:sSub>
+                      <m:sSubPr>
+                        <m:ctrlPr>
+                          <a:rPr lang="en-US" sz="2800" i="1" dirty="0">
+                            <a:latin typeface="Cambria Math" panose="02040503050406030204" pitchFamily="18" charset="0"/>
+                          </a:rPr>
+                        </m:ctrlPr>
+                      </m:sSubPr>
+                      <m:e>
+                        <m:acc>
+                          <m:accPr>
+                            <m:chr m:val="̂"/>
+                            <m:ctrlPr>
+                              <a:rPr lang="en-US" sz="2800" i="1">
+                                <a:latin typeface="Cambria Math" panose="02040503050406030204" pitchFamily="18" charset="0"/>
+                              </a:rPr>
+                            </m:ctrlPr>
+                          </m:accPr>
+                          <m:e>
+                            <m:r>
+                              <a:rPr lang="en-US" sz="2800" i="1">
+                                <a:latin typeface="Cambria Math" panose="02040503050406030204" pitchFamily="18" charset="0"/>
+                              </a:rPr>
+                              <m:t>𝛽</m:t>
+                            </m:r>
+                          </m:e>
+                        </m:acc>
+                      </m:e>
+                      <m:sub>
+                        <m:r>
+                          <a:rPr lang="en-US" sz="2800" b="0" i="1" smtClean="0">
+                            <a:latin typeface="Cambria Math" panose="02040503050406030204" pitchFamily="18" charset="0"/>
+                          </a:rPr>
+                          <m:t>0</m:t>
+                        </m:r>
+                      </m:sub>
+                    </m:sSub>
+                    <m:r>
+                      <a:rPr lang="en-US" sz="2800" i="1">
+                        <a:latin typeface="Cambria Math" panose="02040503050406030204" pitchFamily="18" charset="0"/>
+                      </a:rPr>
+                      <m:t> </m:t>
+                    </m:r>
+                  </m:oMath>
+                </a14:m>
+                <a:r>
+                  <a:rPr lang="en-US" sz="2800" b="0" dirty="0"/>
+                  <a:t>and </a:t>
+                </a:r>
+                <a14:m>
+                  <m:oMath xmlns:m="http://schemas.openxmlformats.org/officeDocument/2006/math">
+                    <m:sSub>
+                      <m:sSubPr>
+                        <m:ctrlPr>
+                          <a:rPr lang="en-US" sz="2800" i="1" dirty="0" smtClean="0">
+                            <a:latin typeface="Cambria Math" panose="02040503050406030204" pitchFamily="18" charset="0"/>
+                          </a:rPr>
+                        </m:ctrlPr>
+                      </m:sSubPr>
+                      <m:e>
+                        <m:acc>
+                          <m:accPr>
+                            <m:chr m:val="̂"/>
+                            <m:ctrlPr>
+                              <a:rPr lang="en-US" sz="2800" i="1">
+                                <a:latin typeface="Cambria Math" panose="02040503050406030204" pitchFamily="18" charset="0"/>
+                              </a:rPr>
+                            </m:ctrlPr>
+                          </m:accPr>
+                          <m:e>
+                            <m:r>
+                              <a:rPr lang="en-US" sz="2800" i="1">
+                                <a:latin typeface="Cambria Math" panose="02040503050406030204" pitchFamily="18" charset="0"/>
+                              </a:rPr>
+                              <m:t>𝛽</m:t>
+                            </m:r>
+                          </m:e>
+                        </m:acc>
+                      </m:e>
+                      <m:sub>
+                        <m:r>
+                          <a:rPr lang="en-US" sz="2800" b="0" i="1" smtClean="0">
+                            <a:latin typeface="Cambria Math" panose="02040503050406030204" pitchFamily="18" charset="0"/>
+                          </a:rPr>
+                          <m:t>1</m:t>
+                        </m:r>
+                      </m:sub>
+                    </m:sSub>
+                  </m:oMath>
+                </a14:m>
+                <a:r>
+                  <a:rPr lang="en-US" sz="2800" dirty="0"/>
+                  <a:t> are</a:t>
+                </a:r>
+              </a:p>
+            </p:txBody>
+          </p:sp>
+        </mc:Choice>
+        <mc:Fallback>
+          <p:sp>
+            <p:nvSpPr>
+              <p:cNvPr id="8" name="TextBox 7">
+                <a:extLst>
+                  <a:ext uri="{FF2B5EF4-FFF2-40B4-BE49-F238E27FC236}">
+                    <a16:creationId xmlns:a16="http://schemas.microsoft.com/office/drawing/2014/main" id="{099A7ED8-73D5-9A40-A9DE-A26FA654736F}"/>
+                  </a:ext>
+                </a:extLst>
+              </p:cNvPr>
+              <p:cNvSpPr txBox="1">
+                <a:spLocks noRot="1" noChangeAspect="1" noMove="1" noResize="1" noEditPoints="1" noAdjustHandles="1" noChangeArrowheads="1" noChangeShapeType="1" noTextEdit="1"/>
+              </p:cNvSpPr>
+              <p:nvPr/>
+            </p:nvSpPr>
+            <p:spPr>
+              <a:xfrm>
+                <a:off x="838200" y="1934704"/>
+                <a:ext cx="10515600" cy="546560"/>
+              </a:xfrm>
+              <a:prstGeom prst="rect">
+                <a:avLst/>
+              </a:prstGeom>
+              <a:blipFill>
+                <a:blip r:embed="rId3"/>
+                <a:stretch>
+                  <a:fillRect l="-1206" t="-9091" b="-29545"/>
+                </a:stretch>
+              </a:blipFill>
+            </p:spPr>
+            <p:txBody>
+              <a:bodyPr/>
+              <a:lstStyle/>
+              <a:p>
+                <a:r>
+                  <a:rPr lang="en-US">
+                    <a:noFill/>
+                  </a:rPr>
+                  <a:t> </a:t>
+                </a:r>
+              </a:p>
+            </p:txBody>
+          </p:sp>
+        </mc:Fallback>
+      </mc:AlternateContent>
+      <mc:AlternateContent xmlns:mc="http://schemas.openxmlformats.org/markup-compatibility/2006">
+        <mc:Choice xmlns:a14="http://schemas.microsoft.com/office/drawing/2010/main" Requires="a14">
+          <p:sp>
+            <p:nvSpPr>
+              <p:cNvPr id="9" name="TextBox 8">
+                <a:extLst>
+                  <a:ext uri="{FF2B5EF4-FFF2-40B4-BE49-F238E27FC236}">
+                    <a16:creationId xmlns:a16="http://schemas.microsoft.com/office/drawing/2014/main" id="{D9EFD508-C1AA-024C-99F8-CE8E543B2A56}"/>
+                  </a:ext>
+                </a:extLst>
+              </p:cNvPr>
+              <p:cNvSpPr txBox="1"/>
+              <p:nvPr/>
+            </p:nvSpPr>
+            <p:spPr>
+              <a:xfrm>
+                <a:off x="1554480" y="3004589"/>
+                <a:ext cx="3307080" cy="848822"/>
+              </a:xfrm>
+              <a:prstGeom prst="rect">
+                <a:avLst/>
+              </a:prstGeom>
+              <a:noFill/>
+            </p:spPr>
+            <p:txBody>
+              <a:bodyPr wrap="square">
+                <a:spAutoFit/>
+              </a:bodyPr>
+              <a:lstStyle/>
+              <a:p>
+                <a:pPr/>
+                <a14:m>
+                  <m:oMath xmlns:m="http://schemas.openxmlformats.org/officeDocument/2006/math">
+                    <m:sSub>
+                      <m:sSubPr>
+                        <m:ctrlPr>
+                          <a:rPr lang="en-US" sz="2800" i="1" dirty="0" smtClean="0">
+                            <a:latin typeface="Cambria Math" panose="02040503050406030204" pitchFamily="18" charset="0"/>
+                          </a:rPr>
+                        </m:ctrlPr>
+                      </m:sSubPr>
+                      <m:e>
+                        <m:r>
+                          <a:rPr lang="en-US" sz="2800" b="0" i="1" dirty="0" smtClean="0">
+                            <a:latin typeface="Cambria Math" panose="02040503050406030204" pitchFamily="18" charset="0"/>
+                          </a:rPr>
+                          <m:t>𝑆</m:t>
+                        </m:r>
+                        <m:sSup>
+                          <m:sSupPr>
+                            <m:ctrlPr>
+                              <a:rPr lang="en-US" sz="2800" b="0" i="1" dirty="0" smtClean="0">
+                                <a:latin typeface="Cambria Math" panose="02040503050406030204" pitchFamily="18" charset="0"/>
+                              </a:rPr>
+                            </m:ctrlPr>
+                          </m:sSupPr>
+                          <m:e>
+                            <m:r>
+                              <a:rPr lang="en-US" sz="2800" b="0" i="1" dirty="0" smtClean="0">
+                                <a:latin typeface="Cambria Math" panose="02040503050406030204" pitchFamily="18" charset="0"/>
+                              </a:rPr>
+                              <m:t>𝐸</m:t>
+                            </m:r>
+                          </m:e>
+                          <m:sup>
+                            <m:r>
+                              <a:rPr lang="en-US" sz="2800" b="0" i="1" dirty="0" smtClean="0">
+                                <a:latin typeface="Cambria Math" panose="02040503050406030204" pitchFamily="18" charset="0"/>
+                              </a:rPr>
+                              <m:t>2</m:t>
+                            </m:r>
+                          </m:sup>
+                        </m:sSup>
+                        <m:r>
+                          <a:rPr lang="en-US" sz="2800" b="0" i="1" dirty="0" smtClean="0">
+                            <a:latin typeface="Cambria Math" panose="02040503050406030204" pitchFamily="18" charset="0"/>
+                          </a:rPr>
+                          <m:t>(</m:t>
+                        </m:r>
+                        <m:acc>
+                          <m:accPr>
+                            <m:chr m:val="̂"/>
+                            <m:ctrlPr>
+                              <a:rPr lang="en-US" sz="2800" i="1">
+                                <a:latin typeface="Cambria Math" panose="02040503050406030204" pitchFamily="18" charset="0"/>
+                              </a:rPr>
+                            </m:ctrlPr>
+                          </m:accPr>
+                          <m:e>
+                            <m:r>
+                              <a:rPr lang="en-US" sz="2800" i="1">
+                                <a:latin typeface="Cambria Math" panose="02040503050406030204" pitchFamily="18" charset="0"/>
+                              </a:rPr>
+                              <m:t>𝛽</m:t>
+                            </m:r>
+                          </m:e>
+                        </m:acc>
+                      </m:e>
+                      <m:sub>
+                        <m:r>
+                          <a:rPr lang="en-US" sz="2800" b="0" i="1" smtClean="0">
+                            <a:latin typeface="Cambria Math" panose="02040503050406030204" pitchFamily="18" charset="0"/>
+                          </a:rPr>
+                          <m:t>1</m:t>
+                        </m:r>
+                      </m:sub>
+                    </m:sSub>
+                    <m:r>
+                      <a:rPr lang="en-US" sz="2800" b="0" i="1" dirty="0" smtClean="0">
+                        <a:latin typeface="Cambria Math" panose="02040503050406030204" pitchFamily="18" charset="0"/>
+                      </a:rPr>
+                      <m:t>)=</m:t>
+                    </m:r>
+                  </m:oMath>
+                </a14:m>
+                <a:r>
+                  <a:rPr lang="en-US" sz="2800" dirty="0"/>
+                  <a:t> </a:t>
+                </a:r>
+                <a14:m>
+                  <m:oMath xmlns:m="http://schemas.openxmlformats.org/officeDocument/2006/math">
+                    <m:f>
+                      <m:fPr>
+                        <m:ctrlPr>
+                          <a:rPr lang="en-US" sz="2800" i="1" dirty="0">
+                            <a:latin typeface="Cambria Math" panose="02040503050406030204" pitchFamily="18" charset="0"/>
+                          </a:rPr>
+                        </m:ctrlPr>
+                      </m:fPr>
+                      <m:num>
+                        <m:sSup>
+                          <m:sSupPr>
+                            <m:ctrlPr>
+                              <a:rPr lang="en-US" sz="2800" b="0" i="1" dirty="0" smtClean="0">
+                                <a:latin typeface="Cambria Math" panose="02040503050406030204" pitchFamily="18" charset="0"/>
+                              </a:rPr>
+                            </m:ctrlPr>
+                          </m:sSupPr>
+                          <m:e>
+                            <m:r>
+                              <a:rPr lang="en-US" sz="2800" b="0" i="1" dirty="0" smtClean="0">
+                                <a:latin typeface="Cambria Math" panose="02040503050406030204" pitchFamily="18" charset="0"/>
+                              </a:rPr>
+                              <m:t>𝜎</m:t>
+                            </m:r>
+                          </m:e>
+                          <m:sup>
+                            <m:r>
+                              <a:rPr lang="en-US" sz="2800" b="0" i="1" dirty="0" smtClean="0">
+                                <a:latin typeface="Cambria Math" panose="02040503050406030204" pitchFamily="18" charset="0"/>
+                              </a:rPr>
+                              <m:t>2</m:t>
+                            </m:r>
+                          </m:sup>
+                        </m:sSup>
+                      </m:num>
+                      <m:den>
+                        <m:nary>
+                          <m:naryPr>
+                            <m:chr m:val="∑"/>
+                            <m:supHide m:val="on"/>
+                            <m:ctrlPr>
+                              <a:rPr lang="en-US" sz="2800" i="1" dirty="0">
+                                <a:latin typeface="Cambria Math" panose="02040503050406030204" pitchFamily="18" charset="0"/>
+                              </a:rPr>
+                            </m:ctrlPr>
+                          </m:naryPr>
+                          <m:sub>
+                            <m:r>
+                              <a:rPr lang="en-US" sz="2800" i="1" dirty="0">
+                                <a:latin typeface="Cambria Math" panose="02040503050406030204" pitchFamily="18" charset="0"/>
+                              </a:rPr>
+                              <m:t>𝑖</m:t>
+                            </m:r>
+                          </m:sub>
+                          <m:sup/>
+                          <m:e>
+                            <m:sSup>
+                              <m:sSupPr>
+                                <m:ctrlPr>
+                                  <a:rPr lang="en-US" sz="2800" i="1" dirty="0">
+                                    <a:latin typeface="Cambria Math" panose="02040503050406030204" pitchFamily="18" charset="0"/>
+                                  </a:rPr>
+                                </m:ctrlPr>
+                              </m:sSupPr>
+                              <m:e>
+                                <m:d>
+                                  <m:dPr>
+                                    <m:ctrlPr>
+                                      <a:rPr lang="en-US" sz="2800" i="1" dirty="0">
+                                        <a:latin typeface="Cambria Math" panose="02040503050406030204" pitchFamily="18" charset="0"/>
+                                      </a:rPr>
+                                    </m:ctrlPr>
+                                  </m:dPr>
+                                  <m:e>
+                                    <m:sSub>
+                                      <m:sSubPr>
+                                        <m:ctrlPr>
+                                          <a:rPr lang="en-US" sz="2800" i="1" dirty="0">
+                                            <a:latin typeface="Cambria Math" panose="02040503050406030204" pitchFamily="18" charset="0"/>
+                                          </a:rPr>
+                                        </m:ctrlPr>
+                                      </m:sSubPr>
+                                      <m:e>
+                                        <m:r>
+                                          <a:rPr lang="en-US" sz="2800" i="1" dirty="0">
+                                            <a:latin typeface="Cambria Math" panose="02040503050406030204" pitchFamily="18" charset="0"/>
+                                          </a:rPr>
+                                          <m:t>𝑥</m:t>
+                                        </m:r>
+                                      </m:e>
+                                      <m:sub>
+                                        <m:r>
+                                          <a:rPr lang="en-US" sz="2800" i="1" dirty="0">
+                                            <a:latin typeface="Cambria Math" panose="02040503050406030204" pitchFamily="18" charset="0"/>
+                                          </a:rPr>
+                                          <m:t>𝑖</m:t>
+                                        </m:r>
+                                      </m:sub>
+                                    </m:sSub>
+                                    <m:r>
+                                      <a:rPr lang="en-US" sz="2800" i="1" dirty="0">
+                                        <a:latin typeface="Cambria Math" panose="02040503050406030204" pitchFamily="18" charset="0"/>
+                                      </a:rPr>
+                                      <m:t>−</m:t>
+                                    </m:r>
+                                    <m:bar>
+                                      <m:barPr>
+                                        <m:pos m:val="top"/>
+                                        <m:ctrlPr>
+                                          <a:rPr lang="en-US" sz="2800" i="1" dirty="0">
+                                            <a:latin typeface="Cambria Math" panose="02040503050406030204" pitchFamily="18" charset="0"/>
+                                          </a:rPr>
+                                        </m:ctrlPr>
+                                      </m:barPr>
+                                      <m:e>
+                                        <m:r>
+                                          <a:rPr lang="en-US" sz="2800" i="1" dirty="0">
+                                            <a:latin typeface="Cambria Math" panose="02040503050406030204" pitchFamily="18" charset="0"/>
+                                          </a:rPr>
+                                          <m:t>𝑥</m:t>
+                                        </m:r>
+                                      </m:e>
+                                    </m:bar>
+                                  </m:e>
+                                </m:d>
+                              </m:e>
+                              <m:sup>
+                                <m:r>
+                                  <a:rPr lang="en-US" sz="2800" i="1" dirty="0">
+                                    <a:latin typeface="Cambria Math" panose="02040503050406030204" pitchFamily="18" charset="0"/>
+                                  </a:rPr>
+                                  <m:t>2</m:t>
+                                </m:r>
+                              </m:sup>
+                            </m:sSup>
+                          </m:e>
+                        </m:nary>
+                      </m:den>
+                    </m:f>
+                  </m:oMath>
+                </a14:m>
+                <a:endParaRPr lang="en-US" sz="2800" dirty="0"/>
+              </a:p>
+            </p:txBody>
+          </p:sp>
+        </mc:Choice>
+        <mc:Fallback>
+          <p:sp>
+            <p:nvSpPr>
+              <p:cNvPr id="9" name="TextBox 8">
+                <a:extLst>
+                  <a:ext uri="{FF2B5EF4-FFF2-40B4-BE49-F238E27FC236}">
+                    <a16:creationId xmlns:a16="http://schemas.microsoft.com/office/drawing/2014/main" id="{D9EFD508-C1AA-024C-99F8-CE8E543B2A56}"/>
+                  </a:ext>
+                </a:extLst>
+              </p:cNvPr>
+              <p:cNvSpPr txBox="1">
+                <a:spLocks noRot="1" noChangeAspect="1" noMove="1" noResize="1" noEditPoints="1" noAdjustHandles="1" noChangeArrowheads="1" noChangeShapeType="1" noTextEdit="1"/>
+              </p:cNvSpPr>
+              <p:nvPr/>
+            </p:nvSpPr>
+            <p:spPr>
+              <a:xfrm>
+                <a:off x="1554480" y="3004589"/>
+                <a:ext cx="3307080" cy="848822"/>
+              </a:xfrm>
+              <a:prstGeom prst="rect">
+                <a:avLst/>
+              </a:prstGeom>
+              <a:blipFill>
+                <a:blip r:embed="rId4"/>
+                <a:stretch>
+                  <a:fillRect l="-763" t="-5882" b="-80882"/>
+                </a:stretch>
+              </a:blipFill>
+            </p:spPr>
+            <p:txBody>
+              <a:bodyPr/>
+              <a:lstStyle/>
+              <a:p>
+                <a:r>
+                  <a:rPr lang="en-US">
+                    <a:noFill/>
+                  </a:rPr>
+                  <a:t> </a:t>
+                </a:r>
+              </a:p>
+            </p:txBody>
+          </p:sp>
+        </mc:Fallback>
+      </mc:AlternateContent>
+      <mc:AlternateContent xmlns:mc="http://schemas.openxmlformats.org/markup-compatibility/2006">
+        <mc:Choice xmlns:a14="http://schemas.microsoft.com/office/drawing/2010/main" Requires="a14">
+          <p:sp>
+            <p:nvSpPr>
+              <p:cNvPr id="10" name="TextBox 9">
+                <a:extLst>
+                  <a:ext uri="{FF2B5EF4-FFF2-40B4-BE49-F238E27FC236}">
+                    <a16:creationId xmlns:a16="http://schemas.microsoft.com/office/drawing/2014/main" id="{8E52DC3F-B6AA-8143-9BCF-6ABDFE4CA10F}"/>
+                  </a:ext>
+                </a:extLst>
+              </p:cNvPr>
+              <p:cNvSpPr txBox="1"/>
+              <p:nvPr/>
+            </p:nvSpPr>
+            <p:spPr>
+              <a:xfrm>
+                <a:off x="5455920" y="3068948"/>
+                <a:ext cx="5181600" cy="903004"/>
+              </a:xfrm>
+              <a:prstGeom prst="rect">
+                <a:avLst/>
+              </a:prstGeom>
+              <a:noFill/>
+            </p:spPr>
+            <p:txBody>
+              <a:bodyPr wrap="square">
+                <a:spAutoFit/>
+              </a:bodyPr>
+              <a:lstStyle/>
+              <a:p>
+                <a:pPr/>
+                <a14:m>
+                  <m:oMath xmlns:m="http://schemas.openxmlformats.org/officeDocument/2006/math">
+                    <m:sSub>
+                      <m:sSubPr>
+                        <m:ctrlPr>
+                          <a:rPr lang="en-US" sz="2800" i="1" dirty="0" smtClean="0">
+                            <a:latin typeface="Cambria Math" panose="02040503050406030204" pitchFamily="18" charset="0"/>
+                          </a:rPr>
+                        </m:ctrlPr>
+                      </m:sSubPr>
+                      <m:e>
+                        <m:r>
+                          <a:rPr lang="en-US" sz="2800" b="0" i="1" dirty="0" smtClean="0">
+                            <a:latin typeface="Cambria Math" panose="02040503050406030204" pitchFamily="18" charset="0"/>
+                          </a:rPr>
+                          <m:t>𝑆</m:t>
+                        </m:r>
+                        <m:sSup>
+                          <m:sSupPr>
+                            <m:ctrlPr>
+                              <a:rPr lang="en-US" sz="2800" b="0" i="1" dirty="0" smtClean="0">
+                                <a:latin typeface="Cambria Math" panose="02040503050406030204" pitchFamily="18" charset="0"/>
+                              </a:rPr>
+                            </m:ctrlPr>
+                          </m:sSupPr>
+                          <m:e>
+                            <m:r>
+                              <a:rPr lang="en-US" sz="2800" b="0" i="1" dirty="0" smtClean="0">
+                                <a:latin typeface="Cambria Math" panose="02040503050406030204" pitchFamily="18" charset="0"/>
+                              </a:rPr>
+                              <m:t>𝐸</m:t>
+                            </m:r>
+                          </m:e>
+                          <m:sup>
+                            <m:r>
+                              <a:rPr lang="en-US" sz="2800" b="0" i="1" dirty="0" smtClean="0">
+                                <a:latin typeface="Cambria Math" panose="02040503050406030204" pitchFamily="18" charset="0"/>
+                              </a:rPr>
+                              <m:t>2</m:t>
+                            </m:r>
+                          </m:sup>
+                        </m:sSup>
+                        <m:r>
+                          <a:rPr lang="en-US" sz="2800" b="0" i="1" dirty="0" smtClean="0">
+                            <a:latin typeface="Cambria Math" panose="02040503050406030204" pitchFamily="18" charset="0"/>
+                          </a:rPr>
+                          <m:t>(</m:t>
+                        </m:r>
+                        <m:acc>
+                          <m:accPr>
+                            <m:chr m:val="̂"/>
+                            <m:ctrlPr>
+                              <a:rPr lang="en-US" sz="2800" i="1">
+                                <a:latin typeface="Cambria Math" panose="02040503050406030204" pitchFamily="18" charset="0"/>
+                              </a:rPr>
+                            </m:ctrlPr>
+                          </m:accPr>
+                          <m:e>
+                            <m:r>
+                              <a:rPr lang="en-US" sz="2800" i="1">
+                                <a:latin typeface="Cambria Math" panose="02040503050406030204" pitchFamily="18" charset="0"/>
+                              </a:rPr>
+                              <m:t>𝛽</m:t>
+                            </m:r>
+                          </m:e>
+                        </m:acc>
+                      </m:e>
+                      <m:sub>
+                        <m:r>
+                          <a:rPr lang="en-US" sz="2800" b="0" i="1" smtClean="0">
+                            <a:latin typeface="Cambria Math" panose="02040503050406030204" pitchFamily="18" charset="0"/>
+                          </a:rPr>
+                          <m:t>0</m:t>
+                        </m:r>
+                      </m:sub>
+                    </m:sSub>
+                    <m:r>
+                      <a:rPr lang="en-US" sz="2800" b="0" i="1" dirty="0" smtClean="0">
+                        <a:latin typeface="Cambria Math" panose="02040503050406030204" pitchFamily="18" charset="0"/>
+                      </a:rPr>
+                      <m:t>)=</m:t>
+                    </m:r>
+                  </m:oMath>
+                </a14:m>
+                <a:r>
+                  <a:rPr lang="en-US" sz="2800" dirty="0"/>
+                  <a:t> </a:t>
+                </a:r>
+                <a14:m>
+                  <m:oMath xmlns:m="http://schemas.openxmlformats.org/officeDocument/2006/math">
+                    <m:sSup>
+                      <m:sSupPr>
+                        <m:ctrlPr>
+                          <a:rPr lang="en-US" sz="2800" i="1" dirty="0">
+                            <a:latin typeface="Cambria Math" panose="02040503050406030204" pitchFamily="18" charset="0"/>
+                          </a:rPr>
+                        </m:ctrlPr>
+                      </m:sSupPr>
+                      <m:e>
+                        <m:r>
+                          <a:rPr lang="en-US" sz="2800" i="1" dirty="0">
+                            <a:latin typeface="Cambria Math" panose="02040503050406030204" pitchFamily="18" charset="0"/>
+                          </a:rPr>
+                          <m:t>𝜎</m:t>
+                        </m:r>
+                      </m:e>
+                      <m:sup>
+                        <m:r>
+                          <a:rPr lang="en-US" sz="2800" i="1" dirty="0">
+                            <a:latin typeface="Cambria Math" panose="02040503050406030204" pitchFamily="18" charset="0"/>
+                          </a:rPr>
+                          <m:t>2</m:t>
+                        </m:r>
+                      </m:sup>
+                    </m:sSup>
+                  </m:oMath>
+                </a14:m>
+                <a:r>
+                  <a:rPr lang="en-US" sz="2800" dirty="0"/>
+                  <a:t> [</a:t>
+                </a:r>
+                <a14:m>
+                  <m:oMath xmlns:m="http://schemas.openxmlformats.org/officeDocument/2006/math">
+                    <m:f>
+                      <m:fPr>
+                        <m:ctrlPr>
+                          <a:rPr lang="en-US" sz="2800" i="1" dirty="0" smtClean="0">
+                            <a:latin typeface="Cambria Math" panose="02040503050406030204" pitchFamily="18" charset="0"/>
+                          </a:rPr>
+                        </m:ctrlPr>
+                      </m:fPr>
+                      <m:num>
+                        <m:r>
+                          <a:rPr lang="en-US" sz="2800" b="0" i="1" dirty="0" smtClean="0">
+                            <a:latin typeface="Cambria Math" panose="02040503050406030204" pitchFamily="18" charset="0"/>
+                          </a:rPr>
+                          <m:t>1</m:t>
+                        </m:r>
+                      </m:num>
+                      <m:den>
+                        <m:r>
+                          <a:rPr lang="en-US" sz="2800" b="0" i="1" dirty="0" smtClean="0">
+                            <a:latin typeface="Cambria Math" panose="02040503050406030204" pitchFamily="18" charset="0"/>
+                          </a:rPr>
+                          <m:t>𝑛</m:t>
+                        </m:r>
+                      </m:den>
+                    </m:f>
+                    <m:r>
+                      <a:rPr lang="en-US" sz="2800" b="0" i="1" dirty="0" smtClean="0">
+                        <a:latin typeface="Cambria Math" panose="02040503050406030204" pitchFamily="18" charset="0"/>
+                      </a:rPr>
+                      <m:t>+</m:t>
+                    </m:r>
+                    <m:f>
+                      <m:fPr>
+                        <m:ctrlPr>
+                          <a:rPr lang="en-US" sz="2800" i="1" dirty="0">
+                            <a:latin typeface="Cambria Math" panose="02040503050406030204" pitchFamily="18" charset="0"/>
+                          </a:rPr>
+                        </m:ctrlPr>
+                      </m:fPr>
+                      <m:num>
+                        <m:sSup>
+                          <m:sSupPr>
+                            <m:ctrlPr>
+                              <a:rPr lang="en-US" sz="2800" b="0" i="1" dirty="0" smtClean="0">
+                                <a:latin typeface="Cambria Math" panose="02040503050406030204" pitchFamily="18" charset="0"/>
+                              </a:rPr>
+                            </m:ctrlPr>
+                          </m:sSupPr>
+                          <m:e>
+                            <m:bar>
+                              <m:barPr>
+                                <m:pos m:val="top"/>
+                                <m:ctrlPr>
+                                  <a:rPr lang="en-US" sz="2800" i="1" dirty="0">
+                                    <a:latin typeface="Cambria Math" panose="02040503050406030204" pitchFamily="18" charset="0"/>
+                                  </a:rPr>
+                                </m:ctrlPr>
+                              </m:barPr>
+                              <m:e>
+                                <m:r>
+                                  <a:rPr lang="en-US" sz="2800" i="1" dirty="0">
+                                    <a:latin typeface="Cambria Math" panose="02040503050406030204" pitchFamily="18" charset="0"/>
+                                  </a:rPr>
+                                  <m:t>𝑥</m:t>
+                                </m:r>
+                              </m:e>
+                            </m:bar>
+                          </m:e>
+                          <m:sup>
+                            <m:r>
+                              <a:rPr lang="en-US" sz="2800" b="0" i="1" dirty="0" smtClean="0">
+                                <a:latin typeface="Cambria Math" panose="02040503050406030204" pitchFamily="18" charset="0"/>
+                              </a:rPr>
+                              <m:t>2</m:t>
+                            </m:r>
+                          </m:sup>
+                        </m:sSup>
+                      </m:num>
+                      <m:den>
+                        <m:nary>
+                          <m:naryPr>
+                            <m:chr m:val="∑"/>
+                            <m:supHide m:val="on"/>
+                            <m:ctrlPr>
+                              <a:rPr lang="en-US" sz="2800" i="1" dirty="0">
+                                <a:latin typeface="Cambria Math" panose="02040503050406030204" pitchFamily="18" charset="0"/>
+                              </a:rPr>
+                            </m:ctrlPr>
+                          </m:naryPr>
+                          <m:sub>
+                            <m:r>
+                              <a:rPr lang="en-US" sz="2800" i="1" dirty="0">
+                                <a:latin typeface="Cambria Math" panose="02040503050406030204" pitchFamily="18" charset="0"/>
+                              </a:rPr>
+                              <m:t>𝑖</m:t>
+                            </m:r>
+                          </m:sub>
+                          <m:sup/>
+                          <m:e>
+                            <m:sSup>
+                              <m:sSupPr>
+                                <m:ctrlPr>
+                                  <a:rPr lang="en-US" sz="2800" i="1" dirty="0">
+                                    <a:latin typeface="Cambria Math" panose="02040503050406030204" pitchFamily="18" charset="0"/>
+                                  </a:rPr>
+                                </m:ctrlPr>
+                              </m:sSupPr>
+                              <m:e>
+                                <m:d>
+                                  <m:dPr>
+                                    <m:ctrlPr>
+                                      <a:rPr lang="en-US" sz="2800" i="1" dirty="0">
+                                        <a:latin typeface="Cambria Math" panose="02040503050406030204" pitchFamily="18" charset="0"/>
+                                      </a:rPr>
+                                    </m:ctrlPr>
+                                  </m:dPr>
+                                  <m:e>
+                                    <m:sSub>
+                                      <m:sSubPr>
+                                        <m:ctrlPr>
+                                          <a:rPr lang="en-US" sz="2800" i="1" dirty="0">
+                                            <a:latin typeface="Cambria Math" panose="02040503050406030204" pitchFamily="18" charset="0"/>
+                                          </a:rPr>
+                                        </m:ctrlPr>
+                                      </m:sSubPr>
+                                      <m:e>
+                                        <m:r>
+                                          <a:rPr lang="en-US" sz="2800" i="1" dirty="0">
+                                            <a:latin typeface="Cambria Math" panose="02040503050406030204" pitchFamily="18" charset="0"/>
+                                          </a:rPr>
+                                          <m:t>𝑥</m:t>
+                                        </m:r>
+                                      </m:e>
+                                      <m:sub>
+                                        <m:r>
+                                          <a:rPr lang="en-US" sz="2800" i="1" dirty="0">
+                                            <a:latin typeface="Cambria Math" panose="02040503050406030204" pitchFamily="18" charset="0"/>
+                                          </a:rPr>
+                                          <m:t>𝑖</m:t>
+                                        </m:r>
+                                      </m:sub>
+                                    </m:sSub>
+                                    <m:r>
+                                      <a:rPr lang="en-US" sz="2800" i="1" dirty="0">
+                                        <a:latin typeface="Cambria Math" panose="02040503050406030204" pitchFamily="18" charset="0"/>
+                                      </a:rPr>
+                                      <m:t>−</m:t>
+                                    </m:r>
+                                    <m:bar>
+                                      <m:barPr>
+                                        <m:pos m:val="top"/>
+                                        <m:ctrlPr>
+                                          <a:rPr lang="en-US" sz="2800" i="1" dirty="0">
+                                            <a:latin typeface="Cambria Math" panose="02040503050406030204" pitchFamily="18" charset="0"/>
+                                          </a:rPr>
+                                        </m:ctrlPr>
+                                      </m:barPr>
+                                      <m:e>
+                                        <m:r>
+                                          <a:rPr lang="en-US" sz="2800" i="1" dirty="0">
+                                            <a:latin typeface="Cambria Math" panose="02040503050406030204" pitchFamily="18" charset="0"/>
+                                          </a:rPr>
+                                          <m:t>𝑥</m:t>
+                                        </m:r>
+                                      </m:e>
+                                    </m:bar>
+                                  </m:e>
+                                </m:d>
+                              </m:e>
+                              <m:sup>
+                                <m:r>
+                                  <a:rPr lang="en-US" sz="2800" i="1" dirty="0">
+                                    <a:latin typeface="Cambria Math" panose="02040503050406030204" pitchFamily="18" charset="0"/>
+                                  </a:rPr>
+                                  <m:t>2</m:t>
+                                </m:r>
+                              </m:sup>
+                            </m:sSup>
+                          </m:e>
+                        </m:nary>
+                      </m:den>
+                    </m:f>
+                  </m:oMath>
+                </a14:m>
+                <a:r>
+                  <a:rPr lang="en-US" sz="2800" dirty="0"/>
+                  <a:t>]</a:t>
+                </a:r>
+              </a:p>
+            </p:txBody>
+          </p:sp>
+        </mc:Choice>
+        <mc:Fallback>
+          <p:sp>
+            <p:nvSpPr>
+              <p:cNvPr id="10" name="TextBox 9">
+                <a:extLst>
+                  <a:ext uri="{FF2B5EF4-FFF2-40B4-BE49-F238E27FC236}">
+                    <a16:creationId xmlns:a16="http://schemas.microsoft.com/office/drawing/2014/main" id="{8E52DC3F-B6AA-8143-9BCF-6ABDFE4CA10F}"/>
+                  </a:ext>
+                </a:extLst>
+              </p:cNvPr>
+              <p:cNvSpPr txBox="1">
+                <a:spLocks noRot="1" noChangeAspect="1" noMove="1" noResize="1" noEditPoints="1" noAdjustHandles="1" noChangeArrowheads="1" noChangeShapeType="1" noTextEdit="1"/>
+              </p:cNvSpPr>
+              <p:nvPr/>
+            </p:nvSpPr>
+            <p:spPr>
+              <a:xfrm>
+                <a:off x="5455920" y="3068948"/>
+                <a:ext cx="5181600" cy="903004"/>
+              </a:xfrm>
+              <a:prstGeom prst="rect">
+                <a:avLst/>
+              </a:prstGeom>
+              <a:blipFill>
+                <a:blip r:embed="rId5"/>
+                <a:stretch>
+                  <a:fillRect l="-489" b="-76389"/>
+                </a:stretch>
+              </a:blipFill>
+            </p:spPr>
+            <p:txBody>
+              <a:bodyPr/>
+              <a:lstStyle/>
+              <a:p>
+                <a:r>
+                  <a:rPr lang="en-US">
+                    <a:noFill/>
+                  </a:rPr>
+                  <a:t> </a:t>
+                </a:r>
+              </a:p>
+            </p:txBody>
+          </p:sp>
+        </mc:Fallback>
+      </mc:AlternateContent>
+      <mc:AlternateContent xmlns:mc="http://schemas.openxmlformats.org/markup-compatibility/2006">
+        <mc:Choice xmlns:a14="http://schemas.microsoft.com/office/drawing/2010/main" Requires="a14">
+          <p:sp>
+            <p:nvSpPr>
+              <p:cNvPr id="11" name="TextBox 10">
+                <a:extLst>
+                  <a:ext uri="{FF2B5EF4-FFF2-40B4-BE49-F238E27FC236}">
+                    <a16:creationId xmlns:a16="http://schemas.microsoft.com/office/drawing/2014/main" id="{C64E53DB-C59A-204B-9685-51B3A8EEA42F}"/>
+                  </a:ext>
+                </a:extLst>
+              </p:cNvPr>
+              <p:cNvSpPr txBox="1"/>
+              <p:nvPr/>
+            </p:nvSpPr>
+            <p:spPr>
+              <a:xfrm>
+                <a:off x="1021080" y="4376736"/>
+                <a:ext cx="3307080" cy="523220"/>
+              </a:xfrm>
+              <a:prstGeom prst="rect">
+                <a:avLst/>
+              </a:prstGeom>
+              <a:noFill/>
+            </p:spPr>
+            <p:txBody>
+              <a:bodyPr wrap="square">
+                <a:spAutoFit/>
+              </a:bodyPr>
+              <a:lstStyle/>
+              <a:p>
+                <a:pPr/>
+                <a14:m>
+                  <m:oMathPara xmlns:m="http://schemas.openxmlformats.org/officeDocument/2006/math">
+                    <m:oMathParaPr>
+                      <m:jc m:val="centerGroup"/>
+                    </m:oMathParaPr>
+                    <m:oMath xmlns:m="http://schemas.openxmlformats.org/officeDocument/2006/math">
+                      <m:sSup>
+                        <m:sSupPr>
+                          <m:ctrlPr>
+                            <a:rPr lang="en-US" sz="2800" b="0" i="1" dirty="0" smtClean="0">
+                              <a:latin typeface="Cambria Math" panose="02040503050406030204" pitchFamily="18" charset="0"/>
+                            </a:rPr>
+                          </m:ctrlPr>
+                        </m:sSupPr>
+                        <m:e>
+                          <m:r>
+                            <a:rPr lang="en-US" sz="2800" b="0" i="1" dirty="0" smtClean="0">
+                              <a:latin typeface="Cambria Math" panose="02040503050406030204" pitchFamily="18" charset="0"/>
+                            </a:rPr>
+                            <m:t>𝜎</m:t>
+                          </m:r>
+                        </m:e>
+                        <m:sup>
+                          <m:r>
+                            <a:rPr lang="en-US" sz="2800" b="0" i="1" dirty="0" smtClean="0">
+                              <a:latin typeface="Cambria Math" panose="02040503050406030204" pitchFamily="18" charset="0"/>
+                            </a:rPr>
+                            <m:t>2</m:t>
+                          </m:r>
+                        </m:sup>
+                      </m:sSup>
+                      <m:r>
+                        <a:rPr lang="en-US" sz="2800" b="0" i="1" dirty="0" smtClean="0">
+                          <a:latin typeface="Cambria Math" panose="02040503050406030204" pitchFamily="18" charset="0"/>
+                        </a:rPr>
+                        <m:t>=</m:t>
+                      </m:r>
+                      <m:r>
+                        <a:rPr lang="en-US" sz="2800" b="0" i="1" dirty="0" smtClean="0">
+                          <a:latin typeface="Cambria Math" panose="02040503050406030204" pitchFamily="18" charset="0"/>
+                        </a:rPr>
+                        <m:t>𝑉𝑎𝑟</m:t>
+                      </m:r>
+                      <m:r>
+                        <a:rPr lang="en-US" sz="2800" b="0" i="1" dirty="0" smtClean="0">
+                          <a:latin typeface="Cambria Math" panose="02040503050406030204" pitchFamily="18" charset="0"/>
+                        </a:rPr>
+                        <m:t>(</m:t>
+                      </m:r>
+                      <m:r>
+                        <a:rPr lang="en-US" sz="2800" b="0" i="1" dirty="0" smtClean="0">
+                          <a:latin typeface="Cambria Math" panose="02040503050406030204" pitchFamily="18" charset="0"/>
+                        </a:rPr>
+                        <m:t>𝜖</m:t>
+                      </m:r>
+                      <m:r>
+                        <a:rPr lang="en-US" sz="2800" b="0" i="1" dirty="0" smtClean="0">
+                          <a:latin typeface="Cambria Math" panose="02040503050406030204" pitchFamily="18" charset="0"/>
+                        </a:rPr>
+                        <m:t>)</m:t>
+                      </m:r>
+                    </m:oMath>
+                  </m:oMathPara>
+                </a14:m>
+                <a:endParaRPr lang="en-US" sz="2800" dirty="0"/>
+              </a:p>
+            </p:txBody>
+          </p:sp>
+        </mc:Choice>
+        <mc:Fallback>
+          <p:sp>
+            <p:nvSpPr>
+              <p:cNvPr id="11" name="TextBox 10">
+                <a:extLst>
+                  <a:ext uri="{FF2B5EF4-FFF2-40B4-BE49-F238E27FC236}">
+                    <a16:creationId xmlns:a16="http://schemas.microsoft.com/office/drawing/2014/main" id="{C64E53DB-C59A-204B-9685-51B3A8EEA42F}"/>
+                  </a:ext>
+                </a:extLst>
+              </p:cNvPr>
+              <p:cNvSpPr txBox="1">
+                <a:spLocks noRot="1" noChangeAspect="1" noMove="1" noResize="1" noEditPoints="1" noAdjustHandles="1" noChangeArrowheads="1" noChangeShapeType="1" noTextEdit="1"/>
+              </p:cNvSpPr>
+              <p:nvPr/>
+            </p:nvSpPr>
+            <p:spPr>
+              <a:xfrm>
+                <a:off x="1021080" y="4376736"/>
+                <a:ext cx="3307080" cy="523220"/>
+              </a:xfrm>
+              <a:prstGeom prst="rect">
+                <a:avLst/>
+              </a:prstGeom>
+              <a:blipFill>
+                <a:blip r:embed="rId6"/>
+                <a:stretch>
+                  <a:fillRect b="-19048"/>
+                </a:stretch>
+              </a:blipFill>
+            </p:spPr>
+            <p:txBody>
+              <a:bodyPr/>
+              <a:lstStyle/>
+              <a:p>
+                <a:r>
+                  <a:rPr lang="en-US">
+                    <a:noFill/>
+                  </a:rPr>
+                  <a:t> </a:t>
+                </a:r>
+              </a:p>
+            </p:txBody>
+          </p:sp>
+        </mc:Fallback>
+      </mc:AlternateContent>
+    </p:spTree>
+    <p:extLst>
+      <p:ext uri="{BB962C8B-B14F-4D97-AF65-F5344CB8AC3E}">
+        <p14:creationId xmlns:p14="http://schemas.microsoft.com/office/powerpoint/2010/main" val="586257853"/>
+      </p:ext>
+    </p:extLst>
+  </p:cSld>
+  <p:clrMapOvr>
+    <a:masterClrMapping/>
+  </p:clrMapOvr>
+</p:sld>
+</file>
+
+<file path=ppt/slides/slide11.xml><?xml version="1.0" encoding="utf-8"?>
+<p:sld xmlns:a="http://schemas.openxmlformats.org/drawingml/2006/main" xmlns:r="http://schemas.openxmlformats.org/officeDocument/2006/relationships" xmlns:p="http://schemas.openxmlformats.org/presentationml/2006/main">
+  <p:cSld>
+    <p:spTree>
+      <p:nvGrpSpPr>
+        <p:cNvPr id="1" name=""/>
+        <p:cNvGrpSpPr/>
+        <p:nvPr/>
+      </p:nvGrpSpPr>
+      <p:grpSpPr>
+        <a:xfrm>
+          <a:off x="0" y="0"/>
+          <a:ext cx="0" cy="0"/>
+          <a:chOff x="0" y="0"/>
+          <a:chExt cx="0" cy="0"/>
+        </a:xfrm>
+      </p:grpSpPr>
+      <p:sp>
+        <p:nvSpPr>
+          <p:cNvPr id="2" name="Title 1"/>
+          <p:cNvSpPr>
+            <a:spLocks noGrp="1"/>
+          </p:cNvSpPr>
+          <p:nvPr>
+            <p:ph type="title"/>
+          </p:nvPr>
+        </p:nvSpPr>
+        <p:spPr>
+          <a:xfrm>
+            <a:off x="838200" y="365126"/>
+            <a:ext cx="10515600" cy="981894"/>
+          </a:xfrm>
+        </p:spPr>
+        <p:txBody>
+          <a:bodyPr>
+            <a:normAutofit/>
+          </a:bodyPr>
+          <a:lstStyle/>
+          <a:p>
+            <a:r>
+              <a:rPr lang="en-US" dirty="0"/>
+              <a:t>Confidence Level</a:t>
+            </a:r>
+          </a:p>
+        </p:txBody>
+      </p:sp>
+      <p:sp>
+        <p:nvSpPr>
+          <p:cNvPr id="8" name="TextBox 7">
+            <a:extLst>
+              <a:ext uri="{FF2B5EF4-FFF2-40B4-BE49-F238E27FC236}">
+                <a16:creationId xmlns:a16="http://schemas.microsoft.com/office/drawing/2014/main" id="{099A7ED8-73D5-9A40-A9DE-A26FA654736F}"/>
+              </a:ext>
+            </a:extLst>
+          </p:cNvPr>
+          <p:cNvSpPr txBox="1"/>
+          <p:nvPr/>
+        </p:nvSpPr>
+        <p:spPr>
+          <a:xfrm>
+            <a:off x="838200" y="1920231"/>
+            <a:ext cx="10515600" cy="954107"/>
+          </a:xfrm>
+          <a:prstGeom prst="rect">
+            <a:avLst/>
+          </a:prstGeom>
+          <a:noFill/>
+        </p:spPr>
+        <p:txBody>
+          <a:bodyPr wrap="square">
+            <a:spAutoFit/>
+          </a:bodyPr>
+          <a:lstStyle/>
+          <a:p>
+            <a:r>
+              <a:rPr lang="en-US" sz="2800" b="0" dirty="0"/>
+              <a:t>A 95% confidence interval is defined as a range of values with 95% probability, and the interval for the least square method is </a:t>
+            </a:r>
+            <a:endParaRPr lang="en-US" sz="2800" dirty="0"/>
+          </a:p>
+        </p:txBody>
+      </p:sp>
+      <mc:AlternateContent xmlns:mc="http://schemas.openxmlformats.org/markup-compatibility/2006">
+        <mc:Choice xmlns:a14="http://schemas.microsoft.com/office/drawing/2010/main" Requires="a14">
+          <p:sp>
+            <p:nvSpPr>
+              <p:cNvPr id="7" name="TextBox 6">
+                <a:extLst>
+                  <a:ext uri="{FF2B5EF4-FFF2-40B4-BE49-F238E27FC236}">
+                    <a16:creationId xmlns:a16="http://schemas.microsoft.com/office/drawing/2014/main" id="{8EEBF615-D980-6446-B9F6-EA1428C09BF3}"/>
+                  </a:ext>
+                </a:extLst>
+              </p:cNvPr>
+              <p:cNvSpPr txBox="1"/>
+              <p:nvPr/>
+            </p:nvSpPr>
+            <p:spPr>
+              <a:xfrm>
+                <a:off x="2819400" y="3404543"/>
+                <a:ext cx="5577840" cy="523220"/>
+              </a:xfrm>
+              <a:prstGeom prst="rect">
+                <a:avLst/>
+              </a:prstGeom>
+              <a:noFill/>
+            </p:spPr>
+            <p:txBody>
+              <a:bodyPr wrap="square">
+                <a:spAutoFit/>
+              </a:bodyPr>
+              <a:lstStyle/>
+              <a:p>
+                <a:pPr/>
+                <a14:m>
+                  <m:oMathPara xmlns:m="http://schemas.openxmlformats.org/officeDocument/2006/math">
+                    <m:oMathParaPr>
+                      <m:jc m:val="centerGroup"/>
+                    </m:oMathParaPr>
+                    <m:oMath xmlns:m="http://schemas.openxmlformats.org/officeDocument/2006/math">
+                      <m:r>
+                        <a:rPr lang="en-US" sz="2800" b="0" i="1" dirty="0" smtClean="0">
+                          <a:latin typeface="Cambria Math" panose="02040503050406030204" pitchFamily="18" charset="0"/>
+                        </a:rPr>
+                        <m:t>[</m:t>
+                      </m:r>
+                      <m:r>
+                        <a:rPr lang="en-US" sz="2800" b="0" i="1" dirty="0" smtClean="0">
+                          <a:latin typeface="Cambria Math" panose="02040503050406030204" pitchFamily="18" charset="0"/>
+                        </a:rPr>
+                        <m:t>𝛽</m:t>
+                      </m:r>
+                      <m:r>
+                        <a:rPr lang="en-US" sz="2800" b="0" i="1" dirty="0" smtClean="0">
+                          <a:latin typeface="Cambria Math" panose="02040503050406030204" pitchFamily="18" charset="0"/>
+                        </a:rPr>
+                        <m:t>−2</m:t>
+                      </m:r>
+                      <m:r>
+                        <a:rPr lang="en-US" sz="2800" b="0" i="1" dirty="0" smtClean="0">
+                          <a:latin typeface="Cambria Math" panose="02040503050406030204" pitchFamily="18" charset="0"/>
+                        </a:rPr>
+                        <m:t>𝑆𝐸</m:t>
+                      </m:r>
+                      <m:d>
+                        <m:dPr>
+                          <m:ctrlPr>
+                            <a:rPr lang="en-US" sz="2800" b="0" i="1" dirty="0" smtClean="0">
+                              <a:latin typeface="Cambria Math" panose="02040503050406030204" pitchFamily="18" charset="0"/>
+                            </a:rPr>
+                          </m:ctrlPr>
+                        </m:dPr>
+                        <m:e>
+                          <m:r>
+                            <a:rPr lang="en-US" sz="2800" b="0" i="1" dirty="0" smtClean="0">
+                              <a:latin typeface="Cambria Math" panose="02040503050406030204" pitchFamily="18" charset="0"/>
+                            </a:rPr>
+                            <m:t>𝛽</m:t>
+                          </m:r>
+                        </m:e>
+                      </m:d>
+                      <m:r>
+                        <a:rPr lang="en-US" sz="2800" b="0" i="1" dirty="0" smtClean="0">
+                          <a:latin typeface="Cambria Math" panose="02040503050406030204" pitchFamily="18" charset="0"/>
+                        </a:rPr>
+                        <m:t>, </m:t>
+                      </m:r>
+                      <m:r>
+                        <a:rPr lang="en-US" sz="2800" b="0" i="1" dirty="0" smtClean="0">
+                          <a:latin typeface="Cambria Math" panose="02040503050406030204" pitchFamily="18" charset="0"/>
+                        </a:rPr>
+                        <m:t>𝛽</m:t>
+                      </m:r>
+                      <m:r>
+                        <a:rPr lang="en-US" sz="2800" b="0" i="1" dirty="0" smtClean="0">
+                          <a:latin typeface="Cambria Math" panose="02040503050406030204" pitchFamily="18" charset="0"/>
+                        </a:rPr>
+                        <m:t>+2</m:t>
+                      </m:r>
+                      <m:r>
+                        <a:rPr lang="en-US" sz="2800" b="0" i="1" dirty="0" smtClean="0">
+                          <a:latin typeface="Cambria Math" panose="02040503050406030204" pitchFamily="18" charset="0"/>
+                        </a:rPr>
+                        <m:t>𝑆𝐸</m:t>
+                      </m:r>
+                      <m:r>
+                        <a:rPr lang="en-US" sz="2800" b="0" i="1" dirty="0" smtClean="0">
+                          <a:latin typeface="Cambria Math" panose="02040503050406030204" pitchFamily="18" charset="0"/>
+                        </a:rPr>
+                        <m:t>(</m:t>
+                      </m:r>
+                      <m:r>
+                        <a:rPr lang="en-US" sz="2800" b="0" i="1" dirty="0" smtClean="0">
+                          <a:latin typeface="Cambria Math" panose="02040503050406030204" pitchFamily="18" charset="0"/>
+                        </a:rPr>
+                        <m:t>𝛽</m:t>
+                      </m:r>
+                      <m:r>
+                        <a:rPr lang="en-US" sz="2800" b="0" i="1" dirty="0" smtClean="0">
+                          <a:latin typeface="Cambria Math" panose="02040503050406030204" pitchFamily="18" charset="0"/>
+                        </a:rPr>
+                        <m:t>)]</m:t>
+                      </m:r>
+                    </m:oMath>
+                  </m:oMathPara>
+                </a14:m>
+                <a:endParaRPr lang="en-US" sz="2800" dirty="0"/>
+              </a:p>
+            </p:txBody>
+          </p:sp>
+        </mc:Choice>
+        <mc:Fallback>
+          <p:sp>
+            <p:nvSpPr>
+              <p:cNvPr id="7" name="TextBox 6">
+                <a:extLst>
+                  <a:ext uri="{FF2B5EF4-FFF2-40B4-BE49-F238E27FC236}">
+                    <a16:creationId xmlns:a16="http://schemas.microsoft.com/office/drawing/2014/main" id="{8EEBF615-D980-6446-B9F6-EA1428C09BF3}"/>
+                  </a:ext>
+                </a:extLst>
+              </p:cNvPr>
+              <p:cNvSpPr txBox="1">
+                <a:spLocks noRot="1" noChangeAspect="1" noMove="1" noResize="1" noEditPoints="1" noAdjustHandles="1" noChangeArrowheads="1" noChangeShapeType="1" noTextEdit="1"/>
+              </p:cNvSpPr>
+              <p:nvPr/>
+            </p:nvSpPr>
+            <p:spPr>
+              <a:xfrm>
+                <a:off x="2819400" y="3404543"/>
+                <a:ext cx="5577840" cy="523220"/>
+              </a:xfrm>
+              <a:prstGeom prst="rect">
+                <a:avLst/>
+              </a:prstGeom>
+              <a:blipFill>
+                <a:blip r:embed="rId3"/>
+                <a:stretch>
+                  <a:fillRect b="-16279"/>
+                </a:stretch>
+              </a:blipFill>
+            </p:spPr>
+            <p:txBody>
+              <a:bodyPr/>
+              <a:lstStyle/>
+              <a:p>
+                <a:r>
+                  <a:rPr lang="en-US">
+                    <a:noFill/>
+                  </a:rPr>
+                  <a:t> </a:t>
+                </a:r>
+              </a:p>
+            </p:txBody>
+          </p:sp>
+        </mc:Fallback>
+      </mc:AlternateContent>
+      <p:sp>
+        <p:nvSpPr>
+          <p:cNvPr id="12" name="TextBox 11">
+            <a:extLst>
+              <a:ext uri="{FF2B5EF4-FFF2-40B4-BE49-F238E27FC236}">
+                <a16:creationId xmlns:a16="http://schemas.microsoft.com/office/drawing/2014/main" id="{C926D208-8BF7-9C43-8E95-203870CA27BE}"/>
+              </a:ext>
+            </a:extLst>
+          </p:cNvPr>
+          <p:cNvSpPr txBox="1"/>
+          <p:nvPr/>
+        </p:nvSpPr>
+        <p:spPr>
+          <a:xfrm>
+            <a:off x="838200" y="5235208"/>
+            <a:ext cx="10515600" cy="523220"/>
+          </a:xfrm>
+          <a:prstGeom prst="rect">
+            <a:avLst/>
+          </a:prstGeom>
+          <a:noFill/>
+        </p:spPr>
+        <p:txBody>
+          <a:bodyPr wrap="square">
+            <a:spAutoFit/>
+          </a:bodyPr>
+          <a:lstStyle/>
+          <a:p>
+            <a:r>
+              <a:rPr lang="en-US" sz="2800" b="0" dirty="0"/>
+              <a:t>Why is this interval?</a:t>
+            </a:r>
+            <a:endParaRPr lang="en-US" sz="2800" dirty="0"/>
+          </a:p>
+        </p:txBody>
+      </p:sp>
+      <mc:AlternateContent xmlns:mc="http://schemas.openxmlformats.org/markup-compatibility/2006">
+        <mc:Choice xmlns:a14="http://schemas.microsoft.com/office/drawing/2010/main" Requires="a14">
+          <p:sp>
+            <p:nvSpPr>
+              <p:cNvPr id="13" name="TextBox 12">
+                <a:extLst>
+                  <a:ext uri="{FF2B5EF4-FFF2-40B4-BE49-F238E27FC236}">
+                    <a16:creationId xmlns:a16="http://schemas.microsoft.com/office/drawing/2014/main" id="{285C7553-E6E0-2E41-B1B8-9D8DB05C9C22}"/>
+                  </a:ext>
+                </a:extLst>
+              </p:cNvPr>
+              <p:cNvSpPr txBox="1"/>
+              <p:nvPr/>
+            </p:nvSpPr>
+            <p:spPr>
+              <a:xfrm>
+                <a:off x="838200" y="4319875"/>
+                <a:ext cx="10515600" cy="523220"/>
+              </a:xfrm>
+              <a:prstGeom prst="rect">
+                <a:avLst/>
+              </a:prstGeom>
+              <a:noFill/>
+            </p:spPr>
+            <p:txBody>
+              <a:bodyPr wrap="square">
+                <a:spAutoFit/>
+              </a:bodyPr>
+              <a:lstStyle/>
+              <a:p>
+                <a:r>
+                  <a:rPr lang="en-US" sz="2800" b="0" dirty="0"/>
+                  <a:t>There is 95% probability that this interval contains the tru</a:t>
+                </a:r>
+                <a:r>
+                  <a:rPr lang="en-US" sz="2800" dirty="0"/>
+                  <a:t>e </a:t>
+                </a:r>
+                <a14:m>
+                  <m:oMath xmlns:m="http://schemas.openxmlformats.org/officeDocument/2006/math">
+                    <m:r>
+                      <a:rPr lang="en-US" sz="2800" b="0" i="1" dirty="0" smtClean="0">
+                        <a:latin typeface="Cambria Math" panose="02040503050406030204" pitchFamily="18" charset="0"/>
+                      </a:rPr>
+                      <m:t>𝛽</m:t>
+                    </m:r>
+                  </m:oMath>
+                </a14:m>
+                <a:r>
+                  <a:rPr lang="en-US" sz="2800" dirty="0"/>
+                  <a:t> </a:t>
+                </a:r>
+              </a:p>
+            </p:txBody>
+          </p:sp>
+        </mc:Choice>
+        <mc:Fallback>
+          <p:sp>
+            <p:nvSpPr>
+              <p:cNvPr id="13" name="TextBox 12">
+                <a:extLst>
+                  <a:ext uri="{FF2B5EF4-FFF2-40B4-BE49-F238E27FC236}">
+                    <a16:creationId xmlns:a16="http://schemas.microsoft.com/office/drawing/2014/main" id="{285C7553-E6E0-2E41-B1B8-9D8DB05C9C22}"/>
+                  </a:ext>
+                </a:extLst>
+              </p:cNvPr>
+              <p:cNvSpPr txBox="1">
+                <a:spLocks noRot="1" noChangeAspect="1" noMove="1" noResize="1" noEditPoints="1" noAdjustHandles="1" noChangeArrowheads="1" noChangeShapeType="1" noTextEdit="1"/>
+              </p:cNvSpPr>
+              <p:nvPr/>
+            </p:nvSpPr>
+            <p:spPr>
+              <a:xfrm>
+                <a:off x="838200" y="4319875"/>
+                <a:ext cx="10515600" cy="523220"/>
+              </a:xfrm>
+              <a:prstGeom prst="rect">
+                <a:avLst/>
+              </a:prstGeom>
+              <a:blipFill>
+                <a:blip r:embed="rId4"/>
+                <a:stretch>
+                  <a:fillRect l="-1206" t="-11905" b="-30952"/>
+                </a:stretch>
+              </a:blipFill>
+            </p:spPr>
+            <p:txBody>
+              <a:bodyPr/>
+              <a:lstStyle/>
+              <a:p>
+                <a:r>
+                  <a:rPr lang="en-US">
+                    <a:noFill/>
+                  </a:rPr>
+                  <a:t> </a:t>
+                </a:r>
+              </a:p>
+            </p:txBody>
+          </p:sp>
+        </mc:Fallback>
+      </mc:AlternateContent>
+    </p:spTree>
+    <p:extLst>
+      <p:ext uri="{BB962C8B-B14F-4D97-AF65-F5344CB8AC3E}">
+        <p14:creationId xmlns:p14="http://schemas.microsoft.com/office/powerpoint/2010/main" val="673514985"/>
+      </p:ext>
+    </p:extLst>
+  </p:cSld>
+  <p:clrMapOvr>
+    <a:masterClrMapping/>
+  </p:clrMapOvr>
+</p:sld>
+</file>
+
+<file path=ppt/slides/slide12.xml><?xml version="1.0" encoding="utf-8"?>
+<p:sld xmlns:a="http://schemas.openxmlformats.org/drawingml/2006/main" xmlns:r="http://schemas.openxmlformats.org/officeDocument/2006/relationships" xmlns:p="http://schemas.openxmlformats.org/presentationml/2006/main">
+  <p:cSld>
+    <p:spTree>
+      <p:nvGrpSpPr>
+        <p:cNvPr id="1" name=""/>
+        <p:cNvGrpSpPr/>
+        <p:nvPr/>
+      </p:nvGrpSpPr>
+      <p:grpSpPr>
+        <a:xfrm>
+          <a:off x="0" y="0"/>
+          <a:ext cx="0" cy="0"/>
+          <a:chOff x="0" y="0"/>
+          <a:chExt cx="0" cy="0"/>
+        </a:xfrm>
+      </p:grpSpPr>
+      <p:sp>
+        <p:nvSpPr>
           <p:cNvPr id="10" name="TextBox 9">
             <a:extLst>
               <a:ext uri="{FF2B5EF4-FFF2-40B4-BE49-F238E27FC236}">
@@ -4745,8 +6406,8 @@
           </a:p>
         </p:txBody>
       </p:sp>
-      <mc:AlternateContent xmlns:mc="http://schemas.openxmlformats.org/markup-compatibility/2006">
-        <mc:Choice xmlns:a14="http://schemas.microsoft.com/office/drawing/2010/main" Requires="a14">
+      <mc:AlternateContent xmlns:mc="http://schemas.openxmlformats.org/markup-compatibility/2006" xmlns:a14="http://schemas.microsoft.com/office/drawing/2010/main">
+        <mc:Choice Requires="a14">
           <p:sp>
             <p:nvSpPr>
               <p:cNvPr id="6" name="TextBox 5">
@@ -4884,7 +6545,7 @@
             </p:txBody>
           </p:sp>
         </mc:Choice>
-        <mc:Fallback>
+        <mc:Fallback xmlns="">
           <p:sp>
             <p:nvSpPr>
               <p:cNvPr id="6" name="TextBox 5">
@@ -5023,8 +6684,8 @@
           </a:p>
         </p:txBody>
       </p:sp>
-      <mc:AlternateContent xmlns:mc="http://schemas.openxmlformats.org/markup-compatibility/2006">
-        <mc:Choice xmlns:a14="http://schemas.microsoft.com/office/drawing/2010/main" Requires="a14">
+      <mc:AlternateContent xmlns:mc="http://schemas.openxmlformats.org/markup-compatibility/2006" xmlns:a14="http://schemas.microsoft.com/office/drawing/2010/main">
+        <mc:Choice Requires="a14">
           <p:sp>
             <p:nvSpPr>
               <p:cNvPr id="5" name="TextBox 4">
@@ -5154,7 +6815,7 @@
             </p:txBody>
           </p:sp>
         </mc:Choice>
-        <mc:Fallback>
+        <mc:Fallback xmlns="">
           <p:sp>
             <p:nvSpPr>
               <p:cNvPr id="5" name="TextBox 4">
@@ -5234,8 +6895,8 @@
           </a:p>
         </p:txBody>
       </p:sp>
-      <mc:AlternateContent xmlns:mc="http://schemas.openxmlformats.org/markup-compatibility/2006">
-        <mc:Choice xmlns:a14="http://schemas.microsoft.com/office/drawing/2010/main" Requires="a14">
+      <mc:AlternateContent xmlns:mc="http://schemas.openxmlformats.org/markup-compatibility/2006" xmlns:a14="http://schemas.microsoft.com/office/drawing/2010/main">
+        <mc:Choice Requires="a14">
           <p:sp>
             <p:nvSpPr>
               <p:cNvPr id="11" name="TextBox 10">
@@ -5264,7 +6925,6 @@
               </a:bodyPr>
               <a:lstStyle/>
               <a:p>
-                <a:pPr/>
                 <a14:m>
                   <m:oMath xmlns:m="http://schemas.openxmlformats.org/officeDocument/2006/math">
                     <m:r>
@@ -5283,7 +6943,7 @@
             </p:txBody>
           </p:sp>
         </mc:Choice>
-        <mc:Fallback>
+        <mc:Fallback xmlns="">
           <p:sp>
             <p:nvSpPr>
               <p:cNvPr id="11" name="TextBox 10">
@@ -5328,8 +6988,8 @@
           </p:sp>
         </mc:Fallback>
       </mc:AlternateContent>
-      <mc:AlternateContent xmlns:mc="http://schemas.openxmlformats.org/markup-compatibility/2006">
-        <mc:Choice xmlns:a14="http://schemas.microsoft.com/office/drawing/2010/main" Requires="a14">
+      <mc:AlternateContent xmlns:mc="http://schemas.openxmlformats.org/markup-compatibility/2006" xmlns:a14="http://schemas.microsoft.com/office/drawing/2010/main">
+        <mc:Choice Requires="a14">
           <p:sp>
             <p:nvSpPr>
               <p:cNvPr id="12" name="TextBox 11">
@@ -5428,7 +7088,7 @@
             </p:txBody>
           </p:sp>
         </mc:Choice>
-        <mc:Fallback>
+        <mc:Fallback xmlns="">
           <p:sp>
             <p:nvSpPr>
               <p:cNvPr id="12" name="TextBox 11">
@@ -5532,8 +7192,8 @@
           </a:p>
         </p:txBody>
       </p:sp>
-      <mc:AlternateContent xmlns:mc="http://schemas.openxmlformats.org/markup-compatibility/2006">
-        <mc:Choice xmlns:a14="http://schemas.microsoft.com/office/drawing/2010/main" Requires="a14">
+      <mc:AlternateContent xmlns:mc="http://schemas.openxmlformats.org/markup-compatibility/2006" xmlns:a14="http://schemas.microsoft.com/office/drawing/2010/main">
+        <mc:Choice Requires="a14">
           <p:sp>
             <p:nvSpPr>
               <p:cNvPr id="9" name="TextBox 8">
@@ -5633,7 +7293,7 @@
             </p:txBody>
           </p:sp>
         </mc:Choice>
-        <mc:Fallback>
+        <mc:Fallback xmlns="">
           <p:sp>
             <p:nvSpPr>
               <p:cNvPr id="9" name="TextBox 8">
@@ -5678,8 +7338,8 @@
           </p:sp>
         </mc:Fallback>
       </mc:AlternateContent>
-      <mc:AlternateContent xmlns:mc="http://schemas.openxmlformats.org/markup-compatibility/2006">
-        <mc:Choice xmlns:a14="http://schemas.microsoft.com/office/drawing/2010/main" Requires="a14">
+      <mc:AlternateContent xmlns:mc="http://schemas.openxmlformats.org/markup-compatibility/2006" xmlns:a14="http://schemas.microsoft.com/office/drawing/2010/main">
+        <mc:Choice Requires="a14">
           <p:sp>
             <p:nvSpPr>
               <p:cNvPr id="7" name="TextBox 6">
@@ -5872,7 +7532,7 @@
             </p:txBody>
           </p:sp>
         </mc:Choice>
-        <mc:Fallback>
+        <mc:Fallback xmlns="">
           <p:sp>
             <p:nvSpPr>
               <p:cNvPr id="7" name="TextBox 6">
@@ -5917,8 +7577,8 @@
           </p:sp>
         </mc:Fallback>
       </mc:AlternateContent>
-      <mc:AlternateContent xmlns:mc="http://schemas.openxmlformats.org/markup-compatibility/2006">
-        <mc:Choice xmlns:a14="http://schemas.microsoft.com/office/drawing/2010/main" Requires="a14">
+      <mc:AlternateContent xmlns:mc="http://schemas.openxmlformats.org/markup-compatibility/2006" xmlns:a14="http://schemas.microsoft.com/office/drawing/2010/main">
+        <mc:Choice Requires="a14">
           <p:sp>
             <p:nvSpPr>
               <p:cNvPr id="8" name="TextBox 7">
@@ -6072,7 +7732,7 @@
             </p:txBody>
           </p:sp>
         </mc:Choice>
-        <mc:Fallback>
+        <mc:Fallback xmlns="">
           <p:sp>
             <p:nvSpPr>
               <p:cNvPr id="8" name="TextBox 7">
@@ -6117,8 +7777,8 @@
           </p:sp>
         </mc:Fallback>
       </mc:AlternateContent>
-      <mc:AlternateContent xmlns:mc="http://schemas.openxmlformats.org/markup-compatibility/2006">
-        <mc:Choice xmlns:a14="http://schemas.microsoft.com/office/drawing/2010/main" Requires="a14">
+      <mc:AlternateContent xmlns:mc="http://schemas.openxmlformats.org/markup-compatibility/2006" xmlns:a14="http://schemas.microsoft.com/office/drawing/2010/main">
+        <mc:Choice Requires="a14">
           <p:sp>
             <p:nvSpPr>
               <p:cNvPr id="10" name="TextBox 9">
@@ -6147,7 +7807,6 @@
               </a:bodyPr>
               <a:lstStyle/>
               <a:p>
-                <a:pPr/>
                 <a14:m>
                   <m:oMath xmlns:m="http://schemas.openxmlformats.org/officeDocument/2006/math">
                     <m:acc>
@@ -6215,7 +7874,7 @@
             </p:txBody>
           </p:sp>
         </mc:Choice>
-        <mc:Fallback>
+        <mc:Fallback xmlns="">
           <p:sp>
             <p:nvSpPr>
               <p:cNvPr id="10" name="TextBox 9">
@@ -6319,8 +7978,8 @@
           </a:p>
         </p:txBody>
       </p:sp>
-      <mc:AlternateContent xmlns:mc="http://schemas.openxmlformats.org/markup-compatibility/2006">
-        <mc:Choice xmlns:a14="http://schemas.microsoft.com/office/drawing/2010/main" Requires="a14">
+      <mc:AlternateContent xmlns:mc="http://schemas.openxmlformats.org/markup-compatibility/2006" xmlns:a14="http://schemas.microsoft.com/office/drawing/2010/main">
+        <mc:Choice Requires="a14">
           <p:sp>
             <p:nvSpPr>
               <p:cNvPr id="9" name="TextBox 8">
@@ -6420,7 +8079,7 @@
             </p:txBody>
           </p:sp>
         </mc:Choice>
-        <mc:Fallback>
+        <mc:Fallback xmlns="">
           <p:sp>
             <p:nvSpPr>
               <p:cNvPr id="9" name="TextBox 8">
@@ -6465,8 +8124,8 @@
           </p:sp>
         </mc:Fallback>
       </mc:AlternateContent>
-      <mc:AlternateContent xmlns:mc="http://schemas.openxmlformats.org/markup-compatibility/2006">
-        <mc:Choice xmlns:a14="http://schemas.microsoft.com/office/drawing/2010/main" Requires="a14">
+      <mc:AlternateContent xmlns:mc="http://schemas.openxmlformats.org/markup-compatibility/2006" xmlns:a14="http://schemas.microsoft.com/office/drawing/2010/main">
+        <mc:Choice Requires="a14">
           <p:sp>
             <p:nvSpPr>
               <p:cNvPr id="7" name="TextBox 6">
@@ -6659,7 +8318,7 @@
             </p:txBody>
           </p:sp>
         </mc:Choice>
-        <mc:Fallback>
+        <mc:Fallback xmlns="">
           <p:sp>
             <p:nvSpPr>
               <p:cNvPr id="7" name="TextBox 6">
@@ -6704,8 +8363,8 @@
           </p:sp>
         </mc:Fallback>
       </mc:AlternateContent>
-      <mc:AlternateContent xmlns:mc="http://schemas.openxmlformats.org/markup-compatibility/2006">
-        <mc:Choice xmlns:a14="http://schemas.microsoft.com/office/drawing/2010/main" Requires="a14">
+      <mc:AlternateContent xmlns:mc="http://schemas.openxmlformats.org/markup-compatibility/2006" xmlns:a14="http://schemas.microsoft.com/office/drawing/2010/main">
+        <mc:Choice Requires="a14">
           <p:sp>
             <p:nvSpPr>
               <p:cNvPr id="8" name="TextBox 7">
@@ -6859,7 +8518,7 @@
             </p:txBody>
           </p:sp>
         </mc:Choice>
-        <mc:Fallback>
+        <mc:Fallback xmlns="">
           <p:sp>
             <p:nvSpPr>
               <p:cNvPr id="8" name="TextBox 7">
@@ -6904,8 +8563,8 @@
           </p:sp>
         </mc:Fallback>
       </mc:AlternateContent>
-      <mc:AlternateContent xmlns:mc="http://schemas.openxmlformats.org/markup-compatibility/2006">
-        <mc:Choice xmlns:a14="http://schemas.microsoft.com/office/drawing/2010/main" Requires="a14">
+      <mc:AlternateContent xmlns:mc="http://schemas.openxmlformats.org/markup-compatibility/2006" xmlns:a14="http://schemas.microsoft.com/office/drawing/2010/main">
+        <mc:Choice Requires="a14">
           <p:sp>
             <p:nvSpPr>
               <p:cNvPr id="10" name="TextBox 9">
@@ -6934,7 +8593,6 @@
               </a:bodyPr>
               <a:lstStyle/>
               <a:p>
-                <a:pPr/>
                 <a14:m>
                   <m:oMath xmlns:m="http://schemas.openxmlformats.org/officeDocument/2006/math">
                     <m:acc>
@@ -6988,7 +8646,7 @@
             </p:txBody>
           </p:sp>
         </mc:Choice>
-        <mc:Fallback>
+        <mc:Fallback xmlns="">
           <p:sp>
             <p:nvSpPr>
               <p:cNvPr id="10" name="TextBox 9">
@@ -7033,8 +8691,8 @@
           </p:sp>
         </mc:Fallback>
       </mc:AlternateContent>
-      <mc:AlternateContent xmlns:mc="http://schemas.openxmlformats.org/markup-compatibility/2006">
-        <mc:Choice xmlns:a14="http://schemas.microsoft.com/office/drawing/2010/main" Requires="a14">
+      <mc:AlternateContent xmlns:mc="http://schemas.openxmlformats.org/markup-compatibility/2006" xmlns:a14="http://schemas.microsoft.com/office/drawing/2010/main">
+        <mc:Choice Requires="a14">
           <p:sp>
             <p:nvSpPr>
               <p:cNvPr id="11" name="TextBox 10">
@@ -7063,7 +8721,6 @@
               </a:bodyPr>
               <a:lstStyle/>
               <a:p>
-                <a:pPr/>
                 <a14:m>
                   <m:oMath xmlns:m="http://schemas.openxmlformats.org/officeDocument/2006/math">
                     <m:r>
@@ -7118,7 +8775,7 @@
             </p:txBody>
           </p:sp>
         </mc:Choice>
-        <mc:Fallback>
+        <mc:Fallback xmlns="">
           <p:sp>
             <p:nvSpPr>
               <p:cNvPr id="11" name="TextBox 10">
@@ -7222,8 +8879,8 @@
           </a:p>
         </p:txBody>
       </p:sp>
-      <mc:AlternateContent xmlns:mc="http://schemas.openxmlformats.org/markup-compatibility/2006">
-        <mc:Choice xmlns:a14="http://schemas.microsoft.com/office/drawing/2010/main" Requires="a14">
+      <mc:AlternateContent xmlns:mc="http://schemas.openxmlformats.org/markup-compatibility/2006" xmlns:a14="http://schemas.microsoft.com/office/drawing/2010/main">
+        <mc:Choice Requires="a14">
           <p:sp>
             <p:nvSpPr>
               <p:cNvPr id="9" name="TextBox 8">
@@ -7327,7 +8984,7 @@
             </p:txBody>
           </p:sp>
         </mc:Choice>
-        <mc:Fallback>
+        <mc:Fallback xmlns="">
           <p:sp>
             <p:nvSpPr>
               <p:cNvPr id="9" name="TextBox 8">
@@ -7372,8 +9029,8 @@
           </p:sp>
         </mc:Fallback>
       </mc:AlternateContent>
-      <mc:AlternateContent xmlns:mc="http://schemas.openxmlformats.org/markup-compatibility/2006">
-        <mc:Choice xmlns:a14="http://schemas.microsoft.com/office/drawing/2010/main" Requires="a14">
+      <mc:AlternateContent xmlns:mc="http://schemas.openxmlformats.org/markup-compatibility/2006" xmlns:a14="http://schemas.microsoft.com/office/drawing/2010/main">
+        <mc:Choice Requires="a14">
           <p:sp>
             <p:nvSpPr>
               <p:cNvPr id="11" name="TextBox 10">
@@ -7562,7 +9219,7 @@
             </p:txBody>
           </p:sp>
         </mc:Choice>
-        <mc:Fallback>
+        <mc:Fallback xmlns="">
           <p:sp>
             <p:nvSpPr>
               <p:cNvPr id="11" name="TextBox 10">
@@ -7607,8 +9264,8 @@
           </p:sp>
         </mc:Fallback>
       </mc:AlternateContent>
-      <mc:AlternateContent xmlns:mc="http://schemas.openxmlformats.org/markup-compatibility/2006">
-        <mc:Choice xmlns:a14="http://schemas.microsoft.com/office/drawing/2010/main" Requires="a14">
+      <mc:AlternateContent xmlns:mc="http://schemas.openxmlformats.org/markup-compatibility/2006" xmlns:a14="http://schemas.microsoft.com/office/drawing/2010/main">
+        <mc:Choice Requires="a14">
           <p:sp>
             <p:nvSpPr>
               <p:cNvPr id="13" name="TextBox 12">
@@ -7829,7 +9486,7 @@
             </p:txBody>
           </p:sp>
         </mc:Choice>
-        <mc:Fallback>
+        <mc:Fallback xmlns="">
           <p:sp>
             <p:nvSpPr>
               <p:cNvPr id="13" name="TextBox 12">
@@ -7982,7 +9639,7 @@
                           <m:limLow>
                             <m:limLowPr>
                               <m:ctrlPr>
-                                <a:rPr lang="en-US" sz="2800" b="0" i="0" smtClean="0">
+                                <a:rPr lang="en-US" sz="2800" b="0" i="1" smtClean="0">
                                   <a:latin typeface="Cambria Math" panose="02040503050406030204" pitchFamily="18" charset="0"/>
                                 </a:rPr>
                               </m:ctrlPr>
@@ -8405,6 +10062,639 @@
           </p:sp>
         </mc:Fallback>
       </mc:AlternateContent>
+      <p:sp>
+        <p:nvSpPr>
+          <p:cNvPr id="4" name="TextBox 3">
+            <a:extLst>
+              <a:ext uri="{FF2B5EF4-FFF2-40B4-BE49-F238E27FC236}">
+                <a16:creationId xmlns:a16="http://schemas.microsoft.com/office/drawing/2014/main" id="{2E49A06D-0836-8A40-BE1A-F6F5FF8786F1}"/>
+              </a:ext>
+            </a:extLst>
+          </p:cNvPr>
+          <p:cNvSpPr txBox="1"/>
+          <p:nvPr/>
+        </p:nvSpPr>
+        <p:spPr>
+          <a:xfrm>
+            <a:off x="579120" y="3367264"/>
+            <a:ext cx="10515600" cy="523220"/>
+          </a:xfrm>
+          <a:prstGeom prst="rect">
+            <a:avLst/>
+          </a:prstGeom>
+          <a:noFill/>
+        </p:spPr>
+        <p:txBody>
+          <a:bodyPr wrap="square">
+            <a:spAutoFit/>
+          </a:bodyPr>
+          <a:lstStyle/>
+          <a:p>
+            <a:r>
+              <a:rPr lang="en-US" sz="2800" b="0" dirty="0"/>
+              <a:t>Take the derivative and set the derivative as 0</a:t>
+            </a:r>
+            <a:endParaRPr lang="en-US" sz="2800" dirty="0"/>
+          </a:p>
+        </p:txBody>
+      </p:sp>
+      <mc:AlternateContent xmlns:mc="http://schemas.openxmlformats.org/markup-compatibility/2006">
+        <mc:Choice xmlns:a14="http://schemas.microsoft.com/office/drawing/2010/main" Requires="a14">
+          <p:sp>
+            <p:nvSpPr>
+              <p:cNvPr id="6" name="TextBox 5">
+                <a:extLst>
+                  <a:ext uri="{FF2B5EF4-FFF2-40B4-BE49-F238E27FC236}">
+                    <a16:creationId xmlns:a16="http://schemas.microsoft.com/office/drawing/2014/main" id="{65560FE4-1241-9849-AADC-A433E62F5433}"/>
+                  </a:ext>
+                </a:extLst>
+              </p:cNvPr>
+              <p:cNvSpPr txBox="1"/>
+              <p:nvPr/>
+            </p:nvSpPr>
+            <p:spPr>
+              <a:xfrm>
+                <a:off x="434341" y="4428105"/>
+                <a:ext cx="6096000" cy="1036438"/>
+              </a:xfrm>
+              <a:prstGeom prst="rect">
+                <a:avLst/>
+              </a:prstGeom>
+              <a:noFill/>
+            </p:spPr>
+            <p:txBody>
+              <a:bodyPr wrap="square">
+                <a:spAutoFit/>
+              </a:bodyPr>
+              <a:lstStyle/>
+              <a:p>
+                <a:pPr/>
+                <a14:m>
+                  <m:oMathPara xmlns:m="http://schemas.openxmlformats.org/officeDocument/2006/math">
+                    <m:oMathParaPr>
+                      <m:jc m:val="centerGroup"/>
+                    </m:oMathParaPr>
+                    <m:oMath xmlns:m="http://schemas.openxmlformats.org/officeDocument/2006/math">
+                      <m:sSub>
+                        <m:sSubPr>
+                          <m:ctrlPr>
+                            <a:rPr lang="en-US" sz="2800" i="1" dirty="0" smtClean="0">
+                              <a:latin typeface="Cambria Math" panose="02040503050406030204" pitchFamily="18" charset="0"/>
+                            </a:rPr>
+                          </m:ctrlPr>
+                        </m:sSubPr>
+                        <m:e>
+                          <m:acc>
+                            <m:accPr>
+                              <m:chr m:val="̂"/>
+                              <m:ctrlPr>
+                                <a:rPr lang="en-US" sz="2800" i="1">
+                                  <a:latin typeface="Cambria Math" panose="02040503050406030204" pitchFamily="18" charset="0"/>
+                                </a:rPr>
+                              </m:ctrlPr>
+                            </m:accPr>
+                            <m:e>
+                              <m:r>
+                                <a:rPr lang="en-US" sz="2800" i="1">
+                                  <a:latin typeface="Cambria Math" panose="02040503050406030204" pitchFamily="18" charset="0"/>
+                                </a:rPr>
+                                <m:t>𝛽</m:t>
+                              </m:r>
+                            </m:e>
+                          </m:acc>
+                        </m:e>
+                        <m:sub>
+                          <m:r>
+                            <a:rPr lang="en-US" sz="2800" b="0" i="1" smtClean="0">
+                              <a:latin typeface="Cambria Math" panose="02040503050406030204" pitchFamily="18" charset="0"/>
+                            </a:rPr>
+                            <m:t>1</m:t>
+                          </m:r>
+                        </m:sub>
+                      </m:sSub>
+                      <m:r>
+                        <a:rPr lang="en-US" sz="2800" b="0" i="1" dirty="0" smtClean="0">
+                          <a:latin typeface="Cambria Math" panose="02040503050406030204" pitchFamily="18" charset="0"/>
+                        </a:rPr>
+                        <m:t>= </m:t>
+                      </m:r>
+                      <m:f>
+                        <m:fPr>
+                          <m:ctrlPr>
+                            <a:rPr lang="en-US" sz="2800" b="0" i="1" dirty="0" smtClean="0">
+                              <a:latin typeface="Cambria Math" panose="02040503050406030204" pitchFamily="18" charset="0"/>
+                            </a:rPr>
+                          </m:ctrlPr>
+                        </m:fPr>
+                        <m:num>
+                          <m:nary>
+                            <m:naryPr>
+                              <m:chr m:val="∑"/>
+                              <m:supHide m:val="on"/>
+                              <m:ctrlPr>
+                                <a:rPr lang="en-US" sz="2800" b="0" i="1" dirty="0" smtClean="0">
+                                  <a:latin typeface="Cambria Math" panose="02040503050406030204" pitchFamily="18" charset="0"/>
+                                </a:rPr>
+                              </m:ctrlPr>
+                            </m:naryPr>
+                            <m:sub>
+                              <m:r>
+                                <a:rPr lang="en-US" sz="2800" b="0" i="1" dirty="0" smtClean="0">
+                                  <a:latin typeface="Cambria Math" panose="02040503050406030204" pitchFamily="18" charset="0"/>
+                                </a:rPr>
+                                <m:t>𝑖</m:t>
+                              </m:r>
+                            </m:sub>
+                            <m:sup/>
+                            <m:e>
+                              <m:r>
+                                <a:rPr lang="en-US" sz="2800" b="0" i="1" dirty="0" smtClean="0">
+                                  <a:latin typeface="Cambria Math" panose="02040503050406030204" pitchFamily="18" charset="0"/>
+                                </a:rPr>
+                                <m:t>(</m:t>
+                              </m:r>
+                              <m:sSub>
+                                <m:sSubPr>
+                                  <m:ctrlPr>
+                                    <a:rPr lang="en-US" sz="2800" b="0" i="1" dirty="0" smtClean="0">
+                                      <a:latin typeface="Cambria Math" panose="02040503050406030204" pitchFamily="18" charset="0"/>
+                                    </a:rPr>
+                                  </m:ctrlPr>
+                                </m:sSubPr>
+                                <m:e>
+                                  <m:r>
+                                    <a:rPr lang="en-US" sz="2800" b="0" i="1" dirty="0" smtClean="0">
+                                      <a:latin typeface="Cambria Math" panose="02040503050406030204" pitchFamily="18" charset="0"/>
+                                    </a:rPr>
+                                    <m:t>𝑥</m:t>
+                                  </m:r>
+                                </m:e>
+                                <m:sub>
+                                  <m:r>
+                                    <a:rPr lang="en-US" sz="2800" b="0" i="1" dirty="0" smtClean="0">
+                                      <a:latin typeface="Cambria Math" panose="02040503050406030204" pitchFamily="18" charset="0"/>
+                                    </a:rPr>
+                                    <m:t>𝑖</m:t>
+                                  </m:r>
+                                </m:sub>
+                              </m:sSub>
+                              <m:r>
+                                <a:rPr lang="en-US" sz="2800" b="0" i="1" dirty="0" smtClean="0">
+                                  <a:latin typeface="Cambria Math" panose="02040503050406030204" pitchFamily="18" charset="0"/>
+                                </a:rPr>
+                                <m:t>−</m:t>
+                              </m:r>
+                              <m:bar>
+                                <m:barPr>
+                                  <m:pos m:val="top"/>
+                                  <m:ctrlPr>
+                                    <a:rPr lang="en-US" sz="2800" b="0" i="1" dirty="0" smtClean="0">
+                                      <a:latin typeface="Cambria Math" panose="02040503050406030204" pitchFamily="18" charset="0"/>
+                                    </a:rPr>
+                                  </m:ctrlPr>
+                                </m:barPr>
+                                <m:e>
+                                  <m:r>
+                                    <a:rPr lang="en-US" sz="2800" b="0" i="1" dirty="0" smtClean="0">
+                                      <a:latin typeface="Cambria Math" panose="02040503050406030204" pitchFamily="18" charset="0"/>
+                                    </a:rPr>
+                                    <m:t>𝑥</m:t>
+                                  </m:r>
+                                </m:e>
+                              </m:bar>
+                              <m:r>
+                                <a:rPr lang="en-US" sz="2800" b="0" i="1" dirty="0" smtClean="0">
+                                  <a:latin typeface="Cambria Math" panose="02040503050406030204" pitchFamily="18" charset="0"/>
+                                </a:rPr>
+                                <m:t>)(</m:t>
+                              </m:r>
+                              <m:sSub>
+                                <m:sSubPr>
+                                  <m:ctrlPr>
+                                    <a:rPr lang="en-US" sz="2800" b="0" i="1" dirty="0" smtClean="0">
+                                      <a:latin typeface="Cambria Math" panose="02040503050406030204" pitchFamily="18" charset="0"/>
+                                    </a:rPr>
+                                  </m:ctrlPr>
+                                </m:sSubPr>
+                                <m:e>
+                                  <m:r>
+                                    <a:rPr lang="en-US" sz="2800" b="0" i="1" dirty="0" smtClean="0">
+                                      <a:latin typeface="Cambria Math" panose="02040503050406030204" pitchFamily="18" charset="0"/>
+                                    </a:rPr>
+                                    <m:t>𝑦</m:t>
+                                  </m:r>
+                                </m:e>
+                                <m:sub>
+                                  <m:r>
+                                    <a:rPr lang="en-US" sz="2800" b="0" i="1" dirty="0" smtClean="0">
+                                      <a:latin typeface="Cambria Math" panose="02040503050406030204" pitchFamily="18" charset="0"/>
+                                    </a:rPr>
+                                    <m:t>𝑖</m:t>
+                                  </m:r>
+                                </m:sub>
+                              </m:sSub>
+                              <m:r>
+                                <a:rPr lang="en-US" sz="2800" b="0" i="1" dirty="0" smtClean="0">
+                                  <a:latin typeface="Cambria Math" panose="02040503050406030204" pitchFamily="18" charset="0"/>
+                                </a:rPr>
+                                <m:t>−</m:t>
+                              </m:r>
+                              <m:bar>
+                                <m:barPr>
+                                  <m:pos m:val="top"/>
+                                  <m:ctrlPr>
+                                    <a:rPr lang="en-US" sz="2800" b="0" i="1" dirty="0" smtClean="0">
+                                      <a:latin typeface="Cambria Math" panose="02040503050406030204" pitchFamily="18" charset="0"/>
+                                    </a:rPr>
+                                  </m:ctrlPr>
+                                </m:barPr>
+                                <m:e>
+                                  <m:r>
+                                    <a:rPr lang="en-US" sz="2800" b="0" i="1" dirty="0" smtClean="0">
+                                      <a:latin typeface="Cambria Math" panose="02040503050406030204" pitchFamily="18" charset="0"/>
+                                    </a:rPr>
+                                    <m:t>𝑦</m:t>
+                                  </m:r>
+                                </m:e>
+                              </m:bar>
+                              <m:r>
+                                <a:rPr lang="en-US" sz="2800" b="0" i="1" dirty="0" smtClean="0">
+                                  <a:latin typeface="Cambria Math" panose="02040503050406030204" pitchFamily="18" charset="0"/>
+                                </a:rPr>
+                                <m:t>)</m:t>
+                              </m:r>
+                            </m:e>
+                          </m:nary>
+                        </m:num>
+                        <m:den>
+                          <m:nary>
+                            <m:naryPr>
+                              <m:chr m:val="∑"/>
+                              <m:supHide m:val="on"/>
+                              <m:ctrlPr>
+                                <a:rPr lang="en-US" sz="2800" i="1" dirty="0">
+                                  <a:latin typeface="Cambria Math" panose="02040503050406030204" pitchFamily="18" charset="0"/>
+                                </a:rPr>
+                              </m:ctrlPr>
+                            </m:naryPr>
+                            <m:sub>
+                              <m:r>
+                                <a:rPr lang="en-US" sz="2800" i="1" dirty="0">
+                                  <a:latin typeface="Cambria Math" panose="02040503050406030204" pitchFamily="18" charset="0"/>
+                                </a:rPr>
+                                <m:t>𝑖</m:t>
+                              </m:r>
+                            </m:sub>
+                            <m:sup/>
+                            <m:e>
+                              <m:sSup>
+                                <m:sSupPr>
+                                  <m:ctrlPr>
+                                    <a:rPr lang="en-US" sz="2800" b="0" i="1" dirty="0" smtClean="0">
+                                      <a:latin typeface="Cambria Math" panose="02040503050406030204" pitchFamily="18" charset="0"/>
+                                    </a:rPr>
+                                  </m:ctrlPr>
+                                </m:sSupPr>
+                                <m:e>
+                                  <m:d>
+                                    <m:dPr>
+                                      <m:ctrlPr>
+                                        <a:rPr lang="en-US" sz="2800" i="1" dirty="0">
+                                          <a:latin typeface="Cambria Math" panose="02040503050406030204" pitchFamily="18" charset="0"/>
+                                        </a:rPr>
+                                      </m:ctrlPr>
+                                    </m:dPr>
+                                    <m:e>
+                                      <m:sSub>
+                                        <m:sSubPr>
+                                          <m:ctrlPr>
+                                            <a:rPr lang="en-US" sz="2800" i="1" dirty="0">
+                                              <a:latin typeface="Cambria Math" panose="02040503050406030204" pitchFamily="18" charset="0"/>
+                                            </a:rPr>
+                                          </m:ctrlPr>
+                                        </m:sSubPr>
+                                        <m:e>
+                                          <m:r>
+                                            <a:rPr lang="en-US" sz="2800" i="1" dirty="0">
+                                              <a:latin typeface="Cambria Math" panose="02040503050406030204" pitchFamily="18" charset="0"/>
+                                            </a:rPr>
+                                            <m:t>𝑥</m:t>
+                                          </m:r>
+                                        </m:e>
+                                        <m:sub>
+                                          <m:r>
+                                            <a:rPr lang="en-US" sz="2800" i="1" dirty="0">
+                                              <a:latin typeface="Cambria Math" panose="02040503050406030204" pitchFamily="18" charset="0"/>
+                                            </a:rPr>
+                                            <m:t>𝑖</m:t>
+                                          </m:r>
+                                        </m:sub>
+                                      </m:sSub>
+                                      <m:r>
+                                        <a:rPr lang="en-US" sz="2800" i="1" dirty="0">
+                                          <a:latin typeface="Cambria Math" panose="02040503050406030204" pitchFamily="18" charset="0"/>
+                                        </a:rPr>
+                                        <m:t>−</m:t>
+                                      </m:r>
+                                      <m:bar>
+                                        <m:barPr>
+                                          <m:pos m:val="top"/>
+                                          <m:ctrlPr>
+                                            <a:rPr lang="en-US" sz="2800" i="1" dirty="0">
+                                              <a:latin typeface="Cambria Math" panose="02040503050406030204" pitchFamily="18" charset="0"/>
+                                            </a:rPr>
+                                          </m:ctrlPr>
+                                        </m:barPr>
+                                        <m:e>
+                                          <m:r>
+                                            <a:rPr lang="en-US" sz="2800" i="1" dirty="0">
+                                              <a:latin typeface="Cambria Math" panose="02040503050406030204" pitchFamily="18" charset="0"/>
+                                            </a:rPr>
+                                            <m:t>𝑥</m:t>
+                                          </m:r>
+                                        </m:e>
+                                      </m:bar>
+                                    </m:e>
+                                  </m:d>
+                                </m:e>
+                                <m:sup>
+                                  <m:r>
+                                    <a:rPr lang="en-US" sz="2800" b="0" i="1" dirty="0" smtClean="0">
+                                      <a:latin typeface="Cambria Math" panose="02040503050406030204" pitchFamily="18" charset="0"/>
+                                    </a:rPr>
+                                    <m:t>2</m:t>
+                                  </m:r>
+                                </m:sup>
+                              </m:sSup>
+                            </m:e>
+                          </m:nary>
+                        </m:den>
+                      </m:f>
+                    </m:oMath>
+                  </m:oMathPara>
+                </a14:m>
+                <a:endParaRPr lang="en-US" sz="2800" dirty="0"/>
+              </a:p>
+            </p:txBody>
+          </p:sp>
+        </mc:Choice>
+        <mc:Fallback>
+          <p:sp>
+            <p:nvSpPr>
+              <p:cNvPr id="6" name="TextBox 5">
+                <a:extLst>
+                  <a:ext uri="{FF2B5EF4-FFF2-40B4-BE49-F238E27FC236}">
+                    <a16:creationId xmlns:a16="http://schemas.microsoft.com/office/drawing/2014/main" id="{65560FE4-1241-9849-AADC-A433E62F5433}"/>
+                  </a:ext>
+                </a:extLst>
+              </p:cNvPr>
+              <p:cNvSpPr txBox="1">
+                <a:spLocks noRot="1" noChangeAspect="1" noMove="1" noResize="1" noEditPoints="1" noAdjustHandles="1" noChangeArrowheads="1" noChangeShapeType="1" noTextEdit="1"/>
+              </p:cNvSpPr>
+              <p:nvPr/>
+            </p:nvSpPr>
+            <p:spPr>
+              <a:xfrm>
+                <a:off x="434341" y="4428105"/>
+                <a:ext cx="6096000" cy="1036438"/>
+              </a:xfrm>
+              <a:prstGeom prst="rect">
+                <a:avLst/>
+              </a:prstGeom>
+              <a:blipFill>
+                <a:blip r:embed="rId4"/>
+                <a:stretch>
+                  <a:fillRect t="-65060" b="-96386"/>
+                </a:stretch>
+              </a:blipFill>
+            </p:spPr>
+            <p:txBody>
+              <a:bodyPr/>
+              <a:lstStyle/>
+              <a:p>
+                <a:r>
+                  <a:rPr lang="en-US">
+                    <a:noFill/>
+                  </a:rPr>
+                  <a:t> </a:t>
+                </a:r>
+              </a:p>
+            </p:txBody>
+          </p:sp>
+        </mc:Fallback>
+      </mc:AlternateContent>
+      <mc:AlternateContent xmlns:mc="http://schemas.openxmlformats.org/markup-compatibility/2006">
+        <mc:Choice xmlns:a14="http://schemas.microsoft.com/office/drawing/2010/main" Requires="a14">
+          <p:sp>
+            <p:nvSpPr>
+              <p:cNvPr id="7" name="TextBox 6">
+                <a:extLst>
+                  <a:ext uri="{FF2B5EF4-FFF2-40B4-BE49-F238E27FC236}">
+                    <a16:creationId xmlns:a16="http://schemas.microsoft.com/office/drawing/2014/main" id="{4029A950-0AC9-6746-A632-95751EB2CE78}"/>
+                  </a:ext>
+                </a:extLst>
+              </p:cNvPr>
+              <p:cNvSpPr txBox="1"/>
+              <p:nvPr/>
+            </p:nvSpPr>
+            <p:spPr>
+              <a:xfrm>
+                <a:off x="4648200" y="4673044"/>
+                <a:ext cx="6096000" cy="546560"/>
+              </a:xfrm>
+              <a:prstGeom prst="rect">
+                <a:avLst/>
+              </a:prstGeom>
+              <a:noFill/>
+            </p:spPr>
+            <p:txBody>
+              <a:bodyPr wrap="square">
+                <a:spAutoFit/>
+              </a:bodyPr>
+              <a:lstStyle/>
+              <a:p>
+                <a:pPr/>
+                <a14:m>
+                  <m:oMathPara xmlns:m="http://schemas.openxmlformats.org/officeDocument/2006/math">
+                    <m:oMathParaPr>
+                      <m:jc m:val="centerGroup"/>
+                    </m:oMathParaPr>
+                    <m:oMath xmlns:m="http://schemas.openxmlformats.org/officeDocument/2006/math">
+                      <m:sSub>
+                        <m:sSubPr>
+                          <m:ctrlPr>
+                            <a:rPr lang="en-US" sz="2800" i="1" dirty="0" smtClean="0">
+                              <a:latin typeface="Cambria Math" panose="02040503050406030204" pitchFamily="18" charset="0"/>
+                            </a:rPr>
+                          </m:ctrlPr>
+                        </m:sSubPr>
+                        <m:e>
+                          <m:acc>
+                            <m:accPr>
+                              <m:chr m:val="̂"/>
+                              <m:ctrlPr>
+                                <a:rPr lang="en-US" sz="2800" i="1">
+                                  <a:latin typeface="Cambria Math" panose="02040503050406030204" pitchFamily="18" charset="0"/>
+                                </a:rPr>
+                              </m:ctrlPr>
+                            </m:accPr>
+                            <m:e>
+                              <m:r>
+                                <a:rPr lang="en-US" sz="2800" i="1">
+                                  <a:latin typeface="Cambria Math" panose="02040503050406030204" pitchFamily="18" charset="0"/>
+                                </a:rPr>
+                                <m:t>𝛽</m:t>
+                              </m:r>
+                            </m:e>
+                          </m:acc>
+                        </m:e>
+                        <m:sub>
+                          <m:r>
+                            <a:rPr lang="en-US" sz="2800" b="0" i="1" smtClean="0">
+                              <a:latin typeface="Cambria Math" panose="02040503050406030204" pitchFamily="18" charset="0"/>
+                            </a:rPr>
+                            <m:t>0</m:t>
+                          </m:r>
+                        </m:sub>
+                      </m:sSub>
+                      <m:r>
+                        <a:rPr lang="en-US" sz="2800" b="0" i="1" dirty="0" smtClean="0">
+                          <a:latin typeface="Cambria Math" panose="02040503050406030204" pitchFamily="18" charset="0"/>
+                        </a:rPr>
+                        <m:t>=</m:t>
+                      </m:r>
+                      <m:bar>
+                        <m:barPr>
+                          <m:pos m:val="top"/>
+                          <m:ctrlPr>
+                            <a:rPr lang="en-US" sz="2800" b="0" i="1" dirty="0" smtClean="0">
+                              <a:latin typeface="Cambria Math" panose="02040503050406030204" pitchFamily="18" charset="0"/>
+                            </a:rPr>
+                          </m:ctrlPr>
+                        </m:barPr>
+                        <m:e>
+                          <m:r>
+                            <a:rPr lang="en-US" sz="2800" b="0" i="1" dirty="0" smtClean="0">
+                              <a:latin typeface="Cambria Math" panose="02040503050406030204" pitchFamily="18" charset="0"/>
+                            </a:rPr>
+                            <m:t>𝑦</m:t>
+                          </m:r>
+                        </m:e>
+                      </m:bar>
+                      <m:r>
+                        <a:rPr lang="en-US" sz="2800" b="0" i="1" dirty="0" smtClean="0">
+                          <a:latin typeface="Cambria Math" panose="02040503050406030204" pitchFamily="18" charset="0"/>
+                        </a:rPr>
+                        <m:t>−</m:t>
+                      </m:r>
+                      <m:sSub>
+                        <m:sSubPr>
+                          <m:ctrlPr>
+                            <a:rPr lang="en-US" sz="2800" i="1" dirty="0">
+                              <a:latin typeface="Cambria Math" panose="02040503050406030204" pitchFamily="18" charset="0"/>
+                            </a:rPr>
+                          </m:ctrlPr>
+                        </m:sSubPr>
+                        <m:e>
+                          <m:acc>
+                            <m:accPr>
+                              <m:chr m:val="̂"/>
+                              <m:ctrlPr>
+                                <a:rPr lang="en-US" sz="2800" i="1">
+                                  <a:latin typeface="Cambria Math" panose="02040503050406030204" pitchFamily="18" charset="0"/>
+                                </a:rPr>
+                              </m:ctrlPr>
+                            </m:accPr>
+                            <m:e>
+                              <m:r>
+                                <a:rPr lang="en-US" sz="2800" i="1">
+                                  <a:latin typeface="Cambria Math" panose="02040503050406030204" pitchFamily="18" charset="0"/>
+                                </a:rPr>
+                                <m:t>𝛽</m:t>
+                              </m:r>
+                            </m:e>
+                          </m:acc>
+                        </m:e>
+                        <m:sub>
+                          <m:r>
+                            <a:rPr lang="en-US" sz="2800" i="1">
+                              <a:latin typeface="Cambria Math" panose="02040503050406030204" pitchFamily="18" charset="0"/>
+                            </a:rPr>
+                            <m:t>1</m:t>
+                          </m:r>
+                        </m:sub>
+                      </m:sSub>
+                      <m:bar>
+                        <m:barPr>
+                          <m:pos m:val="top"/>
+                          <m:ctrlPr>
+                            <a:rPr lang="en-US" sz="2800" i="1" dirty="0">
+                              <a:latin typeface="Cambria Math" panose="02040503050406030204" pitchFamily="18" charset="0"/>
+                            </a:rPr>
+                          </m:ctrlPr>
+                        </m:barPr>
+                        <m:e>
+                          <m:r>
+                            <a:rPr lang="en-US" sz="2800" i="1" dirty="0">
+                              <a:latin typeface="Cambria Math" panose="02040503050406030204" pitchFamily="18" charset="0"/>
+                            </a:rPr>
+                            <m:t>𝑥</m:t>
+                          </m:r>
+                        </m:e>
+                      </m:bar>
+                    </m:oMath>
+                  </m:oMathPara>
+                </a14:m>
+                <a:endParaRPr lang="en-US" sz="2800" dirty="0"/>
+              </a:p>
+            </p:txBody>
+          </p:sp>
+        </mc:Choice>
+        <mc:Fallback>
+          <p:sp>
+            <p:nvSpPr>
+              <p:cNvPr id="7" name="TextBox 6">
+                <a:extLst>
+                  <a:ext uri="{FF2B5EF4-FFF2-40B4-BE49-F238E27FC236}">
+                    <a16:creationId xmlns:a16="http://schemas.microsoft.com/office/drawing/2014/main" id="{4029A950-0AC9-6746-A632-95751EB2CE78}"/>
+                  </a:ext>
+                </a:extLst>
+              </p:cNvPr>
+              <p:cNvSpPr txBox="1">
+                <a:spLocks noRot="1" noChangeAspect="1" noMove="1" noResize="1" noEditPoints="1" noAdjustHandles="1" noChangeArrowheads="1" noChangeShapeType="1" noTextEdit="1"/>
+              </p:cNvSpPr>
+              <p:nvPr/>
+            </p:nvSpPr>
+            <p:spPr>
+              <a:xfrm>
+                <a:off x="4648200" y="4673044"/>
+                <a:ext cx="6096000" cy="546560"/>
+              </a:xfrm>
+              <a:prstGeom prst="rect">
+                <a:avLst/>
+              </a:prstGeom>
+              <a:blipFill>
+                <a:blip r:embed="rId5"/>
+                <a:stretch>
+                  <a:fillRect t="-9302" b="-18605"/>
+                </a:stretch>
+              </a:blipFill>
+            </p:spPr>
+            <p:txBody>
+              <a:bodyPr/>
+              <a:lstStyle/>
+              <a:p>
+                <a:r>
+                  <a:rPr lang="en-US">
+                    <a:noFill/>
+                  </a:rPr>
+                  <a:t> </a:t>
+                </a:r>
+              </a:p>
+            </p:txBody>
+          </p:sp>
+        </mc:Fallback>
+      </mc:AlternateContent>
     </p:spTree>
     <p:extLst>
       <p:ext uri="{BB962C8B-B14F-4D97-AF65-F5344CB8AC3E}">
@@ -8459,8 +10749,44 @@
           <a:p>
             <a:r>
               <a:rPr lang="en-US" dirty="0"/>
-              <a:t>Loglikelihood Estimation</a:t>
+              <a:t>Least Squares Method</a:t>
             </a:r>
+          </a:p>
+        </p:txBody>
+      </p:sp>
+      <p:sp>
+        <p:nvSpPr>
+          <p:cNvPr id="4" name="TextBox 3">
+            <a:extLst>
+              <a:ext uri="{FF2B5EF4-FFF2-40B4-BE49-F238E27FC236}">
+                <a16:creationId xmlns:a16="http://schemas.microsoft.com/office/drawing/2014/main" id="{2E49A06D-0836-8A40-BE1A-F6F5FF8786F1}"/>
+              </a:ext>
+            </a:extLst>
+          </p:cNvPr>
+          <p:cNvSpPr txBox="1"/>
+          <p:nvPr/>
+        </p:nvSpPr>
+        <p:spPr>
+          <a:xfrm>
+            <a:off x="838200" y="1906675"/>
+            <a:ext cx="10515600" cy="523220"/>
+          </a:xfrm>
+          <a:prstGeom prst="rect">
+            <a:avLst/>
+          </a:prstGeom>
+          <a:noFill/>
+        </p:spPr>
+        <p:txBody>
+          <a:bodyPr wrap="square">
+            <a:spAutoFit/>
+          </a:bodyPr>
+          <a:lstStyle/>
+          <a:p>
+            <a:r>
+              <a:rPr lang="en-US" sz="2800" b="0" dirty="0"/>
+              <a:t>Under the assumption of linear regression model</a:t>
+            </a:r>
+            <a:endParaRPr lang="en-US" sz="2800" dirty="0"/>
           </a:p>
         </p:txBody>
       </p:sp>
@@ -8468,10 +10794,10 @@
         <mc:Choice xmlns:a14="http://schemas.microsoft.com/office/drawing/2010/main" Requires="a14">
           <p:sp>
             <p:nvSpPr>
-              <p:cNvPr id="9" name="TextBox 8">
+              <p:cNvPr id="6" name="TextBox 5">
                 <a:extLst>
                   <a:ext uri="{FF2B5EF4-FFF2-40B4-BE49-F238E27FC236}">
-                    <a16:creationId xmlns:a16="http://schemas.microsoft.com/office/drawing/2014/main" id="{7C02BBF6-2811-9F4D-B3D8-BD9FBDF657C0}"/>
+                    <a16:creationId xmlns:a16="http://schemas.microsoft.com/office/drawing/2014/main" id="{65560FE4-1241-9849-AADC-A433E62F5433}"/>
                   </a:ext>
                 </a:extLst>
               </p:cNvPr>
@@ -8480,8 +10806,8 @@
             </p:nvSpPr>
             <p:spPr>
               <a:xfrm>
-                <a:off x="838200" y="1753560"/>
-                <a:ext cx="10515600" cy="523220"/>
+                <a:off x="312421" y="4946324"/>
+                <a:ext cx="6096000" cy="1036438"/>
               </a:xfrm>
               <a:prstGeom prst="rect">
                 <a:avLst/>
@@ -8494,76 +10820,311 @@
               </a:bodyPr>
               <a:lstStyle/>
               <a:p>
-                <a:r>
-                  <a:rPr lang="en-US" sz="2800" b="0" dirty="0"/>
-                  <a:t>The least squares method is commonly used for estimating </a:t>
-                </a:r>
+                <a:pPr/>
                 <a14:m>
-                  <m:oMath xmlns:m="http://schemas.openxmlformats.org/officeDocument/2006/math">
-                    <m:sSub>
-                      <m:sSubPr>
-                        <m:ctrlPr>
-                          <a:rPr lang="en-US" sz="2800" b="0" i="1" smtClean="0">
-                            <a:latin typeface="Cambria Math" panose="02040503050406030204" pitchFamily="18" charset="0"/>
-                          </a:rPr>
-                        </m:ctrlPr>
-                      </m:sSubPr>
-                      <m:e>
-                        <m:r>
-                          <a:rPr lang="en-US" sz="2800" b="0" i="1" smtClean="0">
-                            <a:latin typeface="Cambria Math" panose="02040503050406030204" pitchFamily="18" charset="0"/>
-                          </a:rPr>
-                          <m:t>𝛽</m:t>
-                        </m:r>
-                      </m:e>
-                      <m:sub>
-                        <m:r>
-                          <a:rPr lang="en-US" sz="2800" b="0" i="1" smtClean="0">
-                            <a:latin typeface="Cambria Math" panose="02040503050406030204" pitchFamily="18" charset="0"/>
-                          </a:rPr>
-                          <m:t>0</m:t>
-                        </m:r>
-                      </m:sub>
-                    </m:sSub>
-                  </m:oMath>
+                  <m:oMathPara xmlns:m="http://schemas.openxmlformats.org/officeDocument/2006/math">
+                    <m:oMathParaPr>
+                      <m:jc m:val="centerGroup"/>
+                    </m:oMathParaPr>
+                    <m:oMath xmlns:m="http://schemas.openxmlformats.org/officeDocument/2006/math">
+                      <m:sSub>
+                        <m:sSubPr>
+                          <m:ctrlPr>
+                            <a:rPr lang="en-US" sz="2800" i="1" dirty="0" smtClean="0">
+                              <a:latin typeface="Cambria Math" panose="02040503050406030204" pitchFamily="18" charset="0"/>
+                            </a:rPr>
+                          </m:ctrlPr>
+                        </m:sSubPr>
+                        <m:e>
+                          <m:acc>
+                            <m:accPr>
+                              <m:chr m:val="̂"/>
+                              <m:ctrlPr>
+                                <a:rPr lang="en-US" sz="2800" i="1">
+                                  <a:latin typeface="Cambria Math" panose="02040503050406030204" pitchFamily="18" charset="0"/>
+                                </a:rPr>
+                              </m:ctrlPr>
+                            </m:accPr>
+                            <m:e>
+                              <m:r>
+                                <a:rPr lang="en-US" sz="2800" i="1">
+                                  <a:latin typeface="Cambria Math" panose="02040503050406030204" pitchFamily="18" charset="0"/>
+                                </a:rPr>
+                                <m:t>𝛽</m:t>
+                              </m:r>
+                            </m:e>
+                          </m:acc>
+                        </m:e>
+                        <m:sub>
+                          <m:r>
+                            <a:rPr lang="en-US" sz="2800" b="0" i="1" smtClean="0">
+                              <a:latin typeface="Cambria Math" panose="02040503050406030204" pitchFamily="18" charset="0"/>
+                            </a:rPr>
+                            <m:t>1</m:t>
+                          </m:r>
+                        </m:sub>
+                      </m:sSub>
+                      <m:r>
+                        <a:rPr lang="en-US" sz="2800" b="0" i="1" dirty="0" smtClean="0">
+                          <a:latin typeface="Cambria Math" panose="02040503050406030204" pitchFamily="18" charset="0"/>
+                        </a:rPr>
+                        <m:t>= </m:t>
+                      </m:r>
+                      <m:f>
+                        <m:fPr>
+                          <m:ctrlPr>
+                            <a:rPr lang="en-US" sz="2800" b="0" i="1" dirty="0" smtClean="0">
+                              <a:latin typeface="Cambria Math" panose="02040503050406030204" pitchFamily="18" charset="0"/>
+                            </a:rPr>
+                          </m:ctrlPr>
+                        </m:fPr>
+                        <m:num>
+                          <m:nary>
+                            <m:naryPr>
+                              <m:chr m:val="∑"/>
+                              <m:supHide m:val="on"/>
+                              <m:ctrlPr>
+                                <a:rPr lang="en-US" sz="2800" b="0" i="1" dirty="0" smtClean="0">
+                                  <a:latin typeface="Cambria Math" panose="02040503050406030204" pitchFamily="18" charset="0"/>
+                                </a:rPr>
+                              </m:ctrlPr>
+                            </m:naryPr>
+                            <m:sub>
+                              <m:r>
+                                <a:rPr lang="en-US" sz="2800" b="0" i="1" dirty="0" smtClean="0">
+                                  <a:latin typeface="Cambria Math" panose="02040503050406030204" pitchFamily="18" charset="0"/>
+                                </a:rPr>
+                                <m:t>𝑖</m:t>
+                              </m:r>
+                            </m:sub>
+                            <m:sup/>
+                            <m:e>
+                              <m:r>
+                                <a:rPr lang="en-US" sz="2800" b="0" i="1" dirty="0" smtClean="0">
+                                  <a:latin typeface="Cambria Math" panose="02040503050406030204" pitchFamily="18" charset="0"/>
+                                </a:rPr>
+                                <m:t>(</m:t>
+                              </m:r>
+                              <m:sSub>
+                                <m:sSubPr>
+                                  <m:ctrlPr>
+                                    <a:rPr lang="en-US" sz="2800" b="0" i="1" dirty="0" smtClean="0">
+                                      <a:latin typeface="Cambria Math" panose="02040503050406030204" pitchFamily="18" charset="0"/>
+                                    </a:rPr>
+                                  </m:ctrlPr>
+                                </m:sSubPr>
+                                <m:e>
+                                  <m:r>
+                                    <a:rPr lang="en-US" sz="2800" b="0" i="1" dirty="0" smtClean="0">
+                                      <a:latin typeface="Cambria Math" panose="02040503050406030204" pitchFamily="18" charset="0"/>
+                                    </a:rPr>
+                                    <m:t>𝑥</m:t>
+                                  </m:r>
+                                </m:e>
+                                <m:sub>
+                                  <m:r>
+                                    <a:rPr lang="en-US" sz="2800" b="0" i="1" dirty="0" smtClean="0">
+                                      <a:latin typeface="Cambria Math" panose="02040503050406030204" pitchFamily="18" charset="0"/>
+                                    </a:rPr>
+                                    <m:t>𝑖</m:t>
+                                  </m:r>
+                                </m:sub>
+                              </m:sSub>
+                              <m:r>
+                                <a:rPr lang="en-US" sz="2800" b="0" i="1" dirty="0" smtClean="0">
+                                  <a:latin typeface="Cambria Math" panose="02040503050406030204" pitchFamily="18" charset="0"/>
+                                </a:rPr>
+                                <m:t>−</m:t>
+                              </m:r>
+                              <m:bar>
+                                <m:barPr>
+                                  <m:pos m:val="top"/>
+                                  <m:ctrlPr>
+                                    <a:rPr lang="en-US" sz="2800" b="0" i="1" dirty="0" smtClean="0">
+                                      <a:latin typeface="Cambria Math" panose="02040503050406030204" pitchFamily="18" charset="0"/>
+                                    </a:rPr>
+                                  </m:ctrlPr>
+                                </m:barPr>
+                                <m:e>
+                                  <m:r>
+                                    <a:rPr lang="en-US" sz="2800" b="0" i="1" dirty="0" smtClean="0">
+                                      <a:latin typeface="Cambria Math" panose="02040503050406030204" pitchFamily="18" charset="0"/>
+                                    </a:rPr>
+                                    <m:t>𝑥</m:t>
+                                  </m:r>
+                                </m:e>
+                              </m:bar>
+                              <m:r>
+                                <a:rPr lang="en-US" sz="2800" b="0" i="1" dirty="0" smtClean="0">
+                                  <a:latin typeface="Cambria Math" panose="02040503050406030204" pitchFamily="18" charset="0"/>
+                                </a:rPr>
+                                <m:t>)(</m:t>
+                              </m:r>
+                              <m:sSub>
+                                <m:sSubPr>
+                                  <m:ctrlPr>
+                                    <a:rPr lang="en-US" sz="2800" b="0" i="1" dirty="0" smtClean="0">
+                                      <a:latin typeface="Cambria Math" panose="02040503050406030204" pitchFamily="18" charset="0"/>
+                                    </a:rPr>
+                                  </m:ctrlPr>
+                                </m:sSubPr>
+                                <m:e>
+                                  <m:r>
+                                    <a:rPr lang="en-US" sz="2800" b="0" i="1" dirty="0" smtClean="0">
+                                      <a:latin typeface="Cambria Math" panose="02040503050406030204" pitchFamily="18" charset="0"/>
+                                    </a:rPr>
+                                    <m:t>𝑦</m:t>
+                                  </m:r>
+                                </m:e>
+                                <m:sub>
+                                  <m:r>
+                                    <a:rPr lang="en-US" sz="2800" b="0" i="1" dirty="0" smtClean="0">
+                                      <a:latin typeface="Cambria Math" panose="02040503050406030204" pitchFamily="18" charset="0"/>
+                                    </a:rPr>
+                                    <m:t>𝑖</m:t>
+                                  </m:r>
+                                </m:sub>
+                              </m:sSub>
+                              <m:r>
+                                <a:rPr lang="en-US" sz="2800" b="0" i="1" dirty="0" smtClean="0">
+                                  <a:latin typeface="Cambria Math" panose="02040503050406030204" pitchFamily="18" charset="0"/>
+                                </a:rPr>
+                                <m:t>−</m:t>
+                              </m:r>
+                              <m:bar>
+                                <m:barPr>
+                                  <m:pos m:val="top"/>
+                                  <m:ctrlPr>
+                                    <a:rPr lang="en-US" sz="2800" b="0" i="1" dirty="0" smtClean="0">
+                                      <a:latin typeface="Cambria Math" panose="02040503050406030204" pitchFamily="18" charset="0"/>
+                                    </a:rPr>
+                                  </m:ctrlPr>
+                                </m:barPr>
+                                <m:e>
+                                  <m:r>
+                                    <a:rPr lang="en-US" sz="2800" b="0" i="1" dirty="0" smtClean="0">
+                                      <a:latin typeface="Cambria Math" panose="02040503050406030204" pitchFamily="18" charset="0"/>
+                                    </a:rPr>
+                                    <m:t>𝑦</m:t>
+                                  </m:r>
+                                </m:e>
+                              </m:bar>
+                              <m:r>
+                                <a:rPr lang="en-US" sz="2800" b="0" i="1" dirty="0" smtClean="0">
+                                  <a:latin typeface="Cambria Math" panose="02040503050406030204" pitchFamily="18" charset="0"/>
+                                </a:rPr>
+                                <m:t>)</m:t>
+                              </m:r>
+                            </m:e>
+                          </m:nary>
+                        </m:num>
+                        <m:den>
+                          <m:nary>
+                            <m:naryPr>
+                              <m:chr m:val="∑"/>
+                              <m:supHide m:val="on"/>
+                              <m:ctrlPr>
+                                <a:rPr lang="en-US" sz="2800" i="1" dirty="0">
+                                  <a:latin typeface="Cambria Math" panose="02040503050406030204" pitchFamily="18" charset="0"/>
+                                </a:rPr>
+                              </m:ctrlPr>
+                            </m:naryPr>
+                            <m:sub>
+                              <m:r>
+                                <a:rPr lang="en-US" sz="2800" i="1" dirty="0">
+                                  <a:latin typeface="Cambria Math" panose="02040503050406030204" pitchFamily="18" charset="0"/>
+                                </a:rPr>
+                                <m:t>𝑖</m:t>
+                              </m:r>
+                            </m:sub>
+                            <m:sup/>
+                            <m:e>
+                              <m:sSup>
+                                <m:sSupPr>
+                                  <m:ctrlPr>
+                                    <a:rPr lang="en-US" sz="2800" b="0" i="1" dirty="0" smtClean="0">
+                                      <a:latin typeface="Cambria Math" panose="02040503050406030204" pitchFamily="18" charset="0"/>
+                                    </a:rPr>
+                                  </m:ctrlPr>
+                                </m:sSupPr>
+                                <m:e>
+                                  <m:d>
+                                    <m:dPr>
+                                      <m:ctrlPr>
+                                        <a:rPr lang="en-US" sz="2800" i="1" dirty="0">
+                                          <a:latin typeface="Cambria Math" panose="02040503050406030204" pitchFamily="18" charset="0"/>
+                                        </a:rPr>
+                                      </m:ctrlPr>
+                                    </m:dPr>
+                                    <m:e>
+                                      <m:sSub>
+                                        <m:sSubPr>
+                                          <m:ctrlPr>
+                                            <a:rPr lang="en-US" sz="2800" i="1" dirty="0">
+                                              <a:latin typeface="Cambria Math" panose="02040503050406030204" pitchFamily="18" charset="0"/>
+                                            </a:rPr>
+                                          </m:ctrlPr>
+                                        </m:sSubPr>
+                                        <m:e>
+                                          <m:r>
+                                            <a:rPr lang="en-US" sz="2800" i="1" dirty="0">
+                                              <a:latin typeface="Cambria Math" panose="02040503050406030204" pitchFamily="18" charset="0"/>
+                                            </a:rPr>
+                                            <m:t>𝑥</m:t>
+                                          </m:r>
+                                        </m:e>
+                                        <m:sub>
+                                          <m:r>
+                                            <a:rPr lang="en-US" sz="2800" i="1" dirty="0">
+                                              <a:latin typeface="Cambria Math" panose="02040503050406030204" pitchFamily="18" charset="0"/>
+                                            </a:rPr>
+                                            <m:t>𝑖</m:t>
+                                          </m:r>
+                                        </m:sub>
+                                      </m:sSub>
+                                      <m:r>
+                                        <a:rPr lang="en-US" sz="2800" i="1" dirty="0">
+                                          <a:latin typeface="Cambria Math" panose="02040503050406030204" pitchFamily="18" charset="0"/>
+                                        </a:rPr>
+                                        <m:t>−</m:t>
+                                      </m:r>
+                                      <m:bar>
+                                        <m:barPr>
+                                          <m:pos m:val="top"/>
+                                          <m:ctrlPr>
+                                            <a:rPr lang="en-US" sz="2800" i="1" dirty="0">
+                                              <a:latin typeface="Cambria Math" panose="02040503050406030204" pitchFamily="18" charset="0"/>
+                                            </a:rPr>
+                                          </m:ctrlPr>
+                                        </m:barPr>
+                                        <m:e>
+                                          <m:r>
+                                            <a:rPr lang="en-US" sz="2800" i="1" dirty="0">
+                                              <a:latin typeface="Cambria Math" panose="02040503050406030204" pitchFamily="18" charset="0"/>
+                                            </a:rPr>
+                                            <m:t>𝑥</m:t>
+                                          </m:r>
+                                        </m:e>
+                                      </m:bar>
+                                    </m:e>
+                                  </m:d>
+                                </m:e>
+                                <m:sup>
+                                  <m:r>
+                                    <a:rPr lang="en-US" sz="2800" b="0" i="1" dirty="0" smtClean="0">
+                                      <a:latin typeface="Cambria Math" panose="02040503050406030204" pitchFamily="18" charset="0"/>
+                                    </a:rPr>
+                                    <m:t>2</m:t>
+                                  </m:r>
+                                </m:sup>
+                              </m:sSup>
+                            </m:e>
+                          </m:nary>
+                        </m:den>
+                      </m:f>
+                    </m:oMath>
+                  </m:oMathPara>
                 </a14:m>
-                <a:r>
-                  <a:rPr lang="en-US" sz="2800" dirty="0"/>
-                  <a:t> and </a:t>
-                </a:r>
-                <a14:m>
-                  <m:oMath xmlns:m="http://schemas.openxmlformats.org/officeDocument/2006/math">
-                    <m:sSub>
-                      <m:sSubPr>
-                        <m:ctrlPr>
-                          <a:rPr lang="en-US" sz="2800" i="1">
-                            <a:latin typeface="Cambria Math" panose="02040503050406030204" pitchFamily="18" charset="0"/>
-                          </a:rPr>
-                        </m:ctrlPr>
-                      </m:sSubPr>
-                      <m:e>
-                        <m:r>
-                          <a:rPr lang="en-US" sz="2800" i="1">
-                            <a:latin typeface="Cambria Math" panose="02040503050406030204" pitchFamily="18" charset="0"/>
-                          </a:rPr>
-                          <m:t>𝛽</m:t>
-                        </m:r>
-                      </m:e>
-                      <m:sub>
-                        <m:r>
-                          <a:rPr lang="en-US" sz="2800" i="1">
-                            <a:latin typeface="Cambria Math" panose="02040503050406030204" pitchFamily="18" charset="0"/>
-                          </a:rPr>
-                          <m:t>1</m:t>
-                        </m:r>
-                      </m:sub>
-                    </m:sSub>
-                  </m:oMath>
-                </a14:m>
-                <a:r>
-                  <a:rPr lang="en-US" sz="2800" b="0" dirty="0"/>
-                  <a:t> </a:t>
-                </a:r>
                 <a:endParaRPr lang="en-US" sz="2800" dirty="0"/>
               </a:p>
             </p:txBody>
@@ -8572,10 +11133,10 @@
         <mc:Fallback>
           <p:sp>
             <p:nvSpPr>
-              <p:cNvPr id="9" name="TextBox 8">
+              <p:cNvPr id="6" name="TextBox 5">
                 <a:extLst>
                   <a:ext uri="{FF2B5EF4-FFF2-40B4-BE49-F238E27FC236}">
-                    <a16:creationId xmlns:a16="http://schemas.microsoft.com/office/drawing/2014/main" id="{7C02BBF6-2811-9F4D-B3D8-BD9FBDF657C0}"/>
+                    <a16:creationId xmlns:a16="http://schemas.microsoft.com/office/drawing/2014/main" id="{65560FE4-1241-9849-AADC-A433E62F5433}"/>
                   </a:ext>
                 </a:extLst>
               </p:cNvPr>
@@ -8586,8 +11147,8 @@
             </p:nvSpPr>
             <p:spPr>
               <a:xfrm>
-                <a:off x="838200" y="1753560"/>
-                <a:ext cx="10515600" cy="523220"/>
+                <a:off x="312421" y="4946324"/>
+                <a:ext cx="6096000" cy="1036438"/>
               </a:xfrm>
               <a:prstGeom prst="rect">
                 <a:avLst/>
@@ -8595,7 +11156,239 @@
               <a:blipFill>
                 <a:blip r:embed="rId3"/>
                 <a:stretch>
-                  <a:fillRect l="-1206" t="-14286" b="-28571"/>
+                  <a:fillRect t="-65854" b="-98780"/>
+                </a:stretch>
+              </a:blipFill>
+            </p:spPr>
+            <p:txBody>
+              <a:bodyPr/>
+              <a:lstStyle/>
+              <a:p>
+                <a:r>
+                  <a:rPr lang="en-US">
+                    <a:noFill/>
+                  </a:rPr>
+                  <a:t> </a:t>
+                </a:r>
+              </a:p>
+            </p:txBody>
+          </p:sp>
+        </mc:Fallback>
+      </mc:AlternateContent>
+      <mc:AlternateContent xmlns:mc="http://schemas.openxmlformats.org/markup-compatibility/2006">
+        <mc:Choice xmlns:a14="http://schemas.microsoft.com/office/drawing/2010/main" Requires="a14">
+          <p:sp>
+            <p:nvSpPr>
+              <p:cNvPr id="7" name="TextBox 6">
+                <a:extLst>
+                  <a:ext uri="{FF2B5EF4-FFF2-40B4-BE49-F238E27FC236}">
+                    <a16:creationId xmlns:a16="http://schemas.microsoft.com/office/drawing/2014/main" id="{4029A950-0AC9-6746-A632-95751EB2CE78}"/>
+                  </a:ext>
+                </a:extLst>
+              </p:cNvPr>
+              <p:cNvSpPr txBox="1"/>
+              <p:nvPr/>
+            </p:nvSpPr>
+            <p:spPr>
+              <a:xfrm>
+                <a:off x="2453640" y="2882440"/>
+                <a:ext cx="6096000" cy="523220"/>
+              </a:xfrm>
+              <a:prstGeom prst="rect">
+                <a:avLst/>
+              </a:prstGeom>
+              <a:noFill/>
+            </p:spPr>
+            <p:txBody>
+              <a:bodyPr wrap="square">
+                <a:spAutoFit/>
+              </a:bodyPr>
+              <a:lstStyle/>
+              <a:p>
+                <a:pPr/>
+                <a14:m>
+                  <m:oMathPara xmlns:m="http://schemas.openxmlformats.org/officeDocument/2006/math">
+                    <m:oMathParaPr>
+                      <m:jc m:val="centerGroup"/>
+                    </m:oMathParaPr>
+                    <m:oMath xmlns:m="http://schemas.openxmlformats.org/officeDocument/2006/math">
+                      <m:sSub>
+                        <m:sSubPr>
+                          <m:ctrlPr>
+                            <a:rPr lang="en-US" sz="2800" b="0" i="1" dirty="0" smtClean="0">
+                              <a:latin typeface="Cambria Math" panose="02040503050406030204" pitchFamily="18" charset="0"/>
+                            </a:rPr>
+                          </m:ctrlPr>
+                        </m:sSubPr>
+                        <m:e>
+                          <m:r>
+                            <a:rPr lang="en-US" sz="2800" b="0" i="1" dirty="0" smtClean="0">
+                              <a:latin typeface="Cambria Math" panose="02040503050406030204" pitchFamily="18" charset="0"/>
+                            </a:rPr>
+                            <m:t>𝑦</m:t>
+                          </m:r>
+                        </m:e>
+                        <m:sub>
+                          <m:r>
+                            <a:rPr lang="en-US" sz="2800" b="0" i="1" dirty="0" smtClean="0">
+                              <a:latin typeface="Cambria Math" panose="02040503050406030204" pitchFamily="18" charset="0"/>
+                            </a:rPr>
+                            <m:t>𝑖</m:t>
+                          </m:r>
+                        </m:sub>
+                      </m:sSub>
+                      <m:r>
+                        <a:rPr lang="en-US" sz="2800" b="0" i="1" dirty="0" smtClean="0">
+                          <a:latin typeface="Cambria Math" panose="02040503050406030204" pitchFamily="18" charset="0"/>
+                        </a:rPr>
+                        <m:t>∼</m:t>
+                      </m:r>
+                      <m:r>
+                        <a:rPr lang="en-US" sz="2800" b="0" i="1" dirty="0" smtClean="0">
+                          <a:latin typeface="Cambria Math" panose="02040503050406030204" pitchFamily="18" charset="0"/>
+                        </a:rPr>
+                        <m:t>𝑁</m:t>
+                      </m:r>
+                      <m:r>
+                        <a:rPr lang="en-US" sz="2800" b="0" i="1" dirty="0" smtClean="0">
+                          <a:latin typeface="Cambria Math" panose="02040503050406030204" pitchFamily="18" charset="0"/>
+                        </a:rPr>
+                        <m:t>(</m:t>
+                      </m:r>
+                      <m:sSub>
+                        <m:sSubPr>
+                          <m:ctrlPr>
+                            <a:rPr lang="en-US" sz="2800" i="1">
+                              <a:latin typeface="Cambria Math" panose="02040503050406030204" pitchFamily="18" charset="0"/>
+                            </a:rPr>
+                          </m:ctrlPr>
+                        </m:sSubPr>
+                        <m:e>
+                          <m:r>
+                            <a:rPr lang="en-US" sz="2800" i="1">
+                              <a:latin typeface="Cambria Math" panose="02040503050406030204" pitchFamily="18" charset="0"/>
+                            </a:rPr>
+                            <m:t>𝛽</m:t>
+                          </m:r>
+                        </m:e>
+                        <m:sub>
+                          <m:r>
+                            <a:rPr lang="en-US" sz="2800" i="1">
+                              <a:latin typeface="Cambria Math" panose="02040503050406030204" pitchFamily="18" charset="0"/>
+                            </a:rPr>
+                            <m:t>0</m:t>
+                          </m:r>
+                        </m:sub>
+                      </m:sSub>
+                      <m:r>
+                        <a:rPr lang="en-US" sz="2800" i="1">
+                          <a:latin typeface="Cambria Math" panose="02040503050406030204" pitchFamily="18" charset="0"/>
+                        </a:rPr>
+                        <m:t>+</m:t>
+                      </m:r>
+                      <m:sSub>
+                        <m:sSubPr>
+                          <m:ctrlPr>
+                            <a:rPr lang="en-US" sz="2800" i="1">
+                              <a:latin typeface="Cambria Math" panose="02040503050406030204" pitchFamily="18" charset="0"/>
+                            </a:rPr>
+                          </m:ctrlPr>
+                        </m:sSubPr>
+                        <m:e>
+                          <m:r>
+                            <a:rPr lang="en-US" sz="2800" i="1">
+                              <a:latin typeface="Cambria Math" panose="02040503050406030204" pitchFamily="18" charset="0"/>
+                            </a:rPr>
+                            <m:t>𝛽</m:t>
+                          </m:r>
+                        </m:e>
+                        <m:sub>
+                          <m:r>
+                            <a:rPr lang="en-US" sz="2800" i="1">
+                              <a:latin typeface="Cambria Math" panose="02040503050406030204" pitchFamily="18" charset="0"/>
+                            </a:rPr>
+                            <m:t>1</m:t>
+                          </m:r>
+                        </m:sub>
+                      </m:sSub>
+                      <m:r>
+                        <a:rPr lang="en-US" sz="2800" i="1">
+                          <a:latin typeface="Cambria Math" panose="02040503050406030204" pitchFamily="18" charset="0"/>
+                        </a:rPr>
+                        <m:t>𝑋</m:t>
+                      </m:r>
+                      <m:r>
+                        <a:rPr lang="en-US" sz="2800" b="0" i="0" smtClean="0">
+                          <a:latin typeface="Cambria Math" panose="02040503050406030204" pitchFamily="18" charset="0"/>
+                        </a:rPr>
+                        <m:t>, </m:t>
+                      </m:r>
+                      <m:sSup>
+                        <m:sSupPr>
+                          <m:ctrlPr>
+                            <a:rPr lang="en-US" sz="2800" b="0" i="1" smtClean="0">
+                              <a:latin typeface="Cambria Math" panose="02040503050406030204" pitchFamily="18" charset="0"/>
+                            </a:rPr>
+                          </m:ctrlPr>
+                        </m:sSupPr>
+                        <m:e>
+                          <m:r>
+                            <a:rPr lang="en-US" sz="2800" b="0" i="1" smtClean="0">
+                              <a:latin typeface="Cambria Math" panose="02040503050406030204" pitchFamily="18" charset="0"/>
+                            </a:rPr>
+                            <m:t>𝜎</m:t>
+                          </m:r>
+                        </m:e>
+                        <m:sup>
+                          <m:r>
+                            <a:rPr lang="en-US" sz="2800" b="0" i="1" smtClean="0">
+                              <a:latin typeface="Cambria Math" panose="02040503050406030204" pitchFamily="18" charset="0"/>
+                            </a:rPr>
+                            <m:t>2</m:t>
+                          </m:r>
+                        </m:sup>
+                      </m:sSup>
+                      <m:r>
+                        <a:rPr lang="en-US" sz="2800" b="0" i="1" smtClean="0">
+                          <a:latin typeface="Cambria Math" panose="02040503050406030204" pitchFamily="18" charset="0"/>
+                        </a:rPr>
+                        <m:t>)</m:t>
+                      </m:r>
+                    </m:oMath>
+                  </m:oMathPara>
+                </a14:m>
+                <a:endParaRPr lang="en-US" sz="2800" dirty="0"/>
+              </a:p>
+            </p:txBody>
+          </p:sp>
+        </mc:Choice>
+        <mc:Fallback>
+          <p:sp>
+            <p:nvSpPr>
+              <p:cNvPr id="7" name="TextBox 6">
+                <a:extLst>
+                  <a:ext uri="{FF2B5EF4-FFF2-40B4-BE49-F238E27FC236}">
+                    <a16:creationId xmlns:a16="http://schemas.microsoft.com/office/drawing/2014/main" id="{4029A950-0AC9-6746-A632-95751EB2CE78}"/>
+                  </a:ext>
+                </a:extLst>
+              </p:cNvPr>
+              <p:cNvSpPr txBox="1">
+                <a:spLocks noRot="1" noChangeAspect="1" noMove="1" noResize="1" noEditPoints="1" noAdjustHandles="1" noChangeArrowheads="1" noChangeShapeType="1" noTextEdit="1"/>
+              </p:cNvSpPr>
+              <p:nvPr/>
+            </p:nvSpPr>
+            <p:spPr>
+              <a:xfrm>
+                <a:off x="2453640" y="2882440"/>
+                <a:ext cx="6096000" cy="523220"/>
+              </a:xfrm>
+              <a:prstGeom prst="rect">
+                <a:avLst/>
+              </a:prstGeom>
+              <a:blipFill>
+                <a:blip r:embed="rId4"/>
+                <a:stretch>
+                  <a:fillRect b="-16667"/>
                 </a:stretch>
               </a:blipFill>
             </p:spPr>
@@ -8617,7 +11410,7 @@
     </p:spTree>
     <p:extLst>
       <p:ext uri="{BB962C8B-B14F-4D97-AF65-F5344CB8AC3E}">
-        <p14:creationId xmlns:p14="http://schemas.microsoft.com/office/powerpoint/2010/main" val="2714364383"/>
+        <p14:creationId xmlns:p14="http://schemas.microsoft.com/office/powerpoint/2010/main" val="2795567197"/>
       </p:ext>
     </p:extLst>
   </p:cSld>

--- a/_umkc-teaching/slides/Lecture3.pptx
+++ b/_umkc-teaching/slides/Lecture3.pptx
@@ -5,7 +5,7 @@
     <p:sldMasterId id="2147483648" r:id="rId1"/>
   </p:sldMasterIdLst>
   <p:notesMasterIdLst>
-    <p:notesMasterId r:id="rId14"/>
+    <p:notesMasterId r:id="rId15"/>
   </p:notesMasterIdLst>
   <p:sldIdLst>
     <p:sldId id="257" r:id="rId2"/>
@@ -19,7 +19,8 @@
     <p:sldId id="322" r:id="rId10"/>
     <p:sldId id="320" r:id="rId11"/>
     <p:sldId id="321" r:id="rId12"/>
-    <p:sldId id="293" r:id="rId13"/>
+    <p:sldId id="323" r:id="rId13"/>
+    <p:sldId id="293" r:id="rId14"/>
   </p:sldIdLst>
   <p:sldSz cx="12192000" cy="6858000"/>
   <p:notesSz cx="6858000" cy="9144000"/>
@@ -634,6 +635,90 @@
     <p:extLst>
       <p:ext uri="{BB962C8B-B14F-4D97-AF65-F5344CB8AC3E}">
         <p14:creationId xmlns:p14="http://schemas.microsoft.com/office/powerpoint/2010/main" val="2277284325"/>
+      </p:ext>
+    </p:extLst>
+  </p:cSld>
+  <p:clrMapOvr>
+    <a:masterClrMapping/>
+  </p:clrMapOvr>
+</p:notes>
+</file>
+
+<file path=ppt/notesSlides/notesSlide11.xml><?xml version="1.0" encoding="utf-8"?>
+<p:notes xmlns:a="http://schemas.openxmlformats.org/drawingml/2006/main" xmlns:r="http://schemas.openxmlformats.org/officeDocument/2006/relationships" xmlns:p="http://schemas.openxmlformats.org/presentationml/2006/main">
+  <p:cSld>
+    <p:spTree>
+      <p:nvGrpSpPr>
+        <p:cNvPr id="1" name=""/>
+        <p:cNvGrpSpPr/>
+        <p:nvPr/>
+      </p:nvGrpSpPr>
+      <p:grpSpPr>
+        <a:xfrm>
+          <a:off x="0" y="0"/>
+          <a:ext cx="0" cy="0"/>
+          <a:chOff x="0" y="0"/>
+          <a:chExt cx="0" cy="0"/>
+        </a:xfrm>
+      </p:grpSpPr>
+      <p:sp>
+        <p:nvSpPr>
+          <p:cNvPr id="2" name="Slide Image Placeholder 1"/>
+          <p:cNvSpPr>
+            <a:spLocks noGrp="1" noRot="1" noChangeAspect="1"/>
+          </p:cNvSpPr>
+          <p:nvPr>
+            <p:ph type="sldImg"/>
+          </p:nvPr>
+        </p:nvSpPr>
+        <p:spPr/>
+      </p:sp>
+      <p:sp>
+        <p:nvSpPr>
+          <p:cNvPr id="3" name="Notes Placeholder 2"/>
+          <p:cNvSpPr>
+            <a:spLocks noGrp="1"/>
+          </p:cNvSpPr>
+          <p:nvPr>
+            <p:ph type="body" idx="1"/>
+          </p:nvPr>
+        </p:nvSpPr>
+        <p:spPr/>
+        <p:txBody>
+          <a:bodyPr/>
+          <a:lstStyle/>
+          <a:p>
+            <a:endParaRPr lang="en-US" dirty="0"/>
+          </a:p>
+        </p:txBody>
+      </p:sp>
+      <p:sp>
+        <p:nvSpPr>
+          <p:cNvPr id="4" name="Slide Number Placeholder 3"/>
+          <p:cNvSpPr>
+            <a:spLocks noGrp="1"/>
+          </p:cNvSpPr>
+          <p:nvPr>
+            <p:ph type="sldNum" sz="quarter" idx="5"/>
+          </p:nvPr>
+        </p:nvSpPr>
+        <p:spPr/>
+        <p:txBody>
+          <a:bodyPr/>
+          <a:lstStyle/>
+          <a:p>
+            <a:fld id="{3F8BDF20-BE86-4883-8A23-4CE3D0058BEA}" type="slidenum">
+              <a:rPr lang="en-US" smtClean="0"/>
+              <a:t>12</a:t>
+            </a:fld>
+            <a:endParaRPr lang="en-US"/>
+          </a:p>
+        </p:txBody>
+      </p:sp>
+    </p:spTree>
+    <p:extLst>
+      <p:ext uri="{BB962C8B-B14F-4D97-AF65-F5344CB8AC3E}">
+        <p14:creationId xmlns:p14="http://schemas.microsoft.com/office/powerpoint/2010/main" val="2093265721"/>
       </p:ext>
     </p:extLst>
   </p:cSld>
@@ -5910,6 +5995,101 @@
       </p:grpSpPr>
       <p:sp>
         <p:nvSpPr>
+          <p:cNvPr id="2" name="Title 1"/>
+          <p:cNvSpPr>
+            <a:spLocks noGrp="1"/>
+          </p:cNvSpPr>
+          <p:nvPr>
+            <p:ph type="title"/>
+          </p:nvPr>
+        </p:nvSpPr>
+        <p:spPr>
+          <a:xfrm>
+            <a:off x="838200" y="365126"/>
+            <a:ext cx="10515600" cy="981894"/>
+          </a:xfrm>
+        </p:spPr>
+        <p:txBody>
+          <a:bodyPr>
+            <a:normAutofit/>
+          </a:bodyPr>
+          <a:lstStyle/>
+          <a:p>
+            <a:r>
+              <a:rPr lang="en-US" dirty="0"/>
+              <a:t>Hypothesis Testing</a:t>
+            </a:r>
+          </a:p>
+        </p:txBody>
+      </p:sp>
+      <p:sp>
+        <p:nvSpPr>
+          <p:cNvPr id="8" name="TextBox 7">
+            <a:extLst>
+              <a:ext uri="{FF2B5EF4-FFF2-40B4-BE49-F238E27FC236}">
+                <a16:creationId xmlns:a16="http://schemas.microsoft.com/office/drawing/2014/main" id="{099A7ED8-73D5-9A40-A9DE-A26FA654736F}"/>
+              </a:ext>
+            </a:extLst>
+          </p:cNvPr>
+          <p:cNvSpPr txBox="1"/>
+          <p:nvPr/>
+        </p:nvSpPr>
+        <p:spPr>
+          <a:xfrm>
+            <a:off x="838200" y="1920231"/>
+            <a:ext cx="10515600" cy="523220"/>
+          </a:xfrm>
+          <a:prstGeom prst="rect">
+            <a:avLst/>
+          </a:prstGeom>
+          <a:noFill/>
+        </p:spPr>
+        <p:txBody>
+          <a:bodyPr wrap="square">
+            <a:spAutoFit/>
+          </a:bodyPr>
+          <a:lstStyle/>
+          <a:p>
+            <a:r>
+              <a:rPr lang="en-US" sz="2800" b="0" dirty="0"/>
+              <a:t>Does the linear model make sense?</a:t>
+            </a:r>
+            <a:endParaRPr lang="en-US" sz="2800" dirty="0"/>
+          </a:p>
+        </p:txBody>
+      </p:sp>
+    </p:spTree>
+    <p:extLst>
+      <p:ext uri="{BB962C8B-B14F-4D97-AF65-F5344CB8AC3E}">
+        <p14:creationId xmlns:p14="http://schemas.microsoft.com/office/powerpoint/2010/main" val="773782974"/>
+      </p:ext>
+    </p:extLst>
+  </p:cSld>
+  <p:clrMapOvr>
+    <a:masterClrMapping/>
+  </p:clrMapOvr>
+</p:sld>
+</file>
+
+<file path=ppt/slides/slide13.xml><?xml version="1.0" encoding="utf-8"?>
+<p:sld xmlns:a="http://schemas.openxmlformats.org/drawingml/2006/main" xmlns:r="http://schemas.openxmlformats.org/officeDocument/2006/relationships" xmlns:p="http://schemas.openxmlformats.org/presentationml/2006/main">
+  <p:cSld>
+    <p:spTree>
+      <p:nvGrpSpPr>
+        <p:cNvPr id="1" name=""/>
+        <p:cNvGrpSpPr/>
+        <p:nvPr/>
+      </p:nvGrpSpPr>
+      <p:grpSpPr>
+        <a:xfrm>
+          <a:off x="0" y="0"/>
+          <a:ext cx="0" cy="0"/>
+          <a:chOff x="0" y="0"/>
+          <a:chExt cx="0" cy="0"/>
+        </a:xfrm>
+      </p:grpSpPr>
+      <p:sp>
+        <p:nvSpPr>
           <p:cNvPr id="10" name="TextBox 9">
             <a:extLst>
               <a:ext uri="{FF2B5EF4-FFF2-40B4-BE49-F238E27FC236}">
@@ -10794,391 +10974,6 @@
         <mc:Choice xmlns:a14="http://schemas.microsoft.com/office/drawing/2010/main" Requires="a14">
           <p:sp>
             <p:nvSpPr>
-              <p:cNvPr id="6" name="TextBox 5">
-                <a:extLst>
-                  <a:ext uri="{FF2B5EF4-FFF2-40B4-BE49-F238E27FC236}">
-                    <a16:creationId xmlns:a16="http://schemas.microsoft.com/office/drawing/2014/main" id="{65560FE4-1241-9849-AADC-A433E62F5433}"/>
-                  </a:ext>
-                </a:extLst>
-              </p:cNvPr>
-              <p:cNvSpPr txBox="1"/>
-              <p:nvPr/>
-            </p:nvSpPr>
-            <p:spPr>
-              <a:xfrm>
-                <a:off x="312421" y="4946324"/>
-                <a:ext cx="6096000" cy="1036438"/>
-              </a:xfrm>
-              <a:prstGeom prst="rect">
-                <a:avLst/>
-              </a:prstGeom>
-              <a:noFill/>
-            </p:spPr>
-            <p:txBody>
-              <a:bodyPr wrap="square">
-                <a:spAutoFit/>
-              </a:bodyPr>
-              <a:lstStyle/>
-              <a:p>
-                <a:pPr/>
-                <a14:m>
-                  <m:oMathPara xmlns:m="http://schemas.openxmlformats.org/officeDocument/2006/math">
-                    <m:oMathParaPr>
-                      <m:jc m:val="centerGroup"/>
-                    </m:oMathParaPr>
-                    <m:oMath xmlns:m="http://schemas.openxmlformats.org/officeDocument/2006/math">
-                      <m:sSub>
-                        <m:sSubPr>
-                          <m:ctrlPr>
-                            <a:rPr lang="en-US" sz="2800" i="1" dirty="0" smtClean="0">
-                              <a:latin typeface="Cambria Math" panose="02040503050406030204" pitchFamily="18" charset="0"/>
-                            </a:rPr>
-                          </m:ctrlPr>
-                        </m:sSubPr>
-                        <m:e>
-                          <m:acc>
-                            <m:accPr>
-                              <m:chr m:val="̂"/>
-                              <m:ctrlPr>
-                                <a:rPr lang="en-US" sz="2800" i="1">
-                                  <a:latin typeface="Cambria Math" panose="02040503050406030204" pitchFamily="18" charset="0"/>
-                                </a:rPr>
-                              </m:ctrlPr>
-                            </m:accPr>
-                            <m:e>
-                              <m:r>
-                                <a:rPr lang="en-US" sz="2800" i="1">
-                                  <a:latin typeface="Cambria Math" panose="02040503050406030204" pitchFamily="18" charset="0"/>
-                                </a:rPr>
-                                <m:t>𝛽</m:t>
-                              </m:r>
-                            </m:e>
-                          </m:acc>
-                        </m:e>
-                        <m:sub>
-                          <m:r>
-                            <a:rPr lang="en-US" sz="2800" b="0" i="1" smtClean="0">
-                              <a:latin typeface="Cambria Math" panose="02040503050406030204" pitchFamily="18" charset="0"/>
-                            </a:rPr>
-                            <m:t>1</m:t>
-                          </m:r>
-                        </m:sub>
-                      </m:sSub>
-                      <m:r>
-                        <a:rPr lang="en-US" sz="2800" b="0" i="1" dirty="0" smtClean="0">
-                          <a:latin typeface="Cambria Math" panose="02040503050406030204" pitchFamily="18" charset="0"/>
-                        </a:rPr>
-                        <m:t>= </m:t>
-                      </m:r>
-                      <m:f>
-                        <m:fPr>
-                          <m:ctrlPr>
-                            <a:rPr lang="en-US" sz="2800" b="0" i="1" dirty="0" smtClean="0">
-                              <a:latin typeface="Cambria Math" panose="02040503050406030204" pitchFamily="18" charset="0"/>
-                            </a:rPr>
-                          </m:ctrlPr>
-                        </m:fPr>
-                        <m:num>
-                          <m:nary>
-                            <m:naryPr>
-                              <m:chr m:val="∑"/>
-                              <m:supHide m:val="on"/>
-                              <m:ctrlPr>
-                                <a:rPr lang="en-US" sz="2800" b="0" i="1" dirty="0" smtClean="0">
-                                  <a:latin typeface="Cambria Math" panose="02040503050406030204" pitchFamily="18" charset="0"/>
-                                </a:rPr>
-                              </m:ctrlPr>
-                            </m:naryPr>
-                            <m:sub>
-                              <m:r>
-                                <a:rPr lang="en-US" sz="2800" b="0" i="1" dirty="0" smtClean="0">
-                                  <a:latin typeface="Cambria Math" panose="02040503050406030204" pitchFamily="18" charset="0"/>
-                                </a:rPr>
-                                <m:t>𝑖</m:t>
-                              </m:r>
-                            </m:sub>
-                            <m:sup/>
-                            <m:e>
-                              <m:r>
-                                <a:rPr lang="en-US" sz="2800" b="0" i="1" dirty="0" smtClean="0">
-                                  <a:latin typeface="Cambria Math" panose="02040503050406030204" pitchFamily="18" charset="0"/>
-                                </a:rPr>
-                                <m:t>(</m:t>
-                              </m:r>
-                              <m:sSub>
-                                <m:sSubPr>
-                                  <m:ctrlPr>
-                                    <a:rPr lang="en-US" sz="2800" b="0" i="1" dirty="0" smtClean="0">
-                                      <a:latin typeface="Cambria Math" panose="02040503050406030204" pitchFamily="18" charset="0"/>
-                                    </a:rPr>
-                                  </m:ctrlPr>
-                                </m:sSubPr>
-                                <m:e>
-                                  <m:r>
-                                    <a:rPr lang="en-US" sz="2800" b="0" i="1" dirty="0" smtClean="0">
-                                      <a:latin typeface="Cambria Math" panose="02040503050406030204" pitchFamily="18" charset="0"/>
-                                    </a:rPr>
-                                    <m:t>𝑥</m:t>
-                                  </m:r>
-                                </m:e>
-                                <m:sub>
-                                  <m:r>
-                                    <a:rPr lang="en-US" sz="2800" b="0" i="1" dirty="0" smtClean="0">
-                                      <a:latin typeface="Cambria Math" panose="02040503050406030204" pitchFamily="18" charset="0"/>
-                                    </a:rPr>
-                                    <m:t>𝑖</m:t>
-                                  </m:r>
-                                </m:sub>
-                              </m:sSub>
-                              <m:r>
-                                <a:rPr lang="en-US" sz="2800" b="0" i="1" dirty="0" smtClean="0">
-                                  <a:latin typeface="Cambria Math" panose="02040503050406030204" pitchFamily="18" charset="0"/>
-                                </a:rPr>
-                                <m:t>−</m:t>
-                              </m:r>
-                              <m:bar>
-                                <m:barPr>
-                                  <m:pos m:val="top"/>
-                                  <m:ctrlPr>
-                                    <a:rPr lang="en-US" sz="2800" b="0" i="1" dirty="0" smtClean="0">
-                                      <a:latin typeface="Cambria Math" panose="02040503050406030204" pitchFamily="18" charset="0"/>
-                                    </a:rPr>
-                                  </m:ctrlPr>
-                                </m:barPr>
-                                <m:e>
-                                  <m:r>
-                                    <a:rPr lang="en-US" sz="2800" b="0" i="1" dirty="0" smtClean="0">
-                                      <a:latin typeface="Cambria Math" panose="02040503050406030204" pitchFamily="18" charset="0"/>
-                                    </a:rPr>
-                                    <m:t>𝑥</m:t>
-                                  </m:r>
-                                </m:e>
-                              </m:bar>
-                              <m:r>
-                                <a:rPr lang="en-US" sz="2800" b="0" i="1" dirty="0" smtClean="0">
-                                  <a:latin typeface="Cambria Math" panose="02040503050406030204" pitchFamily="18" charset="0"/>
-                                </a:rPr>
-                                <m:t>)(</m:t>
-                              </m:r>
-                              <m:sSub>
-                                <m:sSubPr>
-                                  <m:ctrlPr>
-                                    <a:rPr lang="en-US" sz="2800" b="0" i="1" dirty="0" smtClean="0">
-                                      <a:latin typeface="Cambria Math" panose="02040503050406030204" pitchFamily="18" charset="0"/>
-                                    </a:rPr>
-                                  </m:ctrlPr>
-                                </m:sSubPr>
-                                <m:e>
-                                  <m:r>
-                                    <a:rPr lang="en-US" sz="2800" b="0" i="1" dirty="0" smtClean="0">
-                                      <a:latin typeface="Cambria Math" panose="02040503050406030204" pitchFamily="18" charset="0"/>
-                                    </a:rPr>
-                                    <m:t>𝑦</m:t>
-                                  </m:r>
-                                </m:e>
-                                <m:sub>
-                                  <m:r>
-                                    <a:rPr lang="en-US" sz="2800" b="0" i="1" dirty="0" smtClean="0">
-                                      <a:latin typeface="Cambria Math" panose="02040503050406030204" pitchFamily="18" charset="0"/>
-                                    </a:rPr>
-                                    <m:t>𝑖</m:t>
-                                  </m:r>
-                                </m:sub>
-                              </m:sSub>
-                              <m:r>
-                                <a:rPr lang="en-US" sz="2800" b="0" i="1" dirty="0" smtClean="0">
-                                  <a:latin typeface="Cambria Math" panose="02040503050406030204" pitchFamily="18" charset="0"/>
-                                </a:rPr>
-                                <m:t>−</m:t>
-                              </m:r>
-                              <m:bar>
-                                <m:barPr>
-                                  <m:pos m:val="top"/>
-                                  <m:ctrlPr>
-                                    <a:rPr lang="en-US" sz="2800" b="0" i="1" dirty="0" smtClean="0">
-                                      <a:latin typeface="Cambria Math" panose="02040503050406030204" pitchFamily="18" charset="0"/>
-                                    </a:rPr>
-                                  </m:ctrlPr>
-                                </m:barPr>
-                                <m:e>
-                                  <m:r>
-                                    <a:rPr lang="en-US" sz="2800" b="0" i="1" dirty="0" smtClean="0">
-                                      <a:latin typeface="Cambria Math" panose="02040503050406030204" pitchFamily="18" charset="0"/>
-                                    </a:rPr>
-                                    <m:t>𝑦</m:t>
-                                  </m:r>
-                                </m:e>
-                              </m:bar>
-                              <m:r>
-                                <a:rPr lang="en-US" sz="2800" b="0" i="1" dirty="0" smtClean="0">
-                                  <a:latin typeface="Cambria Math" panose="02040503050406030204" pitchFamily="18" charset="0"/>
-                                </a:rPr>
-                                <m:t>)</m:t>
-                              </m:r>
-                            </m:e>
-                          </m:nary>
-                        </m:num>
-                        <m:den>
-                          <m:nary>
-                            <m:naryPr>
-                              <m:chr m:val="∑"/>
-                              <m:supHide m:val="on"/>
-                              <m:ctrlPr>
-                                <a:rPr lang="en-US" sz="2800" i="1" dirty="0">
-                                  <a:latin typeface="Cambria Math" panose="02040503050406030204" pitchFamily="18" charset="0"/>
-                                </a:rPr>
-                              </m:ctrlPr>
-                            </m:naryPr>
-                            <m:sub>
-                              <m:r>
-                                <a:rPr lang="en-US" sz="2800" i="1" dirty="0">
-                                  <a:latin typeface="Cambria Math" panose="02040503050406030204" pitchFamily="18" charset="0"/>
-                                </a:rPr>
-                                <m:t>𝑖</m:t>
-                              </m:r>
-                            </m:sub>
-                            <m:sup/>
-                            <m:e>
-                              <m:sSup>
-                                <m:sSupPr>
-                                  <m:ctrlPr>
-                                    <a:rPr lang="en-US" sz="2800" b="0" i="1" dirty="0" smtClean="0">
-                                      <a:latin typeface="Cambria Math" panose="02040503050406030204" pitchFamily="18" charset="0"/>
-                                    </a:rPr>
-                                  </m:ctrlPr>
-                                </m:sSupPr>
-                                <m:e>
-                                  <m:d>
-                                    <m:dPr>
-                                      <m:ctrlPr>
-                                        <a:rPr lang="en-US" sz="2800" i="1" dirty="0">
-                                          <a:latin typeface="Cambria Math" panose="02040503050406030204" pitchFamily="18" charset="0"/>
-                                        </a:rPr>
-                                      </m:ctrlPr>
-                                    </m:dPr>
-                                    <m:e>
-                                      <m:sSub>
-                                        <m:sSubPr>
-                                          <m:ctrlPr>
-                                            <a:rPr lang="en-US" sz="2800" i="1" dirty="0">
-                                              <a:latin typeface="Cambria Math" panose="02040503050406030204" pitchFamily="18" charset="0"/>
-                                            </a:rPr>
-                                          </m:ctrlPr>
-                                        </m:sSubPr>
-                                        <m:e>
-                                          <m:r>
-                                            <a:rPr lang="en-US" sz="2800" i="1" dirty="0">
-                                              <a:latin typeface="Cambria Math" panose="02040503050406030204" pitchFamily="18" charset="0"/>
-                                            </a:rPr>
-                                            <m:t>𝑥</m:t>
-                                          </m:r>
-                                        </m:e>
-                                        <m:sub>
-                                          <m:r>
-                                            <a:rPr lang="en-US" sz="2800" i="1" dirty="0">
-                                              <a:latin typeface="Cambria Math" panose="02040503050406030204" pitchFamily="18" charset="0"/>
-                                            </a:rPr>
-                                            <m:t>𝑖</m:t>
-                                          </m:r>
-                                        </m:sub>
-                                      </m:sSub>
-                                      <m:r>
-                                        <a:rPr lang="en-US" sz="2800" i="1" dirty="0">
-                                          <a:latin typeface="Cambria Math" panose="02040503050406030204" pitchFamily="18" charset="0"/>
-                                        </a:rPr>
-                                        <m:t>−</m:t>
-                                      </m:r>
-                                      <m:bar>
-                                        <m:barPr>
-                                          <m:pos m:val="top"/>
-                                          <m:ctrlPr>
-                                            <a:rPr lang="en-US" sz="2800" i="1" dirty="0">
-                                              <a:latin typeface="Cambria Math" panose="02040503050406030204" pitchFamily="18" charset="0"/>
-                                            </a:rPr>
-                                          </m:ctrlPr>
-                                        </m:barPr>
-                                        <m:e>
-                                          <m:r>
-                                            <a:rPr lang="en-US" sz="2800" i="1" dirty="0">
-                                              <a:latin typeface="Cambria Math" panose="02040503050406030204" pitchFamily="18" charset="0"/>
-                                            </a:rPr>
-                                            <m:t>𝑥</m:t>
-                                          </m:r>
-                                        </m:e>
-                                      </m:bar>
-                                    </m:e>
-                                  </m:d>
-                                </m:e>
-                                <m:sup>
-                                  <m:r>
-                                    <a:rPr lang="en-US" sz="2800" b="0" i="1" dirty="0" smtClean="0">
-                                      <a:latin typeface="Cambria Math" panose="02040503050406030204" pitchFamily="18" charset="0"/>
-                                    </a:rPr>
-                                    <m:t>2</m:t>
-                                  </m:r>
-                                </m:sup>
-                              </m:sSup>
-                            </m:e>
-                          </m:nary>
-                        </m:den>
-                      </m:f>
-                    </m:oMath>
-                  </m:oMathPara>
-                </a14:m>
-                <a:endParaRPr lang="en-US" sz="2800" dirty="0"/>
-              </a:p>
-            </p:txBody>
-          </p:sp>
-        </mc:Choice>
-        <mc:Fallback>
-          <p:sp>
-            <p:nvSpPr>
-              <p:cNvPr id="6" name="TextBox 5">
-                <a:extLst>
-                  <a:ext uri="{FF2B5EF4-FFF2-40B4-BE49-F238E27FC236}">
-                    <a16:creationId xmlns:a16="http://schemas.microsoft.com/office/drawing/2014/main" id="{65560FE4-1241-9849-AADC-A433E62F5433}"/>
-                  </a:ext>
-                </a:extLst>
-              </p:cNvPr>
-              <p:cNvSpPr txBox="1">
-                <a:spLocks noRot="1" noChangeAspect="1" noMove="1" noResize="1" noEditPoints="1" noAdjustHandles="1" noChangeArrowheads="1" noChangeShapeType="1" noTextEdit="1"/>
-              </p:cNvSpPr>
-              <p:nvPr/>
-            </p:nvSpPr>
-            <p:spPr>
-              <a:xfrm>
-                <a:off x="312421" y="4946324"/>
-                <a:ext cx="6096000" cy="1036438"/>
-              </a:xfrm>
-              <a:prstGeom prst="rect">
-                <a:avLst/>
-              </a:prstGeom>
-              <a:blipFill>
-                <a:blip r:embed="rId3"/>
-                <a:stretch>
-                  <a:fillRect t="-65854" b="-98780"/>
-                </a:stretch>
-              </a:blipFill>
-            </p:spPr>
-            <p:txBody>
-              <a:bodyPr/>
-              <a:lstStyle/>
-              <a:p>
-                <a:r>
-                  <a:rPr lang="en-US">
-                    <a:noFill/>
-                  </a:rPr>
-                  <a:t> </a:t>
-                </a:r>
-              </a:p>
-            </p:txBody>
-          </p:sp>
-        </mc:Fallback>
-      </mc:AlternateContent>
-      <mc:AlternateContent xmlns:mc="http://schemas.openxmlformats.org/markup-compatibility/2006">
-        <mc:Choice xmlns:a14="http://schemas.microsoft.com/office/drawing/2010/main" Requires="a14">
-          <p:sp>
-            <p:nvSpPr>
               <p:cNvPr id="7" name="TextBox 6">
                 <a:extLst>
                   <a:ext uri="{FF2B5EF4-FFF2-40B4-BE49-F238E27FC236}">
@@ -11386,7 +11181,7 @@
                 <a:avLst/>
               </a:prstGeom>
               <a:blipFill>
-                <a:blip r:embed="rId4"/>
+                <a:blip r:embed="rId3"/>
                 <a:stretch>
                   <a:fillRect b="-16667"/>
                 </a:stretch>

--- a/_umkc-teaching/slides/Lecture3.pptx
+++ b/_umkc-teaching/slides/Lecture3.pptx
@@ -5,7 +5,7 @@
     <p:sldMasterId id="2147483648" r:id="rId1"/>
   </p:sldMasterIdLst>
   <p:notesMasterIdLst>
-    <p:notesMasterId r:id="rId15"/>
+    <p:notesMasterId r:id="rId19"/>
   </p:notesMasterIdLst>
   <p:sldIdLst>
     <p:sldId id="257" r:id="rId2"/>
@@ -16,11 +16,15 @@
     <p:sldId id="316" r:id="rId7"/>
     <p:sldId id="317" r:id="rId8"/>
     <p:sldId id="319" r:id="rId9"/>
-    <p:sldId id="322" r:id="rId10"/>
-    <p:sldId id="320" r:id="rId11"/>
-    <p:sldId id="321" r:id="rId12"/>
-    <p:sldId id="323" r:id="rId13"/>
-    <p:sldId id="293" r:id="rId14"/>
+    <p:sldId id="324" r:id="rId10"/>
+    <p:sldId id="322" r:id="rId11"/>
+    <p:sldId id="320" r:id="rId12"/>
+    <p:sldId id="325" r:id="rId13"/>
+    <p:sldId id="321" r:id="rId14"/>
+    <p:sldId id="323" r:id="rId15"/>
+    <p:sldId id="326" r:id="rId16"/>
+    <p:sldId id="327" r:id="rId17"/>
+    <p:sldId id="293" r:id="rId18"/>
   </p:sldIdLst>
   <p:sldSz cx="12192000" cy="6858000"/>
   <p:notesSz cx="6858000" cy="9144000"/>
@@ -209,7 +213,7 @@
           <a:p>
             <a:fld id="{7AF9442D-9D7C-40D7-A5A3-649EA8C158D2}" type="datetimeFigureOut">
               <a:rPr lang="en-US" smtClean="0"/>
-              <a:t>8/28/23</a:t>
+              <a:t>8/29/23</a:t>
             </a:fld>
             <a:endParaRPr lang="en-US"/>
           </a:p>
@@ -634,7 +638,7 @@
     </p:spTree>
     <p:extLst>
       <p:ext uri="{BB962C8B-B14F-4D97-AF65-F5344CB8AC3E}">
-        <p14:creationId xmlns:p14="http://schemas.microsoft.com/office/powerpoint/2010/main" val="2277284325"/>
+        <p14:creationId xmlns:p14="http://schemas.microsoft.com/office/powerpoint/2010/main" val="1363718744"/>
       </p:ext>
     </p:extLst>
   </p:cSld>
@@ -718,7 +722,343 @@
     </p:spTree>
     <p:extLst>
       <p:ext uri="{BB962C8B-B14F-4D97-AF65-F5344CB8AC3E}">
+        <p14:creationId xmlns:p14="http://schemas.microsoft.com/office/powerpoint/2010/main" val="3145357730"/>
+      </p:ext>
+    </p:extLst>
+  </p:cSld>
+  <p:clrMapOvr>
+    <a:masterClrMapping/>
+  </p:clrMapOvr>
+</p:notes>
+</file>
+
+<file path=ppt/notesSlides/notesSlide12.xml><?xml version="1.0" encoding="utf-8"?>
+<p:notes xmlns:a="http://schemas.openxmlformats.org/drawingml/2006/main" xmlns:r="http://schemas.openxmlformats.org/officeDocument/2006/relationships" xmlns:p="http://schemas.openxmlformats.org/presentationml/2006/main">
+  <p:cSld>
+    <p:spTree>
+      <p:nvGrpSpPr>
+        <p:cNvPr id="1" name=""/>
+        <p:cNvGrpSpPr/>
+        <p:nvPr/>
+      </p:nvGrpSpPr>
+      <p:grpSpPr>
+        <a:xfrm>
+          <a:off x="0" y="0"/>
+          <a:ext cx="0" cy="0"/>
+          <a:chOff x="0" y="0"/>
+          <a:chExt cx="0" cy="0"/>
+        </a:xfrm>
+      </p:grpSpPr>
+      <p:sp>
+        <p:nvSpPr>
+          <p:cNvPr id="2" name="Slide Image Placeholder 1"/>
+          <p:cNvSpPr>
+            <a:spLocks noGrp="1" noRot="1" noChangeAspect="1"/>
+          </p:cNvSpPr>
+          <p:nvPr>
+            <p:ph type="sldImg"/>
+          </p:nvPr>
+        </p:nvSpPr>
+        <p:spPr/>
+      </p:sp>
+      <p:sp>
+        <p:nvSpPr>
+          <p:cNvPr id="3" name="Notes Placeholder 2"/>
+          <p:cNvSpPr>
+            <a:spLocks noGrp="1"/>
+          </p:cNvSpPr>
+          <p:nvPr>
+            <p:ph type="body" idx="1"/>
+          </p:nvPr>
+        </p:nvSpPr>
+        <p:spPr/>
+        <p:txBody>
+          <a:bodyPr/>
+          <a:lstStyle/>
+          <a:p>
+            <a:endParaRPr lang="en-US" dirty="0"/>
+          </a:p>
+        </p:txBody>
+      </p:sp>
+      <p:sp>
+        <p:nvSpPr>
+          <p:cNvPr id="4" name="Slide Number Placeholder 3"/>
+          <p:cNvSpPr>
+            <a:spLocks noGrp="1"/>
+          </p:cNvSpPr>
+          <p:nvPr>
+            <p:ph type="sldNum" sz="quarter" idx="5"/>
+          </p:nvPr>
+        </p:nvSpPr>
+        <p:spPr/>
+        <p:txBody>
+          <a:bodyPr/>
+          <a:lstStyle/>
+          <a:p>
+            <a:fld id="{3F8BDF20-BE86-4883-8A23-4CE3D0058BEA}" type="slidenum">
+              <a:rPr lang="en-US" smtClean="0"/>
+              <a:t>13</a:t>
+            </a:fld>
+            <a:endParaRPr lang="en-US"/>
+          </a:p>
+        </p:txBody>
+      </p:sp>
+    </p:spTree>
+    <p:extLst>
+      <p:ext uri="{BB962C8B-B14F-4D97-AF65-F5344CB8AC3E}">
+        <p14:creationId xmlns:p14="http://schemas.microsoft.com/office/powerpoint/2010/main" val="2277284325"/>
+      </p:ext>
+    </p:extLst>
+  </p:cSld>
+  <p:clrMapOvr>
+    <a:masterClrMapping/>
+  </p:clrMapOvr>
+</p:notes>
+</file>
+
+<file path=ppt/notesSlides/notesSlide13.xml><?xml version="1.0" encoding="utf-8"?>
+<p:notes xmlns:a="http://schemas.openxmlformats.org/drawingml/2006/main" xmlns:r="http://schemas.openxmlformats.org/officeDocument/2006/relationships" xmlns:p="http://schemas.openxmlformats.org/presentationml/2006/main">
+  <p:cSld>
+    <p:spTree>
+      <p:nvGrpSpPr>
+        <p:cNvPr id="1" name=""/>
+        <p:cNvGrpSpPr/>
+        <p:nvPr/>
+      </p:nvGrpSpPr>
+      <p:grpSpPr>
+        <a:xfrm>
+          <a:off x="0" y="0"/>
+          <a:ext cx="0" cy="0"/>
+          <a:chOff x="0" y="0"/>
+          <a:chExt cx="0" cy="0"/>
+        </a:xfrm>
+      </p:grpSpPr>
+      <p:sp>
+        <p:nvSpPr>
+          <p:cNvPr id="2" name="Slide Image Placeholder 1"/>
+          <p:cNvSpPr>
+            <a:spLocks noGrp="1" noRot="1" noChangeAspect="1"/>
+          </p:cNvSpPr>
+          <p:nvPr>
+            <p:ph type="sldImg"/>
+          </p:nvPr>
+        </p:nvSpPr>
+        <p:spPr/>
+      </p:sp>
+      <p:sp>
+        <p:nvSpPr>
+          <p:cNvPr id="3" name="Notes Placeholder 2"/>
+          <p:cNvSpPr>
+            <a:spLocks noGrp="1"/>
+          </p:cNvSpPr>
+          <p:nvPr>
+            <p:ph type="body" idx="1"/>
+          </p:nvPr>
+        </p:nvSpPr>
+        <p:spPr/>
+        <p:txBody>
+          <a:bodyPr/>
+          <a:lstStyle/>
+          <a:p>
+            <a:endParaRPr lang="en-US" dirty="0"/>
+          </a:p>
+        </p:txBody>
+      </p:sp>
+      <p:sp>
+        <p:nvSpPr>
+          <p:cNvPr id="4" name="Slide Number Placeholder 3"/>
+          <p:cNvSpPr>
+            <a:spLocks noGrp="1"/>
+          </p:cNvSpPr>
+          <p:nvPr>
+            <p:ph type="sldNum" sz="quarter" idx="5"/>
+          </p:nvPr>
+        </p:nvSpPr>
+        <p:spPr/>
+        <p:txBody>
+          <a:bodyPr/>
+          <a:lstStyle/>
+          <a:p>
+            <a:fld id="{3F8BDF20-BE86-4883-8A23-4CE3D0058BEA}" type="slidenum">
+              <a:rPr lang="en-US" smtClean="0"/>
+              <a:t>14</a:t>
+            </a:fld>
+            <a:endParaRPr lang="en-US"/>
+          </a:p>
+        </p:txBody>
+      </p:sp>
+    </p:spTree>
+    <p:extLst>
+      <p:ext uri="{BB962C8B-B14F-4D97-AF65-F5344CB8AC3E}">
         <p14:creationId xmlns:p14="http://schemas.microsoft.com/office/powerpoint/2010/main" val="2093265721"/>
+      </p:ext>
+    </p:extLst>
+  </p:cSld>
+  <p:clrMapOvr>
+    <a:masterClrMapping/>
+  </p:clrMapOvr>
+</p:notes>
+</file>
+
+<file path=ppt/notesSlides/notesSlide14.xml><?xml version="1.0" encoding="utf-8"?>
+<p:notes xmlns:a="http://schemas.openxmlformats.org/drawingml/2006/main" xmlns:r="http://schemas.openxmlformats.org/officeDocument/2006/relationships" xmlns:p="http://schemas.openxmlformats.org/presentationml/2006/main">
+  <p:cSld>
+    <p:spTree>
+      <p:nvGrpSpPr>
+        <p:cNvPr id="1" name=""/>
+        <p:cNvGrpSpPr/>
+        <p:nvPr/>
+      </p:nvGrpSpPr>
+      <p:grpSpPr>
+        <a:xfrm>
+          <a:off x="0" y="0"/>
+          <a:ext cx="0" cy="0"/>
+          <a:chOff x="0" y="0"/>
+          <a:chExt cx="0" cy="0"/>
+        </a:xfrm>
+      </p:grpSpPr>
+      <p:sp>
+        <p:nvSpPr>
+          <p:cNvPr id="2" name="Slide Image Placeholder 1"/>
+          <p:cNvSpPr>
+            <a:spLocks noGrp="1" noRot="1" noChangeAspect="1"/>
+          </p:cNvSpPr>
+          <p:nvPr>
+            <p:ph type="sldImg"/>
+          </p:nvPr>
+        </p:nvSpPr>
+        <p:spPr/>
+      </p:sp>
+      <p:sp>
+        <p:nvSpPr>
+          <p:cNvPr id="3" name="Notes Placeholder 2"/>
+          <p:cNvSpPr>
+            <a:spLocks noGrp="1"/>
+          </p:cNvSpPr>
+          <p:nvPr>
+            <p:ph type="body" idx="1"/>
+          </p:nvPr>
+        </p:nvSpPr>
+        <p:spPr/>
+        <p:txBody>
+          <a:bodyPr/>
+          <a:lstStyle/>
+          <a:p>
+            <a:endParaRPr lang="en-US" dirty="0"/>
+          </a:p>
+        </p:txBody>
+      </p:sp>
+      <p:sp>
+        <p:nvSpPr>
+          <p:cNvPr id="4" name="Slide Number Placeholder 3"/>
+          <p:cNvSpPr>
+            <a:spLocks noGrp="1"/>
+          </p:cNvSpPr>
+          <p:nvPr>
+            <p:ph type="sldNum" sz="quarter" idx="5"/>
+          </p:nvPr>
+        </p:nvSpPr>
+        <p:spPr/>
+        <p:txBody>
+          <a:bodyPr/>
+          <a:lstStyle/>
+          <a:p>
+            <a:fld id="{3F8BDF20-BE86-4883-8A23-4CE3D0058BEA}" type="slidenum">
+              <a:rPr lang="en-US" smtClean="0"/>
+              <a:t>15</a:t>
+            </a:fld>
+            <a:endParaRPr lang="en-US"/>
+          </a:p>
+        </p:txBody>
+      </p:sp>
+    </p:spTree>
+    <p:extLst>
+      <p:ext uri="{BB962C8B-B14F-4D97-AF65-F5344CB8AC3E}">
+        <p14:creationId xmlns:p14="http://schemas.microsoft.com/office/powerpoint/2010/main" val="1120679465"/>
+      </p:ext>
+    </p:extLst>
+  </p:cSld>
+  <p:clrMapOvr>
+    <a:masterClrMapping/>
+  </p:clrMapOvr>
+</p:notes>
+</file>
+
+<file path=ppt/notesSlides/notesSlide15.xml><?xml version="1.0" encoding="utf-8"?>
+<p:notes xmlns:a="http://schemas.openxmlformats.org/drawingml/2006/main" xmlns:r="http://schemas.openxmlformats.org/officeDocument/2006/relationships" xmlns:p="http://schemas.openxmlformats.org/presentationml/2006/main">
+  <p:cSld>
+    <p:spTree>
+      <p:nvGrpSpPr>
+        <p:cNvPr id="1" name=""/>
+        <p:cNvGrpSpPr/>
+        <p:nvPr/>
+      </p:nvGrpSpPr>
+      <p:grpSpPr>
+        <a:xfrm>
+          <a:off x="0" y="0"/>
+          <a:ext cx="0" cy="0"/>
+          <a:chOff x="0" y="0"/>
+          <a:chExt cx="0" cy="0"/>
+        </a:xfrm>
+      </p:grpSpPr>
+      <p:sp>
+        <p:nvSpPr>
+          <p:cNvPr id="2" name="Slide Image Placeholder 1"/>
+          <p:cNvSpPr>
+            <a:spLocks noGrp="1" noRot="1" noChangeAspect="1"/>
+          </p:cNvSpPr>
+          <p:nvPr>
+            <p:ph type="sldImg"/>
+          </p:nvPr>
+        </p:nvSpPr>
+        <p:spPr/>
+      </p:sp>
+      <p:sp>
+        <p:nvSpPr>
+          <p:cNvPr id="3" name="Notes Placeholder 2"/>
+          <p:cNvSpPr>
+            <a:spLocks noGrp="1"/>
+          </p:cNvSpPr>
+          <p:nvPr>
+            <p:ph type="body" idx="1"/>
+          </p:nvPr>
+        </p:nvSpPr>
+        <p:spPr/>
+        <p:txBody>
+          <a:bodyPr/>
+          <a:lstStyle/>
+          <a:p>
+            <a:endParaRPr lang="en-US" dirty="0"/>
+          </a:p>
+        </p:txBody>
+      </p:sp>
+      <p:sp>
+        <p:nvSpPr>
+          <p:cNvPr id="4" name="Slide Number Placeholder 3"/>
+          <p:cNvSpPr>
+            <a:spLocks noGrp="1"/>
+          </p:cNvSpPr>
+          <p:nvPr>
+            <p:ph type="sldNum" sz="quarter" idx="5"/>
+          </p:nvPr>
+        </p:nvSpPr>
+        <p:spPr/>
+        <p:txBody>
+          <a:bodyPr/>
+          <a:lstStyle/>
+          <a:p>
+            <a:fld id="{3F8BDF20-BE86-4883-8A23-4CE3D0058BEA}" type="slidenum">
+              <a:rPr lang="en-US" smtClean="0"/>
+              <a:t>16</a:t>
+            </a:fld>
+            <a:endParaRPr lang="en-US"/>
+          </a:p>
+        </p:txBody>
+      </p:sp>
+    </p:spTree>
+    <p:extLst>
+      <p:ext uri="{BB962C8B-B14F-4D97-AF65-F5344CB8AC3E}">
+        <p14:creationId xmlns:p14="http://schemas.microsoft.com/office/powerpoint/2010/main" val="2847696446"/>
       </p:ext>
     </p:extLst>
   </p:cSld>
@@ -1306,7 +1646,7 @@
     </p:spTree>
     <p:extLst>
       <p:ext uri="{BB962C8B-B14F-4D97-AF65-F5344CB8AC3E}">
-        <p14:creationId xmlns:p14="http://schemas.microsoft.com/office/powerpoint/2010/main" val="610874879"/>
+        <p14:creationId xmlns:p14="http://schemas.microsoft.com/office/powerpoint/2010/main" val="3005929944"/>
       </p:ext>
     </p:extLst>
   </p:cSld>
@@ -1390,7 +1730,7 @@
     </p:spTree>
     <p:extLst>
       <p:ext uri="{BB962C8B-B14F-4D97-AF65-F5344CB8AC3E}">
-        <p14:creationId xmlns:p14="http://schemas.microsoft.com/office/powerpoint/2010/main" val="1363718744"/>
+        <p14:creationId xmlns:p14="http://schemas.microsoft.com/office/powerpoint/2010/main" val="610874879"/>
       </p:ext>
     </p:extLst>
   </p:cSld>
@@ -1529,7 +1869,7 @@
           <a:p>
             <a:fld id="{41748473-9145-41F0-ADB9-654A949CD218}" type="datetimeFigureOut">
               <a:rPr lang="en-US" smtClean="0"/>
-              <a:t>8/28/23</a:t>
+              <a:t>8/29/23</a:t>
             </a:fld>
             <a:endParaRPr lang="en-US"/>
           </a:p>
@@ -1697,7 +2037,7 @@
           <a:p>
             <a:fld id="{41748473-9145-41F0-ADB9-654A949CD218}" type="datetimeFigureOut">
               <a:rPr lang="en-US" smtClean="0"/>
-              <a:t>8/28/23</a:t>
+              <a:t>8/29/23</a:t>
             </a:fld>
             <a:endParaRPr lang="en-US"/>
           </a:p>
@@ -1875,7 +2215,7 @@
           <a:p>
             <a:fld id="{41748473-9145-41F0-ADB9-654A949CD218}" type="datetimeFigureOut">
               <a:rPr lang="en-US" smtClean="0"/>
-              <a:t>8/28/23</a:t>
+              <a:t>8/29/23</a:t>
             </a:fld>
             <a:endParaRPr lang="en-US"/>
           </a:p>
@@ -2043,7 +2383,7 @@
           <a:p>
             <a:fld id="{41748473-9145-41F0-ADB9-654A949CD218}" type="datetimeFigureOut">
               <a:rPr lang="en-US" smtClean="0"/>
-              <a:t>8/28/23</a:t>
+              <a:t>8/29/23</a:t>
             </a:fld>
             <a:endParaRPr lang="en-US"/>
           </a:p>
@@ -2288,7 +2628,7 @@
           <a:p>
             <a:fld id="{41748473-9145-41F0-ADB9-654A949CD218}" type="datetimeFigureOut">
               <a:rPr lang="en-US" smtClean="0"/>
-              <a:t>8/28/23</a:t>
+              <a:t>8/29/23</a:t>
             </a:fld>
             <a:endParaRPr lang="en-US"/>
           </a:p>
@@ -2517,7 +2857,7 @@
           <a:p>
             <a:fld id="{41748473-9145-41F0-ADB9-654A949CD218}" type="datetimeFigureOut">
               <a:rPr lang="en-US" smtClean="0"/>
-              <a:t>8/28/23</a:t>
+              <a:t>8/29/23</a:t>
             </a:fld>
             <a:endParaRPr lang="en-US"/>
           </a:p>
@@ -2881,7 +3221,7 @@
           <a:p>
             <a:fld id="{41748473-9145-41F0-ADB9-654A949CD218}" type="datetimeFigureOut">
               <a:rPr lang="en-US" smtClean="0"/>
-              <a:t>8/28/23</a:t>
+              <a:t>8/29/23</a:t>
             </a:fld>
             <a:endParaRPr lang="en-US"/>
           </a:p>
@@ -2998,7 +3338,7 @@
           <a:p>
             <a:fld id="{41748473-9145-41F0-ADB9-654A949CD218}" type="datetimeFigureOut">
               <a:rPr lang="en-US" smtClean="0"/>
-              <a:t>8/28/23</a:t>
+              <a:t>8/29/23</a:t>
             </a:fld>
             <a:endParaRPr lang="en-US"/>
           </a:p>
@@ -3093,7 +3433,7 @@
           <a:p>
             <a:fld id="{41748473-9145-41F0-ADB9-654A949CD218}" type="datetimeFigureOut">
               <a:rPr lang="en-US" smtClean="0"/>
-              <a:t>8/28/23</a:t>
+              <a:t>8/29/23</a:t>
             </a:fld>
             <a:endParaRPr lang="en-US"/>
           </a:p>
@@ -3368,7 +3708,7 @@
           <a:p>
             <a:fld id="{41748473-9145-41F0-ADB9-654A949CD218}" type="datetimeFigureOut">
               <a:rPr lang="en-US" smtClean="0"/>
-              <a:t>8/28/23</a:t>
+              <a:t>8/29/23</a:t>
             </a:fld>
             <a:endParaRPr lang="en-US"/>
           </a:p>
@@ -3620,7 +3960,7 @@
           <a:p>
             <a:fld id="{41748473-9145-41F0-ADB9-654A949CD218}" type="datetimeFigureOut">
               <a:rPr lang="en-US" smtClean="0"/>
-              <a:t>8/28/23</a:t>
+              <a:t>8/29/23</a:t>
             </a:fld>
             <a:endParaRPr lang="en-US"/>
           </a:p>
@@ -3831,7 +4171,7 @@
           <a:p>
             <a:fld id="{41748473-9145-41F0-ADB9-654A949CD218}" type="datetimeFigureOut">
               <a:rPr lang="en-US" smtClean="0"/>
-              <a:t>8/28/23</a:t>
+              <a:t>8/29/23</a:t>
             </a:fld>
             <a:endParaRPr lang="en-US"/>
           </a:p>
@@ -4526,13 +4866,1457 @@
           <a:p>
             <a:r>
               <a:rPr lang="en-US" dirty="0"/>
-              <a:t>Least Squares Method</a:t>
+              <a:t>Analyzing Least Squares Method (Unbiased)</a:t>
             </a:r>
           </a:p>
         </p:txBody>
       </p:sp>
       <mc:AlternateContent xmlns:mc="http://schemas.openxmlformats.org/markup-compatibility/2006">
         <mc:Choice xmlns:a14="http://schemas.microsoft.com/office/drawing/2010/main" Requires="a14">
+          <p:sp>
+            <p:nvSpPr>
+              <p:cNvPr id="3" name="TextBox 2">
+                <a:extLst>
+                  <a:ext uri="{FF2B5EF4-FFF2-40B4-BE49-F238E27FC236}">
+                    <a16:creationId xmlns:a16="http://schemas.microsoft.com/office/drawing/2014/main" id="{F64C9265-C430-EDE3-38D6-FA1D98F6C922}"/>
+                  </a:ext>
+                </a:extLst>
+              </p:cNvPr>
+              <p:cNvSpPr txBox="1"/>
+              <p:nvPr/>
+            </p:nvSpPr>
+            <p:spPr>
+              <a:xfrm>
+                <a:off x="-593714" y="3110151"/>
+                <a:ext cx="10817818" cy="3244286"/>
+              </a:xfrm>
+              <a:prstGeom prst="rect">
+                <a:avLst/>
+              </a:prstGeom>
+              <a:noFill/>
+            </p:spPr>
+            <p:txBody>
+              <a:bodyPr wrap="square">
+                <a:spAutoFit/>
+              </a:bodyPr>
+              <a:lstStyle/>
+              <a:p>
+                <a:pPr/>
+                <a14:m>
+                  <m:oMathPara xmlns:m="http://schemas.openxmlformats.org/officeDocument/2006/math">
+                    <m:oMathParaPr>
+                      <m:jc m:val="centerGroup"/>
+                    </m:oMathParaPr>
+                    <m:oMath xmlns:m="http://schemas.openxmlformats.org/officeDocument/2006/math">
+                      <m:sSub>
+                        <m:sSubPr>
+                          <m:ctrlPr>
+                            <a:rPr lang="en-US" sz="2800" i="1" dirty="0" smtClean="0">
+                              <a:latin typeface="Cambria Math" panose="02040503050406030204" pitchFamily="18" charset="0"/>
+                            </a:rPr>
+                          </m:ctrlPr>
+                        </m:sSubPr>
+                        <m:e>
+                          <m:r>
+                            <a:rPr lang="en-US" sz="2800" i="1" dirty="0">
+                              <a:latin typeface="Cambria Math" panose="02040503050406030204" pitchFamily="18" charset="0"/>
+                            </a:rPr>
+                            <m:t>𝐸</m:t>
+                          </m:r>
+                        </m:e>
+                        <m:sub>
+                          <m:r>
+                            <a:rPr lang="en-US" sz="2800" i="1" dirty="0">
+                              <a:latin typeface="Cambria Math" panose="02040503050406030204" pitchFamily="18" charset="0"/>
+                            </a:rPr>
+                            <m:t>𝐷</m:t>
+                          </m:r>
+                        </m:sub>
+                      </m:sSub>
+                      <m:d>
+                        <m:dPr>
+                          <m:begChr m:val="["/>
+                          <m:endChr m:val="]"/>
+                          <m:ctrlPr>
+                            <a:rPr lang="en-US" sz="2800" i="1" dirty="0">
+                              <a:latin typeface="Cambria Math" panose="02040503050406030204" pitchFamily="18" charset="0"/>
+                            </a:rPr>
+                          </m:ctrlPr>
+                        </m:dPr>
+                        <m:e>
+                          <m:f>
+                            <m:fPr>
+                              <m:ctrlPr>
+                                <a:rPr lang="en-US" sz="2800" i="1" dirty="0">
+                                  <a:latin typeface="Cambria Math" panose="02040503050406030204" pitchFamily="18" charset="0"/>
+                                </a:rPr>
+                              </m:ctrlPr>
+                            </m:fPr>
+                            <m:num>
+                              <m:nary>
+                                <m:naryPr>
+                                  <m:chr m:val="∑"/>
+                                  <m:supHide m:val="on"/>
+                                  <m:ctrlPr>
+                                    <a:rPr lang="en-US" sz="2800" i="1" dirty="0">
+                                      <a:latin typeface="Cambria Math" panose="02040503050406030204" pitchFamily="18" charset="0"/>
+                                    </a:rPr>
+                                  </m:ctrlPr>
+                                </m:naryPr>
+                                <m:sub>
+                                  <m:r>
+                                    <a:rPr lang="en-US" sz="2800" i="1" dirty="0">
+                                      <a:latin typeface="Cambria Math" panose="02040503050406030204" pitchFamily="18" charset="0"/>
+                                    </a:rPr>
+                                    <m:t>𝑖</m:t>
+                                  </m:r>
+                                </m:sub>
+                                <m:sup/>
+                                <m:e>
+                                  <m:d>
+                                    <m:dPr>
+                                      <m:ctrlPr>
+                                        <a:rPr lang="en-US" sz="2800" i="1" dirty="0">
+                                          <a:latin typeface="Cambria Math" panose="02040503050406030204" pitchFamily="18" charset="0"/>
+                                        </a:rPr>
+                                      </m:ctrlPr>
+                                    </m:dPr>
+                                    <m:e>
+                                      <m:sSub>
+                                        <m:sSubPr>
+                                          <m:ctrlPr>
+                                            <a:rPr lang="en-US" sz="2800" i="1" dirty="0">
+                                              <a:latin typeface="Cambria Math" panose="02040503050406030204" pitchFamily="18" charset="0"/>
+                                            </a:rPr>
+                                          </m:ctrlPr>
+                                        </m:sSubPr>
+                                        <m:e>
+                                          <m:r>
+                                            <a:rPr lang="en-US" sz="2800" i="1" dirty="0">
+                                              <a:latin typeface="Cambria Math" panose="02040503050406030204" pitchFamily="18" charset="0"/>
+                                            </a:rPr>
+                                            <m:t>𝑥</m:t>
+                                          </m:r>
+                                        </m:e>
+                                        <m:sub>
+                                          <m:r>
+                                            <a:rPr lang="en-US" sz="2800" i="1" dirty="0">
+                                              <a:latin typeface="Cambria Math" panose="02040503050406030204" pitchFamily="18" charset="0"/>
+                                            </a:rPr>
+                                            <m:t>𝑖</m:t>
+                                          </m:r>
+                                        </m:sub>
+                                      </m:sSub>
+                                      <m:r>
+                                        <a:rPr lang="en-US" sz="2800" i="1" dirty="0">
+                                          <a:latin typeface="Cambria Math" panose="02040503050406030204" pitchFamily="18" charset="0"/>
+                                        </a:rPr>
+                                        <m:t>−</m:t>
+                                      </m:r>
+                                      <m:bar>
+                                        <m:barPr>
+                                          <m:pos m:val="top"/>
+                                          <m:ctrlPr>
+                                            <a:rPr lang="en-US" sz="2800" i="1" dirty="0">
+                                              <a:latin typeface="Cambria Math" panose="02040503050406030204" pitchFamily="18" charset="0"/>
+                                            </a:rPr>
+                                          </m:ctrlPr>
+                                        </m:barPr>
+                                        <m:e>
+                                          <m:r>
+                                            <a:rPr lang="en-US" sz="2800" i="1" dirty="0">
+                                              <a:latin typeface="Cambria Math" panose="02040503050406030204" pitchFamily="18" charset="0"/>
+                                            </a:rPr>
+                                            <m:t>𝑥</m:t>
+                                          </m:r>
+                                        </m:e>
+                                      </m:bar>
+                                    </m:e>
+                                  </m:d>
+                                  <m:d>
+                                    <m:dPr>
+                                      <m:ctrlPr>
+                                        <a:rPr lang="en-US" sz="2800" i="1" dirty="0">
+                                          <a:latin typeface="Cambria Math" panose="02040503050406030204" pitchFamily="18" charset="0"/>
+                                        </a:rPr>
+                                      </m:ctrlPr>
+                                    </m:dPr>
+                                    <m:e>
+                                      <m:sSub>
+                                        <m:sSubPr>
+                                          <m:ctrlPr>
+                                            <a:rPr lang="en-US" sz="2800" i="1" dirty="0">
+                                              <a:latin typeface="Cambria Math" panose="02040503050406030204" pitchFamily="18" charset="0"/>
+                                            </a:rPr>
+                                          </m:ctrlPr>
+                                        </m:sSubPr>
+                                        <m:e>
+                                          <m:r>
+                                            <a:rPr lang="en-US" sz="2800" b="0" i="1" dirty="0" smtClean="0">
+                                              <a:latin typeface="Cambria Math" panose="02040503050406030204" pitchFamily="18" charset="0"/>
+                                            </a:rPr>
+                                            <m:t>𝜖</m:t>
+                                          </m:r>
+                                        </m:e>
+                                        <m:sub>
+                                          <m:r>
+                                            <a:rPr lang="en-US" sz="2800" i="1" dirty="0">
+                                              <a:latin typeface="Cambria Math" panose="02040503050406030204" pitchFamily="18" charset="0"/>
+                                            </a:rPr>
+                                            <m:t>𝑖</m:t>
+                                          </m:r>
+                                        </m:sub>
+                                      </m:sSub>
+                                      <m:r>
+                                        <a:rPr lang="en-US" sz="2800" b="0" i="1" dirty="0" smtClean="0">
+                                          <a:latin typeface="Cambria Math" panose="02040503050406030204" pitchFamily="18" charset="0"/>
+                                        </a:rPr>
+                                        <m:t>+</m:t>
+                                      </m:r>
+                                      <m:sSub>
+                                        <m:sSubPr>
+                                          <m:ctrlPr>
+                                            <a:rPr lang="en-US" sz="2800" b="0" i="1" dirty="0" smtClean="0">
+                                              <a:latin typeface="Cambria Math" panose="02040503050406030204" pitchFamily="18" charset="0"/>
+                                            </a:rPr>
+                                          </m:ctrlPr>
+                                        </m:sSubPr>
+                                        <m:e>
+                                          <m:r>
+                                            <a:rPr lang="en-US" sz="2800" b="0" i="1" dirty="0" smtClean="0">
+                                              <a:latin typeface="Cambria Math" panose="02040503050406030204" pitchFamily="18" charset="0"/>
+                                            </a:rPr>
+                                            <m:t>𝛽</m:t>
+                                          </m:r>
+                                        </m:e>
+                                        <m:sub>
+                                          <m:r>
+                                            <a:rPr lang="en-US" sz="2800" b="0" i="1" dirty="0" smtClean="0">
+                                              <a:latin typeface="Cambria Math" panose="02040503050406030204" pitchFamily="18" charset="0"/>
+                                            </a:rPr>
+                                            <m:t>1</m:t>
+                                          </m:r>
+                                        </m:sub>
+                                      </m:sSub>
+                                      <m:sSub>
+                                        <m:sSubPr>
+                                          <m:ctrlPr>
+                                            <a:rPr lang="en-US" sz="2800" b="0" i="1" dirty="0" smtClean="0">
+                                              <a:latin typeface="Cambria Math" panose="02040503050406030204" pitchFamily="18" charset="0"/>
+                                            </a:rPr>
+                                          </m:ctrlPr>
+                                        </m:sSubPr>
+                                        <m:e>
+                                          <m:r>
+                                            <a:rPr lang="en-US" sz="2800" b="0" i="1" dirty="0" smtClean="0">
+                                              <a:latin typeface="Cambria Math" panose="02040503050406030204" pitchFamily="18" charset="0"/>
+                                            </a:rPr>
+                                            <m:t>(</m:t>
+                                          </m:r>
+                                          <m:r>
+                                            <a:rPr lang="en-US" sz="2800" b="0" i="1" dirty="0" smtClean="0">
+                                              <a:latin typeface="Cambria Math" panose="02040503050406030204" pitchFamily="18" charset="0"/>
+                                            </a:rPr>
+                                            <m:t>𝑥</m:t>
+                                          </m:r>
+                                        </m:e>
+                                        <m:sub>
+                                          <m:r>
+                                            <a:rPr lang="en-US" sz="2800" b="0" i="1" dirty="0" smtClean="0">
+                                              <a:latin typeface="Cambria Math" panose="02040503050406030204" pitchFamily="18" charset="0"/>
+                                            </a:rPr>
+                                            <m:t>𝑖</m:t>
+                                          </m:r>
+                                        </m:sub>
+                                      </m:sSub>
+                                      <m:r>
+                                        <a:rPr lang="en-US" sz="2800" b="0" i="1" dirty="0" smtClean="0">
+                                          <a:latin typeface="Cambria Math" panose="02040503050406030204" pitchFamily="18" charset="0"/>
+                                        </a:rPr>
+                                        <m:t>−</m:t>
+                                      </m:r>
+                                      <m:bar>
+                                        <m:barPr>
+                                          <m:pos m:val="top"/>
+                                          <m:ctrlPr>
+                                            <a:rPr lang="en-US" sz="2800" i="1" dirty="0">
+                                              <a:latin typeface="Cambria Math" panose="02040503050406030204" pitchFamily="18" charset="0"/>
+                                            </a:rPr>
+                                          </m:ctrlPr>
+                                        </m:barPr>
+                                        <m:e>
+                                          <m:r>
+                                            <a:rPr lang="en-US" sz="2800" b="0" i="1" dirty="0" smtClean="0">
+                                              <a:latin typeface="Cambria Math" panose="02040503050406030204" pitchFamily="18" charset="0"/>
+                                            </a:rPr>
+                                            <m:t>𝑥</m:t>
+                                          </m:r>
+                                        </m:e>
+                                      </m:bar>
+                                    </m:e>
+                                  </m:d>
+                                  <m:r>
+                                    <a:rPr lang="en-US" sz="2800" b="0" i="1" dirty="0" smtClean="0">
+                                      <a:latin typeface="Cambria Math" panose="02040503050406030204" pitchFamily="18" charset="0"/>
+                                    </a:rPr>
+                                    <m:t>)</m:t>
+                                  </m:r>
+                                </m:e>
+                              </m:nary>
+                            </m:num>
+                            <m:den>
+                              <m:nary>
+                                <m:naryPr>
+                                  <m:chr m:val="∑"/>
+                                  <m:supHide m:val="on"/>
+                                  <m:ctrlPr>
+                                    <a:rPr lang="en-US" sz="2800" i="1" dirty="0">
+                                      <a:latin typeface="Cambria Math" panose="02040503050406030204" pitchFamily="18" charset="0"/>
+                                    </a:rPr>
+                                  </m:ctrlPr>
+                                </m:naryPr>
+                                <m:sub>
+                                  <m:r>
+                                    <a:rPr lang="en-US" sz="2800" i="1" dirty="0">
+                                      <a:latin typeface="Cambria Math" panose="02040503050406030204" pitchFamily="18" charset="0"/>
+                                    </a:rPr>
+                                    <m:t>𝑖</m:t>
+                                  </m:r>
+                                </m:sub>
+                                <m:sup/>
+                                <m:e>
+                                  <m:sSup>
+                                    <m:sSupPr>
+                                      <m:ctrlPr>
+                                        <a:rPr lang="en-US" sz="2800" i="1" dirty="0">
+                                          <a:latin typeface="Cambria Math" panose="02040503050406030204" pitchFamily="18" charset="0"/>
+                                        </a:rPr>
+                                      </m:ctrlPr>
+                                    </m:sSupPr>
+                                    <m:e>
+                                      <m:d>
+                                        <m:dPr>
+                                          <m:ctrlPr>
+                                            <a:rPr lang="en-US" sz="2800" i="1" dirty="0">
+                                              <a:latin typeface="Cambria Math" panose="02040503050406030204" pitchFamily="18" charset="0"/>
+                                            </a:rPr>
+                                          </m:ctrlPr>
+                                        </m:dPr>
+                                        <m:e>
+                                          <m:sSub>
+                                            <m:sSubPr>
+                                              <m:ctrlPr>
+                                                <a:rPr lang="en-US" sz="2800" i="1" dirty="0">
+                                                  <a:latin typeface="Cambria Math" panose="02040503050406030204" pitchFamily="18" charset="0"/>
+                                                </a:rPr>
+                                              </m:ctrlPr>
+                                            </m:sSubPr>
+                                            <m:e>
+                                              <m:r>
+                                                <a:rPr lang="en-US" sz="2800" i="1" dirty="0">
+                                                  <a:latin typeface="Cambria Math" panose="02040503050406030204" pitchFamily="18" charset="0"/>
+                                                </a:rPr>
+                                                <m:t>𝑥</m:t>
+                                              </m:r>
+                                            </m:e>
+                                            <m:sub>
+                                              <m:r>
+                                                <a:rPr lang="en-US" sz="2800" i="1" dirty="0">
+                                                  <a:latin typeface="Cambria Math" panose="02040503050406030204" pitchFamily="18" charset="0"/>
+                                                </a:rPr>
+                                                <m:t>𝑖</m:t>
+                                              </m:r>
+                                            </m:sub>
+                                          </m:sSub>
+                                          <m:r>
+                                            <a:rPr lang="en-US" sz="2800" i="1" dirty="0">
+                                              <a:latin typeface="Cambria Math" panose="02040503050406030204" pitchFamily="18" charset="0"/>
+                                            </a:rPr>
+                                            <m:t>−</m:t>
+                                          </m:r>
+                                          <m:bar>
+                                            <m:barPr>
+                                              <m:pos m:val="top"/>
+                                              <m:ctrlPr>
+                                                <a:rPr lang="en-US" sz="2800" i="1" dirty="0">
+                                                  <a:latin typeface="Cambria Math" panose="02040503050406030204" pitchFamily="18" charset="0"/>
+                                                </a:rPr>
+                                              </m:ctrlPr>
+                                            </m:barPr>
+                                            <m:e>
+                                              <m:r>
+                                                <a:rPr lang="en-US" sz="2800" i="1" dirty="0">
+                                                  <a:latin typeface="Cambria Math" panose="02040503050406030204" pitchFamily="18" charset="0"/>
+                                                </a:rPr>
+                                                <m:t>𝑥</m:t>
+                                              </m:r>
+                                            </m:e>
+                                          </m:bar>
+                                        </m:e>
+                                      </m:d>
+                                    </m:e>
+                                    <m:sup>
+                                      <m:r>
+                                        <a:rPr lang="en-US" sz="2800" i="1" dirty="0">
+                                          <a:latin typeface="Cambria Math" panose="02040503050406030204" pitchFamily="18" charset="0"/>
+                                        </a:rPr>
+                                        <m:t>2</m:t>
+                                      </m:r>
+                                    </m:sup>
+                                  </m:sSup>
+                                </m:e>
+                              </m:nary>
+                            </m:den>
+                          </m:f>
+                        </m:e>
+                      </m:d>
+                      <m:r>
+                        <a:rPr lang="en-US" sz="2800" b="0" i="1" dirty="0" smtClean="0">
+                          <a:latin typeface="Cambria Math" panose="02040503050406030204" pitchFamily="18" charset="0"/>
+                        </a:rPr>
+                        <m:t>=</m:t>
+                      </m:r>
+                      <m:sSub>
+                        <m:sSubPr>
+                          <m:ctrlPr>
+                            <a:rPr lang="en-US" sz="2800" i="1" dirty="0">
+                              <a:latin typeface="Cambria Math" panose="02040503050406030204" pitchFamily="18" charset="0"/>
+                            </a:rPr>
+                          </m:ctrlPr>
+                        </m:sSubPr>
+                        <m:e>
+                          <m:f>
+                            <m:fPr>
+                              <m:ctrlPr>
+                                <a:rPr lang="en-US" sz="2800" i="1" dirty="0">
+                                  <a:latin typeface="Cambria Math" panose="02040503050406030204" pitchFamily="18" charset="0"/>
+                                </a:rPr>
+                              </m:ctrlPr>
+                            </m:fPr>
+                            <m:num>
+                              <m:r>
+                                <a:rPr lang="en-US" sz="2800" b="0" i="1" dirty="0" smtClean="0">
+                                  <a:latin typeface="Cambria Math" panose="02040503050406030204" pitchFamily="18" charset="0"/>
+                                </a:rPr>
+                                <m:t>1</m:t>
+                              </m:r>
+                            </m:num>
+                            <m:den>
+                              <m:nary>
+                                <m:naryPr>
+                                  <m:chr m:val="∑"/>
+                                  <m:supHide m:val="on"/>
+                                  <m:ctrlPr>
+                                    <a:rPr lang="en-US" sz="2800" i="1" dirty="0">
+                                      <a:latin typeface="Cambria Math" panose="02040503050406030204" pitchFamily="18" charset="0"/>
+                                    </a:rPr>
+                                  </m:ctrlPr>
+                                </m:naryPr>
+                                <m:sub>
+                                  <m:r>
+                                    <a:rPr lang="en-US" sz="2800" i="1" dirty="0">
+                                      <a:latin typeface="Cambria Math" panose="02040503050406030204" pitchFamily="18" charset="0"/>
+                                    </a:rPr>
+                                    <m:t>𝑖</m:t>
+                                  </m:r>
+                                </m:sub>
+                                <m:sup/>
+                                <m:e>
+                                  <m:sSup>
+                                    <m:sSupPr>
+                                      <m:ctrlPr>
+                                        <a:rPr lang="en-US" sz="2800" i="1" dirty="0">
+                                          <a:latin typeface="Cambria Math" panose="02040503050406030204" pitchFamily="18" charset="0"/>
+                                        </a:rPr>
+                                      </m:ctrlPr>
+                                    </m:sSupPr>
+                                    <m:e>
+                                      <m:d>
+                                        <m:dPr>
+                                          <m:ctrlPr>
+                                            <a:rPr lang="en-US" sz="2800" i="1" dirty="0">
+                                              <a:latin typeface="Cambria Math" panose="02040503050406030204" pitchFamily="18" charset="0"/>
+                                            </a:rPr>
+                                          </m:ctrlPr>
+                                        </m:dPr>
+                                        <m:e>
+                                          <m:sSub>
+                                            <m:sSubPr>
+                                              <m:ctrlPr>
+                                                <a:rPr lang="en-US" sz="2800" i="1" dirty="0">
+                                                  <a:latin typeface="Cambria Math" panose="02040503050406030204" pitchFamily="18" charset="0"/>
+                                                </a:rPr>
+                                              </m:ctrlPr>
+                                            </m:sSubPr>
+                                            <m:e>
+                                              <m:r>
+                                                <a:rPr lang="en-US" sz="2800" i="1" dirty="0">
+                                                  <a:latin typeface="Cambria Math" panose="02040503050406030204" pitchFamily="18" charset="0"/>
+                                                </a:rPr>
+                                                <m:t>𝑥</m:t>
+                                              </m:r>
+                                            </m:e>
+                                            <m:sub>
+                                              <m:r>
+                                                <a:rPr lang="en-US" sz="2800" i="1" dirty="0">
+                                                  <a:latin typeface="Cambria Math" panose="02040503050406030204" pitchFamily="18" charset="0"/>
+                                                </a:rPr>
+                                                <m:t>𝑖</m:t>
+                                              </m:r>
+                                            </m:sub>
+                                          </m:sSub>
+                                          <m:r>
+                                            <a:rPr lang="en-US" sz="2800" i="1" dirty="0">
+                                              <a:latin typeface="Cambria Math" panose="02040503050406030204" pitchFamily="18" charset="0"/>
+                                            </a:rPr>
+                                            <m:t>−</m:t>
+                                          </m:r>
+                                          <m:bar>
+                                            <m:barPr>
+                                              <m:pos m:val="top"/>
+                                              <m:ctrlPr>
+                                                <a:rPr lang="en-US" sz="2800" i="1" dirty="0">
+                                                  <a:latin typeface="Cambria Math" panose="02040503050406030204" pitchFamily="18" charset="0"/>
+                                                </a:rPr>
+                                              </m:ctrlPr>
+                                            </m:barPr>
+                                            <m:e>
+                                              <m:r>
+                                                <a:rPr lang="en-US" sz="2800" i="1" dirty="0">
+                                                  <a:latin typeface="Cambria Math" panose="02040503050406030204" pitchFamily="18" charset="0"/>
+                                                </a:rPr>
+                                                <m:t>𝑥</m:t>
+                                              </m:r>
+                                            </m:e>
+                                          </m:bar>
+                                        </m:e>
+                                      </m:d>
+                                    </m:e>
+                                    <m:sup>
+                                      <m:r>
+                                        <a:rPr lang="en-US" sz="2800" i="1" dirty="0">
+                                          <a:latin typeface="Cambria Math" panose="02040503050406030204" pitchFamily="18" charset="0"/>
+                                        </a:rPr>
+                                        <m:t>2</m:t>
+                                      </m:r>
+                                    </m:sup>
+                                  </m:sSup>
+                                </m:e>
+                              </m:nary>
+                            </m:den>
+                          </m:f>
+                          <m:r>
+                            <a:rPr lang="en-US" sz="2800" i="1" dirty="0">
+                              <a:latin typeface="Cambria Math" panose="02040503050406030204" pitchFamily="18" charset="0"/>
+                            </a:rPr>
+                            <m:t>𝐸</m:t>
+                          </m:r>
+                        </m:e>
+                        <m:sub>
+                          <m:r>
+                            <a:rPr lang="en-US" sz="2800" i="1" dirty="0">
+                              <a:latin typeface="Cambria Math" panose="02040503050406030204" pitchFamily="18" charset="0"/>
+                            </a:rPr>
+                            <m:t>𝐷</m:t>
+                          </m:r>
+                        </m:sub>
+                      </m:sSub>
+                      <m:d>
+                        <m:dPr>
+                          <m:begChr m:val="["/>
+                          <m:endChr m:val="]"/>
+                          <m:ctrlPr>
+                            <a:rPr lang="en-US" sz="2800" i="1" dirty="0">
+                              <a:latin typeface="Cambria Math" panose="02040503050406030204" pitchFamily="18" charset="0"/>
+                            </a:rPr>
+                          </m:ctrlPr>
+                        </m:dPr>
+                        <m:e>
+                          <m:nary>
+                            <m:naryPr>
+                              <m:chr m:val="∑"/>
+                              <m:supHide m:val="on"/>
+                              <m:ctrlPr>
+                                <a:rPr lang="en-US" sz="2800" i="1" dirty="0">
+                                  <a:latin typeface="Cambria Math" panose="02040503050406030204" pitchFamily="18" charset="0"/>
+                                </a:rPr>
+                              </m:ctrlPr>
+                            </m:naryPr>
+                            <m:sub>
+                              <m:r>
+                                <a:rPr lang="en-US" sz="2800" i="1" dirty="0">
+                                  <a:latin typeface="Cambria Math" panose="02040503050406030204" pitchFamily="18" charset="0"/>
+                                </a:rPr>
+                                <m:t>𝑖</m:t>
+                              </m:r>
+                            </m:sub>
+                            <m:sup/>
+                            <m:e>
+                              <m:d>
+                                <m:dPr>
+                                  <m:ctrlPr>
+                                    <a:rPr lang="en-US" sz="2800" i="1" dirty="0">
+                                      <a:latin typeface="Cambria Math" panose="02040503050406030204" pitchFamily="18" charset="0"/>
+                                    </a:rPr>
+                                  </m:ctrlPr>
+                                </m:dPr>
+                                <m:e>
+                                  <m:sSub>
+                                    <m:sSubPr>
+                                      <m:ctrlPr>
+                                        <a:rPr lang="en-US" sz="2800" i="1" dirty="0">
+                                          <a:latin typeface="Cambria Math" panose="02040503050406030204" pitchFamily="18" charset="0"/>
+                                        </a:rPr>
+                                      </m:ctrlPr>
+                                    </m:sSubPr>
+                                    <m:e>
+                                      <m:r>
+                                        <a:rPr lang="en-US" sz="2800" i="1" dirty="0">
+                                          <a:latin typeface="Cambria Math" panose="02040503050406030204" pitchFamily="18" charset="0"/>
+                                        </a:rPr>
+                                        <m:t>𝑥</m:t>
+                                      </m:r>
+                                    </m:e>
+                                    <m:sub>
+                                      <m:r>
+                                        <a:rPr lang="en-US" sz="2800" i="1" dirty="0">
+                                          <a:latin typeface="Cambria Math" panose="02040503050406030204" pitchFamily="18" charset="0"/>
+                                        </a:rPr>
+                                        <m:t>𝑖</m:t>
+                                      </m:r>
+                                    </m:sub>
+                                  </m:sSub>
+                                  <m:r>
+                                    <a:rPr lang="en-US" sz="2800" i="1" dirty="0">
+                                      <a:latin typeface="Cambria Math" panose="02040503050406030204" pitchFamily="18" charset="0"/>
+                                    </a:rPr>
+                                    <m:t>−</m:t>
+                                  </m:r>
+                                  <m:bar>
+                                    <m:barPr>
+                                      <m:pos m:val="top"/>
+                                      <m:ctrlPr>
+                                        <a:rPr lang="en-US" sz="2800" i="1" dirty="0">
+                                          <a:latin typeface="Cambria Math" panose="02040503050406030204" pitchFamily="18" charset="0"/>
+                                        </a:rPr>
+                                      </m:ctrlPr>
+                                    </m:barPr>
+                                    <m:e>
+                                      <m:r>
+                                        <a:rPr lang="en-US" sz="2800" i="1" dirty="0">
+                                          <a:latin typeface="Cambria Math" panose="02040503050406030204" pitchFamily="18" charset="0"/>
+                                        </a:rPr>
+                                        <m:t>𝑥</m:t>
+                                      </m:r>
+                                    </m:e>
+                                  </m:bar>
+                                </m:e>
+                              </m:d>
+                              <m:d>
+                                <m:dPr>
+                                  <m:ctrlPr>
+                                    <a:rPr lang="en-US" sz="2800" i="1" dirty="0">
+                                      <a:latin typeface="Cambria Math" panose="02040503050406030204" pitchFamily="18" charset="0"/>
+                                    </a:rPr>
+                                  </m:ctrlPr>
+                                </m:dPr>
+                                <m:e>
+                                  <m:sSub>
+                                    <m:sSubPr>
+                                      <m:ctrlPr>
+                                        <a:rPr lang="en-US" sz="2800" i="1" dirty="0">
+                                          <a:latin typeface="Cambria Math" panose="02040503050406030204" pitchFamily="18" charset="0"/>
+                                        </a:rPr>
+                                      </m:ctrlPr>
+                                    </m:sSubPr>
+                                    <m:e>
+                                      <m:r>
+                                        <a:rPr lang="en-US" sz="2800" i="1" dirty="0">
+                                          <a:latin typeface="Cambria Math" panose="02040503050406030204" pitchFamily="18" charset="0"/>
+                                        </a:rPr>
+                                        <m:t>𝜖</m:t>
+                                      </m:r>
+                                    </m:e>
+                                    <m:sub>
+                                      <m:r>
+                                        <a:rPr lang="en-US" sz="2800" i="1" dirty="0">
+                                          <a:latin typeface="Cambria Math" panose="02040503050406030204" pitchFamily="18" charset="0"/>
+                                        </a:rPr>
+                                        <m:t>𝑖</m:t>
+                                      </m:r>
+                                    </m:sub>
+                                  </m:sSub>
+                                  <m:r>
+                                    <a:rPr lang="en-US" sz="2800" i="1" dirty="0">
+                                      <a:latin typeface="Cambria Math" panose="02040503050406030204" pitchFamily="18" charset="0"/>
+                                    </a:rPr>
+                                    <m:t>+</m:t>
+                                  </m:r>
+                                  <m:sSub>
+                                    <m:sSubPr>
+                                      <m:ctrlPr>
+                                        <a:rPr lang="en-US" sz="2800" i="1" dirty="0">
+                                          <a:latin typeface="Cambria Math" panose="02040503050406030204" pitchFamily="18" charset="0"/>
+                                        </a:rPr>
+                                      </m:ctrlPr>
+                                    </m:sSubPr>
+                                    <m:e>
+                                      <m:r>
+                                        <a:rPr lang="en-US" sz="2800" i="1" dirty="0">
+                                          <a:latin typeface="Cambria Math" panose="02040503050406030204" pitchFamily="18" charset="0"/>
+                                        </a:rPr>
+                                        <m:t>𝛽</m:t>
+                                      </m:r>
+                                    </m:e>
+                                    <m:sub>
+                                      <m:r>
+                                        <a:rPr lang="en-US" sz="2800" i="1" dirty="0">
+                                          <a:latin typeface="Cambria Math" panose="02040503050406030204" pitchFamily="18" charset="0"/>
+                                        </a:rPr>
+                                        <m:t>1</m:t>
+                                      </m:r>
+                                    </m:sub>
+                                  </m:sSub>
+                                  <m:sSub>
+                                    <m:sSubPr>
+                                      <m:ctrlPr>
+                                        <a:rPr lang="en-US" sz="2800" i="1" dirty="0">
+                                          <a:latin typeface="Cambria Math" panose="02040503050406030204" pitchFamily="18" charset="0"/>
+                                        </a:rPr>
+                                      </m:ctrlPr>
+                                    </m:sSubPr>
+                                    <m:e>
+                                      <m:r>
+                                        <a:rPr lang="en-US" sz="2800" i="1" dirty="0">
+                                          <a:latin typeface="Cambria Math" panose="02040503050406030204" pitchFamily="18" charset="0"/>
+                                        </a:rPr>
+                                        <m:t>(</m:t>
+                                      </m:r>
+                                      <m:r>
+                                        <a:rPr lang="en-US" sz="2800" i="1" dirty="0">
+                                          <a:latin typeface="Cambria Math" panose="02040503050406030204" pitchFamily="18" charset="0"/>
+                                        </a:rPr>
+                                        <m:t>𝑥</m:t>
+                                      </m:r>
+                                    </m:e>
+                                    <m:sub>
+                                      <m:r>
+                                        <a:rPr lang="en-US" sz="2800" i="1" dirty="0">
+                                          <a:latin typeface="Cambria Math" panose="02040503050406030204" pitchFamily="18" charset="0"/>
+                                        </a:rPr>
+                                        <m:t>𝑖</m:t>
+                                      </m:r>
+                                    </m:sub>
+                                  </m:sSub>
+                                  <m:r>
+                                    <a:rPr lang="en-US" sz="2800" i="1" dirty="0">
+                                      <a:latin typeface="Cambria Math" panose="02040503050406030204" pitchFamily="18" charset="0"/>
+                                    </a:rPr>
+                                    <m:t>−</m:t>
+                                  </m:r>
+                                  <m:bar>
+                                    <m:barPr>
+                                      <m:pos m:val="top"/>
+                                      <m:ctrlPr>
+                                        <a:rPr lang="en-US" sz="2800" i="1" dirty="0">
+                                          <a:latin typeface="Cambria Math" panose="02040503050406030204" pitchFamily="18" charset="0"/>
+                                        </a:rPr>
+                                      </m:ctrlPr>
+                                    </m:barPr>
+                                    <m:e>
+                                      <m:r>
+                                        <a:rPr lang="en-US" sz="2800" i="1" dirty="0">
+                                          <a:latin typeface="Cambria Math" panose="02040503050406030204" pitchFamily="18" charset="0"/>
+                                        </a:rPr>
+                                        <m:t>𝑥</m:t>
+                                      </m:r>
+                                    </m:e>
+                                  </m:bar>
+                                </m:e>
+                              </m:d>
+                              <m:r>
+                                <a:rPr lang="en-US" sz="2800" i="1" dirty="0">
+                                  <a:latin typeface="Cambria Math" panose="02040503050406030204" pitchFamily="18" charset="0"/>
+                                </a:rPr>
+                                <m:t>)</m:t>
+                              </m:r>
+                            </m:e>
+                          </m:nary>
+                        </m:e>
+                      </m:d>
+                      <m:r>
+                        <a:rPr lang="en-US" sz="2800" b="0" i="1" dirty="0" smtClean="0">
+                          <a:latin typeface="Cambria Math" panose="02040503050406030204" pitchFamily="18" charset="0"/>
+                        </a:rPr>
+                        <m:t>=</m:t>
+                      </m:r>
+                      <m:f>
+                        <m:fPr>
+                          <m:ctrlPr>
+                            <a:rPr lang="en-US" sz="2800" i="1" dirty="0">
+                              <a:latin typeface="Cambria Math" panose="02040503050406030204" pitchFamily="18" charset="0"/>
+                            </a:rPr>
+                          </m:ctrlPr>
+                        </m:fPr>
+                        <m:num>
+                          <m:sSub>
+                            <m:sSubPr>
+                              <m:ctrlPr>
+                                <a:rPr lang="en-US" sz="2800" b="0" i="1" dirty="0" smtClean="0">
+                                  <a:latin typeface="Cambria Math" panose="02040503050406030204" pitchFamily="18" charset="0"/>
+                                </a:rPr>
+                              </m:ctrlPr>
+                            </m:sSubPr>
+                            <m:e>
+                              <m:r>
+                                <a:rPr lang="en-US" sz="2800" b="0" i="1" dirty="0" smtClean="0">
+                                  <a:latin typeface="Cambria Math" panose="02040503050406030204" pitchFamily="18" charset="0"/>
+                                </a:rPr>
+                                <m:t>𝛽</m:t>
+                              </m:r>
+                            </m:e>
+                            <m:sub>
+                              <m:r>
+                                <a:rPr lang="en-US" sz="2800" b="0" i="1" dirty="0" smtClean="0">
+                                  <a:latin typeface="Cambria Math" panose="02040503050406030204" pitchFamily="18" charset="0"/>
+                                </a:rPr>
+                                <m:t>1</m:t>
+                              </m:r>
+                            </m:sub>
+                          </m:sSub>
+                        </m:num>
+                        <m:den>
+                          <m:nary>
+                            <m:naryPr>
+                              <m:chr m:val="∑"/>
+                              <m:supHide m:val="on"/>
+                              <m:ctrlPr>
+                                <a:rPr lang="en-US" sz="2800" i="1" dirty="0">
+                                  <a:latin typeface="Cambria Math" panose="02040503050406030204" pitchFamily="18" charset="0"/>
+                                </a:rPr>
+                              </m:ctrlPr>
+                            </m:naryPr>
+                            <m:sub>
+                              <m:r>
+                                <a:rPr lang="en-US" sz="2800" i="1" dirty="0">
+                                  <a:latin typeface="Cambria Math" panose="02040503050406030204" pitchFamily="18" charset="0"/>
+                                </a:rPr>
+                                <m:t>𝑖</m:t>
+                              </m:r>
+                            </m:sub>
+                            <m:sup/>
+                            <m:e>
+                              <m:sSup>
+                                <m:sSupPr>
+                                  <m:ctrlPr>
+                                    <a:rPr lang="en-US" sz="2800" i="1" dirty="0">
+                                      <a:latin typeface="Cambria Math" panose="02040503050406030204" pitchFamily="18" charset="0"/>
+                                    </a:rPr>
+                                  </m:ctrlPr>
+                                </m:sSupPr>
+                                <m:e>
+                                  <m:d>
+                                    <m:dPr>
+                                      <m:ctrlPr>
+                                        <a:rPr lang="en-US" sz="2800" i="1" dirty="0">
+                                          <a:latin typeface="Cambria Math" panose="02040503050406030204" pitchFamily="18" charset="0"/>
+                                        </a:rPr>
+                                      </m:ctrlPr>
+                                    </m:dPr>
+                                    <m:e>
+                                      <m:sSub>
+                                        <m:sSubPr>
+                                          <m:ctrlPr>
+                                            <a:rPr lang="en-US" sz="2800" i="1" dirty="0">
+                                              <a:latin typeface="Cambria Math" panose="02040503050406030204" pitchFamily="18" charset="0"/>
+                                            </a:rPr>
+                                          </m:ctrlPr>
+                                        </m:sSubPr>
+                                        <m:e>
+                                          <m:r>
+                                            <a:rPr lang="en-US" sz="2800" i="1" dirty="0">
+                                              <a:latin typeface="Cambria Math" panose="02040503050406030204" pitchFamily="18" charset="0"/>
+                                            </a:rPr>
+                                            <m:t>𝑥</m:t>
+                                          </m:r>
+                                        </m:e>
+                                        <m:sub>
+                                          <m:r>
+                                            <a:rPr lang="en-US" sz="2800" i="1" dirty="0">
+                                              <a:latin typeface="Cambria Math" panose="02040503050406030204" pitchFamily="18" charset="0"/>
+                                            </a:rPr>
+                                            <m:t>𝑖</m:t>
+                                          </m:r>
+                                        </m:sub>
+                                      </m:sSub>
+                                      <m:r>
+                                        <a:rPr lang="en-US" sz="2800" i="1" dirty="0">
+                                          <a:latin typeface="Cambria Math" panose="02040503050406030204" pitchFamily="18" charset="0"/>
+                                        </a:rPr>
+                                        <m:t>−</m:t>
+                                      </m:r>
+                                      <m:bar>
+                                        <m:barPr>
+                                          <m:pos m:val="top"/>
+                                          <m:ctrlPr>
+                                            <a:rPr lang="en-US" sz="2800" i="1" dirty="0">
+                                              <a:latin typeface="Cambria Math" panose="02040503050406030204" pitchFamily="18" charset="0"/>
+                                            </a:rPr>
+                                          </m:ctrlPr>
+                                        </m:barPr>
+                                        <m:e>
+                                          <m:r>
+                                            <a:rPr lang="en-US" sz="2800" i="1" dirty="0">
+                                              <a:latin typeface="Cambria Math" panose="02040503050406030204" pitchFamily="18" charset="0"/>
+                                            </a:rPr>
+                                            <m:t>𝑥</m:t>
+                                          </m:r>
+                                        </m:e>
+                                      </m:bar>
+                                    </m:e>
+                                  </m:d>
+                                </m:e>
+                                <m:sup>
+                                  <m:r>
+                                    <a:rPr lang="en-US" sz="2800" i="1" dirty="0">
+                                      <a:latin typeface="Cambria Math" panose="02040503050406030204" pitchFamily="18" charset="0"/>
+                                    </a:rPr>
+                                    <m:t>2</m:t>
+                                  </m:r>
+                                </m:sup>
+                              </m:sSup>
+                            </m:e>
+                          </m:nary>
+                        </m:den>
+                      </m:f>
+                      <m:sSub>
+                        <m:sSubPr>
+                          <m:ctrlPr>
+                            <a:rPr lang="en-US" sz="2800" b="0" i="1" dirty="0" smtClean="0">
+                              <a:latin typeface="Cambria Math" panose="02040503050406030204" pitchFamily="18" charset="0"/>
+                            </a:rPr>
+                          </m:ctrlPr>
+                        </m:sSubPr>
+                        <m:e>
+                          <m:r>
+                            <a:rPr lang="en-US" sz="2800" b="0" i="1" dirty="0" smtClean="0">
+                              <a:latin typeface="Cambria Math" panose="02040503050406030204" pitchFamily="18" charset="0"/>
+                            </a:rPr>
+                            <m:t>𝐸</m:t>
+                          </m:r>
+                        </m:e>
+                        <m:sub>
+                          <m:r>
+                            <a:rPr lang="en-US" sz="2800" b="0" i="1" dirty="0" smtClean="0">
+                              <a:latin typeface="Cambria Math" panose="02040503050406030204" pitchFamily="18" charset="0"/>
+                            </a:rPr>
+                            <m:t>𝐷</m:t>
+                          </m:r>
+                        </m:sub>
+                      </m:sSub>
+                      <m:r>
+                        <a:rPr lang="en-US" sz="2800" b="0" i="1" dirty="0" smtClean="0">
+                          <a:latin typeface="Cambria Math" panose="02040503050406030204" pitchFamily="18" charset="0"/>
+                        </a:rPr>
+                        <m:t>[</m:t>
+                      </m:r>
+                      <m:nary>
+                        <m:naryPr>
+                          <m:chr m:val="∑"/>
+                          <m:supHide m:val="on"/>
+                          <m:ctrlPr>
+                            <a:rPr lang="en-US" sz="2800" i="1" dirty="0">
+                              <a:latin typeface="Cambria Math" panose="02040503050406030204" pitchFamily="18" charset="0"/>
+                            </a:rPr>
+                          </m:ctrlPr>
+                        </m:naryPr>
+                        <m:sub>
+                          <m:r>
+                            <a:rPr lang="en-US" sz="2800" i="1" dirty="0">
+                              <a:latin typeface="Cambria Math" panose="02040503050406030204" pitchFamily="18" charset="0"/>
+                            </a:rPr>
+                            <m:t>𝑖</m:t>
+                          </m:r>
+                        </m:sub>
+                        <m:sup/>
+                        <m:e>
+                          <m:sSup>
+                            <m:sSupPr>
+                              <m:ctrlPr>
+                                <a:rPr lang="en-US" sz="2800" b="0" i="1" dirty="0" smtClean="0">
+                                  <a:latin typeface="Cambria Math" panose="02040503050406030204" pitchFamily="18" charset="0"/>
+                                </a:rPr>
+                              </m:ctrlPr>
+                            </m:sSupPr>
+                            <m:e>
+                              <m:d>
+                                <m:dPr>
+                                  <m:ctrlPr>
+                                    <a:rPr lang="en-US" sz="2800" i="1" dirty="0">
+                                      <a:latin typeface="Cambria Math" panose="02040503050406030204" pitchFamily="18" charset="0"/>
+                                    </a:rPr>
+                                  </m:ctrlPr>
+                                </m:dPr>
+                                <m:e>
+                                  <m:sSub>
+                                    <m:sSubPr>
+                                      <m:ctrlPr>
+                                        <a:rPr lang="en-US" sz="2800" i="1" dirty="0">
+                                          <a:latin typeface="Cambria Math" panose="02040503050406030204" pitchFamily="18" charset="0"/>
+                                        </a:rPr>
+                                      </m:ctrlPr>
+                                    </m:sSubPr>
+                                    <m:e>
+                                      <m:r>
+                                        <a:rPr lang="en-US" sz="2800" i="1" dirty="0">
+                                          <a:latin typeface="Cambria Math" panose="02040503050406030204" pitchFamily="18" charset="0"/>
+                                        </a:rPr>
+                                        <m:t>𝑥</m:t>
+                                      </m:r>
+                                    </m:e>
+                                    <m:sub>
+                                      <m:r>
+                                        <a:rPr lang="en-US" sz="2800" i="1" dirty="0">
+                                          <a:latin typeface="Cambria Math" panose="02040503050406030204" pitchFamily="18" charset="0"/>
+                                        </a:rPr>
+                                        <m:t>𝑖</m:t>
+                                      </m:r>
+                                    </m:sub>
+                                  </m:sSub>
+                                  <m:r>
+                                    <a:rPr lang="en-US" sz="2800" i="1" dirty="0">
+                                      <a:latin typeface="Cambria Math" panose="02040503050406030204" pitchFamily="18" charset="0"/>
+                                    </a:rPr>
+                                    <m:t>−</m:t>
+                                  </m:r>
+                                  <m:bar>
+                                    <m:barPr>
+                                      <m:pos m:val="top"/>
+                                      <m:ctrlPr>
+                                        <a:rPr lang="en-US" sz="2800" i="1" dirty="0">
+                                          <a:latin typeface="Cambria Math" panose="02040503050406030204" pitchFamily="18" charset="0"/>
+                                        </a:rPr>
+                                      </m:ctrlPr>
+                                    </m:barPr>
+                                    <m:e>
+                                      <m:r>
+                                        <a:rPr lang="en-US" sz="2800" i="1" dirty="0">
+                                          <a:latin typeface="Cambria Math" panose="02040503050406030204" pitchFamily="18" charset="0"/>
+                                        </a:rPr>
+                                        <m:t>𝑥</m:t>
+                                      </m:r>
+                                    </m:e>
+                                  </m:bar>
+                                </m:e>
+                              </m:d>
+                            </m:e>
+                            <m:sup>
+                              <m:r>
+                                <a:rPr lang="en-US" sz="2800" b="0" i="1" dirty="0" smtClean="0">
+                                  <a:latin typeface="Cambria Math" panose="02040503050406030204" pitchFamily="18" charset="0"/>
+                                </a:rPr>
+                                <m:t>2</m:t>
+                              </m:r>
+                            </m:sup>
+                          </m:sSup>
+                          <m:r>
+                            <a:rPr lang="en-US" sz="2800" b="0" i="1" dirty="0" smtClean="0">
+                              <a:latin typeface="Cambria Math" panose="02040503050406030204" pitchFamily="18" charset="0"/>
+                            </a:rPr>
+                            <m:t>]</m:t>
+                          </m:r>
+                        </m:e>
+                      </m:nary>
+                      <m:r>
+                        <a:rPr lang="en-US" sz="2800" b="0" i="1" dirty="0" smtClean="0">
+                          <a:latin typeface="Cambria Math" panose="02040503050406030204" pitchFamily="18" charset="0"/>
+                        </a:rPr>
+                        <m:t>=</m:t>
+                      </m:r>
+                      <m:sSub>
+                        <m:sSubPr>
+                          <m:ctrlPr>
+                            <a:rPr lang="en-US" sz="2800" b="0" i="1" dirty="0" smtClean="0">
+                              <a:latin typeface="Cambria Math" panose="02040503050406030204" pitchFamily="18" charset="0"/>
+                            </a:rPr>
+                          </m:ctrlPr>
+                        </m:sSubPr>
+                        <m:e>
+                          <m:r>
+                            <a:rPr lang="en-US" sz="2800" b="0" i="1" dirty="0" smtClean="0">
+                              <a:latin typeface="Cambria Math" panose="02040503050406030204" pitchFamily="18" charset="0"/>
+                            </a:rPr>
+                            <m:t>𝛽</m:t>
+                          </m:r>
+                        </m:e>
+                        <m:sub>
+                          <m:r>
+                            <a:rPr lang="en-US" sz="2800" b="0" i="1" dirty="0" smtClean="0">
+                              <a:latin typeface="Cambria Math" panose="02040503050406030204" pitchFamily="18" charset="0"/>
+                            </a:rPr>
+                            <m:t>1</m:t>
+                          </m:r>
+                        </m:sub>
+                      </m:sSub>
+                    </m:oMath>
+                  </m:oMathPara>
+                </a14:m>
+                <a:endParaRPr lang="en-US" sz="2800" dirty="0"/>
+              </a:p>
+            </p:txBody>
+          </p:sp>
+        </mc:Choice>
+        <mc:Fallback>
+          <p:sp>
+            <p:nvSpPr>
+              <p:cNvPr id="3" name="TextBox 2">
+                <a:extLst>
+                  <a:ext uri="{FF2B5EF4-FFF2-40B4-BE49-F238E27FC236}">
+                    <a16:creationId xmlns:a16="http://schemas.microsoft.com/office/drawing/2014/main" id="{F64C9265-C430-EDE3-38D6-FA1D98F6C922}"/>
+                  </a:ext>
+                </a:extLst>
+              </p:cNvPr>
+              <p:cNvSpPr txBox="1">
+                <a:spLocks noRot="1" noChangeAspect="1" noMove="1" noResize="1" noEditPoints="1" noAdjustHandles="1" noChangeArrowheads="1" noChangeShapeType="1" noTextEdit="1"/>
+              </p:cNvSpPr>
+              <p:nvPr/>
+            </p:nvSpPr>
+            <p:spPr>
+              <a:xfrm>
+                <a:off x="-593714" y="3110151"/>
+                <a:ext cx="10817818" cy="3244286"/>
+              </a:xfrm>
+              <a:prstGeom prst="rect">
+                <a:avLst/>
+              </a:prstGeom>
+              <a:blipFill>
+                <a:blip r:embed="rId3"/>
+                <a:stretch>
+                  <a:fillRect t="-20623" b="-63035"/>
+                </a:stretch>
+              </a:blipFill>
+            </p:spPr>
+            <p:txBody>
+              <a:bodyPr/>
+              <a:lstStyle/>
+              <a:p>
+                <a:r>
+                  <a:rPr lang="en-US">
+                    <a:noFill/>
+                  </a:rPr>
+                  <a:t> </a:t>
+                </a:r>
+              </a:p>
+            </p:txBody>
+          </p:sp>
+        </mc:Fallback>
+      </mc:AlternateContent>
+      <mc:AlternateContent xmlns:mc="http://schemas.openxmlformats.org/markup-compatibility/2006">
+        <mc:Choice xmlns:a14="http://schemas.microsoft.com/office/drawing/2010/main" Requires="a14">
+          <p:sp>
+            <p:nvSpPr>
+              <p:cNvPr id="5" name="TextBox 4">
+                <a:extLst>
+                  <a:ext uri="{FF2B5EF4-FFF2-40B4-BE49-F238E27FC236}">
+                    <a16:creationId xmlns:a16="http://schemas.microsoft.com/office/drawing/2014/main" id="{4C61B2E2-BD02-8148-BC88-AE50EF50198E}"/>
+                  </a:ext>
+                </a:extLst>
+              </p:cNvPr>
+              <p:cNvSpPr txBox="1"/>
+              <p:nvPr/>
+            </p:nvSpPr>
+            <p:spPr>
+              <a:xfrm>
+                <a:off x="-154594" y="1659647"/>
+                <a:ext cx="6096000" cy="1137876"/>
+              </a:xfrm>
+              <a:prstGeom prst="rect">
+                <a:avLst/>
+              </a:prstGeom>
+              <a:noFill/>
+            </p:spPr>
+            <p:txBody>
+              <a:bodyPr wrap="square">
+                <a:spAutoFit/>
+              </a:bodyPr>
+              <a:lstStyle/>
+              <a:p>
+                <a:pPr/>
+                <a14:m>
+                  <m:oMathPara xmlns:m="http://schemas.openxmlformats.org/officeDocument/2006/math">
+                    <m:oMathParaPr>
+                      <m:jc m:val="centerGroup"/>
+                    </m:oMathParaPr>
+                    <m:oMath xmlns:m="http://schemas.openxmlformats.org/officeDocument/2006/math">
+                      <m:sSub>
+                        <m:sSubPr>
+                          <m:ctrlPr>
+                            <a:rPr lang="en-US" sz="2800" b="0" i="1" dirty="0" smtClean="0">
+                              <a:latin typeface="Cambria Math" panose="02040503050406030204" pitchFamily="18" charset="0"/>
+                            </a:rPr>
+                          </m:ctrlPr>
+                        </m:sSubPr>
+                        <m:e>
+                          <m:r>
+                            <a:rPr lang="en-US" sz="2800" i="1" dirty="0" smtClean="0">
+                              <a:latin typeface="Cambria Math" panose="02040503050406030204" pitchFamily="18" charset="0"/>
+                            </a:rPr>
+                            <m:t>𝐸</m:t>
+                          </m:r>
+                        </m:e>
+                        <m:sub>
+                          <m:r>
+                            <a:rPr lang="en-US" sz="2800" b="0" i="1" dirty="0" smtClean="0">
+                              <a:latin typeface="Cambria Math" panose="02040503050406030204" pitchFamily="18" charset="0"/>
+                            </a:rPr>
+                            <m:t>𝐷</m:t>
+                          </m:r>
+                        </m:sub>
+                      </m:sSub>
+                      <m:r>
+                        <a:rPr lang="en-US" sz="2800" b="0" i="1" dirty="0" smtClean="0">
+                          <a:latin typeface="Cambria Math" panose="02040503050406030204" pitchFamily="18" charset="0"/>
+                        </a:rPr>
+                        <m:t>[</m:t>
+                      </m:r>
+                      <m:nary>
+                        <m:naryPr>
+                          <m:chr m:val="∑"/>
+                          <m:supHide m:val="on"/>
+                          <m:ctrlPr>
+                            <a:rPr lang="en-US" sz="2800" i="1" dirty="0">
+                              <a:latin typeface="Cambria Math" panose="02040503050406030204" pitchFamily="18" charset="0"/>
+                            </a:rPr>
+                          </m:ctrlPr>
+                        </m:naryPr>
+                        <m:sub>
+                          <m:r>
+                            <a:rPr lang="en-US" sz="2800" i="1" dirty="0">
+                              <a:latin typeface="Cambria Math" panose="02040503050406030204" pitchFamily="18" charset="0"/>
+                            </a:rPr>
+                            <m:t>𝑖</m:t>
+                          </m:r>
+                        </m:sub>
+                        <m:sup/>
+                        <m:e>
+                          <m:d>
+                            <m:dPr>
+                              <m:ctrlPr>
+                                <a:rPr lang="en-US" sz="2800" i="1" dirty="0">
+                                  <a:latin typeface="Cambria Math" panose="02040503050406030204" pitchFamily="18" charset="0"/>
+                                </a:rPr>
+                              </m:ctrlPr>
+                            </m:dPr>
+                            <m:e>
+                              <m:sSub>
+                                <m:sSubPr>
+                                  <m:ctrlPr>
+                                    <a:rPr lang="en-US" sz="2800" i="1" dirty="0">
+                                      <a:latin typeface="Cambria Math" panose="02040503050406030204" pitchFamily="18" charset="0"/>
+                                    </a:rPr>
+                                  </m:ctrlPr>
+                                </m:sSubPr>
+                                <m:e>
+                                  <m:r>
+                                    <a:rPr lang="en-US" sz="2800" i="1" dirty="0">
+                                      <a:latin typeface="Cambria Math" panose="02040503050406030204" pitchFamily="18" charset="0"/>
+                                    </a:rPr>
+                                    <m:t>𝑥</m:t>
+                                  </m:r>
+                                </m:e>
+                                <m:sub>
+                                  <m:r>
+                                    <a:rPr lang="en-US" sz="2800" i="1" dirty="0">
+                                      <a:latin typeface="Cambria Math" panose="02040503050406030204" pitchFamily="18" charset="0"/>
+                                    </a:rPr>
+                                    <m:t>𝑖</m:t>
+                                  </m:r>
+                                </m:sub>
+                              </m:sSub>
+                              <m:r>
+                                <a:rPr lang="en-US" sz="2800" i="1" dirty="0">
+                                  <a:latin typeface="Cambria Math" panose="02040503050406030204" pitchFamily="18" charset="0"/>
+                                </a:rPr>
+                                <m:t>−</m:t>
+                              </m:r>
+                              <m:bar>
+                                <m:barPr>
+                                  <m:pos m:val="top"/>
+                                  <m:ctrlPr>
+                                    <a:rPr lang="en-US" sz="2800" i="1" dirty="0">
+                                      <a:latin typeface="Cambria Math" panose="02040503050406030204" pitchFamily="18" charset="0"/>
+                                    </a:rPr>
+                                  </m:ctrlPr>
+                                </m:barPr>
+                                <m:e>
+                                  <m:r>
+                                    <a:rPr lang="en-US" sz="2800" i="1" dirty="0">
+                                      <a:latin typeface="Cambria Math" panose="02040503050406030204" pitchFamily="18" charset="0"/>
+                                    </a:rPr>
+                                    <m:t>𝑥</m:t>
+                                  </m:r>
+                                </m:e>
+                              </m:bar>
+                            </m:e>
+                          </m:d>
+                          <m:r>
+                            <a:rPr lang="en-US" sz="2800" b="0" i="1" dirty="0" smtClean="0">
+                              <a:latin typeface="Cambria Math" panose="02040503050406030204" pitchFamily="18" charset="0"/>
+                            </a:rPr>
+                            <m:t>]=0</m:t>
+                          </m:r>
+                        </m:e>
+                      </m:nary>
+                    </m:oMath>
+                  </m:oMathPara>
+                </a14:m>
+                <a:endParaRPr lang="en-US" sz="2800" dirty="0"/>
+              </a:p>
+            </p:txBody>
+          </p:sp>
+        </mc:Choice>
+        <mc:Fallback>
+          <p:sp>
+            <p:nvSpPr>
+              <p:cNvPr id="5" name="TextBox 4">
+                <a:extLst>
+                  <a:ext uri="{FF2B5EF4-FFF2-40B4-BE49-F238E27FC236}">
+                    <a16:creationId xmlns:a16="http://schemas.microsoft.com/office/drawing/2014/main" id="{4C61B2E2-BD02-8148-BC88-AE50EF50198E}"/>
+                  </a:ext>
+                </a:extLst>
+              </p:cNvPr>
+              <p:cNvSpPr txBox="1">
+                <a:spLocks noRot="1" noChangeAspect="1" noMove="1" noResize="1" noEditPoints="1" noAdjustHandles="1" noChangeArrowheads="1" noChangeShapeType="1" noTextEdit="1"/>
+              </p:cNvSpPr>
+              <p:nvPr/>
+            </p:nvSpPr>
+            <p:spPr>
+              <a:xfrm>
+                <a:off x="-154594" y="1659647"/>
+                <a:ext cx="6096000" cy="1137876"/>
+              </a:xfrm>
+              <a:prstGeom prst="rect">
+                <a:avLst/>
+              </a:prstGeom>
+              <a:blipFill>
+                <a:blip r:embed="rId4"/>
+                <a:stretch>
+                  <a:fillRect t="-129670" b="-180220"/>
+                </a:stretch>
+              </a:blipFill>
+            </p:spPr>
+            <p:txBody>
+              <a:bodyPr/>
+              <a:lstStyle/>
+              <a:p>
+                <a:r>
+                  <a:rPr lang="en-US">
+                    <a:noFill/>
+                  </a:rPr>
+                  <a:t> </a:t>
+                </a:r>
+              </a:p>
+            </p:txBody>
+          </p:sp>
+        </mc:Fallback>
+      </mc:AlternateContent>
+      <p:sp>
+        <p:nvSpPr>
+          <p:cNvPr id="6" name="TextBox 5">
+            <a:extLst>
+              <a:ext uri="{FF2B5EF4-FFF2-40B4-BE49-F238E27FC236}">
+                <a16:creationId xmlns:a16="http://schemas.microsoft.com/office/drawing/2014/main" id="{7BA0D427-613C-5475-9C74-9F962F5DE442}"/>
+              </a:ext>
+            </a:extLst>
+          </p:cNvPr>
+          <p:cNvSpPr txBox="1"/>
+          <p:nvPr/>
+        </p:nvSpPr>
+        <p:spPr>
+          <a:xfrm>
+            <a:off x="7513192" y="5486783"/>
+            <a:ext cx="2710912" cy="523220"/>
+          </a:xfrm>
+          <a:prstGeom prst="rect">
+            <a:avLst/>
+          </a:prstGeom>
+          <a:noFill/>
+        </p:spPr>
+        <p:txBody>
+          <a:bodyPr wrap="square">
+            <a:spAutoFit/>
+          </a:bodyPr>
+          <a:lstStyle/>
+          <a:p>
+            <a:r>
+              <a:rPr lang="en-US" sz="2800" b="0" dirty="0"/>
+              <a:t>Why unbiased?</a:t>
+            </a:r>
+            <a:endParaRPr lang="en-US" sz="2800" dirty="0"/>
+          </a:p>
+        </p:txBody>
+      </p:sp>
+    </p:spTree>
+    <p:extLst>
+      <p:ext uri="{BB962C8B-B14F-4D97-AF65-F5344CB8AC3E}">
+        <p14:creationId xmlns:p14="http://schemas.microsoft.com/office/powerpoint/2010/main" val="2795567197"/>
+      </p:ext>
+    </p:extLst>
+  </p:cSld>
+  <p:clrMapOvr>
+    <a:masterClrMapping/>
+  </p:clrMapOvr>
+</p:sld>
+</file>
+
+<file path=ppt/slides/slide11.xml><?xml version="1.0" encoding="utf-8"?>
+<p:sld xmlns:a="http://schemas.openxmlformats.org/drawingml/2006/main" xmlns:r="http://schemas.openxmlformats.org/officeDocument/2006/relationships" xmlns:p="http://schemas.openxmlformats.org/presentationml/2006/main">
+  <p:cSld>
+    <p:spTree>
+      <p:nvGrpSpPr>
+        <p:cNvPr id="1" name=""/>
+        <p:cNvGrpSpPr/>
+        <p:nvPr/>
+      </p:nvGrpSpPr>
+      <p:grpSpPr>
+        <a:xfrm>
+          <a:off x="0" y="0"/>
+          <a:ext cx="0" cy="0"/>
+          <a:chOff x="0" y="0"/>
+          <a:chExt cx="0" cy="0"/>
+        </a:xfrm>
+      </p:grpSpPr>
+      <p:sp>
+        <p:nvSpPr>
+          <p:cNvPr id="2" name="Title 1"/>
+          <p:cNvSpPr>
+            <a:spLocks noGrp="1"/>
+          </p:cNvSpPr>
+          <p:nvPr>
+            <p:ph type="title"/>
+          </p:nvPr>
+        </p:nvSpPr>
+        <p:spPr>
+          <a:xfrm>
+            <a:off x="838200" y="365126"/>
+            <a:ext cx="10515600" cy="981894"/>
+          </a:xfrm>
+        </p:spPr>
+        <p:txBody>
+          <a:bodyPr>
+            <a:normAutofit/>
+          </a:bodyPr>
+          <a:lstStyle/>
+          <a:p>
+            <a:r>
+              <a:rPr lang="en-US" dirty="0"/>
+              <a:t>Analyzing Least Squares Method</a:t>
+            </a:r>
+          </a:p>
+        </p:txBody>
+      </p:sp>
+      <mc:AlternateContent xmlns:mc="http://schemas.openxmlformats.org/markup-compatibility/2006" xmlns:a14="http://schemas.microsoft.com/office/drawing/2010/main">
+        <mc:Choice Requires="a14">
           <p:sp>
             <p:nvSpPr>
               <p:cNvPr id="8" name="TextBox 7">
@@ -4665,7 +6449,7 @@
             </p:txBody>
           </p:sp>
         </mc:Choice>
-        <mc:Fallback>
+        <mc:Fallback xmlns="">
           <p:sp>
             <p:nvSpPr>
               <p:cNvPr id="8" name="TextBox 7">
@@ -4710,8 +6494,8 @@
           </p:sp>
         </mc:Fallback>
       </mc:AlternateContent>
-      <mc:AlternateContent xmlns:mc="http://schemas.openxmlformats.org/markup-compatibility/2006">
-        <mc:Choice xmlns:a14="http://schemas.microsoft.com/office/drawing/2010/main" Requires="a14">
+      <mc:AlternateContent xmlns:mc="http://schemas.openxmlformats.org/markup-compatibility/2006" xmlns:a14="http://schemas.microsoft.com/office/drawing/2010/main">
+        <mc:Choice Requires="a14">
           <p:sp>
             <p:nvSpPr>
               <p:cNvPr id="9" name="TextBox 8">
@@ -4740,7 +6524,989 @@
               </a:bodyPr>
               <a:lstStyle/>
               <a:p>
+                <a14:m>
+                  <m:oMath xmlns:m="http://schemas.openxmlformats.org/officeDocument/2006/math">
+                    <m:sSub>
+                      <m:sSubPr>
+                        <m:ctrlPr>
+                          <a:rPr lang="en-US" sz="2800" i="1" dirty="0" smtClean="0">
+                            <a:latin typeface="Cambria Math" panose="02040503050406030204" pitchFamily="18" charset="0"/>
+                          </a:rPr>
+                        </m:ctrlPr>
+                      </m:sSubPr>
+                      <m:e>
+                        <m:r>
+                          <a:rPr lang="en-US" sz="2800" b="0" i="1" dirty="0" smtClean="0">
+                            <a:latin typeface="Cambria Math" panose="02040503050406030204" pitchFamily="18" charset="0"/>
+                          </a:rPr>
+                          <m:t>𝑆</m:t>
+                        </m:r>
+                        <m:sSup>
+                          <m:sSupPr>
+                            <m:ctrlPr>
+                              <a:rPr lang="en-US" sz="2800" b="0" i="1" dirty="0" smtClean="0">
+                                <a:latin typeface="Cambria Math" panose="02040503050406030204" pitchFamily="18" charset="0"/>
+                              </a:rPr>
+                            </m:ctrlPr>
+                          </m:sSupPr>
+                          <m:e>
+                            <m:r>
+                              <a:rPr lang="en-US" sz="2800" b="0" i="1" dirty="0" smtClean="0">
+                                <a:latin typeface="Cambria Math" panose="02040503050406030204" pitchFamily="18" charset="0"/>
+                              </a:rPr>
+                              <m:t>𝐸</m:t>
+                            </m:r>
+                          </m:e>
+                          <m:sup>
+                            <m:r>
+                              <a:rPr lang="en-US" sz="2800" b="0" i="1" dirty="0" smtClean="0">
+                                <a:latin typeface="Cambria Math" panose="02040503050406030204" pitchFamily="18" charset="0"/>
+                              </a:rPr>
+                              <m:t>2</m:t>
+                            </m:r>
+                          </m:sup>
+                        </m:sSup>
+                        <m:r>
+                          <a:rPr lang="en-US" sz="2800" b="0" i="1" dirty="0" smtClean="0">
+                            <a:latin typeface="Cambria Math" panose="02040503050406030204" pitchFamily="18" charset="0"/>
+                          </a:rPr>
+                          <m:t>(</m:t>
+                        </m:r>
+                        <m:acc>
+                          <m:accPr>
+                            <m:chr m:val="̂"/>
+                            <m:ctrlPr>
+                              <a:rPr lang="en-US" sz="2800" i="1">
+                                <a:latin typeface="Cambria Math" panose="02040503050406030204" pitchFamily="18" charset="0"/>
+                              </a:rPr>
+                            </m:ctrlPr>
+                          </m:accPr>
+                          <m:e>
+                            <m:r>
+                              <a:rPr lang="en-US" sz="2800" i="1">
+                                <a:latin typeface="Cambria Math" panose="02040503050406030204" pitchFamily="18" charset="0"/>
+                              </a:rPr>
+                              <m:t>𝛽</m:t>
+                            </m:r>
+                          </m:e>
+                        </m:acc>
+                      </m:e>
+                      <m:sub>
+                        <m:r>
+                          <a:rPr lang="en-US" sz="2800" b="0" i="1" smtClean="0">
+                            <a:latin typeface="Cambria Math" panose="02040503050406030204" pitchFamily="18" charset="0"/>
+                          </a:rPr>
+                          <m:t>1</m:t>
+                        </m:r>
+                      </m:sub>
+                    </m:sSub>
+                    <m:r>
+                      <a:rPr lang="en-US" sz="2800" b="0" i="1" dirty="0" smtClean="0">
+                        <a:latin typeface="Cambria Math" panose="02040503050406030204" pitchFamily="18" charset="0"/>
+                      </a:rPr>
+                      <m:t>)=</m:t>
+                    </m:r>
+                  </m:oMath>
+                </a14:m>
+                <a:r>
+                  <a:rPr lang="en-US" sz="2800" dirty="0"/>
+                  <a:t> </a:t>
+                </a:r>
+                <a14:m>
+                  <m:oMath xmlns:m="http://schemas.openxmlformats.org/officeDocument/2006/math">
+                    <m:f>
+                      <m:fPr>
+                        <m:ctrlPr>
+                          <a:rPr lang="en-US" sz="2800" i="1" dirty="0">
+                            <a:latin typeface="Cambria Math" panose="02040503050406030204" pitchFamily="18" charset="0"/>
+                          </a:rPr>
+                        </m:ctrlPr>
+                      </m:fPr>
+                      <m:num>
+                        <m:sSup>
+                          <m:sSupPr>
+                            <m:ctrlPr>
+                              <a:rPr lang="en-US" sz="2800" b="0" i="1" dirty="0" smtClean="0">
+                                <a:latin typeface="Cambria Math" panose="02040503050406030204" pitchFamily="18" charset="0"/>
+                              </a:rPr>
+                            </m:ctrlPr>
+                          </m:sSupPr>
+                          <m:e>
+                            <m:r>
+                              <a:rPr lang="en-US" sz="2800" b="0" i="1" dirty="0" smtClean="0">
+                                <a:latin typeface="Cambria Math" panose="02040503050406030204" pitchFamily="18" charset="0"/>
+                              </a:rPr>
+                              <m:t>𝜎</m:t>
+                            </m:r>
+                          </m:e>
+                          <m:sup>
+                            <m:r>
+                              <a:rPr lang="en-US" sz="2800" b="0" i="1" dirty="0" smtClean="0">
+                                <a:latin typeface="Cambria Math" panose="02040503050406030204" pitchFamily="18" charset="0"/>
+                              </a:rPr>
+                              <m:t>2</m:t>
+                            </m:r>
+                          </m:sup>
+                        </m:sSup>
+                      </m:num>
+                      <m:den>
+                        <m:nary>
+                          <m:naryPr>
+                            <m:chr m:val="∑"/>
+                            <m:supHide m:val="on"/>
+                            <m:ctrlPr>
+                              <a:rPr lang="en-US" sz="2800" i="1" dirty="0">
+                                <a:latin typeface="Cambria Math" panose="02040503050406030204" pitchFamily="18" charset="0"/>
+                              </a:rPr>
+                            </m:ctrlPr>
+                          </m:naryPr>
+                          <m:sub>
+                            <m:r>
+                              <a:rPr lang="en-US" sz="2800" i="1" dirty="0">
+                                <a:latin typeface="Cambria Math" panose="02040503050406030204" pitchFamily="18" charset="0"/>
+                              </a:rPr>
+                              <m:t>𝑖</m:t>
+                            </m:r>
+                          </m:sub>
+                          <m:sup/>
+                          <m:e>
+                            <m:sSup>
+                              <m:sSupPr>
+                                <m:ctrlPr>
+                                  <a:rPr lang="en-US" sz="2800" i="1" dirty="0">
+                                    <a:latin typeface="Cambria Math" panose="02040503050406030204" pitchFamily="18" charset="0"/>
+                                  </a:rPr>
+                                </m:ctrlPr>
+                              </m:sSupPr>
+                              <m:e>
+                                <m:d>
+                                  <m:dPr>
+                                    <m:ctrlPr>
+                                      <a:rPr lang="en-US" sz="2800" i="1" dirty="0">
+                                        <a:latin typeface="Cambria Math" panose="02040503050406030204" pitchFamily="18" charset="0"/>
+                                      </a:rPr>
+                                    </m:ctrlPr>
+                                  </m:dPr>
+                                  <m:e>
+                                    <m:sSub>
+                                      <m:sSubPr>
+                                        <m:ctrlPr>
+                                          <a:rPr lang="en-US" sz="2800" i="1" dirty="0">
+                                            <a:latin typeface="Cambria Math" panose="02040503050406030204" pitchFamily="18" charset="0"/>
+                                          </a:rPr>
+                                        </m:ctrlPr>
+                                      </m:sSubPr>
+                                      <m:e>
+                                        <m:r>
+                                          <a:rPr lang="en-US" sz="2800" i="1" dirty="0">
+                                            <a:latin typeface="Cambria Math" panose="02040503050406030204" pitchFamily="18" charset="0"/>
+                                          </a:rPr>
+                                          <m:t>𝑥</m:t>
+                                        </m:r>
+                                      </m:e>
+                                      <m:sub>
+                                        <m:r>
+                                          <a:rPr lang="en-US" sz="2800" i="1" dirty="0">
+                                            <a:latin typeface="Cambria Math" panose="02040503050406030204" pitchFamily="18" charset="0"/>
+                                          </a:rPr>
+                                          <m:t>𝑖</m:t>
+                                        </m:r>
+                                      </m:sub>
+                                    </m:sSub>
+                                    <m:r>
+                                      <a:rPr lang="en-US" sz="2800" i="1" dirty="0">
+                                        <a:latin typeface="Cambria Math" panose="02040503050406030204" pitchFamily="18" charset="0"/>
+                                      </a:rPr>
+                                      <m:t>−</m:t>
+                                    </m:r>
+                                    <m:bar>
+                                      <m:barPr>
+                                        <m:pos m:val="top"/>
+                                        <m:ctrlPr>
+                                          <a:rPr lang="en-US" sz="2800" i="1" dirty="0">
+                                            <a:latin typeface="Cambria Math" panose="02040503050406030204" pitchFamily="18" charset="0"/>
+                                          </a:rPr>
+                                        </m:ctrlPr>
+                                      </m:barPr>
+                                      <m:e>
+                                        <m:r>
+                                          <a:rPr lang="en-US" sz="2800" i="1" dirty="0">
+                                            <a:latin typeface="Cambria Math" panose="02040503050406030204" pitchFamily="18" charset="0"/>
+                                          </a:rPr>
+                                          <m:t>𝑥</m:t>
+                                        </m:r>
+                                      </m:e>
+                                    </m:bar>
+                                  </m:e>
+                                </m:d>
+                              </m:e>
+                              <m:sup>
+                                <m:r>
+                                  <a:rPr lang="en-US" sz="2800" i="1" dirty="0">
+                                    <a:latin typeface="Cambria Math" panose="02040503050406030204" pitchFamily="18" charset="0"/>
+                                  </a:rPr>
+                                  <m:t>2</m:t>
+                                </m:r>
+                              </m:sup>
+                            </m:sSup>
+                          </m:e>
+                        </m:nary>
+                      </m:den>
+                    </m:f>
+                  </m:oMath>
+                </a14:m>
+                <a:endParaRPr lang="en-US" sz="2800" dirty="0"/>
+              </a:p>
+            </p:txBody>
+          </p:sp>
+        </mc:Choice>
+        <mc:Fallback xmlns="">
+          <p:sp>
+            <p:nvSpPr>
+              <p:cNvPr id="9" name="TextBox 8">
+                <a:extLst>
+                  <a:ext uri="{FF2B5EF4-FFF2-40B4-BE49-F238E27FC236}">
+                    <a16:creationId xmlns:a16="http://schemas.microsoft.com/office/drawing/2014/main" id="{D9EFD508-C1AA-024C-99F8-CE8E543B2A56}"/>
+                  </a:ext>
+                </a:extLst>
+              </p:cNvPr>
+              <p:cNvSpPr txBox="1">
+                <a:spLocks noRot="1" noChangeAspect="1" noMove="1" noResize="1" noEditPoints="1" noAdjustHandles="1" noChangeArrowheads="1" noChangeShapeType="1" noTextEdit="1"/>
+              </p:cNvSpPr>
+              <p:nvPr/>
+            </p:nvSpPr>
+            <p:spPr>
+              <a:xfrm>
+                <a:off x="1554480" y="3004589"/>
+                <a:ext cx="3307080" cy="848822"/>
+              </a:xfrm>
+              <a:prstGeom prst="rect">
+                <a:avLst/>
+              </a:prstGeom>
+              <a:blipFill>
+                <a:blip r:embed="rId4"/>
+                <a:stretch>
+                  <a:fillRect l="-763" t="-5882" b="-80882"/>
+                </a:stretch>
+              </a:blipFill>
+            </p:spPr>
+            <p:txBody>
+              <a:bodyPr/>
+              <a:lstStyle/>
+              <a:p>
+                <a:r>
+                  <a:rPr lang="en-US">
+                    <a:noFill/>
+                  </a:rPr>
+                  <a:t> </a:t>
+                </a:r>
+              </a:p>
+            </p:txBody>
+          </p:sp>
+        </mc:Fallback>
+      </mc:AlternateContent>
+      <mc:AlternateContent xmlns:mc="http://schemas.openxmlformats.org/markup-compatibility/2006" xmlns:a14="http://schemas.microsoft.com/office/drawing/2010/main">
+        <mc:Choice Requires="a14">
+          <p:sp>
+            <p:nvSpPr>
+              <p:cNvPr id="10" name="TextBox 9">
+                <a:extLst>
+                  <a:ext uri="{FF2B5EF4-FFF2-40B4-BE49-F238E27FC236}">
+                    <a16:creationId xmlns:a16="http://schemas.microsoft.com/office/drawing/2014/main" id="{8E52DC3F-B6AA-8143-9BCF-6ABDFE4CA10F}"/>
+                  </a:ext>
+                </a:extLst>
+              </p:cNvPr>
+              <p:cNvSpPr txBox="1"/>
+              <p:nvPr/>
+            </p:nvSpPr>
+            <p:spPr>
+              <a:xfrm>
+                <a:off x="5455920" y="3068948"/>
+                <a:ext cx="5181600" cy="903004"/>
+              </a:xfrm>
+              <a:prstGeom prst="rect">
+                <a:avLst/>
+              </a:prstGeom>
+              <a:noFill/>
+            </p:spPr>
+            <p:txBody>
+              <a:bodyPr wrap="square">
+                <a:spAutoFit/>
+              </a:bodyPr>
+              <a:lstStyle/>
+              <a:p>
+                <a14:m>
+                  <m:oMath xmlns:m="http://schemas.openxmlformats.org/officeDocument/2006/math">
+                    <m:sSub>
+                      <m:sSubPr>
+                        <m:ctrlPr>
+                          <a:rPr lang="en-US" sz="2800" i="1" dirty="0" smtClean="0">
+                            <a:latin typeface="Cambria Math" panose="02040503050406030204" pitchFamily="18" charset="0"/>
+                          </a:rPr>
+                        </m:ctrlPr>
+                      </m:sSubPr>
+                      <m:e>
+                        <m:r>
+                          <a:rPr lang="en-US" sz="2800" b="0" i="1" dirty="0" smtClean="0">
+                            <a:latin typeface="Cambria Math" panose="02040503050406030204" pitchFamily="18" charset="0"/>
+                          </a:rPr>
+                          <m:t>𝑆</m:t>
+                        </m:r>
+                        <m:sSup>
+                          <m:sSupPr>
+                            <m:ctrlPr>
+                              <a:rPr lang="en-US" sz="2800" b="0" i="1" dirty="0" smtClean="0">
+                                <a:latin typeface="Cambria Math" panose="02040503050406030204" pitchFamily="18" charset="0"/>
+                              </a:rPr>
+                            </m:ctrlPr>
+                          </m:sSupPr>
+                          <m:e>
+                            <m:r>
+                              <a:rPr lang="en-US" sz="2800" b="0" i="1" dirty="0" smtClean="0">
+                                <a:latin typeface="Cambria Math" panose="02040503050406030204" pitchFamily="18" charset="0"/>
+                              </a:rPr>
+                              <m:t>𝐸</m:t>
+                            </m:r>
+                          </m:e>
+                          <m:sup>
+                            <m:r>
+                              <a:rPr lang="en-US" sz="2800" b="0" i="1" dirty="0" smtClean="0">
+                                <a:latin typeface="Cambria Math" panose="02040503050406030204" pitchFamily="18" charset="0"/>
+                              </a:rPr>
+                              <m:t>2</m:t>
+                            </m:r>
+                          </m:sup>
+                        </m:sSup>
+                        <m:r>
+                          <a:rPr lang="en-US" sz="2800" b="0" i="1" dirty="0" smtClean="0">
+                            <a:latin typeface="Cambria Math" panose="02040503050406030204" pitchFamily="18" charset="0"/>
+                          </a:rPr>
+                          <m:t>(</m:t>
+                        </m:r>
+                        <m:acc>
+                          <m:accPr>
+                            <m:chr m:val="̂"/>
+                            <m:ctrlPr>
+                              <a:rPr lang="en-US" sz="2800" i="1">
+                                <a:latin typeface="Cambria Math" panose="02040503050406030204" pitchFamily="18" charset="0"/>
+                              </a:rPr>
+                            </m:ctrlPr>
+                          </m:accPr>
+                          <m:e>
+                            <m:r>
+                              <a:rPr lang="en-US" sz="2800" i="1">
+                                <a:latin typeface="Cambria Math" panose="02040503050406030204" pitchFamily="18" charset="0"/>
+                              </a:rPr>
+                              <m:t>𝛽</m:t>
+                            </m:r>
+                          </m:e>
+                        </m:acc>
+                      </m:e>
+                      <m:sub>
+                        <m:r>
+                          <a:rPr lang="en-US" sz="2800" b="0" i="1" smtClean="0">
+                            <a:latin typeface="Cambria Math" panose="02040503050406030204" pitchFamily="18" charset="0"/>
+                          </a:rPr>
+                          <m:t>0</m:t>
+                        </m:r>
+                      </m:sub>
+                    </m:sSub>
+                    <m:r>
+                      <a:rPr lang="en-US" sz="2800" b="0" i="1" dirty="0" smtClean="0">
+                        <a:latin typeface="Cambria Math" panose="02040503050406030204" pitchFamily="18" charset="0"/>
+                      </a:rPr>
+                      <m:t>)=</m:t>
+                    </m:r>
+                  </m:oMath>
+                </a14:m>
+                <a:r>
+                  <a:rPr lang="en-US" sz="2800" dirty="0"/>
+                  <a:t> </a:t>
+                </a:r>
+                <a14:m>
+                  <m:oMath xmlns:m="http://schemas.openxmlformats.org/officeDocument/2006/math">
+                    <m:sSup>
+                      <m:sSupPr>
+                        <m:ctrlPr>
+                          <a:rPr lang="en-US" sz="2800" i="1" dirty="0">
+                            <a:latin typeface="Cambria Math" panose="02040503050406030204" pitchFamily="18" charset="0"/>
+                          </a:rPr>
+                        </m:ctrlPr>
+                      </m:sSupPr>
+                      <m:e>
+                        <m:r>
+                          <a:rPr lang="en-US" sz="2800" i="1" dirty="0">
+                            <a:latin typeface="Cambria Math" panose="02040503050406030204" pitchFamily="18" charset="0"/>
+                          </a:rPr>
+                          <m:t>𝜎</m:t>
+                        </m:r>
+                      </m:e>
+                      <m:sup>
+                        <m:r>
+                          <a:rPr lang="en-US" sz="2800" i="1" dirty="0">
+                            <a:latin typeface="Cambria Math" panose="02040503050406030204" pitchFamily="18" charset="0"/>
+                          </a:rPr>
+                          <m:t>2</m:t>
+                        </m:r>
+                      </m:sup>
+                    </m:sSup>
+                  </m:oMath>
+                </a14:m>
+                <a:r>
+                  <a:rPr lang="en-US" sz="2800" dirty="0"/>
+                  <a:t> [</a:t>
+                </a:r>
+                <a14:m>
+                  <m:oMath xmlns:m="http://schemas.openxmlformats.org/officeDocument/2006/math">
+                    <m:f>
+                      <m:fPr>
+                        <m:ctrlPr>
+                          <a:rPr lang="en-US" sz="2800" i="1" dirty="0" smtClean="0">
+                            <a:latin typeface="Cambria Math" panose="02040503050406030204" pitchFamily="18" charset="0"/>
+                          </a:rPr>
+                        </m:ctrlPr>
+                      </m:fPr>
+                      <m:num>
+                        <m:r>
+                          <a:rPr lang="en-US" sz="2800" b="0" i="1" dirty="0" smtClean="0">
+                            <a:latin typeface="Cambria Math" panose="02040503050406030204" pitchFamily="18" charset="0"/>
+                          </a:rPr>
+                          <m:t>1</m:t>
+                        </m:r>
+                      </m:num>
+                      <m:den>
+                        <m:r>
+                          <a:rPr lang="en-US" sz="2800" b="0" i="1" dirty="0" smtClean="0">
+                            <a:latin typeface="Cambria Math" panose="02040503050406030204" pitchFamily="18" charset="0"/>
+                          </a:rPr>
+                          <m:t>𝑛</m:t>
+                        </m:r>
+                      </m:den>
+                    </m:f>
+                    <m:r>
+                      <a:rPr lang="en-US" sz="2800" b="0" i="1" dirty="0" smtClean="0">
+                        <a:latin typeface="Cambria Math" panose="02040503050406030204" pitchFamily="18" charset="0"/>
+                      </a:rPr>
+                      <m:t>+</m:t>
+                    </m:r>
+                    <m:f>
+                      <m:fPr>
+                        <m:ctrlPr>
+                          <a:rPr lang="en-US" sz="2800" i="1" dirty="0">
+                            <a:latin typeface="Cambria Math" panose="02040503050406030204" pitchFamily="18" charset="0"/>
+                          </a:rPr>
+                        </m:ctrlPr>
+                      </m:fPr>
+                      <m:num>
+                        <m:sSup>
+                          <m:sSupPr>
+                            <m:ctrlPr>
+                              <a:rPr lang="en-US" sz="2800" b="0" i="1" dirty="0" smtClean="0">
+                                <a:latin typeface="Cambria Math" panose="02040503050406030204" pitchFamily="18" charset="0"/>
+                              </a:rPr>
+                            </m:ctrlPr>
+                          </m:sSupPr>
+                          <m:e>
+                            <m:bar>
+                              <m:barPr>
+                                <m:pos m:val="top"/>
+                                <m:ctrlPr>
+                                  <a:rPr lang="en-US" sz="2800" i="1" dirty="0">
+                                    <a:latin typeface="Cambria Math" panose="02040503050406030204" pitchFamily="18" charset="0"/>
+                                  </a:rPr>
+                                </m:ctrlPr>
+                              </m:barPr>
+                              <m:e>
+                                <m:r>
+                                  <a:rPr lang="en-US" sz="2800" i="1" dirty="0">
+                                    <a:latin typeface="Cambria Math" panose="02040503050406030204" pitchFamily="18" charset="0"/>
+                                  </a:rPr>
+                                  <m:t>𝑥</m:t>
+                                </m:r>
+                              </m:e>
+                            </m:bar>
+                          </m:e>
+                          <m:sup>
+                            <m:r>
+                              <a:rPr lang="en-US" sz="2800" b="0" i="1" dirty="0" smtClean="0">
+                                <a:latin typeface="Cambria Math" panose="02040503050406030204" pitchFamily="18" charset="0"/>
+                              </a:rPr>
+                              <m:t>2</m:t>
+                            </m:r>
+                          </m:sup>
+                        </m:sSup>
+                      </m:num>
+                      <m:den>
+                        <m:nary>
+                          <m:naryPr>
+                            <m:chr m:val="∑"/>
+                            <m:supHide m:val="on"/>
+                            <m:ctrlPr>
+                              <a:rPr lang="en-US" sz="2800" i="1" dirty="0">
+                                <a:latin typeface="Cambria Math" panose="02040503050406030204" pitchFamily="18" charset="0"/>
+                              </a:rPr>
+                            </m:ctrlPr>
+                          </m:naryPr>
+                          <m:sub>
+                            <m:r>
+                              <a:rPr lang="en-US" sz="2800" i="1" dirty="0">
+                                <a:latin typeface="Cambria Math" panose="02040503050406030204" pitchFamily="18" charset="0"/>
+                              </a:rPr>
+                              <m:t>𝑖</m:t>
+                            </m:r>
+                          </m:sub>
+                          <m:sup/>
+                          <m:e>
+                            <m:sSup>
+                              <m:sSupPr>
+                                <m:ctrlPr>
+                                  <a:rPr lang="en-US" sz="2800" i="1" dirty="0">
+                                    <a:latin typeface="Cambria Math" panose="02040503050406030204" pitchFamily="18" charset="0"/>
+                                  </a:rPr>
+                                </m:ctrlPr>
+                              </m:sSupPr>
+                              <m:e>
+                                <m:d>
+                                  <m:dPr>
+                                    <m:ctrlPr>
+                                      <a:rPr lang="en-US" sz="2800" i="1" dirty="0">
+                                        <a:latin typeface="Cambria Math" panose="02040503050406030204" pitchFamily="18" charset="0"/>
+                                      </a:rPr>
+                                    </m:ctrlPr>
+                                  </m:dPr>
+                                  <m:e>
+                                    <m:sSub>
+                                      <m:sSubPr>
+                                        <m:ctrlPr>
+                                          <a:rPr lang="en-US" sz="2800" i="1" dirty="0">
+                                            <a:latin typeface="Cambria Math" panose="02040503050406030204" pitchFamily="18" charset="0"/>
+                                          </a:rPr>
+                                        </m:ctrlPr>
+                                      </m:sSubPr>
+                                      <m:e>
+                                        <m:r>
+                                          <a:rPr lang="en-US" sz="2800" i="1" dirty="0">
+                                            <a:latin typeface="Cambria Math" panose="02040503050406030204" pitchFamily="18" charset="0"/>
+                                          </a:rPr>
+                                          <m:t>𝑥</m:t>
+                                        </m:r>
+                                      </m:e>
+                                      <m:sub>
+                                        <m:r>
+                                          <a:rPr lang="en-US" sz="2800" i="1" dirty="0">
+                                            <a:latin typeface="Cambria Math" panose="02040503050406030204" pitchFamily="18" charset="0"/>
+                                          </a:rPr>
+                                          <m:t>𝑖</m:t>
+                                        </m:r>
+                                      </m:sub>
+                                    </m:sSub>
+                                    <m:r>
+                                      <a:rPr lang="en-US" sz="2800" i="1" dirty="0">
+                                        <a:latin typeface="Cambria Math" panose="02040503050406030204" pitchFamily="18" charset="0"/>
+                                      </a:rPr>
+                                      <m:t>−</m:t>
+                                    </m:r>
+                                    <m:bar>
+                                      <m:barPr>
+                                        <m:pos m:val="top"/>
+                                        <m:ctrlPr>
+                                          <a:rPr lang="en-US" sz="2800" i="1" dirty="0">
+                                            <a:latin typeface="Cambria Math" panose="02040503050406030204" pitchFamily="18" charset="0"/>
+                                          </a:rPr>
+                                        </m:ctrlPr>
+                                      </m:barPr>
+                                      <m:e>
+                                        <m:r>
+                                          <a:rPr lang="en-US" sz="2800" i="1" dirty="0">
+                                            <a:latin typeface="Cambria Math" panose="02040503050406030204" pitchFamily="18" charset="0"/>
+                                          </a:rPr>
+                                          <m:t>𝑥</m:t>
+                                        </m:r>
+                                      </m:e>
+                                    </m:bar>
+                                  </m:e>
+                                </m:d>
+                              </m:e>
+                              <m:sup>
+                                <m:r>
+                                  <a:rPr lang="en-US" sz="2800" i="1" dirty="0">
+                                    <a:latin typeface="Cambria Math" panose="02040503050406030204" pitchFamily="18" charset="0"/>
+                                  </a:rPr>
+                                  <m:t>2</m:t>
+                                </m:r>
+                              </m:sup>
+                            </m:sSup>
+                          </m:e>
+                        </m:nary>
+                      </m:den>
+                    </m:f>
+                  </m:oMath>
+                </a14:m>
+                <a:r>
+                  <a:rPr lang="en-US" sz="2800" dirty="0"/>
+                  <a:t>]</a:t>
+                </a:r>
+              </a:p>
+            </p:txBody>
+          </p:sp>
+        </mc:Choice>
+        <mc:Fallback xmlns="">
+          <p:sp>
+            <p:nvSpPr>
+              <p:cNvPr id="10" name="TextBox 9">
+                <a:extLst>
+                  <a:ext uri="{FF2B5EF4-FFF2-40B4-BE49-F238E27FC236}">
+                    <a16:creationId xmlns:a16="http://schemas.microsoft.com/office/drawing/2014/main" id="{8E52DC3F-B6AA-8143-9BCF-6ABDFE4CA10F}"/>
+                  </a:ext>
+                </a:extLst>
+              </p:cNvPr>
+              <p:cNvSpPr txBox="1">
+                <a:spLocks noRot="1" noChangeAspect="1" noMove="1" noResize="1" noEditPoints="1" noAdjustHandles="1" noChangeArrowheads="1" noChangeShapeType="1" noTextEdit="1"/>
+              </p:cNvSpPr>
+              <p:nvPr/>
+            </p:nvSpPr>
+            <p:spPr>
+              <a:xfrm>
+                <a:off x="5455920" y="3068948"/>
+                <a:ext cx="5181600" cy="903004"/>
+              </a:xfrm>
+              <a:prstGeom prst="rect">
+                <a:avLst/>
+              </a:prstGeom>
+              <a:blipFill>
+                <a:blip r:embed="rId5"/>
+                <a:stretch>
+                  <a:fillRect l="-489" b="-76389"/>
+                </a:stretch>
+              </a:blipFill>
+            </p:spPr>
+            <p:txBody>
+              <a:bodyPr/>
+              <a:lstStyle/>
+              <a:p>
+                <a:r>
+                  <a:rPr lang="en-US">
+                    <a:noFill/>
+                  </a:rPr>
+                  <a:t> </a:t>
+                </a:r>
+              </a:p>
+            </p:txBody>
+          </p:sp>
+        </mc:Fallback>
+      </mc:AlternateContent>
+      <mc:AlternateContent xmlns:mc="http://schemas.openxmlformats.org/markup-compatibility/2006" xmlns:a14="http://schemas.microsoft.com/office/drawing/2010/main">
+        <mc:Choice Requires="a14">
+          <p:sp>
+            <p:nvSpPr>
+              <p:cNvPr id="11" name="TextBox 10">
+                <a:extLst>
+                  <a:ext uri="{FF2B5EF4-FFF2-40B4-BE49-F238E27FC236}">
+                    <a16:creationId xmlns:a16="http://schemas.microsoft.com/office/drawing/2014/main" id="{C64E53DB-C59A-204B-9685-51B3A8EEA42F}"/>
+                  </a:ext>
+                </a:extLst>
+              </p:cNvPr>
+              <p:cNvSpPr txBox="1"/>
+              <p:nvPr/>
+            </p:nvSpPr>
+            <p:spPr>
+              <a:xfrm>
+                <a:off x="1021080" y="4376736"/>
+                <a:ext cx="3307080" cy="523220"/>
+              </a:xfrm>
+              <a:prstGeom prst="rect">
+                <a:avLst/>
+              </a:prstGeom>
+              <a:noFill/>
+            </p:spPr>
+            <p:txBody>
+              <a:bodyPr wrap="square">
+                <a:spAutoFit/>
+              </a:bodyPr>
+              <a:lstStyle/>
+              <a:p>
                 <a:pPr/>
+                <a14:m>
+                  <m:oMathPara xmlns:m="http://schemas.openxmlformats.org/officeDocument/2006/math">
+                    <m:oMathParaPr>
+                      <m:jc m:val="centerGroup"/>
+                    </m:oMathParaPr>
+                    <m:oMath xmlns:m="http://schemas.openxmlformats.org/officeDocument/2006/math">
+                      <m:sSup>
+                        <m:sSupPr>
+                          <m:ctrlPr>
+                            <a:rPr lang="en-US" sz="2800" b="0" i="1" dirty="0" smtClean="0">
+                              <a:latin typeface="Cambria Math" panose="02040503050406030204" pitchFamily="18" charset="0"/>
+                            </a:rPr>
+                          </m:ctrlPr>
+                        </m:sSupPr>
+                        <m:e>
+                          <m:r>
+                            <a:rPr lang="en-US" sz="2800" b="0" i="1" dirty="0" smtClean="0">
+                              <a:latin typeface="Cambria Math" panose="02040503050406030204" pitchFamily="18" charset="0"/>
+                            </a:rPr>
+                            <m:t>𝜎</m:t>
+                          </m:r>
+                        </m:e>
+                        <m:sup>
+                          <m:r>
+                            <a:rPr lang="en-US" sz="2800" b="0" i="1" dirty="0" smtClean="0">
+                              <a:latin typeface="Cambria Math" panose="02040503050406030204" pitchFamily="18" charset="0"/>
+                            </a:rPr>
+                            <m:t>2</m:t>
+                          </m:r>
+                        </m:sup>
+                      </m:sSup>
+                      <m:r>
+                        <a:rPr lang="en-US" sz="2800" b="0" i="1" dirty="0" smtClean="0">
+                          <a:latin typeface="Cambria Math" panose="02040503050406030204" pitchFamily="18" charset="0"/>
+                        </a:rPr>
+                        <m:t>=</m:t>
+                      </m:r>
+                      <m:r>
+                        <a:rPr lang="en-US" sz="2800" b="0" i="1" dirty="0" smtClean="0">
+                          <a:latin typeface="Cambria Math" panose="02040503050406030204" pitchFamily="18" charset="0"/>
+                        </a:rPr>
+                        <m:t>𝑉𝑎𝑟</m:t>
+                      </m:r>
+                      <m:r>
+                        <a:rPr lang="en-US" sz="2800" b="0" i="1" dirty="0" smtClean="0">
+                          <a:latin typeface="Cambria Math" panose="02040503050406030204" pitchFamily="18" charset="0"/>
+                        </a:rPr>
+                        <m:t>(</m:t>
+                      </m:r>
+                      <m:r>
+                        <a:rPr lang="en-US" sz="2800" b="0" i="1" dirty="0" smtClean="0">
+                          <a:latin typeface="Cambria Math" panose="02040503050406030204" pitchFamily="18" charset="0"/>
+                        </a:rPr>
+                        <m:t>𝜖</m:t>
+                      </m:r>
+                      <m:r>
+                        <a:rPr lang="en-US" sz="2800" b="0" i="1" dirty="0" smtClean="0">
+                          <a:latin typeface="Cambria Math" panose="02040503050406030204" pitchFamily="18" charset="0"/>
+                        </a:rPr>
+                        <m:t>)</m:t>
+                      </m:r>
+                    </m:oMath>
+                  </m:oMathPara>
+                </a14:m>
+                <a:endParaRPr lang="en-US" sz="2800" dirty="0"/>
+              </a:p>
+            </p:txBody>
+          </p:sp>
+        </mc:Choice>
+        <mc:Fallback xmlns="">
+          <p:sp>
+            <p:nvSpPr>
+              <p:cNvPr id="11" name="TextBox 10">
+                <a:extLst>
+                  <a:ext uri="{FF2B5EF4-FFF2-40B4-BE49-F238E27FC236}">
+                    <a16:creationId xmlns:a16="http://schemas.microsoft.com/office/drawing/2014/main" id="{C64E53DB-C59A-204B-9685-51B3A8EEA42F}"/>
+                  </a:ext>
+                </a:extLst>
+              </p:cNvPr>
+              <p:cNvSpPr txBox="1">
+                <a:spLocks noRot="1" noChangeAspect="1" noMove="1" noResize="1" noEditPoints="1" noAdjustHandles="1" noChangeArrowheads="1" noChangeShapeType="1" noTextEdit="1"/>
+              </p:cNvSpPr>
+              <p:nvPr/>
+            </p:nvSpPr>
+            <p:spPr>
+              <a:xfrm>
+                <a:off x="1021080" y="4376736"/>
+                <a:ext cx="3307080" cy="523220"/>
+              </a:xfrm>
+              <a:prstGeom prst="rect">
+                <a:avLst/>
+              </a:prstGeom>
+              <a:blipFill>
+                <a:blip r:embed="rId6"/>
+                <a:stretch>
+                  <a:fillRect b="-19048"/>
+                </a:stretch>
+              </a:blipFill>
+            </p:spPr>
+            <p:txBody>
+              <a:bodyPr/>
+              <a:lstStyle/>
+              <a:p>
+                <a:r>
+                  <a:rPr lang="en-US">
+                    <a:noFill/>
+                  </a:rPr>
+                  <a:t> </a:t>
+                </a:r>
+              </a:p>
+            </p:txBody>
+          </p:sp>
+        </mc:Fallback>
+      </mc:AlternateContent>
+      <p:sp>
+        <p:nvSpPr>
+          <p:cNvPr id="3" name="TextBox 2">
+            <a:extLst>
+              <a:ext uri="{FF2B5EF4-FFF2-40B4-BE49-F238E27FC236}">
+                <a16:creationId xmlns:a16="http://schemas.microsoft.com/office/drawing/2014/main" id="{431B40CB-C1D5-EC5F-3788-8AF7166BABE9}"/>
+              </a:ext>
+            </a:extLst>
+          </p:cNvPr>
+          <p:cNvSpPr txBox="1"/>
+          <p:nvPr/>
+        </p:nvSpPr>
+        <p:spPr>
+          <a:xfrm>
+            <a:off x="838200" y="5202323"/>
+            <a:ext cx="10515600" cy="523220"/>
+          </a:xfrm>
+          <a:prstGeom prst="rect">
+            <a:avLst/>
+          </a:prstGeom>
+          <a:noFill/>
+        </p:spPr>
+        <p:txBody>
+          <a:bodyPr wrap="square">
+            <a:spAutoFit/>
+          </a:bodyPr>
+          <a:lstStyle/>
+          <a:p>
+            <a:r>
+              <a:rPr lang="en-US" sz="2800" b="0" dirty="0"/>
+              <a:t>What if we have a lot of training data samp</a:t>
+            </a:r>
+            <a:r>
+              <a:rPr lang="en-US" sz="2800" dirty="0"/>
+              <a:t>les?</a:t>
+            </a:r>
+          </a:p>
+        </p:txBody>
+      </p:sp>
+    </p:spTree>
+    <p:extLst>
+      <p:ext uri="{BB962C8B-B14F-4D97-AF65-F5344CB8AC3E}">
+        <p14:creationId xmlns:p14="http://schemas.microsoft.com/office/powerpoint/2010/main" val="586257853"/>
+      </p:ext>
+    </p:extLst>
+  </p:cSld>
+  <p:clrMapOvr>
+    <a:masterClrMapping/>
+  </p:clrMapOvr>
+</p:sld>
+</file>
+
+<file path=ppt/slides/slide12.xml><?xml version="1.0" encoding="utf-8"?>
+<p:sld xmlns:a="http://schemas.openxmlformats.org/drawingml/2006/main" xmlns:r="http://schemas.openxmlformats.org/officeDocument/2006/relationships" xmlns:p="http://schemas.openxmlformats.org/presentationml/2006/main">
+  <p:cSld>
+    <p:spTree>
+      <p:nvGrpSpPr>
+        <p:cNvPr id="1" name=""/>
+        <p:cNvGrpSpPr/>
+        <p:nvPr/>
+      </p:nvGrpSpPr>
+      <p:grpSpPr>
+        <a:xfrm>
+          <a:off x="0" y="0"/>
+          <a:ext cx="0" cy="0"/>
+          <a:chOff x="0" y="0"/>
+          <a:chExt cx="0" cy="0"/>
+        </a:xfrm>
+      </p:grpSpPr>
+      <p:sp>
+        <p:nvSpPr>
+          <p:cNvPr id="2" name="Title 1"/>
+          <p:cNvSpPr>
+            <a:spLocks noGrp="1"/>
+          </p:cNvSpPr>
+          <p:nvPr>
+            <p:ph type="title"/>
+          </p:nvPr>
+        </p:nvSpPr>
+        <p:spPr>
+          <a:xfrm>
+            <a:off x="838200" y="365126"/>
+            <a:ext cx="10515600" cy="981894"/>
+          </a:xfrm>
+        </p:spPr>
+        <p:txBody>
+          <a:bodyPr>
+            <a:normAutofit/>
+          </a:bodyPr>
+          <a:lstStyle/>
+          <a:p>
+            <a:r>
+              <a:rPr lang="en-US" dirty="0"/>
+              <a:t>Analyzing Least Squares Method</a:t>
+            </a:r>
+          </a:p>
+        </p:txBody>
+      </p:sp>
+      <p:sp>
+        <p:nvSpPr>
+          <p:cNvPr id="8" name="TextBox 7">
+            <a:extLst>
+              <a:ext uri="{FF2B5EF4-FFF2-40B4-BE49-F238E27FC236}">
+                <a16:creationId xmlns:a16="http://schemas.microsoft.com/office/drawing/2014/main" id="{099A7ED8-73D5-9A40-A9DE-A26FA654736F}"/>
+              </a:ext>
+            </a:extLst>
+          </p:cNvPr>
+          <p:cNvSpPr txBox="1"/>
+          <p:nvPr/>
+        </p:nvSpPr>
+        <p:spPr>
+          <a:xfrm>
+            <a:off x="838200" y="1666836"/>
+            <a:ext cx="10515600" cy="523220"/>
+          </a:xfrm>
+          <a:prstGeom prst="rect">
+            <a:avLst/>
+          </a:prstGeom>
+          <a:noFill/>
+        </p:spPr>
+        <p:txBody>
+          <a:bodyPr wrap="square">
+            <a:spAutoFit/>
+          </a:bodyPr>
+          <a:lstStyle/>
+          <a:p>
+            <a:r>
+              <a:rPr lang="en-US" sz="2800" b="0" dirty="0"/>
+              <a:t>If we have a lot of training samp</a:t>
+            </a:r>
+            <a:r>
+              <a:rPr lang="en-US" sz="2800" dirty="0"/>
+              <a:t>les</a:t>
+            </a:r>
+          </a:p>
+        </p:txBody>
+      </p:sp>
+      <mc:AlternateContent xmlns:mc="http://schemas.openxmlformats.org/markup-compatibility/2006">
+        <mc:Choice xmlns:a14="http://schemas.microsoft.com/office/drawing/2010/main" Requires="a14">
+          <p:sp>
+            <p:nvSpPr>
+              <p:cNvPr id="9" name="TextBox 8">
+                <a:extLst>
+                  <a:ext uri="{FF2B5EF4-FFF2-40B4-BE49-F238E27FC236}">
+                    <a16:creationId xmlns:a16="http://schemas.microsoft.com/office/drawing/2014/main" id="{D9EFD508-C1AA-024C-99F8-CE8E543B2A56}"/>
+                  </a:ext>
+                </a:extLst>
+              </p:cNvPr>
+              <p:cNvSpPr txBox="1"/>
+              <p:nvPr/>
+            </p:nvSpPr>
+            <p:spPr>
+              <a:xfrm>
+                <a:off x="1538981" y="2669729"/>
+                <a:ext cx="3307080" cy="848822"/>
+              </a:xfrm>
+              <a:prstGeom prst="rect">
+                <a:avLst/>
+              </a:prstGeom>
+              <a:noFill/>
+            </p:spPr>
+            <p:txBody>
+              <a:bodyPr wrap="square">
+                <a:spAutoFit/>
+              </a:bodyPr>
+              <a:lstStyle/>
+              <a:p>
                 <a14:m>
                   <m:oMath xmlns:m="http://schemas.openxmlformats.org/officeDocument/2006/math">
                     <m:sSub>
@@ -4994,16 +7760,16 @@
             </p:nvSpPr>
             <p:spPr>
               <a:xfrm>
-                <a:off x="1554480" y="3004589"/>
+                <a:off x="1538981" y="2669729"/>
                 <a:ext cx="3307080" cy="848822"/>
               </a:xfrm>
               <a:prstGeom prst="rect">
                 <a:avLst/>
               </a:prstGeom>
               <a:blipFill>
-                <a:blip r:embed="rId4"/>
+                <a:blip r:embed="rId3"/>
                 <a:stretch>
-                  <a:fillRect l="-763" t="-5882" b="-80882"/>
+                  <a:fillRect l="-763" t="-7463" b="-83582"/>
                 </a:stretch>
               </a:blipFill>
             </p:spPr>
@@ -5038,7 +7804,7 @@
             </p:nvSpPr>
             <p:spPr>
               <a:xfrm>
-                <a:off x="5455920" y="3068948"/>
+                <a:off x="5440167" y="2615547"/>
                 <a:ext cx="5181600" cy="903004"/>
               </a:xfrm>
               <a:prstGeom prst="rect">
@@ -5052,7 +7818,6 @@
               </a:bodyPr>
               <a:lstStyle/>
               <a:p>
-                <a:pPr/>
                 <a14:m>
                   <m:oMath xmlns:m="http://schemas.openxmlformats.org/officeDocument/2006/math">
                     <m:sSub>
@@ -5385,16 +8150,16 @@
             </p:nvSpPr>
             <p:spPr>
               <a:xfrm>
-                <a:off x="5455920" y="3068948"/>
+                <a:off x="5440167" y="2615547"/>
                 <a:ext cx="5181600" cy="903004"/>
               </a:xfrm>
               <a:prstGeom prst="rect">
                 <a:avLst/>
               </a:prstGeom>
               <a:blipFill>
-                <a:blip r:embed="rId5"/>
+                <a:blip r:embed="rId4"/>
                 <a:stretch>
-                  <a:fillRect l="-489" b="-76389"/>
+                  <a:fillRect l="-733" b="-77778"/>
                 </a:stretch>
               </a:blipFill>
             </p:spPr>
@@ -5429,7 +8194,7 @@
             </p:nvSpPr>
             <p:spPr>
               <a:xfrm>
-                <a:off x="1021080" y="4376736"/>
+                <a:off x="954179" y="3959095"/>
                 <a:ext cx="3307080" cy="523220"/>
               </a:xfrm>
               <a:prstGeom prst="rect">
@@ -5530,8 +8295,210 @@
             </p:nvSpPr>
             <p:spPr>
               <a:xfrm>
-                <a:off x="1021080" y="4376736"/>
+                <a:off x="954179" y="3959095"/>
                 <a:ext cx="3307080" cy="523220"/>
+              </a:xfrm>
+              <a:prstGeom prst="rect">
+                <a:avLst/>
+              </a:prstGeom>
+              <a:blipFill>
+                <a:blip r:embed="rId5"/>
+                <a:stretch>
+                  <a:fillRect b="-19048"/>
+                </a:stretch>
+              </a:blipFill>
+            </p:spPr>
+            <p:txBody>
+              <a:bodyPr/>
+              <a:lstStyle/>
+              <a:p>
+                <a:r>
+                  <a:rPr lang="en-US">
+                    <a:noFill/>
+                  </a:rPr>
+                  <a:t> </a:t>
+                </a:r>
+              </a:p>
+            </p:txBody>
+          </p:sp>
+        </mc:Fallback>
+      </mc:AlternateContent>
+      <mc:AlternateContent xmlns:mc="http://schemas.openxmlformats.org/markup-compatibility/2006">
+        <mc:Choice xmlns:a14="http://schemas.microsoft.com/office/drawing/2010/main" Requires="a14">
+          <p:sp>
+            <p:nvSpPr>
+              <p:cNvPr id="3" name="TextBox 2">
+                <a:extLst>
+                  <a:ext uri="{FF2B5EF4-FFF2-40B4-BE49-F238E27FC236}">
+                    <a16:creationId xmlns:a16="http://schemas.microsoft.com/office/drawing/2014/main" id="{431B40CB-C1D5-EC5F-3788-8AF7166BABE9}"/>
+                  </a:ext>
+                </a:extLst>
+              </p:cNvPr>
+              <p:cNvSpPr txBox="1"/>
+              <p:nvPr/>
+            </p:nvSpPr>
+            <p:spPr>
+              <a:xfrm>
+                <a:off x="838200" y="5019722"/>
+                <a:ext cx="10641525" cy="581121"/>
+              </a:xfrm>
+              <a:prstGeom prst="rect">
+                <a:avLst/>
+              </a:prstGeom>
+              <a:noFill/>
+            </p:spPr>
+            <p:txBody>
+              <a:bodyPr wrap="square">
+                <a:spAutoFit/>
+              </a:bodyPr>
+              <a:lstStyle/>
+              <a:p>
+                <a:pPr/>
+                <a14:m>
+                  <m:oMath xmlns:m="http://schemas.openxmlformats.org/officeDocument/2006/math">
+                    <m:acc>
+                      <m:accPr>
+                        <m:chr m:val="̂"/>
+                        <m:ctrlPr>
+                          <a:rPr lang="en-US" sz="2800" b="0" i="1" dirty="0" smtClean="0">
+                            <a:latin typeface="Cambria Math" panose="02040503050406030204" pitchFamily="18" charset="0"/>
+                          </a:rPr>
+                        </m:ctrlPr>
+                      </m:accPr>
+                      <m:e>
+                        <m:r>
+                          <a:rPr lang="en-US" sz="2800" b="0" i="1" dirty="0" smtClean="0">
+                            <a:latin typeface="Cambria Math" panose="02040503050406030204" pitchFamily="18" charset="0"/>
+                          </a:rPr>
+                          <m:t>𝛽</m:t>
+                        </m:r>
+                      </m:e>
+                    </m:acc>
+                    <m:r>
+                      <a:rPr lang="en-US" sz="2800" b="0" i="1" dirty="0" smtClean="0">
+                        <a:latin typeface="Cambria Math" panose="02040503050406030204" pitchFamily="18" charset="0"/>
+                      </a:rPr>
+                      <m:t>∼</m:t>
+                    </m:r>
+                    <m:r>
+                      <a:rPr lang="en-US" sz="2800" b="0" i="1" dirty="0" smtClean="0">
+                        <a:latin typeface="Cambria Math" panose="02040503050406030204" pitchFamily="18" charset="0"/>
+                      </a:rPr>
+                      <m:t>𝑁</m:t>
+                    </m:r>
+                    <m:r>
+                      <a:rPr lang="en-US" sz="2800" b="0" i="1" dirty="0" smtClean="0">
+                        <a:latin typeface="Cambria Math" panose="02040503050406030204" pitchFamily="18" charset="0"/>
+                      </a:rPr>
+                      <m:t>(</m:t>
+                    </m:r>
+                    <m:r>
+                      <a:rPr lang="en-US" sz="2800" b="0" i="1" dirty="0" smtClean="0">
+                        <a:latin typeface="Cambria Math" panose="02040503050406030204" pitchFamily="18" charset="0"/>
+                      </a:rPr>
+                      <m:t>𝛽</m:t>
+                    </m:r>
+                    <m:r>
+                      <a:rPr lang="en-US" sz="2800" b="0" i="1" dirty="0" smtClean="0">
+                        <a:latin typeface="Cambria Math" panose="02040503050406030204" pitchFamily="18" charset="0"/>
+                      </a:rPr>
+                      <m:t>, </m:t>
+                    </m:r>
+                    <m:r>
+                      <a:rPr lang="en-US" sz="2800" b="0" i="1" dirty="0" smtClean="0">
+                        <a:latin typeface="Cambria Math" panose="02040503050406030204" pitchFamily="18" charset="0"/>
+                      </a:rPr>
+                      <m:t>𝑆</m:t>
+                    </m:r>
+                    <m:sSup>
+                      <m:sSupPr>
+                        <m:ctrlPr>
+                          <a:rPr lang="en-US" sz="2800" b="0" i="1" dirty="0" smtClean="0">
+                            <a:latin typeface="Cambria Math" panose="02040503050406030204" pitchFamily="18" charset="0"/>
+                          </a:rPr>
+                        </m:ctrlPr>
+                      </m:sSupPr>
+                      <m:e>
+                        <m:r>
+                          <a:rPr lang="en-US" sz="2800" b="0" i="1" dirty="0" smtClean="0">
+                            <a:latin typeface="Cambria Math" panose="02040503050406030204" pitchFamily="18" charset="0"/>
+                          </a:rPr>
+                          <m:t>𝐸</m:t>
+                        </m:r>
+                      </m:e>
+                      <m:sup>
+                        <m:r>
+                          <a:rPr lang="en-US" sz="2800" b="0" i="1" dirty="0" smtClean="0">
+                            <a:latin typeface="Cambria Math" panose="02040503050406030204" pitchFamily="18" charset="0"/>
+                          </a:rPr>
+                          <m:t>2</m:t>
+                        </m:r>
+                      </m:sup>
+                    </m:sSup>
+                    <m:d>
+                      <m:dPr>
+                        <m:ctrlPr>
+                          <a:rPr lang="en-US" sz="2800" b="0" i="1" dirty="0" smtClean="0">
+                            <a:latin typeface="Cambria Math" panose="02040503050406030204" pitchFamily="18" charset="0"/>
+                          </a:rPr>
+                        </m:ctrlPr>
+                      </m:dPr>
+                      <m:e>
+                        <m:acc>
+                          <m:accPr>
+                            <m:chr m:val="̂"/>
+                            <m:ctrlPr>
+                              <a:rPr lang="en-US" sz="2800" i="1" dirty="0">
+                                <a:latin typeface="Cambria Math" panose="02040503050406030204" pitchFamily="18" charset="0"/>
+                              </a:rPr>
+                            </m:ctrlPr>
+                          </m:accPr>
+                          <m:e>
+                            <m:r>
+                              <a:rPr lang="en-US" sz="2800" i="1" dirty="0">
+                                <a:latin typeface="Cambria Math" panose="02040503050406030204" pitchFamily="18" charset="0"/>
+                              </a:rPr>
+                              <m:t>𝛽</m:t>
+                            </m:r>
+                          </m:e>
+                        </m:acc>
+                      </m:e>
+                    </m:d>
+                    <m:r>
+                      <a:rPr lang="en-US" sz="2800" b="0" i="1" dirty="0" smtClean="0">
+                        <a:latin typeface="Cambria Math" panose="02040503050406030204" pitchFamily="18" charset="0"/>
+                      </a:rPr>
+                      <m:t>)</m:t>
+                    </m:r>
+                  </m:oMath>
+                </a14:m>
+                <a:r>
+                  <a:rPr lang="en-US" sz="2800" dirty="0"/>
+                  <a:t>   Why Gaussian distribution?</a:t>
+                </a:r>
+              </a:p>
+            </p:txBody>
+          </p:sp>
+        </mc:Choice>
+        <mc:Fallback>
+          <p:sp>
+            <p:nvSpPr>
+              <p:cNvPr id="3" name="TextBox 2">
+                <a:extLst>
+                  <a:ext uri="{FF2B5EF4-FFF2-40B4-BE49-F238E27FC236}">
+                    <a16:creationId xmlns:a16="http://schemas.microsoft.com/office/drawing/2014/main" id="{431B40CB-C1D5-EC5F-3788-8AF7166BABE9}"/>
+                  </a:ext>
+                </a:extLst>
+              </p:cNvPr>
+              <p:cNvSpPr txBox="1">
+                <a:spLocks noRot="1" noChangeAspect="1" noMove="1" noResize="1" noEditPoints="1" noAdjustHandles="1" noChangeArrowheads="1" noChangeShapeType="1" noTextEdit="1"/>
+              </p:cNvSpPr>
+              <p:nvPr/>
+            </p:nvSpPr>
+            <p:spPr>
+              <a:xfrm>
+                <a:off x="838200" y="5019722"/>
+                <a:ext cx="10641525" cy="581121"/>
               </a:xfrm>
               <a:prstGeom prst="rect">
                 <a:avLst/>
@@ -5539,7 +8506,7 @@
               <a:blipFill>
                 <a:blip r:embed="rId6"/>
                 <a:stretch>
-                  <a:fillRect b="-19048"/>
+                  <a:fillRect l="-716" t="-6383" b="-23404"/>
                 </a:stretch>
               </a:blipFill>
             </p:spPr>
@@ -5561,7 +8528,7 @@
     </p:spTree>
     <p:extLst>
       <p:ext uri="{BB962C8B-B14F-4D97-AF65-F5344CB8AC3E}">
-        <p14:creationId xmlns:p14="http://schemas.microsoft.com/office/powerpoint/2010/main" val="586257853"/>
+        <p14:creationId xmlns:p14="http://schemas.microsoft.com/office/powerpoint/2010/main" val="1889319851"/>
       </p:ext>
     </p:extLst>
   </p:cSld>
@@ -5571,7 +8538,7 @@
 </p:sld>
 </file>
 
-<file path=ppt/slides/slide11.xml><?xml version="1.0" encoding="utf-8"?>
+<file path=ppt/slides/slide13.xml><?xml version="1.0" encoding="utf-8"?>
 <p:sld xmlns:a="http://schemas.openxmlformats.org/drawingml/2006/main" xmlns:r="http://schemas.openxmlformats.org/officeDocument/2006/relationships" xmlns:p="http://schemas.openxmlformats.org/presentationml/2006/main">
   <p:cSld>
     <p:spTree>
@@ -5631,7 +8598,7 @@
         </p:nvSpPr>
         <p:spPr>
           <a:xfrm>
-            <a:off x="838200" y="1920231"/>
+            <a:off x="838200" y="2865628"/>
             <a:ext cx="10515600" cy="954107"/>
           </a:xfrm>
           <a:prstGeom prst="rect">
@@ -5669,8 +8636,8 @@
             </p:nvSpPr>
             <p:spPr>
               <a:xfrm>
-                <a:off x="2819400" y="3404543"/>
-                <a:ext cx="5577840" cy="523220"/>
+                <a:off x="2819400" y="4349940"/>
+                <a:ext cx="5577840" cy="581121"/>
               </a:xfrm>
               <a:prstGeom prst="rect">
                 <a:avLst/>
@@ -5696,12 +8663,24 @@
                         </a:rPr>
                         <m:t>[</m:t>
                       </m:r>
-                      <m:r>
-                        <a:rPr lang="en-US" sz="2800" b="0" i="1" dirty="0" smtClean="0">
-                          <a:latin typeface="Cambria Math" panose="02040503050406030204" pitchFamily="18" charset="0"/>
-                        </a:rPr>
-                        <m:t>𝛽</m:t>
-                      </m:r>
+                      <m:acc>
+                        <m:accPr>
+                          <m:chr m:val="̂"/>
+                          <m:ctrlPr>
+                            <a:rPr lang="en-US" sz="2800" b="0" i="1" dirty="0" smtClean="0">
+                              <a:latin typeface="Cambria Math" panose="02040503050406030204" pitchFamily="18" charset="0"/>
+                            </a:rPr>
+                          </m:ctrlPr>
+                        </m:accPr>
+                        <m:e>
+                          <m:r>
+                            <a:rPr lang="en-US" sz="2800" b="0" i="1" dirty="0" smtClean="0">
+                              <a:latin typeface="Cambria Math" panose="02040503050406030204" pitchFamily="18" charset="0"/>
+                            </a:rPr>
+                            <m:t>𝛽</m:t>
+                          </m:r>
+                        </m:e>
+                      </m:acc>
                       <m:r>
                         <a:rPr lang="en-US" sz="2800" b="0" i="1" dirty="0" smtClean="0">
                           <a:latin typeface="Cambria Math" panose="02040503050406030204" pitchFamily="18" charset="0"/>
@@ -5723,52 +8702,88 @@
                           </m:ctrlPr>
                         </m:dPr>
                         <m:e>
-                          <m:r>
-                            <a:rPr lang="en-US" sz="2800" b="0" i="1" dirty="0" smtClean="0">
-                              <a:latin typeface="Cambria Math" panose="02040503050406030204" pitchFamily="18" charset="0"/>
-                            </a:rPr>
-                            <m:t>𝛽</m:t>
-                          </m:r>
+                          <m:acc>
+                            <m:accPr>
+                              <m:chr m:val="̂"/>
+                              <m:ctrlPr>
+                                <a:rPr lang="en-US" sz="2800" i="1" dirty="0">
+                                  <a:latin typeface="Cambria Math" panose="02040503050406030204" pitchFamily="18" charset="0"/>
+                                </a:rPr>
+                              </m:ctrlPr>
+                            </m:accPr>
+                            <m:e>
+                              <m:r>
+                                <a:rPr lang="en-US" sz="2800" i="1" dirty="0">
+                                  <a:latin typeface="Cambria Math" panose="02040503050406030204" pitchFamily="18" charset="0"/>
+                                </a:rPr>
+                                <m:t>𝛽</m:t>
+                              </m:r>
+                            </m:e>
+                          </m:acc>
                         </m:e>
                       </m:d>
                       <m:r>
                         <a:rPr lang="en-US" sz="2800" b="0" i="1" dirty="0" smtClean="0">
                           <a:latin typeface="Cambria Math" panose="02040503050406030204" pitchFamily="18" charset="0"/>
                         </a:rPr>
-                        <m:t>, </m:t>
+                        <m:t>,</m:t>
                       </m:r>
+                      <m:acc>
+                        <m:accPr>
+                          <m:chr m:val="̂"/>
+                          <m:ctrlPr>
+                            <a:rPr lang="en-US" sz="2800" i="1" dirty="0">
+                              <a:latin typeface="Cambria Math" panose="02040503050406030204" pitchFamily="18" charset="0"/>
+                            </a:rPr>
+                          </m:ctrlPr>
+                        </m:accPr>
+                        <m:e>
+                          <m:r>
+                            <a:rPr lang="en-US" sz="2800" i="1" dirty="0">
+                              <a:latin typeface="Cambria Math" panose="02040503050406030204" pitchFamily="18" charset="0"/>
+                            </a:rPr>
+                            <m:t>𝛽</m:t>
+                          </m:r>
+                        </m:e>
+                      </m:acc>
                       <m:r>
-                        <a:rPr lang="en-US" sz="2800" b="0" i="1" dirty="0" smtClean="0">
-                          <a:latin typeface="Cambria Math" panose="02040503050406030204" pitchFamily="18" charset="0"/>
-                        </a:rPr>
-                        <m:t>𝛽</m:t>
-                      </m:r>
-                      <m:r>
-                        <a:rPr lang="en-US" sz="2800" b="0" i="1" dirty="0" smtClean="0">
+                        <a:rPr lang="en-US" sz="2800" i="1" dirty="0">
                           <a:latin typeface="Cambria Math" panose="02040503050406030204" pitchFamily="18" charset="0"/>
                         </a:rPr>
                         <m:t>+2</m:t>
                       </m:r>
                       <m:r>
-                        <a:rPr lang="en-US" sz="2800" b="0" i="1" dirty="0" smtClean="0">
+                        <a:rPr lang="en-US" sz="2800" i="1" dirty="0">
                           <a:latin typeface="Cambria Math" panose="02040503050406030204" pitchFamily="18" charset="0"/>
                         </a:rPr>
                         <m:t>𝑆𝐸</m:t>
                       </m:r>
                       <m:r>
-                        <a:rPr lang="en-US" sz="2800" b="0" i="1" dirty="0" smtClean="0">
+                        <a:rPr lang="en-US" sz="2800" i="1" dirty="0">
                           <a:latin typeface="Cambria Math" panose="02040503050406030204" pitchFamily="18" charset="0"/>
                         </a:rPr>
                         <m:t>(</m:t>
                       </m:r>
+                      <m:acc>
+                        <m:accPr>
+                          <m:chr m:val="̂"/>
+                          <m:ctrlPr>
+                            <a:rPr lang="en-US" sz="2800" i="1" dirty="0">
+                              <a:latin typeface="Cambria Math" panose="02040503050406030204" pitchFamily="18" charset="0"/>
+                            </a:rPr>
+                          </m:ctrlPr>
+                        </m:accPr>
+                        <m:e>
+                          <m:r>
+                            <a:rPr lang="en-US" sz="2800" i="1" dirty="0">
+                              <a:latin typeface="Cambria Math" panose="02040503050406030204" pitchFamily="18" charset="0"/>
+                            </a:rPr>
+                            <m:t>𝛽</m:t>
+                          </m:r>
+                        </m:e>
+                      </m:acc>
                       <m:r>
-                        <a:rPr lang="en-US" sz="2800" b="0" i="1" dirty="0" smtClean="0">
-                          <a:latin typeface="Cambria Math" panose="02040503050406030204" pitchFamily="18" charset="0"/>
-                        </a:rPr>
-                        <m:t>𝛽</m:t>
-                      </m:r>
-                      <m:r>
-                        <a:rPr lang="en-US" sz="2800" b="0" i="1" dirty="0" smtClean="0">
+                        <a:rPr lang="en-US" sz="2800" i="1" dirty="0">
                           <a:latin typeface="Cambria Math" panose="02040503050406030204" pitchFamily="18" charset="0"/>
                         </a:rPr>
                         <m:t>)]</m:t>
@@ -5798,8 +8813,8 @@
             </p:nvSpPr>
             <p:spPr>
               <a:xfrm>
-                <a:off x="2819400" y="3404543"/>
-                <a:ext cx="5577840" cy="523220"/>
+                <a:off x="2819400" y="4349940"/>
+                <a:ext cx="5577840" cy="581121"/>
               </a:xfrm>
               <a:prstGeom prst="rect">
                 <a:avLst/>
@@ -5807,7 +8822,7 @@
               <a:blipFill>
                 <a:blip r:embed="rId3"/>
                 <a:stretch>
-                  <a:fillRect b="-16279"/>
+                  <a:fillRect t="-6383" b="-12766"/>
                 </a:stretch>
               </a:blipFill>
             </p:spPr>
@@ -5826,42 +8841,6 @@
           </p:sp>
         </mc:Fallback>
       </mc:AlternateContent>
-      <p:sp>
-        <p:nvSpPr>
-          <p:cNvPr id="12" name="TextBox 11">
-            <a:extLst>
-              <a:ext uri="{FF2B5EF4-FFF2-40B4-BE49-F238E27FC236}">
-                <a16:creationId xmlns:a16="http://schemas.microsoft.com/office/drawing/2014/main" id="{C926D208-8BF7-9C43-8E95-203870CA27BE}"/>
-              </a:ext>
-            </a:extLst>
-          </p:cNvPr>
-          <p:cNvSpPr txBox="1"/>
-          <p:nvPr/>
-        </p:nvSpPr>
-        <p:spPr>
-          <a:xfrm>
-            <a:off x="838200" y="5235208"/>
-            <a:ext cx="10515600" cy="523220"/>
-          </a:xfrm>
-          <a:prstGeom prst="rect">
-            <a:avLst/>
-          </a:prstGeom>
-          <a:noFill/>
-        </p:spPr>
-        <p:txBody>
-          <a:bodyPr wrap="square">
-            <a:spAutoFit/>
-          </a:bodyPr>
-          <a:lstStyle/>
-          <a:p>
-            <a:r>
-              <a:rPr lang="en-US" sz="2800" b="0" dirty="0"/>
-              <a:t>Why is this interval?</a:t>
-            </a:r>
-            <a:endParaRPr lang="en-US" sz="2800" dirty="0"/>
-          </a:p>
-        </p:txBody>
-      </p:sp>
       <mc:AlternateContent xmlns:mc="http://schemas.openxmlformats.org/markup-compatibility/2006">
         <mc:Choice xmlns:a14="http://schemas.microsoft.com/office/drawing/2010/main" Requires="a14">
           <p:sp>
@@ -5878,7 +8857,7 @@
             </p:nvSpPr>
             <p:spPr>
               <a:xfrm>
-                <a:off x="838200" y="4319875"/>
+                <a:off x="838200" y="5461266"/>
                 <a:ext cx="10515600" cy="523220"/>
               </a:xfrm>
               <a:prstGeom prst="rect">
@@ -5935,7 +8914,7 @@
             </p:nvSpPr>
             <p:spPr>
               <a:xfrm>
-                <a:off x="838200" y="4319875"/>
+                <a:off x="838200" y="5461266"/>
                 <a:ext cx="10515600" cy="523220"/>
               </a:xfrm>
               <a:prstGeom prst="rect">
@@ -5944,7 +8923,345 @@
               <a:blipFill>
                 <a:blip r:embed="rId4"/>
                 <a:stretch>
-                  <a:fillRect l="-1206" t="-11905" b="-30952"/>
+                  <a:fillRect l="-1206" t="-14286" b="-28571"/>
+                </a:stretch>
+              </a:blipFill>
+            </p:spPr>
+            <p:txBody>
+              <a:bodyPr/>
+              <a:lstStyle/>
+              <a:p>
+                <a:r>
+                  <a:rPr lang="en-US">
+                    <a:noFill/>
+                  </a:rPr>
+                  <a:t> </a:t>
+                </a:r>
+              </a:p>
+            </p:txBody>
+          </p:sp>
+        </mc:Fallback>
+      </mc:AlternateContent>
+      <mc:AlternateContent xmlns:mc="http://schemas.openxmlformats.org/markup-compatibility/2006">
+        <mc:Choice xmlns:a14="http://schemas.microsoft.com/office/drawing/2010/main" Requires="a14">
+          <p:sp>
+            <p:nvSpPr>
+              <p:cNvPr id="3" name="TextBox 2">
+                <a:extLst>
+                  <a:ext uri="{FF2B5EF4-FFF2-40B4-BE49-F238E27FC236}">
+                    <a16:creationId xmlns:a16="http://schemas.microsoft.com/office/drawing/2014/main" id="{9C1507DF-392D-855A-C320-3A08F7E2DB49}"/>
+                  </a:ext>
+                </a:extLst>
+              </p:cNvPr>
+              <p:cNvSpPr txBox="1"/>
+              <p:nvPr/>
+            </p:nvSpPr>
+            <p:spPr>
+              <a:xfrm>
+                <a:off x="838200" y="1754302"/>
+                <a:ext cx="10641525" cy="581121"/>
+              </a:xfrm>
+              <a:prstGeom prst="rect">
+                <a:avLst/>
+              </a:prstGeom>
+              <a:noFill/>
+            </p:spPr>
+            <p:txBody>
+              <a:bodyPr wrap="square">
+                <a:spAutoFit/>
+              </a:bodyPr>
+              <a:lstStyle/>
+              <a:p>
+                <a:pPr/>
+                <a14:m>
+                  <m:oMath xmlns:m="http://schemas.openxmlformats.org/officeDocument/2006/math">
+                    <m:acc>
+                      <m:accPr>
+                        <m:chr m:val="̂"/>
+                        <m:ctrlPr>
+                          <a:rPr lang="en-US" sz="2800" b="0" i="1" dirty="0" smtClean="0">
+                            <a:latin typeface="Cambria Math" panose="02040503050406030204" pitchFamily="18" charset="0"/>
+                          </a:rPr>
+                        </m:ctrlPr>
+                      </m:accPr>
+                      <m:e>
+                        <m:r>
+                          <a:rPr lang="en-US" sz="2800" b="0" i="1" dirty="0" smtClean="0">
+                            <a:latin typeface="Cambria Math" panose="02040503050406030204" pitchFamily="18" charset="0"/>
+                          </a:rPr>
+                          <m:t>𝛽</m:t>
+                        </m:r>
+                      </m:e>
+                    </m:acc>
+                    <m:r>
+                      <a:rPr lang="en-US" sz="2800" b="0" i="1" dirty="0" smtClean="0">
+                        <a:latin typeface="Cambria Math" panose="02040503050406030204" pitchFamily="18" charset="0"/>
+                      </a:rPr>
+                      <m:t>∼</m:t>
+                    </m:r>
+                    <m:r>
+                      <a:rPr lang="en-US" sz="2800" b="0" i="1" dirty="0" smtClean="0">
+                        <a:latin typeface="Cambria Math" panose="02040503050406030204" pitchFamily="18" charset="0"/>
+                      </a:rPr>
+                      <m:t>𝑁</m:t>
+                    </m:r>
+                    <m:r>
+                      <a:rPr lang="en-US" sz="2800" b="0" i="1" dirty="0" smtClean="0">
+                        <a:latin typeface="Cambria Math" panose="02040503050406030204" pitchFamily="18" charset="0"/>
+                      </a:rPr>
+                      <m:t>(</m:t>
+                    </m:r>
+                    <m:r>
+                      <a:rPr lang="en-US" sz="2800" b="0" i="1" dirty="0" smtClean="0">
+                        <a:latin typeface="Cambria Math" panose="02040503050406030204" pitchFamily="18" charset="0"/>
+                      </a:rPr>
+                      <m:t>𝛽</m:t>
+                    </m:r>
+                    <m:r>
+                      <a:rPr lang="en-US" sz="2800" b="0" i="1" dirty="0" smtClean="0">
+                        <a:latin typeface="Cambria Math" panose="02040503050406030204" pitchFamily="18" charset="0"/>
+                      </a:rPr>
+                      <m:t>, </m:t>
+                    </m:r>
+                    <m:r>
+                      <a:rPr lang="en-US" sz="2800" b="0" i="1" dirty="0" smtClean="0">
+                        <a:latin typeface="Cambria Math" panose="02040503050406030204" pitchFamily="18" charset="0"/>
+                      </a:rPr>
+                      <m:t>𝑆</m:t>
+                    </m:r>
+                    <m:sSup>
+                      <m:sSupPr>
+                        <m:ctrlPr>
+                          <a:rPr lang="en-US" sz="2800" b="0" i="1" dirty="0" smtClean="0">
+                            <a:latin typeface="Cambria Math" panose="02040503050406030204" pitchFamily="18" charset="0"/>
+                          </a:rPr>
+                        </m:ctrlPr>
+                      </m:sSupPr>
+                      <m:e>
+                        <m:r>
+                          <a:rPr lang="en-US" sz="2800" b="0" i="1" dirty="0" smtClean="0">
+                            <a:latin typeface="Cambria Math" panose="02040503050406030204" pitchFamily="18" charset="0"/>
+                          </a:rPr>
+                          <m:t>𝐸</m:t>
+                        </m:r>
+                      </m:e>
+                      <m:sup>
+                        <m:r>
+                          <a:rPr lang="en-US" sz="2800" b="0" i="1" dirty="0" smtClean="0">
+                            <a:latin typeface="Cambria Math" panose="02040503050406030204" pitchFamily="18" charset="0"/>
+                          </a:rPr>
+                          <m:t>2</m:t>
+                        </m:r>
+                      </m:sup>
+                    </m:sSup>
+                    <m:d>
+                      <m:dPr>
+                        <m:ctrlPr>
+                          <a:rPr lang="en-US" sz="2800" b="0" i="1" dirty="0" smtClean="0">
+                            <a:latin typeface="Cambria Math" panose="02040503050406030204" pitchFamily="18" charset="0"/>
+                          </a:rPr>
+                        </m:ctrlPr>
+                      </m:dPr>
+                      <m:e>
+                        <m:acc>
+                          <m:accPr>
+                            <m:chr m:val="̂"/>
+                            <m:ctrlPr>
+                              <a:rPr lang="en-US" sz="2800" i="1" dirty="0">
+                                <a:latin typeface="Cambria Math" panose="02040503050406030204" pitchFamily="18" charset="0"/>
+                              </a:rPr>
+                            </m:ctrlPr>
+                          </m:accPr>
+                          <m:e>
+                            <m:r>
+                              <a:rPr lang="en-US" sz="2800" i="1" dirty="0">
+                                <a:latin typeface="Cambria Math" panose="02040503050406030204" pitchFamily="18" charset="0"/>
+                              </a:rPr>
+                              <m:t>𝛽</m:t>
+                            </m:r>
+                          </m:e>
+                        </m:acc>
+                      </m:e>
+                    </m:d>
+                    <m:r>
+                      <a:rPr lang="en-US" sz="2800" b="0" i="1" dirty="0" smtClean="0">
+                        <a:latin typeface="Cambria Math" panose="02040503050406030204" pitchFamily="18" charset="0"/>
+                      </a:rPr>
+                      <m:t>)</m:t>
+                    </m:r>
+                  </m:oMath>
+                </a14:m>
+                <a:r>
+                  <a:rPr lang="en-US" sz="2800" dirty="0"/>
+                  <a:t> means</a:t>
+                </a:r>
+                <a:r>
+                  <a:rPr lang="zh-CN" altLang="en-US" sz="2800" dirty="0"/>
+                  <a:t> </a:t>
+                </a:r>
+                <a:r>
+                  <a:rPr lang="en-US" altLang="zh-CN" sz="2800" dirty="0"/>
+                  <a:t>that</a:t>
+                </a:r>
+                <a14:m>
+                  <m:oMath xmlns:m="http://schemas.openxmlformats.org/officeDocument/2006/math">
+                    <m:r>
+                      <a:rPr lang="en-US" sz="2800" b="0" i="0" dirty="0" smtClean="0">
+                        <a:latin typeface="Cambria Math" panose="02040503050406030204" pitchFamily="18" charset="0"/>
+                      </a:rPr>
+                      <m:t> </m:t>
+                    </m:r>
+                    <m:r>
+                      <a:rPr lang="en-US" sz="2800" i="1" dirty="0">
+                        <a:latin typeface="Cambria Math" panose="02040503050406030204" pitchFamily="18" charset="0"/>
+                      </a:rPr>
+                      <m:t>𝛽</m:t>
+                    </m:r>
+                    <m:r>
+                      <a:rPr lang="en-US" sz="2800" i="1" dirty="0">
+                        <a:latin typeface="Cambria Math" panose="02040503050406030204" pitchFamily="18" charset="0"/>
+                      </a:rPr>
+                      <m:t>∼</m:t>
+                    </m:r>
+                    <m:r>
+                      <a:rPr lang="en-US" sz="2800" i="1" dirty="0">
+                        <a:latin typeface="Cambria Math" panose="02040503050406030204" pitchFamily="18" charset="0"/>
+                      </a:rPr>
+                      <m:t>𝑁</m:t>
+                    </m:r>
+                    <m:r>
+                      <a:rPr lang="en-US" sz="2800" i="1" dirty="0">
+                        <a:latin typeface="Cambria Math" panose="02040503050406030204" pitchFamily="18" charset="0"/>
+                      </a:rPr>
+                      <m:t>(</m:t>
+                    </m:r>
+                    <m:acc>
+                      <m:accPr>
+                        <m:chr m:val="̂"/>
+                        <m:ctrlPr>
+                          <a:rPr lang="en-US" sz="2800" i="1" dirty="0">
+                            <a:latin typeface="Cambria Math" panose="02040503050406030204" pitchFamily="18" charset="0"/>
+                          </a:rPr>
+                        </m:ctrlPr>
+                      </m:accPr>
+                      <m:e>
+                        <m:r>
+                          <a:rPr lang="en-US" sz="2800" i="1" dirty="0">
+                            <a:latin typeface="Cambria Math" panose="02040503050406030204" pitchFamily="18" charset="0"/>
+                          </a:rPr>
+                          <m:t>𝛽</m:t>
+                        </m:r>
+                      </m:e>
+                    </m:acc>
+                    <m:r>
+                      <a:rPr lang="en-US" sz="2800" i="1" dirty="0">
+                        <a:latin typeface="Cambria Math" panose="02040503050406030204" pitchFamily="18" charset="0"/>
+                      </a:rPr>
+                      <m:t>, </m:t>
+                    </m:r>
+                    <m:r>
+                      <a:rPr lang="en-US" sz="2800" i="1" dirty="0">
+                        <a:latin typeface="Cambria Math" panose="02040503050406030204" pitchFamily="18" charset="0"/>
+                      </a:rPr>
+                      <m:t>𝑆</m:t>
+                    </m:r>
+                    <m:sSup>
+                      <m:sSupPr>
+                        <m:ctrlPr>
+                          <a:rPr lang="en-US" sz="2800" i="1" dirty="0">
+                            <a:latin typeface="Cambria Math" panose="02040503050406030204" pitchFamily="18" charset="0"/>
+                          </a:rPr>
+                        </m:ctrlPr>
+                      </m:sSupPr>
+                      <m:e>
+                        <m:r>
+                          <a:rPr lang="en-US" sz="2800" i="1" dirty="0">
+                            <a:latin typeface="Cambria Math" panose="02040503050406030204" pitchFamily="18" charset="0"/>
+                          </a:rPr>
+                          <m:t>𝐸</m:t>
+                        </m:r>
+                      </m:e>
+                      <m:sup>
+                        <m:r>
+                          <a:rPr lang="en-US" sz="2800" i="1" dirty="0">
+                            <a:latin typeface="Cambria Math" panose="02040503050406030204" pitchFamily="18" charset="0"/>
+                          </a:rPr>
+                          <m:t>2</m:t>
+                        </m:r>
+                      </m:sup>
+                    </m:sSup>
+                    <m:d>
+                      <m:dPr>
+                        <m:ctrlPr>
+                          <a:rPr lang="en-US" sz="2800" i="1" dirty="0">
+                            <a:latin typeface="Cambria Math" panose="02040503050406030204" pitchFamily="18" charset="0"/>
+                          </a:rPr>
+                        </m:ctrlPr>
+                      </m:dPr>
+                      <m:e>
+                        <m:acc>
+                          <m:accPr>
+                            <m:chr m:val="̂"/>
+                            <m:ctrlPr>
+                              <a:rPr lang="en-US" sz="2800" i="1" dirty="0">
+                                <a:latin typeface="Cambria Math" panose="02040503050406030204" pitchFamily="18" charset="0"/>
+                              </a:rPr>
+                            </m:ctrlPr>
+                          </m:accPr>
+                          <m:e>
+                            <m:r>
+                              <a:rPr lang="en-US" sz="2800" i="1" dirty="0">
+                                <a:latin typeface="Cambria Math" panose="02040503050406030204" pitchFamily="18" charset="0"/>
+                              </a:rPr>
+                              <m:t>𝛽</m:t>
+                            </m:r>
+                          </m:e>
+                        </m:acc>
+                      </m:e>
+                    </m:d>
+                    <m:r>
+                      <a:rPr lang="en-US" sz="2800" i="1" dirty="0">
+                        <a:latin typeface="Cambria Math" panose="02040503050406030204" pitchFamily="18" charset="0"/>
+                      </a:rPr>
+                      <m:t>)</m:t>
+                    </m:r>
+                  </m:oMath>
+                </a14:m>
+                <a:r>
+                  <a:rPr lang="en-US" sz="2800" dirty="0"/>
+                  <a:t> </a:t>
+                </a:r>
+              </a:p>
+            </p:txBody>
+          </p:sp>
+        </mc:Choice>
+        <mc:Fallback>
+          <p:sp>
+            <p:nvSpPr>
+              <p:cNvPr id="3" name="TextBox 2">
+                <a:extLst>
+                  <a:ext uri="{FF2B5EF4-FFF2-40B4-BE49-F238E27FC236}">
+                    <a16:creationId xmlns:a16="http://schemas.microsoft.com/office/drawing/2014/main" id="{9C1507DF-392D-855A-C320-3A08F7E2DB49}"/>
+                  </a:ext>
+                </a:extLst>
+              </p:cNvPr>
+              <p:cNvSpPr txBox="1">
+                <a:spLocks noRot="1" noChangeAspect="1" noMove="1" noResize="1" noEditPoints="1" noAdjustHandles="1" noChangeArrowheads="1" noChangeShapeType="1" noTextEdit="1"/>
+              </p:cNvSpPr>
+              <p:nvPr/>
+            </p:nvSpPr>
+            <p:spPr>
+              <a:xfrm>
+                <a:off x="838200" y="1754302"/>
+                <a:ext cx="10641525" cy="581121"/>
+              </a:xfrm>
+              <a:prstGeom prst="rect">
+                <a:avLst/>
+              </a:prstGeom>
+              <a:blipFill>
+                <a:blip r:embed="rId5"/>
+                <a:stretch>
+                  <a:fillRect l="-716" t="-6522" b="-23913"/>
                 </a:stretch>
               </a:blipFill>
             </p:spPr>
@@ -5976,7 +9293,612 @@
 </p:sld>
 </file>
 
-<file path=ppt/slides/slide12.xml><?xml version="1.0" encoding="utf-8"?>
+<file path=ppt/slides/slide14.xml><?xml version="1.0" encoding="utf-8"?>
+<p:sld xmlns:a="http://schemas.openxmlformats.org/drawingml/2006/main" xmlns:r="http://schemas.openxmlformats.org/officeDocument/2006/relationships" xmlns:p="http://schemas.openxmlformats.org/presentationml/2006/main">
+  <p:cSld>
+    <p:spTree>
+      <p:nvGrpSpPr>
+        <p:cNvPr id="1" name=""/>
+        <p:cNvGrpSpPr/>
+        <p:nvPr/>
+      </p:nvGrpSpPr>
+      <p:grpSpPr>
+        <a:xfrm>
+          <a:off x="0" y="0"/>
+          <a:ext cx="0" cy="0"/>
+          <a:chOff x="0" y="0"/>
+          <a:chExt cx="0" cy="0"/>
+        </a:xfrm>
+      </p:grpSpPr>
+      <p:sp>
+        <p:nvSpPr>
+          <p:cNvPr id="2" name="Title 1"/>
+          <p:cNvSpPr>
+            <a:spLocks noGrp="1"/>
+          </p:cNvSpPr>
+          <p:nvPr>
+            <p:ph type="title"/>
+          </p:nvPr>
+        </p:nvSpPr>
+        <p:spPr>
+          <a:xfrm>
+            <a:off x="838200" y="365126"/>
+            <a:ext cx="10515600" cy="981894"/>
+          </a:xfrm>
+        </p:spPr>
+        <p:txBody>
+          <a:bodyPr>
+            <a:normAutofit/>
+          </a:bodyPr>
+          <a:lstStyle/>
+          <a:p>
+            <a:r>
+              <a:rPr lang="en-US" dirty="0"/>
+              <a:t>Hypothesis Testing</a:t>
+            </a:r>
+          </a:p>
+        </p:txBody>
+      </p:sp>
+      <mc:AlternateContent xmlns:mc="http://schemas.openxmlformats.org/markup-compatibility/2006">
+        <mc:Choice xmlns:a14="http://schemas.microsoft.com/office/drawing/2010/main" Requires="a14">
+          <p:sp>
+            <p:nvSpPr>
+              <p:cNvPr id="3" name="TextBox 2">
+                <a:extLst>
+                  <a:ext uri="{FF2B5EF4-FFF2-40B4-BE49-F238E27FC236}">
+                    <a16:creationId xmlns:a16="http://schemas.microsoft.com/office/drawing/2014/main" id="{429C719F-2DE0-7AA6-4FD0-861BA603DC91}"/>
+                  </a:ext>
+                </a:extLst>
+              </p:cNvPr>
+              <p:cNvSpPr txBox="1"/>
+              <p:nvPr/>
+            </p:nvSpPr>
+            <p:spPr>
+              <a:xfrm>
+                <a:off x="838200" y="1906555"/>
+                <a:ext cx="10515600" cy="523220"/>
+              </a:xfrm>
+              <a:prstGeom prst="rect">
+                <a:avLst/>
+              </a:prstGeom>
+              <a:noFill/>
+            </p:spPr>
+            <p:txBody>
+              <a:bodyPr wrap="square">
+                <a:spAutoFit/>
+              </a:bodyPr>
+              <a:lstStyle/>
+              <a:p>
+                <a14:m>
+                  <m:oMath xmlns:m="http://schemas.openxmlformats.org/officeDocument/2006/math">
+                    <m:sSub>
+                      <m:sSubPr>
+                        <m:ctrlPr>
+                          <a:rPr lang="en-US" sz="2800" b="0" i="1" smtClean="0">
+                            <a:effectLst/>
+                            <a:latin typeface="Cambria Math" panose="02040503050406030204" pitchFamily="18" charset="0"/>
+                          </a:rPr>
+                        </m:ctrlPr>
+                      </m:sSubPr>
+                      <m:e>
+                        <m:r>
+                          <a:rPr lang="en-US" sz="2800" b="0" i="1" smtClean="0">
+                            <a:effectLst/>
+                            <a:latin typeface="Cambria Math" panose="02040503050406030204" pitchFamily="18" charset="0"/>
+                          </a:rPr>
+                          <m:t>𝐻</m:t>
+                        </m:r>
+                      </m:e>
+                      <m:sub>
+                        <m:r>
+                          <a:rPr lang="en-US" sz="2800" b="0" i="1" smtClean="0">
+                            <a:effectLst/>
+                            <a:latin typeface="Cambria Math" panose="02040503050406030204" pitchFamily="18" charset="0"/>
+                          </a:rPr>
+                          <m:t>0</m:t>
+                        </m:r>
+                      </m:sub>
+                    </m:sSub>
+                  </m:oMath>
+                </a14:m>
+                <a:r>
+                  <a:rPr lang="en-US" sz="2800" dirty="0">
+                    <a:effectLst/>
+                    <a:latin typeface="CMR10"/>
+                  </a:rPr>
+                  <a:t>: There is no relationship between</a:t>
+                </a:r>
+                <a:r>
+                  <a:rPr lang="en-US" sz="2400" dirty="0">
+                    <a:effectLst/>
+                    <a:latin typeface="CMR10"/>
+                  </a:rPr>
+                  <a:t> </a:t>
+                </a:r>
+                <a14:m>
+                  <m:oMath xmlns:m="http://schemas.openxmlformats.org/officeDocument/2006/math">
+                    <m:r>
+                      <a:rPr lang="en-US" sz="2400" b="0" i="1" smtClean="0">
+                        <a:effectLst/>
+                        <a:latin typeface="Cambria Math" panose="02040503050406030204" pitchFamily="18" charset="0"/>
+                      </a:rPr>
+                      <m:t>𝑋</m:t>
+                    </m:r>
+                  </m:oMath>
+                </a14:m>
+                <a:r>
+                  <a:rPr lang="en-US" sz="2800" b="0" dirty="0"/>
+                  <a:t> and </a:t>
+                </a:r>
+                <a14:m>
+                  <m:oMath xmlns:m="http://schemas.openxmlformats.org/officeDocument/2006/math">
+                    <m:r>
+                      <a:rPr lang="en-US" sz="2800" b="0" i="1" smtClean="0">
+                        <a:latin typeface="Cambria Math" panose="02040503050406030204" pitchFamily="18" charset="0"/>
+                      </a:rPr>
+                      <m:t>𝑌</m:t>
+                    </m:r>
+                  </m:oMath>
+                </a14:m>
+                <a:r>
+                  <a:rPr lang="en-US" sz="2800" b="0" dirty="0"/>
+                  <a:t>?</a:t>
+                </a:r>
+                <a:endParaRPr lang="en-US" sz="2800" dirty="0"/>
+              </a:p>
+            </p:txBody>
+          </p:sp>
+        </mc:Choice>
+        <mc:Fallback>
+          <p:sp>
+            <p:nvSpPr>
+              <p:cNvPr id="3" name="TextBox 2">
+                <a:extLst>
+                  <a:ext uri="{FF2B5EF4-FFF2-40B4-BE49-F238E27FC236}">
+                    <a16:creationId xmlns:a16="http://schemas.microsoft.com/office/drawing/2014/main" id="{429C719F-2DE0-7AA6-4FD0-861BA603DC91}"/>
+                  </a:ext>
+                </a:extLst>
+              </p:cNvPr>
+              <p:cNvSpPr txBox="1">
+                <a:spLocks noRot="1" noChangeAspect="1" noMove="1" noResize="1" noEditPoints="1" noAdjustHandles="1" noChangeArrowheads="1" noChangeShapeType="1" noTextEdit="1"/>
+              </p:cNvSpPr>
+              <p:nvPr/>
+            </p:nvSpPr>
+            <p:spPr>
+              <a:xfrm>
+                <a:off x="838200" y="1906555"/>
+                <a:ext cx="10515600" cy="523220"/>
+              </a:xfrm>
+              <a:prstGeom prst="rect">
+                <a:avLst/>
+              </a:prstGeom>
+              <a:blipFill>
+                <a:blip r:embed="rId3"/>
+                <a:stretch>
+                  <a:fillRect l="-362" t="-14286" b="-30952"/>
+                </a:stretch>
+              </a:blipFill>
+            </p:spPr>
+            <p:txBody>
+              <a:bodyPr/>
+              <a:lstStyle/>
+              <a:p>
+                <a:r>
+                  <a:rPr lang="en-US">
+                    <a:noFill/>
+                  </a:rPr>
+                  <a:t> </a:t>
+                </a:r>
+              </a:p>
+            </p:txBody>
+          </p:sp>
+        </mc:Fallback>
+      </mc:AlternateContent>
+      <mc:AlternateContent xmlns:mc="http://schemas.openxmlformats.org/markup-compatibility/2006">
+        <mc:Choice xmlns:a14="http://schemas.microsoft.com/office/drawing/2010/main" Requires="a14">
+          <p:sp>
+            <p:nvSpPr>
+              <p:cNvPr id="5" name="TextBox 4">
+                <a:extLst>
+                  <a:ext uri="{FF2B5EF4-FFF2-40B4-BE49-F238E27FC236}">
+                    <a16:creationId xmlns:a16="http://schemas.microsoft.com/office/drawing/2014/main" id="{D908B8A5-6870-CE5C-DA74-9E6C5117C6A8}"/>
+                  </a:ext>
+                </a:extLst>
+              </p:cNvPr>
+              <p:cNvSpPr txBox="1"/>
+              <p:nvPr/>
+            </p:nvSpPr>
+            <p:spPr>
+              <a:xfrm>
+                <a:off x="838200" y="3186763"/>
+                <a:ext cx="10515600" cy="523220"/>
+              </a:xfrm>
+              <a:prstGeom prst="rect">
+                <a:avLst/>
+              </a:prstGeom>
+              <a:noFill/>
+            </p:spPr>
+            <p:txBody>
+              <a:bodyPr wrap="square">
+                <a:spAutoFit/>
+              </a:bodyPr>
+              <a:lstStyle/>
+              <a:p>
+                <a14:m>
+                  <m:oMath xmlns:m="http://schemas.openxmlformats.org/officeDocument/2006/math">
+                    <m:sSub>
+                      <m:sSubPr>
+                        <m:ctrlPr>
+                          <a:rPr lang="en-US" sz="2800" b="0" i="1" smtClean="0">
+                            <a:effectLst/>
+                            <a:latin typeface="Cambria Math" panose="02040503050406030204" pitchFamily="18" charset="0"/>
+                          </a:rPr>
+                        </m:ctrlPr>
+                      </m:sSubPr>
+                      <m:e>
+                        <m:r>
+                          <a:rPr lang="en-US" sz="2800" b="0" i="1" smtClean="0">
+                            <a:effectLst/>
+                            <a:latin typeface="Cambria Math" panose="02040503050406030204" pitchFamily="18" charset="0"/>
+                          </a:rPr>
+                          <m:t>𝐻</m:t>
+                        </m:r>
+                      </m:e>
+                      <m:sub>
+                        <m:r>
+                          <a:rPr lang="en-US" sz="2800" b="0" i="1" smtClean="0">
+                            <a:effectLst/>
+                            <a:latin typeface="Cambria Math" panose="02040503050406030204" pitchFamily="18" charset="0"/>
+                          </a:rPr>
+                          <m:t>1</m:t>
+                        </m:r>
+                      </m:sub>
+                    </m:sSub>
+                  </m:oMath>
+                </a14:m>
+                <a:r>
+                  <a:rPr lang="en-US" sz="2800" dirty="0">
+                    <a:effectLst/>
+                    <a:latin typeface="CMR10"/>
+                  </a:rPr>
+                  <a:t>: There is some relationship between</a:t>
+                </a:r>
+                <a:r>
+                  <a:rPr lang="en-US" sz="2400" dirty="0">
+                    <a:effectLst/>
+                    <a:latin typeface="CMR10"/>
+                  </a:rPr>
+                  <a:t> </a:t>
+                </a:r>
+                <a14:m>
+                  <m:oMath xmlns:m="http://schemas.openxmlformats.org/officeDocument/2006/math">
+                    <m:r>
+                      <a:rPr lang="en-US" sz="2400" b="0" i="1" smtClean="0">
+                        <a:effectLst/>
+                        <a:latin typeface="Cambria Math" panose="02040503050406030204" pitchFamily="18" charset="0"/>
+                      </a:rPr>
+                      <m:t>𝑋</m:t>
+                    </m:r>
+                  </m:oMath>
+                </a14:m>
+                <a:r>
+                  <a:rPr lang="en-US" sz="2800" b="0" dirty="0"/>
+                  <a:t> and </a:t>
+                </a:r>
+                <a14:m>
+                  <m:oMath xmlns:m="http://schemas.openxmlformats.org/officeDocument/2006/math">
+                    <m:r>
+                      <a:rPr lang="en-US" sz="2800" b="0" i="1" smtClean="0">
+                        <a:latin typeface="Cambria Math" panose="02040503050406030204" pitchFamily="18" charset="0"/>
+                      </a:rPr>
+                      <m:t>𝑌</m:t>
+                    </m:r>
+                  </m:oMath>
+                </a14:m>
+                <a:r>
+                  <a:rPr lang="en-US" sz="2800" b="0" dirty="0"/>
+                  <a:t>?</a:t>
+                </a:r>
+                <a:endParaRPr lang="en-US" sz="2800" dirty="0"/>
+              </a:p>
+            </p:txBody>
+          </p:sp>
+        </mc:Choice>
+        <mc:Fallback>
+          <p:sp>
+            <p:nvSpPr>
+              <p:cNvPr id="5" name="TextBox 4">
+                <a:extLst>
+                  <a:ext uri="{FF2B5EF4-FFF2-40B4-BE49-F238E27FC236}">
+                    <a16:creationId xmlns:a16="http://schemas.microsoft.com/office/drawing/2014/main" id="{D908B8A5-6870-CE5C-DA74-9E6C5117C6A8}"/>
+                  </a:ext>
+                </a:extLst>
+              </p:cNvPr>
+              <p:cNvSpPr txBox="1">
+                <a:spLocks noRot="1" noChangeAspect="1" noMove="1" noResize="1" noEditPoints="1" noAdjustHandles="1" noChangeArrowheads="1" noChangeShapeType="1" noTextEdit="1"/>
+              </p:cNvSpPr>
+              <p:nvPr/>
+            </p:nvSpPr>
+            <p:spPr>
+              <a:xfrm>
+                <a:off x="838200" y="3186763"/>
+                <a:ext cx="10515600" cy="523220"/>
+              </a:xfrm>
+              <a:prstGeom prst="rect">
+                <a:avLst/>
+              </a:prstGeom>
+              <a:blipFill>
+                <a:blip r:embed="rId4"/>
+                <a:stretch>
+                  <a:fillRect l="-362" t="-14286" b="-28571"/>
+                </a:stretch>
+              </a:blipFill>
+            </p:spPr>
+            <p:txBody>
+              <a:bodyPr/>
+              <a:lstStyle/>
+              <a:p>
+                <a:r>
+                  <a:rPr lang="en-US">
+                    <a:noFill/>
+                  </a:rPr>
+                  <a:t> </a:t>
+                </a:r>
+              </a:p>
+            </p:txBody>
+          </p:sp>
+        </mc:Fallback>
+      </mc:AlternateContent>
+      <mc:AlternateContent xmlns:mc="http://schemas.openxmlformats.org/markup-compatibility/2006">
+        <mc:Choice xmlns:a14="http://schemas.microsoft.com/office/drawing/2010/main" Requires="a14">
+          <p:sp>
+            <p:nvSpPr>
+              <p:cNvPr id="6" name="TextBox 5">
+                <a:extLst>
+                  <a:ext uri="{FF2B5EF4-FFF2-40B4-BE49-F238E27FC236}">
+                    <a16:creationId xmlns:a16="http://schemas.microsoft.com/office/drawing/2014/main" id="{AFF98597-0601-DACD-84EA-308CACE96A45}"/>
+                  </a:ext>
+                </a:extLst>
+              </p:cNvPr>
+              <p:cNvSpPr txBox="1"/>
+              <p:nvPr/>
+            </p:nvSpPr>
+            <p:spPr>
+              <a:xfrm>
+                <a:off x="-139485" y="4466971"/>
+                <a:ext cx="5929393" cy="523220"/>
+              </a:xfrm>
+              <a:prstGeom prst="rect">
+                <a:avLst/>
+              </a:prstGeom>
+              <a:noFill/>
+            </p:spPr>
+            <p:txBody>
+              <a:bodyPr wrap="square">
+                <a:spAutoFit/>
+              </a:bodyPr>
+              <a:lstStyle/>
+              <a:p>
+                <a14:m>
+                  <m:oMathPara xmlns:m="http://schemas.openxmlformats.org/officeDocument/2006/math">
+                    <m:oMathParaPr>
+                      <m:jc m:val="centerGroup"/>
+                    </m:oMathParaPr>
+                    <m:oMath xmlns:m="http://schemas.openxmlformats.org/officeDocument/2006/math">
+                      <m:sSub>
+                        <m:sSubPr>
+                          <m:ctrlPr>
+                            <a:rPr lang="en-US" sz="2800" b="0" i="1" smtClean="0">
+                              <a:effectLst/>
+                              <a:latin typeface="Cambria Math" panose="02040503050406030204" pitchFamily="18" charset="0"/>
+                            </a:rPr>
+                          </m:ctrlPr>
+                        </m:sSubPr>
+                        <m:e>
+                          <m:r>
+                            <a:rPr lang="en-US" sz="2800" b="0" i="1" smtClean="0">
+                              <a:effectLst/>
+                              <a:latin typeface="Cambria Math" panose="02040503050406030204" pitchFamily="18" charset="0"/>
+                            </a:rPr>
+                            <m:t>𝐻</m:t>
+                          </m:r>
+                        </m:e>
+                        <m:sub>
+                          <m:r>
+                            <a:rPr lang="en-US" sz="2800" b="0" i="1" smtClean="0">
+                              <a:effectLst/>
+                              <a:latin typeface="Cambria Math" panose="02040503050406030204" pitchFamily="18" charset="0"/>
+                            </a:rPr>
+                            <m:t>0</m:t>
+                          </m:r>
+                        </m:sub>
+                      </m:sSub>
+                      <m:r>
+                        <a:rPr lang="en-US" sz="2800" b="0" i="0" smtClean="0">
+                          <a:effectLst/>
+                          <a:latin typeface="Cambria Math" panose="02040503050406030204" pitchFamily="18" charset="0"/>
+                        </a:rPr>
+                        <m:t>:</m:t>
+                      </m:r>
+                      <m:sSub>
+                        <m:sSubPr>
+                          <m:ctrlPr>
+                            <a:rPr lang="en-US" sz="2800" b="0" i="1" smtClean="0">
+                              <a:effectLst/>
+                              <a:latin typeface="Cambria Math" panose="02040503050406030204" pitchFamily="18" charset="0"/>
+                            </a:rPr>
+                          </m:ctrlPr>
+                        </m:sSubPr>
+                        <m:e>
+                          <m:r>
+                            <a:rPr lang="en-US" sz="2800" b="0" i="1" smtClean="0">
+                              <a:effectLst/>
+                              <a:latin typeface="Cambria Math" panose="02040503050406030204" pitchFamily="18" charset="0"/>
+                            </a:rPr>
+                            <m:t>𝛽</m:t>
+                          </m:r>
+                        </m:e>
+                        <m:sub>
+                          <m:r>
+                            <a:rPr lang="en-US" sz="2800" b="0" i="1" smtClean="0">
+                              <a:effectLst/>
+                              <a:latin typeface="Cambria Math" panose="02040503050406030204" pitchFamily="18" charset="0"/>
+                            </a:rPr>
+                            <m:t>1</m:t>
+                          </m:r>
+                        </m:sub>
+                      </m:sSub>
+                      <m:r>
+                        <a:rPr lang="en-US" sz="2800" b="0" i="1" smtClean="0">
+                          <a:effectLst/>
+                          <a:latin typeface="Cambria Math" panose="02040503050406030204" pitchFamily="18" charset="0"/>
+                        </a:rPr>
+                        <m:t>=0       </m:t>
+                      </m:r>
+                      <m:sSub>
+                        <m:sSubPr>
+                          <m:ctrlPr>
+                            <a:rPr lang="en-US" sz="2800" b="0" i="1" smtClean="0">
+                              <a:effectLst/>
+                              <a:latin typeface="Cambria Math" panose="02040503050406030204" pitchFamily="18" charset="0"/>
+                            </a:rPr>
+                          </m:ctrlPr>
+                        </m:sSubPr>
+                        <m:e>
+                          <m:r>
+                            <a:rPr lang="en-US" sz="2800" b="0" i="1" smtClean="0">
+                              <a:effectLst/>
+                              <a:latin typeface="Cambria Math" panose="02040503050406030204" pitchFamily="18" charset="0"/>
+                            </a:rPr>
+                            <m:t>  </m:t>
+                          </m:r>
+                          <m:r>
+                            <a:rPr lang="en-US" sz="2800" b="0" i="1" smtClean="0">
+                              <a:effectLst/>
+                              <a:latin typeface="Cambria Math" panose="02040503050406030204" pitchFamily="18" charset="0"/>
+                            </a:rPr>
+                            <m:t>𝐻</m:t>
+                          </m:r>
+                        </m:e>
+                        <m:sub>
+                          <m:r>
+                            <a:rPr lang="en-US" sz="2800" b="0" i="1" smtClean="0">
+                              <a:effectLst/>
+                              <a:latin typeface="Cambria Math" panose="02040503050406030204" pitchFamily="18" charset="0"/>
+                            </a:rPr>
+                            <m:t>1</m:t>
+                          </m:r>
+                        </m:sub>
+                      </m:sSub>
+                      <m:r>
+                        <a:rPr lang="en-US" sz="2800" b="0" i="1" smtClean="0">
+                          <a:effectLst/>
+                          <a:latin typeface="Cambria Math" panose="02040503050406030204" pitchFamily="18" charset="0"/>
+                        </a:rPr>
+                        <m:t>:</m:t>
+                      </m:r>
+                      <m:sSub>
+                        <m:sSubPr>
+                          <m:ctrlPr>
+                            <a:rPr lang="en-US" sz="2800" b="0" i="1" smtClean="0">
+                              <a:effectLst/>
+                              <a:latin typeface="Cambria Math" panose="02040503050406030204" pitchFamily="18" charset="0"/>
+                            </a:rPr>
+                          </m:ctrlPr>
+                        </m:sSubPr>
+                        <m:e>
+                          <m:r>
+                            <a:rPr lang="en-US" sz="2800" b="0" i="1" smtClean="0">
+                              <a:effectLst/>
+                              <a:latin typeface="Cambria Math" panose="02040503050406030204" pitchFamily="18" charset="0"/>
+                            </a:rPr>
+                            <m:t>𝛽</m:t>
+                          </m:r>
+                        </m:e>
+                        <m:sub>
+                          <m:r>
+                            <a:rPr lang="en-US" sz="2800" b="0" i="1" smtClean="0">
+                              <a:effectLst/>
+                              <a:latin typeface="Cambria Math" panose="02040503050406030204" pitchFamily="18" charset="0"/>
+                            </a:rPr>
+                            <m:t>1</m:t>
+                          </m:r>
+                        </m:sub>
+                      </m:sSub>
+                      <m:r>
+                        <a:rPr lang="en-US" sz="2800" b="0" i="1" smtClean="0">
+                          <a:effectLst/>
+                          <a:latin typeface="Cambria Math" panose="02040503050406030204" pitchFamily="18" charset="0"/>
+                        </a:rPr>
+                        <m:t>≠0</m:t>
+                      </m:r>
+                    </m:oMath>
+                  </m:oMathPara>
+                </a14:m>
+                <a:endParaRPr lang="en-US" sz="2800" dirty="0"/>
+              </a:p>
+            </p:txBody>
+          </p:sp>
+        </mc:Choice>
+        <mc:Fallback>
+          <p:sp>
+            <p:nvSpPr>
+              <p:cNvPr id="6" name="TextBox 5">
+                <a:extLst>
+                  <a:ext uri="{FF2B5EF4-FFF2-40B4-BE49-F238E27FC236}">
+                    <a16:creationId xmlns:a16="http://schemas.microsoft.com/office/drawing/2014/main" id="{AFF98597-0601-DACD-84EA-308CACE96A45}"/>
+                  </a:ext>
+                </a:extLst>
+              </p:cNvPr>
+              <p:cNvSpPr txBox="1">
+                <a:spLocks noRot="1" noChangeAspect="1" noMove="1" noResize="1" noEditPoints="1" noAdjustHandles="1" noChangeArrowheads="1" noChangeShapeType="1" noTextEdit="1"/>
+              </p:cNvSpPr>
+              <p:nvPr/>
+            </p:nvSpPr>
+            <p:spPr>
+              <a:xfrm>
+                <a:off x="-139485" y="4466971"/>
+                <a:ext cx="5929393" cy="523220"/>
+              </a:xfrm>
+              <a:prstGeom prst="rect">
+                <a:avLst/>
+              </a:prstGeom>
+              <a:blipFill>
+                <a:blip r:embed="rId5"/>
+                <a:stretch>
+                  <a:fillRect b="-18605"/>
+                </a:stretch>
+              </a:blipFill>
+            </p:spPr>
+            <p:txBody>
+              <a:bodyPr/>
+              <a:lstStyle/>
+              <a:p>
+                <a:r>
+                  <a:rPr lang="en-US">
+                    <a:noFill/>
+                  </a:rPr>
+                  <a:t> </a:t>
+                </a:r>
+              </a:p>
+            </p:txBody>
+          </p:sp>
+        </mc:Fallback>
+      </mc:AlternateContent>
+    </p:spTree>
+    <p:extLst>
+      <p:ext uri="{BB962C8B-B14F-4D97-AF65-F5344CB8AC3E}">
+        <p14:creationId xmlns:p14="http://schemas.microsoft.com/office/powerpoint/2010/main" val="773782974"/>
+      </p:ext>
+    </p:extLst>
+  </p:cSld>
+  <p:clrMapOvr>
+    <a:masterClrMapping/>
+  </p:clrMapOvr>
+</p:sld>
+</file>
+
+<file path=ppt/slides/slide15.xml><?xml version="1.0" encoding="utf-8"?>
 <p:sld xmlns:a="http://schemas.openxmlformats.org/drawingml/2006/main" xmlns:r="http://schemas.openxmlformats.org/officeDocument/2006/relationships" xmlns:p="http://schemas.openxmlformats.org/presentationml/2006/main">
   <p:cSld>
     <p:spTree>
@@ -6024,10 +9946,10 @@
       </p:sp>
       <p:sp>
         <p:nvSpPr>
-          <p:cNvPr id="8" name="TextBox 7">
+          <p:cNvPr id="3" name="TextBox 2">
             <a:extLst>
               <a:ext uri="{FF2B5EF4-FFF2-40B4-BE49-F238E27FC236}">
-                <a16:creationId xmlns:a16="http://schemas.microsoft.com/office/drawing/2014/main" id="{099A7ED8-73D5-9A40-A9DE-A26FA654736F}"/>
+                <a16:creationId xmlns:a16="http://schemas.microsoft.com/office/drawing/2014/main" id="{429C719F-2DE0-7AA6-4FD0-861BA603DC91}"/>
               </a:ext>
             </a:extLst>
           </p:cNvPr>
@@ -6036,7 +9958,7 @@
         </p:nvSpPr>
         <p:spPr>
           <a:xfrm>
-            <a:off x="838200" y="1920231"/>
+            <a:off x="838200" y="1906555"/>
             <a:ext cx="10515600" cy="523220"/>
           </a:xfrm>
           <a:prstGeom prst="rect">
@@ -6051,17 +9973,488 @@
           <a:lstStyle/>
           <a:p>
             <a:r>
-              <a:rPr lang="en-US" sz="2800" b="0" dirty="0"/>
-              <a:t>Does the linear model make sense?</a:t>
+              <a:rPr lang="en-US" sz="2800" dirty="0"/>
+              <a:t>For the hypothesis testing, we need a t-statistic (not z-statistic)</a:t>
             </a:r>
-            <a:endParaRPr lang="en-US" sz="2800" dirty="0"/>
           </a:p>
         </p:txBody>
       </p:sp>
+      <mc:AlternateContent xmlns:mc="http://schemas.openxmlformats.org/markup-compatibility/2006">
+        <mc:Choice xmlns:a14="http://schemas.microsoft.com/office/drawing/2010/main" Requires="a14">
+          <p:sp>
+            <p:nvSpPr>
+              <p:cNvPr id="5" name="TextBox 4">
+                <a:extLst>
+                  <a:ext uri="{FF2B5EF4-FFF2-40B4-BE49-F238E27FC236}">
+                    <a16:creationId xmlns:a16="http://schemas.microsoft.com/office/drawing/2014/main" id="{D908B8A5-6870-CE5C-DA74-9E6C5117C6A8}"/>
+                  </a:ext>
+                </a:extLst>
+              </p:cNvPr>
+              <p:cNvSpPr txBox="1"/>
+              <p:nvPr/>
+            </p:nvSpPr>
+            <p:spPr>
+              <a:xfrm>
+                <a:off x="838200" y="2993185"/>
+                <a:ext cx="10515600" cy="523220"/>
+              </a:xfrm>
+              <a:prstGeom prst="rect">
+                <a:avLst/>
+              </a:prstGeom>
+              <a:noFill/>
+            </p:spPr>
+            <p:txBody>
+              <a:bodyPr wrap="square">
+                <a:spAutoFit/>
+              </a:bodyPr>
+              <a:lstStyle/>
+              <a:p>
+                <a:r>
+                  <a:rPr lang="en-US" sz="2800" dirty="0"/>
+                  <a:t>Because we do not know the true </a:t>
+                </a:r>
+                <a14:m>
+                  <m:oMath xmlns:m="http://schemas.openxmlformats.org/officeDocument/2006/math">
+                    <m:r>
+                      <a:rPr lang="en-US" sz="2800" b="0" i="1" smtClean="0">
+                        <a:effectLst/>
+                        <a:latin typeface="Cambria Math" panose="02040503050406030204" pitchFamily="18" charset="0"/>
+                      </a:rPr>
+                      <m:t>𝜎</m:t>
+                    </m:r>
+                  </m:oMath>
+                </a14:m>
+                <a:r>
+                  <a:rPr lang="en-US" sz="2800" dirty="0"/>
+                  <a:t>!</a:t>
+                </a:r>
+              </a:p>
+            </p:txBody>
+          </p:sp>
+        </mc:Choice>
+        <mc:Fallback>
+          <p:sp>
+            <p:nvSpPr>
+              <p:cNvPr id="5" name="TextBox 4">
+                <a:extLst>
+                  <a:ext uri="{FF2B5EF4-FFF2-40B4-BE49-F238E27FC236}">
+                    <a16:creationId xmlns:a16="http://schemas.microsoft.com/office/drawing/2014/main" id="{D908B8A5-6870-CE5C-DA74-9E6C5117C6A8}"/>
+                  </a:ext>
+                </a:extLst>
+              </p:cNvPr>
+              <p:cNvSpPr txBox="1">
+                <a:spLocks noRot="1" noChangeAspect="1" noMove="1" noResize="1" noEditPoints="1" noAdjustHandles="1" noChangeArrowheads="1" noChangeShapeType="1" noTextEdit="1"/>
+              </p:cNvSpPr>
+              <p:nvPr/>
+            </p:nvSpPr>
+            <p:spPr>
+              <a:xfrm>
+                <a:off x="838200" y="2993185"/>
+                <a:ext cx="10515600" cy="523220"/>
+              </a:xfrm>
+              <a:prstGeom prst="rect">
+                <a:avLst/>
+              </a:prstGeom>
+              <a:blipFill>
+                <a:blip r:embed="rId3"/>
+                <a:stretch>
+                  <a:fillRect l="-1206" t="-11905" b="-30952"/>
+                </a:stretch>
+              </a:blipFill>
+            </p:spPr>
+            <p:txBody>
+              <a:bodyPr/>
+              <a:lstStyle/>
+              <a:p>
+                <a:r>
+                  <a:rPr lang="en-US">
+                    <a:noFill/>
+                  </a:rPr>
+                  <a:t> </a:t>
+                </a:r>
+              </a:p>
+            </p:txBody>
+          </p:sp>
+        </mc:Fallback>
+      </mc:AlternateContent>
+      <mc:AlternateContent xmlns:mc="http://schemas.openxmlformats.org/markup-compatibility/2006">
+        <mc:Choice xmlns:a14="http://schemas.microsoft.com/office/drawing/2010/main" Requires="a14">
+          <p:sp>
+            <p:nvSpPr>
+              <p:cNvPr id="4" name="TextBox 3">
+                <a:extLst>
+                  <a:ext uri="{FF2B5EF4-FFF2-40B4-BE49-F238E27FC236}">
+                    <a16:creationId xmlns:a16="http://schemas.microsoft.com/office/drawing/2014/main" id="{E9986935-1901-678D-6EBA-0ABADF86305B}"/>
+                  </a:ext>
+                </a:extLst>
+              </p:cNvPr>
+              <p:cNvSpPr txBox="1"/>
+              <p:nvPr/>
+            </p:nvSpPr>
+            <p:spPr>
+              <a:xfrm>
+                <a:off x="838200" y="4050072"/>
+                <a:ext cx="10515600" cy="787523"/>
+              </a:xfrm>
+              <a:prstGeom prst="rect">
+                <a:avLst/>
+              </a:prstGeom>
+              <a:noFill/>
+            </p:spPr>
+            <p:txBody>
+              <a:bodyPr wrap="square">
+                <a:spAutoFit/>
+              </a:bodyPr>
+              <a:lstStyle/>
+              <a:p>
+                <a:r>
+                  <a:rPr lang="en-US" sz="2800" dirty="0"/>
+                  <a:t>We can only estimate </a:t>
+                </a:r>
+                <a14:m>
+                  <m:oMath xmlns:m="http://schemas.openxmlformats.org/officeDocument/2006/math">
+                    <m:r>
+                      <a:rPr lang="en-US" sz="2800" b="0" i="1" smtClean="0">
+                        <a:effectLst/>
+                        <a:latin typeface="Cambria Math" panose="02040503050406030204" pitchFamily="18" charset="0"/>
+                      </a:rPr>
+                      <m:t>𝜎</m:t>
+                    </m:r>
+                  </m:oMath>
+                </a14:m>
+                <a:r>
+                  <a:rPr lang="en-US" sz="2800" dirty="0"/>
+                  <a:t> by </a:t>
+                </a:r>
+                <a14:m>
+                  <m:oMath xmlns:m="http://schemas.openxmlformats.org/officeDocument/2006/math">
+                    <m:sSup>
+                      <m:sSupPr>
+                        <m:ctrlPr>
+                          <a:rPr lang="en-US" sz="2800" b="0" i="1" dirty="0" smtClean="0">
+                            <a:latin typeface="Cambria Math" panose="02040503050406030204" pitchFamily="18" charset="0"/>
+                          </a:rPr>
+                        </m:ctrlPr>
+                      </m:sSupPr>
+                      <m:e>
+                        <m:acc>
+                          <m:accPr>
+                            <m:chr m:val="̂"/>
+                            <m:ctrlPr>
+                              <a:rPr lang="en-US" sz="2800" i="1" dirty="0">
+                                <a:latin typeface="Cambria Math" panose="02040503050406030204" pitchFamily="18" charset="0"/>
+                              </a:rPr>
+                            </m:ctrlPr>
+                          </m:accPr>
+                          <m:e>
+                            <m:r>
+                              <a:rPr lang="en-US" sz="2800" b="0" i="1" dirty="0" smtClean="0">
+                                <a:latin typeface="Cambria Math" panose="02040503050406030204" pitchFamily="18" charset="0"/>
+                              </a:rPr>
+                              <m:t>𝜎</m:t>
+                            </m:r>
+                          </m:e>
+                        </m:acc>
+                      </m:e>
+                      <m:sup>
+                        <m:r>
+                          <a:rPr lang="en-US" sz="2800" b="0" i="1" dirty="0" smtClean="0">
+                            <a:latin typeface="Cambria Math" panose="02040503050406030204" pitchFamily="18" charset="0"/>
+                          </a:rPr>
+                          <m:t>2</m:t>
+                        </m:r>
+                      </m:sup>
+                    </m:sSup>
+                    <m:r>
+                      <a:rPr lang="en-US" sz="2800" b="0" i="1" dirty="0" smtClean="0">
+                        <a:latin typeface="Cambria Math" panose="02040503050406030204" pitchFamily="18" charset="0"/>
+                      </a:rPr>
+                      <m:t>=</m:t>
+                    </m:r>
+                    <m:f>
+                      <m:fPr>
+                        <m:ctrlPr>
+                          <a:rPr lang="en-US" sz="2800" b="0" i="1" dirty="0" smtClean="0">
+                            <a:latin typeface="Cambria Math" panose="02040503050406030204" pitchFamily="18" charset="0"/>
+                          </a:rPr>
+                        </m:ctrlPr>
+                      </m:fPr>
+                      <m:num>
+                        <m:r>
+                          <a:rPr lang="en-US" sz="2800" b="0" i="1" dirty="0" smtClean="0">
+                            <a:latin typeface="Cambria Math" panose="02040503050406030204" pitchFamily="18" charset="0"/>
+                          </a:rPr>
+                          <m:t>1</m:t>
+                        </m:r>
+                      </m:num>
+                      <m:den>
+                        <m:r>
+                          <a:rPr lang="en-US" sz="2800" b="0" i="1" dirty="0" smtClean="0">
+                            <a:latin typeface="Cambria Math" panose="02040503050406030204" pitchFamily="18" charset="0"/>
+                          </a:rPr>
+                          <m:t>|</m:t>
+                        </m:r>
+                        <m:r>
+                          <a:rPr lang="en-US" sz="2800" b="0" i="1" dirty="0" smtClean="0">
+                            <a:latin typeface="Cambria Math" panose="02040503050406030204" pitchFamily="18" charset="0"/>
+                          </a:rPr>
+                          <m:t>𝐷</m:t>
+                        </m:r>
+                        <m:r>
+                          <a:rPr lang="en-US" sz="2800" b="0" i="1" dirty="0" smtClean="0">
+                            <a:latin typeface="Cambria Math" panose="02040503050406030204" pitchFamily="18" charset="0"/>
+                          </a:rPr>
+                          <m:t>|</m:t>
+                        </m:r>
+                      </m:den>
+                    </m:f>
+                    <m:nary>
+                      <m:naryPr>
+                        <m:chr m:val="∑"/>
+                        <m:supHide m:val="on"/>
+                        <m:ctrlPr>
+                          <a:rPr lang="en-US" sz="2800" b="0" i="1" dirty="0" smtClean="0">
+                            <a:latin typeface="Cambria Math" panose="02040503050406030204" pitchFamily="18" charset="0"/>
+                          </a:rPr>
+                        </m:ctrlPr>
+                      </m:naryPr>
+                      <m:sub>
+                        <m:r>
+                          <a:rPr lang="en-US" sz="2800" b="0" i="1" dirty="0" smtClean="0">
+                            <a:latin typeface="Cambria Math" panose="02040503050406030204" pitchFamily="18" charset="0"/>
+                          </a:rPr>
+                          <m:t>𝑖</m:t>
+                        </m:r>
+                      </m:sub>
+                      <m:sup/>
+                      <m:e>
+                        <m:sSup>
+                          <m:sSupPr>
+                            <m:ctrlPr>
+                              <a:rPr lang="en-US" sz="2800" b="0" i="1" dirty="0" smtClean="0">
+                                <a:latin typeface="Cambria Math" panose="02040503050406030204" pitchFamily="18" charset="0"/>
+                              </a:rPr>
+                            </m:ctrlPr>
+                          </m:sSupPr>
+                          <m:e>
+                            <m:d>
+                              <m:dPr>
+                                <m:ctrlPr>
+                                  <a:rPr lang="en-US" sz="2800" b="0" i="1" dirty="0" smtClean="0">
+                                    <a:latin typeface="Cambria Math" panose="02040503050406030204" pitchFamily="18" charset="0"/>
+                                  </a:rPr>
+                                </m:ctrlPr>
+                              </m:dPr>
+                              <m:e>
+                                <m:sSub>
+                                  <m:sSubPr>
+                                    <m:ctrlPr>
+                                      <a:rPr lang="en-US" sz="2800" b="0" i="1" dirty="0" smtClean="0">
+                                        <a:latin typeface="Cambria Math" panose="02040503050406030204" pitchFamily="18" charset="0"/>
+                                      </a:rPr>
+                                    </m:ctrlPr>
+                                  </m:sSubPr>
+                                  <m:e>
+                                    <m:r>
+                                      <a:rPr lang="en-US" sz="2800" b="0" i="1" dirty="0" smtClean="0">
+                                        <a:latin typeface="Cambria Math" panose="02040503050406030204" pitchFamily="18" charset="0"/>
+                                      </a:rPr>
+                                      <m:t>𝑦</m:t>
+                                    </m:r>
+                                  </m:e>
+                                  <m:sub>
+                                    <m:r>
+                                      <a:rPr lang="en-US" sz="2800" b="0" i="1" dirty="0" smtClean="0">
+                                        <a:latin typeface="Cambria Math" panose="02040503050406030204" pitchFamily="18" charset="0"/>
+                                      </a:rPr>
+                                      <m:t>𝑖</m:t>
+                                    </m:r>
+                                  </m:sub>
+                                </m:sSub>
+                                <m:r>
+                                  <a:rPr lang="en-US" sz="2800" b="0" i="1" dirty="0" smtClean="0">
+                                    <a:latin typeface="Cambria Math" panose="02040503050406030204" pitchFamily="18" charset="0"/>
+                                  </a:rPr>
+                                  <m:t>−</m:t>
+                                </m:r>
+                                <m:sSub>
+                                  <m:sSubPr>
+                                    <m:ctrlPr>
+                                      <a:rPr lang="en-US" sz="2800" i="1" dirty="0">
+                                        <a:latin typeface="Cambria Math" panose="02040503050406030204" pitchFamily="18" charset="0"/>
+                                      </a:rPr>
+                                    </m:ctrlPr>
+                                  </m:sSubPr>
+                                  <m:e>
+                                    <m:acc>
+                                      <m:accPr>
+                                        <m:chr m:val="̂"/>
+                                        <m:ctrlPr>
+                                          <a:rPr lang="en-US" sz="2800" i="1">
+                                            <a:latin typeface="Cambria Math" panose="02040503050406030204" pitchFamily="18" charset="0"/>
+                                          </a:rPr>
+                                        </m:ctrlPr>
+                                      </m:accPr>
+                                      <m:e>
+                                        <m:r>
+                                          <a:rPr lang="en-US" sz="2800" i="1">
+                                            <a:latin typeface="Cambria Math" panose="02040503050406030204" pitchFamily="18" charset="0"/>
+                                          </a:rPr>
+                                          <m:t>𝛽</m:t>
+                                        </m:r>
+                                      </m:e>
+                                    </m:acc>
+                                  </m:e>
+                                  <m:sub>
+                                    <m:r>
+                                      <a:rPr lang="en-US" sz="2800" i="1" dirty="0">
+                                        <a:latin typeface="Cambria Math" panose="02040503050406030204" pitchFamily="18" charset="0"/>
+                                      </a:rPr>
+                                      <m:t>0</m:t>
+                                    </m:r>
+                                  </m:sub>
+                                </m:sSub>
+                                <m:r>
+                                  <a:rPr lang="en-US" sz="2800" b="0" i="1" dirty="0" smtClean="0">
+                                    <a:latin typeface="Cambria Math" panose="02040503050406030204" pitchFamily="18" charset="0"/>
+                                  </a:rPr>
+                                  <m:t>−</m:t>
+                                </m:r>
+                                <m:sSub>
+                                  <m:sSubPr>
+                                    <m:ctrlPr>
+                                      <a:rPr lang="en-US" sz="2800" i="1" dirty="0">
+                                        <a:latin typeface="Cambria Math" panose="02040503050406030204" pitchFamily="18" charset="0"/>
+                                      </a:rPr>
+                                    </m:ctrlPr>
+                                  </m:sSubPr>
+                                  <m:e>
+                                    <m:acc>
+                                      <m:accPr>
+                                        <m:chr m:val="̂"/>
+                                        <m:ctrlPr>
+                                          <a:rPr lang="en-US" sz="2800" i="1">
+                                            <a:latin typeface="Cambria Math" panose="02040503050406030204" pitchFamily="18" charset="0"/>
+                                          </a:rPr>
+                                        </m:ctrlPr>
+                                      </m:accPr>
+                                      <m:e>
+                                        <m:r>
+                                          <a:rPr lang="en-US" sz="2800" i="1">
+                                            <a:latin typeface="Cambria Math" panose="02040503050406030204" pitchFamily="18" charset="0"/>
+                                          </a:rPr>
+                                          <m:t>𝛽</m:t>
+                                        </m:r>
+                                      </m:e>
+                                    </m:acc>
+                                  </m:e>
+                                  <m:sub>
+                                    <m:r>
+                                      <a:rPr lang="en-US" sz="2800" i="1">
+                                        <a:latin typeface="Cambria Math" panose="02040503050406030204" pitchFamily="18" charset="0"/>
+                                      </a:rPr>
+                                      <m:t>1</m:t>
+                                    </m:r>
+                                  </m:sub>
+                                </m:sSub>
+                                <m:sSub>
+                                  <m:sSubPr>
+                                    <m:ctrlPr>
+                                      <a:rPr lang="en-US" sz="2800" b="0" i="1" smtClean="0">
+                                        <a:latin typeface="Cambria Math" panose="02040503050406030204" pitchFamily="18" charset="0"/>
+                                      </a:rPr>
+                                    </m:ctrlPr>
+                                  </m:sSubPr>
+                                  <m:e>
+                                    <m:r>
+                                      <a:rPr lang="en-US" sz="2800" i="1">
+                                        <a:latin typeface="Cambria Math" panose="02040503050406030204" pitchFamily="18" charset="0"/>
+                                      </a:rPr>
+                                      <m:t>𝑥</m:t>
+                                    </m:r>
+                                  </m:e>
+                                  <m:sub>
+                                    <m:r>
+                                      <a:rPr lang="en-US" sz="2800" b="0" i="1" smtClean="0">
+                                        <a:latin typeface="Cambria Math" panose="02040503050406030204" pitchFamily="18" charset="0"/>
+                                      </a:rPr>
+                                      <m:t>𝑖</m:t>
+                                    </m:r>
+                                  </m:sub>
+                                </m:sSub>
+                              </m:e>
+                            </m:d>
+                          </m:e>
+                          <m:sup>
+                            <m:r>
+                              <a:rPr lang="en-US" sz="2800" b="0" i="1" smtClean="0">
+                                <a:latin typeface="Cambria Math" panose="02040503050406030204" pitchFamily="18" charset="0"/>
+                              </a:rPr>
+                              <m:t>2</m:t>
+                            </m:r>
+                          </m:sup>
+                        </m:sSup>
+                      </m:e>
+                    </m:nary>
+                  </m:oMath>
+                </a14:m>
+                <a:r>
+                  <a:rPr lang="en-US" sz="2800" dirty="0"/>
+                  <a:t>  </a:t>
+                </a:r>
+              </a:p>
+            </p:txBody>
+          </p:sp>
+        </mc:Choice>
+        <mc:Fallback>
+          <p:sp>
+            <p:nvSpPr>
+              <p:cNvPr id="4" name="TextBox 3">
+                <a:extLst>
+                  <a:ext uri="{FF2B5EF4-FFF2-40B4-BE49-F238E27FC236}">
+                    <a16:creationId xmlns:a16="http://schemas.microsoft.com/office/drawing/2014/main" id="{E9986935-1901-678D-6EBA-0ABADF86305B}"/>
+                  </a:ext>
+                </a:extLst>
+              </p:cNvPr>
+              <p:cNvSpPr txBox="1">
+                <a:spLocks noRot="1" noChangeAspect="1" noMove="1" noResize="1" noEditPoints="1" noAdjustHandles="1" noChangeArrowheads="1" noChangeShapeType="1" noTextEdit="1"/>
+              </p:cNvSpPr>
+              <p:nvPr/>
+            </p:nvSpPr>
+            <p:spPr>
+              <a:xfrm>
+                <a:off x="838200" y="4050072"/>
+                <a:ext cx="10515600" cy="787523"/>
+              </a:xfrm>
+              <a:prstGeom prst="rect">
+                <a:avLst/>
+              </a:prstGeom>
+              <a:blipFill>
+                <a:blip r:embed="rId4"/>
+                <a:stretch>
+                  <a:fillRect l="-1206" t="-67188" b="-107813"/>
+                </a:stretch>
+              </a:blipFill>
+            </p:spPr>
+            <p:txBody>
+              <a:bodyPr/>
+              <a:lstStyle/>
+              <a:p>
+                <a:r>
+                  <a:rPr lang="en-US">
+                    <a:noFill/>
+                  </a:rPr>
+                  <a:t> </a:t>
+                </a:r>
+              </a:p>
+            </p:txBody>
+          </p:sp>
+        </mc:Fallback>
+      </mc:AlternateContent>
     </p:spTree>
     <p:extLst>
       <p:ext uri="{BB962C8B-B14F-4D97-AF65-F5344CB8AC3E}">
-        <p14:creationId xmlns:p14="http://schemas.microsoft.com/office/powerpoint/2010/main" val="773782974"/>
+        <p14:creationId xmlns:p14="http://schemas.microsoft.com/office/powerpoint/2010/main" val="1728597661"/>
       </p:ext>
     </p:extLst>
   </p:cSld>
@@ -6071,7 +10464,651 @@
 </p:sld>
 </file>
 
-<file path=ppt/slides/slide13.xml><?xml version="1.0" encoding="utf-8"?>
+<file path=ppt/slides/slide16.xml><?xml version="1.0" encoding="utf-8"?>
+<p:sld xmlns:a="http://schemas.openxmlformats.org/drawingml/2006/main" xmlns:r="http://schemas.openxmlformats.org/officeDocument/2006/relationships" xmlns:p="http://schemas.openxmlformats.org/presentationml/2006/main">
+  <p:cSld>
+    <p:spTree>
+      <p:nvGrpSpPr>
+        <p:cNvPr id="1" name=""/>
+        <p:cNvGrpSpPr/>
+        <p:nvPr/>
+      </p:nvGrpSpPr>
+      <p:grpSpPr>
+        <a:xfrm>
+          <a:off x="0" y="0"/>
+          <a:ext cx="0" cy="0"/>
+          <a:chOff x="0" y="0"/>
+          <a:chExt cx="0" cy="0"/>
+        </a:xfrm>
+      </p:grpSpPr>
+      <p:sp>
+        <p:nvSpPr>
+          <p:cNvPr id="2" name="Title 1"/>
+          <p:cNvSpPr>
+            <a:spLocks noGrp="1"/>
+          </p:cNvSpPr>
+          <p:nvPr>
+            <p:ph type="title"/>
+          </p:nvPr>
+        </p:nvSpPr>
+        <p:spPr>
+          <a:xfrm>
+            <a:off x="838200" y="365126"/>
+            <a:ext cx="10515600" cy="981894"/>
+          </a:xfrm>
+        </p:spPr>
+        <p:txBody>
+          <a:bodyPr>
+            <a:normAutofit/>
+          </a:bodyPr>
+          <a:lstStyle/>
+          <a:p>
+            <a:r>
+              <a:rPr lang="en-US" dirty="0"/>
+              <a:t>Hypothesis Testing</a:t>
+            </a:r>
+          </a:p>
+        </p:txBody>
+      </p:sp>
+      <mc:AlternateContent xmlns:mc="http://schemas.openxmlformats.org/markup-compatibility/2006">
+        <mc:Choice xmlns:a14="http://schemas.microsoft.com/office/drawing/2010/main" Requires="a14">
+          <p:sp>
+            <p:nvSpPr>
+              <p:cNvPr id="6" name="TextBox 5">
+                <a:extLst>
+                  <a:ext uri="{FF2B5EF4-FFF2-40B4-BE49-F238E27FC236}">
+                    <a16:creationId xmlns:a16="http://schemas.microsoft.com/office/drawing/2014/main" id="{F62D55BB-E5C6-5CCA-3945-BF2473E78573}"/>
+                  </a:ext>
+                </a:extLst>
+              </p:cNvPr>
+              <p:cNvSpPr txBox="1"/>
+              <p:nvPr/>
+            </p:nvSpPr>
+            <p:spPr>
+              <a:xfrm>
+                <a:off x="3491767" y="1839234"/>
+                <a:ext cx="3978416" cy="848822"/>
+              </a:xfrm>
+              <a:prstGeom prst="rect">
+                <a:avLst/>
+              </a:prstGeom>
+              <a:noFill/>
+            </p:spPr>
+            <p:txBody>
+              <a:bodyPr wrap="square">
+                <a:spAutoFit/>
+              </a:bodyPr>
+              <a:lstStyle/>
+              <a:p>
+                <a14:m>
+                  <m:oMath xmlns:m="http://schemas.openxmlformats.org/officeDocument/2006/math">
+                    <m:sSub>
+                      <m:sSubPr>
+                        <m:ctrlPr>
+                          <a:rPr lang="en-US" sz="2800" i="1" dirty="0" smtClean="0">
+                            <a:latin typeface="Cambria Math" panose="02040503050406030204" pitchFamily="18" charset="0"/>
+                          </a:rPr>
+                        </m:ctrlPr>
+                      </m:sSubPr>
+                      <m:e>
+                        <m:sSup>
+                          <m:sSupPr>
+                            <m:ctrlPr>
+                              <a:rPr lang="en-US" sz="2800" b="0" i="1" dirty="0" smtClean="0">
+                                <a:latin typeface="Cambria Math" panose="02040503050406030204" pitchFamily="18" charset="0"/>
+                              </a:rPr>
+                            </m:ctrlPr>
+                          </m:sSupPr>
+                          <m:e>
+                            <m:acc>
+                              <m:accPr>
+                                <m:chr m:val="̂"/>
+                                <m:ctrlPr>
+                                  <a:rPr lang="en-US" sz="2800" i="1" dirty="0" smtClean="0">
+                                    <a:latin typeface="Cambria Math" panose="02040503050406030204" pitchFamily="18" charset="0"/>
+                                  </a:rPr>
+                                </m:ctrlPr>
+                              </m:accPr>
+                              <m:e>
+                                <m:r>
+                                  <a:rPr lang="en-US" sz="2800" b="0" i="1" dirty="0" smtClean="0">
+                                    <a:latin typeface="Cambria Math" panose="02040503050406030204" pitchFamily="18" charset="0"/>
+                                  </a:rPr>
+                                  <m:t>𝑆𝐸</m:t>
+                                </m:r>
+                              </m:e>
+                            </m:acc>
+                          </m:e>
+                          <m:sup>
+                            <m:r>
+                              <a:rPr lang="en-US" sz="2800" b="0" i="1" dirty="0" smtClean="0">
+                                <a:latin typeface="Cambria Math" panose="02040503050406030204" pitchFamily="18" charset="0"/>
+                              </a:rPr>
+                              <m:t>2</m:t>
+                            </m:r>
+                          </m:sup>
+                        </m:sSup>
+                        <m:r>
+                          <a:rPr lang="en-US" sz="2800" b="0" i="1" dirty="0" smtClean="0">
+                            <a:latin typeface="Cambria Math" panose="02040503050406030204" pitchFamily="18" charset="0"/>
+                          </a:rPr>
+                          <m:t> </m:t>
+                        </m:r>
+                        <m:r>
+                          <a:rPr lang="en-US" sz="2800" b="0" i="1" dirty="0" smtClean="0">
+                            <a:latin typeface="Cambria Math" panose="02040503050406030204" pitchFamily="18" charset="0"/>
+                          </a:rPr>
+                          <m:t>(</m:t>
+                        </m:r>
+                        <m:acc>
+                          <m:accPr>
+                            <m:chr m:val="̂"/>
+                            <m:ctrlPr>
+                              <a:rPr lang="en-US" sz="2800" i="1">
+                                <a:latin typeface="Cambria Math" panose="02040503050406030204" pitchFamily="18" charset="0"/>
+                              </a:rPr>
+                            </m:ctrlPr>
+                          </m:accPr>
+                          <m:e>
+                            <m:r>
+                              <a:rPr lang="en-US" sz="2800" i="1">
+                                <a:latin typeface="Cambria Math" panose="02040503050406030204" pitchFamily="18" charset="0"/>
+                              </a:rPr>
+                              <m:t>𝛽</m:t>
+                            </m:r>
+                          </m:e>
+                        </m:acc>
+                      </m:e>
+                      <m:sub>
+                        <m:r>
+                          <a:rPr lang="en-US" sz="2800" b="0" i="1" smtClean="0">
+                            <a:latin typeface="Cambria Math" panose="02040503050406030204" pitchFamily="18" charset="0"/>
+                          </a:rPr>
+                          <m:t>1</m:t>
+                        </m:r>
+                      </m:sub>
+                    </m:sSub>
+                    <m:r>
+                      <a:rPr lang="en-US" sz="2800" b="0" i="1" dirty="0" smtClean="0">
+                        <a:latin typeface="Cambria Math" panose="02040503050406030204" pitchFamily="18" charset="0"/>
+                      </a:rPr>
+                      <m:t>)=</m:t>
+                    </m:r>
+                  </m:oMath>
+                </a14:m>
+                <a:r>
+                  <a:rPr lang="en-US" sz="2800" dirty="0"/>
+                  <a:t> </a:t>
+                </a:r>
+                <a14:m>
+                  <m:oMath xmlns:m="http://schemas.openxmlformats.org/officeDocument/2006/math">
+                    <m:f>
+                      <m:fPr>
+                        <m:ctrlPr>
+                          <a:rPr lang="en-US" sz="2800" i="1" dirty="0">
+                            <a:latin typeface="Cambria Math" panose="02040503050406030204" pitchFamily="18" charset="0"/>
+                          </a:rPr>
+                        </m:ctrlPr>
+                      </m:fPr>
+                      <m:num>
+                        <m:sSup>
+                          <m:sSupPr>
+                            <m:ctrlPr>
+                              <a:rPr lang="en-US" sz="2800" b="0" i="1" dirty="0" smtClean="0">
+                                <a:latin typeface="Cambria Math" panose="02040503050406030204" pitchFamily="18" charset="0"/>
+                              </a:rPr>
+                            </m:ctrlPr>
+                          </m:sSupPr>
+                          <m:e>
+                            <m:acc>
+                              <m:accPr>
+                                <m:chr m:val="̂"/>
+                                <m:ctrlPr>
+                                  <a:rPr lang="en-US" sz="2800" i="1" dirty="0">
+                                    <a:latin typeface="Cambria Math" panose="02040503050406030204" pitchFamily="18" charset="0"/>
+                                  </a:rPr>
+                                </m:ctrlPr>
+                              </m:accPr>
+                              <m:e>
+                                <m:r>
+                                  <a:rPr lang="en-US" sz="2800" b="0" i="1" dirty="0" smtClean="0">
+                                    <a:latin typeface="Cambria Math" panose="02040503050406030204" pitchFamily="18" charset="0"/>
+                                  </a:rPr>
+                                  <m:t>𝜎</m:t>
+                                </m:r>
+                              </m:e>
+                            </m:acc>
+                          </m:e>
+                          <m:sup>
+                            <m:r>
+                              <a:rPr lang="en-US" sz="2800" b="0" i="1" dirty="0" smtClean="0">
+                                <a:latin typeface="Cambria Math" panose="02040503050406030204" pitchFamily="18" charset="0"/>
+                              </a:rPr>
+                              <m:t>2</m:t>
+                            </m:r>
+                          </m:sup>
+                        </m:sSup>
+                      </m:num>
+                      <m:den>
+                        <m:nary>
+                          <m:naryPr>
+                            <m:chr m:val="∑"/>
+                            <m:supHide m:val="on"/>
+                            <m:ctrlPr>
+                              <a:rPr lang="en-US" sz="2800" i="1" dirty="0">
+                                <a:latin typeface="Cambria Math" panose="02040503050406030204" pitchFamily="18" charset="0"/>
+                              </a:rPr>
+                            </m:ctrlPr>
+                          </m:naryPr>
+                          <m:sub>
+                            <m:r>
+                              <a:rPr lang="en-US" sz="2800" i="1" dirty="0">
+                                <a:latin typeface="Cambria Math" panose="02040503050406030204" pitchFamily="18" charset="0"/>
+                              </a:rPr>
+                              <m:t>𝑖</m:t>
+                            </m:r>
+                          </m:sub>
+                          <m:sup/>
+                          <m:e>
+                            <m:sSup>
+                              <m:sSupPr>
+                                <m:ctrlPr>
+                                  <a:rPr lang="en-US" sz="2800" i="1" dirty="0">
+                                    <a:latin typeface="Cambria Math" panose="02040503050406030204" pitchFamily="18" charset="0"/>
+                                  </a:rPr>
+                                </m:ctrlPr>
+                              </m:sSupPr>
+                              <m:e>
+                                <m:d>
+                                  <m:dPr>
+                                    <m:ctrlPr>
+                                      <a:rPr lang="en-US" sz="2800" i="1" dirty="0">
+                                        <a:latin typeface="Cambria Math" panose="02040503050406030204" pitchFamily="18" charset="0"/>
+                                      </a:rPr>
+                                    </m:ctrlPr>
+                                  </m:dPr>
+                                  <m:e>
+                                    <m:sSub>
+                                      <m:sSubPr>
+                                        <m:ctrlPr>
+                                          <a:rPr lang="en-US" sz="2800" i="1" dirty="0">
+                                            <a:latin typeface="Cambria Math" panose="02040503050406030204" pitchFamily="18" charset="0"/>
+                                          </a:rPr>
+                                        </m:ctrlPr>
+                                      </m:sSubPr>
+                                      <m:e>
+                                        <m:r>
+                                          <a:rPr lang="en-US" sz="2800" i="1" dirty="0">
+                                            <a:latin typeface="Cambria Math" panose="02040503050406030204" pitchFamily="18" charset="0"/>
+                                          </a:rPr>
+                                          <m:t>𝑥</m:t>
+                                        </m:r>
+                                      </m:e>
+                                      <m:sub>
+                                        <m:r>
+                                          <a:rPr lang="en-US" sz="2800" i="1" dirty="0">
+                                            <a:latin typeface="Cambria Math" panose="02040503050406030204" pitchFamily="18" charset="0"/>
+                                          </a:rPr>
+                                          <m:t>𝑖</m:t>
+                                        </m:r>
+                                      </m:sub>
+                                    </m:sSub>
+                                    <m:r>
+                                      <a:rPr lang="en-US" sz="2800" i="1" dirty="0">
+                                        <a:latin typeface="Cambria Math" panose="02040503050406030204" pitchFamily="18" charset="0"/>
+                                      </a:rPr>
+                                      <m:t>−</m:t>
+                                    </m:r>
+                                    <m:bar>
+                                      <m:barPr>
+                                        <m:pos m:val="top"/>
+                                        <m:ctrlPr>
+                                          <a:rPr lang="en-US" sz="2800" i="1" dirty="0">
+                                            <a:latin typeface="Cambria Math" panose="02040503050406030204" pitchFamily="18" charset="0"/>
+                                          </a:rPr>
+                                        </m:ctrlPr>
+                                      </m:barPr>
+                                      <m:e>
+                                        <m:r>
+                                          <a:rPr lang="en-US" sz="2800" i="1" dirty="0">
+                                            <a:latin typeface="Cambria Math" panose="02040503050406030204" pitchFamily="18" charset="0"/>
+                                          </a:rPr>
+                                          <m:t>𝑥</m:t>
+                                        </m:r>
+                                      </m:e>
+                                    </m:bar>
+                                  </m:e>
+                                </m:d>
+                              </m:e>
+                              <m:sup>
+                                <m:r>
+                                  <a:rPr lang="en-US" sz="2800" i="1" dirty="0">
+                                    <a:latin typeface="Cambria Math" panose="02040503050406030204" pitchFamily="18" charset="0"/>
+                                  </a:rPr>
+                                  <m:t>2</m:t>
+                                </m:r>
+                              </m:sup>
+                            </m:sSup>
+                          </m:e>
+                        </m:nary>
+                      </m:den>
+                    </m:f>
+                  </m:oMath>
+                </a14:m>
+                <a:endParaRPr lang="en-US" sz="2800" dirty="0"/>
+              </a:p>
+            </p:txBody>
+          </p:sp>
+        </mc:Choice>
+        <mc:Fallback>
+          <p:sp>
+            <p:nvSpPr>
+              <p:cNvPr id="6" name="TextBox 5">
+                <a:extLst>
+                  <a:ext uri="{FF2B5EF4-FFF2-40B4-BE49-F238E27FC236}">
+                    <a16:creationId xmlns:a16="http://schemas.microsoft.com/office/drawing/2014/main" id="{F62D55BB-E5C6-5CCA-3945-BF2473E78573}"/>
+                  </a:ext>
+                </a:extLst>
+              </p:cNvPr>
+              <p:cNvSpPr txBox="1">
+                <a:spLocks noRot="1" noChangeAspect="1" noMove="1" noResize="1" noEditPoints="1" noAdjustHandles="1" noChangeArrowheads="1" noChangeShapeType="1" noTextEdit="1"/>
+              </p:cNvSpPr>
+              <p:nvPr/>
+            </p:nvSpPr>
+            <p:spPr>
+              <a:xfrm>
+                <a:off x="3491767" y="1839234"/>
+                <a:ext cx="3978416" cy="848822"/>
+              </a:xfrm>
+              <a:prstGeom prst="rect">
+                <a:avLst/>
+              </a:prstGeom>
+              <a:blipFill>
+                <a:blip r:embed="rId3"/>
+                <a:stretch>
+                  <a:fillRect l="-958" t="-5882" b="-80882"/>
+                </a:stretch>
+              </a:blipFill>
+            </p:spPr>
+            <p:txBody>
+              <a:bodyPr/>
+              <a:lstStyle/>
+              <a:p>
+                <a:r>
+                  <a:rPr lang="en-US">
+                    <a:noFill/>
+                  </a:rPr>
+                  <a:t> </a:t>
+                </a:r>
+              </a:p>
+            </p:txBody>
+          </p:sp>
+        </mc:Fallback>
+      </mc:AlternateContent>
+      <p:sp>
+        <p:nvSpPr>
+          <p:cNvPr id="7" name="TextBox 6">
+            <a:extLst>
+              <a:ext uri="{FF2B5EF4-FFF2-40B4-BE49-F238E27FC236}">
+                <a16:creationId xmlns:a16="http://schemas.microsoft.com/office/drawing/2014/main" id="{B142689C-58C2-9DC3-2111-E0C023E9EDCE}"/>
+              </a:ext>
+            </a:extLst>
+          </p:cNvPr>
+          <p:cNvSpPr txBox="1"/>
+          <p:nvPr/>
+        </p:nvSpPr>
+        <p:spPr>
+          <a:xfrm>
+            <a:off x="838200" y="3180270"/>
+            <a:ext cx="10515600" cy="523220"/>
+          </a:xfrm>
+          <a:prstGeom prst="rect">
+            <a:avLst/>
+          </a:prstGeom>
+          <a:noFill/>
+        </p:spPr>
+        <p:txBody>
+          <a:bodyPr wrap="square">
+            <a:spAutoFit/>
+          </a:bodyPr>
+          <a:lstStyle/>
+          <a:p>
+            <a:r>
+              <a:rPr lang="en-US" sz="2800" dirty="0"/>
+              <a:t>We could compute a t-statistics by</a:t>
+            </a:r>
+          </a:p>
+        </p:txBody>
+      </p:sp>
+      <mc:AlternateContent xmlns:mc="http://schemas.openxmlformats.org/markup-compatibility/2006">
+        <mc:Choice xmlns:a14="http://schemas.microsoft.com/office/drawing/2010/main" Requires="a14">
+          <p:sp>
+            <p:nvSpPr>
+              <p:cNvPr id="8" name="TextBox 7">
+                <a:extLst>
+                  <a:ext uri="{FF2B5EF4-FFF2-40B4-BE49-F238E27FC236}">
+                    <a16:creationId xmlns:a16="http://schemas.microsoft.com/office/drawing/2014/main" id="{552F7292-ABF5-D8CA-597E-4CC3407B81FF}"/>
+                  </a:ext>
+                </a:extLst>
+              </p:cNvPr>
+              <p:cNvSpPr txBox="1"/>
+              <p:nvPr/>
+            </p:nvSpPr>
+            <p:spPr>
+              <a:xfrm>
+                <a:off x="5078019" y="2924599"/>
+                <a:ext cx="3978416" cy="1008802"/>
+              </a:xfrm>
+              <a:prstGeom prst="rect">
+                <a:avLst/>
+              </a:prstGeom>
+              <a:noFill/>
+            </p:spPr>
+            <p:txBody>
+              <a:bodyPr wrap="square">
+                <a:spAutoFit/>
+              </a:bodyPr>
+              <a:lstStyle/>
+              <a:p>
+                <a14:m>
+                  <m:oMathPara xmlns:m="http://schemas.openxmlformats.org/officeDocument/2006/math">
+                    <m:oMathParaPr>
+                      <m:jc m:val="centerGroup"/>
+                    </m:oMathParaPr>
+                    <m:oMath xmlns:m="http://schemas.openxmlformats.org/officeDocument/2006/math">
+                      <m:r>
+                        <a:rPr lang="en-US" sz="2800" b="0" i="1" dirty="0" smtClean="0">
+                          <a:latin typeface="Cambria Math" panose="02040503050406030204" pitchFamily="18" charset="0"/>
+                        </a:rPr>
+                        <m:t>𝑡</m:t>
+                      </m:r>
+                      <m:r>
+                        <a:rPr lang="en-US" sz="2800" b="0" i="1" dirty="0" smtClean="0">
+                          <a:latin typeface="Cambria Math" panose="02040503050406030204" pitchFamily="18" charset="0"/>
+                        </a:rPr>
+                        <m:t>= </m:t>
+                      </m:r>
+                      <m:f>
+                        <m:fPr>
+                          <m:ctrlPr>
+                            <a:rPr lang="en-US" sz="2800" i="1" dirty="0">
+                              <a:latin typeface="Cambria Math" panose="02040503050406030204" pitchFamily="18" charset="0"/>
+                            </a:rPr>
+                          </m:ctrlPr>
+                        </m:fPr>
+                        <m:num>
+                          <m:sSub>
+                            <m:sSubPr>
+                              <m:ctrlPr>
+                                <a:rPr lang="en-US" sz="2800" i="1" dirty="0">
+                                  <a:latin typeface="Cambria Math" panose="02040503050406030204" pitchFamily="18" charset="0"/>
+                                </a:rPr>
+                              </m:ctrlPr>
+                            </m:sSubPr>
+                            <m:e>
+                              <m:acc>
+                                <m:accPr>
+                                  <m:chr m:val="̂"/>
+                                  <m:ctrlPr>
+                                    <a:rPr lang="en-US" sz="2800" i="1">
+                                      <a:latin typeface="Cambria Math" panose="02040503050406030204" pitchFamily="18" charset="0"/>
+                                    </a:rPr>
+                                  </m:ctrlPr>
+                                </m:accPr>
+                                <m:e>
+                                  <m:r>
+                                    <a:rPr lang="en-US" sz="2800" i="1">
+                                      <a:latin typeface="Cambria Math" panose="02040503050406030204" pitchFamily="18" charset="0"/>
+                                    </a:rPr>
+                                    <m:t>𝛽</m:t>
+                                  </m:r>
+                                </m:e>
+                              </m:acc>
+                            </m:e>
+                            <m:sub>
+                              <m:r>
+                                <a:rPr lang="en-US" sz="2800" i="1">
+                                  <a:latin typeface="Cambria Math" panose="02040503050406030204" pitchFamily="18" charset="0"/>
+                                </a:rPr>
+                                <m:t>1</m:t>
+                              </m:r>
+                            </m:sub>
+                          </m:sSub>
+                          <m:r>
+                            <a:rPr lang="en-US" sz="2800" b="0" i="1" smtClean="0">
+                              <a:latin typeface="Cambria Math" panose="02040503050406030204" pitchFamily="18" charset="0"/>
+                            </a:rPr>
+                            <m:t>−0</m:t>
+                          </m:r>
+                        </m:num>
+                        <m:den>
+                          <m:acc>
+                            <m:accPr>
+                              <m:chr m:val="̂"/>
+                              <m:ctrlPr>
+                                <a:rPr lang="en-US" sz="2800" i="1" dirty="0">
+                                  <a:latin typeface="Cambria Math" panose="02040503050406030204" pitchFamily="18" charset="0"/>
+                                </a:rPr>
+                              </m:ctrlPr>
+                            </m:accPr>
+                            <m:e>
+                              <m:r>
+                                <a:rPr lang="en-US" sz="2800" i="1" dirty="0">
+                                  <a:latin typeface="Cambria Math" panose="02040503050406030204" pitchFamily="18" charset="0"/>
+                                </a:rPr>
+                                <m:t>𝑆𝐸</m:t>
+                              </m:r>
+                            </m:e>
+                          </m:acc>
+                        </m:den>
+                      </m:f>
+                    </m:oMath>
+                  </m:oMathPara>
+                </a14:m>
+                <a:endParaRPr lang="en-US" sz="2800" i="1" dirty="0"/>
+              </a:p>
+            </p:txBody>
+          </p:sp>
+        </mc:Choice>
+        <mc:Fallback>
+          <p:sp>
+            <p:nvSpPr>
+              <p:cNvPr id="8" name="TextBox 7">
+                <a:extLst>
+                  <a:ext uri="{FF2B5EF4-FFF2-40B4-BE49-F238E27FC236}">
+                    <a16:creationId xmlns:a16="http://schemas.microsoft.com/office/drawing/2014/main" id="{552F7292-ABF5-D8CA-597E-4CC3407B81FF}"/>
+                  </a:ext>
+                </a:extLst>
+              </p:cNvPr>
+              <p:cNvSpPr txBox="1">
+                <a:spLocks noRot="1" noChangeAspect="1" noMove="1" noResize="1" noEditPoints="1" noAdjustHandles="1" noChangeArrowheads="1" noChangeShapeType="1" noTextEdit="1"/>
+              </p:cNvSpPr>
+              <p:nvPr/>
+            </p:nvSpPr>
+            <p:spPr>
+              <a:xfrm>
+                <a:off x="5078019" y="2924599"/>
+                <a:ext cx="3978416" cy="1008802"/>
+              </a:xfrm>
+              <a:prstGeom prst="rect">
+                <a:avLst/>
+              </a:prstGeom>
+              <a:blipFill>
+                <a:blip r:embed="rId4"/>
+                <a:stretch>
+                  <a:fillRect t="-3750" b="-6250"/>
+                </a:stretch>
+              </a:blipFill>
+            </p:spPr>
+            <p:txBody>
+              <a:bodyPr/>
+              <a:lstStyle/>
+              <a:p>
+                <a:r>
+                  <a:rPr lang="en-US">
+                    <a:noFill/>
+                  </a:rPr>
+                  <a:t> </a:t>
+                </a:r>
+              </a:p>
+            </p:txBody>
+          </p:sp>
+        </mc:Fallback>
+      </mc:AlternateContent>
+      <p:sp>
+        <p:nvSpPr>
+          <p:cNvPr id="9" name="TextBox 8">
+            <a:extLst>
+              <a:ext uri="{FF2B5EF4-FFF2-40B4-BE49-F238E27FC236}">
+                <a16:creationId xmlns:a16="http://schemas.microsoft.com/office/drawing/2014/main" id="{F24117F8-F118-743E-9855-A6D53147D5A5}"/>
+              </a:ext>
+            </a:extLst>
+          </p:cNvPr>
+          <p:cNvSpPr txBox="1"/>
+          <p:nvPr/>
+        </p:nvSpPr>
+        <p:spPr>
+          <a:xfrm>
+            <a:off x="838200" y="4425615"/>
+            <a:ext cx="10515600" cy="523220"/>
+          </a:xfrm>
+          <a:prstGeom prst="rect">
+            <a:avLst/>
+          </a:prstGeom>
+          <a:noFill/>
+        </p:spPr>
+        <p:txBody>
+          <a:bodyPr wrap="square">
+            <a:spAutoFit/>
+          </a:bodyPr>
+          <a:lstStyle/>
+          <a:p>
+            <a:r>
+              <a:rPr lang="en-US" sz="2800" dirty="0"/>
+              <a:t>Should satisfy t-distribution with </a:t>
+            </a:r>
+            <a:r>
+              <a:rPr lang="en-US" sz="2800"/>
+              <a:t>n-2 degrees</a:t>
+            </a:r>
+            <a:endParaRPr lang="en-US" sz="2800" dirty="0"/>
+          </a:p>
+        </p:txBody>
+      </p:sp>
+    </p:spTree>
+    <p:extLst>
+      <p:ext uri="{BB962C8B-B14F-4D97-AF65-F5344CB8AC3E}">
+        <p14:creationId xmlns:p14="http://schemas.microsoft.com/office/powerpoint/2010/main" val="3179944255"/>
+      </p:ext>
+    </p:extLst>
+  </p:cSld>
+  <p:clrMapOvr>
+    <a:masterClrMapping/>
+  </p:clrMapOvr>
+</p:sld>
+</file>
+
+<file path=ppt/slides/slide17.xml><?xml version="1.0" encoding="utf-8"?>
 <p:sld xmlns:a="http://schemas.openxmlformats.org/drawingml/2006/main" xmlns:r="http://schemas.openxmlformats.org/officeDocument/2006/relationships" xmlns:p="http://schemas.openxmlformats.org/presentationml/2006/main">
   <p:cSld>
     <p:spTree>
@@ -7055,7 +12092,7 @@
         <p:spPr>
           <a:xfrm>
             <a:off x="838200" y="1753560"/>
-            <a:ext cx="10515600" cy="523220"/>
+            <a:ext cx="10515600" cy="954107"/>
           </a:xfrm>
           <a:prstGeom prst="rect">
             <a:avLst/>
@@ -7070,13 +12107,13 @@
           <a:p>
             <a:r>
               <a:rPr lang="en-US" sz="2800" dirty="0"/>
-              <a:t>Linear Regression with a single predictor</a:t>
+              <a:t>Linear Regression with a single predictor (Assume the ideal model is a linear function)</a:t>
             </a:r>
           </a:p>
         </p:txBody>
       </p:sp>
-      <mc:AlternateContent xmlns:mc="http://schemas.openxmlformats.org/markup-compatibility/2006" xmlns:a14="http://schemas.microsoft.com/office/drawing/2010/main">
-        <mc:Choice Requires="a14">
+      <mc:AlternateContent xmlns:mc="http://schemas.openxmlformats.org/markup-compatibility/2006">
+        <mc:Choice xmlns:a14="http://schemas.microsoft.com/office/drawing/2010/main" Requires="a14">
           <p:sp>
             <p:nvSpPr>
               <p:cNvPr id="11" name="TextBox 10">
@@ -7091,8 +12128,8 @@
             </p:nvSpPr>
             <p:spPr>
               <a:xfrm>
-                <a:off x="838200" y="5057103"/>
-                <a:ext cx="4785360" cy="523220"/>
+                <a:off x="838199" y="5057103"/>
+                <a:ext cx="8026831" cy="523220"/>
               </a:xfrm>
               <a:prstGeom prst="rect">
                 <a:avLst/>
@@ -7117,13 +12154,73 @@
                 </a14:m>
                 <a:r>
                   <a:rPr lang="en-US" sz="2800" dirty="0"/>
-                  <a:t> is the error term</a:t>
+                  <a:t> is the error term: </a:t>
                 </a:r>
+                <a14:m>
+                  <m:oMath xmlns:m="http://schemas.openxmlformats.org/officeDocument/2006/math">
+                    <m:r>
+                      <a:rPr lang="en-US" sz="2800" b="0" i="1" smtClean="0">
+                        <a:latin typeface="Cambria Math" panose="02040503050406030204" pitchFamily="18" charset="0"/>
+                      </a:rPr>
+                      <m:t>𝜖</m:t>
+                    </m:r>
+                    <m:r>
+                      <a:rPr lang="en-US" sz="2800" b="0" i="1" smtClean="0">
+                        <a:latin typeface="Cambria Math" panose="02040503050406030204" pitchFamily="18" charset="0"/>
+                      </a:rPr>
+                      <m:t>∼</m:t>
+                    </m:r>
+                    <m:r>
+                      <a:rPr lang="en-US" sz="2800" b="0" i="1" smtClean="0">
+                        <a:latin typeface="Cambria Math" panose="02040503050406030204" pitchFamily="18" charset="0"/>
+                      </a:rPr>
+                      <m:t>𝑁</m:t>
+                    </m:r>
+                    <m:r>
+                      <a:rPr lang="en-US" sz="2800" b="0" i="1" smtClean="0">
+                        <a:latin typeface="Cambria Math" panose="02040503050406030204" pitchFamily="18" charset="0"/>
+                      </a:rPr>
+                      <m:t>(0, </m:t>
+                    </m:r>
+                    <m:sSup>
+                      <m:sSupPr>
+                        <m:ctrlPr>
+                          <a:rPr lang="en-US" sz="2800" b="0" i="1" smtClean="0">
+                            <a:latin typeface="Cambria Math" panose="02040503050406030204" pitchFamily="18" charset="0"/>
+                          </a:rPr>
+                        </m:ctrlPr>
+                      </m:sSupPr>
+                      <m:e>
+                        <m:r>
+                          <a:rPr lang="en-US" sz="2800" b="0" i="1" smtClean="0">
+                            <a:latin typeface="Cambria Math" panose="02040503050406030204" pitchFamily="18" charset="0"/>
+                          </a:rPr>
+                          <m:t>𝜎</m:t>
+                        </m:r>
+                      </m:e>
+                      <m:sup>
+                        <m:r>
+                          <a:rPr lang="en-US" sz="2800" b="0" i="1" smtClean="0">
+                            <a:latin typeface="Cambria Math" panose="02040503050406030204" pitchFamily="18" charset="0"/>
+                          </a:rPr>
+                          <m:t>2</m:t>
+                        </m:r>
+                      </m:sup>
+                    </m:sSup>
+                    <m:r>
+                      <a:rPr lang="en-US" sz="2800" b="0" i="1" smtClean="0">
+                        <a:latin typeface="Cambria Math" panose="02040503050406030204" pitchFamily="18" charset="0"/>
+                      </a:rPr>
+                      <m:t>)</m:t>
+                    </m:r>
+                  </m:oMath>
+                </a14:m>
+                <a:endParaRPr lang="en-US" sz="2800" dirty="0"/>
               </a:p>
             </p:txBody>
           </p:sp>
         </mc:Choice>
-        <mc:Fallback xmlns="">
+        <mc:Fallback>
           <p:sp>
             <p:nvSpPr>
               <p:cNvPr id="11" name="TextBox 10">
@@ -7140,8 +12237,8 @@
             </p:nvSpPr>
             <p:spPr>
               <a:xfrm>
-                <a:off x="838200" y="5057103"/>
-                <a:ext cx="4785360" cy="523220"/>
+                <a:off x="838199" y="5057103"/>
+                <a:ext cx="8026831" cy="523220"/>
               </a:xfrm>
               <a:prstGeom prst="rect">
                 <a:avLst/>
@@ -9770,8 +14867,8 @@
           </a:p>
         </p:txBody>
       </p:sp>
-      <mc:AlternateContent xmlns:mc="http://schemas.openxmlformats.org/markup-compatibility/2006">
-        <mc:Choice xmlns:a14="http://schemas.microsoft.com/office/drawing/2010/main" Requires="a14">
+      <mc:AlternateContent xmlns:mc="http://schemas.openxmlformats.org/markup-compatibility/2006" xmlns:a14="http://schemas.microsoft.com/office/drawing/2010/main">
+        <mc:Choice Requires="a14">
           <p:sp>
             <p:nvSpPr>
               <p:cNvPr id="13" name="TextBox 12">
@@ -10197,7 +15294,7 @@
             </p:txBody>
           </p:sp>
         </mc:Choice>
-        <mc:Fallback>
+        <mc:Fallback xmlns="">
           <p:sp>
             <p:nvSpPr>
               <p:cNvPr id="13" name="TextBox 12">
@@ -10278,8 +15375,8 @@
           </a:p>
         </p:txBody>
       </p:sp>
-      <mc:AlternateContent xmlns:mc="http://schemas.openxmlformats.org/markup-compatibility/2006">
-        <mc:Choice xmlns:a14="http://schemas.microsoft.com/office/drawing/2010/main" Requires="a14">
+      <mc:AlternateContent xmlns:mc="http://schemas.openxmlformats.org/markup-compatibility/2006" xmlns:a14="http://schemas.microsoft.com/office/drawing/2010/main">
+        <mc:Choice Requires="a14">
           <p:sp>
             <p:nvSpPr>
               <p:cNvPr id="6" name="TextBox 5">
@@ -10618,7 +15715,7 @@
             </p:txBody>
           </p:sp>
         </mc:Choice>
-        <mc:Fallback>
+        <mc:Fallback xmlns="">
           <p:sp>
             <p:nvSpPr>
               <p:cNvPr id="6" name="TextBox 5">
@@ -10663,8 +15760,8 @@
           </p:sp>
         </mc:Fallback>
       </mc:AlternateContent>
-      <mc:AlternateContent xmlns:mc="http://schemas.openxmlformats.org/markup-compatibility/2006">
-        <mc:Choice xmlns:a14="http://schemas.microsoft.com/office/drawing/2010/main" Requires="a14">
+      <mc:AlternateContent xmlns:mc="http://schemas.openxmlformats.org/markup-compatibility/2006" xmlns:a14="http://schemas.microsoft.com/office/drawing/2010/main">
+        <mc:Choice Requires="a14">
           <p:sp>
             <p:nvSpPr>
               <p:cNvPr id="7" name="TextBox 6">
@@ -10830,7 +15927,7 @@
             </p:txBody>
           </p:sp>
         </mc:Choice>
-        <mc:Fallback>
+        <mc:Fallback xmlns="">
           <p:sp>
             <p:nvSpPr>
               <p:cNvPr id="7" name="TextBox 6">
@@ -10929,7 +16026,7 @@
           <a:p>
             <a:r>
               <a:rPr lang="en-US" dirty="0"/>
-              <a:t>Least Squares Method</a:t>
+              <a:t>Analyzing Least Squares Method</a:t>
             </a:r>
           </a:p>
         </p:txBody>
@@ -10964,7 +16061,7 @@
           <a:p>
             <a:r>
               <a:rPr lang="en-US" sz="2800" b="0" dirty="0"/>
-              <a:t>Under the assumption of linear regression model</a:t>
+              <a:t>Under the assumption of linear regression model (ideal model)</a:t>
             </a:r>
             <a:endParaRPr lang="en-US" sz="2800" dirty="0"/>
           </a:p>
@@ -10986,7 +16083,7 @@
             </p:nvSpPr>
             <p:spPr>
               <a:xfrm>
-                <a:off x="2453640" y="2882440"/>
+                <a:off x="2407145" y="2918829"/>
                 <a:ext cx="6096000" cy="523220"/>
               </a:xfrm>
               <a:prstGeom prst="rect">
@@ -11106,12 +16203,31 @@
                           </m:r>
                         </m:sub>
                       </m:sSub>
-                      <m:r>
-                        <a:rPr lang="en-US" sz="2800" i="1">
-                          <a:latin typeface="Cambria Math" panose="02040503050406030204" pitchFamily="18" charset="0"/>
-                        </a:rPr>
-                        <m:t>𝑋</m:t>
-                      </m:r>
+                      <m:sSub>
+                        <m:sSubPr>
+                          <m:ctrlPr>
+                            <a:rPr lang="en-US" sz="2800" b="0" i="1" smtClean="0">
+                              <a:latin typeface="Cambria Math" panose="02040503050406030204" pitchFamily="18" charset="0"/>
+                            </a:rPr>
+                          </m:ctrlPr>
+                        </m:sSubPr>
+                        <m:e>
+                          <m:r>
+                            <a:rPr lang="en-US" sz="2800" b="0" i="1" smtClean="0">
+                              <a:latin typeface="Cambria Math" panose="02040503050406030204" pitchFamily="18" charset="0"/>
+                            </a:rPr>
+                            <m:t>𝑥</m:t>
+                          </m:r>
+                        </m:e>
+                        <m:sub>
+                          <m:r>
+                            <a:rPr lang="en-US" sz="2800" b="0" i="1" smtClean="0">
+                              <a:latin typeface="Cambria Math" panose="02040503050406030204" pitchFamily="18" charset="0"/>
+                            </a:rPr>
+                            <m:t>𝑖</m:t>
+                          </m:r>
+                        </m:sub>
+                      </m:sSub>
                       <m:r>
                         <a:rPr lang="en-US" sz="2800" b="0" i="0" smtClean="0">
                           <a:latin typeface="Cambria Math" panose="02040503050406030204" pitchFamily="18" charset="0"/>
@@ -11174,7 +16290,7 @@
             </p:nvSpPr>
             <p:spPr>
               <a:xfrm>
-                <a:off x="2453640" y="2882440"/>
+                <a:off x="2407145" y="2918829"/>
                 <a:ext cx="6096000" cy="523220"/>
               </a:xfrm>
               <a:prstGeom prst="rect">
@@ -11183,7 +16299,839 @@
               <a:blipFill>
                 <a:blip r:embed="rId3"/>
                 <a:stretch>
-                  <a:fillRect b="-16667"/>
+                  <a:fillRect b="-16279"/>
+                </a:stretch>
+              </a:blipFill>
+            </p:spPr>
+            <p:txBody>
+              <a:bodyPr/>
+              <a:lstStyle/>
+              <a:p>
+                <a:r>
+                  <a:rPr lang="en-US">
+                    <a:noFill/>
+                  </a:rPr>
+                  <a:t> </a:t>
+                </a:r>
+              </a:p>
+            </p:txBody>
+          </p:sp>
+        </mc:Fallback>
+      </mc:AlternateContent>
+      <mc:AlternateContent xmlns:mc="http://schemas.openxmlformats.org/markup-compatibility/2006">
+        <mc:Choice xmlns:a14="http://schemas.microsoft.com/office/drawing/2010/main" Requires="a14">
+          <p:sp>
+            <p:nvSpPr>
+              <p:cNvPr id="3" name="TextBox 2">
+                <a:extLst>
+                  <a:ext uri="{FF2B5EF4-FFF2-40B4-BE49-F238E27FC236}">
+                    <a16:creationId xmlns:a16="http://schemas.microsoft.com/office/drawing/2014/main" id="{F64C9265-C430-EDE3-38D6-FA1D98F6C922}"/>
+                  </a:ext>
+                </a:extLst>
+              </p:cNvPr>
+              <p:cNvSpPr txBox="1"/>
+              <p:nvPr/>
+            </p:nvSpPr>
+            <p:spPr>
+              <a:xfrm>
+                <a:off x="137547" y="4278812"/>
+                <a:ext cx="11916906" cy="1051185"/>
+              </a:xfrm>
+              <a:prstGeom prst="rect">
+                <a:avLst/>
+              </a:prstGeom>
+              <a:noFill/>
+            </p:spPr>
+            <p:txBody>
+              <a:bodyPr wrap="square">
+                <a:spAutoFit/>
+              </a:bodyPr>
+              <a:lstStyle/>
+              <a:p>
+                <a:pPr/>
+                <a14:m>
+                  <m:oMathPara xmlns:m="http://schemas.openxmlformats.org/officeDocument/2006/math">
+                    <m:oMathParaPr>
+                      <m:jc m:val="centerGroup"/>
+                    </m:oMathParaPr>
+                    <m:oMath xmlns:m="http://schemas.openxmlformats.org/officeDocument/2006/math">
+                      <m:sSub>
+                        <m:sSubPr>
+                          <m:ctrlPr>
+                            <a:rPr lang="en-US" sz="2800" i="1" dirty="0" smtClean="0">
+                              <a:latin typeface="Cambria Math" panose="02040503050406030204" pitchFamily="18" charset="0"/>
+                            </a:rPr>
+                          </m:ctrlPr>
+                        </m:sSubPr>
+                        <m:e>
+                          <m:sSub>
+                            <m:sSubPr>
+                              <m:ctrlPr>
+                                <a:rPr lang="en-US" sz="2800" b="0" i="1" dirty="0" smtClean="0">
+                                  <a:latin typeface="Cambria Math" panose="02040503050406030204" pitchFamily="18" charset="0"/>
+                                </a:rPr>
+                              </m:ctrlPr>
+                            </m:sSubPr>
+                            <m:e>
+                              <m:r>
+                                <a:rPr lang="en-US" sz="2800" b="0" i="1" dirty="0" smtClean="0">
+                                  <a:latin typeface="Cambria Math" panose="02040503050406030204" pitchFamily="18" charset="0"/>
+                                </a:rPr>
+                                <m:t>𝐸</m:t>
+                              </m:r>
+                            </m:e>
+                            <m:sub>
+                              <m:r>
+                                <a:rPr lang="en-US" sz="2800" b="0" i="1" dirty="0" smtClean="0">
+                                  <a:latin typeface="Cambria Math" panose="02040503050406030204" pitchFamily="18" charset="0"/>
+                                </a:rPr>
+                                <m:t>𝐷</m:t>
+                              </m:r>
+                            </m:sub>
+                          </m:sSub>
+                          <m:r>
+                            <a:rPr lang="en-US" sz="2800" b="0" i="1" dirty="0" smtClean="0">
+                              <a:latin typeface="Cambria Math" panose="02040503050406030204" pitchFamily="18" charset="0"/>
+                            </a:rPr>
+                            <m:t>(</m:t>
+                          </m:r>
+                          <m:acc>
+                            <m:accPr>
+                              <m:chr m:val="̂"/>
+                              <m:ctrlPr>
+                                <a:rPr lang="en-US" sz="2800" i="1">
+                                  <a:latin typeface="Cambria Math" panose="02040503050406030204" pitchFamily="18" charset="0"/>
+                                </a:rPr>
+                              </m:ctrlPr>
+                            </m:accPr>
+                            <m:e>
+                              <m:r>
+                                <a:rPr lang="en-US" sz="2800" i="1">
+                                  <a:latin typeface="Cambria Math" panose="02040503050406030204" pitchFamily="18" charset="0"/>
+                                </a:rPr>
+                                <m:t>𝛽</m:t>
+                              </m:r>
+                            </m:e>
+                          </m:acc>
+                        </m:e>
+                        <m:sub>
+                          <m:r>
+                            <a:rPr lang="en-US" sz="2800" b="0" i="1" smtClean="0">
+                              <a:latin typeface="Cambria Math" panose="02040503050406030204" pitchFamily="18" charset="0"/>
+                            </a:rPr>
+                            <m:t>1</m:t>
+                          </m:r>
+                        </m:sub>
+                      </m:sSub>
+                      <m:r>
+                        <a:rPr lang="en-US" sz="2800" b="0" i="1" smtClean="0">
+                          <a:latin typeface="Cambria Math" panose="02040503050406030204" pitchFamily="18" charset="0"/>
+                        </a:rPr>
+                        <m:t>)</m:t>
+                      </m:r>
+                      <m:r>
+                        <a:rPr lang="en-US" sz="2800" i="1" dirty="0">
+                          <a:latin typeface="Cambria Math" panose="02040503050406030204" pitchFamily="18" charset="0"/>
+                        </a:rPr>
+                        <m:t>=</m:t>
+                      </m:r>
+                      <m:sSub>
+                        <m:sSubPr>
+                          <m:ctrlPr>
+                            <a:rPr lang="en-US" sz="2800" b="0" i="1" dirty="0" smtClean="0">
+                              <a:latin typeface="Cambria Math" panose="02040503050406030204" pitchFamily="18" charset="0"/>
+                            </a:rPr>
+                          </m:ctrlPr>
+                        </m:sSubPr>
+                        <m:e>
+                          <m:r>
+                            <a:rPr lang="en-US" sz="2800" b="0" i="1" dirty="0" smtClean="0">
+                              <a:latin typeface="Cambria Math" panose="02040503050406030204" pitchFamily="18" charset="0"/>
+                            </a:rPr>
+                            <m:t>𝐸</m:t>
+                          </m:r>
+                        </m:e>
+                        <m:sub>
+                          <m:r>
+                            <a:rPr lang="en-US" sz="2800" b="0" i="1" dirty="0" smtClean="0">
+                              <a:latin typeface="Cambria Math" panose="02040503050406030204" pitchFamily="18" charset="0"/>
+                            </a:rPr>
+                            <m:t>𝐷</m:t>
+                          </m:r>
+                        </m:sub>
+                      </m:sSub>
+                      <m:d>
+                        <m:dPr>
+                          <m:begChr m:val="["/>
+                          <m:endChr m:val="]"/>
+                          <m:ctrlPr>
+                            <a:rPr lang="en-US" sz="2800" b="0" i="1" dirty="0" smtClean="0">
+                              <a:latin typeface="Cambria Math" panose="02040503050406030204" pitchFamily="18" charset="0"/>
+                            </a:rPr>
+                          </m:ctrlPr>
+                        </m:dPr>
+                        <m:e>
+                          <m:f>
+                            <m:fPr>
+                              <m:ctrlPr>
+                                <a:rPr lang="en-US" sz="2800" i="1" dirty="0">
+                                  <a:latin typeface="Cambria Math" panose="02040503050406030204" pitchFamily="18" charset="0"/>
+                                </a:rPr>
+                              </m:ctrlPr>
+                            </m:fPr>
+                            <m:num>
+                              <m:nary>
+                                <m:naryPr>
+                                  <m:chr m:val="∑"/>
+                                  <m:supHide m:val="on"/>
+                                  <m:ctrlPr>
+                                    <a:rPr lang="en-US" sz="2800" i="1" dirty="0">
+                                      <a:latin typeface="Cambria Math" panose="02040503050406030204" pitchFamily="18" charset="0"/>
+                                    </a:rPr>
+                                  </m:ctrlPr>
+                                </m:naryPr>
+                                <m:sub>
+                                  <m:r>
+                                    <a:rPr lang="en-US" sz="2800" i="1" dirty="0">
+                                      <a:latin typeface="Cambria Math" panose="02040503050406030204" pitchFamily="18" charset="0"/>
+                                    </a:rPr>
+                                    <m:t>𝑖</m:t>
+                                  </m:r>
+                                </m:sub>
+                                <m:sup/>
+                                <m:e>
+                                  <m:d>
+                                    <m:dPr>
+                                      <m:ctrlPr>
+                                        <a:rPr lang="en-US" sz="2800" i="1" dirty="0">
+                                          <a:latin typeface="Cambria Math" panose="02040503050406030204" pitchFamily="18" charset="0"/>
+                                        </a:rPr>
+                                      </m:ctrlPr>
+                                    </m:dPr>
+                                    <m:e>
+                                      <m:sSub>
+                                        <m:sSubPr>
+                                          <m:ctrlPr>
+                                            <a:rPr lang="en-US" sz="2800" i="1" dirty="0">
+                                              <a:latin typeface="Cambria Math" panose="02040503050406030204" pitchFamily="18" charset="0"/>
+                                            </a:rPr>
+                                          </m:ctrlPr>
+                                        </m:sSubPr>
+                                        <m:e>
+                                          <m:r>
+                                            <a:rPr lang="en-US" sz="2800" i="1" dirty="0">
+                                              <a:latin typeface="Cambria Math" panose="02040503050406030204" pitchFamily="18" charset="0"/>
+                                            </a:rPr>
+                                            <m:t>𝑥</m:t>
+                                          </m:r>
+                                        </m:e>
+                                        <m:sub>
+                                          <m:r>
+                                            <a:rPr lang="en-US" sz="2800" i="1" dirty="0">
+                                              <a:latin typeface="Cambria Math" panose="02040503050406030204" pitchFamily="18" charset="0"/>
+                                            </a:rPr>
+                                            <m:t>𝑖</m:t>
+                                          </m:r>
+                                        </m:sub>
+                                      </m:sSub>
+                                      <m:r>
+                                        <a:rPr lang="en-US" sz="2800" i="1" dirty="0">
+                                          <a:latin typeface="Cambria Math" panose="02040503050406030204" pitchFamily="18" charset="0"/>
+                                        </a:rPr>
+                                        <m:t>−</m:t>
+                                      </m:r>
+                                      <m:bar>
+                                        <m:barPr>
+                                          <m:pos m:val="top"/>
+                                          <m:ctrlPr>
+                                            <a:rPr lang="en-US" sz="2800" i="1" dirty="0">
+                                              <a:latin typeface="Cambria Math" panose="02040503050406030204" pitchFamily="18" charset="0"/>
+                                            </a:rPr>
+                                          </m:ctrlPr>
+                                        </m:barPr>
+                                        <m:e>
+                                          <m:r>
+                                            <a:rPr lang="en-US" sz="2800" i="1" dirty="0">
+                                              <a:latin typeface="Cambria Math" panose="02040503050406030204" pitchFamily="18" charset="0"/>
+                                            </a:rPr>
+                                            <m:t>𝑥</m:t>
+                                          </m:r>
+                                        </m:e>
+                                      </m:bar>
+                                    </m:e>
+                                  </m:d>
+                                  <m:d>
+                                    <m:dPr>
+                                      <m:ctrlPr>
+                                        <a:rPr lang="en-US" sz="2800" i="1" dirty="0">
+                                          <a:latin typeface="Cambria Math" panose="02040503050406030204" pitchFamily="18" charset="0"/>
+                                        </a:rPr>
+                                      </m:ctrlPr>
+                                    </m:dPr>
+                                    <m:e>
+                                      <m:sSub>
+                                        <m:sSubPr>
+                                          <m:ctrlPr>
+                                            <a:rPr lang="en-US" sz="2800" i="1" dirty="0">
+                                              <a:latin typeface="Cambria Math" panose="02040503050406030204" pitchFamily="18" charset="0"/>
+                                            </a:rPr>
+                                          </m:ctrlPr>
+                                        </m:sSubPr>
+                                        <m:e>
+                                          <m:r>
+                                            <a:rPr lang="en-US" sz="2800" i="1" dirty="0">
+                                              <a:latin typeface="Cambria Math" panose="02040503050406030204" pitchFamily="18" charset="0"/>
+                                            </a:rPr>
+                                            <m:t>𝑦</m:t>
+                                          </m:r>
+                                        </m:e>
+                                        <m:sub>
+                                          <m:r>
+                                            <a:rPr lang="en-US" sz="2800" i="1" dirty="0">
+                                              <a:latin typeface="Cambria Math" panose="02040503050406030204" pitchFamily="18" charset="0"/>
+                                            </a:rPr>
+                                            <m:t>𝑖</m:t>
+                                          </m:r>
+                                        </m:sub>
+                                      </m:sSub>
+                                      <m:r>
+                                        <a:rPr lang="en-US" sz="2800" i="1" dirty="0">
+                                          <a:latin typeface="Cambria Math" panose="02040503050406030204" pitchFamily="18" charset="0"/>
+                                        </a:rPr>
+                                        <m:t>−</m:t>
+                                      </m:r>
+                                      <m:bar>
+                                        <m:barPr>
+                                          <m:pos m:val="top"/>
+                                          <m:ctrlPr>
+                                            <a:rPr lang="en-US" sz="2800" i="1" dirty="0">
+                                              <a:latin typeface="Cambria Math" panose="02040503050406030204" pitchFamily="18" charset="0"/>
+                                            </a:rPr>
+                                          </m:ctrlPr>
+                                        </m:barPr>
+                                        <m:e>
+                                          <m:r>
+                                            <a:rPr lang="en-US" sz="2800" i="1" dirty="0">
+                                              <a:latin typeface="Cambria Math" panose="02040503050406030204" pitchFamily="18" charset="0"/>
+                                            </a:rPr>
+                                            <m:t>𝑦</m:t>
+                                          </m:r>
+                                        </m:e>
+                                      </m:bar>
+                                    </m:e>
+                                  </m:d>
+                                </m:e>
+                              </m:nary>
+                            </m:num>
+                            <m:den>
+                              <m:nary>
+                                <m:naryPr>
+                                  <m:chr m:val="∑"/>
+                                  <m:supHide m:val="on"/>
+                                  <m:ctrlPr>
+                                    <a:rPr lang="en-US" sz="2800" i="1" dirty="0">
+                                      <a:latin typeface="Cambria Math" panose="02040503050406030204" pitchFamily="18" charset="0"/>
+                                    </a:rPr>
+                                  </m:ctrlPr>
+                                </m:naryPr>
+                                <m:sub>
+                                  <m:r>
+                                    <a:rPr lang="en-US" sz="2800" i="1" dirty="0">
+                                      <a:latin typeface="Cambria Math" panose="02040503050406030204" pitchFamily="18" charset="0"/>
+                                    </a:rPr>
+                                    <m:t>𝑖</m:t>
+                                  </m:r>
+                                </m:sub>
+                                <m:sup/>
+                                <m:e>
+                                  <m:sSup>
+                                    <m:sSupPr>
+                                      <m:ctrlPr>
+                                        <a:rPr lang="en-US" sz="2800" i="1" dirty="0">
+                                          <a:latin typeface="Cambria Math" panose="02040503050406030204" pitchFamily="18" charset="0"/>
+                                        </a:rPr>
+                                      </m:ctrlPr>
+                                    </m:sSupPr>
+                                    <m:e>
+                                      <m:d>
+                                        <m:dPr>
+                                          <m:ctrlPr>
+                                            <a:rPr lang="en-US" sz="2800" i="1" dirty="0">
+                                              <a:latin typeface="Cambria Math" panose="02040503050406030204" pitchFamily="18" charset="0"/>
+                                            </a:rPr>
+                                          </m:ctrlPr>
+                                        </m:dPr>
+                                        <m:e>
+                                          <m:sSub>
+                                            <m:sSubPr>
+                                              <m:ctrlPr>
+                                                <a:rPr lang="en-US" sz="2800" i="1" dirty="0">
+                                                  <a:latin typeface="Cambria Math" panose="02040503050406030204" pitchFamily="18" charset="0"/>
+                                                </a:rPr>
+                                              </m:ctrlPr>
+                                            </m:sSubPr>
+                                            <m:e>
+                                              <m:r>
+                                                <a:rPr lang="en-US" sz="2800" i="1" dirty="0">
+                                                  <a:latin typeface="Cambria Math" panose="02040503050406030204" pitchFamily="18" charset="0"/>
+                                                </a:rPr>
+                                                <m:t>𝑥</m:t>
+                                              </m:r>
+                                            </m:e>
+                                            <m:sub>
+                                              <m:r>
+                                                <a:rPr lang="en-US" sz="2800" i="1" dirty="0">
+                                                  <a:latin typeface="Cambria Math" panose="02040503050406030204" pitchFamily="18" charset="0"/>
+                                                </a:rPr>
+                                                <m:t>𝑖</m:t>
+                                              </m:r>
+                                            </m:sub>
+                                          </m:sSub>
+                                          <m:r>
+                                            <a:rPr lang="en-US" sz="2800" i="1" dirty="0">
+                                              <a:latin typeface="Cambria Math" panose="02040503050406030204" pitchFamily="18" charset="0"/>
+                                            </a:rPr>
+                                            <m:t>−</m:t>
+                                          </m:r>
+                                          <m:bar>
+                                            <m:barPr>
+                                              <m:pos m:val="top"/>
+                                              <m:ctrlPr>
+                                                <a:rPr lang="en-US" sz="2800" i="1" dirty="0">
+                                                  <a:latin typeface="Cambria Math" panose="02040503050406030204" pitchFamily="18" charset="0"/>
+                                                </a:rPr>
+                                              </m:ctrlPr>
+                                            </m:barPr>
+                                            <m:e>
+                                              <m:r>
+                                                <a:rPr lang="en-US" sz="2800" i="1" dirty="0">
+                                                  <a:latin typeface="Cambria Math" panose="02040503050406030204" pitchFamily="18" charset="0"/>
+                                                </a:rPr>
+                                                <m:t>𝑥</m:t>
+                                              </m:r>
+                                            </m:e>
+                                          </m:bar>
+                                        </m:e>
+                                      </m:d>
+                                    </m:e>
+                                    <m:sup>
+                                      <m:r>
+                                        <a:rPr lang="en-US" sz="2800" i="1" dirty="0">
+                                          <a:latin typeface="Cambria Math" panose="02040503050406030204" pitchFamily="18" charset="0"/>
+                                        </a:rPr>
+                                        <m:t>2</m:t>
+                                      </m:r>
+                                    </m:sup>
+                                  </m:sSup>
+                                </m:e>
+                              </m:nary>
+                            </m:den>
+                          </m:f>
+                        </m:e>
+                      </m:d>
+                      <m:r>
+                        <a:rPr lang="en-US" sz="2800" b="0" i="0" dirty="0" smtClean="0">
+                          <a:latin typeface="Cambria Math" panose="02040503050406030204" pitchFamily="18" charset="0"/>
+                        </a:rPr>
+                        <m:t>=</m:t>
+                      </m:r>
+                      <m:sSub>
+                        <m:sSubPr>
+                          <m:ctrlPr>
+                            <a:rPr lang="en-US" sz="2800" i="1" dirty="0">
+                              <a:latin typeface="Cambria Math" panose="02040503050406030204" pitchFamily="18" charset="0"/>
+                            </a:rPr>
+                          </m:ctrlPr>
+                        </m:sSubPr>
+                        <m:e>
+                          <m:r>
+                            <a:rPr lang="en-US" sz="2800" i="1" dirty="0">
+                              <a:latin typeface="Cambria Math" panose="02040503050406030204" pitchFamily="18" charset="0"/>
+                            </a:rPr>
+                            <m:t>𝐸</m:t>
+                          </m:r>
+                        </m:e>
+                        <m:sub>
+                          <m:r>
+                            <a:rPr lang="en-US" sz="2800" i="1" dirty="0">
+                              <a:latin typeface="Cambria Math" panose="02040503050406030204" pitchFamily="18" charset="0"/>
+                            </a:rPr>
+                            <m:t>𝐷</m:t>
+                          </m:r>
+                        </m:sub>
+                      </m:sSub>
+                      <m:d>
+                        <m:dPr>
+                          <m:begChr m:val="["/>
+                          <m:endChr m:val="]"/>
+                          <m:ctrlPr>
+                            <a:rPr lang="en-US" sz="2800" i="1" dirty="0">
+                              <a:latin typeface="Cambria Math" panose="02040503050406030204" pitchFamily="18" charset="0"/>
+                            </a:rPr>
+                          </m:ctrlPr>
+                        </m:dPr>
+                        <m:e>
+                          <m:f>
+                            <m:fPr>
+                              <m:ctrlPr>
+                                <a:rPr lang="en-US" sz="2800" i="1" dirty="0">
+                                  <a:latin typeface="Cambria Math" panose="02040503050406030204" pitchFamily="18" charset="0"/>
+                                </a:rPr>
+                              </m:ctrlPr>
+                            </m:fPr>
+                            <m:num>
+                              <m:nary>
+                                <m:naryPr>
+                                  <m:chr m:val="∑"/>
+                                  <m:supHide m:val="on"/>
+                                  <m:ctrlPr>
+                                    <a:rPr lang="en-US" sz="2800" i="1" dirty="0">
+                                      <a:latin typeface="Cambria Math" panose="02040503050406030204" pitchFamily="18" charset="0"/>
+                                    </a:rPr>
+                                  </m:ctrlPr>
+                                </m:naryPr>
+                                <m:sub>
+                                  <m:r>
+                                    <a:rPr lang="en-US" sz="2800" i="1" dirty="0">
+                                      <a:latin typeface="Cambria Math" panose="02040503050406030204" pitchFamily="18" charset="0"/>
+                                    </a:rPr>
+                                    <m:t>𝑖</m:t>
+                                  </m:r>
+                                </m:sub>
+                                <m:sup/>
+                                <m:e>
+                                  <m:d>
+                                    <m:dPr>
+                                      <m:ctrlPr>
+                                        <a:rPr lang="en-US" sz="2800" i="1" dirty="0">
+                                          <a:latin typeface="Cambria Math" panose="02040503050406030204" pitchFamily="18" charset="0"/>
+                                        </a:rPr>
+                                      </m:ctrlPr>
+                                    </m:dPr>
+                                    <m:e>
+                                      <m:sSub>
+                                        <m:sSubPr>
+                                          <m:ctrlPr>
+                                            <a:rPr lang="en-US" sz="2800" i="1" dirty="0">
+                                              <a:latin typeface="Cambria Math" panose="02040503050406030204" pitchFamily="18" charset="0"/>
+                                            </a:rPr>
+                                          </m:ctrlPr>
+                                        </m:sSubPr>
+                                        <m:e>
+                                          <m:r>
+                                            <a:rPr lang="en-US" sz="2800" i="1" dirty="0">
+                                              <a:latin typeface="Cambria Math" panose="02040503050406030204" pitchFamily="18" charset="0"/>
+                                            </a:rPr>
+                                            <m:t>𝑥</m:t>
+                                          </m:r>
+                                        </m:e>
+                                        <m:sub>
+                                          <m:r>
+                                            <a:rPr lang="en-US" sz="2800" i="1" dirty="0">
+                                              <a:latin typeface="Cambria Math" panose="02040503050406030204" pitchFamily="18" charset="0"/>
+                                            </a:rPr>
+                                            <m:t>𝑖</m:t>
+                                          </m:r>
+                                        </m:sub>
+                                      </m:sSub>
+                                      <m:r>
+                                        <a:rPr lang="en-US" sz="2800" i="1" dirty="0">
+                                          <a:latin typeface="Cambria Math" panose="02040503050406030204" pitchFamily="18" charset="0"/>
+                                        </a:rPr>
+                                        <m:t>−</m:t>
+                                      </m:r>
+                                      <m:bar>
+                                        <m:barPr>
+                                          <m:pos m:val="top"/>
+                                          <m:ctrlPr>
+                                            <a:rPr lang="en-US" sz="2800" i="1" dirty="0">
+                                              <a:latin typeface="Cambria Math" panose="02040503050406030204" pitchFamily="18" charset="0"/>
+                                            </a:rPr>
+                                          </m:ctrlPr>
+                                        </m:barPr>
+                                        <m:e>
+                                          <m:r>
+                                            <a:rPr lang="en-US" sz="2800" i="1" dirty="0">
+                                              <a:latin typeface="Cambria Math" panose="02040503050406030204" pitchFamily="18" charset="0"/>
+                                            </a:rPr>
+                                            <m:t>𝑥</m:t>
+                                          </m:r>
+                                        </m:e>
+                                      </m:bar>
+                                    </m:e>
+                                  </m:d>
+                                  <m:d>
+                                    <m:dPr>
+                                      <m:ctrlPr>
+                                        <a:rPr lang="en-US" sz="2800" i="1" dirty="0">
+                                          <a:latin typeface="Cambria Math" panose="02040503050406030204" pitchFamily="18" charset="0"/>
+                                        </a:rPr>
+                                      </m:ctrlPr>
+                                    </m:dPr>
+                                    <m:e>
+                                      <m:sSub>
+                                        <m:sSubPr>
+                                          <m:ctrlPr>
+                                            <a:rPr lang="en-US" sz="2800" i="1" dirty="0">
+                                              <a:latin typeface="Cambria Math" panose="02040503050406030204" pitchFamily="18" charset="0"/>
+                                            </a:rPr>
+                                          </m:ctrlPr>
+                                        </m:sSubPr>
+                                        <m:e>
+                                          <m:r>
+                                            <a:rPr lang="en-US" sz="2800" b="0" i="1" dirty="0" smtClean="0">
+                                              <a:latin typeface="Cambria Math" panose="02040503050406030204" pitchFamily="18" charset="0"/>
+                                            </a:rPr>
+                                            <m:t>𝜖</m:t>
+                                          </m:r>
+                                        </m:e>
+                                        <m:sub>
+                                          <m:r>
+                                            <a:rPr lang="en-US" sz="2800" i="1" dirty="0">
+                                              <a:latin typeface="Cambria Math" panose="02040503050406030204" pitchFamily="18" charset="0"/>
+                                            </a:rPr>
+                                            <m:t>𝑖</m:t>
+                                          </m:r>
+                                        </m:sub>
+                                      </m:sSub>
+                                      <m:r>
+                                        <a:rPr lang="en-US" sz="2800" b="0" i="1" dirty="0" smtClean="0">
+                                          <a:latin typeface="Cambria Math" panose="02040503050406030204" pitchFamily="18" charset="0"/>
+                                        </a:rPr>
+                                        <m:t>+</m:t>
+                                      </m:r>
+                                      <m:sSub>
+                                        <m:sSubPr>
+                                          <m:ctrlPr>
+                                            <a:rPr lang="en-US" sz="2800" b="0" i="1" dirty="0" smtClean="0">
+                                              <a:latin typeface="Cambria Math" panose="02040503050406030204" pitchFamily="18" charset="0"/>
+                                            </a:rPr>
+                                          </m:ctrlPr>
+                                        </m:sSubPr>
+                                        <m:e>
+                                          <m:r>
+                                            <a:rPr lang="en-US" sz="2800" b="0" i="1" dirty="0" smtClean="0">
+                                              <a:latin typeface="Cambria Math" panose="02040503050406030204" pitchFamily="18" charset="0"/>
+                                            </a:rPr>
+                                            <m:t>𝛽</m:t>
+                                          </m:r>
+                                        </m:e>
+                                        <m:sub>
+                                          <m:r>
+                                            <a:rPr lang="en-US" sz="2800" b="0" i="1" dirty="0" smtClean="0">
+                                              <a:latin typeface="Cambria Math" panose="02040503050406030204" pitchFamily="18" charset="0"/>
+                                            </a:rPr>
+                                            <m:t>1</m:t>
+                                          </m:r>
+                                        </m:sub>
+                                      </m:sSub>
+                                      <m:sSub>
+                                        <m:sSubPr>
+                                          <m:ctrlPr>
+                                            <a:rPr lang="en-US" sz="2800" b="0" i="1" dirty="0" smtClean="0">
+                                              <a:latin typeface="Cambria Math" panose="02040503050406030204" pitchFamily="18" charset="0"/>
+                                            </a:rPr>
+                                          </m:ctrlPr>
+                                        </m:sSubPr>
+                                        <m:e>
+                                          <m:r>
+                                            <a:rPr lang="en-US" sz="2800" b="0" i="1" dirty="0" smtClean="0">
+                                              <a:latin typeface="Cambria Math" panose="02040503050406030204" pitchFamily="18" charset="0"/>
+                                            </a:rPr>
+                                            <m:t>(</m:t>
+                                          </m:r>
+                                          <m:r>
+                                            <a:rPr lang="en-US" sz="2800" b="0" i="1" dirty="0" smtClean="0">
+                                              <a:latin typeface="Cambria Math" panose="02040503050406030204" pitchFamily="18" charset="0"/>
+                                            </a:rPr>
+                                            <m:t>𝑥</m:t>
+                                          </m:r>
+                                        </m:e>
+                                        <m:sub>
+                                          <m:r>
+                                            <a:rPr lang="en-US" sz="2800" b="0" i="1" dirty="0" smtClean="0">
+                                              <a:latin typeface="Cambria Math" panose="02040503050406030204" pitchFamily="18" charset="0"/>
+                                            </a:rPr>
+                                            <m:t>𝑖</m:t>
+                                          </m:r>
+                                        </m:sub>
+                                      </m:sSub>
+                                      <m:r>
+                                        <a:rPr lang="en-US" sz="2800" b="0" i="1" dirty="0" smtClean="0">
+                                          <a:latin typeface="Cambria Math" panose="02040503050406030204" pitchFamily="18" charset="0"/>
+                                        </a:rPr>
+                                        <m:t>−</m:t>
+                                      </m:r>
+                                      <m:bar>
+                                        <m:barPr>
+                                          <m:pos m:val="top"/>
+                                          <m:ctrlPr>
+                                            <a:rPr lang="en-US" sz="2800" i="1" dirty="0">
+                                              <a:latin typeface="Cambria Math" panose="02040503050406030204" pitchFamily="18" charset="0"/>
+                                            </a:rPr>
+                                          </m:ctrlPr>
+                                        </m:barPr>
+                                        <m:e>
+                                          <m:r>
+                                            <a:rPr lang="en-US" sz="2800" b="0" i="1" dirty="0" smtClean="0">
+                                              <a:latin typeface="Cambria Math" panose="02040503050406030204" pitchFamily="18" charset="0"/>
+                                            </a:rPr>
+                                            <m:t>𝑥</m:t>
+                                          </m:r>
+                                        </m:e>
+                                      </m:bar>
+                                    </m:e>
+                                  </m:d>
+                                  <m:r>
+                                    <a:rPr lang="en-US" sz="2800" b="0" i="1" dirty="0" smtClean="0">
+                                      <a:latin typeface="Cambria Math" panose="02040503050406030204" pitchFamily="18" charset="0"/>
+                                    </a:rPr>
+                                    <m:t>)</m:t>
+                                  </m:r>
+                                </m:e>
+                              </m:nary>
+                            </m:num>
+                            <m:den>
+                              <m:nary>
+                                <m:naryPr>
+                                  <m:chr m:val="∑"/>
+                                  <m:supHide m:val="on"/>
+                                  <m:ctrlPr>
+                                    <a:rPr lang="en-US" sz="2800" i="1" dirty="0">
+                                      <a:latin typeface="Cambria Math" panose="02040503050406030204" pitchFamily="18" charset="0"/>
+                                    </a:rPr>
+                                  </m:ctrlPr>
+                                </m:naryPr>
+                                <m:sub>
+                                  <m:r>
+                                    <a:rPr lang="en-US" sz="2800" i="1" dirty="0">
+                                      <a:latin typeface="Cambria Math" panose="02040503050406030204" pitchFamily="18" charset="0"/>
+                                    </a:rPr>
+                                    <m:t>𝑖</m:t>
+                                  </m:r>
+                                </m:sub>
+                                <m:sup/>
+                                <m:e>
+                                  <m:sSup>
+                                    <m:sSupPr>
+                                      <m:ctrlPr>
+                                        <a:rPr lang="en-US" sz="2800" i="1" dirty="0">
+                                          <a:latin typeface="Cambria Math" panose="02040503050406030204" pitchFamily="18" charset="0"/>
+                                        </a:rPr>
+                                      </m:ctrlPr>
+                                    </m:sSupPr>
+                                    <m:e>
+                                      <m:d>
+                                        <m:dPr>
+                                          <m:ctrlPr>
+                                            <a:rPr lang="en-US" sz="2800" i="1" dirty="0">
+                                              <a:latin typeface="Cambria Math" panose="02040503050406030204" pitchFamily="18" charset="0"/>
+                                            </a:rPr>
+                                          </m:ctrlPr>
+                                        </m:dPr>
+                                        <m:e>
+                                          <m:sSub>
+                                            <m:sSubPr>
+                                              <m:ctrlPr>
+                                                <a:rPr lang="en-US" sz="2800" i="1" dirty="0">
+                                                  <a:latin typeface="Cambria Math" panose="02040503050406030204" pitchFamily="18" charset="0"/>
+                                                </a:rPr>
+                                              </m:ctrlPr>
+                                            </m:sSubPr>
+                                            <m:e>
+                                              <m:r>
+                                                <a:rPr lang="en-US" sz="2800" i="1" dirty="0">
+                                                  <a:latin typeface="Cambria Math" panose="02040503050406030204" pitchFamily="18" charset="0"/>
+                                                </a:rPr>
+                                                <m:t>𝑥</m:t>
+                                              </m:r>
+                                            </m:e>
+                                            <m:sub>
+                                              <m:r>
+                                                <a:rPr lang="en-US" sz="2800" i="1" dirty="0">
+                                                  <a:latin typeface="Cambria Math" panose="02040503050406030204" pitchFamily="18" charset="0"/>
+                                                </a:rPr>
+                                                <m:t>𝑖</m:t>
+                                              </m:r>
+                                            </m:sub>
+                                          </m:sSub>
+                                          <m:r>
+                                            <a:rPr lang="en-US" sz="2800" i="1" dirty="0">
+                                              <a:latin typeface="Cambria Math" panose="02040503050406030204" pitchFamily="18" charset="0"/>
+                                            </a:rPr>
+                                            <m:t>−</m:t>
+                                          </m:r>
+                                          <m:bar>
+                                            <m:barPr>
+                                              <m:pos m:val="top"/>
+                                              <m:ctrlPr>
+                                                <a:rPr lang="en-US" sz="2800" i="1" dirty="0">
+                                                  <a:latin typeface="Cambria Math" panose="02040503050406030204" pitchFamily="18" charset="0"/>
+                                                </a:rPr>
+                                              </m:ctrlPr>
+                                            </m:barPr>
+                                            <m:e>
+                                              <m:r>
+                                                <a:rPr lang="en-US" sz="2800" i="1" dirty="0">
+                                                  <a:latin typeface="Cambria Math" panose="02040503050406030204" pitchFamily="18" charset="0"/>
+                                                </a:rPr>
+                                                <m:t>𝑥</m:t>
+                                              </m:r>
+                                            </m:e>
+                                          </m:bar>
+                                        </m:e>
+                                      </m:d>
+                                    </m:e>
+                                    <m:sup>
+                                      <m:r>
+                                        <a:rPr lang="en-US" sz="2800" i="1" dirty="0">
+                                          <a:latin typeface="Cambria Math" panose="02040503050406030204" pitchFamily="18" charset="0"/>
+                                        </a:rPr>
+                                        <m:t>2</m:t>
+                                      </m:r>
+                                    </m:sup>
+                                  </m:sSup>
+                                </m:e>
+                              </m:nary>
+                            </m:den>
+                          </m:f>
+                        </m:e>
+                      </m:d>
+                    </m:oMath>
+                  </m:oMathPara>
+                </a14:m>
+                <a:endParaRPr lang="en-US" sz="2800" dirty="0"/>
+              </a:p>
+            </p:txBody>
+          </p:sp>
+        </mc:Choice>
+        <mc:Fallback>
+          <p:sp>
+            <p:nvSpPr>
+              <p:cNvPr id="3" name="TextBox 2">
+                <a:extLst>
+                  <a:ext uri="{FF2B5EF4-FFF2-40B4-BE49-F238E27FC236}">
+                    <a16:creationId xmlns:a16="http://schemas.microsoft.com/office/drawing/2014/main" id="{F64C9265-C430-EDE3-38D6-FA1D98F6C922}"/>
+                  </a:ext>
+                </a:extLst>
+              </p:cNvPr>
+              <p:cNvSpPr txBox="1">
+                <a:spLocks noRot="1" noChangeAspect="1" noMove="1" noResize="1" noEditPoints="1" noAdjustHandles="1" noChangeArrowheads="1" noChangeShapeType="1" noTextEdit="1"/>
+              </p:cNvSpPr>
+              <p:nvPr/>
+            </p:nvSpPr>
+            <p:spPr>
+              <a:xfrm>
+                <a:off x="137547" y="4278812"/>
+                <a:ext cx="11916906" cy="1051185"/>
+              </a:xfrm>
+              <a:prstGeom prst="rect">
+                <a:avLst/>
+              </a:prstGeom>
+              <a:blipFill>
+                <a:blip r:embed="rId4"/>
+                <a:stretch>
+                  <a:fillRect t="-64286" b="-94048"/>
                 </a:stretch>
               </a:blipFill>
             </p:spPr>
@@ -11205,7 +17153,7 @@
     </p:spTree>
     <p:extLst>
       <p:ext uri="{BB962C8B-B14F-4D97-AF65-F5344CB8AC3E}">
-        <p14:creationId xmlns:p14="http://schemas.microsoft.com/office/powerpoint/2010/main" val="2795567197"/>
+        <p14:creationId xmlns:p14="http://schemas.microsoft.com/office/powerpoint/2010/main" val="2658015503"/>
       </p:ext>
     </p:extLst>
   </p:cSld>

--- a/_umkc-teaching/slides/Lecture3.pptx
+++ b/_umkc-teaching/slides/Lecture3.pptx
@@ -5,26 +5,33 @@
     <p:sldMasterId id="2147483648" r:id="rId1"/>
   </p:sldMasterIdLst>
   <p:notesMasterIdLst>
-    <p:notesMasterId r:id="rId19"/>
+    <p:notesMasterId r:id="rId26"/>
   </p:notesMasterIdLst>
   <p:sldIdLst>
     <p:sldId id="257" r:id="rId2"/>
     <p:sldId id="294" r:id="rId3"/>
-    <p:sldId id="285" r:id="rId4"/>
-    <p:sldId id="297" r:id="rId5"/>
-    <p:sldId id="315" r:id="rId6"/>
-    <p:sldId id="316" r:id="rId7"/>
-    <p:sldId id="317" r:id="rId8"/>
-    <p:sldId id="319" r:id="rId9"/>
-    <p:sldId id="324" r:id="rId10"/>
-    <p:sldId id="322" r:id="rId11"/>
-    <p:sldId id="320" r:id="rId12"/>
-    <p:sldId id="325" r:id="rId13"/>
-    <p:sldId id="321" r:id="rId14"/>
-    <p:sldId id="323" r:id="rId15"/>
-    <p:sldId id="326" r:id="rId16"/>
-    <p:sldId id="327" r:id="rId17"/>
-    <p:sldId id="293" r:id="rId18"/>
+    <p:sldId id="300" r:id="rId4"/>
+    <p:sldId id="285" r:id="rId5"/>
+    <p:sldId id="297" r:id="rId6"/>
+    <p:sldId id="315" r:id="rId7"/>
+    <p:sldId id="316" r:id="rId8"/>
+    <p:sldId id="317" r:id="rId9"/>
+    <p:sldId id="319" r:id="rId10"/>
+    <p:sldId id="324" r:id="rId11"/>
+    <p:sldId id="322" r:id="rId12"/>
+    <p:sldId id="320" r:id="rId13"/>
+    <p:sldId id="325" r:id="rId14"/>
+    <p:sldId id="321" r:id="rId15"/>
+    <p:sldId id="323" r:id="rId16"/>
+    <p:sldId id="326" r:id="rId17"/>
+    <p:sldId id="327" r:id="rId18"/>
+    <p:sldId id="328" r:id="rId19"/>
+    <p:sldId id="329" r:id="rId20"/>
+    <p:sldId id="330" r:id="rId21"/>
+    <p:sldId id="331" r:id="rId22"/>
+    <p:sldId id="332" r:id="rId23"/>
+    <p:sldId id="333" r:id="rId24"/>
+    <p:sldId id="293" r:id="rId25"/>
   </p:sldIdLst>
   <p:sldSz cx="12192000" cy="6858000"/>
   <p:notesSz cx="6858000" cy="9144000"/>
@@ -629,7 +636,7 @@
           <a:p>
             <a:fld id="{3F8BDF20-BE86-4883-8A23-4CE3D0058BEA}" type="slidenum">
               <a:rPr lang="en-US" smtClean="0"/>
-              <a:t>11</a:t>
+              <a:t>12</a:t>
             </a:fld>
             <a:endParaRPr lang="en-US"/>
           </a:p>
@@ -713,7 +720,7 @@
           <a:p>
             <a:fld id="{3F8BDF20-BE86-4883-8A23-4CE3D0058BEA}" type="slidenum">
               <a:rPr lang="en-US" smtClean="0"/>
-              <a:t>12</a:t>
+              <a:t>13</a:t>
             </a:fld>
             <a:endParaRPr lang="en-US"/>
           </a:p>
@@ -797,7 +804,7 @@
           <a:p>
             <a:fld id="{3F8BDF20-BE86-4883-8A23-4CE3D0058BEA}" type="slidenum">
               <a:rPr lang="en-US" smtClean="0"/>
-              <a:t>13</a:t>
+              <a:t>14</a:t>
             </a:fld>
             <a:endParaRPr lang="en-US"/>
           </a:p>
@@ -881,7 +888,7 @@
           <a:p>
             <a:fld id="{3F8BDF20-BE86-4883-8A23-4CE3D0058BEA}" type="slidenum">
               <a:rPr lang="en-US" smtClean="0"/>
-              <a:t>14</a:t>
+              <a:t>15</a:t>
             </a:fld>
             <a:endParaRPr lang="en-US"/>
           </a:p>
@@ -965,7 +972,7 @@
           <a:p>
             <a:fld id="{3F8BDF20-BE86-4883-8A23-4CE3D0058BEA}" type="slidenum">
               <a:rPr lang="en-US" smtClean="0"/>
-              <a:t>15</a:t>
+              <a:t>16</a:t>
             </a:fld>
             <a:endParaRPr lang="en-US"/>
           </a:p>
@@ -1049,7 +1056,7 @@
           <a:p>
             <a:fld id="{3F8BDF20-BE86-4883-8A23-4CE3D0058BEA}" type="slidenum">
               <a:rPr lang="en-US" smtClean="0"/>
-              <a:t>16</a:t>
+              <a:t>17</a:t>
             </a:fld>
             <a:endParaRPr lang="en-US"/>
           </a:p>
@@ -1059,6 +1066,342 @@
     <p:extLst>
       <p:ext uri="{BB962C8B-B14F-4D97-AF65-F5344CB8AC3E}">
         <p14:creationId xmlns:p14="http://schemas.microsoft.com/office/powerpoint/2010/main" val="2847696446"/>
+      </p:ext>
+    </p:extLst>
+  </p:cSld>
+  <p:clrMapOvr>
+    <a:masterClrMapping/>
+  </p:clrMapOvr>
+</p:notes>
+</file>
+
+<file path=ppt/notesSlides/notesSlide16.xml><?xml version="1.0" encoding="utf-8"?>
+<p:notes xmlns:a="http://schemas.openxmlformats.org/drawingml/2006/main" xmlns:r="http://schemas.openxmlformats.org/officeDocument/2006/relationships" xmlns:p="http://schemas.openxmlformats.org/presentationml/2006/main">
+  <p:cSld>
+    <p:spTree>
+      <p:nvGrpSpPr>
+        <p:cNvPr id="1" name=""/>
+        <p:cNvGrpSpPr/>
+        <p:nvPr/>
+      </p:nvGrpSpPr>
+      <p:grpSpPr>
+        <a:xfrm>
+          <a:off x="0" y="0"/>
+          <a:ext cx="0" cy="0"/>
+          <a:chOff x="0" y="0"/>
+          <a:chExt cx="0" cy="0"/>
+        </a:xfrm>
+      </p:grpSpPr>
+      <p:sp>
+        <p:nvSpPr>
+          <p:cNvPr id="2" name="Slide Image Placeholder 1"/>
+          <p:cNvSpPr>
+            <a:spLocks noGrp="1" noRot="1" noChangeAspect="1"/>
+          </p:cNvSpPr>
+          <p:nvPr>
+            <p:ph type="sldImg"/>
+          </p:nvPr>
+        </p:nvSpPr>
+        <p:spPr/>
+      </p:sp>
+      <p:sp>
+        <p:nvSpPr>
+          <p:cNvPr id="3" name="Notes Placeholder 2"/>
+          <p:cNvSpPr>
+            <a:spLocks noGrp="1"/>
+          </p:cNvSpPr>
+          <p:nvPr>
+            <p:ph type="body" idx="1"/>
+          </p:nvPr>
+        </p:nvSpPr>
+        <p:spPr/>
+        <p:txBody>
+          <a:bodyPr/>
+          <a:lstStyle/>
+          <a:p>
+            <a:endParaRPr lang="en-US" dirty="0"/>
+          </a:p>
+        </p:txBody>
+      </p:sp>
+      <p:sp>
+        <p:nvSpPr>
+          <p:cNvPr id="4" name="Slide Number Placeholder 3"/>
+          <p:cNvSpPr>
+            <a:spLocks noGrp="1"/>
+          </p:cNvSpPr>
+          <p:nvPr>
+            <p:ph type="sldNum" sz="quarter" idx="5"/>
+          </p:nvPr>
+        </p:nvSpPr>
+        <p:spPr/>
+        <p:txBody>
+          <a:bodyPr/>
+          <a:lstStyle/>
+          <a:p>
+            <a:fld id="{3F8BDF20-BE86-4883-8A23-4CE3D0058BEA}" type="slidenum">
+              <a:rPr lang="en-US" smtClean="0"/>
+              <a:t>18</a:t>
+            </a:fld>
+            <a:endParaRPr lang="en-US"/>
+          </a:p>
+        </p:txBody>
+      </p:sp>
+    </p:spTree>
+    <p:extLst>
+      <p:ext uri="{BB962C8B-B14F-4D97-AF65-F5344CB8AC3E}">
+        <p14:creationId xmlns:p14="http://schemas.microsoft.com/office/powerpoint/2010/main" val="2703422262"/>
+      </p:ext>
+    </p:extLst>
+  </p:cSld>
+  <p:clrMapOvr>
+    <a:masterClrMapping/>
+  </p:clrMapOvr>
+</p:notes>
+</file>
+
+<file path=ppt/notesSlides/notesSlide17.xml><?xml version="1.0" encoding="utf-8"?>
+<p:notes xmlns:a="http://schemas.openxmlformats.org/drawingml/2006/main" xmlns:r="http://schemas.openxmlformats.org/officeDocument/2006/relationships" xmlns:p="http://schemas.openxmlformats.org/presentationml/2006/main">
+  <p:cSld>
+    <p:spTree>
+      <p:nvGrpSpPr>
+        <p:cNvPr id="1" name=""/>
+        <p:cNvGrpSpPr/>
+        <p:nvPr/>
+      </p:nvGrpSpPr>
+      <p:grpSpPr>
+        <a:xfrm>
+          <a:off x="0" y="0"/>
+          <a:ext cx="0" cy="0"/>
+          <a:chOff x="0" y="0"/>
+          <a:chExt cx="0" cy="0"/>
+        </a:xfrm>
+      </p:grpSpPr>
+      <p:sp>
+        <p:nvSpPr>
+          <p:cNvPr id="2" name="Slide Image Placeholder 1"/>
+          <p:cNvSpPr>
+            <a:spLocks noGrp="1" noRot="1" noChangeAspect="1"/>
+          </p:cNvSpPr>
+          <p:nvPr>
+            <p:ph type="sldImg"/>
+          </p:nvPr>
+        </p:nvSpPr>
+        <p:spPr/>
+      </p:sp>
+      <p:sp>
+        <p:nvSpPr>
+          <p:cNvPr id="3" name="Notes Placeholder 2"/>
+          <p:cNvSpPr>
+            <a:spLocks noGrp="1"/>
+          </p:cNvSpPr>
+          <p:nvPr>
+            <p:ph type="body" idx="1"/>
+          </p:nvPr>
+        </p:nvSpPr>
+        <p:spPr/>
+        <p:txBody>
+          <a:bodyPr/>
+          <a:lstStyle/>
+          <a:p>
+            <a:endParaRPr lang="en-US" dirty="0"/>
+          </a:p>
+        </p:txBody>
+      </p:sp>
+      <p:sp>
+        <p:nvSpPr>
+          <p:cNvPr id="4" name="Slide Number Placeholder 3"/>
+          <p:cNvSpPr>
+            <a:spLocks noGrp="1"/>
+          </p:cNvSpPr>
+          <p:nvPr>
+            <p:ph type="sldNum" sz="quarter" idx="5"/>
+          </p:nvPr>
+        </p:nvSpPr>
+        <p:spPr/>
+        <p:txBody>
+          <a:bodyPr/>
+          <a:lstStyle/>
+          <a:p>
+            <a:fld id="{3F8BDF20-BE86-4883-8A23-4CE3D0058BEA}" type="slidenum">
+              <a:rPr lang="en-US" smtClean="0"/>
+              <a:t>19</a:t>
+            </a:fld>
+            <a:endParaRPr lang="en-US"/>
+          </a:p>
+        </p:txBody>
+      </p:sp>
+    </p:spTree>
+    <p:extLst>
+      <p:ext uri="{BB962C8B-B14F-4D97-AF65-F5344CB8AC3E}">
+        <p14:creationId xmlns:p14="http://schemas.microsoft.com/office/powerpoint/2010/main" val="2319424042"/>
+      </p:ext>
+    </p:extLst>
+  </p:cSld>
+  <p:clrMapOvr>
+    <a:masterClrMapping/>
+  </p:clrMapOvr>
+</p:notes>
+</file>
+
+<file path=ppt/notesSlides/notesSlide18.xml><?xml version="1.0" encoding="utf-8"?>
+<p:notes xmlns:a="http://schemas.openxmlformats.org/drawingml/2006/main" xmlns:r="http://schemas.openxmlformats.org/officeDocument/2006/relationships" xmlns:p="http://schemas.openxmlformats.org/presentationml/2006/main">
+  <p:cSld>
+    <p:spTree>
+      <p:nvGrpSpPr>
+        <p:cNvPr id="1" name=""/>
+        <p:cNvGrpSpPr/>
+        <p:nvPr/>
+      </p:nvGrpSpPr>
+      <p:grpSpPr>
+        <a:xfrm>
+          <a:off x="0" y="0"/>
+          <a:ext cx="0" cy="0"/>
+          <a:chOff x="0" y="0"/>
+          <a:chExt cx="0" cy="0"/>
+        </a:xfrm>
+      </p:grpSpPr>
+      <p:sp>
+        <p:nvSpPr>
+          <p:cNvPr id="2" name="Slide Image Placeholder 1"/>
+          <p:cNvSpPr>
+            <a:spLocks noGrp="1" noRot="1" noChangeAspect="1"/>
+          </p:cNvSpPr>
+          <p:nvPr>
+            <p:ph type="sldImg"/>
+          </p:nvPr>
+        </p:nvSpPr>
+        <p:spPr/>
+      </p:sp>
+      <p:sp>
+        <p:nvSpPr>
+          <p:cNvPr id="3" name="Notes Placeholder 2"/>
+          <p:cNvSpPr>
+            <a:spLocks noGrp="1"/>
+          </p:cNvSpPr>
+          <p:nvPr>
+            <p:ph type="body" idx="1"/>
+          </p:nvPr>
+        </p:nvSpPr>
+        <p:spPr/>
+        <p:txBody>
+          <a:bodyPr/>
+          <a:lstStyle/>
+          <a:p>
+            <a:endParaRPr lang="en-US" dirty="0"/>
+          </a:p>
+        </p:txBody>
+      </p:sp>
+      <p:sp>
+        <p:nvSpPr>
+          <p:cNvPr id="4" name="Slide Number Placeholder 3"/>
+          <p:cNvSpPr>
+            <a:spLocks noGrp="1"/>
+          </p:cNvSpPr>
+          <p:nvPr>
+            <p:ph type="sldNum" sz="quarter" idx="5"/>
+          </p:nvPr>
+        </p:nvSpPr>
+        <p:spPr/>
+        <p:txBody>
+          <a:bodyPr/>
+          <a:lstStyle/>
+          <a:p>
+            <a:fld id="{3F8BDF20-BE86-4883-8A23-4CE3D0058BEA}" type="slidenum">
+              <a:rPr lang="en-US" smtClean="0"/>
+              <a:t>20</a:t>
+            </a:fld>
+            <a:endParaRPr lang="en-US"/>
+          </a:p>
+        </p:txBody>
+      </p:sp>
+    </p:spTree>
+    <p:extLst>
+      <p:ext uri="{BB962C8B-B14F-4D97-AF65-F5344CB8AC3E}">
+        <p14:creationId xmlns:p14="http://schemas.microsoft.com/office/powerpoint/2010/main" val="1114518164"/>
+      </p:ext>
+    </p:extLst>
+  </p:cSld>
+  <p:clrMapOvr>
+    <a:masterClrMapping/>
+  </p:clrMapOvr>
+</p:notes>
+</file>
+
+<file path=ppt/notesSlides/notesSlide19.xml><?xml version="1.0" encoding="utf-8"?>
+<p:notes xmlns:a="http://schemas.openxmlformats.org/drawingml/2006/main" xmlns:r="http://schemas.openxmlformats.org/officeDocument/2006/relationships" xmlns:p="http://schemas.openxmlformats.org/presentationml/2006/main">
+  <p:cSld>
+    <p:spTree>
+      <p:nvGrpSpPr>
+        <p:cNvPr id="1" name=""/>
+        <p:cNvGrpSpPr/>
+        <p:nvPr/>
+      </p:nvGrpSpPr>
+      <p:grpSpPr>
+        <a:xfrm>
+          <a:off x="0" y="0"/>
+          <a:ext cx="0" cy="0"/>
+          <a:chOff x="0" y="0"/>
+          <a:chExt cx="0" cy="0"/>
+        </a:xfrm>
+      </p:grpSpPr>
+      <p:sp>
+        <p:nvSpPr>
+          <p:cNvPr id="2" name="Slide Image Placeholder 1"/>
+          <p:cNvSpPr>
+            <a:spLocks noGrp="1" noRot="1" noChangeAspect="1"/>
+          </p:cNvSpPr>
+          <p:nvPr>
+            <p:ph type="sldImg"/>
+          </p:nvPr>
+        </p:nvSpPr>
+        <p:spPr/>
+      </p:sp>
+      <p:sp>
+        <p:nvSpPr>
+          <p:cNvPr id="3" name="Notes Placeholder 2"/>
+          <p:cNvSpPr>
+            <a:spLocks noGrp="1"/>
+          </p:cNvSpPr>
+          <p:nvPr>
+            <p:ph type="body" idx="1"/>
+          </p:nvPr>
+        </p:nvSpPr>
+        <p:spPr/>
+        <p:txBody>
+          <a:bodyPr/>
+          <a:lstStyle/>
+          <a:p>
+            <a:endParaRPr lang="en-US" dirty="0"/>
+          </a:p>
+        </p:txBody>
+      </p:sp>
+      <p:sp>
+        <p:nvSpPr>
+          <p:cNvPr id="4" name="Slide Number Placeholder 3"/>
+          <p:cNvSpPr>
+            <a:spLocks noGrp="1"/>
+          </p:cNvSpPr>
+          <p:nvPr>
+            <p:ph type="sldNum" sz="quarter" idx="5"/>
+          </p:nvPr>
+        </p:nvSpPr>
+        <p:spPr/>
+        <p:txBody>
+          <a:bodyPr/>
+          <a:lstStyle/>
+          <a:p>
+            <a:fld id="{3F8BDF20-BE86-4883-8A23-4CE3D0058BEA}" type="slidenum">
+              <a:rPr lang="en-US" smtClean="0"/>
+              <a:t>21</a:t>
+            </a:fld>
+            <a:endParaRPr lang="en-US"/>
+          </a:p>
+        </p:txBody>
+      </p:sp>
+    </p:spTree>
+    <p:extLst>
+      <p:ext uri="{BB962C8B-B14F-4D97-AF65-F5344CB8AC3E}">
+        <p14:creationId xmlns:p14="http://schemas.microsoft.com/office/powerpoint/2010/main" val="546932217"/>
       </p:ext>
     </p:extLst>
   </p:cSld>
@@ -1133,7 +1476,7 @@
           <a:p>
             <a:fld id="{3F8BDF20-BE86-4883-8A23-4CE3D0058BEA}" type="slidenum">
               <a:rPr lang="en-US" smtClean="0"/>
-              <a:t>3</a:t>
+              <a:t>4</a:t>
             </a:fld>
             <a:endParaRPr lang="en-US"/>
           </a:p>
@@ -1143,6 +1486,174 @@
     <p:extLst>
       <p:ext uri="{BB962C8B-B14F-4D97-AF65-F5344CB8AC3E}">
         <p14:creationId xmlns:p14="http://schemas.microsoft.com/office/powerpoint/2010/main" val="3729883742"/>
+      </p:ext>
+    </p:extLst>
+  </p:cSld>
+  <p:clrMapOvr>
+    <a:masterClrMapping/>
+  </p:clrMapOvr>
+</p:notes>
+</file>
+
+<file path=ppt/notesSlides/notesSlide20.xml><?xml version="1.0" encoding="utf-8"?>
+<p:notes xmlns:a="http://schemas.openxmlformats.org/drawingml/2006/main" xmlns:r="http://schemas.openxmlformats.org/officeDocument/2006/relationships" xmlns:p="http://schemas.openxmlformats.org/presentationml/2006/main">
+  <p:cSld>
+    <p:spTree>
+      <p:nvGrpSpPr>
+        <p:cNvPr id="1" name=""/>
+        <p:cNvGrpSpPr/>
+        <p:nvPr/>
+      </p:nvGrpSpPr>
+      <p:grpSpPr>
+        <a:xfrm>
+          <a:off x="0" y="0"/>
+          <a:ext cx="0" cy="0"/>
+          <a:chOff x="0" y="0"/>
+          <a:chExt cx="0" cy="0"/>
+        </a:xfrm>
+      </p:grpSpPr>
+      <p:sp>
+        <p:nvSpPr>
+          <p:cNvPr id="2" name="Slide Image Placeholder 1"/>
+          <p:cNvSpPr>
+            <a:spLocks noGrp="1" noRot="1" noChangeAspect="1"/>
+          </p:cNvSpPr>
+          <p:nvPr>
+            <p:ph type="sldImg"/>
+          </p:nvPr>
+        </p:nvSpPr>
+        <p:spPr/>
+      </p:sp>
+      <p:sp>
+        <p:nvSpPr>
+          <p:cNvPr id="3" name="Notes Placeholder 2"/>
+          <p:cNvSpPr>
+            <a:spLocks noGrp="1"/>
+          </p:cNvSpPr>
+          <p:nvPr>
+            <p:ph type="body" idx="1"/>
+          </p:nvPr>
+        </p:nvSpPr>
+        <p:spPr/>
+        <p:txBody>
+          <a:bodyPr/>
+          <a:lstStyle/>
+          <a:p>
+            <a:endParaRPr lang="en-US" dirty="0"/>
+          </a:p>
+        </p:txBody>
+      </p:sp>
+      <p:sp>
+        <p:nvSpPr>
+          <p:cNvPr id="4" name="Slide Number Placeholder 3"/>
+          <p:cNvSpPr>
+            <a:spLocks noGrp="1"/>
+          </p:cNvSpPr>
+          <p:nvPr>
+            <p:ph type="sldNum" sz="quarter" idx="5"/>
+          </p:nvPr>
+        </p:nvSpPr>
+        <p:spPr/>
+        <p:txBody>
+          <a:bodyPr/>
+          <a:lstStyle/>
+          <a:p>
+            <a:fld id="{3F8BDF20-BE86-4883-8A23-4CE3D0058BEA}" type="slidenum">
+              <a:rPr lang="en-US" smtClean="0"/>
+              <a:t>22</a:t>
+            </a:fld>
+            <a:endParaRPr lang="en-US"/>
+          </a:p>
+        </p:txBody>
+      </p:sp>
+    </p:spTree>
+    <p:extLst>
+      <p:ext uri="{BB962C8B-B14F-4D97-AF65-F5344CB8AC3E}">
+        <p14:creationId xmlns:p14="http://schemas.microsoft.com/office/powerpoint/2010/main" val="3441794395"/>
+      </p:ext>
+    </p:extLst>
+  </p:cSld>
+  <p:clrMapOvr>
+    <a:masterClrMapping/>
+  </p:clrMapOvr>
+</p:notes>
+</file>
+
+<file path=ppt/notesSlides/notesSlide21.xml><?xml version="1.0" encoding="utf-8"?>
+<p:notes xmlns:a="http://schemas.openxmlformats.org/drawingml/2006/main" xmlns:r="http://schemas.openxmlformats.org/officeDocument/2006/relationships" xmlns:p="http://schemas.openxmlformats.org/presentationml/2006/main">
+  <p:cSld>
+    <p:spTree>
+      <p:nvGrpSpPr>
+        <p:cNvPr id="1" name=""/>
+        <p:cNvGrpSpPr/>
+        <p:nvPr/>
+      </p:nvGrpSpPr>
+      <p:grpSpPr>
+        <a:xfrm>
+          <a:off x="0" y="0"/>
+          <a:ext cx="0" cy="0"/>
+          <a:chOff x="0" y="0"/>
+          <a:chExt cx="0" cy="0"/>
+        </a:xfrm>
+      </p:grpSpPr>
+      <p:sp>
+        <p:nvSpPr>
+          <p:cNvPr id="2" name="Slide Image Placeholder 1"/>
+          <p:cNvSpPr>
+            <a:spLocks noGrp="1" noRot="1" noChangeAspect="1"/>
+          </p:cNvSpPr>
+          <p:nvPr>
+            <p:ph type="sldImg"/>
+          </p:nvPr>
+        </p:nvSpPr>
+        <p:spPr/>
+      </p:sp>
+      <p:sp>
+        <p:nvSpPr>
+          <p:cNvPr id="3" name="Notes Placeholder 2"/>
+          <p:cNvSpPr>
+            <a:spLocks noGrp="1"/>
+          </p:cNvSpPr>
+          <p:nvPr>
+            <p:ph type="body" idx="1"/>
+          </p:nvPr>
+        </p:nvSpPr>
+        <p:spPr/>
+        <p:txBody>
+          <a:bodyPr/>
+          <a:lstStyle/>
+          <a:p>
+            <a:endParaRPr lang="en-US" dirty="0"/>
+          </a:p>
+        </p:txBody>
+      </p:sp>
+      <p:sp>
+        <p:nvSpPr>
+          <p:cNvPr id="4" name="Slide Number Placeholder 3"/>
+          <p:cNvSpPr>
+            <a:spLocks noGrp="1"/>
+          </p:cNvSpPr>
+          <p:nvPr>
+            <p:ph type="sldNum" sz="quarter" idx="5"/>
+          </p:nvPr>
+        </p:nvSpPr>
+        <p:spPr/>
+        <p:txBody>
+          <a:bodyPr/>
+          <a:lstStyle/>
+          <a:p>
+            <a:fld id="{3F8BDF20-BE86-4883-8A23-4CE3D0058BEA}" type="slidenum">
+              <a:rPr lang="en-US" smtClean="0"/>
+              <a:t>23</a:t>
+            </a:fld>
+            <a:endParaRPr lang="en-US"/>
+          </a:p>
+        </p:txBody>
+      </p:sp>
+    </p:spTree>
+    <p:extLst>
+      <p:ext uri="{BB962C8B-B14F-4D97-AF65-F5344CB8AC3E}">
+        <p14:creationId xmlns:p14="http://schemas.microsoft.com/office/powerpoint/2010/main" val="467129763"/>
       </p:ext>
     </p:extLst>
   </p:cSld>
@@ -1217,7 +1728,7 @@
           <a:p>
             <a:fld id="{3F8BDF20-BE86-4883-8A23-4CE3D0058BEA}" type="slidenum">
               <a:rPr lang="en-US" smtClean="0"/>
-              <a:t>4</a:t>
+              <a:t>5</a:t>
             </a:fld>
             <a:endParaRPr lang="en-US"/>
           </a:p>
@@ -1301,7 +1812,7 @@
           <a:p>
             <a:fld id="{3F8BDF20-BE86-4883-8A23-4CE3D0058BEA}" type="slidenum">
               <a:rPr lang="en-US" smtClean="0"/>
-              <a:t>5</a:t>
+              <a:t>6</a:t>
             </a:fld>
             <a:endParaRPr lang="en-US"/>
           </a:p>
@@ -1385,7 +1896,7 @@
           <a:p>
             <a:fld id="{3F8BDF20-BE86-4883-8A23-4CE3D0058BEA}" type="slidenum">
               <a:rPr lang="en-US" smtClean="0"/>
-              <a:t>6</a:t>
+              <a:t>7</a:t>
             </a:fld>
             <a:endParaRPr lang="en-US"/>
           </a:p>
@@ -1469,7 +1980,7 @@
           <a:p>
             <a:fld id="{3F8BDF20-BE86-4883-8A23-4CE3D0058BEA}" type="slidenum">
               <a:rPr lang="en-US" smtClean="0"/>
-              <a:t>7</a:t>
+              <a:t>8</a:t>
             </a:fld>
             <a:endParaRPr lang="en-US"/>
           </a:p>
@@ -1553,7 +2064,7 @@
           <a:p>
             <a:fld id="{3F8BDF20-BE86-4883-8A23-4CE3D0058BEA}" type="slidenum">
               <a:rPr lang="en-US" smtClean="0"/>
-              <a:t>8</a:t>
+              <a:t>9</a:t>
             </a:fld>
             <a:endParaRPr lang="en-US"/>
           </a:p>
@@ -1637,7 +2148,7 @@
           <a:p>
             <a:fld id="{3F8BDF20-BE86-4883-8A23-4CE3D0058BEA}" type="slidenum">
               <a:rPr lang="en-US" smtClean="0"/>
-              <a:t>9</a:t>
+              <a:t>10</a:t>
             </a:fld>
             <a:endParaRPr lang="en-US"/>
           </a:p>
@@ -1721,7 +2232,7 @@
           <a:p>
             <a:fld id="{3F8BDF20-BE86-4883-8A23-4CE3D0058BEA}" type="slidenum">
               <a:rPr lang="en-US" smtClean="0"/>
-              <a:t>10</a:t>
+              <a:t>11</a:t>
             </a:fld>
             <a:endParaRPr lang="en-US"/>
           </a:p>
@@ -4866,6 +5377,1184 @@
           <a:p>
             <a:r>
               <a:rPr lang="en-US" dirty="0"/>
+              <a:t>Analyzing Least Squares Method</a:t>
+            </a:r>
+          </a:p>
+        </p:txBody>
+      </p:sp>
+      <p:sp>
+        <p:nvSpPr>
+          <p:cNvPr id="4" name="TextBox 3">
+            <a:extLst>
+              <a:ext uri="{FF2B5EF4-FFF2-40B4-BE49-F238E27FC236}">
+                <a16:creationId xmlns:a16="http://schemas.microsoft.com/office/drawing/2014/main" id="{2E49A06D-0836-8A40-BE1A-F6F5FF8786F1}"/>
+              </a:ext>
+            </a:extLst>
+          </p:cNvPr>
+          <p:cNvSpPr txBox="1"/>
+          <p:nvPr/>
+        </p:nvSpPr>
+        <p:spPr>
+          <a:xfrm>
+            <a:off x="838200" y="1906675"/>
+            <a:ext cx="10515600" cy="523220"/>
+          </a:xfrm>
+          <a:prstGeom prst="rect">
+            <a:avLst/>
+          </a:prstGeom>
+          <a:noFill/>
+        </p:spPr>
+        <p:txBody>
+          <a:bodyPr wrap="square">
+            <a:spAutoFit/>
+          </a:bodyPr>
+          <a:lstStyle/>
+          <a:p>
+            <a:r>
+              <a:rPr lang="en-US" sz="2800" b="0" dirty="0"/>
+              <a:t>Under the assumption of linear regression model (ideal model)</a:t>
+            </a:r>
+            <a:endParaRPr lang="en-US" sz="2800" dirty="0"/>
+          </a:p>
+        </p:txBody>
+      </p:sp>
+      <mc:AlternateContent xmlns:mc="http://schemas.openxmlformats.org/markup-compatibility/2006">
+        <mc:Choice xmlns:a14="http://schemas.microsoft.com/office/drawing/2010/main" Requires="a14">
+          <p:sp>
+            <p:nvSpPr>
+              <p:cNvPr id="7" name="TextBox 6">
+                <a:extLst>
+                  <a:ext uri="{FF2B5EF4-FFF2-40B4-BE49-F238E27FC236}">
+                    <a16:creationId xmlns:a16="http://schemas.microsoft.com/office/drawing/2014/main" id="{4029A950-0AC9-6746-A632-95751EB2CE78}"/>
+                  </a:ext>
+                </a:extLst>
+              </p:cNvPr>
+              <p:cNvSpPr txBox="1"/>
+              <p:nvPr/>
+            </p:nvSpPr>
+            <p:spPr>
+              <a:xfrm>
+                <a:off x="2407145" y="2918829"/>
+                <a:ext cx="6096000" cy="523220"/>
+              </a:xfrm>
+              <a:prstGeom prst="rect">
+                <a:avLst/>
+              </a:prstGeom>
+              <a:noFill/>
+            </p:spPr>
+            <p:txBody>
+              <a:bodyPr wrap="square">
+                <a:spAutoFit/>
+              </a:bodyPr>
+              <a:lstStyle/>
+              <a:p>
+                <a:pPr/>
+                <a14:m>
+                  <m:oMathPara xmlns:m="http://schemas.openxmlformats.org/officeDocument/2006/math">
+                    <m:oMathParaPr>
+                      <m:jc m:val="centerGroup"/>
+                    </m:oMathParaPr>
+                    <m:oMath xmlns:m="http://schemas.openxmlformats.org/officeDocument/2006/math">
+                      <m:sSub>
+                        <m:sSubPr>
+                          <m:ctrlPr>
+                            <a:rPr lang="en-US" sz="2800" b="0" i="1" dirty="0" smtClean="0">
+                              <a:latin typeface="Cambria Math" panose="02040503050406030204" pitchFamily="18" charset="0"/>
+                            </a:rPr>
+                          </m:ctrlPr>
+                        </m:sSubPr>
+                        <m:e>
+                          <m:r>
+                            <a:rPr lang="en-US" sz="2800" b="0" i="1" dirty="0" smtClean="0">
+                              <a:latin typeface="Cambria Math" panose="02040503050406030204" pitchFamily="18" charset="0"/>
+                            </a:rPr>
+                            <m:t>𝑦</m:t>
+                          </m:r>
+                        </m:e>
+                        <m:sub>
+                          <m:r>
+                            <a:rPr lang="en-US" sz="2800" b="0" i="1" dirty="0" smtClean="0">
+                              <a:latin typeface="Cambria Math" panose="02040503050406030204" pitchFamily="18" charset="0"/>
+                            </a:rPr>
+                            <m:t>𝑖</m:t>
+                          </m:r>
+                        </m:sub>
+                      </m:sSub>
+                      <m:r>
+                        <a:rPr lang="en-US" sz="2800" b="0" i="1" dirty="0" smtClean="0">
+                          <a:latin typeface="Cambria Math" panose="02040503050406030204" pitchFamily="18" charset="0"/>
+                        </a:rPr>
+                        <m:t>∼</m:t>
+                      </m:r>
+                      <m:r>
+                        <a:rPr lang="en-US" sz="2800" b="0" i="1" dirty="0" smtClean="0">
+                          <a:latin typeface="Cambria Math" panose="02040503050406030204" pitchFamily="18" charset="0"/>
+                        </a:rPr>
+                        <m:t>𝑁</m:t>
+                      </m:r>
+                      <m:r>
+                        <a:rPr lang="en-US" sz="2800" b="0" i="1" dirty="0" smtClean="0">
+                          <a:latin typeface="Cambria Math" panose="02040503050406030204" pitchFamily="18" charset="0"/>
+                        </a:rPr>
+                        <m:t>(</m:t>
+                      </m:r>
+                      <m:sSub>
+                        <m:sSubPr>
+                          <m:ctrlPr>
+                            <a:rPr lang="en-US" sz="2800" i="1">
+                              <a:latin typeface="Cambria Math" panose="02040503050406030204" pitchFamily="18" charset="0"/>
+                            </a:rPr>
+                          </m:ctrlPr>
+                        </m:sSubPr>
+                        <m:e>
+                          <m:r>
+                            <a:rPr lang="en-US" sz="2800" i="1">
+                              <a:latin typeface="Cambria Math" panose="02040503050406030204" pitchFamily="18" charset="0"/>
+                            </a:rPr>
+                            <m:t>𝛽</m:t>
+                          </m:r>
+                        </m:e>
+                        <m:sub>
+                          <m:r>
+                            <a:rPr lang="en-US" sz="2800" i="1">
+                              <a:latin typeface="Cambria Math" panose="02040503050406030204" pitchFamily="18" charset="0"/>
+                            </a:rPr>
+                            <m:t>0</m:t>
+                          </m:r>
+                        </m:sub>
+                      </m:sSub>
+                      <m:r>
+                        <a:rPr lang="en-US" sz="2800" i="1">
+                          <a:latin typeface="Cambria Math" panose="02040503050406030204" pitchFamily="18" charset="0"/>
+                        </a:rPr>
+                        <m:t>+</m:t>
+                      </m:r>
+                      <m:sSub>
+                        <m:sSubPr>
+                          <m:ctrlPr>
+                            <a:rPr lang="en-US" sz="2800" i="1">
+                              <a:latin typeface="Cambria Math" panose="02040503050406030204" pitchFamily="18" charset="0"/>
+                            </a:rPr>
+                          </m:ctrlPr>
+                        </m:sSubPr>
+                        <m:e>
+                          <m:r>
+                            <a:rPr lang="en-US" sz="2800" i="1">
+                              <a:latin typeface="Cambria Math" panose="02040503050406030204" pitchFamily="18" charset="0"/>
+                            </a:rPr>
+                            <m:t>𝛽</m:t>
+                          </m:r>
+                        </m:e>
+                        <m:sub>
+                          <m:r>
+                            <a:rPr lang="en-US" sz="2800" i="1">
+                              <a:latin typeface="Cambria Math" panose="02040503050406030204" pitchFamily="18" charset="0"/>
+                            </a:rPr>
+                            <m:t>1</m:t>
+                          </m:r>
+                        </m:sub>
+                      </m:sSub>
+                      <m:sSub>
+                        <m:sSubPr>
+                          <m:ctrlPr>
+                            <a:rPr lang="en-US" sz="2800" b="0" i="1" smtClean="0">
+                              <a:latin typeface="Cambria Math" panose="02040503050406030204" pitchFamily="18" charset="0"/>
+                            </a:rPr>
+                          </m:ctrlPr>
+                        </m:sSubPr>
+                        <m:e>
+                          <m:r>
+                            <a:rPr lang="en-US" sz="2800" b="0" i="1" smtClean="0">
+                              <a:latin typeface="Cambria Math" panose="02040503050406030204" pitchFamily="18" charset="0"/>
+                            </a:rPr>
+                            <m:t>𝑥</m:t>
+                          </m:r>
+                        </m:e>
+                        <m:sub>
+                          <m:r>
+                            <a:rPr lang="en-US" sz="2800" b="0" i="1" smtClean="0">
+                              <a:latin typeface="Cambria Math" panose="02040503050406030204" pitchFamily="18" charset="0"/>
+                            </a:rPr>
+                            <m:t>𝑖</m:t>
+                          </m:r>
+                        </m:sub>
+                      </m:sSub>
+                      <m:r>
+                        <a:rPr lang="en-US" sz="2800" b="0" i="0" smtClean="0">
+                          <a:latin typeface="Cambria Math" panose="02040503050406030204" pitchFamily="18" charset="0"/>
+                        </a:rPr>
+                        <m:t>, </m:t>
+                      </m:r>
+                      <m:sSup>
+                        <m:sSupPr>
+                          <m:ctrlPr>
+                            <a:rPr lang="en-US" sz="2800" b="0" i="1" smtClean="0">
+                              <a:latin typeface="Cambria Math" panose="02040503050406030204" pitchFamily="18" charset="0"/>
+                            </a:rPr>
+                          </m:ctrlPr>
+                        </m:sSupPr>
+                        <m:e>
+                          <m:r>
+                            <a:rPr lang="en-US" sz="2800" b="0" i="1" smtClean="0">
+                              <a:latin typeface="Cambria Math" panose="02040503050406030204" pitchFamily="18" charset="0"/>
+                            </a:rPr>
+                            <m:t>𝜎</m:t>
+                          </m:r>
+                        </m:e>
+                        <m:sup>
+                          <m:r>
+                            <a:rPr lang="en-US" sz="2800" b="0" i="1" smtClean="0">
+                              <a:latin typeface="Cambria Math" panose="02040503050406030204" pitchFamily="18" charset="0"/>
+                            </a:rPr>
+                            <m:t>2</m:t>
+                          </m:r>
+                        </m:sup>
+                      </m:sSup>
+                      <m:r>
+                        <a:rPr lang="en-US" sz="2800" b="0" i="1" smtClean="0">
+                          <a:latin typeface="Cambria Math" panose="02040503050406030204" pitchFamily="18" charset="0"/>
+                        </a:rPr>
+                        <m:t>)</m:t>
+                      </m:r>
+                    </m:oMath>
+                  </m:oMathPara>
+                </a14:m>
+                <a:endParaRPr lang="en-US" sz="2800" dirty="0"/>
+              </a:p>
+            </p:txBody>
+          </p:sp>
+        </mc:Choice>
+        <mc:Fallback>
+          <p:sp>
+            <p:nvSpPr>
+              <p:cNvPr id="7" name="TextBox 6">
+                <a:extLst>
+                  <a:ext uri="{FF2B5EF4-FFF2-40B4-BE49-F238E27FC236}">
+                    <a16:creationId xmlns:a16="http://schemas.microsoft.com/office/drawing/2014/main" id="{4029A950-0AC9-6746-A632-95751EB2CE78}"/>
+                  </a:ext>
+                </a:extLst>
+              </p:cNvPr>
+              <p:cNvSpPr txBox="1">
+                <a:spLocks noRot="1" noChangeAspect="1" noMove="1" noResize="1" noEditPoints="1" noAdjustHandles="1" noChangeArrowheads="1" noChangeShapeType="1" noTextEdit="1"/>
+              </p:cNvSpPr>
+              <p:nvPr/>
+            </p:nvSpPr>
+            <p:spPr>
+              <a:xfrm>
+                <a:off x="2407145" y="2918829"/>
+                <a:ext cx="6096000" cy="523220"/>
+              </a:xfrm>
+              <a:prstGeom prst="rect">
+                <a:avLst/>
+              </a:prstGeom>
+              <a:blipFill>
+                <a:blip r:embed="rId3"/>
+                <a:stretch>
+                  <a:fillRect b="-16279"/>
+                </a:stretch>
+              </a:blipFill>
+            </p:spPr>
+            <p:txBody>
+              <a:bodyPr/>
+              <a:lstStyle/>
+              <a:p>
+                <a:r>
+                  <a:rPr lang="en-US">
+                    <a:noFill/>
+                  </a:rPr>
+                  <a:t> </a:t>
+                </a:r>
+              </a:p>
+            </p:txBody>
+          </p:sp>
+        </mc:Fallback>
+      </mc:AlternateContent>
+      <mc:AlternateContent xmlns:mc="http://schemas.openxmlformats.org/markup-compatibility/2006">
+        <mc:Choice xmlns:a14="http://schemas.microsoft.com/office/drawing/2010/main" Requires="a14">
+          <p:sp>
+            <p:nvSpPr>
+              <p:cNvPr id="3" name="TextBox 2">
+                <a:extLst>
+                  <a:ext uri="{FF2B5EF4-FFF2-40B4-BE49-F238E27FC236}">
+                    <a16:creationId xmlns:a16="http://schemas.microsoft.com/office/drawing/2014/main" id="{F64C9265-C430-EDE3-38D6-FA1D98F6C922}"/>
+                  </a:ext>
+                </a:extLst>
+              </p:cNvPr>
+              <p:cNvSpPr txBox="1"/>
+              <p:nvPr/>
+            </p:nvSpPr>
+            <p:spPr>
+              <a:xfrm>
+                <a:off x="137547" y="4278812"/>
+                <a:ext cx="11916906" cy="1051185"/>
+              </a:xfrm>
+              <a:prstGeom prst="rect">
+                <a:avLst/>
+              </a:prstGeom>
+              <a:noFill/>
+            </p:spPr>
+            <p:txBody>
+              <a:bodyPr wrap="square">
+                <a:spAutoFit/>
+              </a:bodyPr>
+              <a:lstStyle/>
+              <a:p>
+                <a:pPr/>
+                <a14:m>
+                  <m:oMathPara xmlns:m="http://schemas.openxmlformats.org/officeDocument/2006/math">
+                    <m:oMathParaPr>
+                      <m:jc m:val="centerGroup"/>
+                    </m:oMathParaPr>
+                    <m:oMath xmlns:m="http://schemas.openxmlformats.org/officeDocument/2006/math">
+                      <m:sSub>
+                        <m:sSubPr>
+                          <m:ctrlPr>
+                            <a:rPr lang="en-US" sz="2800" i="1" dirty="0" smtClean="0">
+                              <a:latin typeface="Cambria Math" panose="02040503050406030204" pitchFamily="18" charset="0"/>
+                            </a:rPr>
+                          </m:ctrlPr>
+                        </m:sSubPr>
+                        <m:e>
+                          <m:sSub>
+                            <m:sSubPr>
+                              <m:ctrlPr>
+                                <a:rPr lang="en-US" sz="2800" b="0" i="1" dirty="0" smtClean="0">
+                                  <a:latin typeface="Cambria Math" panose="02040503050406030204" pitchFamily="18" charset="0"/>
+                                </a:rPr>
+                              </m:ctrlPr>
+                            </m:sSubPr>
+                            <m:e>
+                              <m:r>
+                                <a:rPr lang="en-US" sz="2800" b="0" i="1" dirty="0" smtClean="0">
+                                  <a:latin typeface="Cambria Math" panose="02040503050406030204" pitchFamily="18" charset="0"/>
+                                </a:rPr>
+                                <m:t>𝐸</m:t>
+                              </m:r>
+                            </m:e>
+                            <m:sub>
+                              <m:r>
+                                <a:rPr lang="en-US" sz="2800" b="0" i="1" dirty="0" smtClean="0">
+                                  <a:latin typeface="Cambria Math" panose="02040503050406030204" pitchFamily="18" charset="0"/>
+                                </a:rPr>
+                                <m:t>𝐷</m:t>
+                              </m:r>
+                            </m:sub>
+                          </m:sSub>
+                          <m:r>
+                            <a:rPr lang="en-US" sz="2800" b="0" i="1" dirty="0" smtClean="0">
+                              <a:latin typeface="Cambria Math" panose="02040503050406030204" pitchFamily="18" charset="0"/>
+                            </a:rPr>
+                            <m:t>(</m:t>
+                          </m:r>
+                          <m:acc>
+                            <m:accPr>
+                              <m:chr m:val="̂"/>
+                              <m:ctrlPr>
+                                <a:rPr lang="en-US" sz="2800" i="1">
+                                  <a:latin typeface="Cambria Math" panose="02040503050406030204" pitchFamily="18" charset="0"/>
+                                </a:rPr>
+                              </m:ctrlPr>
+                            </m:accPr>
+                            <m:e>
+                              <m:r>
+                                <a:rPr lang="en-US" sz="2800" i="1">
+                                  <a:latin typeface="Cambria Math" panose="02040503050406030204" pitchFamily="18" charset="0"/>
+                                </a:rPr>
+                                <m:t>𝛽</m:t>
+                              </m:r>
+                            </m:e>
+                          </m:acc>
+                        </m:e>
+                        <m:sub>
+                          <m:r>
+                            <a:rPr lang="en-US" sz="2800" b="0" i="1" smtClean="0">
+                              <a:latin typeface="Cambria Math" panose="02040503050406030204" pitchFamily="18" charset="0"/>
+                            </a:rPr>
+                            <m:t>1</m:t>
+                          </m:r>
+                        </m:sub>
+                      </m:sSub>
+                      <m:r>
+                        <a:rPr lang="en-US" sz="2800" b="0" i="1" smtClean="0">
+                          <a:latin typeface="Cambria Math" panose="02040503050406030204" pitchFamily="18" charset="0"/>
+                        </a:rPr>
+                        <m:t>)</m:t>
+                      </m:r>
+                      <m:r>
+                        <a:rPr lang="en-US" sz="2800" i="1" dirty="0">
+                          <a:latin typeface="Cambria Math" panose="02040503050406030204" pitchFamily="18" charset="0"/>
+                        </a:rPr>
+                        <m:t>=</m:t>
+                      </m:r>
+                      <m:sSub>
+                        <m:sSubPr>
+                          <m:ctrlPr>
+                            <a:rPr lang="en-US" sz="2800" b="0" i="1" dirty="0" smtClean="0">
+                              <a:latin typeface="Cambria Math" panose="02040503050406030204" pitchFamily="18" charset="0"/>
+                            </a:rPr>
+                          </m:ctrlPr>
+                        </m:sSubPr>
+                        <m:e>
+                          <m:r>
+                            <a:rPr lang="en-US" sz="2800" b="0" i="1" dirty="0" smtClean="0">
+                              <a:latin typeface="Cambria Math" panose="02040503050406030204" pitchFamily="18" charset="0"/>
+                            </a:rPr>
+                            <m:t>𝐸</m:t>
+                          </m:r>
+                        </m:e>
+                        <m:sub>
+                          <m:r>
+                            <a:rPr lang="en-US" sz="2800" b="0" i="1" dirty="0" smtClean="0">
+                              <a:latin typeface="Cambria Math" panose="02040503050406030204" pitchFamily="18" charset="0"/>
+                            </a:rPr>
+                            <m:t>𝐷</m:t>
+                          </m:r>
+                        </m:sub>
+                      </m:sSub>
+                      <m:d>
+                        <m:dPr>
+                          <m:begChr m:val="["/>
+                          <m:endChr m:val="]"/>
+                          <m:ctrlPr>
+                            <a:rPr lang="en-US" sz="2800" b="0" i="1" dirty="0" smtClean="0">
+                              <a:latin typeface="Cambria Math" panose="02040503050406030204" pitchFamily="18" charset="0"/>
+                            </a:rPr>
+                          </m:ctrlPr>
+                        </m:dPr>
+                        <m:e>
+                          <m:f>
+                            <m:fPr>
+                              <m:ctrlPr>
+                                <a:rPr lang="en-US" sz="2800" i="1" dirty="0">
+                                  <a:latin typeface="Cambria Math" panose="02040503050406030204" pitchFamily="18" charset="0"/>
+                                </a:rPr>
+                              </m:ctrlPr>
+                            </m:fPr>
+                            <m:num>
+                              <m:nary>
+                                <m:naryPr>
+                                  <m:chr m:val="∑"/>
+                                  <m:supHide m:val="on"/>
+                                  <m:ctrlPr>
+                                    <a:rPr lang="en-US" sz="2800" i="1" dirty="0">
+                                      <a:latin typeface="Cambria Math" panose="02040503050406030204" pitchFamily="18" charset="0"/>
+                                    </a:rPr>
+                                  </m:ctrlPr>
+                                </m:naryPr>
+                                <m:sub>
+                                  <m:r>
+                                    <a:rPr lang="en-US" sz="2800" i="1" dirty="0">
+                                      <a:latin typeface="Cambria Math" panose="02040503050406030204" pitchFamily="18" charset="0"/>
+                                    </a:rPr>
+                                    <m:t>𝑖</m:t>
+                                  </m:r>
+                                </m:sub>
+                                <m:sup/>
+                                <m:e>
+                                  <m:d>
+                                    <m:dPr>
+                                      <m:ctrlPr>
+                                        <a:rPr lang="en-US" sz="2800" i="1" dirty="0">
+                                          <a:latin typeface="Cambria Math" panose="02040503050406030204" pitchFamily="18" charset="0"/>
+                                        </a:rPr>
+                                      </m:ctrlPr>
+                                    </m:dPr>
+                                    <m:e>
+                                      <m:sSub>
+                                        <m:sSubPr>
+                                          <m:ctrlPr>
+                                            <a:rPr lang="en-US" sz="2800" i="1" dirty="0">
+                                              <a:latin typeface="Cambria Math" panose="02040503050406030204" pitchFamily="18" charset="0"/>
+                                            </a:rPr>
+                                          </m:ctrlPr>
+                                        </m:sSubPr>
+                                        <m:e>
+                                          <m:r>
+                                            <a:rPr lang="en-US" sz="2800" i="1" dirty="0">
+                                              <a:latin typeface="Cambria Math" panose="02040503050406030204" pitchFamily="18" charset="0"/>
+                                            </a:rPr>
+                                            <m:t>𝑥</m:t>
+                                          </m:r>
+                                        </m:e>
+                                        <m:sub>
+                                          <m:r>
+                                            <a:rPr lang="en-US" sz="2800" i="1" dirty="0">
+                                              <a:latin typeface="Cambria Math" panose="02040503050406030204" pitchFamily="18" charset="0"/>
+                                            </a:rPr>
+                                            <m:t>𝑖</m:t>
+                                          </m:r>
+                                        </m:sub>
+                                      </m:sSub>
+                                      <m:r>
+                                        <a:rPr lang="en-US" sz="2800" i="1" dirty="0">
+                                          <a:latin typeface="Cambria Math" panose="02040503050406030204" pitchFamily="18" charset="0"/>
+                                        </a:rPr>
+                                        <m:t>−</m:t>
+                                      </m:r>
+                                      <m:bar>
+                                        <m:barPr>
+                                          <m:pos m:val="top"/>
+                                          <m:ctrlPr>
+                                            <a:rPr lang="en-US" sz="2800" i="1" dirty="0">
+                                              <a:latin typeface="Cambria Math" panose="02040503050406030204" pitchFamily="18" charset="0"/>
+                                            </a:rPr>
+                                          </m:ctrlPr>
+                                        </m:barPr>
+                                        <m:e>
+                                          <m:r>
+                                            <a:rPr lang="en-US" sz="2800" i="1" dirty="0">
+                                              <a:latin typeface="Cambria Math" panose="02040503050406030204" pitchFamily="18" charset="0"/>
+                                            </a:rPr>
+                                            <m:t>𝑥</m:t>
+                                          </m:r>
+                                        </m:e>
+                                      </m:bar>
+                                    </m:e>
+                                  </m:d>
+                                  <m:d>
+                                    <m:dPr>
+                                      <m:ctrlPr>
+                                        <a:rPr lang="en-US" sz="2800" i="1" dirty="0">
+                                          <a:latin typeface="Cambria Math" panose="02040503050406030204" pitchFamily="18" charset="0"/>
+                                        </a:rPr>
+                                      </m:ctrlPr>
+                                    </m:dPr>
+                                    <m:e>
+                                      <m:sSub>
+                                        <m:sSubPr>
+                                          <m:ctrlPr>
+                                            <a:rPr lang="en-US" sz="2800" i="1" dirty="0">
+                                              <a:latin typeface="Cambria Math" panose="02040503050406030204" pitchFamily="18" charset="0"/>
+                                            </a:rPr>
+                                          </m:ctrlPr>
+                                        </m:sSubPr>
+                                        <m:e>
+                                          <m:r>
+                                            <a:rPr lang="en-US" sz="2800" i="1" dirty="0">
+                                              <a:latin typeface="Cambria Math" panose="02040503050406030204" pitchFamily="18" charset="0"/>
+                                            </a:rPr>
+                                            <m:t>𝑦</m:t>
+                                          </m:r>
+                                        </m:e>
+                                        <m:sub>
+                                          <m:r>
+                                            <a:rPr lang="en-US" sz="2800" i="1" dirty="0">
+                                              <a:latin typeface="Cambria Math" panose="02040503050406030204" pitchFamily="18" charset="0"/>
+                                            </a:rPr>
+                                            <m:t>𝑖</m:t>
+                                          </m:r>
+                                        </m:sub>
+                                      </m:sSub>
+                                      <m:r>
+                                        <a:rPr lang="en-US" sz="2800" i="1" dirty="0">
+                                          <a:latin typeface="Cambria Math" panose="02040503050406030204" pitchFamily="18" charset="0"/>
+                                        </a:rPr>
+                                        <m:t>−</m:t>
+                                      </m:r>
+                                      <m:bar>
+                                        <m:barPr>
+                                          <m:pos m:val="top"/>
+                                          <m:ctrlPr>
+                                            <a:rPr lang="en-US" sz="2800" i="1" dirty="0">
+                                              <a:latin typeface="Cambria Math" panose="02040503050406030204" pitchFamily="18" charset="0"/>
+                                            </a:rPr>
+                                          </m:ctrlPr>
+                                        </m:barPr>
+                                        <m:e>
+                                          <m:r>
+                                            <a:rPr lang="en-US" sz="2800" i="1" dirty="0">
+                                              <a:latin typeface="Cambria Math" panose="02040503050406030204" pitchFamily="18" charset="0"/>
+                                            </a:rPr>
+                                            <m:t>𝑦</m:t>
+                                          </m:r>
+                                        </m:e>
+                                      </m:bar>
+                                    </m:e>
+                                  </m:d>
+                                </m:e>
+                              </m:nary>
+                            </m:num>
+                            <m:den>
+                              <m:nary>
+                                <m:naryPr>
+                                  <m:chr m:val="∑"/>
+                                  <m:supHide m:val="on"/>
+                                  <m:ctrlPr>
+                                    <a:rPr lang="en-US" sz="2800" i="1" dirty="0">
+                                      <a:latin typeface="Cambria Math" panose="02040503050406030204" pitchFamily="18" charset="0"/>
+                                    </a:rPr>
+                                  </m:ctrlPr>
+                                </m:naryPr>
+                                <m:sub>
+                                  <m:r>
+                                    <a:rPr lang="en-US" sz="2800" i="1" dirty="0">
+                                      <a:latin typeface="Cambria Math" panose="02040503050406030204" pitchFamily="18" charset="0"/>
+                                    </a:rPr>
+                                    <m:t>𝑖</m:t>
+                                  </m:r>
+                                </m:sub>
+                                <m:sup/>
+                                <m:e>
+                                  <m:sSup>
+                                    <m:sSupPr>
+                                      <m:ctrlPr>
+                                        <a:rPr lang="en-US" sz="2800" i="1" dirty="0">
+                                          <a:latin typeface="Cambria Math" panose="02040503050406030204" pitchFamily="18" charset="0"/>
+                                        </a:rPr>
+                                      </m:ctrlPr>
+                                    </m:sSupPr>
+                                    <m:e>
+                                      <m:d>
+                                        <m:dPr>
+                                          <m:ctrlPr>
+                                            <a:rPr lang="en-US" sz="2800" i="1" dirty="0">
+                                              <a:latin typeface="Cambria Math" panose="02040503050406030204" pitchFamily="18" charset="0"/>
+                                            </a:rPr>
+                                          </m:ctrlPr>
+                                        </m:dPr>
+                                        <m:e>
+                                          <m:sSub>
+                                            <m:sSubPr>
+                                              <m:ctrlPr>
+                                                <a:rPr lang="en-US" sz="2800" i="1" dirty="0">
+                                                  <a:latin typeface="Cambria Math" panose="02040503050406030204" pitchFamily="18" charset="0"/>
+                                                </a:rPr>
+                                              </m:ctrlPr>
+                                            </m:sSubPr>
+                                            <m:e>
+                                              <m:r>
+                                                <a:rPr lang="en-US" sz="2800" i="1" dirty="0">
+                                                  <a:latin typeface="Cambria Math" panose="02040503050406030204" pitchFamily="18" charset="0"/>
+                                                </a:rPr>
+                                                <m:t>𝑥</m:t>
+                                              </m:r>
+                                            </m:e>
+                                            <m:sub>
+                                              <m:r>
+                                                <a:rPr lang="en-US" sz="2800" i="1" dirty="0">
+                                                  <a:latin typeface="Cambria Math" panose="02040503050406030204" pitchFamily="18" charset="0"/>
+                                                </a:rPr>
+                                                <m:t>𝑖</m:t>
+                                              </m:r>
+                                            </m:sub>
+                                          </m:sSub>
+                                          <m:r>
+                                            <a:rPr lang="en-US" sz="2800" i="1" dirty="0">
+                                              <a:latin typeface="Cambria Math" panose="02040503050406030204" pitchFamily="18" charset="0"/>
+                                            </a:rPr>
+                                            <m:t>−</m:t>
+                                          </m:r>
+                                          <m:bar>
+                                            <m:barPr>
+                                              <m:pos m:val="top"/>
+                                              <m:ctrlPr>
+                                                <a:rPr lang="en-US" sz="2800" i="1" dirty="0">
+                                                  <a:latin typeface="Cambria Math" panose="02040503050406030204" pitchFamily="18" charset="0"/>
+                                                </a:rPr>
+                                              </m:ctrlPr>
+                                            </m:barPr>
+                                            <m:e>
+                                              <m:r>
+                                                <a:rPr lang="en-US" sz="2800" i="1" dirty="0">
+                                                  <a:latin typeface="Cambria Math" panose="02040503050406030204" pitchFamily="18" charset="0"/>
+                                                </a:rPr>
+                                                <m:t>𝑥</m:t>
+                                              </m:r>
+                                            </m:e>
+                                          </m:bar>
+                                        </m:e>
+                                      </m:d>
+                                    </m:e>
+                                    <m:sup>
+                                      <m:r>
+                                        <a:rPr lang="en-US" sz="2800" i="1" dirty="0">
+                                          <a:latin typeface="Cambria Math" panose="02040503050406030204" pitchFamily="18" charset="0"/>
+                                        </a:rPr>
+                                        <m:t>2</m:t>
+                                      </m:r>
+                                    </m:sup>
+                                  </m:sSup>
+                                </m:e>
+                              </m:nary>
+                            </m:den>
+                          </m:f>
+                        </m:e>
+                      </m:d>
+                      <m:r>
+                        <a:rPr lang="en-US" sz="2800" b="0" i="0" dirty="0" smtClean="0">
+                          <a:latin typeface="Cambria Math" panose="02040503050406030204" pitchFamily="18" charset="0"/>
+                        </a:rPr>
+                        <m:t>=</m:t>
+                      </m:r>
+                      <m:sSub>
+                        <m:sSubPr>
+                          <m:ctrlPr>
+                            <a:rPr lang="en-US" sz="2800" i="1" dirty="0">
+                              <a:latin typeface="Cambria Math" panose="02040503050406030204" pitchFamily="18" charset="0"/>
+                            </a:rPr>
+                          </m:ctrlPr>
+                        </m:sSubPr>
+                        <m:e>
+                          <m:r>
+                            <a:rPr lang="en-US" sz="2800" i="1" dirty="0">
+                              <a:latin typeface="Cambria Math" panose="02040503050406030204" pitchFamily="18" charset="0"/>
+                            </a:rPr>
+                            <m:t>𝐸</m:t>
+                          </m:r>
+                        </m:e>
+                        <m:sub>
+                          <m:r>
+                            <a:rPr lang="en-US" sz="2800" i="1" dirty="0">
+                              <a:latin typeface="Cambria Math" panose="02040503050406030204" pitchFamily="18" charset="0"/>
+                            </a:rPr>
+                            <m:t>𝐷</m:t>
+                          </m:r>
+                        </m:sub>
+                      </m:sSub>
+                      <m:d>
+                        <m:dPr>
+                          <m:begChr m:val="["/>
+                          <m:endChr m:val="]"/>
+                          <m:ctrlPr>
+                            <a:rPr lang="en-US" sz="2800" i="1" dirty="0">
+                              <a:latin typeface="Cambria Math" panose="02040503050406030204" pitchFamily="18" charset="0"/>
+                            </a:rPr>
+                          </m:ctrlPr>
+                        </m:dPr>
+                        <m:e>
+                          <m:f>
+                            <m:fPr>
+                              <m:ctrlPr>
+                                <a:rPr lang="en-US" sz="2800" i="1" dirty="0">
+                                  <a:latin typeface="Cambria Math" panose="02040503050406030204" pitchFamily="18" charset="0"/>
+                                </a:rPr>
+                              </m:ctrlPr>
+                            </m:fPr>
+                            <m:num>
+                              <m:nary>
+                                <m:naryPr>
+                                  <m:chr m:val="∑"/>
+                                  <m:supHide m:val="on"/>
+                                  <m:ctrlPr>
+                                    <a:rPr lang="en-US" sz="2800" i="1" dirty="0">
+                                      <a:latin typeface="Cambria Math" panose="02040503050406030204" pitchFamily="18" charset="0"/>
+                                    </a:rPr>
+                                  </m:ctrlPr>
+                                </m:naryPr>
+                                <m:sub>
+                                  <m:r>
+                                    <a:rPr lang="en-US" sz="2800" i="1" dirty="0">
+                                      <a:latin typeface="Cambria Math" panose="02040503050406030204" pitchFamily="18" charset="0"/>
+                                    </a:rPr>
+                                    <m:t>𝑖</m:t>
+                                  </m:r>
+                                </m:sub>
+                                <m:sup/>
+                                <m:e>
+                                  <m:d>
+                                    <m:dPr>
+                                      <m:ctrlPr>
+                                        <a:rPr lang="en-US" sz="2800" i="1" dirty="0">
+                                          <a:latin typeface="Cambria Math" panose="02040503050406030204" pitchFamily="18" charset="0"/>
+                                        </a:rPr>
+                                      </m:ctrlPr>
+                                    </m:dPr>
+                                    <m:e>
+                                      <m:sSub>
+                                        <m:sSubPr>
+                                          <m:ctrlPr>
+                                            <a:rPr lang="en-US" sz="2800" i="1" dirty="0">
+                                              <a:latin typeface="Cambria Math" panose="02040503050406030204" pitchFamily="18" charset="0"/>
+                                            </a:rPr>
+                                          </m:ctrlPr>
+                                        </m:sSubPr>
+                                        <m:e>
+                                          <m:r>
+                                            <a:rPr lang="en-US" sz="2800" i="1" dirty="0">
+                                              <a:latin typeface="Cambria Math" panose="02040503050406030204" pitchFamily="18" charset="0"/>
+                                            </a:rPr>
+                                            <m:t>𝑥</m:t>
+                                          </m:r>
+                                        </m:e>
+                                        <m:sub>
+                                          <m:r>
+                                            <a:rPr lang="en-US" sz="2800" i="1" dirty="0">
+                                              <a:latin typeface="Cambria Math" panose="02040503050406030204" pitchFamily="18" charset="0"/>
+                                            </a:rPr>
+                                            <m:t>𝑖</m:t>
+                                          </m:r>
+                                        </m:sub>
+                                      </m:sSub>
+                                      <m:r>
+                                        <a:rPr lang="en-US" sz="2800" i="1" dirty="0">
+                                          <a:latin typeface="Cambria Math" panose="02040503050406030204" pitchFamily="18" charset="0"/>
+                                        </a:rPr>
+                                        <m:t>−</m:t>
+                                      </m:r>
+                                      <m:bar>
+                                        <m:barPr>
+                                          <m:pos m:val="top"/>
+                                          <m:ctrlPr>
+                                            <a:rPr lang="en-US" sz="2800" i="1" dirty="0">
+                                              <a:latin typeface="Cambria Math" panose="02040503050406030204" pitchFamily="18" charset="0"/>
+                                            </a:rPr>
+                                          </m:ctrlPr>
+                                        </m:barPr>
+                                        <m:e>
+                                          <m:r>
+                                            <a:rPr lang="en-US" sz="2800" i="1" dirty="0">
+                                              <a:latin typeface="Cambria Math" panose="02040503050406030204" pitchFamily="18" charset="0"/>
+                                            </a:rPr>
+                                            <m:t>𝑥</m:t>
+                                          </m:r>
+                                        </m:e>
+                                      </m:bar>
+                                    </m:e>
+                                  </m:d>
+                                  <m:d>
+                                    <m:dPr>
+                                      <m:ctrlPr>
+                                        <a:rPr lang="en-US" sz="2800" i="1" dirty="0">
+                                          <a:latin typeface="Cambria Math" panose="02040503050406030204" pitchFamily="18" charset="0"/>
+                                        </a:rPr>
+                                      </m:ctrlPr>
+                                    </m:dPr>
+                                    <m:e>
+                                      <m:sSub>
+                                        <m:sSubPr>
+                                          <m:ctrlPr>
+                                            <a:rPr lang="en-US" sz="2800" i="1" dirty="0">
+                                              <a:latin typeface="Cambria Math" panose="02040503050406030204" pitchFamily="18" charset="0"/>
+                                            </a:rPr>
+                                          </m:ctrlPr>
+                                        </m:sSubPr>
+                                        <m:e>
+                                          <m:r>
+                                            <a:rPr lang="en-US" sz="2800" b="0" i="1" dirty="0" smtClean="0">
+                                              <a:latin typeface="Cambria Math" panose="02040503050406030204" pitchFamily="18" charset="0"/>
+                                            </a:rPr>
+                                            <m:t>𝜖</m:t>
+                                          </m:r>
+                                        </m:e>
+                                        <m:sub>
+                                          <m:r>
+                                            <a:rPr lang="en-US" sz="2800" i="1" dirty="0">
+                                              <a:latin typeface="Cambria Math" panose="02040503050406030204" pitchFamily="18" charset="0"/>
+                                            </a:rPr>
+                                            <m:t>𝑖</m:t>
+                                          </m:r>
+                                        </m:sub>
+                                      </m:sSub>
+                                      <m:r>
+                                        <a:rPr lang="en-US" sz="2800" b="0" i="1" dirty="0" smtClean="0">
+                                          <a:latin typeface="Cambria Math" panose="02040503050406030204" pitchFamily="18" charset="0"/>
+                                        </a:rPr>
+                                        <m:t>+</m:t>
+                                      </m:r>
+                                      <m:sSub>
+                                        <m:sSubPr>
+                                          <m:ctrlPr>
+                                            <a:rPr lang="en-US" sz="2800" b="0" i="1" dirty="0" smtClean="0">
+                                              <a:latin typeface="Cambria Math" panose="02040503050406030204" pitchFamily="18" charset="0"/>
+                                            </a:rPr>
+                                          </m:ctrlPr>
+                                        </m:sSubPr>
+                                        <m:e>
+                                          <m:r>
+                                            <a:rPr lang="en-US" sz="2800" b="0" i="1" dirty="0" smtClean="0">
+                                              <a:latin typeface="Cambria Math" panose="02040503050406030204" pitchFamily="18" charset="0"/>
+                                            </a:rPr>
+                                            <m:t>𝛽</m:t>
+                                          </m:r>
+                                        </m:e>
+                                        <m:sub>
+                                          <m:r>
+                                            <a:rPr lang="en-US" sz="2800" b="0" i="1" dirty="0" smtClean="0">
+                                              <a:latin typeface="Cambria Math" panose="02040503050406030204" pitchFamily="18" charset="0"/>
+                                            </a:rPr>
+                                            <m:t>1</m:t>
+                                          </m:r>
+                                        </m:sub>
+                                      </m:sSub>
+                                      <m:sSub>
+                                        <m:sSubPr>
+                                          <m:ctrlPr>
+                                            <a:rPr lang="en-US" sz="2800" b="0" i="1" dirty="0" smtClean="0">
+                                              <a:latin typeface="Cambria Math" panose="02040503050406030204" pitchFamily="18" charset="0"/>
+                                            </a:rPr>
+                                          </m:ctrlPr>
+                                        </m:sSubPr>
+                                        <m:e>
+                                          <m:r>
+                                            <a:rPr lang="en-US" sz="2800" b="0" i="1" dirty="0" smtClean="0">
+                                              <a:latin typeface="Cambria Math" panose="02040503050406030204" pitchFamily="18" charset="0"/>
+                                            </a:rPr>
+                                            <m:t>(</m:t>
+                                          </m:r>
+                                          <m:r>
+                                            <a:rPr lang="en-US" sz="2800" b="0" i="1" dirty="0" smtClean="0">
+                                              <a:latin typeface="Cambria Math" panose="02040503050406030204" pitchFamily="18" charset="0"/>
+                                            </a:rPr>
+                                            <m:t>𝑥</m:t>
+                                          </m:r>
+                                        </m:e>
+                                        <m:sub>
+                                          <m:r>
+                                            <a:rPr lang="en-US" sz="2800" b="0" i="1" dirty="0" smtClean="0">
+                                              <a:latin typeface="Cambria Math" panose="02040503050406030204" pitchFamily="18" charset="0"/>
+                                            </a:rPr>
+                                            <m:t>𝑖</m:t>
+                                          </m:r>
+                                        </m:sub>
+                                      </m:sSub>
+                                      <m:r>
+                                        <a:rPr lang="en-US" sz="2800" b="0" i="1" dirty="0" smtClean="0">
+                                          <a:latin typeface="Cambria Math" panose="02040503050406030204" pitchFamily="18" charset="0"/>
+                                        </a:rPr>
+                                        <m:t>−</m:t>
+                                      </m:r>
+                                      <m:bar>
+                                        <m:barPr>
+                                          <m:pos m:val="top"/>
+                                          <m:ctrlPr>
+                                            <a:rPr lang="en-US" sz="2800" i="1" dirty="0">
+                                              <a:latin typeface="Cambria Math" panose="02040503050406030204" pitchFamily="18" charset="0"/>
+                                            </a:rPr>
+                                          </m:ctrlPr>
+                                        </m:barPr>
+                                        <m:e>
+                                          <m:r>
+                                            <a:rPr lang="en-US" sz="2800" b="0" i="1" dirty="0" smtClean="0">
+                                              <a:latin typeface="Cambria Math" panose="02040503050406030204" pitchFamily="18" charset="0"/>
+                                            </a:rPr>
+                                            <m:t>𝑥</m:t>
+                                          </m:r>
+                                        </m:e>
+                                      </m:bar>
+                                    </m:e>
+                                  </m:d>
+                                  <m:r>
+                                    <a:rPr lang="en-US" sz="2800" b="0" i="1" dirty="0" smtClean="0">
+                                      <a:latin typeface="Cambria Math" panose="02040503050406030204" pitchFamily="18" charset="0"/>
+                                    </a:rPr>
+                                    <m:t>)</m:t>
+                                  </m:r>
+                                </m:e>
+                              </m:nary>
+                            </m:num>
+                            <m:den>
+                              <m:nary>
+                                <m:naryPr>
+                                  <m:chr m:val="∑"/>
+                                  <m:supHide m:val="on"/>
+                                  <m:ctrlPr>
+                                    <a:rPr lang="en-US" sz="2800" i="1" dirty="0">
+                                      <a:latin typeface="Cambria Math" panose="02040503050406030204" pitchFamily="18" charset="0"/>
+                                    </a:rPr>
+                                  </m:ctrlPr>
+                                </m:naryPr>
+                                <m:sub>
+                                  <m:r>
+                                    <a:rPr lang="en-US" sz="2800" i="1" dirty="0">
+                                      <a:latin typeface="Cambria Math" panose="02040503050406030204" pitchFamily="18" charset="0"/>
+                                    </a:rPr>
+                                    <m:t>𝑖</m:t>
+                                  </m:r>
+                                </m:sub>
+                                <m:sup/>
+                                <m:e>
+                                  <m:sSup>
+                                    <m:sSupPr>
+                                      <m:ctrlPr>
+                                        <a:rPr lang="en-US" sz="2800" i="1" dirty="0">
+                                          <a:latin typeface="Cambria Math" panose="02040503050406030204" pitchFamily="18" charset="0"/>
+                                        </a:rPr>
+                                      </m:ctrlPr>
+                                    </m:sSupPr>
+                                    <m:e>
+                                      <m:d>
+                                        <m:dPr>
+                                          <m:ctrlPr>
+                                            <a:rPr lang="en-US" sz="2800" i="1" dirty="0">
+                                              <a:latin typeface="Cambria Math" panose="02040503050406030204" pitchFamily="18" charset="0"/>
+                                            </a:rPr>
+                                          </m:ctrlPr>
+                                        </m:dPr>
+                                        <m:e>
+                                          <m:sSub>
+                                            <m:sSubPr>
+                                              <m:ctrlPr>
+                                                <a:rPr lang="en-US" sz="2800" i="1" dirty="0">
+                                                  <a:latin typeface="Cambria Math" panose="02040503050406030204" pitchFamily="18" charset="0"/>
+                                                </a:rPr>
+                                              </m:ctrlPr>
+                                            </m:sSubPr>
+                                            <m:e>
+                                              <m:r>
+                                                <a:rPr lang="en-US" sz="2800" i="1" dirty="0">
+                                                  <a:latin typeface="Cambria Math" panose="02040503050406030204" pitchFamily="18" charset="0"/>
+                                                </a:rPr>
+                                                <m:t>𝑥</m:t>
+                                              </m:r>
+                                            </m:e>
+                                            <m:sub>
+                                              <m:r>
+                                                <a:rPr lang="en-US" sz="2800" i="1" dirty="0">
+                                                  <a:latin typeface="Cambria Math" panose="02040503050406030204" pitchFamily="18" charset="0"/>
+                                                </a:rPr>
+                                                <m:t>𝑖</m:t>
+                                              </m:r>
+                                            </m:sub>
+                                          </m:sSub>
+                                          <m:r>
+                                            <a:rPr lang="en-US" sz="2800" i="1" dirty="0">
+                                              <a:latin typeface="Cambria Math" panose="02040503050406030204" pitchFamily="18" charset="0"/>
+                                            </a:rPr>
+                                            <m:t>−</m:t>
+                                          </m:r>
+                                          <m:bar>
+                                            <m:barPr>
+                                              <m:pos m:val="top"/>
+                                              <m:ctrlPr>
+                                                <a:rPr lang="en-US" sz="2800" i="1" dirty="0">
+                                                  <a:latin typeface="Cambria Math" panose="02040503050406030204" pitchFamily="18" charset="0"/>
+                                                </a:rPr>
+                                              </m:ctrlPr>
+                                            </m:barPr>
+                                            <m:e>
+                                              <m:r>
+                                                <a:rPr lang="en-US" sz="2800" i="1" dirty="0">
+                                                  <a:latin typeface="Cambria Math" panose="02040503050406030204" pitchFamily="18" charset="0"/>
+                                                </a:rPr>
+                                                <m:t>𝑥</m:t>
+                                              </m:r>
+                                            </m:e>
+                                          </m:bar>
+                                        </m:e>
+                                      </m:d>
+                                    </m:e>
+                                    <m:sup>
+                                      <m:r>
+                                        <a:rPr lang="en-US" sz="2800" i="1" dirty="0">
+                                          <a:latin typeface="Cambria Math" panose="02040503050406030204" pitchFamily="18" charset="0"/>
+                                        </a:rPr>
+                                        <m:t>2</m:t>
+                                      </m:r>
+                                    </m:sup>
+                                  </m:sSup>
+                                </m:e>
+                              </m:nary>
+                            </m:den>
+                          </m:f>
+                        </m:e>
+                      </m:d>
+                    </m:oMath>
+                  </m:oMathPara>
+                </a14:m>
+                <a:endParaRPr lang="en-US" sz="2800" dirty="0"/>
+              </a:p>
+            </p:txBody>
+          </p:sp>
+        </mc:Choice>
+        <mc:Fallback>
+          <p:sp>
+            <p:nvSpPr>
+              <p:cNvPr id="3" name="TextBox 2">
+                <a:extLst>
+                  <a:ext uri="{FF2B5EF4-FFF2-40B4-BE49-F238E27FC236}">
+                    <a16:creationId xmlns:a16="http://schemas.microsoft.com/office/drawing/2014/main" id="{F64C9265-C430-EDE3-38D6-FA1D98F6C922}"/>
+                  </a:ext>
+                </a:extLst>
+              </p:cNvPr>
+              <p:cNvSpPr txBox="1">
+                <a:spLocks noRot="1" noChangeAspect="1" noMove="1" noResize="1" noEditPoints="1" noAdjustHandles="1" noChangeArrowheads="1" noChangeShapeType="1" noTextEdit="1"/>
+              </p:cNvSpPr>
+              <p:nvPr/>
+            </p:nvSpPr>
+            <p:spPr>
+              <a:xfrm>
+                <a:off x="137547" y="4278812"/>
+                <a:ext cx="11916906" cy="1051185"/>
+              </a:xfrm>
+              <a:prstGeom prst="rect">
+                <a:avLst/>
+              </a:prstGeom>
+              <a:blipFill>
+                <a:blip r:embed="rId4"/>
+                <a:stretch>
+                  <a:fillRect t="-64286" b="-94048"/>
+                </a:stretch>
+              </a:blipFill>
+            </p:spPr>
+            <p:txBody>
+              <a:bodyPr/>
+              <a:lstStyle/>
+              <a:p>
+                <a:r>
+                  <a:rPr lang="en-US">
+                    <a:noFill/>
+                  </a:rPr>
+                  <a:t> </a:t>
+                </a:r>
+              </a:p>
+            </p:txBody>
+          </p:sp>
+        </mc:Fallback>
+      </mc:AlternateContent>
+    </p:spTree>
+    <p:extLst>
+      <p:ext uri="{BB962C8B-B14F-4D97-AF65-F5344CB8AC3E}">
+        <p14:creationId xmlns:p14="http://schemas.microsoft.com/office/powerpoint/2010/main" val="2658015503"/>
+      </p:ext>
+    </p:extLst>
+  </p:cSld>
+  <p:clrMapOvr>
+    <a:masterClrMapping/>
+  </p:clrMapOvr>
+</p:sld>
+</file>
+
+<file path=ppt/slides/slide11.xml><?xml version="1.0" encoding="utf-8"?>
+<p:sld xmlns:a="http://schemas.openxmlformats.org/drawingml/2006/main" xmlns:r="http://schemas.openxmlformats.org/officeDocument/2006/relationships" xmlns:p="http://schemas.openxmlformats.org/presentationml/2006/main">
+  <p:cSld>
+    <p:spTree>
+      <p:nvGrpSpPr>
+        <p:cNvPr id="1" name=""/>
+        <p:cNvGrpSpPr/>
+        <p:nvPr/>
+      </p:nvGrpSpPr>
+      <p:grpSpPr>
+        <a:xfrm>
+          <a:off x="0" y="0"/>
+          <a:ext cx="0" cy="0"/>
+          <a:chOff x="0" y="0"/>
+          <a:chExt cx="0" cy="0"/>
+        </a:xfrm>
+      </p:grpSpPr>
+      <p:sp>
+        <p:nvSpPr>
+          <p:cNvPr id="2" name="Title 1"/>
+          <p:cNvSpPr>
+            <a:spLocks noGrp="1"/>
+          </p:cNvSpPr>
+          <p:nvPr>
+            <p:ph type="title"/>
+          </p:nvPr>
+        </p:nvSpPr>
+        <p:spPr>
+          <a:xfrm>
+            <a:off x="838200" y="365126"/>
+            <a:ext cx="10515600" cy="981894"/>
+          </a:xfrm>
+        </p:spPr>
+        <p:txBody>
+          <a:bodyPr>
+            <a:normAutofit/>
+          </a:bodyPr>
+          <a:lstStyle/>
+          <a:p>
+            <a:r>
+              <a:rPr lang="en-US" dirty="0"/>
               <a:t>Analyzing Least Squares Method (Unbiased)</a:t>
             </a:r>
           </a:p>
@@ -6269,7 +7958,7 @@
 </p:sld>
 </file>
 
-<file path=ppt/slides/slide11.xml><?xml version="1.0" encoding="utf-8"?>
+<file path=ppt/slides/slide12.xml><?xml version="1.0" encoding="utf-8"?>
 <p:sld xmlns:a="http://schemas.openxmlformats.org/drawingml/2006/main" xmlns:r="http://schemas.openxmlformats.org/officeDocument/2006/relationships" xmlns:p="http://schemas.openxmlformats.org/presentationml/2006/main">
   <p:cSld>
     <p:spTree>
@@ -7392,7 +9081,7 @@
 </p:sld>
 </file>
 
-<file path=ppt/slides/slide12.xml><?xml version="1.0" encoding="utf-8"?>
+<file path=ppt/slides/slide13.xml><?xml version="1.0" encoding="utf-8"?>
 <p:sld xmlns:a="http://schemas.openxmlformats.org/drawingml/2006/main" xmlns:r="http://schemas.openxmlformats.org/officeDocument/2006/relationships" xmlns:p="http://schemas.openxmlformats.org/presentationml/2006/main">
   <p:cSld>
     <p:spTree>
@@ -8538,7 +10227,7 @@
 </p:sld>
 </file>
 
-<file path=ppt/slides/slide13.xml><?xml version="1.0" encoding="utf-8"?>
+<file path=ppt/slides/slide14.xml><?xml version="1.0" encoding="utf-8"?>
 <p:sld xmlns:a="http://schemas.openxmlformats.org/drawingml/2006/main" xmlns:r="http://schemas.openxmlformats.org/officeDocument/2006/relationships" xmlns:p="http://schemas.openxmlformats.org/presentationml/2006/main">
   <p:cSld>
     <p:spTree>
@@ -9293,7 +10982,7 @@
 </p:sld>
 </file>
 
-<file path=ppt/slides/slide14.xml><?xml version="1.0" encoding="utf-8"?>
+<file path=ppt/slides/slide15.xml><?xml version="1.0" encoding="utf-8"?>
 <p:sld xmlns:a="http://schemas.openxmlformats.org/drawingml/2006/main" xmlns:r="http://schemas.openxmlformats.org/officeDocument/2006/relationships" xmlns:p="http://schemas.openxmlformats.org/presentationml/2006/main">
   <p:cSld>
     <p:spTree>
@@ -9898,7 +11587,7 @@
 </p:sld>
 </file>
 
-<file path=ppt/slides/slide15.xml><?xml version="1.0" encoding="utf-8"?>
+<file path=ppt/slides/slide16.xml><?xml version="1.0" encoding="utf-8"?>
 <p:sld xmlns:a="http://schemas.openxmlformats.org/drawingml/2006/main" xmlns:r="http://schemas.openxmlformats.org/officeDocument/2006/relationships" xmlns:p="http://schemas.openxmlformats.org/presentationml/2006/main">
   <p:cSld>
     <p:spTree>
@@ -10464,7 +12153,7 @@
 </p:sld>
 </file>
 
-<file path=ppt/slides/slide16.xml><?xml version="1.0" encoding="utf-8"?>
+<file path=ppt/slides/slide17.xml><?xml version="1.0" encoding="utf-8"?>
 <p:sld xmlns:a="http://schemas.openxmlformats.org/drawingml/2006/main" xmlns:r="http://schemas.openxmlformats.org/officeDocument/2006/relationships" xmlns:p="http://schemas.openxmlformats.org/presentationml/2006/main">
   <p:cSld>
     <p:spTree>
@@ -10526,7 +12215,7 @@
             </p:nvSpPr>
             <p:spPr>
               <a:xfrm>
-                <a:off x="3491767" y="1839234"/>
+                <a:off x="3584757" y="1714715"/>
                 <a:ext cx="3978416" cy="848822"/>
               </a:xfrm>
               <a:prstGeom prst="rect">
@@ -10817,7 +12506,7 @@
             </p:nvSpPr>
             <p:spPr>
               <a:xfrm>
-                <a:off x="3491767" y="1839234"/>
+                <a:off x="3584757" y="1714715"/>
                 <a:ext cx="3978416" cy="848822"/>
               </a:xfrm>
               <a:prstGeom prst="rect">
@@ -10826,7 +12515,7 @@
               <a:blipFill>
                 <a:blip r:embed="rId3"/>
                 <a:stretch>
-                  <a:fillRect l="-958" t="-5882" b="-80882"/>
+                  <a:fillRect l="-955" t="-5797" b="-79710"/>
                 </a:stretch>
               </a:blipFill>
             </p:spPr>
@@ -10896,8 +12585,8 @@
             </p:nvSpPr>
             <p:spPr>
               <a:xfrm>
-                <a:off x="5078019" y="2924599"/>
-                <a:ext cx="3978416" cy="1008802"/>
+                <a:off x="5000527" y="2924599"/>
+                <a:ext cx="3978416" cy="1085041"/>
               </a:xfrm>
               <a:prstGeom prst="rect">
                 <a:avLst/>
@@ -11000,6 +12689,55 @@
                               </m:r>
                             </m:e>
                           </m:acc>
+                          <m:r>
+                            <a:rPr lang="en-US" sz="2800" b="0" i="1" dirty="0" smtClean="0">
+                              <a:latin typeface="Cambria Math" panose="02040503050406030204" pitchFamily="18" charset="0"/>
+                            </a:rPr>
+                            <m:t>(</m:t>
+                          </m:r>
+                          <m:sSub>
+                            <m:sSubPr>
+                              <m:ctrlPr>
+                                <a:rPr lang="en-US" sz="2800" i="1" dirty="0">
+                                  <a:latin typeface="Cambria Math" panose="02040503050406030204" pitchFamily="18" charset="0"/>
+                                </a:rPr>
+                              </m:ctrlPr>
+                            </m:sSubPr>
+                            <m:e>
+                              <m:acc>
+                                <m:accPr>
+                                  <m:chr m:val="̂"/>
+                                  <m:ctrlPr>
+                                    <a:rPr lang="en-US" sz="2800" i="1">
+                                      <a:latin typeface="Cambria Math" panose="02040503050406030204" pitchFamily="18" charset="0"/>
+                                    </a:rPr>
+                                  </m:ctrlPr>
+                                </m:accPr>
+                                <m:e>
+                                  <m:r>
+                                    <a:rPr lang="en-US" sz="2800" i="1">
+                                      <a:latin typeface="Cambria Math" panose="02040503050406030204" pitchFamily="18" charset="0"/>
+                                    </a:rPr>
+                                    <m:t>𝛽</m:t>
+                                  </m:r>
+                                </m:e>
+                              </m:acc>
+                            </m:e>
+                            <m:sub>
+                              <m:r>
+                                <a:rPr lang="en-US" sz="2800" i="1">
+                                  <a:latin typeface="Cambria Math" panose="02040503050406030204" pitchFamily="18" charset="0"/>
+                                </a:rPr>
+                                <m:t>1</m:t>
+                              </m:r>
+                            </m:sub>
+                          </m:sSub>
+                          <m:r>
+                            <a:rPr lang="en-US" sz="2800" b="0" i="1" smtClean="0">
+                              <a:latin typeface="Cambria Math" panose="02040503050406030204" pitchFamily="18" charset="0"/>
+                            </a:rPr>
+                            <m:t>)</m:t>
+                          </m:r>
                         </m:den>
                       </m:f>
                     </m:oMath>
@@ -11027,8 +12765,8 @@
             </p:nvSpPr>
             <p:spPr>
               <a:xfrm>
-                <a:off x="5078019" y="2924599"/>
-                <a:ext cx="3978416" cy="1008802"/>
+                <a:off x="5000527" y="2924599"/>
+                <a:ext cx="3978416" cy="1085041"/>
               </a:xfrm>
               <a:prstGeom prst="rect">
                 <a:avLst/>
@@ -11036,7 +12774,7 @@
               <a:blipFill>
                 <a:blip r:embed="rId4"/>
                 <a:stretch>
-                  <a:fillRect t="-3750" b="-6250"/>
+                  <a:fillRect t="-3488" b="-11628"/>
                 </a:stretch>
               </a:blipFill>
             </p:spPr>
@@ -11085,13 +12823,8 @@
           <a:p>
             <a:r>
               <a:rPr lang="en-US" sz="2800" dirty="0"/>
-              <a:t>Should satisfy t-distribution with </a:t>
+              <a:t>This variable should satisfy t-distribution with n-2 degrees</a:t>
             </a:r>
-            <a:r>
-              <a:rPr lang="en-US" sz="2800"/>
-              <a:t>n-2 degrees</a:t>
-            </a:r>
-            <a:endParaRPr lang="en-US" sz="2800" dirty="0"/>
           </a:p>
         </p:txBody>
       </p:sp>
@@ -11108,7 +12841,7 @@
 </p:sld>
 </file>
 
-<file path=ppt/slides/slide17.xml><?xml version="1.0" encoding="utf-8"?>
+<file path=ppt/slides/slide18.xml><?xml version="1.0" encoding="utf-8"?>
 <p:sld xmlns:a="http://schemas.openxmlformats.org/drawingml/2006/main" xmlns:r="http://schemas.openxmlformats.org/officeDocument/2006/relationships" xmlns:p="http://schemas.openxmlformats.org/presentationml/2006/main">
   <p:cSld>
     <p:spTree>
@@ -11127,43 +12860,555 @@
       </p:grpSpPr>
       <p:sp>
         <p:nvSpPr>
-          <p:cNvPr id="10" name="TextBox 9">
+          <p:cNvPr id="2" name="Title 1"/>
+          <p:cNvSpPr>
+            <a:spLocks noGrp="1"/>
+          </p:cNvSpPr>
+          <p:nvPr>
+            <p:ph type="title"/>
+          </p:nvPr>
+        </p:nvSpPr>
+        <p:spPr>
+          <a:xfrm>
+            <a:off x="838200" y="365126"/>
+            <a:ext cx="10515600" cy="981894"/>
+          </a:xfrm>
+        </p:spPr>
+        <p:txBody>
+          <a:bodyPr>
+            <a:normAutofit/>
+          </a:bodyPr>
+          <a:lstStyle/>
+          <a:p>
+            <a:r>
+              <a:rPr lang="en-US" dirty="0"/>
+              <a:t>Hypothesis Testing</a:t>
+            </a:r>
+          </a:p>
+        </p:txBody>
+      </p:sp>
+      <p:pic>
+        <p:nvPicPr>
+          <p:cNvPr id="1026" name="Picture 2" descr="Using the t Table to Find the P-value in One-Sample t Tests - YouTube">
             <a:extLst>
               <a:ext uri="{FF2B5EF4-FFF2-40B4-BE49-F238E27FC236}">
-                <a16:creationId xmlns:a16="http://schemas.microsoft.com/office/drawing/2014/main" id="{514E73AD-7A38-9D42-8C4C-ADC0FDE0FBC3}"/>
+                <a16:creationId xmlns:a16="http://schemas.microsoft.com/office/drawing/2014/main" id="{7B9C3A7A-2BFE-A3C4-B656-B0D7D517B601}"/>
               </a:ext>
             </a:extLst>
           </p:cNvPr>
-          <p:cNvSpPr txBox="1"/>
+          <p:cNvPicPr>
+            <a:picLocks noChangeAspect="1" noChangeArrowheads="1"/>
+          </p:cNvPicPr>
           <p:nvPr/>
-        </p:nvSpPr>
-        <p:spPr>
+        </p:nvPicPr>
+        <p:blipFill rotWithShape="1">
+          <a:blip r:embed="rId3">
+            <a:extLst>
+              <a:ext uri="{28A0092B-C50C-407E-A947-70E740481C1C}">
+                <a14:useLocalDpi xmlns:a14="http://schemas.microsoft.com/office/drawing/2010/main" val="0"/>
+              </a:ext>
+            </a:extLst>
+          </a:blip>
+          <a:srcRect l="14619" t="20461" r="16356" b="36271"/>
+          <a:stretch/>
+        </p:blipFill>
+        <p:spPr bwMode="auto">
           <a:xfrm>
-            <a:off x="4792980" y="2601575"/>
-            <a:ext cx="5951220" cy="1077218"/>
+            <a:off x="185979" y="2675459"/>
+            <a:ext cx="11375756" cy="4011014"/>
           </a:xfrm>
           <a:prstGeom prst="rect">
             <a:avLst/>
           </a:prstGeom>
           <a:noFill/>
+          <a:extLst>
+            <a:ext uri="{909E8E84-426E-40DD-AFC4-6F175D3DCCD1}">
+              <a14:hiddenFill xmlns:a14="http://schemas.microsoft.com/office/drawing/2010/main">
+                <a:solidFill>
+                  <a:srgbClr val="FFFFFF"/>
+                </a:solidFill>
+              </a14:hiddenFill>
+            </a:ext>
+          </a:extLst>
+        </p:spPr>
+      </p:pic>
+      <p:pic>
+        <p:nvPicPr>
+          <p:cNvPr id="1028" name="Picture 4" descr="Using the t Table to Find the P-value in One-Sample t Tests - YouTube">
+            <a:extLst>
+              <a:ext uri="{FF2B5EF4-FFF2-40B4-BE49-F238E27FC236}">
+                <a16:creationId xmlns:a16="http://schemas.microsoft.com/office/drawing/2014/main" id="{5C21BAA5-131A-955B-C4CA-223DC6E3B701}"/>
+              </a:ext>
+            </a:extLst>
+          </p:cNvPr>
+          <p:cNvPicPr>
+            <a:picLocks noChangeAspect="1" noChangeArrowheads="1"/>
+          </p:cNvPicPr>
+          <p:nvPr/>
+        </p:nvPicPr>
+        <p:blipFill rotWithShape="1">
+          <a:blip r:embed="rId3">
+            <a:extLst>
+              <a:ext uri="{28A0092B-C50C-407E-A947-70E740481C1C}">
+                <a14:useLocalDpi xmlns:a14="http://schemas.microsoft.com/office/drawing/2010/main" val="0"/>
+              </a:ext>
+            </a:extLst>
+          </a:blip>
+          <a:srcRect l="40424" t="4151" r="41144" b="79180"/>
+          <a:stretch/>
+        </p:blipFill>
+        <p:spPr bwMode="auto">
+          <a:xfrm>
+            <a:off x="5873857" y="166469"/>
+            <a:ext cx="4641744" cy="2361102"/>
+          </a:xfrm>
+          <a:prstGeom prst="rect">
+            <a:avLst/>
+          </a:prstGeom>
+          <a:noFill/>
+          <a:extLst>
+            <a:ext uri="{909E8E84-426E-40DD-AFC4-6F175D3DCCD1}">
+              <a14:hiddenFill xmlns:a14="http://schemas.microsoft.com/office/drawing/2010/main">
+                <a:solidFill>
+                  <a:srgbClr val="FFFFFF"/>
+                </a:solidFill>
+              </a14:hiddenFill>
+            </a:ext>
+          </a:extLst>
+        </p:spPr>
+      </p:pic>
+    </p:spTree>
+    <p:extLst>
+      <p:ext uri="{BB962C8B-B14F-4D97-AF65-F5344CB8AC3E}">
+        <p14:creationId xmlns:p14="http://schemas.microsoft.com/office/powerpoint/2010/main" val="1077815009"/>
+      </p:ext>
+    </p:extLst>
+  </p:cSld>
+  <p:clrMapOvr>
+    <a:masterClrMapping/>
+  </p:clrMapOvr>
+</p:sld>
+</file>
+
+<file path=ppt/slides/slide19.xml><?xml version="1.0" encoding="utf-8"?>
+<p:sld xmlns:a="http://schemas.openxmlformats.org/drawingml/2006/main" xmlns:r="http://schemas.openxmlformats.org/officeDocument/2006/relationships" xmlns:p="http://schemas.openxmlformats.org/presentationml/2006/main">
+  <p:cSld>
+    <p:spTree>
+      <p:nvGrpSpPr>
+        <p:cNvPr id="1" name=""/>
+        <p:cNvGrpSpPr/>
+        <p:nvPr/>
+      </p:nvGrpSpPr>
+      <p:grpSpPr>
+        <a:xfrm>
+          <a:off x="0" y="0"/>
+          <a:ext cx="0" cy="0"/>
+          <a:chOff x="0" y="0"/>
+          <a:chExt cx="0" cy="0"/>
+        </a:xfrm>
+      </p:grpSpPr>
+      <p:sp>
+        <p:nvSpPr>
+          <p:cNvPr id="2" name="Title 1"/>
+          <p:cNvSpPr>
+            <a:spLocks noGrp="1"/>
+          </p:cNvSpPr>
+          <p:nvPr>
+            <p:ph type="title"/>
+          </p:nvPr>
+        </p:nvSpPr>
+        <p:spPr>
+          <a:xfrm>
+            <a:off x="838200" y="365126"/>
+            <a:ext cx="10515600" cy="981894"/>
+          </a:xfrm>
         </p:spPr>
         <p:txBody>
-          <a:bodyPr wrap="square">
-            <a:spAutoFit/>
+          <a:bodyPr>
+            <a:normAutofit/>
           </a:bodyPr>
           <a:lstStyle/>
           <a:p>
             <a:r>
-              <a:rPr lang="en-US" sz="6400" dirty="0"/>
-              <a:t>Q &amp; A</a:t>
+              <a:rPr lang="en-US" dirty="0"/>
+              <a:t>Hypothesis Testing For LR</a:t>
             </a:r>
           </a:p>
         </p:txBody>
       </p:sp>
+      <mc:AlternateContent xmlns:mc="http://schemas.openxmlformats.org/markup-compatibility/2006">
+        <mc:Choice xmlns:a14="http://schemas.microsoft.com/office/drawing/2010/main" Requires="a14">
+          <p:sp>
+            <p:nvSpPr>
+              <p:cNvPr id="7" name="TextBox 6">
+                <a:extLst>
+                  <a:ext uri="{FF2B5EF4-FFF2-40B4-BE49-F238E27FC236}">
+                    <a16:creationId xmlns:a16="http://schemas.microsoft.com/office/drawing/2014/main" id="{B142689C-58C2-9DC3-2111-E0C023E9EDCE}"/>
+                  </a:ext>
+                </a:extLst>
+              </p:cNvPr>
+              <p:cNvSpPr txBox="1"/>
+              <p:nvPr/>
+            </p:nvSpPr>
+            <p:spPr>
+              <a:xfrm>
+                <a:off x="838200" y="1969349"/>
+                <a:ext cx="10515600" cy="523220"/>
+              </a:xfrm>
+              <a:prstGeom prst="rect">
+                <a:avLst/>
+              </a:prstGeom>
+              <a:noFill/>
+            </p:spPr>
+            <p:txBody>
+              <a:bodyPr wrap="square">
+                <a:spAutoFit/>
+              </a:bodyPr>
+              <a:lstStyle/>
+              <a:p>
+                <a:r>
+                  <a:rPr lang="en-US" sz="2800" dirty="0"/>
+                  <a:t>If </a:t>
+                </a:r>
+                <a14:m>
+                  <m:oMath xmlns:m="http://schemas.openxmlformats.org/officeDocument/2006/math">
+                    <m:d>
+                      <m:dPr>
+                        <m:begChr m:val="|"/>
+                        <m:endChr m:val="|"/>
+                        <m:ctrlPr>
+                          <a:rPr lang="en-US" sz="2800" b="0" i="0" dirty="0" smtClean="0">
+                            <a:latin typeface="Cambria Math" panose="02040503050406030204" pitchFamily="18" charset="0"/>
+                          </a:rPr>
+                        </m:ctrlPr>
+                      </m:dPr>
+                      <m:e>
+                        <m:r>
+                          <a:rPr lang="en-US" sz="2800" b="0" i="1" dirty="0" smtClean="0">
+                            <a:latin typeface="Cambria Math" panose="02040503050406030204" pitchFamily="18" charset="0"/>
+                          </a:rPr>
+                          <m:t>𝑡</m:t>
+                        </m:r>
+                      </m:e>
+                    </m:d>
+                  </m:oMath>
+                </a14:m>
+                <a:r>
+                  <a:rPr lang="en-US" sz="2800" dirty="0"/>
+                  <a:t> is very large, which means </a:t>
+                </a:r>
+                <a14:m>
+                  <m:oMath xmlns:m="http://schemas.openxmlformats.org/officeDocument/2006/math">
+                    <m:r>
+                      <a:rPr lang="en-US" sz="2800" b="0" i="1" smtClean="0">
+                        <a:latin typeface="Cambria Math" panose="02040503050406030204" pitchFamily="18" charset="0"/>
+                      </a:rPr>
+                      <m:t>𝛼</m:t>
+                    </m:r>
+                  </m:oMath>
+                </a14:m>
+                <a:r>
+                  <a:rPr lang="en-US" sz="2800" dirty="0"/>
+                  <a:t> is very small</a:t>
+                </a:r>
+              </a:p>
+            </p:txBody>
+          </p:sp>
+        </mc:Choice>
+        <mc:Fallback>
+          <p:sp>
+            <p:nvSpPr>
+              <p:cNvPr id="7" name="TextBox 6">
+                <a:extLst>
+                  <a:ext uri="{FF2B5EF4-FFF2-40B4-BE49-F238E27FC236}">
+                    <a16:creationId xmlns:a16="http://schemas.microsoft.com/office/drawing/2014/main" id="{B142689C-58C2-9DC3-2111-E0C023E9EDCE}"/>
+                  </a:ext>
+                </a:extLst>
+              </p:cNvPr>
+              <p:cNvSpPr txBox="1">
+                <a:spLocks noRot="1" noChangeAspect="1" noMove="1" noResize="1" noEditPoints="1" noAdjustHandles="1" noChangeArrowheads="1" noChangeShapeType="1" noTextEdit="1"/>
+              </p:cNvSpPr>
+              <p:nvPr/>
+            </p:nvSpPr>
+            <p:spPr>
+              <a:xfrm>
+                <a:off x="838200" y="1969349"/>
+                <a:ext cx="10515600" cy="523220"/>
+              </a:xfrm>
+              <a:prstGeom prst="rect">
+                <a:avLst/>
+              </a:prstGeom>
+              <a:blipFill>
+                <a:blip r:embed="rId3"/>
+                <a:stretch>
+                  <a:fillRect l="-1206" t="-14286" b="-28571"/>
+                </a:stretch>
+              </a:blipFill>
+            </p:spPr>
+            <p:txBody>
+              <a:bodyPr/>
+              <a:lstStyle/>
+              <a:p>
+                <a:r>
+                  <a:rPr lang="en-US">
+                    <a:noFill/>
+                  </a:rPr>
+                  <a:t> </a:t>
+                </a:r>
+              </a:p>
+            </p:txBody>
+          </p:sp>
+        </mc:Fallback>
+      </mc:AlternateContent>
+      <mc:AlternateContent xmlns:mc="http://schemas.openxmlformats.org/markup-compatibility/2006">
+        <mc:Choice xmlns:a14="http://schemas.microsoft.com/office/drawing/2010/main" Requires="a14">
+          <p:sp>
+            <p:nvSpPr>
+              <p:cNvPr id="9" name="TextBox 8">
+                <a:extLst>
+                  <a:ext uri="{FF2B5EF4-FFF2-40B4-BE49-F238E27FC236}">
+                    <a16:creationId xmlns:a16="http://schemas.microsoft.com/office/drawing/2014/main" id="{F24117F8-F118-743E-9855-A6D53147D5A5}"/>
+                  </a:ext>
+                </a:extLst>
+              </p:cNvPr>
+              <p:cNvSpPr txBox="1"/>
+              <p:nvPr/>
+            </p:nvSpPr>
+            <p:spPr>
+              <a:xfrm>
+                <a:off x="838200" y="3148573"/>
+                <a:ext cx="10515600" cy="523220"/>
+              </a:xfrm>
+              <a:prstGeom prst="rect">
+                <a:avLst/>
+              </a:prstGeom>
+              <a:noFill/>
+            </p:spPr>
+            <p:txBody>
+              <a:bodyPr wrap="square">
+                <a:spAutoFit/>
+              </a:bodyPr>
+              <a:lstStyle/>
+              <a:p>
+                <a:r>
+                  <a:rPr lang="en-US" sz="2800" dirty="0"/>
+                  <a:t>Then we could reject </a:t>
+                </a:r>
+                <a14:m>
+                  <m:oMath xmlns:m="http://schemas.openxmlformats.org/officeDocument/2006/math">
+                    <m:sSub>
+                      <m:sSubPr>
+                        <m:ctrlPr>
+                          <a:rPr lang="en-US" sz="2800" b="0" i="1" smtClean="0">
+                            <a:latin typeface="Cambria Math" panose="02040503050406030204" pitchFamily="18" charset="0"/>
+                          </a:rPr>
+                        </m:ctrlPr>
+                      </m:sSubPr>
+                      <m:e>
+                        <m:r>
+                          <a:rPr lang="en-US" sz="2800" b="0" i="1" smtClean="0">
+                            <a:latin typeface="Cambria Math" panose="02040503050406030204" pitchFamily="18" charset="0"/>
+                          </a:rPr>
+                          <m:t>𝐻</m:t>
+                        </m:r>
+                      </m:e>
+                      <m:sub>
+                        <m:r>
+                          <a:rPr lang="en-US" sz="2800" b="0" i="1" smtClean="0">
+                            <a:latin typeface="Cambria Math" panose="02040503050406030204" pitchFamily="18" charset="0"/>
+                          </a:rPr>
+                          <m:t>0</m:t>
+                        </m:r>
+                      </m:sub>
+                    </m:sSub>
+                  </m:oMath>
+                </a14:m>
+                <a:endParaRPr lang="en-US" sz="2800" dirty="0"/>
+              </a:p>
+            </p:txBody>
+          </p:sp>
+        </mc:Choice>
+        <mc:Fallback>
+          <p:sp>
+            <p:nvSpPr>
+              <p:cNvPr id="9" name="TextBox 8">
+                <a:extLst>
+                  <a:ext uri="{FF2B5EF4-FFF2-40B4-BE49-F238E27FC236}">
+                    <a16:creationId xmlns:a16="http://schemas.microsoft.com/office/drawing/2014/main" id="{F24117F8-F118-743E-9855-A6D53147D5A5}"/>
+                  </a:ext>
+                </a:extLst>
+              </p:cNvPr>
+              <p:cNvSpPr txBox="1">
+                <a:spLocks noRot="1" noChangeAspect="1" noMove="1" noResize="1" noEditPoints="1" noAdjustHandles="1" noChangeArrowheads="1" noChangeShapeType="1" noTextEdit="1"/>
+              </p:cNvSpPr>
+              <p:nvPr/>
+            </p:nvSpPr>
+            <p:spPr>
+              <a:xfrm>
+                <a:off x="838200" y="3148573"/>
+                <a:ext cx="10515600" cy="523220"/>
+              </a:xfrm>
+              <a:prstGeom prst="rect">
+                <a:avLst/>
+              </a:prstGeom>
+              <a:blipFill>
+                <a:blip r:embed="rId4"/>
+                <a:stretch>
+                  <a:fillRect l="-1206" t="-11905" b="-30952"/>
+                </a:stretch>
+              </a:blipFill>
+            </p:spPr>
+            <p:txBody>
+              <a:bodyPr/>
+              <a:lstStyle/>
+              <a:p>
+                <a:r>
+                  <a:rPr lang="en-US">
+                    <a:noFill/>
+                  </a:rPr>
+                  <a:t> </a:t>
+                </a:r>
+              </a:p>
+            </p:txBody>
+          </p:sp>
+        </mc:Fallback>
+      </mc:AlternateContent>
+      <mc:AlternateContent xmlns:mc="http://schemas.openxmlformats.org/markup-compatibility/2006">
+        <mc:Choice xmlns:a14="http://schemas.microsoft.com/office/drawing/2010/main" Requires="a14">
+          <p:sp>
+            <p:nvSpPr>
+              <p:cNvPr id="3" name="TextBox 2">
+                <a:extLst>
+                  <a:ext uri="{FF2B5EF4-FFF2-40B4-BE49-F238E27FC236}">
+                    <a16:creationId xmlns:a16="http://schemas.microsoft.com/office/drawing/2014/main" id="{50AF9111-FD24-4468-14F5-18465869A2A2}"/>
+                  </a:ext>
+                </a:extLst>
+              </p:cNvPr>
+              <p:cNvSpPr txBox="1"/>
+              <p:nvPr/>
+            </p:nvSpPr>
+            <p:spPr>
+              <a:xfrm>
+                <a:off x="838200" y="4460582"/>
+                <a:ext cx="10515600" cy="523220"/>
+              </a:xfrm>
+              <a:prstGeom prst="rect">
+                <a:avLst/>
+              </a:prstGeom>
+              <a:noFill/>
+            </p:spPr>
+            <p:txBody>
+              <a:bodyPr wrap="square">
+                <a:spAutoFit/>
+              </a:bodyPr>
+              <a:lstStyle/>
+              <a:p>
+                <a:r>
+                  <a:rPr lang="en-US" sz="2800" dirty="0"/>
+                  <a:t>This means </a:t>
+                </a:r>
+                <a:r>
+                  <a:rPr lang="en-US" sz="2800" dirty="0">
+                    <a:latin typeface="CMR10"/>
+                  </a:rPr>
+                  <a:t>t</a:t>
+                </a:r>
+                <a:r>
+                  <a:rPr lang="en-US" sz="2800" dirty="0">
+                    <a:effectLst/>
+                    <a:latin typeface="CMR10"/>
+                  </a:rPr>
+                  <a:t>here is some relationship between</a:t>
+                </a:r>
+                <a:r>
+                  <a:rPr lang="en-US" sz="2400" dirty="0">
+                    <a:effectLst/>
+                    <a:latin typeface="CMR10"/>
+                  </a:rPr>
+                  <a:t> </a:t>
+                </a:r>
+                <a14:m>
+                  <m:oMath xmlns:m="http://schemas.openxmlformats.org/officeDocument/2006/math">
+                    <m:r>
+                      <a:rPr lang="en-US" sz="2400" b="0" i="1" smtClean="0">
+                        <a:effectLst/>
+                        <a:latin typeface="Cambria Math" panose="02040503050406030204" pitchFamily="18" charset="0"/>
+                      </a:rPr>
+                      <m:t>𝑋</m:t>
+                    </m:r>
+                  </m:oMath>
+                </a14:m>
+                <a:r>
+                  <a:rPr lang="en-US" sz="2800" b="0" dirty="0"/>
+                  <a:t> and </a:t>
+                </a:r>
+                <a14:m>
+                  <m:oMath xmlns:m="http://schemas.openxmlformats.org/officeDocument/2006/math">
+                    <m:r>
+                      <a:rPr lang="en-US" sz="2800" b="0" i="1" smtClean="0">
+                        <a:latin typeface="Cambria Math" panose="02040503050406030204" pitchFamily="18" charset="0"/>
+                      </a:rPr>
+                      <m:t>𝑌</m:t>
+                    </m:r>
+                  </m:oMath>
+                </a14:m>
+                <a:r>
+                  <a:rPr lang="en-US" sz="2800" dirty="0"/>
+                  <a:t> </a:t>
+                </a:r>
+              </a:p>
+            </p:txBody>
+          </p:sp>
+        </mc:Choice>
+        <mc:Fallback>
+          <p:sp>
+            <p:nvSpPr>
+              <p:cNvPr id="3" name="TextBox 2">
+                <a:extLst>
+                  <a:ext uri="{FF2B5EF4-FFF2-40B4-BE49-F238E27FC236}">
+                    <a16:creationId xmlns:a16="http://schemas.microsoft.com/office/drawing/2014/main" id="{50AF9111-FD24-4468-14F5-18465869A2A2}"/>
+                  </a:ext>
+                </a:extLst>
+              </p:cNvPr>
+              <p:cNvSpPr txBox="1">
+                <a:spLocks noRot="1" noChangeAspect="1" noMove="1" noResize="1" noEditPoints="1" noAdjustHandles="1" noChangeArrowheads="1" noChangeShapeType="1" noTextEdit="1"/>
+              </p:cNvSpPr>
+              <p:nvPr/>
+            </p:nvSpPr>
+            <p:spPr>
+              <a:xfrm>
+                <a:off x="838200" y="4460582"/>
+                <a:ext cx="10515600" cy="523220"/>
+              </a:xfrm>
+              <a:prstGeom prst="rect">
+                <a:avLst/>
+              </a:prstGeom>
+              <a:blipFill>
+                <a:blip r:embed="rId5"/>
+                <a:stretch>
+                  <a:fillRect l="-1206" t="-11905" b="-30952"/>
+                </a:stretch>
+              </a:blipFill>
+            </p:spPr>
+            <p:txBody>
+              <a:bodyPr/>
+              <a:lstStyle/>
+              <a:p>
+                <a:r>
+                  <a:rPr lang="en-US">
+                    <a:noFill/>
+                  </a:rPr>
+                  <a:t> </a:t>
+                </a:r>
+              </a:p>
+            </p:txBody>
+          </p:sp>
+        </mc:Fallback>
+      </mc:AlternateContent>
     </p:spTree>
     <p:extLst>
       <p:ext uri="{BB962C8B-B14F-4D97-AF65-F5344CB8AC3E}">
-        <p14:creationId xmlns:p14="http://schemas.microsoft.com/office/powerpoint/2010/main" val="1613744569"/>
+        <p14:creationId xmlns:p14="http://schemas.microsoft.com/office/powerpoint/2010/main" val="685338872"/>
       </p:ext>
     </p:extLst>
   </p:cSld>
@@ -11542,7 +13787,3585 @@
 </p:sld>
 </file>
 
+<file path=ppt/slides/slide20.xml><?xml version="1.0" encoding="utf-8"?>
+<p:sld xmlns:a="http://schemas.openxmlformats.org/drawingml/2006/main" xmlns:r="http://schemas.openxmlformats.org/officeDocument/2006/relationships" xmlns:p="http://schemas.openxmlformats.org/presentationml/2006/main">
+  <p:cSld>
+    <p:spTree>
+      <p:nvGrpSpPr>
+        <p:cNvPr id="1" name=""/>
+        <p:cNvGrpSpPr/>
+        <p:nvPr/>
+      </p:nvGrpSpPr>
+      <p:grpSpPr>
+        <a:xfrm>
+          <a:off x="0" y="0"/>
+          <a:ext cx="0" cy="0"/>
+          <a:chOff x="0" y="0"/>
+          <a:chExt cx="0" cy="0"/>
+        </a:xfrm>
+      </p:grpSpPr>
+      <p:sp>
+        <p:nvSpPr>
+          <p:cNvPr id="2" name="Title 1"/>
+          <p:cNvSpPr>
+            <a:spLocks noGrp="1"/>
+          </p:cNvSpPr>
+          <p:nvPr>
+            <p:ph type="title"/>
+          </p:nvPr>
+        </p:nvSpPr>
+        <p:spPr>
+          <a:xfrm>
+            <a:off x="838200" y="365126"/>
+            <a:ext cx="10515600" cy="981894"/>
+          </a:xfrm>
+        </p:spPr>
+        <p:txBody>
+          <a:bodyPr>
+            <a:normAutofit/>
+          </a:bodyPr>
+          <a:lstStyle/>
+          <a:p>
+            <a:r>
+              <a:rPr lang="en-US" dirty="0"/>
+              <a:t>Prediction Error</a:t>
+            </a:r>
+          </a:p>
+        </p:txBody>
+      </p:sp>
+      <mc:AlternateContent xmlns:mc="http://schemas.openxmlformats.org/markup-compatibility/2006">
+        <mc:Choice xmlns:a14="http://schemas.microsoft.com/office/drawing/2010/main" Requires="a14">
+          <p:sp>
+            <p:nvSpPr>
+              <p:cNvPr id="4" name="TextBox 3">
+                <a:extLst>
+                  <a:ext uri="{FF2B5EF4-FFF2-40B4-BE49-F238E27FC236}">
+                    <a16:creationId xmlns:a16="http://schemas.microsoft.com/office/drawing/2014/main" id="{7FB57015-D8AA-DDA7-27CF-ED114BC71486}"/>
+                  </a:ext>
+                </a:extLst>
+              </p:cNvPr>
+              <p:cNvSpPr txBox="1"/>
+              <p:nvPr/>
+            </p:nvSpPr>
+            <p:spPr>
+              <a:xfrm>
+                <a:off x="620837" y="2696118"/>
+                <a:ext cx="9951720" cy="1137876"/>
+              </a:xfrm>
+              <a:prstGeom prst="rect">
+                <a:avLst/>
+              </a:prstGeom>
+              <a:noFill/>
+            </p:spPr>
+            <p:txBody>
+              <a:bodyPr wrap="square">
+                <a:spAutoFit/>
+              </a:bodyPr>
+              <a:lstStyle/>
+              <a:p>
+                <a:pPr/>
+                <a14:m>
+                  <m:oMathPara xmlns:m="http://schemas.openxmlformats.org/officeDocument/2006/math">
+                    <m:oMathParaPr>
+                      <m:jc m:val="centerGroup"/>
+                    </m:oMathParaPr>
+                    <m:oMath xmlns:m="http://schemas.openxmlformats.org/officeDocument/2006/math">
+                      <m:r>
+                        <a:rPr lang="en-US" sz="2800" b="0" i="1" smtClean="0">
+                          <a:latin typeface="Cambria Math" panose="02040503050406030204" pitchFamily="18" charset="0"/>
+                        </a:rPr>
+                        <m:t>𝑅𝑆𝑆</m:t>
+                      </m:r>
+                      <m:r>
+                        <a:rPr lang="en-US" sz="2800" b="0" i="1" smtClean="0">
+                          <a:latin typeface="Cambria Math" panose="02040503050406030204" pitchFamily="18" charset="0"/>
+                        </a:rPr>
+                        <m:t>=</m:t>
+                      </m:r>
+                      <m:nary>
+                        <m:naryPr>
+                          <m:chr m:val="∑"/>
+                          <m:supHide m:val="on"/>
+                          <m:ctrlPr>
+                            <a:rPr lang="en-US" sz="2800" b="0" i="1" smtClean="0">
+                              <a:latin typeface="Cambria Math" panose="02040503050406030204" pitchFamily="18" charset="0"/>
+                            </a:rPr>
+                          </m:ctrlPr>
+                        </m:naryPr>
+                        <m:sub>
+                          <m:r>
+                            <a:rPr lang="en-US" sz="2800" b="0" i="1" smtClean="0">
+                              <a:latin typeface="Cambria Math" panose="02040503050406030204" pitchFamily="18" charset="0"/>
+                            </a:rPr>
+                            <m:t>𝑖</m:t>
+                          </m:r>
+                        </m:sub>
+                        <m:sup/>
+                        <m:e>
+                          <m:sSubSup>
+                            <m:sSubSupPr>
+                              <m:ctrlPr>
+                                <a:rPr lang="en-US" sz="2800" b="0" i="1" smtClean="0">
+                                  <a:latin typeface="Cambria Math" panose="02040503050406030204" pitchFamily="18" charset="0"/>
+                                </a:rPr>
+                              </m:ctrlPr>
+                            </m:sSubSupPr>
+                            <m:e>
+                              <m:r>
+                                <a:rPr lang="en-US" sz="2800" b="0" i="1" smtClean="0">
+                                  <a:latin typeface="Cambria Math" panose="02040503050406030204" pitchFamily="18" charset="0"/>
+                                </a:rPr>
+                                <m:t>𝑒</m:t>
+                              </m:r>
+                            </m:e>
+                            <m:sub>
+                              <m:r>
+                                <a:rPr lang="en-US" sz="2800" b="0" i="1" smtClean="0">
+                                  <a:latin typeface="Cambria Math" panose="02040503050406030204" pitchFamily="18" charset="0"/>
+                                </a:rPr>
+                                <m:t>𝑖</m:t>
+                              </m:r>
+                            </m:sub>
+                            <m:sup>
+                              <m:r>
+                                <a:rPr lang="en-US" sz="2800" b="0" i="1" smtClean="0">
+                                  <a:latin typeface="Cambria Math" panose="02040503050406030204" pitchFamily="18" charset="0"/>
+                                </a:rPr>
+                                <m:t>2</m:t>
+                              </m:r>
+                            </m:sup>
+                          </m:sSubSup>
+                          <m:r>
+                            <a:rPr lang="en-US" sz="2800" b="0" i="1" smtClean="0">
+                              <a:latin typeface="Cambria Math" panose="02040503050406030204" pitchFamily="18" charset="0"/>
+                            </a:rPr>
+                            <m:t>=</m:t>
+                          </m:r>
+                          <m:sSup>
+                            <m:sSupPr>
+                              <m:ctrlPr>
+                                <a:rPr lang="en-US" sz="2800" b="0" i="1" smtClean="0">
+                                  <a:latin typeface="Cambria Math" panose="02040503050406030204" pitchFamily="18" charset="0"/>
+                                </a:rPr>
+                              </m:ctrlPr>
+                            </m:sSupPr>
+                            <m:e>
+                              <m:d>
+                                <m:dPr>
+                                  <m:ctrlPr>
+                                    <a:rPr lang="en-US" sz="2800" b="0" i="1" smtClean="0">
+                                      <a:latin typeface="Cambria Math" panose="02040503050406030204" pitchFamily="18" charset="0"/>
+                                    </a:rPr>
+                                  </m:ctrlPr>
+                                </m:dPr>
+                                <m:e>
+                                  <m:sSub>
+                                    <m:sSubPr>
+                                      <m:ctrlPr>
+                                        <a:rPr lang="en-US" sz="2800" b="0" i="1" smtClean="0">
+                                          <a:latin typeface="Cambria Math" panose="02040503050406030204" pitchFamily="18" charset="0"/>
+                                        </a:rPr>
+                                      </m:ctrlPr>
+                                    </m:sSubPr>
+                                    <m:e>
+                                      <m:r>
+                                        <a:rPr lang="en-US" sz="2800" b="0" i="1" smtClean="0">
+                                          <a:latin typeface="Cambria Math" panose="02040503050406030204" pitchFamily="18" charset="0"/>
+                                        </a:rPr>
+                                        <m:t>𝑦</m:t>
+                                      </m:r>
+                                    </m:e>
+                                    <m:sub>
+                                      <m:r>
+                                        <a:rPr lang="en-US" sz="2800" b="0" i="1" smtClean="0">
+                                          <a:latin typeface="Cambria Math" panose="02040503050406030204" pitchFamily="18" charset="0"/>
+                                        </a:rPr>
+                                        <m:t>𝑖</m:t>
+                                      </m:r>
+                                    </m:sub>
+                                  </m:sSub>
+                                  <m:r>
+                                    <a:rPr lang="en-US" sz="2800" b="0" i="1" smtClean="0">
+                                      <a:latin typeface="Cambria Math" panose="02040503050406030204" pitchFamily="18" charset="0"/>
+                                    </a:rPr>
+                                    <m:t> −</m:t>
+                                  </m:r>
+                                  <m:sSub>
+                                    <m:sSubPr>
+                                      <m:ctrlPr>
+                                        <a:rPr lang="en-US" sz="2800" b="0" i="1" smtClean="0">
+                                          <a:latin typeface="Cambria Math" panose="02040503050406030204" pitchFamily="18" charset="0"/>
+                                        </a:rPr>
+                                      </m:ctrlPr>
+                                    </m:sSubPr>
+                                    <m:e>
+                                      <m:acc>
+                                        <m:accPr>
+                                          <m:chr m:val="̂"/>
+                                          <m:ctrlPr>
+                                            <a:rPr lang="en-US" sz="2800" b="0" i="1" smtClean="0">
+                                              <a:latin typeface="Cambria Math" panose="02040503050406030204" pitchFamily="18" charset="0"/>
+                                            </a:rPr>
+                                          </m:ctrlPr>
+                                        </m:accPr>
+                                        <m:e>
+                                          <m:r>
+                                            <a:rPr lang="en-US" sz="2800" b="0" i="1" smtClean="0">
+                                              <a:latin typeface="Cambria Math" panose="02040503050406030204" pitchFamily="18" charset="0"/>
+                                            </a:rPr>
+                                            <m:t>𝑦</m:t>
+                                          </m:r>
+                                        </m:e>
+                                      </m:acc>
+                                    </m:e>
+                                    <m:sub>
+                                      <m:r>
+                                        <a:rPr lang="en-US" sz="2800" b="0" i="1" smtClean="0">
+                                          <a:latin typeface="Cambria Math" panose="02040503050406030204" pitchFamily="18" charset="0"/>
+                                        </a:rPr>
+                                        <m:t>𝑖</m:t>
+                                      </m:r>
+                                    </m:sub>
+                                  </m:sSub>
+                                </m:e>
+                              </m:d>
+                            </m:e>
+                            <m:sup>
+                              <m:r>
+                                <a:rPr lang="en-US" sz="2800" b="0" i="1" smtClean="0">
+                                  <a:latin typeface="Cambria Math" panose="02040503050406030204" pitchFamily="18" charset="0"/>
+                                </a:rPr>
+                                <m:t>2</m:t>
+                              </m:r>
+                            </m:sup>
+                          </m:sSup>
+                          <m:r>
+                            <a:rPr lang="en-US" sz="2800" b="0" i="1" smtClean="0">
+                              <a:latin typeface="Cambria Math" panose="02040503050406030204" pitchFamily="18" charset="0"/>
+                            </a:rPr>
+                            <m:t> </m:t>
+                          </m:r>
+                        </m:e>
+                      </m:nary>
+                    </m:oMath>
+                  </m:oMathPara>
+                </a14:m>
+                <a:endParaRPr lang="en-US" sz="2800" dirty="0"/>
+              </a:p>
+            </p:txBody>
+          </p:sp>
+        </mc:Choice>
+        <mc:Fallback>
+          <p:sp>
+            <p:nvSpPr>
+              <p:cNvPr id="4" name="TextBox 3">
+                <a:extLst>
+                  <a:ext uri="{FF2B5EF4-FFF2-40B4-BE49-F238E27FC236}">
+                    <a16:creationId xmlns:a16="http://schemas.microsoft.com/office/drawing/2014/main" id="{7FB57015-D8AA-DDA7-27CF-ED114BC71486}"/>
+                  </a:ext>
+                </a:extLst>
+              </p:cNvPr>
+              <p:cNvSpPr txBox="1">
+                <a:spLocks noRot="1" noChangeAspect="1" noMove="1" noResize="1" noEditPoints="1" noAdjustHandles="1" noChangeArrowheads="1" noChangeShapeType="1" noTextEdit="1"/>
+              </p:cNvSpPr>
+              <p:nvPr/>
+            </p:nvSpPr>
+            <p:spPr>
+              <a:xfrm>
+                <a:off x="620837" y="2696118"/>
+                <a:ext cx="9951720" cy="1137876"/>
+              </a:xfrm>
+              <a:prstGeom prst="rect">
+                <a:avLst/>
+              </a:prstGeom>
+              <a:blipFill>
+                <a:blip r:embed="rId3"/>
+                <a:stretch>
+                  <a:fillRect t="-131111" b="-183333"/>
+                </a:stretch>
+              </a:blipFill>
+            </p:spPr>
+            <p:txBody>
+              <a:bodyPr/>
+              <a:lstStyle/>
+              <a:p>
+                <a:r>
+                  <a:rPr lang="en-US">
+                    <a:noFill/>
+                  </a:rPr>
+                  <a:t> </a:t>
+                </a:r>
+              </a:p>
+            </p:txBody>
+          </p:sp>
+        </mc:Fallback>
+      </mc:AlternateContent>
+      <p:sp>
+        <p:nvSpPr>
+          <p:cNvPr id="5" name="TextBox 4">
+            <a:extLst>
+              <a:ext uri="{FF2B5EF4-FFF2-40B4-BE49-F238E27FC236}">
+                <a16:creationId xmlns:a16="http://schemas.microsoft.com/office/drawing/2014/main" id="{6FF90575-7F56-8375-BE3F-CE56E03F4977}"/>
+              </a:ext>
+            </a:extLst>
+          </p:cNvPr>
+          <p:cNvSpPr txBox="1"/>
+          <p:nvPr/>
+        </p:nvSpPr>
+        <p:spPr>
+          <a:xfrm>
+            <a:off x="838200" y="1759959"/>
+            <a:ext cx="10515600" cy="523220"/>
+          </a:xfrm>
+          <a:prstGeom prst="rect">
+            <a:avLst/>
+          </a:prstGeom>
+          <a:noFill/>
+        </p:spPr>
+        <p:txBody>
+          <a:bodyPr wrap="square">
+            <a:spAutoFit/>
+          </a:bodyPr>
+          <a:lstStyle/>
+          <a:p>
+            <a:r>
+              <a:rPr lang="en-US" sz="2800" b="0" dirty="0"/>
+              <a:t>The </a:t>
+            </a:r>
+            <a:r>
+              <a:rPr lang="en-US" sz="2800" dirty="0"/>
+              <a:t>residual sum of squares (RSS)</a:t>
+            </a:r>
+          </a:p>
+        </p:txBody>
+      </p:sp>
+      <p:sp>
+        <p:nvSpPr>
+          <p:cNvPr id="6" name="TextBox 5">
+            <a:extLst>
+              <a:ext uri="{FF2B5EF4-FFF2-40B4-BE49-F238E27FC236}">
+                <a16:creationId xmlns:a16="http://schemas.microsoft.com/office/drawing/2014/main" id="{712B9308-A003-0DC7-842D-39C783CE80D2}"/>
+              </a:ext>
+            </a:extLst>
+          </p:cNvPr>
+          <p:cNvSpPr txBox="1"/>
+          <p:nvPr/>
+        </p:nvSpPr>
+        <p:spPr>
+          <a:xfrm>
+            <a:off x="838200" y="4246933"/>
+            <a:ext cx="10515600" cy="523220"/>
+          </a:xfrm>
+          <a:prstGeom prst="rect">
+            <a:avLst/>
+          </a:prstGeom>
+          <a:noFill/>
+        </p:spPr>
+        <p:txBody>
+          <a:bodyPr wrap="square">
+            <a:spAutoFit/>
+          </a:bodyPr>
+          <a:lstStyle/>
+          <a:p>
+            <a:r>
+              <a:rPr lang="en-US" sz="2800" b="0" dirty="0"/>
+              <a:t>The residual standard error </a:t>
+            </a:r>
+            <a:r>
+              <a:rPr lang="en-US" sz="2800" dirty="0"/>
+              <a:t>(RSE)</a:t>
+            </a:r>
+          </a:p>
+        </p:txBody>
+      </p:sp>
+      <mc:AlternateContent xmlns:mc="http://schemas.openxmlformats.org/markup-compatibility/2006">
+        <mc:Choice xmlns:a14="http://schemas.microsoft.com/office/drawing/2010/main" Requires="a14">
+          <p:sp>
+            <p:nvSpPr>
+              <p:cNvPr id="8" name="TextBox 7">
+                <a:extLst>
+                  <a:ext uri="{FF2B5EF4-FFF2-40B4-BE49-F238E27FC236}">
+                    <a16:creationId xmlns:a16="http://schemas.microsoft.com/office/drawing/2014/main" id="{90922E47-7605-DA96-D15F-D765699E9692}"/>
+                  </a:ext>
+                </a:extLst>
+              </p:cNvPr>
+              <p:cNvSpPr txBox="1"/>
+              <p:nvPr/>
+            </p:nvSpPr>
+            <p:spPr>
+              <a:xfrm>
+                <a:off x="620837" y="5183092"/>
+                <a:ext cx="9951720" cy="898964"/>
+              </a:xfrm>
+              <a:prstGeom prst="rect">
+                <a:avLst/>
+              </a:prstGeom>
+              <a:noFill/>
+            </p:spPr>
+            <p:txBody>
+              <a:bodyPr wrap="square">
+                <a:spAutoFit/>
+              </a:bodyPr>
+              <a:lstStyle/>
+              <a:p>
+                <a:pPr/>
+                <a14:m>
+                  <m:oMathPara xmlns:m="http://schemas.openxmlformats.org/officeDocument/2006/math">
+                    <m:oMathParaPr>
+                      <m:jc m:val="centerGroup"/>
+                    </m:oMathParaPr>
+                    <m:oMath xmlns:m="http://schemas.openxmlformats.org/officeDocument/2006/math">
+                      <m:r>
+                        <a:rPr lang="en-US" sz="2800" b="0" i="1" smtClean="0">
+                          <a:latin typeface="Cambria Math" panose="02040503050406030204" pitchFamily="18" charset="0"/>
+                        </a:rPr>
+                        <m:t>𝑅𝑆𝐸</m:t>
+                      </m:r>
+                      <m:r>
+                        <a:rPr lang="en-US" sz="2800" b="0" i="1" smtClean="0">
+                          <a:latin typeface="Cambria Math" panose="02040503050406030204" pitchFamily="18" charset="0"/>
+                        </a:rPr>
+                        <m:t>= </m:t>
+                      </m:r>
+                      <m:f>
+                        <m:fPr>
+                          <m:ctrlPr>
+                            <a:rPr lang="en-US" sz="2800" i="1" dirty="0" smtClean="0">
+                              <a:latin typeface="Cambria Math" panose="02040503050406030204" pitchFamily="18" charset="0"/>
+                            </a:rPr>
+                          </m:ctrlPr>
+                        </m:fPr>
+                        <m:num>
+                          <m:r>
+                            <a:rPr lang="en-US" sz="2800" b="0" i="1" dirty="0" smtClean="0">
+                              <a:latin typeface="Cambria Math" panose="02040503050406030204" pitchFamily="18" charset="0"/>
+                            </a:rPr>
+                            <m:t>1</m:t>
+                          </m:r>
+                        </m:num>
+                        <m:den>
+                          <m:r>
+                            <a:rPr lang="en-US" sz="2800" b="0" i="1" dirty="0" smtClean="0">
+                              <a:latin typeface="Cambria Math" panose="02040503050406030204" pitchFamily="18" charset="0"/>
+                            </a:rPr>
+                            <m:t>𝑛</m:t>
+                          </m:r>
+                          <m:r>
+                            <a:rPr lang="en-US" sz="2800" b="0" i="1" dirty="0" smtClean="0">
+                              <a:latin typeface="Cambria Math" panose="02040503050406030204" pitchFamily="18" charset="0"/>
+                            </a:rPr>
+                            <m:t>−2</m:t>
+                          </m:r>
+                        </m:den>
+                      </m:f>
+                      <m:rad>
+                        <m:radPr>
+                          <m:degHide m:val="on"/>
+                          <m:ctrlPr>
+                            <a:rPr lang="en-US" sz="2800" i="1" dirty="0" smtClean="0">
+                              <a:latin typeface="Cambria Math" panose="02040503050406030204" pitchFamily="18" charset="0"/>
+                            </a:rPr>
+                          </m:ctrlPr>
+                        </m:radPr>
+                        <m:deg/>
+                        <m:e>
+                          <m:r>
+                            <a:rPr lang="en-US" sz="2800" i="1">
+                              <a:latin typeface="Cambria Math" panose="02040503050406030204" pitchFamily="18" charset="0"/>
+                            </a:rPr>
+                            <m:t>𝑅𝑆𝑆</m:t>
+                          </m:r>
+                        </m:e>
+                      </m:rad>
+                    </m:oMath>
+                  </m:oMathPara>
+                </a14:m>
+                <a:endParaRPr lang="en-US" sz="2800" dirty="0"/>
+              </a:p>
+            </p:txBody>
+          </p:sp>
+        </mc:Choice>
+        <mc:Fallback>
+          <p:sp>
+            <p:nvSpPr>
+              <p:cNvPr id="8" name="TextBox 7">
+                <a:extLst>
+                  <a:ext uri="{FF2B5EF4-FFF2-40B4-BE49-F238E27FC236}">
+                    <a16:creationId xmlns:a16="http://schemas.microsoft.com/office/drawing/2014/main" id="{90922E47-7605-DA96-D15F-D765699E9692}"/>
+                  </a:ext>
+                </a:extLst>
+              </p:cNvPr>
+              <p:cNvSpPr txBox="1">
+                <a:spLocks noRot="1" noChangeAspect="1" noMove="1" noResize="1" noEditPoints="1" noAdjustHandles="1" noChangeArrowheads="1" noChangeShapeType="1" noTextEdit="1"/>
+              </p:cNvSpPr>
+              <p:nvPr/>
+            </p:nvSpPr>
+            <p:spPr>
+              <a:xfrm>
+                <a:off x="620837" y="5183092"/>
+                <a:ext cx="9951720" cy="898964"/>
+              </a:xfrm>
+              <a:prstGeom prst="rect">
+                <a:avLst/>
+              </a:prstGeom>
+              <a:blipFill>
+                <a:blip r:embed="rId4"/>
+                <a:stretch>
+                  <a:fillRect b="-6944"/>
+                </a:stretch>
+              </a:blipFill>
+            </p:spPr>
+            <p:txBody>
+              <a:bodyPr/>
+              <a:lstStyle/>
+              <a:p>
+                <a:r>
+                  <a:rPr lang="en-US">
+                    <a:noFill/>
+                  </a:rPr>
+                  <a:t> </a:t>
+                </a:r>
+              </a:p>
+            </p:txBody>
+          </p:sp>
+        </mc:Fallback>
+      </mc:AlternateContent>
+    </p:spTree>
+    <p:extLst>
+      <p:ext uri="{BB962C8B-B14F-4D97-AF65-F5344CB8AC3E}">
+        <p14:creationId xmlns:p14="http://schemas.microsoft.com/office/powerpoint/2010/main" val="1490887763"/>
+      </p:ext>
+    </p:extLst>
+  </p:cSld>
+  <p:clrMapOvr>
+    <a:masterClrMapping/>
+  </p:clrMapOvr>
+</p:sld>
+</file>
+
+<file path=ppt/slides/slide21.xml><?xml version="1.0" encoding="utf-8"?>
+<p:sld xmlns:a="http://schemas.openxmlformats.org/drawingml/2006/main" xmlns:r="http://schemas.openxmlformats.org/officeDocument/2006/relationships" xmlns:p="http://schemas.openxmlformats.org/presentationml/2006/main">
+  <p:cSld>
+    <p:spTree>
+      <p:nvGrpSpPr>
+        <p:cNvPr id="1" name=""/>
+        <p:cNvGrpSpPr/>
+        <p:nvPr/>
+      </p:nvGrpSpPr>
+      <p:grpSpPr>
+        <a:xfrm>
+          <a:off x="0" y="0"/>
+          <a:ext cx="0" cy="0"/>
+          <a:chOff x="0" y="0"/>
+          <a:chExt cx="0" cy="0"/>
+        </a:xfrm>
+      </p:grpSpPr>
+      <p:sp>
+        <p:nvSpPr>
+          <p:cNvPr id="2" name="Title 1"/>
+          <p:cNvSpPr>
+            <a:spLocks noGrp="1"/>
+          </p:cNvSpPr>
+          <p:nvPr>
+            <p:ph type="title"/>
+          </p:nvPr>
+        </p:nvSpPr>
+        <p:spPr>
+          <a:xfrm>
+            <a:off x="838200" y="365126"/>
+            <a:ext cx="10515600" cy="981894"/>
+          </a:xfrm>
+        </p:spPr>
+        <p:txBody>
+          <a:bodyPr>
+            <a:normAutofit/>
+          </a:bodyPr>
+          <a:lstStyle/>
+          <a:p>
+            <a:r>
+              <a:rPr lang="en-US" dirty="0"/>
+              <a:t>Prediction Error</a:t>
+            </a:r>
+          </a:p>
+        </p:txBody>
+      </p:sp>
+      <mc:AlternateContent xmlns:mc="http://schemas.openxmlformats.org/markup-compatibility/2006">
+        <mc:Choice xmlns:a14="http://schemas.microsoft.com/office/drawing/2010/main" Requires="a14">
+          <p:sp>
+            <p:nvSpPr>
+              <p:cNvPr id="4" name="TextBox 3">
+                <a:extLst>
+                  <a:ext uri="{FF2B5EF4-FFF2-40B4-BE49-F238E27FC236}">
+                    <a16:creationId xmlns:a16="http://schemas.microsoft.com/office/drawing/2014/main" id="{7FB57015-D8AA-DDA7-27CF-ED114BC71486}"/>
+                  </a:ext>
+                </a:extLst>
+              </p:cNvPr>
+              <p:cNvSpPr txBox="1"/>
+              <p:nvPr/>
+            </p:nvSpPr>
+            <p:spPr>
+              <a:xfrm>
+                <a:off x="620837" y="2696118"/>
+                <a:ext cx="9951720" cy="1137876"/>
+              </a:xfrm>
+              <a:prstGeom prst="rect">
+                <a:avLst/>
+              </a:prstGeom>
+              <a:noFill/>
+            </p:spPr>
+            <p:txBody>
+              <a:bodyPr wrap="square">
+                <a:spAutoFit/>
+              </a:bodyPr>
+              <a:lstStyle/>
+              <a:p>
+                <a:pPr/>
+                <a14:m>
+                  <m:oMathPara xmlns:m="http://schemas.openxmlformats.org/officeDocument/2006/math">
+                    <m:oMathParaPr>
+                      <m:jc m:val="centerGroup"/>
+                    </m:oMathParaPr>
+                    <m:oMath xmlns:m="http://schemas.openxmlformats.org/officeDocument/2006/math">
+                      <m:r>
+                        <a:rPr lang="en-US" sz="2800" b="0" i="1" smtClean="0">
+                          <a:latin typeface="Cambria Math" panose="02040503050406030204" pitchFamily="18" charset="0"/>
+                        </a:rPr>
+                        <m:t>𝑅𝑆𝑆</m:t>
+                      </m:r>
+                      <m:r>
+                        <a:rPr lang="en-US" sz="2800" b="0" i="1" smtClean="0">
+                          <a:latin typeface="Cambria Math" panose="02040503050406030204" pitchFamily="18" charset="0"/>
+                        </a:rPr>
+                        <m:t>=</m:t>
+                      </m:r>
+                      <m:nary>
+                        <m:naryPr>
+                          <m:chr m:val="∑"/>
+                          <m:supHide m:val="on"/>
+                          <m:ctrlPr>
+                            <a:rPr lang="en-US" sz="2800" b="0" i="1" smtClean="0">
+                              <a:latin typeface="Cambria Math" panose="02040503050406030204" pitchFamily="18" charset="0"/>
+                            </a:rPr>
+                          </m:ctrlPr>
+                        </m:naryPr>
+                        <m:sub>
+                          <m:r>
+                            <a:rPr lang="en-US" sz="2800" b="0" i="1" smtClean="0">
+                              <a:latin typeface="Cambria Math" panose="02040503050406030204" pitchFamily="18" charset="0"/>
+                            </a:rPr>
+                            <m:t>𝑖</m:t>
+                          </m:r>
+                        </m:sub>
+                        <m:sup/>
+                        <m:e>
+                          <m:sSubSup>
+                            <m:sSubSupPr>
+                              <m:ctrlPr>
+                                <a:rPr lang="en-US" sz="2800" b="0" i="1" smtClean="0">
+                                  <a:latin typeface="Cambria Math" panose="02040503050406030204" pitchFamily="18" charset="0"/>
+                                </a:rPr>
+                              </m:ctrlPr>
+                            </m:sSubSupPr>
+                            <m:e>
+                              <m:r>
+                                <a:rPr lang="en-US" sz="2800" b="0" i="1" smtClean="0">
+                                  <a:latin typeface="Cambria Math" panose="02040503050406030204" pitchFamily="18" charset="0"/>
+                                </a:rPr>
+                                <m:t>𝑒</m:t>
+                              </m:r>
+                            </m:e>
+                            <m:sub>
+                              <m:r>
+                                <a:rPr lang="en-US" sz="2800" b="0" i="1" smtClean="0">
+                                  <a:latin typeface="Cambria Math" panose="02040503050406030204" pitchFamily="18" charset="0"/>
+                                </a:rPr>
+                                <m:t>𝑖</m:t>
+                              </m:r>
+                            </m:sub>
+                            <m:sup>
+                              <m:r>
+                                <a:rPr lang="en-US" sz="2800" b="0" i="1" smtClean="0">
+                                  <a:latin typeface="Cambria Math" panose="02040503050406030204" pitchFamily="18" charset="0"/>
+                                </a:rPr>
+                                <m:t>2</m:t>
+                              </m:r>
+                            </m:sup>
+                          </m:sSubSup>
+                          <m:r>
+                            <a:rPr lang="en-US" sz="2800" b="0" i="1" smtClean="0">
+                              <a:latin typeface="Cambria Math" panose="02040503050406030204" pitchFamily="18" charset="0"/>
+                            </a:rPr>
+                            <m:t>=</m:t>
+                          </m:r>
+                          <m:sSup>
+                            <m:sSupPr>
+                              <m:ctrlPr>
+                                <a:rPr lang="en-US" sz="2800" b="0" i="1" smtClean="0">
+                                  <a:latin typeface="Cambria Math" panose="02040503050406030204" pitchFamily="18" charset="0"/>
+                                </a:rPr>
+                              </m:ctrlPr>
+                            </m:sSupPr>
+                            <m:e>
+                              <m:d>
+                                <m:dPr>
+                                  <m:ctrlPr>
+                                    <a:rPr lang="en-US" sz="2800" b="0" i="1" smtClean="0">
+                                      <a:latin typeface="Cambria Math" panose="02040503050406030204" pitchFamily="18" charset="0"/>
+                                    </a:rPr>
+                                  </m:ctrlPr>
+                                </m:dPr>
+                                <m:e>
+                                  <m:sSub>
+                                    <m:sSubPr>
+                                      <m:ctrlPr>
+                                        <a:rPr lang="en-US" sz="2800" b="0" i="1" smtClean="0">
+                                          <a:latin typeface="Cambria Math" panose="02040503050406030204" pitchFamily="18" charset="0"/>
+                                        </a:rPr>
+                                      </m:ctrlPr>
+                                    </m:sSubPr>
+                                    <m:e>
+                                      <m:r>
+                                        <a:rPr lang="en-US" sz="2800" b="0" i="1" smtClean="0">
+                                          <a:latin typeface="Cambria Math" panose="02040503050406030204" pitchFamily="18" charset="0"/>
+                                        </a:rPr>
+                                        <m:t>𝑦</m:t>
+                                      </m:r>
+                                    </m:e>
+                                    <m:sub>
+                                      <m:r>
+                                        <a:rPr lang="en-US" sz="2800" b="0" i="1" smtClean="0">
+                                          <a:latin typeface="Cambria Math" panose="02040503050406030204" pitchFamily="18" charset="0"/>
+                                        </a:rPr>
+                                        <m:t>𝑖</m:t>
+                                      </m:r>
+                                    </m:sub>
+                                  </m:sSub>
+                                  <m:r>
+                                    <a:rPr lang="en-US" sz="2800" b="0" i="1" smtClean="0">
+                                      <a:latin typeface="Cambria Math" panose="02040503050406030204" pitchFamily="18" charset="0"/>
+                                    </a:rPr>
+                                    <m:t> −</m:t>
+                                  </m:r>
+                                  <m:sSub>
+                                    <m:sSubPr>
+                                      <m:ctrlPr>
+                                        <a:rPr lang="en-US" sz="2800" b="0" i="1" smtClean="0">
+                                          <a:latin typeface="Cambria Math" panose="02040503050406030204" pitchFamily="18" charset="0"/>
+                                        </a:rPr>
+                                      </m:ctrlPr>
+                                    </m:sSubPr>
+                                    <m:e>
+                                      <m:acc>
+                                        <m:accPr>
+                                          <m:chr m:val="̂"/>
+                                          <m:ctrlPr>
+                                            <a:rPr lang="en-US" sz="2800" b="0" i="1" smtClean="0">
+                                              <a:latin typeface="Cambria Math" panose="02040503050406030204" pitchFamily="18" charset="0"/>
+                                            </a:rPr>
+                                          </m:ctrlPr>
+                                        </m:accPr>
+                                        <m:e>
+                                          <m:r>
+                                            <a:rPr lang="en-US" sz="2800" b="0" i="1" smtClean="0">
+                                              <a:latin typeface="Cambria Math" panose="02040503050406030204" pitchFamily="18" charset="0"/>
+                                            </a:rPr>
+                                            <m:t>𝑦</m:t>
+                                          </m:r>
+                                        </m:e>
+                                      </m:acc>
+                                    </m:e>
+                                    <m:sub>
+                                      <m:r>
+                                        <a:rPr lang="en-US" sz="2800" b="0" i="1" smtClean="0">
+                                          <a:latin typeface="Cambria Math" panose="02040503050406030204" pitchFamily="18" charset="0"/>
+                                        </a:rPr>
+                                        <m:t>𝑖</m:t>
+                                      </m:r>
+                                    </m:sub>
+                                  </m:sSub>
+                                </m:e>
+                              </m:d>
+                            </m:e>
+                            <m:sup>
+                              <m:r>
+                                <a:rPr lang="en-US" sz="2800" b="0" i="1" smtClean="0">
+                                  <a:latin typeface="Cambria Math" panose="02040503050406030204" pitchFamily="18" charset="0"/>
+                                </a:rPr>
+                                <m:t>2</m:t>
+                              </m:r>
+                            </m:sup>
+                          </m:sSup>
+                          <m:r>
+                            <a:rPr lang="en-US" sz="2800" b="0" i="1" smtClean="0">
+                              <a:latin typeface="Cambria Math" panose="02040503050406030204" pitchFamily="18" charset="0"/>
+                            </a:rPr>
+                            <m:t> </m:t>
+                          </m:r>
+                        </m:e>
+                      </m:nary>
+                    </m:oMath>
+                  </m:oMathPara>
+                </a14:m>
+                <a:endParaRPr lang="en-US" sz="2800" dirty="0"/>
+              </a:p>
+            </p:txBody>
+          </p:sp>
+        </mc:Choice>
+        <mc:Fallback>
+          <p:sp>
+            <p:nvSpPr>
+              <p:cNvPr id="4" name="TextBox 3">
+                <a:extLst>
+                  <a:ext uri="{FF2B5EF4-FFF2-40B4-BE49-F238E27FC236}">
+                    <a16:creationId xmlns:a16="http://schemas.microsoft.com/office/drawing/2014/main" id="{7FB57015-D8AA-DDA7-27CF-ED114BC71486}"/>
+                  </a:ext>
+                </a:extLst>
+              </p:cNvPr>
+              <p:cNvSpPr txBox="1">
+                <a:spLocks noRot="1" noChangeAspect="1" noMove="1" noResize="1" noEditPoints="1" noAdjustHandles="1" noChangeArrowheads="1" noChangeShapeType="1" noTextEdit="1"/>
+              </p:cNvSpPr>
+              <p:nvPr/>
+            </p:nvSpPr>
+            <p:spPr>
+              <a:xfrm>
+                <a:off x="620837" y="2696118"/>
+                <a:ext cx="9951720" cy="1137876"/>
+              </a:xfrm>
+              <a:prstGeom prst="rect">
+                <a:avLst/>
+              </a:prstGeom>
+              <a:blipFill>
+                <a:blip r:embed="rId3"/>
+                <a:stretch>
+                  <a:fillRect t="-131111" b="-183333"/>
+                </a:stretch>
+              </a:blipFill>
+            </p:spPr>
+            <p:txBody>
+              <a:bodyPr/>
+              <a:lstStyle/>
+              <a:p>
+                <a:r>
+                  <a:rPr lang="en-US">
+                    <a:noFill/>
+                  </a:rPr>
+                  <a:t> </a:t>
+                </a:r>
+              </a:p>
+            </p:txBody>
+          </p:sp>
+        </mc:Fallback>
+      </mc:AlternateContent>
+      <p:sp>
+        <p:nvSpPr>
+          <p:cNvPr id="5" name="TextBox 4">
+            <a:extLst>
+              <a:ext uri="{FF2B5EF4-FFF2-40B4-BE49-F238E27FC236}">
+                <a16:creationId xmlns:a16="http://schemas.microsoft.com/office/drawing/2014/main" id="{6FF90575-7F56-8375-BE3F-CE56E03F4977}"/>
+              </a:ext>
+            </a:extLst>
+          </p:cNvPr>
+          <p:cNvSpPr txBox="1"/>
+          <p:nvPr/>
+        </p:nvSpPr>
+        <p:spPr>
+          <a:xfrm>
+            <a:off x="838200" y="1759959"/>
+            <a:ext cx="10515600" cy="523220"/>
+          </a:xfrm>
+          <a:prstGeom prst="rect">
+            <a:avLst/>
+          </a:prstGeom>
+          <a:noFill/>
+        </p:spPr>
+        <p:txBody>
+          <a:bodyPr wrap="square">
+            <a:spAutoFit/>
+          </a:bodyPr>
+          <a:lstStyle/>
+          <a:p>
+            <a:r>
+              <a:rPr lang="en-US" sz="2800" b="0" dirty="0"/>
+              <a:t>The </a:t>
+            </a:r>
+            <a:r>
+              <a:rPr lang="en-US" sz="2800" dirty="0"/>
+              <a:t>residual sum of squares (RSS)</a:t>
+            </a:r>
+          </a:p>
+        </p:txBody>
+      </p:sp>
+      <p:sp>
+        <p:nvSpPr>
+          <p:cNvPr id="6" name="TextBox 5">
+            <a:extLst>
+              <a:ext uri="{FF2B5EF4-FFF2-40B4-BE49-F238E27FC236}">
+                <a16:creationId xmlns:a16="http://schemas.microsoft.com/office/drawing/2014/main" id="{712B9308-A003-0DC7-842D-39C783CE80D2}"/>
+              </a:ext>
+            </a:extLst>
+          </p:cNvPr>
+          <p:cNvSpPr txBox="1"/>
+          <p:nvPr/>
+        </p:nvSpPr>
+        <p:spPr>
+          <a:xfrm>
+            <a:off x="838200" y="4246933"/>
+            <a:ext cx="10515600" cy="523220"/>
+          </a:xfrm>
+          <a:prstGeom prst="rect">
+            <a:avLst/>
+          </a:prstGeom>
+          <a:noFill/>
+        </p:spPr>
+        <p:txBody>
+          <a:bodyPr wrap="square">
+            <a:spAutoFit/>
+          </a:bodyPr>
+          <a:lstStyle/>
+          <a:p>
+            <a:r>
+              <a:rPr lang="en-US" sz="2800" b="0" dirty="0"/>
+              <a:t>The residual standard error </a:t>
+            </a:r>
+            <a:r>
+              <a:rPr lang="en-US" sz="2800" dirty="0"/>
+              <a:t>(RSE)</a:t>
+            </a:r>
+          </a:p>
+        </p:txBody>
+      </p:sp>
+      <mc:AlternateContent xmlns:mc="http://schemas.openxmlformats.org/markup-compatibility/2006">
+        <mc:Choice xmlns:a14="http://schemas.microsoft.com/office/drawing/2010/main" Requires="a14">
+          <p:sp>
+            <p:nvSpPr>
+              <p:cNvPr id="8" name="TextBox 7">
+                <a:extLst>
+                  <a:ext uri="{FF2B5EF4-FFF2-40B4-BE49-F238E27FC236}">
+                    <a16:creationId xmlns:a16="http://schemas.microsoft.com/office/drawing/2014/main" id="{90922E47-7605-DA96-D15F-D765699E9692}"/>
+                  </a:ext>
+                </a:extLst>
+              </p:cNvPr>
+              <p:cNvSpPr txBox="1"/>
+              <p:nvPr/>
+            </p:nvSpPr>
+            <p:spPr>
+              <a:xfrm>
+                <a:off x="620837" y="5183092"/>
+                <a:ext cx="9951720" cy="898964"/>
+              </a:xfrm>
+              <a:prstGeom prst="rect">
+                <a:avLst/>
+              </a:prstGeom>
+              <a:noFill/>
+            </p:spPr>
+            <p:txBody>
+              <a:bodyPr wrap="square">
+                <a:spAutoFit/>
+              </a:bodyPr>
+              <a:lstStyle/>
+              <a:p>
+                <a:pPr/>
+                <a14:m>
+                  <m:oMathPara xmlns:m="http://schemas.openxmlformats.org/officeDocument/2006/math">
+                    <m:oMathParaPr>
+                      <m:jc m:val="centerGroup"/>
+                    </m:oMathParaPr>
+                    <m:oMath xmlns:m="http://schemas.openxmlformats.org/officeDocument/2006/math">
+                      <m:r>
+                        <a:rPr lang="en-US" sz="2800" b="0" i="1" smtClean="0">
+                          <a:latin typeface="Cambria Math" panose="02040503050406030204" pitchFamily="18" charset="0"/>
+                        </a:rPr>
+                        <m:t>𝑅𝑆𝐸</m:t>
+                      </m:r>
+                      <m:r>
+                        <a:rPr lang="en-US" sz="2800" b="0" i="1" smtClean="0">
+                          <a:latin typeface="Cambria Math" panose="02040503050406030204" pitchFamily="18" charset="0"/>
+                        </a:rPr>
+                        <m:t>= </m:t>
+                      </m:r>
+                      <m:f>
+                        <m:fPr>
+                          <m:ctrlPr>
+                            <a:rPr lang="en-US" sz="2800" i="1" dirty="0" smtClean="0">
+                              <a:latin typeface="Cambria Math" panose="02040503050406030204" pitchFamily="18" charset="0"/>
+                            </a:rPr>
+                          </m:ctrlPr>
+                        </m:fPr>
+                        <m:num>
+                          <m:r>
+                            <a:rPr lang="en-US" sz="2800" b="0" i="1" dirty="0" smtClean="0">
+                              <a:latin typeface="Cambria Math" panose="02040503050406030204" pitchFamily="18" charset="0"/>
+                            </a:rPr>
+                            <m:t>1</m:t>
+                          </m:r>
+                        </m:num>
+                        <m:den>
+                          <m:r>
+                            <a:rPr lang="en-US" sz="2800" b="0" i="1" dirty="0" smtClean="0">
+                              <a:latin typeface="Cambria Math" panose="02040503050406030204" pitchFamily="18" charset="0"/>
+                            </a:rPr>
+                            <m:t>𝑛</m:t>
+                          </m:r>
+                          <m:r>
+                            <a:rPr lang="en-US" sz="2800" b="0" i="1" dirty="0" smtClean="0">
+                              <a:latin typeface="Cambria Math" panose="02040503050406030204" pitchFamily="18" charset="0"/>
+                            </a:rPr>
+                            <m:t>−2</m:t>
+                          </m:r>
+                        </m:den>
+                      </m:f>
+                      <m:rad>
+                        <m:radPr>
+                          <m:degHide m:val="on"/>
+                          <m:ctrlPr>
+                            <a:rPr lang="en-US" sz="2800" i="1" dirty="0" smtClean="0">
+                              <a:latin typeface="Cambria Math" panose="02040503050406030204" pitchFamily="18" charset="0"/>
+                            </a:rPr>
+                          </m:ctrlPr>
+                        </m:radPr>
+                        <m:deg/>
+                        <m:e>
+                          <m:r>
+                            <a:rPr lang="en-US" sz="2800" i="1">
+                              <a:latin typeface="Cambria Math" panose="02040503050406030204" pitchFamily="18" charset="0"/>
+                            </a:rPr>
+                            <m:t>𝑅𝑆𝑆</m:t>
+                          </m:r>
+                        </m:e>
+                      </m:rad>
+                    </m:oMath>
+                  </m:oMathPara>
+                </a14:m>
+                <a:endParaRPr lang="en-US" sz="2800" dirty="0"/>
+              </a:p>
+            </p:txBody>
+          </p:sp>
+        </mc:Choice>
+        <mc:Fallback>
+          <p:sp>
+            <p:nvSpPr>
+              <p:cNvPr id="8" name="TextBox 7">
+                <a:extLst>
+                  <a:ext uri="{FF2B5EF4-FFF2-40B4-BE49-F238E27FC236}">
+                    <a16:creationId xmlns:a16="http://schemas.microsoft.com/office/drawing/2014/main" id="{90922E47-7605-DA96-D15F-D765699E9692}"/>
+                  </a:ext>
+                </a:extLst>
+              </p:cNvPr>
+              <p:cNvSpPr txBox="1">
+                <a:spLocks noRot="1" noChangeAspect="1" noMove="1" noResize="1" noEditPoints="1" noAdjustHandles="1" noChangeArrowheads="1" noChangeShapeType="1" noTextEdit="1"/>
+              </p:cNvSpPr>
+              <p:nvPr/>
+            </p:nvSpPr>
+            <p:spPr>
+              <a:xfrm>
+                <a:off x="620837" y="5183092"/>
+                <a:ext cx="9951720" cy="898964"/>
+              </a:xfrm>
+              <a:prstGeom prst="rect">
+                <a:avLst/>
+              </a:prstGeom>
+              <a:blipFill>
+                <a:blip r:embed="rId4"/>
+                <a:stretch>
+                  <a:fillRect b="-6944"/>
+                </a:stretch>
+              </a:blipFill>
+            </p:spPr>
+            <p:txBody>
+              <a:bodyPr/>
+              <a:lstStyle/>
+              <a:p>
+                <a:r>
+                  <a:rPr lang="en-US">
+                    <a:noFill/>
+                  </a:rPr>
+                  <a:t> </a:t>
+                </a:r>
+              </a:p>
+            </p:txBody>
+          </p:sp>
+        </mc:Fallback>
+      </mc:AlternateContent>
+    </p:spTree>
+    <p:extLst>
+      <p:ext uri="{BB962C8B-B14F-4D97-AF65-F5344CB8AC3E}">
+        <p14:creationId xmlns:p14="http://schemas.microsoft.com/office/powerpoint/2010/main" val="1797064335"/>
+      </p:ext>
+    </p:extLst>
+  </p:cSld>
+  <p:clrMapOvr>
+    <a:masterClrMapping/>
+  </p:clrMapOvr>
+</p:sld>
+</file>
+
+<file path=ppt/slides/slide22.xml><?xml version="1.0" encoding="utf-8"?>
+<p:sld xmlns:a="http://schemas.openxmlformats.org/drawingml/2006/main" xmlns:r="http://schemas.openxmlformats.org/officeDocument/2006/relationships" xmlns:p="http://schemas.openxmlformats.org/presentationml/2006/main">
+  <p:cSld>
+    <p:spTree>
+      <p:nvGrpSpPr>
+        <p:cNvPr id="1" name=""/>
+        <p:cNvGrpSpPr/>
+        <p:nvPr/>
+      </p:nvGrpSpPr>
+      <p:grpSpPr>
+        <a:xfrm>
+          <a:off x="0" y="0"/>
+          <a:ext cx="0" cy="0"/>
+          <a:chOff x="0" y="0"/>
+          <a:chExt cx="0" cy="0"/>
+        </a:xfrm>
+      </p:grpSpPr>
+      <p:sp>
+        <p:nvSpPr>
+          <p:cNvPr id="2" name="Title 1"/>
+          <p:cNvSpPr>
+            <a:spLocks noGrp="1"/>
+          </p:cNvSpPr>
+          <p:nvPr>
+            <p:ph type="title"/>
+          </p:nvPr>
+        </p:nvSpPr>
+        <p:spPr>
+          <a:xfrm>
+            <a:off x="838200" y="365126"/>
+            <a:ext cx="10515600" cy="981894"/>
+          </a:xfrm>
+        </p:spPr>
+        <p:txBody>
+          <a:bodyPr>
+            <a:normAutofit/>
+          </a:bodyPr>
+          <a:lstStyle/>
+          <a:p>
+            <a:r>
+              <a:rPr lang="en-US" dirty="0"/>
+              <a:t>R-Squared </a:t>
+            </a:r>
+          </a:p>
+        </p:txBody>
+      </p:sp>
+      <p:sp>
+        <p:nvSpPr>
+          <p:cNvPr id="5" name="TextBox 4">
+            <a:extLst>
+              <a:ext uri="{FF2B5EF4-FFF2-40B4-BE49-F238E27FC236}">
+                <a16:creationId xmlns:a16="http://schemas.microsoft.com/office/drawing/2014/main" id="{6FF90575-7F56-8375-BE3F-CE56E03F4977}"/>
+              </a:ext>
+            </a:extLst>
+          </p:cNvPr>
+          <p:cNvSpPr txBox="1"/>
+          <p:nvPr/>
+        </p:nvSpPr>
+        <p:spPr>
+          <a:xfrm>
+            <a:off x="838200" y="1759959"/>
+            <a:ext cx="10515600" cy="523220"/>
+          </a:xfrm>
+          <a:prstGeom prst="rect">
+            <a:avLst/>
+          </a:prstGeom>
+          <a:noFill/>
+        </p:spPr>
+        <p:txBody>
+          <a:bodyPr wrap="square">
+            <a:spAutoFit/>
+          </a:bodyPr>
+          <a:lstStyle/>
+          <a:p>
+            <a:r>
+              <a:rPr lang="en-US" sz="2800" dirty="0"/>
+              <a:t>The proportion of the variance that can be explained by a model</a:t>
+            </a:r>
+          </a:p>
+        </p:txBody>
+      </p:sp>
+      <mc:AlternateContent xmlns:mc="http://schemas.openxmlformats.org/markup-compatibility/2006">
+        <mc:Choice xmlns:a14="http://schemas.microsoft.com/office/drawing/2010/main" Requires="a14">
+          <p:sp>
+            <p:nvSpPr>
+              <p:cNvPr id="8" name="TextBox 7">
+                <a:extLst>
+                  <a:ext uri="{FF2B5EF4-FFF2-40B4-BE49-F238E27FC236}">
+                    <a16:creationId xmlns:a16="http://schemas.microsoft.com/office/drawing/2014/main" id="{90922E47-7605-DA96-D15F-D765699E9692}"/>
+                  </a:ext>
+                </a:extLst>
+              </p:cNvPr>
+              <p:cNvSpPr txBox="1"/>
+              <p:nvPr/>
+            </p:nvSpPr>
+            <p:spPr>
+              <a:xfrm>
+                <a:off x="341867" y="2655426"/>
+                <a:ext cx="9951720" cy="896143"/>
+              </a:xfrm>
+              <a:prstGeom prst="rect">
+                <a:avLst/>
+              </a:prstGeom>
+              <a:noFill/>
+            </p:spPr>
+            <p:txBody>
+              <a:bodyPr wrap="square">
+                <a:spAutoFit/>
+              </a:bodyPr>
+              <a:lstStyle/>
+              <a:p>
+                <a:pPr/>
+                <a14:m>
+                  <m:oMathPara xmlns:m="http://schemas.openxmlformats.org/officeDocument/2006/math">
+                    <m:oMathParaPr>
+                      <m:jc m:val="centerGroup"/>
+                    </m:oMathParaPr>
+                    <m:oMath xmlns:m="http://schemas.openxmlformats.org/officeDocument/2006/math">
+                      <m:sSup>
+                        <m:sSupPr>
+                          <m:ctrlPr>
+                            <a:rPr lang="en-US" sz="2800" b="0" i="1" smtClean="0">
+                              <a:latin typeface="Cambria Math" panose="02040503050406030204" pitchFamily="18" charset="0"/>
+                            </a:rPr>
+                          </m:ctrlPr>
+                        </m:sSupPr>
+                        <m:e>
+                          <m:r>
+                            <a:rPr lang="en-US" sz="2800" b="0" i="1" smtClean="0">
+                              <a:latin typeface="Cambria Math" panose="02040503050406030204" pitchFamily="18" charset="0"/>
+                            </a:rPr>
+                            <m:t>𝑅</m:t>
+                          </m:r>
+                        </m:e>
+                        <m:sup>
+                          <m:r>
+                            <a:rPr lang="en-US" sz="2800" b="0" i="1" smtClean="0">
+                              <a:latin typeface="Cambria Math" panose="02040503050406030204" pitchFamily="18" charset="0"/>
+                            </a:rPr>
+                            <m:t>2</m:t>
+                          </m:r>
+                        </m:sup>
+                      </m:sSup>
+                      <m:r>
+                        <a:rPr lang="en-US" sz="2800" b="0" i="1" smtClean="0">
+                          <a:latin typeface="Cambria Math" panose="02040503050406030204" pitchFamily="18" charset="0"/>
+                        </a:rPr>
+                        <m:t>=1 − </m:t>
+                      </m:r>
+                      <m:f>
+                        <m:fPr>
+                          <m:ctrlPr>
+                            <a:rPr lang="en-US" sz="2800" b="0" i="1" smtClean="0">
+                              <a:latin typeface="Cambria Math" panose="02040503050406030204" pitchFamily="18" charset="0"/>
+                            </a:rPr>
+                          </m:ctrlPr>
+                        </m:fPr>
+                        <m:num>
+                          <m:r>
+                            <a:rPr lang="en-US" sz="2800" b="0" i="1" smtClean="0">
+                              <a:latin typeface="Cambria Math" panose="02040503050406030204" pitchFamily="18" charset="0"/>
+                            </a:rPr>
+                            <m:t>𝑅𝑆𝑆</m:t>
+                          </m:r>
+                        </m:num>
+                        <m:den>
+                          <m:r>
+                            <a:rPr lang="en-US" sz="2800" b="0" i="1" smtClean="0">
+                              <a:latin typeface="Cambria Math" panose="02040503050406030204" pitchFamily="18" charset="0"/>
+                            </a:rPr>
+                            <m:t>𝑇𝑆𝑆</m:t>
+                          </m:r>
+                        </m:den>
+                      </m:f>
+                    </m:oMath>
+                  </m:oMathPara>
+                </a14:m>
+                <a:endParaRPr lang="en-US" sz="2800" dirty="0"/>
+              </a:p>
+            </p:txBody>
+          </p:sp>
+        </mc:Choice>
+        <mc:Fallback>
+          <p:sp>
+            <p:nvSpPr>
+              <p:cNvPr id="8" name="TextBox 7">
+                <a:extLst>
+                  <a:ext uri="{FF2B5EF4-FFF2-40B4-BE49-F238E27FC236}">
+                    <a16:creationId xmlns:a16="http://schemas.microsoft.com/office/drawing/2014/main" id="{90922E47-7605-DA96-D15F-D765699E9692}"/>
+                  </a:ext>
+                </a:extLst>
+              </p:cNvPr>
+              <p:cNvSpPr txBox="1">
+                <a:spLocks noRot="1" noChangeAspect="1" noMove="1" noResize="1" noEditPoints="1" noAdjustHandles="1" noChangeArrowheads="1" noChangeShapeType="1" noTextEdit="1"/>
+              </p:cNvSpPr>
+              <p:nvPr/>
+            </p:nvSpPr>
+            <p:spPr>
+              <a:xfrm>
+                <a:off x="341867" y="2655426"/>
+                <a:ext cx="9951720" cy="896143"/>
+              </a:xfrm>
+              <a:prstGeom prst="rect">
+                <a:avLst/>
+              </a:prstGeom>
+              <a:blipFill>
+                <a:blip r:embed="rId3"/>
+                <a:stretch>
+                  <a:fillRect b="-9859"/>
+                </a:stretch>
+              </a:blipFill>
+            </p:spPr>
+            <p:txBody>
+              <a:bodyPr/>
+              <a:lstStyle/>
+              <a:p>
+                <a:r>
+                  <a:rPr lang="en-US">
+                    <a:noFill/>
+                  </a:rPr>
+                  <a:t> </a:t>
+                </a:r>
+              </a:p>
+            </p:txBody>
+          </p:sp>
+        </mc:Fallback>
+      </mc:AlternateContent>
+      <mc:AlternateContent xmlns:mc="http://schemas.openxmlformats.org/markup-compatibility/2006">
+        <mc:Choice xmlns:a14="http://schemas.microsoft.com/office/drawing/2010/main" Requires="a14">
+          <p:sp>
+            <p:nvSpPr>
+              <p:cNvPr id="3" name="TextBox 2">
+                <a:extLst>
+                  <a:ext uri="{FF2B5EF4-FFF2-40B4-BE49-F238E27FC236}">
+                    <a16:creationId xmlns:a16="http://schemas.microsoft.com/office/drawing/2014/main" id="{9DAD995B-0F99-24A3-5DF3-B1AFF3844B49}"/>
+                  </a:ext>
+                </a:extLst>
+              </p:cNvPr>
+              <p:cNvSpPr txBox="1"/>
+              <p:nvPr/>
+            </p:nvSpPr>
+            <p:spPr>
+              <a:xfrm>
+                <a:off x="527848" y="4873190"/>
+                <a:ext cx="9951720" cy="1137876"/>
+              </a:xfrm>
+              <a:prstGeom prst="rect">
+                <a:avLst/>
+              </a:prstGeom>
+              <a:noFill/>
+            </p:spPr>
+            <p:txBody>
+              <a:bodyPr wrap="square">
+                <a:spAutoFit/>
+              </a:bodyPr>
+              <a:lstStyle/>
+              <a:p>
+                <a:pPr/>
+                <a14:m>
+                  <m:oMathPara xmlns:m="http://schemas.openxmlformats.org/officeDocument/2006/math">
+                    <m:oMathParaPr>
+                      <m:jc m:val="centerGroup"/>
+                    </m:oMathParaPr>
+                    <m:oMath xmlns:m="http://schemas.openxmlformats.org/officeDocument/2006/math">
+                      <m:r>
+                        <a:rPr lang="en-US" sz="2800" b="0" i="1" smtClean="0">
+                          <a:latin typeface="Cambria Math" panose="02040503050406030204" pitchFamily="18" charset="0"/>
+                        </a:rPr>
+                        <m:t>𝑇𝑆𝑆</m:t>
+                      </m:r>
+                      <m:r>
+                        <a:rPr lang="en-US" sz="2800" b="0" i="1" smtClean="0">
+                          <a:latin typeface="Cambria Math" panose="02040503050406030204" pitchFamily="18" charset="0"/>
+                        </a:rPr>
+                        <m:t>=</m:t>
+                      </m:r>
+                      <m:nary>
+                        <m:naryPr>
+                          <m:chr m:val="∑"/>
+                          <m:supHide m:val="on"/>
+                          <m:ctrlPr>
+                            <a:rPr lang="en-US" sz="2800" b="0" i="1" smtClean="0">
+                              <a:latin typeface="Cambria Math" panose="02040503050406030204" pitchFamily="18" charset="0"/>
+                            </a:rPr>
+                          </m:ctrlPr>
+                        </m:naryPr>
+                        <m:sub>
+                          <m:r>
+                            <a:rPr lang="en-US" sz="2800" b="0" i="1" smtClean="0">
+                              <a:latin typeface="Cambria Math" panose="02040503050406030204" pitchFamily="18" charset="0"/>
+                            </a:rPr>
+                            <m:t>𝑖</m:t>
+                          </m:r>
+                        </m:sub>
+                        <m:sup/>
+                        <m:e>
+                          <m:sSup>
+                            <m:sSupPr>
+                              <m:ctrlPr>
+                                <a:rPr lang="en-US" sz="2800" i="1">
+                                  <a:latin typeface="Cambria Math" panose="02040503050406030204" pitchFamily="18" charset="0"/>
+                                </a:rPr>
+                              </m:ctrlPr>
+                            </m:sSupPr>
+                            <m:e>
+                              <m:d>
+                                <m:dPr>
+                                  <m:ctrlPr>
+                                    <a:rPr lang="en-US" sz="2800" i="1">
+                                      <a:latin typeface="Cambria Math" panose="02040503050406030204" pitchFamily="18" charset="0"/>
+                                    </a:rPr>
+                                  </m:ctrlPr>
+                                </m:dPr>
+                                <m:e>
+                                  <m:sSub>
+                                    <m:sSubPr>
+                                      <m:ctrlPr>
+                                        <a:rPr lang="en-US" sz="2800" i="1">
+                                          <a:latin typeface="Cambria Math" panose="02040503050406030204" pitchFamily="18" charset="0"/>
+                                        </a:rPr>
+                                      </m:ctrlPr>
+                                    </m:sSubPr>
+                                    <m:e>
+                                      <m:r>
+                                        <a:rPr lang="en-US" sz="2800" i="1">
+                                          <a:latin typeface="Cambria Math" panose="02040503050406030204" pitchFamily="18" charset="0"/>
+                                        </a:rPr>
+                                        <m:t>𝑦</m:t>
+                                      </m:r>
+                                    </m:e>
+                                    <m:sub>
+                                      <m:r>
+                                        <a:rPr lang="en-US" sz="2800" i="1">
+                                          <a:latin typeface="Cambria Math" panose="02040503050406030204" pitchFamily="18" charset="0"/>
+                                        </a:rPr>
+                                        <m:t>𝑖</m:t>
+                                      </m:r>
+                                    </m:sub>
+                                  </m:sSub>
+                                  <m:r>
+                                    <a:rPr lang="en-US" sz="2800" i="1">
+                                      <a:latin typeface="Cambria Math" panose="02040503050406030204" pitchFamily="18" charset="0"/>
+                                    </a:rPr>
+                                    <m:t> −</m:t>
+                                  </m:r>
+                                  <m:acc>
+                                    <m:accPr>
+                                      <m:chr m:val="̅"/>
+                                      <m:ctrlPr>
+                                        <a:rPr lang="en-US" sz="2800" b="0" i="1" smtClean="0">
+                                          <a:latin typeface="Cambria Math" panose="02040503050406030204" pitchFamily="18" charset="0"/>
+                                        </a:rPr>
+                                      </m:ctrlPr>
+                                    </m:accPr>
+                                    <m:e>
+                                      <m:r>
+                                        <a:rPr lang="en-US" sz="2800" b="0" i="1" smtClean="0">
+                                          <a:latin typeface="Cambria Math" panose="02040503050406030204" pitchFamily="18" charset="0"/>
+                                        </a:rPr>
+                                        <m:t>𝑦</m:t>
+                                      </m:r>
+                                    </m:e>
+                                  </m:acc>
+                                </m:e>
+                              </m:d>
+                            </m:e>
+                            <m:sup>
+                              <m:r>
+                                <a:rPr lang="en-US" sz="2800" i="1">
+                                  <a:latin typeface="Cambria Math" panose="02040503050406030204" pitchFamily="18" charset="0"/>
+                                </a:rPr>
+                                <m:t>2</m:t>
+                              </m:r>
+                            </m:sup>
+                          </m:sSup>
+                        </m:e>
+                      </m:nary>
+                    </m:oMath>
+                  </m:oMathPara>
+                </a14:m>
+                <a:endParaRPr lang="en-US" sz="2800" dirty="0"/>
+              </a:p>
+            </p:txBody>
+          </p:sp>
+        </mc:Choice>
+        <mc:Fallback>
+          <p:sp>
+            <p:nvSpPr>
+              <p:cNvPr id="3" name="TextBox 2">
+                <a:extLst>
+                  <a:ext uri="{FF2B5EF4-FFF2-40B4-BE49-F238E27FC236}">
+                    <a16:creationId xmlns:a16="http://schemas.microsoft.com/office/drawing/2014/main" id="{9DAD995B-0F99-24A3-5DF3-B1AFF3844B49}"/>
+                  </a:ext>
+                </a:extLst>
+              </p:cNvPr>
+              <p:cNvSpPr txBox="1">
+                <a:spLocks noRot="1" noChangeAspect="1" noMove="1" noResize="1" noEditPoints="1" noAdjustHandles="1" noChangeArrowheads="1" noChangeShapeType="1" noTextEdit="1"/>
+              </p:cNvSpPr>
+              <p:nvPr/>
+            </p:nvSpPr>
+            <p:spPr>
+              <a:xfrm>
+                <a:off x="527848" y="4873190"/>
+                <a:ext cx="9951720" cy="1137876"/>
+              </a:xfrm>
+              <a:prstGeom prst="rect">
+                <a:avLst/>
+              </a:prstGeom>
+              <a:blipFill>
+                <a:blip r:embed="rId4"/>
+                <a:stretch>
+                  <a:fillRect t="-129670" b="-180220"/>
+                </a:stretch>
+              </a:blipFill>
+            </p:spPr>
+            <p:txBody>
+              <a:bodyPr/>
+              <a:lstStyle/>
+              <a:p>
+                <a:r>
+                  <a:rPr lang="en-US">
+                    <a:noFill/>
+                  </a:rPr>
+                  <a:t> </a:t>
+                </a:r>
+              </a:p>
+            </p:txBody>
+          </p:sp>
+        </mc:Fallback>
+      </mc:AlternateContent>
+      <p:sp>
+        <p:nvSpPr>
+          <p:cNvPr id="7" name="TextBox 6">
+            <a:extLst>
+              <a:ext uri="{FF2B5EF4-FFF2-40B4-BE49-F238E27FC236}">
+                <a16:creationId xmlns:a16="http://schemas.microsoft.com/office/drawing/2014/main" id="{9DA081BA-13D6-A431-B56C-2542AC1AC17D}"/>
+              </a:ext>
+            </a:extLst>
+          </p:cNvPr>
+          <p:cNvSpPr txBox="1"/>
+          <p:nvPr/>
+        </p:nvSpPr>
+        <p:spPr>
+          <a:xfrm>
+            <a:off x="838200" y="4116417"/>
+            <a:ext cx="10515600" cy="523220"/>
+          </a:xfrm>
+          <a:prstGeom prst="rect">
+            <a:avLst/>
+          </a:prstGeom>
+          <a:noFill/>
+        </p:spPr>
+        <p:txBody>
+          <a:bodyPr wrap="square">
+            <a:spAutoFit/>
+          </a:bodyPr>
+          <a:lstStyle/>
+          <a:p>
+            <a:r>
+              <a:rPr lang="en-US" sz="2800" dirty="0"/>
+              <a:t>TSS is the total sum of squares (total variance of y)</a:t>
+            </a:r>
+          </a:p>
+        </p:txBody>
+      </p:sp>
+    </p:spTree>
+    <p:extLst>
+      <p:ext uri="{BB962C8B-B14F-4D97-AF65-F5344CB8AC3E}">
+        <p14:creationId xmlns:p14="http://schemas.microsoft.com/office/powerpoint/2010/main" val="3672128966"/>
+      </p:ext>
+    </p:extLst>
+  </p:cSld>
+  <p:clrMapOvr>
+    <a:masterClrMapping/>
+  </p:clrMapOvr>
+</p:sld>
+</file>
+
+<file path=ppt/slides/slide23.xml><?xml version="1.0" encoding="utf-8"?>
+<p:sld xmlns:a="http://schemas.openxmlformats.org/drawingml/2006/main" xmlns:r="http://schemas.openxmlformats.org/officeDocument/2006/relationships" xmlns:p="http://schemas.openxmlformats.org/presentationml/2006/main">
+  <p:cSld>
+    <p:spTree>
+      <p:nvGrpSpPr>
+        <p:cNvPr id="1" name=""/>
+        <p:cNvGrpSpPr/>
+        <p:nvPr/>
+      </p:nvGrpSpPr>
+      <p:grpSpPr>
+        <a:xfrm>
+          <a:off x="0" y="0"/>
+          <a:ext cx="0" cy="0"/>
+          <a:chOff x="0" y="0"/>
+          <a:chExt cx="0" cy="0"/>
+        </a:xfrm>
+      </p:grpSpPr>
+      <p:sp>
+        <p:nvSpPr>
+          <p:cNvPr id="2" name="Title 1"/>
+          <p:cNvSpPr>
+            <a:spLocks noGrp="1"/>
+          </p:cNvSpPr>
+          <p:nvPr>
+            <p:ph type="title"/>
+          </p:nvPr>
+        </p:nvSpPr>
+        <p:spPr>
+          <a:xfrm>
+            <a:off x="838200" y="365126"/>
+            <a:ext cx="10515600" cy="981894"/>
+          </a:xfrm>
+        </p:spPr>
+        <p:txBody>
+          <a:bodyPr>
+            <a:normAutofit/>
+          </a:bodyPr>
+          <a:lstStyle/>
+          <a:p>
+            <a:r>
+              <a:rPr lang="en-US" dirty="0"/>
+              <a:t>R-Squared </a:t>
+            </a:r>
+          </a:p>
+        </p:txBody>
+      </p:sp>
+      <p:sp>
+        <p:nvSpPr>
+          <p:cNvPr id="5" name="TextBox 4">
+            <a:extLst>
+              <a:ext uri="{FF2B5EF4-FFF2-40B4-BE49-F238E27FC236}">
+                <a16:creationId xmlns:a16="http://schemas.microsoft.com/office/drawing/2014/main" id="{6FF90575-7F56-8375-BE3F-CE56E03F4977}"/>
+              </a:ext>
+            </a:extLst>
+          </p:cNvPr>
+          <p:cNvSpPr txBox="1"/>
+          <p:nvPr/>
+        </p:nvSpPr>
+        <p:spPr>
+          <a:xfrm>
+            <a:off x="838200" y="1759959"/>
+            <a:ext cx="10515600" cy="523220"/>
+          </a:xfrm>
+          <a:prstGeom prst="rect">
+            <a:avLst/>
+          </a:prstGeom>
+          <a:noFill/>
+        </p:spPr>
+        <p:txBody>
+          <a:bodyPr wrap="square">
+            <a:spAutoFit/>
+          </a:bodyPr>
+          <a:lstStyle/>
+          <a:p>
+            <a:r>
+              <a:rPr lang="en-US" sz="2800" dirty="0"/>
+              <a:t>For linear regression, R-squared is the square of the correlation</a:t>
+            </a:r>
+          </a:p>
+        </p:txBody>
+      </p:sp>
+      <mc:AlternateContent xmlns:mc="http://schemas.openxmlformats.org/markup-compatibility/2006">
+        <mc:Choice xmlns:a14="http://schemas.microsoft.com/office/drawing/2010/main" Requires="a14">
+          <p:sp>
+            <p:nvSpPr>
+              <p:cNvPr id="8" name="TextBox 7">
+                <a:extLst>
+                  <a:ext uri="{FF2B5EF4-FFF2-40B4-BE49-F238E27FC236}">
+                    <a16:creationId xmlns:a16="http://schemas.microsoft.com/office/drawing/2014/main" id="{90922E47-7605-DA96-D15F-D765699E9692}"/>
+                  </a:ext>
+                </a:extLst>
+              </p:cNvPr>
+              <p:cNvSpPr txBox="1"/>
+              <p:nvPr/>
+            </p:nvSpPr>
+            <p:spPr>
+              <a:xfrm>
+                <a:off x="326369" y="2848495"/>
+                <a:ext cx="9951720" cy="523220"/>
+              </a:xfrm>
+              <a:prstGeom prst="rect">
+                <a:avLst/>
+              </a:prstGeom>
+              <a:noFill/>
+            </p:spPr>
+            <p:txBody>
+              <a:bodyPr wrap="square">
+                <a:spAutoFit/>
+              </a:bodyPr>
+              <a:lstStyle/>
+              <a:p>
+                <a:pPr/>
+                <a14:m>
+                  <m:oMathPara xmlns:m="http://schemas.openxmlformats.org/officeDocument/2006/math">
+                    <m:oMathParaPr>
+                      <m:jc m:val="centerGroup"/>
+                    </m:oMathParaPr>
+                    <m:oMath xmlns:m="http://schemas.openxmlformats.org/officeDocument/2006/math">
+                      <m:sSup>
+                        <m:sSupPr>
+                          <m:ctrlPr>
+                            <a:rPr lang="en-US" sz="2800" b="0" i="1" smtClean="0">
+                              <a:latin typeface="Cambria Math" panose="02040503050406030204" pitchFamily="18" charset="0"/>
+                            </a:rPr>
+                          </m:ctrlPr>
+                        </m:sSupPr>
+                        <m:e>
+                          <m:r>
+                            <a:rPr lang="en-US" sz="2800" b="0" i="1" smtClean="0">
+                              <a:latin typeface="Cambria Math" panose="02040503050406030204" pitchFamily="18" charset="0"/>
+                            </a:rPr>
+                            <m:t>𝑅</m:t>
+                          </m:r>
+                        </m:e>
+                        <m:sup>
+                          <m:r>
+                            <a:rPr lang="en-US" sz="2800" b="0" i="1" smtClean="0">
+                              <a:latin typeface="Cambria Math" panose="02040503050406030204" pitchFamily="18" charset="0"/>
+                            </a:rPr>
+                            <m:t>2</m:t>
+                          </m:r>
+                        </m:sup>
+                      </m:sSup>
+                      <m:r>
+                        <a:rPr lang="en-US" sz="2800" b="0" i="1" smtClean="0">
+                          <a:latin typeface="Cambria Math" panose="02040503050406030204" pitchFamily="18" charset="0"/>
+                        </a:rPr>
+                        <m:t>=</m:t>
+                      </m:r>
+                      <m:sSup>
+                        <m:sSupPr>
+                          <m:ctrlPr>
+                            <a:rPr lang="en-US" sz="2800" b="0" i="1" smtClean="0">
+                              <a:latin typeface="Cambria Math" panose="02040503050406030204" pitchFamily="18" charset="0"/>
+                            </a:rPr>
+                          </m:ctrlPr>
+                        </m:sSupPr>
+                        <m:e>
+                          <m:r>
+                            <a:rPr lang="en-US" sz="2800" b="0" i="1" smtClean="0">
+                              <a:latin typeface="Cambria Math" panose="02040503050406030204" pitchFamily="18" charset="0"/>
+                            </a:rPr>
+                            <m:t>𝑟</m:t>
+                          </m:r>
+                        </m:e>
+                        <m:sup>
+                          <m:r>
+                            <a:rPr lang="en-US" sz="2800" b="0" i="1" smtClean="0">
+                              <a:latin typeface="Cambria Math" panose="02040503050406030204" pitchFamily="18" charset="0"/>
+                            </a:rPr>
+                            <m:t>2</m:t>
+                          </m:r>
+                        </m:sup>
+                      </m:sSup>
+                    </m:oMath>
+                  </m:oMathPara>
+                </a14:m>
+                <a:endParaRPr lang="en-US" sz="2800" dirty="0"/>
+              </a:p>
+            </p:txBody>
+          </p:sp>
+        </mc:Choice>
+        <mc:Fallback>
+          <p:sp>
+            <p:nvSpPr>
+              <p:cNvPr id="8" name="TextBox 7">
+                <a:extLst>
+                  <a:ext uri="{FF2B5EF4-FFF2-40B4-BE49-F238E27FC236}">
+                    <a16:creationId xmlns:a16="http://schemas.microsoft.com/office/drawing/2014/main" id="{90922E47-7605-DA96-D15F-D765699E9692}"/>
+                  </a:ext>
+                </a:extLst>
+              </p:cNvPr>
+              <p:cNvSpPr txBox="1">
+                <a:spLocks noRot="1" noChangeAspect="1" noMove="1" noResize="1" noEditPoints="1" noAdjustHandles="1" noChangeArrowheads="1" noChangeShapeType="1" noTextEdit="1"/>
+              </p:cNvSpPr>
+              <p:nvPr/>
+            </p:nvSpPr>
+            <p:spPr>
+              <a:xfrm>
+                <a:off x="326369" y="2848495"/>
+                <a:ext cx="9951720" cy="523220"/>
+              </a:xfrm>
+              <a:prstGeom prst="rect">
+                <a:avLst/>
+              </a:prstGeom>
+              <a:blipFill>
+                <a:blip r:embed="rId3"/>
+                <a:stretch>
+                  <a:fillRect/>
+                </a:stretch>
+              </a:blipFill>
+            </p:spPr>
+            <p:txBody>
+              <a:bodyPr/>
+              <a:lstStyle/>
+              <a:p>
+                <a:r>
+                  <a:rPr lang="en-US">
+                    <a:noFill/>
+                  </a:rPr>
+                  <a:t> </a:t>
+                </a:r>
+              </a:p>
+            </p:txBody>
+          </p:sp>
+        </mc:Fallback>
+      </mc:AlternateContent>
+      <mc:AlternateContent xmlns:mc="http://schemas.openxmlformats.org/markup-compatibility/2006">
+        <mc:Choice xmlns:a14="http://schemas.microsoft.com/office/drawing/2010/main" Requires="a14">
+          <p:sp>
+            <p:nvSpPr>
+              <p:cNvPr id="3" name="TextBox 2">
+                <a:extLst>
+                  <a:ext uri="{FF2B5EF4-FFF2-40B4-BE49-F238E27FC236}">
+                    <a16:creationId xmlns:a16="http://schemas.microsoft.com/office/drawing/2014/main" id="{9DAD995B-0F99-24A3-5DF3-B1AFF3844B49}"/>
+                  </a:ext>
+                </a:extLst>
+              </p:cNvPr>
+              <p:cNvSpPr txBox="1"/>
+              <p:nvPr/>
+            </p:nvSpPr>
+            <p:spPr>
+              <a:xfrm>
+                <a:off x="527848" y="4873190"/>
+                <a:ext cx="9951720" cy="1118319"/>
+              </a:xfrm>
+              <a:prstGeom prst="rect">
+                <a:avLst/>
+              </a:prstGeom>
+              <a:noFill/>
+            </p:spPr>
+            <p:txBody>
+              <a:bodyPr wrap="square">
+                <a:spAutoFit/>
+              </a:bodyPr>
+              <a:lstStyle/>
+              <a:p>
+                <a:pPr/>
+                <a14:m>
+                  <m:oMathPara xmlns:m="http://schemas.openxmlformats.org/officeDocument/2006/math">
+                    <m:oMathParaPr>
+                      <m:jc m:val="centerGroup"/>
+                    </m:oMathParaPr>
+                    <m:oMath xmlns:m="http://schemas.openxmlformats.org/officeDocument/2006/math">
+                      <m:r>
+                        <a:rPr lang="en-US" sz="2800" b="0" i="1" smtClean="0">
+                          <a:latin typeface="Cambria Math" panose="02040503050406030204" pitchFamily="18" charset="0"/>
+                        </a:rPr>
+                        <m:t>𝑟</m:t>
+                      </m:r>
+                      <m:r>
+                        <a:rPr lang="en-US" sz="2800" b="0" i="1" smtClean="0">
+                          <a:latin typeface="Cambria Math" panose="02040503050406030204" pitchFamily="18" charset="0"/>
+                        </a:rPr>
+                        <m:t>=</m:t>
+                      </m:r>
+                      <m:f>
+                        <m:fPr>
+                          <m:ctrlPr>
+                            <a:rPr lang="en-US" sz="2800" i="1" dirty="0">
+                              <a:latin typeface="Cambria Math" panose="02040503050406030204" pitchFamily="18" charset="0"/>
+                            </a:rPr>
+                          </m:ctrlPr>
+                        </m:fPr>
+                        <m:num>
+                          <m:nary>
+                            <m:naryPr>
+                              <m:chr m:val="∑"/>
+                              <m:supHide m:val="on"/>
+                              <m:ctrlPr>
+                                <a:rPr lang="en-US" sz="2800" i="1" dirty="0">
+                                  <a:latin typeface="Cambria Math" panose="02040503050406030204" pitchFamily="18" charset="0"/>
+                                </a:rPr>
+                              </m:ctrlPr>
+                            </m:naryPr>
+                            <m:sub>
+                              <m:r>
+                                <a:rPr lang="en-US" sz="2800" i="1" dirty="0">
+                                  <a:latin typeface="Cambria Math" panose="02040503050406030204" pitchFamily="18" charset="0"/>
+                                </a:rPr>
+                                <m:t>𝑖</m:t>
+                              </m:r>
+                            </m:sub>
+                            <m:sup/>
+                            <m:e>
+                              <m:r>
+                                <a:rPr lang="en-US" sz="2800" i="1" dirty="0">
+                                  <a:latin typeface="Cambria Math" panose="02040503050406030204" pitchFamily="18" charset="0"/>
+                                </a:rPr>
+                                <m:t>(</m:t>
+                              </m:r>
+                              <m:sSub>
+                                <m:sSubPr>
+                                  <m:ctrlPr>
+                                    <a:rPr lang="en-US" sz="2800" i="1" dirty="0">
+                                      <a:latin typeface="Cambria Math" panose="02040503050406030204" pitchFamily="18" charset="0"/>
+                                    </a:rPr>
+                                  </m:ctrlPr>
+                                </m:sSubPr>
+                                <m:e>
+                                  <m:r>
+                                    <a:rPr lang="en-US" sz="2800" i="1" dirty="0">
+                                      <a:latin typeface="Cambria Math" panose="02040503050406030204" pitchFamily="18" charset="0"/>
+                                    </a:rPr>
+                                    <m:t>𝑥</m:t>
+                                  </m:r>
+                                </m:e>
+                                <m:sub>
+                                  <m:r>
+                                    <a:rPr lang="en-US" sz="2800" i="1" dirty="0">
+                                      <a:latin typeface="Cambria Math" panose="02040503050406030204" pitchFamily="18" charset="0"/>
+                                    </a:rPr>
+                                    <m:t>𝑖</m:t>
+                                  </m:r>
+                                </m:sub>
+                              </m:sSub>
+                              <m:r>
+                                <a:rPr lang="en-US" sz="2800" i="1" dirty="0">
+                                  <a:latin typeface="Cambria Math" panose="02040503050406030204" pitchFamily="18" charset="0"/>
+                                </a:rPr>
+                                <m:t>−</m:t>
+                              </m:r>
+                              <m:bar>
+                                <m:barPr>
+                                  <m:pos m:val="top"/>
+                                  <m:ctrlPr>
+                                    <a:rPr lang="en-US" sz="2800" i="1" dirty="0">
+                                      <a:latin typeface="Cambria Math" panose="02040503050406030204" pitchFamily="18" charset="0"/>
+                                    </a:rPr>
+                                  </m:ctrlPr>
+                                </m:barPr>
+                                <m:e>
+                                  <m:r>
+                                    <a:rPr lang="en-US" sz="2800" i="1" dirty="0">
+                                      <a:latin typeface="Cambria Math" panose="02040503050406030204" pitchFamily="18" charset="0"/>
+                                    </a:rPr>
+                                    <m:t>𝑥</m:t>
+                                  </m:r>
+                                </m:e>
+                              </m:bar>
+                              <m:r>
+                                <a:rPr lang="en-US" sz="2800" i="1" dirty="0">
+                                  <a:latin typeface="Cambria Math" panose="02040503050406030204" pitchFamily="18" charset="0"/>
+                                </a:rPr>
+                                <m:t>)(</m:t>
+                              </m:r>
+                              <m:sSub>
+                                <m:sSubPr>
+                                  <m:ctrlPr>
+                                    <a:rPr lang="en-US" sz="2800" i="1" dirty="0">
+                                      <a:latin typeface="Cambria Math" panose="02040503050406030204" pitchFamily="18" charset="0"/>
+                                    </a:rPr>
+                                  </m:ctrlPr>
+                                </m:sSubPr>
+                                <m:e>
+                                  <m:r>
+                                    <a:rPr lang="en-US" sz="2800" i="1" dirty="0">
+                                      <a:latin typeface="Cambria Math" panose="02040503050406030204" pitchFamily="18" charset="0"/>
+                                    </a:rPr>
+                                    <m:t>𝑦</m:t>
+                                  </m:r>
+                                </m:e>
+                                <m:sub>
+                                  <m:r>
+                                    <a:rPr lang="en-US" sz="2800" i="1" dirty="0">
+                                      <a:latin typeface="Cambria Math" panose="02040503050406030204" pitchFamily="18" charset="0"/>
+                                    </a:rPr>
+                                    <m:t>𝑖</m:t>
+                                  </m:r>
+                                </m:sub>
+                              </m:sSub>
+                              <m:r>
+                                <a:rPr lang="en-US" sz="2800" i="1" dirty="0">
+                                  <a:latin typeface="Cambria Math" panose="02040503050406030204" pitchFamily="18" charset="0"/>
+                                </a:rPr>
+                                <m:t>−</m:t>
+                              </m:r>
+                              <m:bar>
+                                <m:barPr>
+                                  <m:pos m:val="top"/>
+                                  <m:ctrlPr>
+                                    <a:rPr lang="en-US" sz="2800" i="1" dirty="0">
+                                      <a:latin typeface="Cambria Math" panose="02040503050406030204" pitchFamily="18" charset="0"/>
+                                    </a:rPr>
+                                  </m:ctrlPr>
+                                </m:barPr>
+                                <m:e>
+                                  <m:r>
+                                    <a:rPr lang="en-US" sz="2800" i="1" dirty="0">
+                                      <a:latin typeface="Cambria Math" panose="02040503050406030204" pitchFamily="18" charset="0"/>
+                                    </a:rPr>
+                                    <m:t>𝑦</m:t>
+                                  </m:r>
+                                </m:e>
+                              </m:bar>
+                              <m:r>
+                                <a:rPr lang="en-US" sz="2800" i="1" dirty="0">
+                                  <a:latin typeface="Cambria Math" panose="02040503050406030204" pitchFamily="18" charset="0"/>
+                                </a:rPr>
+                                <m:t>)</m:t>
+                              </m:r>
+                            </m:e>
+                          </m:nary>
+                        </m:num>
+                        <m:den>
+                          <m:rad>
+                            <m:radPr>
+                              <m:degHide m:val="on"/>
+                              <m:ctrlPr>
+                                <a:rPr lang="en-US" sz="2800" i="1" dirty="0" smtClean="0">
+                                  <a:latin typeface="Cambria Math" panose="02040503050406030204" pitchFamily="18" charset="0"/>
+                                </a:rPr>
+                              </m:ctrlPr>
+                            </m:radPr>
+                            <m:deg/>
+                            <m:e>
+                              <m:nary>
+                                <m:naryPr>
+                                  <m:chr m:val="∑"/>
+                                  <m:supHide m:val="on"/>
+                                  <m:ctrlPr>
+                                    <a:rPr lang="en-US" sz="2800" i="1" dirty="0">
+                                      <a:latin typeface="Cambria Math" panose="02040503050406030204" pitchFamily="18" charset="0"/>
+                                    </a:rPr>
+                                  </m:ctrlPr>
+                                </m:naryPr>
+                                <m:sub>
+                                  <m:r>
+                                    <a:rPr lang="en-US" sz="2800" i="1" dirty="0">
+                                      <a:latin typeface="Cambria Math" panose="02040503050406030204" pitchFamily="18" charset="0"/>
+                                    </a:rPr>
+                                    <m:t>𝑖</m:t>
+                                  </m:r>
+                                </m:sub>
+                                <m:sup/>
+                                <m:e>
+                                  <m:sSup>
+                                    <m:sSupPr>
+                                      <m:ctrlPr>
+                                        <a:rPr lang="en-US" sz="2800" i="1" dirty="0">
+                                          <a:latin typeface="Cambria Math" panose="02040503050406030204" pitchFamily="18" charset="0"/>
+                                        </a:rPr>
+                                      </m:ctrlPr>
+                                    </m:sSupPr>
+                                    <m:e>
+                                      <m:d>
+                                        <m:dPr>
+                                          <m:ctrlPr>
+                                            <a:rPr lang="en-US" sz="2800" i="1" dirty="0">
+                                              <a:latin typeface="Cambria Math" panose="02040503050406030204" pitchFamily="18" charset="0"/>
+                                            </a:rPr>
+                                          </m:ctrlPr>
+                                        </m:dPr>
+                                        <m:e>
+                                          <m:sSub>
+                                            <m:sSubPr>
+                                              <m:ctrlPr>
+                                                <a:rPr lang="en-US" sz="2800" i="1" dirty="0">
+                                                  <a:latin typeface="Cambria Math" panose="02040503050406030204" pitchFamily="18" charset="0"/>
+                                                </a:rPr>
+                                              </m:ctrlPr>
+                                            </m:sSubPr>
+                                            <m:e>
+                                              <m:r>
+                                                <a:rPr lang="en-US" sz="2800" i="1" dirty="0">
+                                                  <a:latin typeface="Cambria Math" panose="02040503050406030204" pitchFamily="18" charset="0"/>
+                                                </a:rPr>
+                                                <m:t>𝑥</m:t>
+                                              </m:r>
+                                            </m:e>
+                                            <m:sub>
+                                              <m:r>
+                                                <a:rPr lang="en-US" sz="2800" i="1" dirty="0">
+                                                  <a:latin typeface="Cambria Math" panose="02040503050406030204" pitchFamily="18" charset="0"/>
+                                                </a:rPr>
+                                                <m:t>𝑖</m:t>
+                                              </m:r>
+                                            </m:sub>
+                                          </m:sSub>
+                                          <m:r>
+                                            <a:rPr lang="en-US" sz="2800" i="1" dirty="0">
+                                              <a:latin typeface="Cambria Math" panose="02040503050406030204" pitchFamily="18" charset="0"/>
+                                            </a:rPr>
+                                            <m:t>−</m:t>
+                                          </m:r>
+                                          <m:bar>
+                                            <m:barPr>
+                                              <m:pos m:val="top"/>
+                                              <m:ctrlPr>
+                                                <a:rPr lang="en-US" sz="2800" i="1" dirty="0">
+                                                  <a:latin typeface="Cambria Math" panose="02040503050406030204" pitchFamily="18" charset="0"/>
+                                                </a:rPr>
+                                              </m:ctrlPr>
+                                            </m:barPr>
+                                            <m:e>
+                                              <m:r>
+                                                <a:rPr lang="en-US" sz="2800" i="1" dirty="0">
+                                                  <a:latin typeface="Cambria Math" panose="02040503050406030204" pitchFamily="18" charset="0"/>
+                                                </a:rPr>
+                                                <m:t>𝑥</m:t>
+                                              </m:r>
+                                            </m:e>
+                                          </m:bar>
+                                        </m:e>
+                                      </m:d>
+                                    </m:e>
+                                    <m:sup>
+                                      <m:r>
+                                        <a:rPr lang="en-US" sz="2800" i="1" dirty="0">
+                                          <a:latin typeface="Cambria Math" panose="02040503050406030204" pitchFamily="18" charset="0"/>
+                                        </a:rPr>
+                                        <m:t>2</m:t>
+                                      </m:r>
+                                    </m:sup>
+                                  </m:sSup>
+                                </m:e>
+                              </m:nary>
+                            </m:e>
+                          </m:rad>
+                          <m:rad>
+                            <m:radPr>
+                              <m:degHide m:val="on"/>
+                              <m:ctrlPr>
+                                <a:rPr lang="en-US" sz="2800" i="1" dirty="0">
+                                  <a:latin typeface="Cambria Math" panose="02040503050406030204" pitchFamily="18" charset="0"/>
+                                </a:rPr>
+                              </m:ctrlPr>
+                            </m:radPr>
+                            <m:deg/>
+                            <m:e>
+                              <m:nary>
+                                <m:naryPr>
+                                  <m:chr m:val="∑"/>
+                                  <m:supHide m:val="on"/>
+                                  <m:ctrlPr>
+                                    <a:rPr lang="en-US" sz="2800" i="1" dirty="0">
+                                      <a:latin typeface="Cambria Math" panose="02040503050406030204" pitchFamily="18" charset="0"/>
+                                    </a:rPr>
+                                  </m:ctrlPr>
+                                </m:naryPr>
+                                <m:sub>
+                                  <m:r>
+                                    <a:rPr lang="en-US" sz="2800" i="1" dirty="0">
+                                      <a:latin typeface="Cambria Math" panose="02040503050406030204" pitchFamily="18" charset="0"/>
+                                    </a:rPr>
+                                    <m:t>𝑖</m:t>
+                                  </m:r>
+                                </m:sub>
+                                <m:sup/>
+                                <m:e>
+                                  <m:sSup>
+                                    <m:sSupPr>
+                                      <m:ctrlPr>
+                                        <a:rPr lang="en-US" sz="2800" i="1" dirty="0">
+                                          <a:latin typeface="Cambria Math" panose="02040503050406030204" pitchFamily="18" charset="0"/>
+                                        </a:rPr>
+                                      </m:ctrlPr>
+                                    </m:sSupPr>
+                                    <m:e>
+                                      <m:d>
+                                        <m:dPr>
+                                          <m:ctrlPr>
+                                            <a:rPr lang="en-US" sz="2800" i="1" dirty="0">
+                                              <a:latin typeface="Cambria Math" panose="02040503050406030204" pitchFamily="18" charset="0"/>
+                                            </a:rPr>
+                                          </m:ctrlPr>
+                                        </m:dPr>
+                                        <m:e>
+                                          <m:sSub>
+                                            <m:sSubPr>
+                                              <m:ctrlPr>
+                                                <a:rPr lang="en-US" sz="2800" i="1" dirty="0">
+                                                  <a:latin typeface="Cambria Math" panose="02040503050406030204" pitchFamily="18" charset="0"/>
+                                                </a:rPr>
+                                              </m:ctrlPr>
+                                            </m:sSubPr>
+                                            <m:e>
+                                              <m:r>
+                                                <a:rPr lang="en-US" sz="2800" b="0" i="1" dirty="0" smtClean="0">
+                                                  <a:latin typeface="Cambria Math" panose="02040503050406030204" pitchFamily="18" charset="0"/>
+                                                </a:rPr>
+                                                <m:t>𝑦</m:t>
+                                              </m:r>
+                                            </m:e>
+                                            <m:sub>
+                                              <m:r>
+                                                <a:rPr lang="en-US" sz="2800" i="1" dirty="0">
+                                                  <a:latin typeface="Cambria Math" panose="02040503050406030204" pitchFamily="18" charset="0"/>
+                                                </a:rPr>
+                                                <m:t>𝑖</m:t>
+                                              </m:r>
+                                            </m:sub>
+                                          </m:sSub>
+                                          <m:r>
+                                            <a:rPr lang="en-US" sz="2800" i="1" dirty="0">
+                                              <a:latin typeface="Cambria Math" panose="02040503050406030204" pitchFamily="18" charset="0"/>
+                                            </a:rPr>
+                                            <m:t>−</m:t>
+                                          </m:r>
+                                          <m:r>
+                                            <a:rPr lang="en-US" sz="2800" b="0" i="1" dirty="0" smtClean="0">
+                                              <a:latin typeface="Cambria Math" panose="02040503050406030204" pitchFamily="18" charset="0"/>
+                                            </a:rPr>
+                                            <m:t>𝑦</m:t>
+                                          </m:r>
+                                        </m:e>
+                                      </m:d>
+                                    </m:e>
+                                    <m:sup>
+                                      <m:r>
+                                        <a:rPr lang="en-US" sz="2800" i="1" dirty="0">
+                                          <a:latin typeface="Cambria Math" panose="02040503050406030204" pitchFamily="18" charset="0"/>
+                                        </a:rPr>
+                                        <m:t>2</m:t>
+                                      </m:r>
+                                    </m:sup>
+                                  </m:sSup>
+                                </m:e>
+                              </m:nary>
+                            </m:e>
+                          </m:rad>
+                        </m:den>
+                      </m:f>
+                    </m:oMath>
+                  </m:oMathPara>
+                </a14:m>
+                <a:endParaRPr lang="en-US" sz="2800" dirty="0"/>
+              </a:p>
+            </p:txBody>
+          </p:sp>
+        </mc:Choice>
+        <mc:Fallback>
+          <p:sp>
+            <p:nvSpPr>
+              <p:cNvPr id="3" name="TextBox 2">
+                <a:extLst>
+                  <a:ext uri="{FF2B5EF4-FFF2-40B4-BE49-F238E27FC236}">
+                    <a16:creationId xmlns:a16="http://schemas.microsoft.com/office/drawing/2014/main" id="{9DAD995B-0F99-24A3-5DF3-B1AFF3844B49}"/>
+                  </a:ext>
+                </a:extLst>
+              </p:cNvPr>
+              <p:cNvSpPr txBox="1">
+                <a:spLocks noRot="1" noChangeAspect="1" noMove="1" noResize="1" noEditPoints="1" noAdjustHandles="1" noChangeArrowheads="1" noChangeShapeType="1" noTextEdit="1"/>
+              </p:cNvSpPr>
+              <p:nvPr/>
+            </p:nvSpPr>
+            <p:spPr>
+              <a:xfrm>
+                <a:off x="527848" y="4873190"/>
+                <a:ext cx="9951720" cy="1118319"/>
+              </a:xfrm>
+              <a:prstGeom prst="rect">
+                <a:avLst/>
+              </a:prstGeom>
+              <a:blipFill>
+                <a:blip r:embed="rId4"/>
+                <a:stretch>
+                  <a:fillRect t="-60674" b="-88764"/>
+                </a:stretch>
+              </a:blipFill>
+            </p:spPr>
+            <p:txBody>
+              <a:bodyPr/>
+              <a:lstStyle/>
+              <a:p>
+                <a:r>
+                  <a:rPr lang="en-US">
+                    <a:noFill/>
+                  </a:rPr>
+                  <a:t> </a:t>
+                </a:r>
+              </a:p>
+            </p:txBody>
+          </p:sp>
+        </mc:Fallback>
+      </mc:AlternateContent>
+      <mc:AlternateContent xmlns:mc="http://schemas.openxmlformats.org/markup-compatibility/2006">
+        <mc:Choice xmlns:a14="http://schemas.microsoft.com/office/drawing/2010/main" Requires="a14">
+          <p:sp>
+            <p:nvSpPr>
+              <p:cNvPr id="7" name="TextBox 6">
+                <a:extLst>
+                  <a:ext uri="{FF2B5EF4-FFF2-40B4-BE49-F238E27FC236}">
+                    <a16:creationId xmlns:a16="http://schemas.microsoft.com/office/drawing/2014/main" id="{9DA081BA-13D6-A431-B56C-2542AC1AC17D}"/>
+                  </a:ext>
+                </a:extLst>
+              </p:cNvPr>
+              <p:cNvSpPr txBox="1"/>
+              <p:nvPr/>
+            </p:nvSpPr>
+            <p:spPr>
+              <a:xfrm>
+                <a:off x="838200" y="3860842"/>
+                <a:ext cx="10515600" cy="523220"/>
+              </a:xfrm>
+              <a:prstGeom prst="rect">
+                <a:avLst/>
+              </a:prstGeom>
+              <a:noFill/>
+            </p:spPr>
+            <p:txBody>
+              <a:bodyPr wrap="square">
+                <a:spAutoFit/>
+              </a:bodyPr>
+              <a:lstStyle/>
+              <a:p>
+                <a14:m>
+                  <m:oMath xmlns:m="http://schemas.openxmlformats.org/officeDocument/2006/math">
+                    <m:r>
+                      <a:rPr lang="en-US" sz="2800" b="0" i="1" smtClean="0">
+                        <a:latin typeface="Cambria Math" panose="02040503050406030204" pitchFamily="18" charset="0"/>
+                      </a:rPr>
+                      <m:t>𝑟</m:t>
+                    </m:r>
+                  </m:oMath>
+                </a14:m>
+                <a:r>
+                  <a:rPr lang="en-US" sz="2800" dirty="0"/>
+                  <a:t> is the correlation between </a:t>
+                </a:r>
+                <a14:m>
+                  <m:oMath xmlns:m="http://schemas.openxmlformats.org/officeDocument/2006/math">
+                    <m:r>
+                      <a:rPr lang="en-US" sz="2800" b="0" i="1" smtClean="0">
+                        <a:latin typeface="Cambria Math" panose="02040503050406030204" pitchFamily="18" charset="0"/>
+                      </a:rPr>
+                      <m:t>𝑋</m:t>
+                    </m:r>
+                  </m:oMath>
+                </a14:m>
+                <a:r>
+                  <a:rPr lang="en-US" sz="2800" dirty="0"/>
+                  <a:t> and </a:t>
+                </a:r>
+                <a14:m>
+                  <m:oMath xmlns:m="http://schemas.openxmlformats.org/officeDocument/2006/math">
+                    <m:r>
+                      <a:rPr lang="en-US" sz="2800" b="0" i="1" smtClean="0">
+                        <a:latin typeface="Cambria Math" panose="02040503050406030204" pitchFamily="18" charset="0"/>
+                      </a:rPr>
+                      <m:t>𝑌</m:t>
+                    </m:r>
+                  </m:oMath>
+                </a14:m>
+                <a:endParaRPr lang="en-US" sz="2800" dirty="0"/>
+              </a:p>
+            </p:txBody>
+          </p:sp>
+        </mc:Choice>
+        <mc:Fallback>
+          <p:sp>
+            <p:nvSpPr>
+              <p:cNvPr id="7" name="TextBox 6">
+                <a:extLst>
+                  <a:ext uri="{FF2B5EF4-FFF2-40B4-BE49-F238E27FC236}">
+                    <a16:creationId xmlns:a16="http://schemas.microsoft.com/office/drawing/2014/main" id="{9DA081BA-13D6-A431-B56C-2542AC1AC17D}"/>
+                  </a:ext>
+                </a:extLst>
+              </p:cNvPr>
+              <p:cNvSpPr txBox="1">
+                <a:spLocks noRot="1" noChangeAspect="1" noMove="1" noResize="1" noEditPoints="1" noAdjustHandles="1" noChangeArrowheads="1" noChangeShapeType="1" noTextEdit="1"/>
+              </p:cNvSpPr>
+              <p:nvPr/>
+            </p:nvSpPr>
+            <p:spPr>
+              <a:xfrm>
+                <a:off x="838200" y="3860842"/>
+                <a:ext cx="10515600" cy="523220"/>
+              </a:xfrm>
+              <a:prstGeom prst="rect">
+                <a:avLst/>
+              </a:prstGeom>
+              <a:blipFill>
+                <a:blip r:embed="rId5"/>
+                <a:stretch>
+                  <a:fillRect t="-9302" b="-30233"/>
+                </a:stretch>
+              </a:blipFill>
+            </p:spPr>
+            <p:txBody>
+              <a:bodyPr/>
+              <a:lstStyle/>
+              <a:p>
+                <a:r>
+                  <a:rPr lang="en-US">
+                    <a:noFill/>
+                  </a:rPr>
+                  <a:t> </a:t>
+                </a:r>
+              </a:p>
+            </p:txBody>
+          </p:sp>
+        </mc:Fallback>
+      </mc:AlternateContent>
+    </p:spTree>
+    <p:extLst>
+      <p:ext uri="{BB962C8B-B14F-4D97-AF65-F5344CB8AC3E}">
+        <p14:creationId xmlns:p14="http://schemas.microsoft.com/office/powerpoint/2010/main" val="257169315"/>
+      </p:ext>
+    </p:extLst>
+  </p:cSld>
+  <p:clrMapOvr>
+    <a:masterClrMapping/>
+  </p:clrMapOvr>
+</p:sld>
+</file>
+
+<file path=ppt/slides/slide24.xml><?xml version="1.0" encoding="utf-8"?>
+<p:sld xmlns:a="http://schemas.openxmlformats.org/drawingml/2006/main" xmlns:r="http://schemas.openxmlformats.org/officeDocument/2006/relationships" xmlns:p="http://schemas.openxmlformats.org/presentationml/2006/main">
+  <p:cSld>
+    <p:spTree>
+      <p:nvGrpSpPr>
+        <p:cNvPr id="1" name=""/>
+        <p:cNvGrpSpPr/>
+        <p:nvPr/>
+      </p:nvGrpSpPr>
+      <p:grpSpPr>
+        <a:xfrm>
+          <a:off x="0" y="0"/>
+          <a:ext cx="0" cy="0"/>
+          <a:chOff x="0" y="0"/>
+          <a:chExt cx="0" cy="0"/>
+        </a:xfrm>
+      </p:grpSpPr>
+      <p:sp>
+        <p:nvSpPr>
+          <p:cNvPr id="10" name="TextBox 9">
+            <a:extLst>
+              <a:ext uri="{FF2B5EF4-FFF2-40B4-BE49-F238E27FC236}">
+                <a16:creationId xmlns:a16="http://schemas.microsoft.com/office/drawing/2014/main" id="{514E73AD-7A38-9D42-8C4C-ADC0FDE0FBC3}"/>
+              </a:ext>
+            </a:extLst>
+          </p:cNvPr>
+          <p:cNvSpPr txBox="1"/>
+          <p:nvPr/>
+        </p:nvSpPr>
+        <p:spPr>
+          <a:xfrm>
+            <a:off x="4792980" y="2601575"/>
+            <a:ext cx="5951220" cy="1077218"/>
+          </a:xfrm>
+          <a:prstGeom prst="rect">
+            <a:avLst/>
+          </a:prstGeom>
+          <a:noFill/>
+        </p:spPr>
+        <p:txBody>
+          <a:bodyPr wrap="square">
+            <a:spAutoFit/>
+          </a:bodyPr>
+          <a:lstStyle/>
+          <a:p>
+            <a:r>
+              <a:rPr lang="en-US" sz="6400" dirty="0"/>
+              <a:t>Q &amp; A</a:t>
+            </a:r>
+          </a:p>
+        </p:txBody>
+      </p:sp>
+    </p:spTree>
+    <p:extLst>
+      <p:ext uri="{BB962C8B-B14F-4D97-AF65-F5344CB8AC3E}">
+        <p14:creationId xmlns:p14="http://schemas.microsoft.com/office/powerpoint/2010/main" val="1613744569"/>
+      </p:ext>
+    </p:extLst>
+  </p:cSld>
+  <p:clrMapOvr>
+    <a:masterClrMapping/>
+  </p:clrMapOvr>
+</p:sld>
+</file>
+
 <file path=ppt/slides/slide3.xml><?xml version="1.0" encoding="utf-8"?>
+<p:sld xmlns:a="http://schemas.openxmlformats.org/drawingml/2006/main" xmlns:r="http://schemas.openxmlformats.org/officeDocument/2006/relationships" xmlns:p="http://schemas.openxmlformats.org/presentationml/2006/main">
+  <p:cSld>
+    <p:spTree>
+      <p:nvGrpSpPr>
+        <p:cNvPr id="1" name=""/>
+        <p:cNvGrpSpPr/>
+        <p:nvPr/>
+      </p:nvGrpSpPr>
+      <p:grpSpPr>
+        <a:xfrm>
+          <a:off x="0" y="0"/>
+          <a:ext cx="0" cy="0"/>
+          <a:chOff x="0" y="0"/>
+          <a:chExt cx="0" cy="0"/>
+        </a:xfrm>
+      </p:grpSpPr>
+      <p:sp>
+        <p:nvSpPr>
+          <p:cNvPr id="2" name="Title 1">
+            <a:extLst>
+              <a:ext uri="{FF2B5EF4-FFF2-40B4-BE49-F238E27FC236}">
+                <a16:creationId xmlns:a16="http://schemas.microsoft.com/office/drawing/2014/main" id="{5F69E904-77AE-3048-8D9D-BEAC840793F6}"/>
+              </a:ext>
+            </a:extLst>
+          </p:cNvPr>
+          <p:cNvSpPr>
+            <a:spLocks noGrp="1"/>
+          </p:cNvSpPr>
+          <p:nvPr>
+            <p:ph type="title"/>
+          </p:nvPr>
+        </p:nvSpPr>
+        <p:spPr/>
+        <p:txBody>
+          <a:bodyPr/>
+          <a:lstStyle/>
+          <a:p>
+            <a:r>
+              <a:rPr lang="en-US" dirty="0"/>
+              <a:t>Bias and Variance </a:t>
+            </a:r>
+            <a:r>
+              <a:rPr lang="en-US"/>
+              <a:t>(Corrections)</a:t>
+            </a:r>
+            <a:endParaRPr lang="en-US" dirty="0"/>
+          </a:p>
+        </p:txBody>
+      </p:sp>
+      <mc:AlternateContent xmlns:mc="http://schemas.openxmlformats.org/markup-compatibility/2006" xmlns:a14="http://schemas.microsoft.com/office/drawing/2010/main">
+        <mc:Choice Requires="a14">
+          <p:sp>
+            <p:nvSpPr>
+              <p:cNvPr id="13" name="TextBox 12">
+                <a:extLst>
+                  <a:ext uri="{FF2B5EF4-FFF2-40B4-BE49-F238E27FC236}">
+                    <a16:creationId xmlns:a16="http://schemas.microsoft.com/office/drawing/2014/main" id="{EF43863B-7080-0240-8F8C-EC8FC6A5BD1C}"/>
+                  </a:ext>
+                </a:extLst>
+              </p:cNvPr>
+              <p:cNvSpPr txBox="1"/>
+              <p:nvPr/>
+            </p:nvSpPr>
+            <p:spPr>
+              <a:xfrm>
+                <a:off x="617220" y="1853309"/>
+                <a:ext cx="9677400" cy="648767"/>
+              </a:xfrm>
+              <a:prstGeom prst="rect">
+                <a:avLst/>
+              </a:prstGeom>
+              <a:noFill/>
+            </p:spPr>
+            <p:txBody>
+              <a:bodyPr wrap="square">
+                <a:spAutoFit/>
+              </a:bodyPr>
+              <a:lstStyle/>
+              <a:p>
+                <a:pPr/>
+                <a14:m>
+                  <m:oMathPara xmlns:m="http://schemas.openxmlformats.org/officeDocument/2006/math">
+                    <m:oMathParaPr>
+                      <m:jc m:val="centerGroup"/>
+                    </m:oMathParaPr>
+                    <m:oMath xmlns:m="http://schemas.openxmlformats.org/officeDocument/2006/math">
+                      <m:sSub>
+                        <m:sSubPr>
+                          <m:ctrlPr>
+                            <a:rPr lang="en-US" sz="2400" b="0" i="1" smtClean="0">
+                              <a:latin typeface="Cambria Math" panose="02040503050406030204" pitchFamily="18" charset="0"/>
+                            </a:rPr>
+                          </m:ctrlPr>
+                        </m:sSubPr>
+                        <m:e>
+                          <m:r>
+                            <a:rPr lang="en-US" sz="2400" b="0" i="1" smtClean="0">
+                              <a:latin typeface="Cambria Math" panose="02040503050406030204" pitchFamily="18" charset="0"/>
+                            </a:rPr>
+                            <m:t>𝐸</m:t>
+                          </m:r>
+                        </m:e>
+                        <m:sub>
+                          <m:r>
+                            <a:rPr lang="en-US" sz="2400" b="0" i="1" smtClean="0">
+                              <a:latin typeface="Cambria Math" panose="02040503050406030204" pitchFamily="18" charset="0"/>
+                            </a:rPr>
+                            <m:t>𝐷</m:t>
+                          </m:r>
+                        </m:sub>
+                      </m:sSub>
+                      <m:d>
+                        <m:dPr>
+                          <m:begChr m:val="["/>
+                          <m:endChr m:val="]"/>
+                          <m:ctrlPr>
+                            <a:rPr lang="en-US" sz="2400" b="0" i="1" smtClean="0">
+                              <a:latin typeface="Cambria Math" panose="02040503050406030204" pitchFamily="18" charset="0"/>
+                            </a:rPr>
+                          </m:ctrlPr>
+                        </m:dPr>
+                        <m:e>
+                          <m:r>
+                            <a:rPr lang="en-US" sz="2400" b="0" i="1" smtClean="0">
+                              <a:latin typeface="Cambria Math" panose="02040503050406030204" pitchFamily="18" charset="0"/>
+                            </a:rPr>
+                            <m:t> </m:t>
+                          </m:r>
+                          <m:sSup>
+                            <m:sSupPr>
+                              <m:ctrlPr>
+                                <a:rPr lang="en-US" sz="2400" b="0" i="1" smtClean="0">
+                                  <a:latin typeface="Cambria Math" panose="02040503050406030204" pitchFamily="18" charset="0"/>
+                                </a:rPr>
+                              </m:ctrlPr>
+                            </m:sSupPr>
+                            <m:e>
+                              <m:d>
+                                <m:dPr>
+                                  <m:ctrlPr>
+                                    <a:rPr lang="en-US" sz="2400" b="0" i="1" smtClean="0">
+                                      <a:latin typeface="Cambria Math" panose="02040503050406030204" pitchFamily="18" charset="0"/>
+                                    </a:rPr>
+                                  </m:ctrlPr>
+                                </m:dPr>
+                                <m:e>
+                                  <m:r>
+                                    <a:rPr lang="en-US" sz="2400" b="0" i="1" smtClean="0">
+                                      <a:latin typeface="Cambria Math" panose="02040503050406030204" pitchFamily="18" charset="0"/>
+                                    </a:rPr>
+                                    <m:t>𝑌</m:t>
+                                  </m:r>
+                                  <m:r>
+                                    <a:rPr lang="en-US" sz="2400" b="0" i="1" smtClean="0">
+                                      <a:latin typeface="Cambria Math" panose="02040503050406030204" pitchFamily="18" charset="0"/>
+                                    </a:rPr>
+                                    <m:t> −</m:t>
+                                  </m:r>
+                                  <m:r>
+                                    <a:rPr lang="en-US" sz="2400" b="0" i="1" smtClean="0">
+                                      <a:latin typeface="Cambria Math" panose="02040503050406030204" pitchFamily="18" charset="0"/>
+                                    </a:rPr>
+                                    <m:t>𝑔</m:t>
+                                  </m:r>
+                                  <m:d>
+                                    <m:dPr>
+                                      <m:ctrlPr>
+                                        <a:rPr lang="en-US" sz="2400" b="0" i="1" smtClean="0">
+                                          <a:latin typeface="Cambria Math" panose="02040503050406030204" pitchFamily="18" charset="0"/>
+                                        </a:rPr>
+                                      </m:ctrlPr>
+                                    </m:dPr>
+                                    <m:e>
+                                      <m:r>
+                                        <a:rPr lang="en-US" sz="2400" b="0" i="1" smtClean="0">
+                                          <a:latin typeface="Cambria Math" panose="02040503050406030204" pitchFamily="18" charset="0"/>
+                                        </a:rPr>
+                                        <m:t>𝑋</m:t>
+                                      </m:r>
+                                    </m:e>
+                                  </m:d>
+                                </m:e>
+                              </m:d>
+                            </m:e>
+                            <m:sup>
+                              <m:r>
+                                <a:rPr lang="en-US" sz="2400" b="0" i="1" smtClean="0">
+                                  <a:latin typeface="Cambria Math" panose="02040503050406030204" pitchFamily="18" charset="0"/>
+                                </a:rPr>
+                                <m:t>2</m:t>
+                              </m:r>
+                            </m:sup>
+                          </m:sSup>
+                        </m:e>
+                      </m:d>
+                      <m:r>
+                        <a:rPr lang="en-US" sz="2400" b="0" i="1" smtClean="0">
+                          <a:latin typeface="Cambria Math" panose="02040503050406030204" pitchFamily="18" charset="0"/>
+                        </a:rPr>
+                        <m:t>=</m:t>
+                      </m:r>
+                      <m:r>
+                        <a:rPr lang="en-US" sz="2400" b="0" i="1" smtClean="0">
+                          <a:latin typeface="Cambria Math" panose="02040503050406030204" pitchFamily="18" charset="0"/>
+                        </a:rPr>
+                        <m:t>𝑏𝑖𝑎</m:t>
+                      </m:r>
+                      <m:sSup>
+                        <m:sSupPr>
+                          <m:ctrlPr>
+                            <a:rPr lang="en-US" sz="2400" b="0" i="1" smtClean="0">
+                              <a:latin typeface="Cambria Math" panose="02040503050406030204" pitchFamily="18" charset="0"/>
+                            </a:rPr>
+                          </m:ctrlPr>
+                        </m:sSupPr>
+                        <m:e>
+                          <m:r>
+                            <a:rPr lang="en-US" sz="2400" b="0" i="1" smtClean="0">
+                              <a:latin typeface="Cambria Math" panose="02040503050406030204" pitchFamily="18" charset="0"/>
+                            </a:rPr>
+                            <m:t>𝑠</m:t>
+                          </m:r>
+                        </m:e>
+                        <m:sup>
+                          <m:r>
+                            <a:rPr lang="en-US" sz="2400" b="0" i="1" smtClean="0">
+                              <a:latin typeface="Cambria Math" panose="02040503050406030204" pitchFamily="18" charset="0"/>
+                            </a:rPr>
+                            <m:t>2</m:t>
+                          </m:r>
+                        </m:sup>
+                      </m:sSup>
+                      <m:r>
+                        <a:rPr lang="en-US" sz="2400" b="0" i="1" smtClean="0">
+                          <a:latin typeface="Cambria Math" panose="02040503050406030204" pitchFamily="18" charset="0"/>
+                        </a:rPr>
+                        <m:t>+</m:t>
+                      </m:r>
+                      <m:r>
+                        <a:rPr lang="en-US" sz="2400" b="0" i="1" smtClean="0">
+                          <a:latin typeface="Cambria Math" panose="02040503050406030204" pitchFamily="18" charset="0"/>
+                        </a:rPr>
+                        <m:t>𝑣𝑎𝑟𝑖𝑎𝑛𝑐𝑒</m:t>
+                      </m:r>
+                      <m:r>
+                        <a:rPr lang="en-US" sz="2400" b="0" i="1" smtClean="0">
+                          <a:latin typeface="Cambria Math" panose="02040503050406030204" pitchFamily="18" charset="0"/>
+                        </a:rPr>
+                        <m:t>+</m:t>
+                      </m:r>
+                      <m:sSup>
+                        <m:sSupPr>
+                          <m:ctrlPr>
+                            <a:rPr lang="en-US" sz="2400" b="0" i="1" smtClean="0">
+                              <a:latin typeface="Cambria Math" panose="02040503050406030204" pitchFamily="18" charset="0"/>
+                            </a:rPr>
+                          </m:ctrlPr>
+                        </m:sSupPr>
+                        <m:e>
+                          <m:r>
+                            <a:rPr lang="en-US" sz="2400" b="0" i="1" smtClean="0">
+                              <a:latin typeface="Cambria Math" panose="02040503050406030204" pitchFamily="18" charset="0"/>
+                            </a:rPr>
+                            <m:t>𝜎</m:t>
+                          </m:r>
+                        </m:e>
+                        <m:sup>
+                          <m:r>
+                            <a:rPr lang="en-US" sz="2400" b="0" i="1" smtClean="0">
+                              <a:latin typeface="Cambria Math" panose="02040503050406030204" pitchFamily="18" charset="0"/>
+                            </a:rPr>
+                            <m:t>2</m:t>
+                          </m:r>
+                        </m:sup>
+                      </m:sSup>
+                    </m:oMath>
+                  </m:oMathPara>
+                </a14:m>
+                <a:endParaRPr lang="en-US" sz="2400" dirty="0"/>
+              </a:p>
+            </p:txBody>
+          </p:sp>
+        </mc:Choice>
+        <mc:Fallback xmlns="">
+          <p:sp>
+            <p:nvSpPr>
+              <p:cNvPr id="13" name="TextBox 12">
+                <a:extLst>
+                  <a:ext uri="{FF2B5EF4-FFF2-40B4-BE49-F238E27FC236}">
+                    <a16:creationId xmlns:a16="http://schemas.microsoft.com/office/drawing/2014/main" id="{EF43863B-7080-0240-8F8C-EC8FC6A5BD1C}"/>
+                  </a:ext>
+                </a:extLst>
+              </p:cNvPr>
+              <p:cNvSpPr txBox="1">
+                <a:spLocks noRot="1" noChangeAspect="1" noMove="1" noResize="1" noEditPoints="1" noAdjustHandles="1" noChangeArrowheads="1" noChangeShapeType="1" noTextEdit="1"/>
+              </p:cNvSpPr>
+              <p:nvPr/>
+            </p:nvSpPr>
+            <p:spPr>
+              <a:xfrm>
+                <a:off x="617220" y="1853309"/>
+                <a:ext cx="9677400" cy="648767"/>
+              </a:xfrm>
+              <a:prstGeom prst="rect">
+                <a:avLst/>
+              </a:prstGeom>
+              <a:blipFill>
+                <a:blip r:embed="rId2"/>
+                <a:stretch>
+                  <a:fillRect b="-3846"/>
+                </a:stretch>
+              </a:blipFill>
+            </p:spPr>
+            <p:txBody>
+              <a:bodyPr/>
+              <a:lstStyle/>
+              <a:p>
+                <a:r>
+                  <a:rPr lang="en-US">
+                    <a:noFill/>
+                  </a:rPr>
+                  <a:t> </a:t>
+                </a:r>
+              </a:p>
+            </p:txBody>
+          </p:sp>
+        </mc:Fallback>
+      </mc:AlternateContent>
+      <p:sp>
+        <p:nvSpPr>
+          <p:cNvPr id="14" name="TextBox 13">
+            <a:extLst>
+              <a:ext uri="{FF2B5EF4-FFF2-40B4-BE49-F238E27FC236}">
+                <a16:creationId xmlns:a16="http://schemas.microsoft.com/office/drawing/2014/main" id="{68534085-9068-4A45-BE62-D58F3365F00B}"/>
+              </a:ext>
+            </a:extLst>
+          </p:cNvPr>
+          <p:cNvSpPr txBox="1"/>
+          <p:nvPr/>
+        </p:nvSpPr>
+        <p:spPr>
+          <a:xfrm>
+            <a:off x="1264920" y="3228944"/>
+            <a:ext cx="10515600" cy="523220"/>
+          </a:xfrm>
+          <a:prstGeom prst="rect">
+            <a:avLst/>
+          </a:prstGeom>
+          <a:noFill/>
+        </p:spPr>
+        <p:txBody>
+          <a:bodyPr wrap="square">
+            <a:spAutoFit/>
+          </a:bodyPr>
+          <a:lstStyle/>
+          <a:p>
+            <a:r>
+              <a:rPr lang="en-US" sz="2800" dirty="0"/>
+              <a:t>Bias: </a:t>
+            </a:r>
+          </a:p>
+        </p:txBody>
+      </p:sp>
+      <mc:AlternateContent xmlns:mc="http://schemas.openxmlformats.org/markup-compatibility/2006" xmlns:a14="http://schemas.microsoft.com/office/drawing/2010/main">
+        <mc:Choice Requires="a14">
+          <p:sp>
+            <p:nvSpPr>
+              <p:cNvPr id="15" name="TextBox 14">
+                <a:extLst>
+                  <a:ext uri="{FF2B5EF4-FFF2-40B4-BE49-F238E27FC236}">
+                    <a16:creationId xmlns:a16="http://schemas.microsoft.com/office/drawing/2014/main" id="{206CAC33-BAD2-C441-99BF-ABCA3D0FA81A}"/>
+                  </a:ext>
+                </a:extLst>
+              </p:cNvPr>
+              <p:cNvSpPr txBox="1"/>
+              <p:nvPr/>
+            </p:nvSpPr>
+            <p:spPr>
+              <a:xfrm>
+                <a:off x="2712720" y="3228944"/>
+                <a:ext cx="4533900" cy="461665"/>
+              </a:xfrm>
+              <a:prstGeom prst="rect">
+                <a:avLst/>
+              </a:prstGeom>
+              <a:noFill/>
+            </p:spPr>
+            <p:txBody>
+              <a:bodyPr wrap="square">
+                <a:spAutoFit/>
+              </a:bodyPr>
+              <a:lstStyle/>
+              <a:p>
+                <a:pPr/>
+                <a14:m>
+                  <m:oMathPara xmlns:m="http://schemas.openxmlformats.org/officeDocument/2006/math">
+                    <m:oMathParaPr>
+                      <m:jc m:val="centerGroup"/>
+                    </m:oMathParaPr>
+                    <m:oMath xmlns:m="http://schemas.openxmlformats.org/officeDocument/2006/math">
+                      <m:sSub>
+                        <m:sSubPr>
+                          <m:ctrlPr>
+                            <a:rPr lang="en-US" sz="2400" b="0" i="1" smtClean="0">
+                              <a:latin typeface="Cambria Math" panose="02040503050406030204" pitchFamily="18" charset="0"/>
+                            </a:rPr>
+                          </m:ctrlPr>
+                        </m:sSubPr>
+                        <m:e>
+                          <m:r>
+                            <a:rPr lang="en-US" sz="2400" b="0" i="1" smtClean="0">
+                              <a:latin typeface="Cambria Math" panose="02040503050406030204" pitchFamily="18" charset="0"/>
+                            </a:rPr>
+                            <m:t>𝐸</m:t>
+                          </m:r>
+                        </m:e>
+                        <m:sub>
+                          <m:r>
+                            <a:rPr lang="en-US" sz="2400" b="0" i="1" smtClean="0">
+                              <a:latin typeface="Cambria Math" panose="02040503050406030204" pitchFamily="18" charset="0"/>
+                            </a:rPr>
+                            <m:t>𝐷</m:t>
+                          </m:r>
+                        </m:sub>
+                      </m:sSub>
+                      <m:d>
+                        <m:dPr>
+                          <m:begChr m:val="["/>
+                          <m:endChr m:val="]"/>
+                          <m:ctrlPr>
+                            <a:rPr lang="en-US" sz="2400" b="0" i="1" smtClean="0">
+                              <a:latin typeface="Cambria Math" panose="02040503050406030204" pitchFamily="18" charset="0"/>
+                            </a:rPr>
+                          </m:ctrlPr>
+                        </m:dPr>
+                        <m:e>
+                          <m:r>
+                            <a:rPr lang="en-US" sz="2400" b="0" i="1" smtClean="0">
+                              <a:latin typeface="Cambria Math" panose="02040503050406030204" pitchFamily="18" charset="0"/>
+                            </a:rPr>
+                            <m:t>𝑔</m:t>
+                          </m:r>
+                          <m:d>
+                            <m:dPr>
+                              <m:ctrlPr>
+                                <a:rPr lang="en-US" sz="2400" b="0" i="1" smtClean="0">
+                                  <a:latin typeface="Cambria Math" panose="02040503050406030204" pitchFamily="18" charset="0"/>
+                                </a:rPr>
+                              </m:ctrlPr>
+                            </m:dPr>
+                            <m:e>
+                              <m:r>
+                                <a:rPr lang="en-US" sz="2400" b="0" i="1" smtClean="0">
+                                  <a:latin typeface="Cambria Math" panose="02040503050406030204" pitchFamily="18" charset="0"/>
+                                </a:rPr>
+                                <m:t>𝑋</m:t>
+                              </m:r>
+                              <m:r>
+                                <a:rPr lang="en-US" sz="2400" b="0" i="1" smtClean="0">
+                                  <a:latin typeface="Cambria Math" panose="02040503050406030204" pitchFamily="18" charset="0"/>
+                                </a:rPr>
+                                <m:t>;</m:t>
+                              </m:r>
+                              <m:r>
+                                <a:rPr lang="en-US" sz="2400" b="0" i="1" smtClean="0">
+                                  <a:latin typeface="Cambria Math" panose="02040503050406030204" pitchFamily="18" charset="0"/>
+                                </a:rPr>
+                                <m:t>𝐷</m:t>
+                              </m:r>
+                            </m:e>
+                          </m:d>
+                        </m:e>
+                      </m:d>
+                      <m:r>
+                        <a:rPr lang="en-US" sz="2400" b="0" i="1" smtClean="0">
+                          <a:latin typeface="Cambria Math" panose="02040503050406030204" pitchFamily="18" charset="0"/>
+                        </a:rPr>
+                        <m:t> −</m:t>
+                      </m:r>
+                      <m:r>
+                        <a:rPr lang="en-US" sz="2400" b="0" i="1" smtClean="0">
+                          <a:latin typeface="Cambria Math" panose="02040503050406030204" pitchFamily="18" charset="0"/>
+                        </a:rPr>
+                        <m:t>𝑓</m:t>
+                      </m:r>
+                      <m:r>
+                        <a:rPr lang="en-US" sz="2400" b="0" i="1" smtClean="0">
+                          <a:latin typeface="Cambria Math" panose="02040503050406030204" pitchFamily="18" charset="0"/>
+                        </a:rPr>
+                        <m:t>(</m:t>
+                      </m:r>
+                      <m:r>
+                        <a:rPr lang="en-US" sz="2400" b="0" i="1" smtClean="0">
+                          <a:latin typeface="Cambria Math" panose="02040503050406030204" pitchFamily="18" charset="0"/>
+                        </a:rPr>
+                        <m:t>𝑋</m:t>
+                      </m:r>
+                      <m:r>
+                        <a:rPr lang="en-US" sz="2400" b="0" i="1" smtClean="0">
+                          <a:latin typeface="Cambria Math" panose="02040503050406030204" pitchFamily="18" charset="0"/>
+                        </a:rPr>
+                        <m:t>)</m:t>
+                      </m:r>
+                    </m:oMath>
+                  </m:oMathPara>
+                </a14:m>
+                <a:endParaRPr lang="en-US" sz="2400" dirty="0"/>
+              </a:p>
+            </p:txBody>
+          </p:sp>
+        </mc:Choice>
+        <mc:Fallback xmlns="">
+          <p:sp>
+            <p:nvSpPr>
+              <p:cNvPr id="15" name="TextBox 14">
+                <a:extLst>
+                  <a:ext uri="{FF2B5EF4-FFF2-40B4-BE49-F238E27FC236}">
+                    <a16:creationId xmlns:a16="http://schemas.microsoft.com/office/drawing/2014/main" id="{206CAC33-BAD2-C441-99BF-ABCA3D0FA81A}"/>
+                  </a:ext>
+                </a:extLst>
+              </p:cNvPr>
+              <p:cNvSpPr txBox="1">
+                <a:spLocks noRot="1" noChangeAspect="1" noMove="1" noResize="1" noEditPoints="1" noAdjustHandles="1" noChangeArrowheads="1" noChangeShapeType="1" noTextEdit="1"/>
+              </p:cNvSpPr>
+              <p:nvPr/>
+            </p:nvSpPr>
+            <p:spPr>
+              <a:xfrm>
+                <a:off x="2712720" y="3228944"/>
+                <a:ext cx="4533900" cy="461665"/>
+              </a:xfrm>
+              <a:prstGeom prst="rect">
+                <a:avLst/>
+              </a:prstGeom>
+              <a:blipFill>
+                <a:blip r:embed="rId3"/>
+                <a:stretch>
+                  <a:fillRect b="-21622"/>
+                </a:stretch>
+              </a:blipFill>
+            </p:spPr>
+            <p:txBody>
+              <a:bodyPr/>
+              <a:lstStyle/>
+              <a:p>
+                <a:r>
+                  <a:rPr lang="en-US">
+                    <a:noFill/>
+                  </a:rPr>
+                  <a:t> </a:t>
+                </a:r>
+              </a:p>
+            </p:txBody>
+          </p:sp>
+        </mc:Fallback>
+      </mc:AlternateContent>
+      <p:sp>
+        <p:nvSpPr>
+          <p:cNvPr id="17" name="TextBox 16">
+            <a:extLst>
+              <a:ext uri="{FF2B5EF4-FFF2-40B4-BE49-F238E27FC236}">
+                <a16:creationId xmlns:a16="http://schemas.microsoft.com/office/drawing/2014/main" id="{15C12BDA-2D4C-494C-AD06-BACD08DA722C}"/>
+              </a:ext>
+            </a:extLst>
+          </p:cNvPr>
+          <p:cNvSpPr txBox="1"/>
+          <p:nvPr/>
+        </p:nvSpPr>
+        <p:spPr>
+          <a:xfrm>
+            <a:off x="1264920" y="4040332"/>
+            <a:ext cx="10515600" cy="523220"/>
+          </a:xfrm>
+          <a:prstGeom prst="rect">
+            <a:avLst/>
+          </a:prstGeom>
+          <a:noFill/>
+        </p:spPr>
+        <p:txBody>
+          <a:bodyPr wrap="square">
+            <a:spAutoFit/>
+          </a:bodyPr>
+          <a:lstStyle/>
+          <a:p>
+            <a:r>
+              <a:rPr lang="en-US" sz="2800" dirty="0"/>
+              <a:t>Variance: </a:t>
+            </a:r>
+          </a:p>
+        </p:txBody>
+      </p:sp>
+      <mc:AlternateContent xmlns:mc="http://schemas.openxmlformats.org/markup-compatibility/2006" xmlns:a14="http://schemas.microsoft.com/office/drawing/2010/main">
+        <mc:Choice Requires="a14">
+          <p:sp>
+            <p:nvSpPr>
+              <p:cNvPr id="18" name="TextBox 17">
+                <a:extLst>
+                  <a:ext uri="{FF2B5EF4-FFF2-40B4-BE49-F238E27FC236}">
+                    <a16:creationId xmlns:a16="http://schemas.microsoft.com/office/drawing/2014/main" id="{755C1EEE-6BE0-FA48-838A-31244001B260}"/>
+                  </a:ext>
+                </a:extLst>
+              </p:cNvPr>
+              <p:cNvSpPr txBox="1"/>
+              <p:nvPr/>
+            </p:nvSpPr>
+            <p:spPr>
+              <a:xfrm>
+                <a:off x="3188970" y="4108679"/>
+                <a:ext cx="4533900" cy="461665"/>
+              </a:xfrm>
+              <a:prstGeom prst="rect">
+                <a:avLst/>
+              </a:prstGeom>
+              <a:noFill/>
+            </p:spPr>
+            <p:txBody>
+              <a:bodyPr wrap="square">
+                <a:spAutoFit/>
+              </a:bodyPr>
+              <a:lstStyle/>
+              <a:p>
+                <a:pPr/>
+                <a14:m>
+                  <m:oMathPara xmlns:m="http://schemas.openxmlformats.org/officeDocument/2006/math">
+                    <m:oMathParaPr>
+                      <m:jc m:val="centerGroup"/>
+                    </m:oMathParaPr>
+                    <m:oMath xmlns:m="http://schemas.openxmlformats.org/officeDocument/2006/math">
+                      <m:sSub>
+                        <m:sSubPr>
+                          <m:ctrlPr>
+                            <a:rPr lang="en-US" sz="2400" i="1" dirty="0">
+                              <a:latin typeface="Cambria Math" panose="02040503050406030204" pitchFamily="18" charset="0"/>
+                            </a:rPr>
+                          </m:ctrlPr>
+                        </m:sSubPr>
+                        <m:e>
+                          <m:sSub>
+                            <m:sSubPr>
+                              <m:ctrlPr>
+                                <a:rPr lang="en-US" sz="2400" i="1" dirty="0">
+                                  <a:latin typeface="Cambria Math" panose="02040503050406030204" pitchFamily="18" charset="0"/>
+                                </a:rPr>
+                              </m:ctrlPr>
+                            </m:sSubPr>
+                            <m:e>
+                              <m:r>
+                                <m:rPr>
+                                  <m:sty m:val="p"/>
+                                </m:rPr>
+                                <a:rPr lang="en-US" sz="2400" dirty="0">
+                                  <a:latin typeface="Cambria Math" panose="02040503050406030204" pitchFamily="18" charset="0"/>
+                                </a:rPr>
+                                <m:t>E</m:t>
+                              </m:r>
+                            </m:e>
+                            <m:sub>
+                              <m:r>
+                                <m:rPr>
+                                  <m:sty m:val="p"/>
+                                </m:rPr>
+                                <a:rPr lang="en-US" sz="2400" dirty="0">
+                                  <a:latin typeface="Cambria Math" panose="02040503050406030204" pitchFamily="18" charset="0"/>
+                                </a:rPr>
+                                <m:t>D</m:t>
+                              </m:r>
+                            </m:sub>
+                          </m:sSub>
+                          <m:r>
+                            <a:rPr lang="en-US" sz="2400" dirty="0">
+                              <a:latin typeface="Cambria Math" panose="02040503050406030204" pitchFamily="18" charset="0"/>
+                            </a:rPr>
+                            <m:t>[(</m:t>
+                          </m:r>
+                          <m:r>
+                            <m:rPr>
+                              <m:sty m:val="p"/>
+                            </m:rPr>
+                            <a:rPr lang="en-US" sz="2400" dirty="0">
+                              <a:latin typeface="Cambria Math" panose="02040503050406030204" pitchFamily="18" charset="0"/>
+                            </a:rPr>
+                            <m:t>E</m:t>
+                          </m:r>
+                        </m:e>
+                        <m:sub>
+                          <m:r>
+                            <a:rPr lang="en-US" sz="2400" i="1" dirty="0">
+                              <a:latin typeface="Cambria Math" panose="02040503050406030204" pitchFamily="18" charset="0"/>
+                            </a:rPr>
+                            <m:t>𝐷</m:t>
+                          </m:r>
+                        </m:sub>
+                      </m:sSub>
+                      <m:sSup>
+                        <m:sSupPr>
+                          <m:ctrlPr>
+                            <a:rPr lang="en-US" sz="2400" i="1" dirty="0">
+                              <a:latin typeface="Cambria Math" panose="02040503050406030204" pitchFamily="18" charset="0"/>
+                            </a:rPr>
+                          </m:ctrlPr>
+                        </m:sSupPr>
+                        <m:e>
+                          <m:d>
+                            <m:dPr>
+                              <m:begChr m:val="["/>
+                              <m:endChr m:val="]"/>
+                              <m:ctrlPr>
+                                <a:rPr lang="en-US" sz="2400" i="1">
+                                  <a:latin typeface="Cambria Math" panose="02040503050406030204" pitchFamily="18" charset="0"/>
+                                </a:rPr>
+                              </m:ctrlPr>
+                            </m:dPr>
+                            <m:e>
+                              <m:r>
+                                <a:rPr lang="en-US" sz="2400" i="1">
+                                  <a:latin typeface="Cambria Math" panose="02040503050406030204" pitchFamily="18" charset="0"/>
+                                </a:rPr>
+                                <m:t>𝑔</m:t>
+                              </m:r>
+                              <m:d>
+                                <m:dPr>
+                                  <m:ctrlPr>
+                                    <a:rPr lang="en-US" sz="2400" i="1">
+                                      <a:latin typeface="Cambria Math" panose="02040503050406030204" pitchFamily="18" charset="0"/>
+                                    </a:rPr>
+                                  </m:ctrlPr>
+                                </m:dPr>
+                                <m:e>
+                                  <m:r>
+                                    <a:rPr lang="en-US" sz="2400" i="1">
+                                      <a:latin typeface="Cambria Math" panose="02040503050406030204" pitchFamily="18" charset="0"/>
+                                    </a:rPr>
+                                    <m:t>𝑋</m:t>
+                                  </m:r>
+                                  <m:r>
+                                    <a:rPr lang="en-US" sz="2400" i="1">
+                                      <a:latin typeface="Cambria Math" panose="02040503050406030204" pitchFamily="18" charset="0"/>
+                                    </a:rPr>
+                                    <m:t>;</m:t>
+                                  </m:r>
+                                  <m:r>
+                                    <a:rPr lang="en-US" sz="2400" i="1">
+                                      <a:latin typeface="Cambria Math" panose="02040503050406030204" pitchFamily="18" charset="0"/>
+                                    </a:rPr>
+                                    <m:t>𝐷</m:t>
+                                  </m:r>
+                                </m:e>
+                              </m:d>
+                            </m:e>
+                          </m:d>
+                          <m:r>
+                            <a:rPr lang="en-US" sz="2400" i="1">
+                              <a:latin typeface="Cambria Math" panose="02040503050406030204" pitchFamily="18" charset="0"/>
+                            </a:rPr>
+                            <m:t> −</m:t>
+                          </m:r>
+                          <m:r>
+                            <a:rPr lang="en-US" sz="2400" i="1">
+                              <a:latin typeface="Cambria Math" panose="02040503050406030204" pitchFamily="18" charset="0"/>
+                            </a:rPr>
+                            <m:t>𝑔</m:t>
+                          </m:r>
+                          <m:r>
+                            <a:rPr lang="en-US" sz="2400" i="1">
+                              <a:latin typeface="Cambria Math" panose="02040503050406030204" pitchFamily="18" charset="0"/>
+                            </a:rPr>
+                            <m:t>(</m:t>
+                          </m:r>
+                          <m:r>
+                            <a:rPr lang="en-US" sz="2400" i="1">
+                              <a:latin typeface="Cambria Math" panose="02040503050406030204" pitchFamily="18" charset="0"/>
+                            </a:rPr>
+                            <m:t>𝑋</m:t>
+                          </m:r>
+                          <m:r>
+                            <a:rPr lang="en-US" sz="2400" i="1">
+                              <a:latin typeface="Cambria Math" panose="02040503050406030204" pitchFamily="18" charset="0"/>
+                            </a:rPr>
+                            <m:t>;</m:t>
+                          </m:r>
+                          <m:r>
+                            <a:rPr lang="en-US" sz="2400" i="1">
+                              <a:latin typeface="Cambria Math" panose="02040503050406030204" pitchFamily="18" charset="0"/>
+                            </a:rPr>
+                            <m:t>𝐷</m:t>
+                          </m:r>
+                          <m:r>
+                            <a:rPr lang="en-US" sz="2400" i="1">
+                              <a:latin typeface="Cambria Math" panose="02040503050406030204" pitchFamily="18" charset="0"/>
+                            </a:rPr>
+                            <m:t>))</m:t>
+                          </m:r>
+                        </m:e>
+                        <m:sup>
+                          <m:r>
+                            <a:rPr lang="en-US" sz="2400" i="1" dirty="0">
+                              <a:latin typeface="Cambria Math" panose="02040503050406030204" pitchFamily="18" charset="0"/>
+                            </a:rPr>
+                            <m:t>2</m:t>
+                          </m:r>
+                        </m:sup>
+                      </m:sSup>
+                      <m:r>
+                        <a:rPr lang="en-US" sz="2400" i="1">
+                          <a:latin typeface="Cambria Math" panose="02040503050406030204" pitchFamily="18" charset="0"/>
+                        </a:rPr>
+                        <m:t>]</m:t>
+                      </m:r>
+                    </m:oMath>
+                  </m:oMathPara>
+                </a14:m>
+                <a:endParaRPr lang="en-US" sz="2400" dirty="0"/>
+              </a:p>
+            </p:txBody>
+          </p:sp>
+        </mc:Choice>
+        <mc:Fallback xmlns="">
+          <p:sp>
+            <p:nvSpPr>
+              <p:cNvPr id="18" name="TextBox 17">
+                <a:extLst>
+                  <a:ext uri="{FF2B5EF4-FFF2-40B4-BE49-F238E27FC236}">
+                    <a16:creationId xmlns:a16="http://schemas.microsoft.com/office/drawing/2014/main" id="{755C1EEE-6BE0-FA48-838A-31244001B260}"/>
+                  </a:ext>
+                </a:extLst>
+              </p:cNvPr>
+              <p:cNvSpPr txBox="1">
+                <a:spLocks noRot="1" noChangeAspect="1" noMove="1" noResize="1" noEditPoints="1" noAdjustHandles="1" noChangeArrowheads="1" noChangeShapeType="1" noTextEdit="1"/>
+              </p:cNvSpPr>
+              <p:nvPr/>
+            </p:nvSpPr>
+            <p:spPr>
+              <a:xfrm>
+                <a:off x="3188970" y="4108679"/>
+                <a:ext cx="4533900" cy="461665"/>
+              </a:xfrm>
+              <a:prstGeom prst="rect">
+                <a:avLst/>
+              </a:prstGeom>
+              <a:blipFill>
+                <a:blip r:embed="rId4"/>
+                <a:stretch>
+                  <a:fillRect b="-21622"/>
+                </a:stretch>
+              </a:blipFill>
+            </p:spPr>
+            <p:txBody>
+              <a:bodyPr/>
+              <a:lstStyle/>
+              <a:p>
+                <a:r>
+                  <a:rPr lang="en-US">
+                    <a:noFill/>
+                  </a:rPr>
+                  <a:t> </a:t>
+                </a:r>
+              </a:p>
+            </p:txBody>
+          </p:sp>
+        </mc:Fallback>
+      </mc:AlternateContent>
+      <p:sp>
+        <p:nvSpPr>
+          <p:cNvPr id="20" name="TextBox 19">
+            <a:extLst>
+              <a:ext uri="{FF2B5EF4-FFF2-40B4-BE49-F238E27FC236}">
+                <a16:creationId xmlns:a16="http://schemas.microsoft.com/office/drawing/2014/main" id="{2785F286-48FD-4E40-A600-091F499952CE}"/>
+              </a:ext>
+            </a:extLst>
+          </p:cNvPr>
+          <p:cNvSpPr txBox="1"/>
+          <p:nvPr/>
+        </p:nvSpPr>
+        <p:spPr>
+          <a:xfrm>
+            <a:off x="1264920" y="5028810"/>
+            <a:ext cx="10515600" cy="523220"/>
+          </a:xfrm>
+          <a:prstGeom prst="rect">
+            <a:avLst/>
+          </a:prstGeom>
+          <a:noFill/>
+        </p:spPr>
+        <p:txBody>
+          <a:bodyPr wrap="square">
+            <a:spAutoFit/>
+          </a:bodyPr>
+          <a:lstStyle/>
+          <a:p>
+            <a:r>
+              <a:rPr lang="en-US" sz="2800" dirty="0"/>
+              <a:t>Irreducible error: </a:t>
+            </a:r>
+          </a:p>
+        </p:txBody>
+      </p:sp>
+      <mc:AlternateContent xmlns:mc="http://schemas.openxmlformats.org/markup-compatibility/2006">
+        <mc:Choice xmlns:a14="http://schemas.microsoft.com/office/drawing/2010/main" Requires="a14">
+          <p:sp>
+            <p:nvSpPr>
+              <p:cNvPr id="21" name="TextBox 20">
+                <a:extLst>
+                  <a:ext uri="{FF2B5EF4-FFF2-40B4-BE49-F238E27FC236}">
+                    <a16:creationId xmlns:a16="http://schemas.microsoft.com/office/drawing/2014/main" id="{0FB2C870-504A-4A4A-89D4-DA71E8D81AB0}"/>
+                  </a:ext>
+                </a:extLst>
+              </p:cNvPr>
+              <p:cNvSpPr txBox="1"/>
+              <p:nvPr/>
+            </p:nvSpPr>
+            <p:spPr>
+              <a:xfrm>
+                <a:off x="2712720" y="5059587"/>
+                <a:ext cx="3236046" cy="461665"/>
+              </a:xfrm>
+              <a:prstGeom prst="rect">
+                <a:avLst/>
+              </a:prstGeom>
+              <a:noFill/>
+            </p:spPr>
+            <p:txBody>
+              <a:bodyPr wrap="square">
+                <a:spAutoFit/>
+              </a:bodyPr>
+              <a:lstStyle/>
+              <a:p>
+                <a:pPr/>
+                <a14:m>
+                  <m:oMathPara xmlns:m="http://schemas.openxmlformats.org/officeDocument/2006/math">
+                    <m:oMathParaPr>
+                      <m:jc m:val="centerGroup"/>
+                    </m:oMathParaPr>
+                    <m:oMath xmlns:m="http://schemas.openxmlformats.org/officeDocument/2006/math">
+                      <m:r>
+                        <a:rPr lang="en-US" sz="2400" b="0" i="1" smtClean="0">
+                          <a:latin typeface="Cambria Math" panose="02040503050406030204" pitchFamily="18" charset="0"/>
+                        </a:rPr>
+                        <m:t>𝜎</m:t>
+                      </m:r>
+                    </m:oMath>
+                  </m:oMathPara>
+                </a14:m>
+                <a:endParaRPr lang="en-US" sz="2400" dirty="0"/>
+              </a:p>
+            </p:txBody>
+          </p:sp>
+        </mc:Choice>
+        <mc:Fallback>
+          <p:sp>
+            <p:nvSpPr>
+              <p:cNvPr id="21" name="TextBox 20">
+                <a:extLst>
+                  <a:ext uri="{FF2B5EF4-FFF2-40B4-BE49-F238E27FC236}">
+                    <a16:creationId xmlns:a16="http://schemas.microsoft.com/office/drawing/2014/main" id="{0FB2C870-504A-4A4A-89D4-DA71E8D81AB0}"/>
+                  </a:ext>
+                </a:extLst>
+              </p:cNvPr>
+              <p:cNvSpPr txBox="1">
+                <a:spLocks noRot="1" noChangeAspect="1" noMove="1" noResize="1" noEditPoints="1" noAdjustHandles="1" noChangeArrowheads="1" noChangeShapeType="1" noTextEdit="1"/>
+              </p:cNvSpPr>
+              <p:nvPr/>
+            </p:nvSpPr>
+            <p:spPr>
+              <a:xfrm>
+                <a:off x="2712720" y="5059587"/>
+                <a:ext cx="3236046" cy="461665"/>
+              </a:xfrm>
+              <a:prstGeom prst="rect">
+                <a:avLst/>
+              </a:prstGeom>
+              <a:blipFill>
+                <a:blip r:embed="rId5"/>
+                <a:stretch>
+                  <a:fillRect/>
+                </a:stretch>
+              </a:blipFill>
+            </p:spPr>
+            <p:txBody>
+              <a:bodyPr/>
+              <a:lstStyle/>
+              <a:p>
+                <a:r>
+                  <a:rPr lang="en-US">
+                    <a:noFill/>
+                  </a:rPr>
+                  <a:t> </a:t>
+                </a:r>
+              </a:p>
+            </p:txBody>
+          </p:sp>
+        </mc:Fallback>
+      </mc:AlternateContent>
+      <p:sp>
+        <p:nvSpPr>
+          <p:cNvPr id="22" name="Left Brace 21">
+            <a:extLst>
+              <a:ext uri="{FF2B5EF4-FFF2-40B4-BE49-F238E27FC236}">
+                <a16:creationId xmlns:a16="http://schemas.microsoft.com/office/drawing/2014/main" id="{754CF7F3-DFAF-834F-BE10-068704335A89}"/>
+              </a:ext>
+            </a:extLst>
+          </p:cNvPr>
+          <p:cNvSpPr/>
+          <p:nvPr/>
+        </p:nvSpPr>
+        <p:spPr>
+          <a:xfrm rot="10800000">
+            <a:off x="7722870" y="3350504"/>
+            <a:ext cx="320040" cy="1213048"/>
+          </a:xfrm>
+          <a:prstGeom prst="leftBrace">
+            <a:avLst/>
+          </a:prstGeom>
+          <a:ln w="31750">
+            <a:solidFill>
+              <a:schemeClr val="tx1"/>
+            </a:solidFill>
+          </a:ln>
+        </p:spPr>
+        <p:style>
+          <a:lnRef idx="1">
+            <a:schemeClr val="accent1"/>
+          </a:lnRef>
+          <a:fillRef idx="0">
+            <a:schemeClr val="accent1"/>
+          </a:fillRef>
+          <a:effectRef idx="0">
+            <a:schemeClr val="accent1"/>
+          </a:effectRef>
+          <a:fontRef idx="minor">
+            <a:schemeClr val="tx1"/>
+          </a:fontRef>
+        </p:style>
+        <p:txBody>
+          <a:bodyPr rtlCol="0" anchor="ctr"/>
+          <a:lstStyle/>
+          <a:p>
+            <a:pPr algn="ctr"/>
+            <a:endParaRPr lang="en-US" dirty="0"/>
+          </a:p>
+        </p:txBody>
+      </p:sp>
+      <p:sp>
+        <p:nvSpPr>
+          <p:cNvPr id="23" name="TextBox 22">
+            <a:extLst>
+              <a:ext uri="{FF2B5EF4-FFF2-40B4-BE49-F238E27FC236}">
+                <a16:creationId xmlns:a16="http://schemas.microsoft.com/office/drawing/2014/main" id="{967C4E5D-3F30-7544-8A7B-69D9EE464884}"/>
+              </a:ext>
+            </a:extLst>
+          </p:cNvPr>
+          <p:cNvSpPr txBox="1"/>
+          <p:nvPr/>
+        </p:nvSpPr>
+        <p:spPr>
+          <a:xfrm>
+            <a:off x="8381999" y="3556486"/>
+            <a:ext cx="2922270" cy="954107"/>
+          </a:xfrm>
+          <a:prstGeom prst="rect">
+            <a:avLst/>
+          </a:prstGeom>
+          <a:noFill/>
+        </p:spPr>
+        <p:txBody>
+          <a:bodyPr wrap="square">
+            <a:spAutoFit/>
+          </a:bodyPr>
+          <a:lstStyle/>
+          <a:p>
+            <a:r>
+              <a:rPr lang="en-US" sz="2800" dirty="0"/>
+              <a:t>Depends on </a:t>
+            </a:r>
+          </a:p>
+          <a:p>
+            <a:r>
+              <a:rPr lang="en-US" sz="2800" dirty="0"/>
+              <a:t>model complexity  </a:t>
+            </a:r>
+          </a:p>
+        </p:txBody>
+      </p:sp>
+    </p:spTree>
+    <p:extLst>
+      <p:ext uri="{BB962C8B-B14F-4D97-AF65-F5344CB8AC3E}">
+        <p14:creationId xmlns:p14="http://schemas.microsoft.com/office/powerpoint/2010/main" val="362096768"/>
+      </p:ext>
+    </p:extLst>
+  </p:cSld>
+  <p:clrMapOvr>
+    <a:masterClrMapping/>
+  </p:clrMapOvr>
+</p:sld>
+</file>
+
+<file path=ppt/slides/slide4.xml><?xml version="1.0" encoding="utf-8"?>
 <p:sld xmlns:a="http://schemas.openxmlformats.org/drawingml/2006/main" xmlns:r="http://schemas.openxmlformats.org/officeDocument/2006/relationships" xmlns:p="http://schemas.openxmlformats.org/presentationml/2006/main">
   <p:cSld>
     <p:spTree>
@@ -11855,7 +17678,7 @@
 </p:sld>
 </file>
 
-<file path=ppt/slides/slide4.xml><?xml version="1.0" encoding="utf-8"?>
+<file path=ppt/slides/slide5.xml><?xml version="1.0" encoding="utf-8"?>
 <p:sld xmlns:a="http://schemas.openxmlformats.org/drawingml/2006/main" xmlns:r="http://schemas.openxmlformats.org/officeDocument/2006/relationships" xmlns:p="http://schemas.openxmlformats.org/presentationml/2006/main">
   <p:cSld>
     <p:spTree>
@@ -12423,7 +18246,7 @@
 </p:sld>
 </file>
 
-<file path=ppt/slides/slide5.xml><?xml version="1.0" encoding="utf-8"?>
+<file path=ppt/slides/slide6.xml><?xml version="1.0" encoding="utf-8"?>
 <p:sld xmlns:a="http://schemas.openxmlformats.org/drawingml/2006/main" xmlns:r="http://schemas.openxmlformats.org/officeDocument/2006/relationships" xmlns:p="http://schemas.openxmlformats.org/presentationml/2006/main">
   <p:cSld>
     <p:spTree>
@@ -13209,7 +19032,7 @@
 </p:sld>
 </file>
 
-<file path=ppt/slides/slide6.xml><?xml version="1.0" encoding="utf-8"?>
+<file path=ppt/slides/slide7.xml><?xml version="1.0" encoding="utf-8"?>
 <p:sld xmlns:a="http://schemas.openxmlformats.org/drawingml/2006/main" xmlns:r="http://schemas.openxmlformats.org/officeDocument/2006/relationships" xmlns:p="http://schemas.openxmlformats.org/presentationml/2006/main">
   <p:cSld>
     <p:spTree>
@@ -14110,7 +19933,7 @@
 </p:sld>
 </file>
 
-<file path=ppt/slides/slide7.xml><?xml version="1.0" encoding="utf-8"?>
+<file path=ppt/slides/slide8.xml><?xml version="1.0" encoding="utf-8"?>
 <p:sld xmlns:a="http://schemas.openxmlformats.org/drawingml/2006/main" xmlns:r="http://schemas.openxmlformats.org/officeDocument/2006/relationships" xmlns:p="http://schemas.openxmlformats.org/presentationml/2006/main">
   <p:cSld>
     <p:spTree>
@@ -14821,7 +20644,7 @@
 </p:sld>
 </file>
 
-<file path=ppt/slides/slide8.xml><?xml version="1.0" encoding="utf-8"?>
+<file path=ppt/slides/slide9.xml><?xml version="1.0" encoding="utf-8"?>
 <p:sld xmlns:a="http://schemas.openxmlformats.org/drawingml/2006/main" xmlns:r="http://schemas.openxmlformats.org/officeDocument/2006/relationships" xmlns:p="http://schemas.openxmlformats.org/presentationml/2006/main">
   <p:cSld>
     <p:spTree>
@@ -15985,1184 +21808,6 @@
 </p:sld>
 </file>
 
-<file path=ppt/slides/slide9.xml><?xml version="1.0" encoding="utf-8"?>
-<p:sld xmlns:a="http://schemas.openxmlformats.org/drawingml/2006/main" xmlns:r="http://schemas.openxmlformats.org/officeDocument/2006/relationships" xmlns:p="http://schemas.openxmlformats.org/presentationml/2006/main">
-  <p:cSld>
-    <p:spTree>
-      <p:nvGrpSpPr>
-        <p:cNvPr id="1" name=""/>
-        <p:cNvGrpSpPr/>
-        <p:nvPr/>
-      </p:nvGrpSpPr>
-      <p:grpSpPr>
-        <a:xfrm>
-          <a:off x="0" y="0"/>
-          <a:ext cx="0" cy="0"/>
-          <a:chOff x="0" y="0"/>
-          <a:chExt cx="0" cy="0"/>
-        </a:xfrm>
-      </p:grpSpPr>
-      <p:sp>
-        <p:nvSpPr>
-          <p:cNvPr id="2" name="Title 1"/>
-          <p:cNvSpPr>
-            <a:spLocks noGrp="1"/>
-          </p:cNvSpPr>
-          <p:nvPr>
-            <p:ph type="title"/>
-          </p:nvPr>
-        </p:nvSpPr>
-        <p:spPr>
-          <a:xfrm>
-            <a:off x="838200" y="365126"/>
-            <a:ext cx="10515600" cy="981894"/>
-          </a:xfrm>
-        </p:spPr>
-        <p:txBody>
-          <a:bodyPr>
-            <a:normAutofit/>
-          </a:bodyPr>
-          <a:lstStyle/>
-          <a:p>
-            <a:r>
-              <a:rPr lang="en-US" dirty="0"/>
-              <a:t>Analyzing Least Squares Method</a:t>
-            </a:r>
-          </a:p>
-        </p:txBody>
-      </p:sp>
-      <p:sp>
-        <p:nvSpPr>
-          <p:cNvPr id="4" name="TextBox 3">
-            <a:extLst>
-              <a:ext uri="{FF2B5EF4-FFF2-40B4-BE49-F238E27FC236}">
-                <a16:creationId xmlns:a16="http://schemas.microsoft.com/office/drawing/2014/main" id="{2E49A06D-0836-8A40-BE1A-F6F5FF8786F1}"/>
-              </a:ext>
-            </a:extLst>
-          </p:cNvPr>
-          <p:cNvSpPr txBox="1"/>
-          <p:nvPr/>
-        </p:nvSpPr>
-        <p:spPr>
-          <a:xfrm>
-            <a:off x="838200" y="1906675"/>
-            <a:ext cx="10515600" cy="523220"/>
-          </a:xfrm>
-          <a:prstGeom prst="rect">
-            <a:avLst/>
-          </a:prstGeom>
-          <a:noFill/>
-        </p:spPr>
-        <p:txBody>
-          <a:bodyPr wrap="square">
-            <a:spAutoFit/>
-          </a:bodyPr>
-          <a:lstStyle/>
-          <a:p>
-            <a:r>
-              <a:rPr lang="en-US" sz="2800" b="0" dirty="0"/>
-              <a:t>Under the assumption of linear regression model (ideal model)</a:t>
-            </a:r>
-            <a:endParaRPr lang="en-US" sz="2800" dirty="0"/>
-          </a:p>
-        </p:txBody>
-      </p:sp>
-      <mc:AlternateContent xmlns:mc="http://schemas.openxmlformats.org/markup-compatibility/2006">
-        <mc:Choice xmlns:a14="http://schemas.microsoft.com/office/drawing/2010/main" Requires="a14">
-          <p:sp>
-            <p:nvSpPr>
-              <p:cNvPr id="7" name="TextBox 6">
-                <a:extLst>
-                  <a:ext uri="{FF2B5EF4-FFF2-40B4-BE49-F238E27FC236}">
-                    <a16:creationId xmlns:a16="http://schemas.microsoft.com/office/drawing/2014/main" id="{4029A950-0AC9-6746-A632-95751EB2CE78}"/>
-                  </a:ext>
-                </a:extLst>
-              </p:cNvPr>
-              <p:cNvSpPr txBox="1"/>
-              <p:nvPr/>
-            </p:nvSpPr>
-            <p:spPr>
-              <a:xfrm>
-                <a:off x="2407145" y="2918829"/>
-                <a:ext cx="6096000" cy="523220"/>
-              </a:xfrm>
-              <a:prstGeom prst="rect">
-                <a:avLst/>
-              </a:prstGeom>
-              <a:noFill/>
-            </p:spPr>
-            <p:txBody>
-              <a:bodyPr wrap="square">
-                <a:spAutoFit/>
-              </a:bodyPr>
-              <a:lstStyle/>
-              <a:p>
-                <a:pPr/>
-                <a14:m>
-                  <m:oMathPara xmlns:m="http://schemas.openxmlformats.org/officeDocument/2006/math">
-                    <m:oMathParaPr>
-                      <m:jc m:val="centerGroup"/>
-                    </m:oMathParaPr>
-                    <m:oMath xmlns:m="http://schemas.openxmlformats.org/officeDocument/2006/math">
-                      <m:sSub>
-                        <m:sSubPr>
-                          <m:ctrlPr>
-                            <a:rPr lang="en-US" sz="2800" b="0" i="1" dirty="0" smtClean="0">
-                              <a:latin typeface="Cambria Math" panose="02040503050406030204" pitchFamily="18" charset="0"/>
-                            </a:rPr>
-                          </m:ctrlPr>
-                        </m:sSubPr>
-                        <m:e>
-                          <m:r>
-                            <a:rPr lang="en-US" sz="2800" b="0" i="1" dirty="0" smtClean="0">
-                              <a:latin typeface="Cambria Math" panose="02040503050406030204" pitchFamily="18" charset="0"/>
-                            </a:rPr>
-                            <m:t>𝑦</m:t>
-                          </m:r>
-                        </m:e>
-                        <m:sub>
-                          <m:r>
-                            <a:rPr lang="en-US" sz="2800" b="0" i="1" dirty="0" smtClean="0">
-                              <a:latin typeface="Cambria Math" panose="02040503050406030204" pitchFamily="18" charset="0"/>
-                            </a:rPr>
-                            <m:t>𝑖</m:t>
-                          </m:r>
-                        </m:sub>
-                      </m:sSub>
-                      <m:r>
-                        <a:rPr lang="en-US" sz="2800" b="0" i="1" dirty="0" smtClean="0">
-                          <a:latin typeface="Cambria Math" panose="02040503050406030204" pitchFamily="18" charset="0"/>
-                        </a:rPr>
-                        <m:t>∼</m:t>
-                      </m:r>
-                      <m:r>
-                        <a:rPr lang="en-US" sz="2800" b="0" i="1" dirty="0" smtClean="0">
-                          <a:latin typeface="Cambria Math" panose="02040503050406030204" pitchFamily="18" charset="0"/>
-                        </a:rPr>
-                        <m:t>𝑁</m:t>
-                      </m:r>
-                      <m:r>
-                        <a:rPr lang="en-US" sz="2800" b="0" i="1" dirty="0" smtClean="0">
-                          <a:latin typeface="Cambria Math" panose="02040503050406030204" pitchFamily="18" charset="0"/>
-                        </a:rPr>
-                        <m:t>(</m:t>
-                      </m:r>
-                      <m:sSub>
-                        <m:sSubPr>
-                          <m:ctrlPr>
-                            <a:rPr lang="en-US" sz="2800" i="1">
-                              <a:latin typeface="Cambria Math" panose="02040503050406030204" pitchFamily="18" charset="0"/>
-                            </a:rPr>
-                          </m:ctrlPr>
-                        </m:sSubPr>
-                        <m:e>
-                          <m:r>
-                            <a:rPr lang="en-US" sz="2800" i="1">
-                              <a:latin typeface="Cambria Math" panose="02040503050406030204" pitchFamily="18" charset="0"/>
-                            </a:rPr>
-                            <m:t>𝛽</m:t>
-                          </m:r>
-                        </m:e>
-                        <m:sub>
-                          <m:r>
-                            <a:rPr lang="en-US" sz="2800" i="1">
-                              <a:latin typeface="Cambria Math" panose="02040503050406030204" pitchFamily="18" charset="0"/>
-                            </a:rPr>
-                            <m:t>0</m:t>
-                          </m:r>
-                        </m:sub>
-                      </m:sSub>
-                      <m:r>
-                        <a:rPr lang="en-US" sz="2800" i="1">
-                          <a:latin typeface="Cambria Math" panose="02040503050406030204" pitchFamily="18" charset="0"/>
-                        </a:rPr>
-                        <m:t>+</m:t>
-                      </m:r>
-                      <m:sSub>
-                        <m:sSubPr>
-                          <m:ctrlPr>
-                            <a:rPr lang="en-US" sz="2800" i="1">
-                              <a:latin typeface="Cambria Math" panose="02040503050406030204" pitchFamily="18" charset="0"/>
-                            </a:rPr>
-                          </m:ctrlPr>
-                        </m:sSubPr>
-                        <m:e>
-                          <m:r>
-                            <a:rPr lang="en-US" sz="2800" i="1">
-                              <a:latin typeface="Cambria Math" panose="02040503050406030204" pitchFamily="18" charset="0"/>
-                            </a:rPr>
-                            <m:t>𝛽</m:t>
-                          </m:r>
-                        </m:e>
-                        <m:sub>
-                          <m:r>
-                            <a:rPr lang="en-US" sz="2800" i="1">
-                              <a:latin typeface="Cambria Math" panose="02040503050406030204" pitchFamily="18" charset="0"/>
-                            </a:rPr>
-                            <m:t>1</m:t>
-                          </m:r>
-                        </m:sub>
-                      </m:sSub>
-                      <m:sSub>
-                        <m:sSubPr>
-                          <m:ctrlPr>
-                            <a:rPr lang="en-US" sz="2800" b="0" i="1" smtClean="0">
-                              <a:latin typeface="Cambria Math" panose="02040503050406030204" pitchFamily="18" charset="0"/>
-                            </a:rPr>
-                          </m:ctrlPr>
-                        </m:sSubPr>
-                        <m:e>
-                          <m:r>
-                            <a:rPr lang="en-US" sz="2800" b="0" i="1" smtClean="0">
-                              <a:latin typeface="Cambria Math" panose="02040503050406030204" pitchFamily="18" charset="0"/>
-                            </a:rPr>
-                            <m:t>𝑥</m:t>
-                          </m:r>
-                        </m:e>
-                        <m:sub>
-                          <m:r>
-                            <a:rPr lang="en-US" sz="2800" b="0" i="1" smtClean="0">
-                              <a:latin typeface="Cambria Math" panose="02040503050406030204" pitchFamily="18" charset="0"/>
-                            </a:rPr>
-                            <m:t>𝑖</m:t>
-                          </m:r>
-                        </m:sub>
-                      </m:sSub>
-                      <m:r>
-                        <a:rPr lang="en-US" sz="2800" b="0" i="0" smtClean="0">
-                          <a:latin typeface="Cambria Math" panose="02040503050406030204" pitchFamily="18" charset="0"/>
-                        </a:rPr>
-                        <m:t>, </m:t>
-                      </m:r>
-                      <m:sSup>
-                        <m:sSupPr>
-                          <m:ctrlPr>
-                            <a:rPr lang="en-US" sz="2800" b="0" i="1" smtClean="0">
-                              <a:latin typeface="Cambria Math" panose="02040503050406030204" pitchFamily="18" charset="0"/>
-                            </a:rPr>
-                          </m:ctrlPr>
-                        </m:sSupPr>
-                        <m:e>
-                          <m:r>
-                            <a:rPr lang="en-US" sz="2800" b="0" i="1" smtClean="0">
-                              <a:latin typeface="Cambria Math" panose="02040503050406030204" pitchFamily="18" charset="0"/>
-                            </a:rPr>
-                            <m:t>𝜎</m:t>
-                          </m:r>
-                        </m:e>
-                        <m:sup>
-                          <m:r>
-                            <a:rPr lang="en-US" sz="2800" b="0" i="1" smtClean="0">
-                              <a:latin typeface="Cambria Math" panose="02040503050406030204" pitchFamily="18" charset="0"/>
-                            </a:rPr>
-                            <m:t>2</m:t>
-                          </m:r>
-                        </m:sup>
-                      </m:sSup>
-                      <m:r>
-                        <a:rPr lang="en-US" sz="2800" b="0" i="1" smtClean="0">
-                          <a:latin typeface="Cambria Math" panose="02040503050406030204" pitchFamily="18" charset="0"/>
-                        </a:rPr>
-                        <m:t>)</m:t>
-                      </m:r>
-                    </m:oMath>
-                  </m:oMathPara>
-                </a14:m>
-                <a:endParaRPr lang="en-US" sz="2800" dirty="0"/>
-              </a:p>
-            </p:txBody>
-          </p:sp>
-        </mc:Choice>
-        <mc:Fallback>
-          <p:sp>
-            <p:nvSpPr>
-              <p:cNvPr id="7" name="TextBox 6">
-                <a:extLst>
-                  <a:ext uri="{FF2B5EF4-FFF2-40B4-BE49-F238E27FC236}">
-                    <a16:creationId xmlns:a16="http://schemas.microsoft.com/office/drawing/2014/main" id="{4029A950-0AC9-6746-A632-95751EB2CE78}"/>
-                  </a:ext>
-                </a:extLst>
-              </p:cNvPr>
-              <p:cNvSpPr txBox="1">
-                <a:spLocks noRot="1" noChangeAspect="1" noMove="1" noResize="1" noEditPoints="1" noAdjustHandles="1" noChangeArrowheads="1" noChangeShapeType="1" noTextEdit="1"/>
-              </p:cNvSpPr>
-              <p:nvPr/>
-            </p:nvSpPr>
-            <p:spPr>
-              <a:xfrm>
-                <a:off x="2407145" y="2918829"/>
-                <a:ext cx="6096000" cy="523220"/>
-              </a:xfrm>
-              <a:prstGeom prst="rect">
-                <a:avLst/>
-              </a:prstGeom>
-              <a:blipFill>
-                <a:blip r:embed="rId3"/>
-                <a:stretch>
-                  <a:fillRect b="-16279"/>
-                </a:stretch>
-              </a:blipFill>
-            </p:spPr>
-            <p:txBody>
-              <a:bodyPr/>
-              <a:lstStyle/>
-              <a:p>
-                <a:r>
-                  <a:rPr lang="en-US">
-                    <a:noFill/>
-                  </a:rPr>
-                  <a:t> </a:t>
-                </a:r>
-              </a:p>
-            </p:txBody>
-          </p:sp>
-        </mc:Fallback>
-      </mc:AlternateContent>
-      <mc:AlternateContent xmlns:mc="http://schemas.openxmlformats.org/markup-compatibility/2006">
-        <mc:Choice xmlns:a14="http://schemas.microsoft.com/office/drawing/2010/main" Requires="a14">
-          <p:sp>
-            <p:nvSpPr>
-              <p:cNvPr id="3" name="TextBox 2">
-                <a:extLst>
-                  <a:ext uri="{FF2B5EF4-FFF2-40B4-BE49-F238E27FC236}">
-                    <a16:creationId xmlns:a16="http://schemas.microsoft.com/office/drawing/2014/main" id="{F64C9265-C430-EDE3-38D6-FA1D98F6C922}"/>
-                  </a:ext>
-                </a:extLst>
-              </p:cNvPr>
-              <p:cNvSpPr txBox="1"/>
-              <p:nvPr/>
-            </p:nvSpPr>
-            <p:spPr>
-              <a:xfrm>
-                <a:off x="137547" y="4278812"/>
-                <a:ext cx="11916906" cy="1051185"/>
-              </a:xfrm>
-              <a:prstGeom prst="rect">
-                <a:avLst/>
-              </a:prstGeom>
-              <a:noFill/>
-            </p:spPr>
-            <p:txBody>
-              <a:bodyPr wrap="square">
-                <a:spAutoFit/>
-              </a:bodyPr>
-              <a:lstStyle/>
-              <a:p>
-                <a:pPr/>
-                <a14:m>
-                  <m:oMathPara xmlns:m="http://schemas.openxmlformats.org/officeDocument/2006/math">
-                    <m:oMathParaPr>
-                      <m:jc m:val="centerGroup"/>
-                    </m:oMathParaPr>
-                    <m:oMath xmlns:m="http://schemas.openxmlformats.org/officeDocument/2006/math">
-                      <m:sSub>
-                        <m:sSubPr>
-                          <m:ctrlPr>
-                            <a:rPr lang="en-US" sz="2800" i="1" dirty="0" smtClean="0">
-                              <a:latin typeface="Cambria Math" panose="02040503050406030204" pitchFamily="18" charset="0"/>
-                            </a:rPr>
-                          </m:ctrlPr>
-                        </m:sSubPr>
-                        <m:e>
-                          <m:sSub>
-                            <m:sSubPr>
-                              <m:ctrlPr>
-                                <a:rPr lang="en-US" sz="2800" b="0" i="1" dirty="0" smtClean="0">
-                                  <a:latin typeface="Cambria Math" panose="02040503050406030204" pitchFamily="18" charset="0"/>
-                                </a:rPr>
-                              </m:ctrlPr>
-                            </m:sSubPr>
-                            <m:e>
-                              <m:r>
-                                <a:rPr lang="en-US" sz="2800" b="0" i="1" dirty="0" smtClean="0">
-                                  <a:latin typeface="Cambria Math" panose="02040503050406030204" pitchFamily="18" charset="0"/>
-                                </a:rPr>
-                                <m:t>𝐸</m:t>
-                              </m:r>
-                            </m:e>
-                            <m:sub>
-                              <m:r>
-                                <a:rPr lang="en-US" sz="2800" b="0" i="1" dirty="0" smtClean="0">
-                                  <a:latin typeface="Cambria Math" panose="02040503050406030204" pitchFamily="18" charset="0"/>
-                                </a:rPr>
-                                <m:t>𝐷</m:t>
-                              </m:r>
-                            </m:sub>
-                          </m:sSub>
-                          <m:r>
-                            <a:rPr lang="en-US" sz="2800" b="0" i="1" dirty="0" smtClean="0">
-                              <a:latin typeface="Cambria Math" panose="02040503050406030204" pitchFamily="18" charset="0"/>
-                            </a:rPr>
-                            <m:t>(</m:t>
-                          </m:r>
-                          <m:acc>
-                            <m:accPr>
-                              <m:chr m:val="̂"/>
-                              <m:ctrlPr>
-                                <a:rPr lang="en-US" sz="2800" i="1">
-                                  <a:latin typeface="Cambria Math" panose="02040503050406030204" pitchFamily="18" charset="0"/>
-                                </a:rPr>
-                              </m:ctrlPr>
-                            </m:accPr>
-                            <m:e>
-                              <m:r>
-                                <a:rPr lang="en-US" sz="2800" i="1">
-                                  <a:latin typeface="Cambria Math" panose="02040503050406030204" pitchFamily="18" charset="0"/>
-                                </a:rPr>
-                                <m:t>𝛽</m:t>
-                              </m:r>
-                            </m:e>
-                          </m:acc>
-                        </m:e>
-                        <m:sub>
-                          <m:r>
-                            <a:rPr lang="en-US" sz="2800" b="0" i="1" smtClean="0">
-                              <a:latin typeface="Cambria Math" panose="02040503050406030204" pitchFamily="18" charset="0"/>
-                            </a:rPr>
-                            <m:t>1</m:t>
-                          </m:r>
-                        </m:sub>
-                      </m:sSub>
-                      <m:r>
-                        <a:rPr lang="en-US" sz="2800" b="0" i="1" smtClean="0">
-                          <a:latin typeface="Cambria Math" panose="02040503050406030204" pitchFamily="18" charset="0"/>
-                        </a:rPr>
-                        <m:t>)</m:t>
-                      </m:r>
-                      <m:r>
-                        <a:rPr lang="en-US" sz="2800" i="1" dirty="0">
-                          <a:latin typeface="Cambria Math" panose="02040503050406030204" pitchFamily="18" charset="0"/>
-                        </a:rPr>
-                        <m:t>=</m:t>
-                      </m:r>
-                      <m:sSub>
-                        <m:sSubPr>
-                          <m:ctrlPr>
-                            <a:rPr lang="en-US" sz="2800" b="0" i="1" dirty="0" smtClean="0">
-                              <a:latin typeface="Cambria Math" panose="02040503050406030204" pitchFamily="18" charset="0"/>
-                            </a:rPr>
-                          </m:ctrlPr>
-                        </m:sSubPr>
-                        <m:e>
-                          <m:r>
-                            <a:rPr lang="en-US" sz="2800" b="0" i="1" dirty="0" smtClean="0">
-                              <a:latin typeface="Cambria Math" panose="02040503050406030204" pitchFamily="18" charset="0"/>
-                            </a:rPr>
-                            <m:t>𝐸</m:t>
-                          </m:r>
-                        </m:e>
-                        <m:sub>
-                          <m:r>
-                            <a:rPr lang="en-US" sz="2800" b="0" i="1" dirty="0" smtClean="0">
-                              <a:latin typeface="Cambria Math" panose="02040503050406030204" pitchFamily="18" charset="0"/>
-                            </a:rPr>
-                            <m:t>𝐷</m:t>
-                          </m:r>
-                        </m:sub>
-                      </m:sSub>
-                      <m:d>
-                        <m:dPr>
-                          <m:begChr m:val="["/>
-                          <m:endChr m:val="]"/>
-                          <m:ctrlPr>
-                            <a:rPr lang="en-US" sz="2800" b="0" i="1" dirty="0" smtClean="0">
-                              <a:latin typeface="Cambria Math" panose="02040503050406030204" pitchFamily="18" charset="0"/>
-                            </a:rPr>
-                          </m:ctrlPr>
-                        </m:dPr>
-                        <m:e>
-                          <m:f>
-                            <m:fPr>
-                              <m:ctrlPr>
-                                <a:rPr lang="en-US" sz="2800" i="1" dirty="0">
-                                  <a:latin typeface="Cambria Math" panose="02040503050406030204" pitchFamily="18" charset="0"/>
-                                </a:rPr>
-                              </m:ctrlPr>
-                            </m:fPr>
-                            <m:num>
-                              <m:nary>
-                                <m:naryPr>
-                                  <m:chr m:val="∑"/>
-                                  <m:supHide m:val="on"/>
-                                  <m:ctrlPr>
-                                    <a:rPr lang="en-US" sz="2800" i="1" dirty="0">
-                                      <a:latin typeface="Cambria Math" panose="02040503050406030204" pitchFamily="18" charset="0"/>
-                                    </a:rPr>
-                                  </m:ctrlPr>
-                                </m:naryPr>
-                                <m:sub>
-                                  <m:r>
-                                    <a:rPr lang="en-US" sz="2800" i="1" dirty="0">
-                                      <a:latin typeface="Cambria Math" panose="02040503050406030204" pitchFamily="18" charset="0"/>
-                                    </a:rPr>
-                                    <m:t>𝑖</m:t>
-                                  </m:r>
-                                </m:sub>
-                                <m:sup/>
-                                <m:e>
-                                  <m:d>
-                                    <m:dPr>
-                                      <m:ctrlPr>
-                                        <a:rPr lang="en-US" sz="2800" i="1" dirty="0">
-                                          <a:latin typeface="Cambria Math" panose="02040503050406030204" pitchFamily="18" charset="0"/>
-                                        </a:rPr>
-                                      </m:ctrlPr>
-                                    </m:dPr>
-                                    <m:e>
-                                      <m:sSub>
-                                        <m:sSubPr>
-                                          <m:ctrlPr>
-                                            <a:rPr lang="en-US" sz="2800" i="1" dirty="0">
-                                              <a:latin typeface="Cambria Math" panose="02040503050406030204" pitchFamily="18" charset="0"/>
-                                            </a:rPr>
-                                          </m:ctrlPr>
-                                        </m:sSubPr>
-                                        <m:e>
-                                          <m:r>
-                                            <a:rPr lang="en-US" sz="2800" i="1" dirty="0">
-                                              <a:latin typeface="Cambria Math" panose="02040503050406030204" pitchFamily="18" charset="0"/>
-                                            </a:rPr>
-                                            <m:t>𝑥</m:t>
-                                          </m:r>
-                                        </m:e>
-                                        <m:sub>
-                                          <m:r>
-                                            <a:rPr lang="en-US" sz="2800" i="1" dirty="0">
-                                              <a:latin typeface="Cambria Math" panose="02040503050406030204" pitchFamily="18" charset="0"/>
-                                            </a:rPr>
-                                            <m:t>𝑖</m:t>
-                                          </m:r>
-                                        </m:sub>
-                                      </m:sSub>
-                                      <m:r>
-                                        <a:rPr lang="en-US" sz="2800" i="1" dirty="0">
-                                          <a:latin typeface="Cambria Math" panose="02040503050406030204" pitchFamily="18" charset="0"/>
-                                        </a:rPr>
-                                        <m:t>−</m:t>
-                                      </m:r>
-                                      <m:bar>
-                                        <m:barPr>
-                                          <m:pos m:val="top"/>
-                                          <m:ctrlPr>
-                                            <a:rPr lang="en-US" sz="2800" i="1" dirty="0">
-                                              <a:latin typeface="Cambria Math" panose="02040503050406030204" pitchFamily="18" charset="0"/>
-                                            </a:rPr>
-                                          </m:ctrlPr>
-                                        </m:barPr>
-                                        <m:e>
-                                          <m:r>
-                                            <a:rPr lang="en-US" sz="2800" i="1" dirty="0">
-                                              <a:latin typeface="Cambria Math" panose="02040503050406030204" pitchFamily="18" charset="0"/>
-                                            </a:rPr>
-                                            <m:t>𝑥</m:t>
-                                          </m:r>
-                                        </m:e>
-                                      </m:bar>
-                                    </m:e>
-                                  </m:d>
-                                  <m:d>
-                                    <m:dPr>
-                                      <m:ctrlPr>
-                                        <a:rPr lang="en-US" sz="2800" i="1" dirty="0">
-                                          <a:latin typeface="Cambria Math" panose="02040503050406030204" pitchFamily="18" charset="0"/>
-                                        </a:rPr>
-                                      </m:ctrlPr>
-                                    </m:dPr>
-                                    <m:e>
-                                      <m:sSub>
-                                        <m:sSubPr>
-                                          <m:ctrlPr>
-                                            <a:rPr lang="en-US" sz="2800" i="1" dirty="0">
-                                              <a:latin typeface="Cambria Math" panose="02040503050406030204" pitchFamily="18" charset="0"/>
-                                            </a:rPr>
-                                          </m:ctrlPr>
-                                        </m:sSubPr>
-                                        <m:e>
-                                          <m:r>
-                                            <a:rPr lang="en-US" sz="2800" i="1" dirty="0">
-                                              <a:latin typeface="Cambria Math" panose="02040503050406030204" pitchFamily="18" charset="0"/>
-                                            </a:rPr>
-                                            <m:t>𝑦</m:t>
-                                          </m:r>
-                                        </m:e>
-                                        <m:sub>
-                                          <m:r>
-                                            <a:rPr lang="en-US" sz="2800" i="1" dirty="0">
-                                              <a:latin typeface="Cambria Math" panose="02040503050406030204" pitchFamily="18" charset="0"/>
-                                            </a:rPr>
-                                            <m:t>𝑖</m:t>
-                                          </m:r>
-                                        </m:sub>
-                                      </m:sSub>
-                                      <m:r>
-                                        <a:rPr lang="en-US" sz="2800" i="1" dirty="0">
-                                          <a:latin typeface="Cambria Math" panose="02040503050406030204" pitchFamily="18" charset="0"/>
-                                        </a:rPr>
-                                        <m:t>−</m:t>
-                                      </m:r>
-                                      <m:bar>
-                                        <m:barPr>
-                                          <m:pos m:val="top"/>
-                                          <m:ctrlPr>
-                                            <a:rPr lang="en-US" sz="2800" i="1" dirty="0">
-                                              <a:latin typeface="Cambria Math" panose="02040503050406030204" pitchFamily="18" charset="0"/>
-                                            </a:rPr>
-                                          </m:ctrlPr>
-                                        </m:barPr>
-                                        <m:e>
-                                          <m:r>
-                                            <a:rPr lang="en-US" sz="2800" i="1" dirty="0">
-                                              <a:latin typeface="Cambria Math" panose="02040503050406030204" pitchFamily="18" charset="0"/>
-                                            </a:rPr>
-                                            <m:t>𝑦</m:t>
-                                          </m:r>
-                                        </m:e>
-                                      </m:bar>
-                                    </m:e>
-                                  </m:d>
-                                </m:e>
-                              </m:nary>
-                            </m:num>
-                            <m:den>
-                              <m:nary>
-                                <m:naryPr>
-                                  <m:chr m:val="∑"/>
-                                  <m:supHide m:val="on"/>
-                                  <m:ctrlPr>
-                                    <a:rPr lang="en-US" sz="2800" i="1" dirty="0">
-                                      <a:latin typeface="Cambria Math" panose="02040503050406030204" pitchFamily="18" charset="0"/>
-                                    </a:rPr>
-                                  </m:ctrlPr>
-                                </m:naryPr>
-                                <m:sub>
-                                  <m:r>
-                                    <a:rPr lang="en-US" sz="2800" i="1" dirty="0">
-                                      <a:latin typeface="Cambria Math" panose="02040503050406030204" pitchFamily="18" charset="0"/>
-                                    </a:rPr>
-                                    <m:t>𝑖</m:t>
-                                  </m:r>
-                                </m:sub>
-                                <m:sup/>
-                                <m:e>
-                                  <m:sSup>
-                                    <m:sSupPr>
-                                      <m:ctrlPr>
-                                        <a:rPr lang="en-US" sz="2800" i="1" dirty="0">
-                                          <a:latin typeface="Cambria Math" panose="02040503050406030204" pitchFamily="18" charset="0"/>
-                                        </a:rPr>
-                                      </m:ctrlPr>
-                                    </m:sSupPr>
-                                    <m:e>
-                                      <m:d>
-                                        <m:dPr>
-                                          <m:ctrlPr>
-                                            <a:rPr lang="en-US" sz="2800" i="1" dirty="0">
-                                              <a:latin typeface="Cambria Math" panose="02040503050406030204" pitchFamily="18" charset="0"/>
-                                            </a:rPr>
-                                          </m:ctrlPr>
-                                        </m:dPr>
-                                        <m:e>
-                                          <m:sSub>
-                                            <m:sSubPr>
-                                              <m:ctrlPr>
-                                                <a:rPr lang="en-US" sz="2800" i="1" dirty="0">
-                                                  <a:latin typeface="Cambria Math" panose="02040503050406030204" pitchFamily="18" charset="0"/>
-                                                </a:rPr>
-                                              </m:ctrlPr>
-                                            </m:sSubPr>
-                                            <m:e>
-                                              <m:r>
-                                                <a:rPr lang="en-US" sz="2800" i="1" dirty="0">
-                                                  <a:latin typeface="Cambria Math" panose="02040503050406030204" pitchFamily="18" charset="0"/>
-                                                </a:rPr>
-                                                <m:t>𝑥</m:t>
-                                              </m:r>
-                                            </m:e>
-                                            <m:sub>
-                                              <m:r>
-                                                <a:rPr lang="en-US" sz="2800" i="1" dirty="0">
-                                                  <a:latin typeface="Cambria Math" panose="02040503050406030204" pitchFamily="18" charset="0"/>
-                                                </a:rPr>
-                                                <m:t>𝑖</m:t>
-                                              </m:r>
-                                            </m:sub>
-                                          </m:sSub>
-                                          <m:r>
-                                            <a:rPr lang="en-US" sz="2800" i="1" dirty="0">
-                                              <a:latin typeface="Cambria Math" panose="02040503050406030204" pitchFamily="18" charset="0"/>
-                                            </a:rPr>
-                                            <m:t>−</m:t>
-                                          </m:r>
-                                          <m:bar>
-                                            <m:barPr>
-                                              <m:pos m:val="top"/>
-                                              <m:ctrlPr>
-                                                <a:rPr lang="en-US" sz="2800" i="1" dirty="0">
-                                                  <a:latin typeface="Cambria Math" panose="02040503050406030204" pitchFamily="18" charset="0"/>
-                                                </a:rPr>
-                                              </m:ctrlPr>
-                                            </m:barPr>
-                                            <m:e>
-                                              <m:r>
-                                                <a:rPr lang="en-US" sz="2800" i="1" dirty="0">
-                                                  <a:latin typeface="Cambria Math" panose="02040503050406030204" pitchFamily="18" charset="0"/>
-                                                </a:rPr>
-                                                <m:t>𝑥</m:t>
-                                              </m:r>
-                                            </m:e>
-                                          </m:bar>
-                                        </m:e>
-                                      </m:d>
-                                    </m:e>
-                                    <m:sup>
-                                      <m:r>
-                                        <a:rPr lang="en-US" sz="2800" i="1" dirty="0">
-                                          <a:latin typeface="Cambria Math" panose="02040503050406030204" pitchFamily="18" charset="0"/>
-                                        </a:rPr>
-                                        <m:t>2</m:t>
-                                      </m:r>
-                                    </m:sup>
-                                  </m:sSup>
-                                </m:e>
-                              </m:nary>
-                            </m:den>
-                          </m:f>
-                        </m:e>
-                      </m:d>
-                      <m:r>
-                        <a:rPr lang="en-US" sz="2800" b="0" i="0" dirty="0" smtClean="0">
-                          <a:latin typeface="Cambria Math" panose="02040503050406030204" pitchFamily="18" charset="0"/>
-                        </a:rPr>
-                        <m:t>=</m:t>
-                      </m:r>
-                      <m:sSub>
-                        <m:sSubPr>
-                          <m:ctrlPr>
-                            <a:rPr lang="en-US" sz="2800" i="1" dirty="0">
-                              <a:latin typeface="Cambria Math" panose="02040503050406030204" pitchFamily="18" charset="0"/>
-                            </a:rPr>
-                          </m:ctrlPr>
-                        </m:sSubPr>
-                        <m:e>
-                          <m:r>
-                            <a:rPr lang="en-US" sz="2800" i="1" dirty="0">
-                              <a:latin typeface="Cambria Math" panose="02040503050406030204" pitchFamily="18" charset="0"/>
-                            </a:rPr>
-                            <m:t>𝐸</m:t>
-                          </m:r>
-                        </m:e>
-                        <m:sub>
-                          <m:r>
-                            <a:rPr lang="en-US" sz="2800" i="1" dirty="0">
-                              <a:latin typeface="Cambria Math" panose="02040503050406030204" pitchFamily="18" charset="0"/>
-                            </a:rPr>
-                            <m:t>𝐷</m:t>
-                          </m:r>
-                        </m:sub>
-                      </m:sSub>
-                      <m:d>
-                        <m:dPr>
-                          <m:begChr m:val="["/>
-                          <m:endChr m:val="]"/>
-                          <m:ctrlPr>
-                            <a:rPr lang="en-US" sz="2800" i="1" dirty="0">
-                              <a:latin typeface="Cambria Math" panose="02040503050406030204" pitchFamily="18" charset="0"/>
-                            </a:rPr>
-                          </m:ctrlPr>
-                        </m:dPr>
-                        <m:e>
-                          <m:f>
-                            <m:fPr>
-                              <m:ctrlPr>
-                                <a:rPr lang="en-US" sz="2800" i="1" dirty="0">
-                                  <a:latin typeface="Cambria Math" panose="02040503050406030204" pitchFamily="18" charset="0"/>
-                                </a:rPr>
-                              </m:ctrlPr>
-                            </m:fPr>
-                            <m:num>
-                              <m:nary>
-                                <m:naryPr>
-                                  <m:chr m:val="∑"/>
-                                  <m:supHide m:val="on"/>
-                                  <m:ctrlPr>
-                                    <a:rPr lang="en-US" sz="2800" i="1" dirty="0">
-                                      <a:latin typeface="Cambria Math" panose="02040503050406030204" pitchFamily="18" charset="0"/>
-                                    </a:rPr>
-                                  </m:ctrlPr>
-                                </m:naryPr>
-                                <m:sub>
-                                  <m:r>
-                                    <a:rPr lang="en-US" sz="2800" i="1" dirty="0">
-                                      <a:latin typeface="Cambria Math" panose="02040503050406030204" pitchFamily="18" charset="0"/>
-                                    </a:rPr>
-                                    <m:t>𝑖</m:t>
-                                  </m:r>
-                                </m:sub>
-                                <m:sup/>
-                                <m:e>
-                                  <m:d>
-                                    <m:dPr>
-                                      <m:ctrlPr>
-                                        <a:rPr lang="en-US" sz="2800" i="1" dirty="0">
-                                          <a:latin typeface="Cambria Math" panose="02040503050406030204" pitchFamily="18" charset="0"/>
-                                        </a:rPr>
-                                      </m:ctrlPr>
-                                    </m:dPr>
-                                    <m:e>
-                                      <m:sSub>
-                                        <m:sSubPr>
-                                          <m:ctrlPr>
-                                            <a:rPr lang="en-US" sz="2800" i="1" dirty="0">
-                                              <a:latin typeface="Cambria Math" panose="02040503050406030204" pitchFamily="18" charset="0"/>
-                                            </a:rPr>
-                                          </m:ctrlPr>
-                                        </m:sSubPr>
-                                        <m:e>
-                                          <m:r>
-                                            <a:rPr lang="en-US" sz="2800" i="1" dirty="0">
-                                              <a:latin typeface="Cambria Math" panose="02040503050406030204" pitchFamily="18" charset="0"/>
-                                            </a:rPr>
-                                            <m:t>𝑥</m:t>
-                                          </m:r>
-                                        </m:e>
-                                        <m:sub>
-                                          <m:r>
-                                            <a:rPr lang="en-US" sz="2800" i="1" dirty="0">
-                                              <a:latin typeface="Cambria Math" panose="02040503050406030204" pitchFamily="18" charset="0"/>
-                                            </a:rPr>
-                                            <m:t>𝑖</m:t>
-                                          </m:r>
-                                        </m:sub>
-                                      </m:sSub>
-                                      <m:r>
-                                        <a:rPr lang="en-US" sz="2800" i="1" dirty="0">
-                                          <a:latin typeface="Cambria Math" panose="02040503050406030204" pitchFamily="18" charset="0"/>
-                                        </a:rPr>
-                                        <m:t>−</m:t>
-                                      </m:r>
-                                      <m:bar>
-                                        <m:barPr>
-                                          <m:pos m:val="top"/>
-                                          <m:ctrlPr>
-                                            <a:rPr lang="en-US" sz="2800" i="1" dirty="0">
-                                              <a:latin typeface="Cambria Math" panose="02040503050406030204" pitchFamily="18" charset="0"/>
-                                            </a:rPr>
-                                          </m:ctrlPr>
-                                        </m:barPr>
-                                        <m:e>
-                                          <m:r>
-                                            <a:rPr lang="en-US" sz="2800" i="1" dirty="0">
-                                              <a:latin typeface="Cambria Math" panose="02040503050406030204" pitchFamily="18" charset="0"/>
-                                            </a:rPr>
-                                            <m:t>𝑥</m:t>
-                                          </m:r>
-                                        </m:e>
-                                      </m:bar>
-                                    </m:e>
-                                  </m:d>
-                                  <m:d>
-                                    <m:dPr>
-                                      <m:ctrlPr>
-                                        <a:rPr lang="en-US" sz="2800" i="1" dirty="0">
-                                          <a:latin typeface="Cambria Math" panose="02040503050406030204" pitchFamily="18" charset="0"/>
-                                        </a:rPr>
-                                      </m:ctrlPr>
-                                    </m:dPr>
-                                    <m:e>
-                                      <m:sSub>
-                                        <m:sSubPr>
-                                          <m:ctrlPr>
-                                            <a:rPr lang="en-US" sz="2800" i="1" dirty="0">
-                                              <a:latin typeface="Cambria Math" panose="02040503050406030204" pitchFamily="18" charset="0"/>
-                                            </a:rPr>
-                                          </m:ctrlPr>
-                                        </m:sSubPr>
-                                        <m:e>
-                                          <m:r>
-                                            <a:rPr lang="en-US" sz="2800" b="0" i="1" dirty="0" smtClean="0">
-                                              <a:latin typeface="Cambria Math" panose="02040503050406030204" pitchFamily="18" charset="0"/>
-                                            </a:rPr>
-                                            <m:t>𝜖</m:t>
-                                          </m:r>
-                                        </m:e>
-                                        <m:sub>
-                                          <m:r>
-                                            <a:rPr lang="en-US" sz="2800" i="1" dirty="0">
-                                              <a:latin typeface="Cambria Math" panose="02040503050406030204" pitchFamily="18" charset="0"/>
-                                            </a:rPr>
-                                            <m:t>𝑖</m:t>
-                                          </m:r>
-                                        </m:sub>
-                                      </m:sSub>
-                                      <m:r>
-                                        <a:rPr lang="en-US" sz="2800" b="0" i="1" dirty="0" smtClean="0">
-                                          <a:latin typeface="Cambria Math" panose="02040503050406030204" pitchFamily="18" charset="0"/>
-                                        </a:rPr>
-                                        <m:t>+</m:t>
-                                      </m:r>
-                                      <m:sSub>
-                                        <m:sSubPr>
-                                          <m:ctrlPr>
-                                            <a:rPr lang="en-US" sz="2800" b="0" i="1" dirty="0" smtClean="0">
-                                              <a:latin typeface="Cambria Math" panose="02040503050406030204" pitchFamily="18" charset="0"/>
-                                            </a:rPr>
-                                          </m:ctrlPr>
-                                        </m:sSubPr>
-                                        <m:e>
-                                          <m:r>
-                                            <a:rPr lang="en-US" sz="2800" b="0" i="1" dirty="0" smtClean="0">
-                                              <a:latin typeface="Cambria Math" panose="02040503050406030204" pitchFamily="18" charset="0"/>
-                                            </a:rPr>
-                                            <m:t>𝛽</m:t>
-                                          </m:r>
-                                        </m:e>
-                                        <m:sub>
-                                          <m:r>
-                                            <a:rPr lang="en-US" sz="2800" b="0" i="1" dirty="0" smtClean="0">
-                                              <a:latin typeface="Cambria Math" panose="02040503050406030204" pitchFamily="18" charset="0"/>
-                                            </a:rPr>
-                                            <m:t>1</m:t>
-                                          </m:r>
-                                        </m:sub>
-                                      </m:sSub>
-                                      <m:sSub>
-                                        <m:sSubPr>
-                                          <m:ctrlPr>
-                                            <a:rPr lang="en-US" sz="2800" b="0" i="1" dirty="0" smtClean="0">
-                                              <a:latin typeface="Cambria Math" panose="02040503050406030204" pitchFamily="18" charset="0"/>
-                                            </a:rPr>
-                                          </m:ctrlPr>
-                                        </m:sSubPr>
-                                        <m:e>
-                                          <m:r>
-                                            <a:rPr lang="en-US" sz="2800" b="0" i="1" dirty="0" smtClean="0">
-                                              <a:latin typeface="Cambria Math" panose="02040503050406030204" pitchFamily="18" charset="0"/>
-                                            </a:rPr>
-                                            <m:t>(</m:t>
-                                          </m:r>
-                                          <m:r>
-                                            <a:rPr lang="en-US" sz="2800" b="0" i="1" dirty="0" smtClean="0">
-                                              <a:latin typeface="Cambria Math" panose="02040503050406030204" pitchFamily="18" charset="0"/>
-                                            </a:rPr>
-                                            <m:t>𝑥</m:t>
-                                          </m:r>
-                                        </m:e>
-                                        <m:sub>
-                                          <m:r>
-                                            <a:rPr lang="en-US" sz="2800" b="0" i="1" dirty="0" smtClean="0">
-                                              <a:latin typeface="Cambria Math" panose="02040503050406030204" pitchFamily="18" charset="0"/>
-                                            </a:rPr>
-                                            <m:t>𝑖</m:t>
-                                          </m:r>
-                                        </m:sub>
-                                      </m:sSub>
-                                      <m:r>
-                                        <a:rPr lang="en-US" sz="2800" b="0" i="1" dirty="0" smtClean="0">
-                                          <a:latin typeface="Cambria Math" panose="02040503050406030204" pitchFamily="18" charset="0"/>
-                                        </a:rPr>
-                                        <m:t>−</m:t>
-                                      </m:r>
-                                      <m:bar>
-                                        <m:barPr>
-                                          <m:pos m:val="top"/>
-                                          <m:ctrlPr>
-                                            <a:rPr lang="en-US" sz="2800" i="1" dirty="0">
-                                              <a:latin typeface="Cambria Math" panose="02040503050406030204" pitchFamily="18" charset="0"/>
-                                            </a:rPr>
-                                          </m:ctrlPr>
-                                        </m:barPr>
-                                        <m:e>
-                                          <m:r>
-                                            <a:rPr lang="en-US" sz="2800" b="0" i="1" dirty="0" smtClean="0">
-                                              <a:latin typeface="Cambria Math" panose="02040503050406030204" pitchFamily="18" charset="0"/>
-                                            </a:rPr>
-                                            <m:t>𝑥</m:t>
-                                          </m:r>
-                                        </m:e>
-                                      </m:bar>
-                                    </m:e>
-                                  </m:d>
-                                  <m:r>
-                                    <a:rPr lang="en-US" sz="2800" b="0" i="1" dirty="0" smtClean="0">
-                                      <a:latin typeface="Cambria Math" panose="02040503050406030204" pitchFamily="18" charset="0"/>
-                                    </a:rPr>
-                                    <m:t>)</m:t>
-                                  </m:r>
-                                </m:e>
-                              </m:nary>
-                            </m:num>
-                            <m:den>
-                              <m:nary>
-                                <m:naryPr>
-                                  <m:chr m:val="∑"/>
-                                  <m:supHide m:val="on"/>
-                                  <m:ctrlPr>
-                                    <a:rPr lang="en-US" sz="2800" i="1" dirty="0">
-                                      <a:latin typeface="Cambria Math" panose="02040503050406030204" pitchFamily="18" charset="0"/>
-                                    </a:rPr>
-                                  </m:ctrlPr>
-                                </m:naryPr>
-                                <m:sub>
-                                  <m:r>
-                                    <a:rPr lang="en-US" sz="2800" i="1" dirty="0">
-                                      <a:latin typeface="Cambria Math" panose="02040503050406030204" pitchFamily="18" charset="0"/>
-                                    </a:rPr>
-                                    <m:t>𝑖</m:t>
-                                  </m:r>
-                                </m:sub>
-                                <m:sup/>
-                                <m:e>
-                                  <m:sSup>
-                                    <m:sSupPr>
-                                      <m:ctrlPr>
-                                        <a:rPr lang="en-US" sz="2800" i="1" dirty="0">
-                                          <a:latin typeface="Cambria Math" panose="02040503050406030204" pitchFamily="18" charset="0"/>
-                                        </a:rPr>
-                                      </m:ctrlPr>
-                                    </m:sSupPr>
-                                    <m:e>
-                                      <m:d>
-                                        <m:dPr>
-                                          <m:ctrlPr>
-                                            <a:rPr lang="en-US" sz="2800" i="1" dirty="0">
-                                              <a:latin typeface="Cambria Math" panose="02040503050406030204" pitchFamily="18" charset="0"/>
-                                            </a:rPr>
-                                          </m:ctrlPr>
-                                        </m:dPr>
-                                        <m:e>
-                                          <m:sSub>
-                                            <m:sSubPr>
-                                              <m:ctrlPr>
-                                                <a:rPr lang="en-US" sz="2800" i="1" dirty="0">
-                                                  <a:latin typeface="Cambria Math" panose="02040503050406030204" pitchFamily="18" charset="0"/>
-                                                </a:rPr>
-                                              </m:ctrlPr>
-                                            </m:sSubPr>
-                                            <m:e>
-                                              <m:r>
-                                                <a:rPr lang="en-US" sz="2800" i="1" dirty="0">
-                                                  <a:latin typeface="Cambria Math" panose="02040503050406030204" pitchFamily="18" charset="0"/>
-                                                </a:rPr>
-                                                <m:t>𝑥</m:t>
-                                              </m:r>
-                                            </m:e>
-                                            <m:sub>
-                                              <m:r>
-                                                <a:rPr lang="en-US" sz="2800" i="1" dirty="0">
-                                                  <a:latin typeface="Cambria Math" panose="02040503050406030204" pitchFamily="18" charset="0"/>
-                                                </a:rPr>
-                                                <m:t>𝑖</m:t>
-                                              </m:r>
-                                            </m:sub>
-                                          </m:sSub>
-                                          <m:r>
-                                            <a:rPr lang="en-US" sz="2800" i="1" dirty="0">
-                                              <a:latin typeface="Cambria Math" panose="02040503050406030204" pitchFamily="18" charset="0"/>
-                                            </a:rPr>
-                                            <m:t>−</m:t>
-                                          </m:r>
-                                          <m:bar>
-                                            <m:barPr>
-                                              <m:pos m:val="top"/>
-                                              <m:ctrlPr>
-                                                <a:rPr lang="en-US" sz="2800" i="1" dirty="0">
-                                                  <a:latin typeface="Cambria Math" panose="02040503050406030204" pitchFamily="18" charset="0"/>
-                                                </a:rPr>
-                                              </m:ctrlPr>
-                                            </m:barPr>
-                                            <m:e>
-                                              <m:r>
-                                                <a:rPr lang="en-US" sz="2800" i="1" dirty="0">
-                                                  <a:latin typeface="Cambria Math" panose="02040503050406030204" pitchFamily="18" charset="0"/>
-                                                </a:rPr>
-                                                <m:t>𝑥</m:t>
-                                              </m:r>
-                                            </m:e>
-                                          </m:bar>
-                                        </m:e>
-                                      </m:d>
-                                    </m:e>
-                                    <m:sup>
-                                      <m:r>
-                                        <a:rPr lang="en-US" sz="2800" i="1" dirty="0">
-                                          <a:latin typeface="Cambria Math" panose="02040503050406030204" pitchFamily="18" charset="0"/>
-                                        </a:rPr>
-                                        <m:t>2</m:t>
-                                      </m:r>
-                                    </m:sup>
-                                  </m:sSup>
-                                </m:e>
-                              </m:nary>
-                            </m:den>
-                          </m:f>
-                        </m:e>
-                      </m:d>
-                    </m:oMath>
-                  </m:oMathPara>
-                </a14:m>
-                <a:endParaRPr lang="en-US" sz="2800" dirty="0"/>
-              </a:p>
-            </p:txBody>
-          </p:sp>
-        </mc:Choice>
-        <mc:Fallback>
-          <p:sp>
-            <p:nvSpPr>
-              <p:cNvPr id="3" name="TextBox 2">
-                <a:extLst>
-                  <a:ext uri="{FF2B5EF4-FFF2-40B4-BE49-F238E27FC236}">
-                    <a16:creationId xmlns:a16="http://schemas.microsoft.com/office/drawing/2014/main" id="{F64C9265-C430-EDE3-38D6-FA1D98F6C922}"/>
-                  </a:ext>
-                </a:extLst>
-              </p:cNvPr>
-              <p:cNvSpPr txBox="1">
-                <a:spLocks noRot="1" noChangeAspect="1" noMove="1" noResize="1" noEditPoints="1" noAdjustHandles="1" noChangeArrowheads="1" noChangeShapeType="1" noTextEdit="1"/>
-              </p:cNvSpPr>
-              <p:nvPr/>
-            </p:nvSpPr>
-            <p:spPr>
-              <a:xfrm>
-                <a:off x="137547" y="4278812"/>
-                <a:ext cx="11916906" cy="1051185"/>
-              </a:xfrm>
-              <a:prstGeom prst="rect">
-                <a:avLst/>
-              </a:prstGeom>
-              <a:blipFill>
-                <a:blip r:embed="rId4"/>
-                <a:stretch>
-                  <a:fillRect t="-64286" b="-94048"/>
-                </a:stretch>
-              </a:blipFill>
-            </p:spPr>
-            <p:txBody>
-              <a:bodyPr/>
-              <a:lstStyle/>
-              <a:p>
-                <a:r>
-                  <a:rPr lang="en-US">
-                    <a:noFill/>
-                  </a:rPr>
-                  <a:t> </a:t>
-                </a:r>
-              </a:p>
-            </p:txBody>
-          </p:sp>
-        </mc:Fallback>
-      </mc:AlternateContent>
-    </p:spTree>
-    <p:extLst>
-      <p:ext uri="{BB962C8B-B14F-4D97-AF65-F5344CB8AC3E}">
-        <p14:creationId xmlns:p14="http://schemas.microsoft.com/office/powerpoint/2010/main" val="2658015503"/>
-      </p:ext>
-    </p:extLst>
-  </p:cSld>
-  <p:clrMapOvr>
-    <a:masterClrMapping/>
-  </p:clrMapOvr>
-</p:sld>
-</file>
-
 <file path=ppt/theme/theme1.xml><?xml version="1.0" encoding="utf-8"?>
 <a:theme xmlns:a="http://schemas.openxmlformats.org/drawingml/2006/main" name="Office Theme">
   <a:themeElements>

--- a/_umkc-teaching/slides/Lecture3.pptx
+++ b/_umkc-teaching/slides/Lecture3.pptx
@@ -5732,12 +5732,31 @@
                               </m:r>
                             </m:e>
                             <m:sub>
-                              <m:r>
-                                <a:rPr lang="en-US" sz="2800" b="0" i="1" dirty="0" smtClean="0">
-                                  <a:latin typeface="Cambria Math" panose="02040503050406030204" pitchFamily="18" charset="0"/>
-                                </a:rPr>
-                                <m:t>𝐷</m:t>
-                              </m:r>
+                              <m:sSub>
+                                <m:sSubPr>
+                                  <m:ctrlPr>
+                                    <a:rPr lang="en-US" sz="2800" b="0" i="1" dirty="0" smtClean="0">
+                                      <a:latin typeface="Cambria Math" panose="02040503050406030204" pitchFamily="18" charset="0"/>
+                                    </a:rPr>
+                                  </m:ctrlPr>
+                                </m:sSubPr>
+                                <m:e>
+                                  <m:r>
+                                    <a:rPr lang="en-US" sz="2800" b="0" i="1" dirty="0" smtClean="0">
+                                      <a:latin typeface="Cambria Math" panose="02040503050406030204" pitchFamily="18" charset="0"/>
+                                    </a:rPr>
+                                    <m:t>𝜖</m:t>
+                                  </m:r>
+                                </m:e>
+                                <m:sub>
+                                  <m:r>
+                                    <a:rPr lang="en-US" sz="2800" b="0" i="1" dirty="0" smtClean="0">
+                                      <a:latin typeface="Cambria Math" panose="02040503050406030204" pitchFamily="18" charset="0"/>
+                                    </a:rPr>
+                                    <m:t>𝑖</m:t>
+                                  </m:r>
+                                </m:sub>
+                              </m:sSub>
                             </m:sub>
                           </m:sSub>
                           <m:r>
@@ -5789,26 +5808,45 @@
                       <m:sSub>
                         <m:sSubPr>
                           <m:ctrlPr>
-                            <a:rPr lang="en-US" sz="2800" b="0" i="1" dirty="0" smtClean="0">
+                            <a:rPr lang="en-US" sz="2800" i="1" dirty="0">
                               <a:latin typeface="Cambria Math" panose="02040503050406030204" pitchFamily="18" charset="0"/>
                             </a:rPr>
                           </m:ctrlPr>
                         </m:sSubPr>
                         <m:e>
                           <m:r>
-                            <a:rPr lang="en-US" sz="2800" b="0" i="1" dirty="0" smtClean="0">
+                            <a:rPr lang="en-US" sz="2800" i="1" dirty="0">
                               <a:latin typeface="Cambria Math" panose="02040503050406030204" pitchFamily="18" charset="0"/>
                             </a:rPr>
                             <m:t>𝐸</m:t>
                           </m:r>
                         </m:e>
                         <m:sub>
-                          <m:r>
-                            <a:rPr lang="en-US" sz="2800" b="0" i="1" dirty="0" smtClean="0">
-                              <a:latin typeface="Cambria Math" panose="02040503050406030204" pitchFamily="18" charset="0"/>
-                            </a:rPr>
-                            <m:t>𝐷</m:t>
-                          </m:r>
+                          <m:sSub>
+                            <m:sSubPr>
+                              <m:ctrlPr>
+                                <a:rPr lang="en-US" sz="2800" i="1" dirty="0">
+                                  <a:latin typeface="Cambria Math" panose="02040503050406030204" pitchFamily="18" charset="0"/>
+                                </a:rPr>
+                              </m:ctrlPr>
+                            </m:sSubPr>
+                            <m:e>
+                              <m:r>
+                                <a:rPr lang="en-US" sz="2800" i="1" dirty="0">
+                                  <a:latin typeface="Cambria Math" panose="02040503050406030204" pitchFamily="18" charset="0"/>
+                                </a:rPr>
+                                <m:t>𝜖</m:t>
+                              </m:r>
+                            </m:e>
+                            <m:sub>
+                              <m:r>
+                                <a:rPr lang="en-US" sz="2800" i="1" dirty="0">
+                                  <a:latin typeface="Cambria Math" panose="02040503050406030204" pitchFamily="18" charset="0"/>
+                                </a:rPr>
+                                <m:t>𝑖</m:t>
+                              </m:r>
+                            </m:sub>
+                          </m:sSub>
                         </m:sub>
                       </m:sSub>
                       <m:d>
@@ -6103,12 +6141,31 @@
                           </m:r>
                         </m:e>
                         <m:sub>
-                          <m:r>
-                            <a:rPr lang="en-US" sz="2800" i="1" dirty="0">
-                              <a:latin typeface="Cambria Math" panose="02040503050406030204" pitchFamily="18" charset="0"/>
-                            </a:rPr>
-                            <m:t>𝐷</m:t>
-                          </m:r>
+                          <m:sSub>
+                            <m:sSubPr>
+                              <m:ctrlPr>
+                                <a:rPr lang="en-US" sz="2800" i="1" dirty="0">
+                                  <a:latin typeface="Cambria Math" panose="02040503050406030204" pitchFamily="18" charset="0"/>
+                                </a:rPr>
+                              </m:ctrlPr>
+                            </m:sSubPr>
+                            <m:e>
+                              <m:r>
+                                <a:rPr lang="en-US" sz="2800" i="1" dirty="0">
+                                  <a:latin typeface="Cambria Math" panose="02040503050406030204" pitchFamily="18" charset="0"/>
+                                </a:rPr>
+                                <m:t>𝜖</m:t>
+                              </m:r>
+                            </m:e>
+                            <m:sub>
+                              <m:r>
+                                <a:rPr lang="en-US" sz="2800" i="1" dirty="0">
+                                  <a:latin typeface="Cambria Math" panose="02040503050406030204" pitchFamily="18" charset="0"/>
+                                </a:rPr>
+                                <m:t>𝑖</m:t>
+                              </m:r>
+                            </m:sub>
+                          </m:sSub>
                         </m:sub>
                       </m:sSub>
                       <m:d>
@@ -6614,12 +6671,31 @@
                           </m:r>
                         </m:e>
                         <m:sub>
-                          <m:r>
-                            <a:rPr lang="en-US" sz="2800" i="1" dirty="0">
-                              <a:latin typeface="Cambria Math" panose="02040503050406030204" pitchFamily="18" charset="0"/>
-                            </a:rPr>
-                            <m:t>𝐷</m:t>
-                          </m:r>
+                          <m:sSub>
+                            <m:sSubPr>
+                              <m:ctrlPr>
+                                <a:rPr lang="en-US" sz="2800" b="0" i="1" dirty="0" smtClean="0">
+                                  <a:latin typeface="Cambria Math" panose="02040503050406030204" pitchFamily="18" charset="0"/>
+                                </a:rPr>
+                              </m:ctrlPr>
+                            </m:sSubPr>
+                            <m:e>
+                              <m:r>
+                                <a:rPr lang="en-US" sz="2800" b="0" i="1" dirty="0" smtClean="0">
+                                  <a:latin typeface="Cambria Math" panose="02040503050406030204" pitchFamily="18" charset="0"/>
+                                </a:rPr>
+                                <m:t>𝜖</m:t>
+                              </m:r>
+                            </m:e>
+                            <m:sub>
+                              <m:r>
+                                <a:rPr lang="en-US" sz="2800" b="0" i="1" dirty="0" smtClean="0">
+                                  <a:latin typeface="Cambria Math" panose="02040503050406030204" pitchFamily="18" charset="0"/>
+                                </a:rPr>
+                                <m:t>𝑖</m:t>
+                              </m:r>
+                            </m:sub>
+                          </m:sSub>
                         </m:sub>
                       </m:sSub>
                       <m:d>
@@ -7102,12 +7178,31 @@
                           </m:r>
                         </m:e>
                         <m:sub>
-                          <m:r>
-                            <a:rPr lang="en-US" sz="2800" i="1" dirty="0">
-                              <a:latin typeface="Cambria Math" panose="02040503050406030204" pitchFamily="18" charset="0"/>
-                            </a:rPr>
-                            <m:t>𝐷</m:t>
-                          </m:r>
+                          <m:sSub>
+                            <m:sSubPr>
+                              <m:ctrlPr>
+                                <a:rPr lang="en-US" sz="2800" b="0" i="1" dirty="0" smtClean="0">
+                                  <a:latin typeface="Cambria Math" panose="02040503050406030204" pitchFamily="18" charset="0"/>
+                                </a:rPr>
+                              </m:ctrlPr>
+                            </m:sSubPr>
+                            <m:e>
+                              <m:r>
+                                <a:rPr lang="en-US" sz="2800" b="0" i="1" dirty="0" smtClean="0">
+                                  <a:latin typeface="Cambria Math" panose="02040503050406030204" pitchFamily="18" charset="0"/>
+                                </a:rPr>
+                                <m:t>𝜖</m:t>
+                              </m:r>
+                            </m:e>
+                            <m:sub>
+                              <m:r>
+                                <a:rPr lang="en-US" sz="2800" b="0" i="1" dirty="0" smtClean="0">
+                                  <a:latin typeface="Cambria Math" panose="02040503050406030204" pitchFamily="18" charset="0"/>
+                                </a:rPr>
+                                <m:t>𝑖</m:t>
+                              </m:r>
+                            </m:sub>
+                          </m:sSub>
                         </m:sub>
                       </m:sSub>
                       <m:d>
@@ -7481,26 +7576,45 @@
                       <m:sSub>
                         <m:sSubPr>
                           <m:ctrlPr>
-                            <a:rPr lang="en-US" sz="2800" b="0" i="1" dirty="0" smtClean="0">
+                            <a:rPr lang="en-US" sz="2800" i="1" dirty="0">
                               <a:latin typeface="Cambria Math" panose="02040503050406030204" pitchFamily="18" charset="0"/>
                             </a:rPr>
                           </m:ctrlPr>
                         </m:sSubPr>
                         <m:e>
                           <m:r>
-                            <a:rPr lang="en-US" sz="2800" b="0" i="1" dirty="0" smtClean="0">
+                            <a:rPr lang="en-US" sz="2800" i="1" dirty="0">
                               <a:latin typeface="Cambria Math" panose="02040503050406030204" pitchFamily="18" charset="0"/>
                             </a:rPr>
                             <m:t>𝐸</m:t>
                           </m:r>
                         </m:e>
                         <m:sub>
-                          <m:r>
-                            <a:rPr lang="en-US" sz="2800" b="0" i="1" dirty="0" smtClean="0">
-                              <a:latin typeface="Cambria Math" panose="02040503050406030204" pitchFamily="18" charset="0"/>
-                            </a:rPr>
-                            <m:t>𝐷</m:t>
-                          </m:r>
+                          <m:sSub>
+                            <m:sSubPr>
+                              <m:ctrlPr>
+                                <a:rPr lang="en-US" sz="2800" i="1" dirty="0">
+                                  <a:latin typeface="Cambria Math" panose="02040503050406030204" pitchFamily="18" charset="0"/>
+                                </a:rPr>
+                              </m:ctrlPr>
+                            </m:sSubPr>
+                            <m:e>
+                              <m:r>
+                                <a:rPr lang="en-US" sz="2800" i="1" dirty="0">
+                                  <a:latin typeface="Cambria Math" panose="02040503050406030204" pitchFamily="18" charset="0"/>
+                                </a:rPr>
+                                <m:t>𝜖</m:t>
+                              </m:r>
+                            </m:e>
+                            <m:sub>
+                              <m:r>
+                                <a:rPr lang="en-US" sz="2800" i="1" dirty="0">
+                                  <a:latin typeface="Cambria Math" panose="02040503050406030204" pitchFamily="18" charset="0"/>
+                                </a:rPr>
+                                <m:t>𝑖</m:t>
+                              </m:r>
+                            </m:sub>
+                          </m:sSub>
                         </m:sub>
                       </m:sSub>
                       <m:r>
@@ -9029,45 +9143,208 @@
           </p:sp>
         </mc:Fallback>
       </mc:AlternateContent>
-      <p:sp>
-        <p:nvSpPr>
-          <p:cNvPr id="3" name="TextBox 2">
-            <a:extLst>
-              <a:ext uri="{FF2B5EF4-FFF2-40B4-BE49-F238E27FC236}">
-                <a16:creationId xmlns:a16="http://schemas.microsoft.com/office/drawing/2014/main" id="{431B40CB-C1D5-EC5F-3788-8AF7166BABE9}"/>
-              </a:ext>
-            </a:extLst>
-          </p:cNvPr>
-          <p:cNvSpPr txBox="1"/>
-          <p:nvPr/>
-        </p:nvSpPr>
-        <p:spPr>
-          <a:xfrm>
-            <a:off x="838200" y="5202323"/>
-            <a:ext cx="10515600" cy="523220"/>
-          </a:xfrm>
-          <a:prstGeom prst="rect">
-            <a:avLst/>
-          </a:prstGeom>
-          <a:noFill/>
-        </p:spPr>
-        <p:txBody>
-          <a:bodyPr wrap="square">
-            <a:spAutoFit/>
-          </a:bodyPr>
-          <a:lstStyle/>
-          <a:p>
-            <a:r>
-              <a:rPr lang="en-US" sz="2800" b="0" dirty="0"/>
-              <a:t>What if we have a lot of training data samp</a:t>
-            </a:r>
-            <a:r>
-              <a:rPr lang="en-US" sz="2800" dirty="0"/>
-              <a:t>les?</a:t>
-            </a:r>
-          </a:p>
-        </p:txBody>
-      </p:sp>
+      <mc:AlternateContent xmlns:mc="http://schemas.openxmlformats.org/markup-compatibility/2006">
+        <mc:Choice xmlns:a14="http://schemas.microsoft.com/office/drawing/2010/main" Requires="a14">
+          <p:sp>
+            <p:nvSpPr>
+              <p:cNvPr id="4" name="TextBox 3">
+                <a:extLst>
+                  <a:ext uri="{FF2B5EF4-FFF2-40B4-BE49-F238E27FC236}">
+                    <a16:creationId xmlns:a16="http://schemas.microsoft.com/office/drawing/2014/main" id="{9618F909-B6EC-3786-618E-A25B32448DFC}"/>
+                  </a:ext>
+                </a:extLst>
+              </p:cNvPr>
+              <p:cNvSpPr txBox="1"/>
+              <p:nvPr/>
+            </p:nvSpPr>
+            <p:spPr>
+              <a:xfrm>
+                <a:off x="838200" y="5167762"/>
+                <a:ext cx="10641525" cy="581121"/>
+              </a:xfrm>
+              <a:prstGeom prst="rect">
+                <a:avLst/>
+              </a:prstGeom>
+              <a:noFill/>
+            </p:spPr>
+            <p:txBody>
+              <a:bodyPr wrap="square">
+                <a:spAutoFit/>
+              </a:bodyPr>
+              <a:lstStyle/>
+              <a:p>
+                <a:pPr/>
+                <a14:m>
+                  <m:oMath xmlns:m="http://schemas.openxmlformats.org/officeDocument/2006/math">
+                    <m:acc>
+                      <m:accPr>
+                        <m:chr m:val="̂"/>
+                        <m:ctrlPr>
+                          <a:rPr lang="en-US" sz="2800" b="0" i="1" dirty="0" smtClean="0">
+                            <a:latin typeface="Cambria Math" panose="02040503050406030204" pitchFamily="18" charset="0"/>
+                          </a:rPr>
+                        </m:ctrlPr>
+                      </m:accPr>
+                      <m:e>
+                        <m:r>
+                          <a:rPr lang="en-US" sz="2800" b="0" i="1" dirty="0" smtClean="0">
+                            <a:latin typeface="Cambria Math" panose="02040503050406030204" pitchFamily="18" charset="0"/>
+                          </a:rPr>
+                          <m:t>𝛽</m:t>
+                        </m:r>
+                      </m:e>
+                    </m:acc>
+                    <m:r>
+                      <a:rPr lang="en-US" sz="2800" b="0" i="1" dirty="0" smtClean="0">
+                        <a:latin typeface="Cambria Math" panose="02040503050406030204" pitchFamily="18" charset="0"/>
+                      </a:rPr>
+                      <m:t>∼</m:t>
+                    </m:r>
+                    <m:r>
+                      <a:rPr lang="en-US" sz="2800" b="0" i="1" dirty="0" smtClean="0">
+                        <a:latin typeface="Cambria Math" panose="02040503050406030204" pitchFamily="18" charset="0"/>
+                      </a:rPr>
+                      <m:t>𝑁</m:t>
+                    </m:r>
+                    <m:r>
+                      <a:rPr lang="en-US" sz="2800" b="0" i="1" dirty="0" smtClean="0">
+                        <a:latin typeface="Cambria Math" panose="02040503050406030204" pitchFamily="18" charset="0"/>
+                      </a:rPr>
+                      <m:t>(</m:t>
+                    </m:r>
+                    <m:r>
+                      <a:rPr lang="en-US" sz="2800" b="0" i="1" dirty="0" smtClean="0">
+                        <a:latin typeface="Cambria Math" panose="02040503050406030204" pitchFamily="18" charset="0"/>
+                      </a:rPr>
+                      <m:t>𝛽</m:t>
+                    </m:r>
+                    <m:r>
+                      <a:rPr lang="en-US" sz="2800" b="0" i="1" dirty="0" smtClean="0">
+                        <a:latin typeface="Cambria Math" panose="02040503050406030204" pitchFamily="18" charset="0"/>
+                      </a:rPr>
+                      <m:t>, </m:t>
+                    </m:r>
+                    <m:r>
+                      <a:rPr lang="en-US" sz="2800" b="0" i="1" dirty="0" smtClean="0">
+                        <a:latin typeface="Cambria Math" panose="02040503050406030204" pitchFamily="18" charset="0"/>
+                      </a:rPr>
+                      <m:t>𝑆</m:t>
+                    </m:r>
+                    <m:sSup>
+                      <m:sSupPr>
+                        <m:ctrlPr>
+                          <a:rPr lang="en-US" sz="2800" b="0" i="1" dirty="0" smtClean="0">
+                            <a:latin typeface="Cambria Math" panose="02040503050406030204" pitchFamily="18" charset="0"/>
+                          </a:rPr>
+                        </m:ctrlPr>
+                      </m:sSupPr>
+                      <m:e>
+                        <m:r>
+                          <a:rPr lang="en-US" sz="2800" b="0" i="1" dirty="0" smtClean="0">
+                            <a:latin typeface="Cambria Math" panose="02040503050406030204" pitchFamily="18" charset="0"/>
+                          </a:rPr>
+                          <m:t>𝐸</m:t>
+                        </m:r>
+                      </m:e>
+                      <m:sup>
+                        <m:r>
+                          <a:rPr lang="en-US" sz="2800" b="0" i="1" dirty="0" smtClean="0">
+                            <a:latin typeface="Cambria Math" panose="02040503050406030204" pitchFamily="18" charset="0"/>
+                          </a:rPr>
+                          <m:t>2</m:t>
+                        </m:r>
+                      </m:sup>
+                    </m:sSup>
+                    <m:d>
+                      <m:dPr>
+                        <m:ctrlPr>
+                          <a:rPr lang="en-US" sz="2800" b="0" i="1" dirty="0" smtClean="0">
+                            <a:latin typeface="Cambria Math" panose="02040503050406030204" pitchFamily="18" charset="0"/>
+                          </a:rPr>
+                        </m:ctrlPr>
+                      </m:dPr>
+                      <m:e>
+                        <m:acc>
+                          <m:accPr>
+                            <m:chr m:val="̂"/>
+                            <m:ctrlPr>
+                              <a:rPr lang="en-US" sz="2800" i="1" dirty="0">
+                                <a:latin typeface="Cambria Math" panose="02040503050406030204" pitchFamily="18" charset="0"/>
+                              </a:rPr>
+                            </m:ctrlPr>
+                          </m:accPr>
+                          <m:e>
+                            <m:r>
+                              <a:rPr lang="en-US" sz="2800" i="1" dirty="0">
+                                <a:latin typeface="Cambria Math" panose="02040503050406030204" pitchFamily="18" charset="0"/>
+                              </a:rPr>
+                              <m:t>𝛽</m:t>
+                            </m:r>
+                          </m:e>
+                        </m:acc>
+                      </m:e>
+                    </m:d>
+                    <m:r>
+                      <a:rPr lang="en-US" sz="2800" b="0" i="1" dirty="0" smtClean="0">
+                        <a:latin typeface="Cambria Math" panose="02040503050406030204" pitchFamily="18" charset="0"/>
+                      </a:rPr>
+                      <m:t>)</m:t>
+                    </m:r>
+                  </m:oMath>
+                </a14:m>
+                <a:r>
+                  <a:rPr lang="en-US" sz="2800" dirty="0"/>
+                  <a:t>   Why Gaussian distribution?</a:t>
+                </a:r>
+              </a:p>
+            </p:txBody>
+          </p:sp>
+        </mc:Choice>
+        <mc:Fallback>
+          <p:sp>
+            <p:nvSpPr>
+              <p:cNvPr id="4" name="TextBox 3">
+                <a:extLst>
+                  <a:ext uri="{FF2B5EF4-FFF2-40B4-BE49-F238E27FC236}">
+                    <a16:creationId xmlns:a16="http://schemas.microsoft.com/office/drawing/2014/main" id="{9618F909-B6EC-3786-618E-A25B32448DFC}"/>
+                  </a:ext>
+                </a:extLst>
+              </p:cNvPr>
+              <p:cNvSpPr txBox="1">
+                <a:spLocks noRot="1" noChangeAspect="1" noMove="1" noResize="1" noEditPoints="1" noAdjustHandles="1" noChangeArrowheads="1" noChangeShapeType="1" noTextEdit="1"/>
+              </p:cNvSpPr>
+              <p:nvPr/>
+            </p:nvSpPr>
+            <p:spPr>
+              <a:xfrm>
+                <a:off x="838200" y="5167762"/>
+                <a:ext cx="10641525" cy="581121"/>
+              </a:xfrm>
+              <a:prstGeom prst="rect">
+                <a:avLst/>
+              </a:prstGeom>
+              <a:blipFill>
+                <a:blip r:embed="rId7"/>
+                <a:stretch>
+                  <a:fillRect l="-716" t="-6522" b="-23913"/>
+                </a:stretch>
+              </a:blipFill>
+            </p:spPr>
+            <p:txBody>
+              <a:bodyPr/>
+              <a:lstStyle/>
+              <a:p>
+                <a:r>
+                  <a:rPr lang="en-US">
+                    <a:noFill/>
+                  </a:rPr>
+                  <a:t> </a:t>
+                </a:r>
+              </a:p>
+            </p:txBody>
+          </p:sp>
+        </mc:Fallback>
+      </mc:AlternateContent>
     </p:spTree>
     <p:extLst>
       <p:ext uri="{BB962C8B-B14F-4D97-AF65-F5344CB8AC3E}">
@@ -9082,7 +9359,7 @@
 </file>
 
 <file path=ppt/slides/slide13.xml><?xml version="1.0" encoding="utf-8"?>
-<p:sld xmlns:a="http://schemas.openxmlformats.org/drawingml/2006/main" xmlns:r="http://schemas.openxmlformats.org/officeDocument/2006/relationships" xmlns:p="http://schemas.openxmlformats.org/presentationml/2006/main">
+<p:sld xmlns:a="http://schemas.openxmlformats.org/drawingml/2006/main" xmlns:r="http://schemas.openxmlformats.org/officeDocument/2006/relationships" xmlns:p="http://schemas.openxmlformats.org/presentationml/2006/main" show="0">
   <p:cSld>
     <p:spTree>
       <p:nvGrpSpPr>
@@ -13031,7 +13308,7 @@
           <a:p>
             <a:r>
               <a:rPr lang="en-US" dirty="0"/>
-              <a:t>Hypothesis Testing For LR</a:t>
+              <a:t>Hypothesis Testing</a:t>
             </a:r>
           </a:p>
         </p:txBody>
@@ -16309,13 +16586,8 @@
           <a:p>
             <a:r>
               <a:rPr lang="en-US" dirty="0"/>
-              <a:t>Bias and Variance </a:t>
+              <a:t>Bias and Variance (Corrections)</a:t>
             </a:r>
-            <a:r>
-              <a:rPr lang="en-US"/>
-              <a:t>(Corrections)</a:t>
-            </a:r>
-            <a:endParaRPr lang="en-US" dirty="0"/>
           </a:p>
         </p:txBody>
       </p:sp>
@@ -18247,7 +18519,7 @@
 </file>
 
 <file path=ppt/slides/slide6.xml><?xml version="1.0" encoding="utf-8"?>
-<p:sld xmlns:a="http://schemas.openxmlformats.org/drawingml/2006/main" xmlns:r="http://schemas.openxmlformats.org/officeDocument/2006/relationships" xmlns:p="http://schemas.openxmlformats.org/presentationml/2006/main">
+<p:sld xmlns:a="http://schemas.openxmlformats.org/drawingml/2006/main" xmlns:r="http://schemas.openxmlformats.org/officeDocument/2006/relationships" xmlns:p="http://schemas.openxmlformats.org/presentationml/2006/main" show="0">
   <p:cSld>
     <p:spTree>
       <p:nvGrpSpPr>

--- a/_umkc-teaching/slides/Lecture3.pptx
+++ b/_umkc-teaching/slides/Lecture3.pptx
@@ -7868,12 +7868,31 @@
                           </m:r>
                         </m:e>
                         <m:sub>
-                          <m:r>
-                            <a:rPr lang="en-US" sz="2800" b="0" i="1" dirty="0" smtClean="0">
-                              <a:latin typeface="Cambria Math" panose="02040503050406030204" pitchFamily="18" charset="0"/>
-                            </a:rPr>
-                            <m:t>𝐷</m:t>
-                          </m:r>
+                          <m:sSub>
+                            <m:sSubPr>
+                              <m:ctrlPr>
+                                <a:rPr lang="en-US" sz="2800" b="0" i="1" dirty="0" smtClean="0">
+                                  <a:latin typeface="Cambria Math" panose="02040503050406030204" pitchFamily="18" charset="0"/>
+                                </a:rPr>
+                              </m:ctrlPr>
+                            </m:sSubPr>
+                            <m:e>
+                              <m:r>
+                                <a:rPr lang="en-US" sz="2800" b="0" i="1" dirty="0" smtClean="0">
+                                  <a:latin typeface="Cambria Math" panose="02040503050406030204" pitchFamily="18" charset="0"/>
+                                </a:rPr>
+                                <m:t>𝜖</m:t>
+                              </m:r>
+                            </m:e>
+                            <m:sub>
+                              <m:r>
+                                <a:rPr lang="en-US" sz="2800" b="0" i="1" dirty="0" smtClean="0">
+                                  <a:latin typeface="Cambria Math" panose="02040503050406030204" pitchFamily="18" charset="0"/>
+                                </a:rPr>
+                                <m:t>𝑖</m:t>
+                              </m:r>
+                            </m:sub>
+                          </m:sSub>
                         </m:sub>
                       </m:sSub>
                       <m:r>

--- a/_umkc-teaching/slides/Lecture3.pptx
+++ b/_umkc-teaching/slides/Lecture3.pptx
@@ -220,7 +220,7 @@
           <a:p>
             <a:fld id="{7AF9442D-9D7C-40D7-A5A3-649EA8C158D2}" type="datetimeFigureOut">
               <a:rPr lang="en-US" smtClean="0"/>
-              <a:t>8/29/23</a:t>
+              <a:t>9/3/23</a:t>
             </a:fld>
             <a:endParaRPr lang="en-US"/>
           </a:p>
@@ -2380,7 +2380,7 @@
           <a:p>
             <a:fld id="{41748473-9145-41F0-ADB9-654A949CD218}" type="datetimeFigureOut">
               <a:rPr lang="en-US" smtClean="0"/>
-              <a:t>8/29/23</a:t>
+              <a:t>9/3/23</a:t>
             </a:fld>
             <a:endParaRPr lang="en-US"/>
           </a:p>
@@ -2548,7 +2548,7 @@
           <a:p>
             <a:fld id="{41748473-9145-41F0-ADB9-654A949CD218}" type="datetimeFigureOut">
               <a:rPr lang="en-US" smtClean="0"/>
-              <a:t>8/29/23</a:t>
+              <a:t>9/3/23</a:t>
             </a:fld>
             <a:endParaRPr lang="en-US"/>
           </a:p>
@@ -2726,7 +2726,7 @@
           <a:p>
             <a:fld id="{41748473-9145-41F0-ADB9-654A949CD218}" type="datetimeFigureOut">
               <a:rPr lang="en-US" smtClean="0"/>
-              <a:t>8/29/23</a:t>
+              <a:t>9/3/23</a:t>
             </a:fld>
             <a:endParaRPr lang="en-US"/>
           </a:p>
@@ -2894,7 +2894,7 @@
           <a:p>
             <a:fld id="{41748473-9145-41F0-ADB9-654A949CD218}" type="datetimeFigureOut">
               <a:rPr lang="en-US" smtClean="0"/>
-              <a:t>8/29/23</a:t>
+              <a:t>9/3/23</a:t>
             </a:fld>
             <a:endParaRPr lang="en-US"/>
           </a:p>
@@ -3139,7 +3139,7 @@
           <a:p>
             <a:fld id="{41748473-9145-41F0-ADB9-654A949CD218}" type="datetimeFigureOut">
               <a:rPr lang="en-US" smtClean="0"/>
-              <a:t>8/29/23</a:t>
+              <a:t>9/3/23</a:t>
             </a:fld>
             <a:endParaRPr lang="en-US"/>
           </a:p>
@@ -3368,7 +3368,7 @@
           <a:p>
             <a:fld id="{41748473-9145-41F0-ADB9-654A949CD218}" type="datetimeFigureOut">
               <a:rPr lang="en-US" smtClean="0"/>
-              <a:t>8/29/23</a:t>
+              <a:t>9/3/23</a:t>
             </a:fld>
             <a:endParaRPr lang="en-US"/>
           </a:p>
@@ -3732,7 +3732,7 @@
           <a:p>
             <a:fld id="{41748473-9145-41F0-ADB9-654A949CD218}" type="datetimeFigureOut">
               <a:rPr lang="en-US" smtClean="0"/>
-              <a:t>8/29/23</a:t>
+              <a:t>9/3/23</a:t>
             </a:fld>
             <a:endParaRPr lang="en-US"/>
           </a:p>
@@ -3849,7 +3849,7 @@
           <a:p>
             <a:fld id="{41748473-9145-41F0-ADB9-654A949CD218}" type="datetimeFigureOut">
               <a:rPr lang="en-US" smtClean="0"/>
-              <a:t>8/29/23</a:t>
+              <a:t>9/3/23</a:t>
             </a:fld>
             <a:endParaRPr lang="en-US"/>
           </a:p>
@@ -3944,7 +3944,7 @@
           <a:p>
             <a:fld id="{41748473-9145-41F0-ADB9-654A949CD218}" type="datetimeFigureOut">
               <a:rPr lang="en-US" smtClean="0"/>
-              <a:t>8/29/23</a:t>
+              <a:t>9/3/23</a:t>
             </a:fld>
             <a:endParaRPr lang="en-US"/>
           </a:p>
@@ -4219,7 +4219,7 @@
           <a:p>
             <a:fld id="{41748473-9145-41F0-ADB9-654A949CD218}" type="datetimeFigureOut">
               <a:rPr lang="en-US" smtClean="0"/>
-              <a:t>8/29/23</a:t>
+              <a:t>9/3/23</a:t>
             </a:fld>
             <a:endParaRPr lang="en-US"/>
           </a:p>
@@ -4471,7 +4471,7 @@
           <a:p>
             <a:fld id="{41748473-9145-41F0-ADB9-654A949CD218}" type="datetimeFigureOut">
               <a:rPr lang="en-US" smtClean="0"/>
-              <a:t>8/29/23</a:t>
+              <a:t>9/3/23</a:t>
             </a:fld>
             <a:endParaRPr lang="en-US"/>
           </a:p>
@@ -4682,7 +4682,7 @@
           <a:p>
             <a:fld id="{41748473-9145-41F0-ADB9-654A949CD218}" type="datetimeFigureOut">
               <a:rPr lang="en-US" smtClean="0"/>
-              <a:t>8/29/23</a:t>
+              <a:t>9/3/23</a:t>
             </a:fld>
             <a:endParaRPr lang="en-US"/>
           </a:p>
@@ -5418,8 +5418,8 @@
           </a:p>
         </p:txBody>
       </p:sp>
-      <mc:AlternateContent xmlns:mc="http://schemas.openxmlformats.org/markup-compatibility/2006">
-        <mc:Choice xmlns:a14="http://schemas.microsoft.com/office/drawing/2010/main" Requires="a14">
+      <mc:AlternateContent xmlns:mc="http://schemas.openxmlformats.org/markup-compatibility/2006" xmlns:a14="http://schemas.microsoft.com/office/drawing/2010/main">
+        <mc:Choice Requires="a14">
           <p:sp>
             <p:nvSpPr>
               <p:cNvPr id="7" name="TextBox 6">
@@ -5624,7 +5624,7 @@
             </p:txBody>
           </p:sp>
         </mc:Choice>
-        <mc:Fallback>
+        <mc:Fallback xmlns="">
           <p:sp>
             <p:nvSpPr>
               <p:cNvPr id="7" name="TextBox 6">
@@ -5669,8 +5669,8 @@
           </p:sp>
         </mc:Fallback>
       </mc:AlternateContent>
-      <mc:AlternateContent xmlns:mc="http://schemas.openxmlformats.org/markup-compatibility/2006">
-        <mc:Choice xmlns:a14="http://schemas.microsoft.com/office/drawing/2010/main" Requires="a14">
+      <mc:AlternateContent xmlns:mc="http://schemas.openxmlformats.org/markup-compatibility/2006" xmlns:a14="http://schemas.microsoft.com/office/drawing/2010/main">
+        <mc:Choice Requires="a14">
           <p:sp>
             <p:nvSpPr>
               <p:cNvPr id="3" name="TextBox 2">
@@ -6513,7 +6513,7 @@
             </p:txBody>
           </p:sp>
         </mc:Choice>
-        <mc:Fallback>
+        <mc:Fallback xmlns="">
           <p:sp>
             <p:nvSpPr>
               <p:cNvPr id="3" name="TextBox 2">
@@ -6617,8 +6617,8 @@
           </a:p>
         </p:txBody>
       </p:sp>
-      <mc:AlternateContent xmlns:mc="http://schemas.openxmlformats.org/markup-compatibility/2006">
-        <mc:Choice xmlns:a14="http://schemas.microsoft.com/office/drawing/2010/main" Requires="a14">
+      <mc:AlternateContent xmlns:mc="http://schemas.openxmlformats.org/markup-compatibility/2006" xmlns:a14="http://schemas.microsoft.com/office/drawing/2010/main">
+        <mc:Choice Requires="a14">
           <p:sp>
             <p:nvSpPr>
               <p:cNvPr id="3" name="TextBox 2">
@@ -7769,7 +7769,7 @@
             </p:txBody>
           </p:sp>
         </mc:Choice>
-        <mc:Fallback>
+        <mc:Fallback xmlns="">
           <p:sp>
             <p:nvSpPr>
               <p:cNvPr id="3" name="TextBox 2">
@@ -7814,8 +7814,8 @@
           </p:sp>
         </mc:Fallback>
       </mc:AlternateContent>
-      <mc:AlternateContent xmlns:mc="http://schemas.openxmlformats.org/markup-compatibility/2006">
-        <mc:Choice xmlns:a14="http://schemas.microsoft.com/office/drawing/2010/main" Requires="a14">
+      <mc:AlternateContent xmlns:mc="http://schemas.openxmlformats.org/markup-compatibility/2006" xmlns:a14="http://schemas.microsoft.com/office/drawing/2010/main">
+        <mc:Choice Requires="a14">
           <p:sp>
             <p:nvSpPr>
               <p:cNvPr id="5" name="TextBox 4">
@@ -7997,7 +7997,7 @@
             </p:txBody>
           </p:sp>
         </mc:Choice>
-        <mc:Fallback>
+        <mc:Fallback xmlns="">
           <p:sp>
             <p:nvSpPr>
               <p:cNvPr id="5" name="TextBox 4">
@@ -9162,8 +9162,8 @@
           </p:sp>
         </mc:Fallback>
       </mc:AlternateContent>
-      <mc:AlternateContent xmlns:mc="http://schemas.openxmlformats.org/markup-compatibility/2006">
-        <mc:Choice xmlns:a14="http://schemas.microsoft.com/office/drawing/2010/main" Requires="a14">
+      <mc:AlternateContent xmlns:mc="http://schemas.openxmlformats.org/markup-compatibility/2006" xmlns:a14="http://schemas.microsoft.com/office/drawing/2010/main">
+        <mc:Choice Requires="a14">
           <p:sp>
             <p:nvSpPr>
               <p:cNvPr id="4" name="TextBox 3">
@@ -9192,7 +9192,6 @@
               </a:bodyPr>
               <a:lstStyle/>
               <a:p>
-                <a:pPr/>
                 <a14:m>
                   <m:oMath xmlns:m="http://schemas.openxmlformats.org/officeDocument/2006/math">
                     <m:acc>
@@ -9319,7 +9318,7 @@
             </p:txBody>
           </p:sp>
         </mc:Choice>
-        <mc:Fallback>
+        <mc:Fallback xmlns="">
           <p:sp>
             <p:nvSpPr>
               <p:cNvPr id="4" name="TextBox 3">
@@ -9462,8 +9461,8 @@
           </a:p>
         </p:txBody>
       </p:sp>
-      <mc:AlternateContent xmlns:mc="http://schemas.openxmlformats.org/markup-compatibility/2006">
-        <mc:Choice xmlns:a14="http://schemas.microsoft.com/office/drawing/2010/main" Requires="a14">
+      <mc:AlternateContent xmlns:mc="http://schemas.openxmlformats.org/markup-compatibility/2006" xmlns:a14="http://schemas.microsoft.com/office/drawing/2010/main">
+        <mc:Choice Requires="a14">
           <p:sp>
             <p:nvSpPr>
               <p:cNvPr id="9" name="TextBox 8">
@@ -9728,7 +9727,7 @@
             </p:txBody>
           </p:sp>
         </mc:Choice>
-        <mc:Fallback>
+        <mc:Fallback xmlns="">
           <p:sp>
             <p:nvSpPr>
               <p:cNvPr id="9" name="TextBox 8">
@@ -9773,8 +9772,8 @@
           </p:sp>
         </mc:Fallback>
       </mc:AlternateContent>
-      <mc:AlternateContent xmlns:mc="http://schemas.openxmlformats.org/markup-compatibility/2006">
-        <mc:Choice xmlns:a14="http://schemas.microsoft.com/office/drawing/2010/main" Requires="a14">
+      <mc:AlternateContent xmlns:mc="http://schemas.openxmlformats.org/markup-compatibility/2006" xmlns:a14="http://schemas.microsoft.com/office/drawing/2010/main">
+        <mc:Choice Requires="a14">
           <p:sp>
             <p:nvSpPr>
               <p:cNvPr id="10" name="TextBox 9">
@@ -10118,7 +10117,7 @@
             </p:txBody>
           </p:sp>
         </mc:Choice>
-        <mc:Fallback>
+        <mc:Fallback xmlns="">
           <p:sp>
             <p:nvSpPr>
               <p:cNvPr id="10" name="TextBox 9">
@@ -10163,8 +10162,8 @@
           </p:sp>
         </mc:Fallback>
       </mc:AlternateContent>
-      <mc:AlternateContent xmlns:mc="http://schemas.openxmlformats.org/markup-compatibility/2006">
-        <mc:Choice xmlns:a14="http://schemas.microsoft.com/office/drawing/2010/main" Requires="a14">
+      <mc:AlternateContent xmlns:mc="http://schemas.openxmlformats.org/markup-compatibility/2006" xmlns:a14="http://schemas.microsoft.com/office/drawing/2010/main">
+        <mc:Choice Requires="a14">
           <p:sp>
             <p:nvSpPr>
               <p:cNvPr id="11" name="TextBox 10">
@@ -10263,7 +10262,7 @@
             </p:txBody>
           </p:sp>
         </mc:Choice>
-        <mc:Fallback>
+        <mc:Fallback xmlns="">
           <p:sp>
             <p:nvSpPr>
               <p:cNvPr id="11" name="TextBox 10">
@@ -10308,8 +10307,8 @@
           </p:sp>
         </mc:Fallback>
       </mc:AlternateContent>
-      <mc:AlternateContent xmlns:mc="http://schemas.openxmlformats.org/markup-compatibility/2006">
-        <mc:Choice xmlns:a14="http://schemas.microsoft.com/office/drawing/2010/main" Requires="a14">
+      <mc:AlternateContent xmlns:mc="http://schemas.openxmlformats.org/markup-compatibility/2006" xmlns:a14="http://schemas.microsoft.com/office/drawing/2010/main">
+        <mc:Choice Requires="a14">
           <p:sp>
             <p:nvSpPr>
               <p:cNvPr id="3" name="TextBox 2">
@@ -10338,7 +10337,6 @@
               </a:bodyPr>
               <a:lstStyle/>
               <a:p>
-                <a:pPr/>
                 <a14:m>
                   <m:oMath xmlns:m="http://schemas.openxmlformats.org/officeDocument/2006/math">
                     <m:acc>
@@ -10465,7 +10463,7 @@
             </p:txBody>
           </p:sp>
         </mc:Choice>
-        <mc:Fallback>
+        <mc:Fallback xmlns="">
           <p:sp>
             <p:nvSpPr>
               <p:cNvPr id="3" name="TextBox 2">
@@ -10605,8 +10603,8 @@
           </a:p>
         </p:txBody>
       </p:sp>
-      <mc:AlternateContent xmlns:mc="http://schemas.openxmlformats.org/markup-compatibility/2006">
-        <mc:Choice xmlns:a14="http://schemas.microsoft.com/office/drawing/2010/main" Requires="a14">
+      <mc:AlternateContent xmlns:mc="http://schemas.openxmlformats.org/markup-compatibility/2006" xmlns:a14="http://schemas.microsoft.com/office/drawing/2010/main">
+        <mc:Choice Requires="a14">
           <p:sp>
             <p:nvSpPr>
               <p:cNvPr id="7" name="TextBox 6">
@@ -10781,7 +10779,7 @@
             </p:txBody>
           </p:sp>
         </mc:Choice>
-        <mc:Fallback>
+        <mc:Fallback xmlns="">
           <p:sp>
             <p:nvSpPr>
               <p:cNvPr id="7" name="TextBox 6">
@@ -10826,8 +10824,8 @@
           </p:sp>
         </mc:Fallback>
       </mc:AlternateContent>
-      <mc:AlternateContent xmlns:mc="http://schemas.openxmlformats.org/markup-compatibility/2006">
-        <mc:Choice xmlns:a14="http://schemas.microsoft.com/office/drawing/2010/main" Requires="a14">
+      <mc:AlternateContent xmlns:mc="http://schemas.openxmlformats.org/markup-compatibility/2006" xmlns:a14="http://schemas.microsoft.com/office/drawing/2010/main">
+        <mc:Choice Requires="a14">
           <p:sp>
             <p:nvSpPr>
               <p:cNvPr id="13" name="TextBox 12">
@@ -10882,7 +10880,7 @@
             </p:txBody>
           </p:sp>
         </mc:Choice>
-        <mc:Fallback>
+        <mc:Fallback xmlns="">
           <p:sp>
             <p:nvSpPr>
               <p:cNvPr id="13" name="TextBox 12">
@@ -10927,8 +10925,8 @@
           </p:sp>
         </mc:Fallback>
       </mc:AlternateContent>
-      <mc:AlternateContent xmlns:mc="http://schemas.openxmlformats.org/markup-compatibility/2006">
-        <mc:Choice xmlns:a14="http://schemas.microsoft.com/office/drawing/2010/main" Requires="a14">
+      <mc:AlternateContent xmlns:mc="http://schemas.openxmlformats.org/markup-compatibility/2006" xmlns:a14="http://schemas.microsoft.com/office/drawing/2010/main">
+        <mc:Choice Requires="a14">
           <p:sp>
             <p:nvSpPr>
               <p:cNvPr id="3" name="TextBox 2">
@@ -10957,7 +10955,6 @@
               </a:bodyPr>
               <a:lstStyle/>
               <a:p>
-                <a:pPr/>
                 <a14:m>
                   <m:oMath xmlns:m="http://schemas.openxmlformats.org/officeDocument/2006/math">
                     <m:acc>
@@ -11220,7 +11217,7 @@
             </p:txBody>
           </p:sp>
         </mc:Choice>
-        <mc:Fallback>
+        <mc:Fallback xmlns="">
           <p:sp>
             <p:nvSpPr>
               <p:cNvPr id="3" name="TextBox 2">
@@ -11324,8 +11321,8 @@
           </a:p>
         </p:txBody>
       </p:sp>
-      <mc:AlternateContent xmlns:mc="http://schemas.openxmlformats.org/markup-compatibility/2006">
-        <mc:Choice xmlns:a14="http://schemas.microsoft.com/office/drawing/2010/main" Requires="a14">
+      <mc:AlternateContent xmlns:mc="http://schemas.openxmlformats.org/markup-compatibility/2006" xmlns:a14="http://schemas.microsoft.com/office/drawing/2010/main">
+        <mc:Choice Requires="a14">
           <p:sp>
             <p:nvSpPr>
               <p:cNvPr id="3" name="TextBox 2">
@@ -11434,7 +11431,7 @@
             </p:txBody>
           </p:sp>
         </mc:Choice>
-        <mc:Fallback>
+        <mc:Fallback xmlns="">
           <p:sp>
             <p:nvSpPr>
               <p:cNvPr id="3" name="TextBox 2">
@@ -11479,8 +11476,8 @@
           </p:sp>
         </mc:Fallback>
       </mc:AlternateContent>
-      <mc:AlternateContent xmlns:mc="http://schemas.openxmlformats.org/markup-compatibility/2006">
-        <mc:Choice xmlns:a14="http://schemas.microsoft.com/office/drawing/2010/main" Requires="a14">
+      <mc:AlternateContent xmlns:mc="http://schemas.openxmlformats.org/markup-compatibility/2006" xmlns:a14="http://schemas.microsoft.com/office/drawing/2010/main">
+        <mc:Choice Requires="a14">
           <p:sp>
             <p:nvSpPr>
               <p:cNvPr id="5" name="TextBox 4">
@@ -11589,7 +11586,7 @@
             </p:txBody>
           </p:sp>
         </mc:Choice>
-        <mc:Fallback>
+        <mc:Fallback xmlns="">
           <p:sp>
             <p:nvSpPr>
               <p:cNvPr id="5" name="TextBox 4">
@@ -11634,8 +11631,8 @@
           </p:sp>
         </mc:Fallback>
       </mc:AlternateContent>
-      <mc:AlternateContent xmlns:mc="http://schemas.openxmlformats.org/markup-compatibility/2006">
-        <mc:Choice xmlns:a14="http://schemas.microsoft.com/office/drawing/2010/main" Requires="a14">
+      <mc:AlternateContent xmlns:mc="http://schemas.openxmlformats.org/markup-compatibility/2006" xmlns:a14="http://schemas.microsoft.com/office/drawing/2010/main">
+        <mc:Choice Requires="a14">
           <p:sp>
             <p:nvSpPr>
               <p:cNvPr id="6" name="TextBox 5">
@@ -11664,6 +11661,7 @@
               </a:bodyPr>
               <a:lstStyle/>
               <a:p>
+                <a:pPr/>
                 <a14:m>
                   <m:oMathPara xmlns:m="http://schemas.openxmlformats.org/officeDocument/2006/math">
                     <m:oMathParaPr>
@@ -11825,7 +11823,7 @@
             </p:txBody>
           </p:sp>
         </mc:Choice>
-        <mc:Fallback>
+        <mc:Fallback xmlns="">
           <p:sp>
             <p:nvSpPr>
               <p:cNvPr id="6" name="TextBox 5">
@@ -11964,8 +11962,8 @@
           </a:p>
         </p:txBody>
       </p:sp>
-      <mc:AlternateContent xmlns:mc="http://schemas.openxmlformats.org/markup-compatibility/2006">
-        <mc:Choice xmlns:a14="http://schemas.microsoft.com/office/drawing/2010/main" Requires="a14">
+      <mc:AlternateContent xmlns:mc="http://schemas.openxmlformats.org/markup-compatibility/2006" xmlns:a14="http://schemas.microsoft.com/office/drawing/2010/main">
+        <mc:Choice Requires="a14">
           <p:sp>
             <p:nvSpPr>
               <p:cNvPr id="5" name="TextBox 4">
@@ -12017,7 +12015,7 @@
             </p:txBody>
           </p:sp>
         </mc:Choice>
-        <mc:Fallback>
+        <mc:Fallback xmlns="">
           <p:sp>
             <p:nvSpPr>
               <p:cNvPr id="5" name="TextBox 4">
@@ -12062,8 +12060,8 @@
           </p:sp>
         </mc:Fallback>
       </mc:AlternateContent>
-      <mc:AlternateContent xmlns:mc="http://schemas.openxmlformats.org/markup-compatibility/2006">
-        <mc:Choice xmlns:a14="http://schemas.microsoft.com/office/drawing/2010/main" Requires="a14">
+      <mc:AlternateContent xmlns:mc="http://schemas.openxmlformats.org/markup-compatibility/2006" xmlns:a14="http://schemas.microsoft.com/office/drawing/2010/main">
+        <mc:Choice Requires="a14">
           <p:sp>
             <p:nvSpPr>
               <p:cNvPr id="4" name="TextBox 3">
@@ -12391,7 +12389,7 @@
             </p:txBody>
           </p:sp>
         </mc:Choice>
-        <mc:Fallback>
+        <mc:Fallback xmlns="">
           <p:sp>
             <p:nvSpPr>
               <p:cNvPr id="4" name="TextBox 3">
@@ -12495,8 +12493,8 @@
           </a:p>
         </p:txBody>
       </p:sp>
-      <mc:AlternateContent xmlns:mc="http://schemas.openxmlformats.org/markup-compatibility/2006">
-        <mc:Choice xmlns:a14="http://schemas.microsoft.com/office/drawing/2010/main" Requires="a14">
+      <mc:AlternateContent xmlns:mc="http://schemas.openxmlformats.org/markup-compatibility/2006" xmlns:a14="http://schemas.microsoft.com/office/drawing/2010/main">
+        <mc:Choice Requires="a14">
           <p:sp>
             <p:nvSpPr>
               <p:cNvPr id="6" name="TextBox 5">
@@ -12577,13 +12575,7 @@
                           <a:rPr lang="en-US" sz="2800" b="0" i="1" dirty="0" smtClean="0">
                             <a:latin typeface="Cambria Math" panose="02040503050406030204" pitchFamily="18" charset="0"/>
                           </a:rPr>
-                          <m:t> </m:t>
-                        </m:r>
-                        <m:r>
-                          <a:rPr lang="en-US" sz="2800" b="0" i="1" dirty="0" smtClean="0">
-                            <a:latin typeface="Cambria Math" panose="02040503050406030204" pitchFamily="18" charset="0"/>
-                          </a:rPr>
-                          <m:t>(</m:t>
+                          <m:t> (</m:t>
                         </m:r>
                         <m:acc>
                           <m:accPr>
@@ -12785,7 +12777,7 @@
             </p:txBody>
           </p:sp>
         </mc:Choice>
-        <mc:Fallback>
+        <mc:Fallback xmlns="">
           <p:sp>
             <p:nvSpPr>
               <p:cNvPr id="6" name="TextBox 5">
@@ -12865,8 +12857,8 @@
           </a:p>
         </p:txBody>
       </p:sp>
-      <mc:AlternateContent xmlns:mc="http://schemas.openxmlformats.org/markup-compatibility/2006">
-        <mc:Choice xmlns:a14="http://schemas.microsoft.com/office/drawing/2010/main" Requires="a14">
+      <mc:AlternateContent xmlns:mc="http://schemas.openxmlformats.org/markup-compatibility/2006" xmlns:a14="http://schemas.microsoft.com/office/drawing/2010/main">
+        <mc:Choice Requires="a14">
           <p:sp>
             <p:nvSpPr>
               <p:cNvPr id="8" name="TextBox 7">
@@ -12895,6 +12887,7 @@
               </a:bodyPr>
               <a:lstStyle/>
               <a:p>
+                <a:pPr/>
                 <a14:m>
                   <m:oMathPara xmlns:m="http://schemas.openxmlformats.org/officeDocument/2006/math">
                     <m:oMathParaPr>
@@ -13044,7 +13037,7 @@
             </p:txBody>
           </p:sp>
         </mc:Choice>
-        <mc:Fallback>
+        <mc:Fallback xmlns="">
           <p:sp>
             <p:nvSpPr>
               <p:cNvPr id="8" name="TextBox 7">
@@ -13332,8 +13325,8 @@
           </a:p>
         </p:txBody>
       </p:sp>
-      <mc:AlternateContent xmlns:mc="http://schemas.openxmlformats.org/markup-compatibility/2006">
-        <mc:Choice xmlns:a14="http://schemas.microsoft.com/office/drawing/2010/main" Requires="a14">
+      <mc:AlternateContent xmlns:mc="http://schemas.openxmlformats.org/markup-compatibility/2006" xmlns:a14="http://schemas.microsoft.com/office/drawing/2010/main">
+        <mc:Choice Requires="a14">
           <p:sp>
             <p:nvSpPr>
               <p:cNvPr id="7" name="TextBox 6">
@@ -13373,7 +13366,7 @@
                         <m:begChr m:val="|"/>
                         <m:endChr m:val="|"/>
                         <m:ctrlPr>
-                          <a:rPr lang="en-US" sz="2800" b="0" i="0" dirty="0" smtClean="0">
+                          <a:rPr lang="en-US" sz="2800" b="0" i="1" dirty="0" smtClean="0">
                             <a:latin typeface="Cambria Math" panose="02040503050406030204" pitchFamily="18" charset="0"/>
                           </a:rPr>
                         </m:ctrlPr>
@@ -13411,7 +13404,7 @@
             </p:txBody>
           </p:sp>
         </mc:Choice>
-        <mc:Fallback>
+        <mc:Fallback xmlns="">
           <p:sp>
             <p:nvSpPr>
               <p:cNvPr id="7" name="TextBox 6">
@@ -13456,8 +13449,8 @@
           </p:sp>
         </mc:Fallback>
       </mc:AlternateContent>
-      <mc:AlternateContent xmlns:mc="http://schemas.openxmlformats.org/markup-compatibility/2006">
-        <mc:Choice xmlns:a14="http://schemas.microsoft.com/office/drawing/2010/main" Requires="a14">
+      <mc:AlternateContent xmlns:mc="http://schemas.openxmlformats.org/markup-compatibility/2006" xmlns:a14="http://schemas.microsoft.com/office/drawing/2010/main">
+        <mc:Choice Requires="a14">
           <p:sp>
             <p:nvSpPr>
               <p:cNvPr id="9" name="TextBox 8">
@@ -13524,7 +13517,7 @@
             </p:txBody>
           </p:sp>
         </mc:Choice>
-        <mc:Fallback>
+        <mc:Fallback xmlns="">
           <p:sp>
             <p:nvSpPr>
               <p:cNvPr id="9" name="TextBox 8">
@@ -13569,8 +13562,8 @@
           </p:sp>
         </mc:Fallback>
       </mc:AlternateContent>
-      <mc:AlternateContent xmlns:mc="http://schemas.openxmlformats.org/markup-compatibility/2006">
-        <mc:Choice xmlns:a14="http://schemas.microsoft.com/office/drawing/2010/main" Requires="a14">
+      <mc:AlternateContent xmlns:mc="http://schemas.openxmlformats.org/markup-compatibility/2006" xmlns:a14="http://schemas.microsoft.com/office/drawing/2010/main">
+        <mc:Choice Requires="a14">
           <p:sp>
             <p:nvSpPr>
               <p:cNvPr id="3" name="TextBox 2">
@@ -13656,7 +13649,7 @@
             </p:txBody>
           </p:sp>
         </mc:Choice>
-        <mc:Fallback>
+        <mc:Fallback xmlns="">
           <p:sp>
             <p:nvSpPr>
               <p:cNvPr id="3" name="TextBox 2">
@@ -14129,8 +14122,8 @@
           </a:p>
         </p:txBody>
       </p:sp>
-      <mc:AlternateContent xmlns:mc="http://schemas.openxmlformats.org/markup-compatibility/2006">
-        <mc:Choice xmlns:a14="http://schemas.microsoft.com/office/drawing/2010/main" Requires="a14">
+      <mc:AlternateContent xmlns:mc="http://schemas.openxmlformats.org/markup-compatibility/2006" xmlns:a14="http://schemas.microsoft.com/office/drawing/2010/main">
+        <mc:Choice Requires="a14">
           <p:sp>
             <p:nvSpPr>
               <p:cNvPr id="4" name="TextBox 3">
@@ -14351,7 +14344,7 @@
             </p:txBody>
           </p:sp>
         </mc:Choice>
-        <mc:Fallback>
+        <mc:Fallback xmlns="">
           <p:sp>
             <p:nvSpPr>
               <p:cNvPr id="4" name="TextBox 3">
@@ -14474,8 +14467,8 @@
           </a:p>
         </p:txBody>
       </p:sp>
-      <mc:AlternateContent xmlns:mc="http://schemas.openxmlformats.org/markup-compatibility/2006">
-        <mc:Choice xmlns:a14="http://schemas.microsoft.com/office/drawing/2010/main" Requires="a14">
+      <mc:AlternateContent xmlns:mc="http://schemas.openxmlformats.org/markup-compatibility/2006" xmlns:a14="http://schemas.microsoft.com/office/drawing/2010/main">
+        <mc:Choice Requires="a14">
           <p:sp>
             <p:nvSpPr>
               <p:cNvPr id="8" name="TextBox 7">
@@ -14581,7 +14574,7 @@
             </p:txBody>
           </p:sp>
         </mc:Choice>
-        <mc:Fallback>
+        <mc:Fallback xmlns="">
           <p:sp>
             <p:nvSpPr>
               <p:cNvPr id="8" name="TextBox 7">
@@ -14685,8 +14678,8 @@
           </a:p>
         </p:txBody>
       </p:sp>
-      <mc:AlternateContent xmlns:mc="http://schemas.openxmlformats.org/markup-compatibility/2006">
-        <mc:Choice xmlns:a14="http://schemas.microsoft.com/office/drawing/2010/main" Requires="a14">
+      <mc:AlternateContent xmlns:mc="http://schemas.openxmlformats.org/markup-compatibility/2006" xmlns:a14="http://schemas.microsoft.com/office/drawing/2010/main">
+        <mc:Choice Requires="a14">
           <p:sp>
             <p:nvSpPr>
               <p:cNvPr id="4" name="TextBox 3">
@@ -14907,7 +14900,7 @@
             </p:txBody>
           </p:sp>
         </mc:Choice>
-        <mc:Fallback>
+        <mc:Fallback xmlns="">
           <p:sp>
             <p:nvSpPr>
               <p:cNvPr id="4" name="TextBox 3">
@@ -15030,8 +15023,8 @@
           </a:p>
         </p:txBody>
       </p:sp>
-      <mc:AlternateContent xmlns:mc="http://schemas.openxmlformats.org/markup-compatibility/2006">
-        <mc:Choice xmlns:a14="http://schemas.microsoft.com/office/drawing/2010/main" Requires="a14">
+      <mc:AlternateContent xmlns:mc="http://schemas.openxmlformats.org/markup-compatibility/2006" xmlns:a14="http://schemas.microsoft.com/office/drawing/2010/main">
+        <mc:Choice Requires="a14">
           <p:sp>
             <p:nvSpPr>
               <p:cNvPr id="8" name="TextBox 7">
@@ -15137,7 +15130,7 @@
             </p:txBody>
           </p:sp>
         </mc:Choice>
-        <mc:Fallback>
+        <mc:Fallback xmlns="">
           <p:sp>
             <p:nvSpPr>
               <p:cNvPr id="8" name="TextBox 7">
@@ -15276,8 +15269,8 @@
           </a:p>
         </p:txBody>
       </p:sp>
-      <mc:AlternateContent xmlns:mc="http://schemas.openxmlformats.org/markup-compatibility/2006">
-        <mc:Choice xmlns:a14="http://schemas.microsoft.com/office/drawing/2010/main" Requires="a14">
+      <mc:AlternateContent xmlns:mc="http://schemas.openxmlformats.org/markup-compatibility/2006" xmlns:a14="http://schemas.microsoft.com/office/drawing/2010/main">
+        <mc:Choice Requires="a14">
           <p:sp>
             <p:nvSpPr>
               <p:cNvPr id="8" name="TextBox 7">
@@ -15377,7 +15370,7 @@
             </p:txBody>
           </p:sp>
         </mc:Choice>
-        <mc:Fallback>
+        <mc:Fallback xmlns="">
           <p:sp>
             <p:nvSpPr>
               <p:cNvPr id="8" name="TextBox 7">
@@ -15422,8 +15415,8 @@
           </p:sp>
         </mc:Fallback>
       </mc:AlternateContent>
-      <mc:AlternateContent xmlns:mc="http://schemas.openxmlformats.org/markup-compatibility/2006">
-        <mc:Choice xmlns:a14="http://schemas.microsoft.com/office/drawing/2010/main" Requires="a14">
+      <mc:AlternateContent xmlns:mc="http://schemas.openxmlformats.org/markup-compatibility/2006" xmlns:a14="http://schemas.microsoft.com/office/drawing/2010/main">
+        <mc:Choice Requires="a14">
           <p:sp>
             <p:nvSpPr>
               <p:cNvPr id="3" name="TextBox 2">
@@ -15580,7 +15573,7 @@
             </p:txBody>
           </p:sp>
         </mc:Choice>
-        <mc:Fallback>
+        <mc:Fallback xmlns="">
           <p:sp>
             <p:nvSpPr>
               <p:cNvPr id="3" name="TextBox 2">
@@ -15754,8 +15747,8 @@
           </a:p>
         </p:txBody>
       </p:sp>
-      <mc:AlternateContent xmlns:mc="http://schemas.openxmlformats.org/markup-compatibility/2006">
-        <mc:Choice xmlns:a14="http://schemas.microsoft.com/office/drawing/2010/main" Requires="a14">
+      <mc:AlternateContent xmlns:mc="http://schemas.openxmlformats.org/markup-compatibility/2006" xmlns:a14="http://schemas.microsoft.com/office/drawing/2010/main">
+        <mc:Choice Requires="a14">
           <p:sp>
             <p:nvSpPr>
               <p:cNvPr id="8" name="TextBox 7">
@@ -15855,7 +15848,7 @@
             </p:txBody>
           </p:sp>
         </mc:Choice>
-        <mc:Fallback>
+        <mc:Fallback xmlns="">
           <p:sp>
             <p:nvSpPr>
               <p:cNvPr id="8" name="TextBox 7">
@@ -15900,8 +15893,8 @@
           </p:sp>
         </mc:Fallback>
       </mc:AlternateContent>
-      <mc:AlternateContent xmlns:mc="http://schemas.openxmlformats.org/markup-compatibility/2006">
-        <mc:Choice xmlns:a14="http://schemas.microsoft.com/office/drawing/2010/main" Requires="a14">
+      <mc:AlternateContent xmlns:mc="http://schemas.openxmlformats.org/markup-compatibility/2006" xmlns:a14="http://schemas.microsoft.com/office/drawing/2010/main">
+        <mc:Choice Requires="a14">
           <p:sp>
             <p:nvSpPr>
               <p:cNvPr id="3" name="TextBox 2">
@@ -16324,7 +16317,7 @@
             </p:txBody>
           </p:sp>
         </mc:Choice>
-        <mc:Fallback>
+        <mc:Fallback xmlns="">
           <p:sp>
             <p:nvSpPr>
               <p:cNvPr id="3" name="TextBox 2">
@@ -16369,8 +16362,8 @@
           </p:sp>
         </mc:Fallback>
       </mc:AlternateContent>
-      <mc:AlternateContent xmlns:mc="http://schemas.openxmlformats.org/markup-compatibility/2006">
-        <mc:Choice xmlns:a14="http://schemas.microsoft.com/office/drawing/2010/main" Requires="a14">
+      <mc:AlternateContent xmlns:mc="http://schemas.openxmlformats.org/markup-compatibility/2006" xmlns:a14="http://schemas.microsoft.com/office/drawing/2010/main">
+        <mc:Choice Requires="a14">
           <p:sp>
             <p:nvSpPr>
               <p:cNvPr id="7" name="TextBox 6">
@@ -16442,7 +16435,7 @@
             </p:txBody>
           </p:sp>
         </mc:Choice>
-        <mc:Fallback>
+        <mc:Fallback xmlns="">
           <p:sp>
             <p:nvSpPr>
               <p:cNvPr id="7" name="TextBox 6">
@@ -17457,8 +17450,8 @@
           </a:p>
         </p:txBody>
       </p:sp>
-      <mc:AlternateContent xmlns:mc="http://schemas.openxmlformats.org/markup-compatibility/2006">
-        <mc:Choice xmlns:a14="http://schemas.microsoft.com/office/drawing/2010/main" Requires="a14">
+      <mc:AlternateContent xmlns:mc="http://schemas.openxmlformats.org/markup-compatibility/2006" xmlns:a14="http://schemas.microsoft.com/office/drawing/2010/main">
+        <mc:Choice Requires="a14">
           <p:sp>
             <p:nvSpPr>
               <p:cNvPr id="21" name="TextBox 20">
@@ -17508,7 +17501,7 @@
             </p:txBody>
           </p:sp>
         </mc:Choice>
-        <mc:Fallback>
+        <mc:Fallback xmlns="">
           <p:sp>
             <p:nvSpPr>
               <p:cNvPr id="21" name="TextBox 20">
@@ -18226,8 +18219,8 @@
           </a:p>
         </p:txBody>
       </p:sp>
-      <mc:AlternateContent xmlns:mc="http://schemas.openxmlformats.org/markup-compatibility/2006">
-        <mc:Choice xmlns:a14="http://schemas.microsoft.com/office/drawing/2010/main" Requires="a14">
+      <mc:AlternateContent xmlns:mc="http://schemas.openxmlformats.org/markup-compatibility/2006" xmlns:a14="http://schemas.microsoft.com/office/drawing/2010/main">
+        <mc:Choice Requires="a14">
           <p:sp>
             <p:nvSpPr>
               <p:cNvPr id="11" name="TextBox 10">
@@ -18334,7 +18327,7 @@
             </p:txBody>
           </p:sp>
         </mc:Choice>
-        <mc:Fallback>
+        <mc:Fallback xmlns="">
           <p:sp>
             <p:nvSpPr>
               <p:cNvPr id="11" name="TextBox 10">

--- a/_umkc-teaching/slides/Lecture3.pptx
+++ b/_umkc-teaching/slides/Lecture3.pptx
@@ -220,7 +220,7 @@
           <a:p>
             <a:fld id="{7AF9442D-9D7C-40D7-A5A3-649EA8C158D2}" type="datetimeFigureOut">
               <a:rPr lang="en-US" smtClean="0"/>
-              <a:t>9/3/23</a:t>
+              <a:t>9/12/23</a:t>
             </a:fld>
             <a:endParaRPr lang="en-US"/>
           </a:p>
@@ -2380,7 +2380,7 @@
           <a:p>
             <a:fld id="{41748473-9145-41F0-ADB9-654A949CD218}" type="datetimeFigureOut">
               <a:rPr lang="en-US" smtClean="0"/>
-              <a:t>9/3/23</a:t>
+              <a:t>9/12/23</a:t>
             </a:fld>
             <a:endParaRPr lang="en-US"/>
           </a:p>
@@ -2548,7 +2548,7 @@
           <a:p>
             <a:fld id="{41748473-9145-41F0-ADB9-654A949CD218}" type="datetimeFigureOut">
               <a:rPr lang="en-US" smtClean="0"/>
-              <a:t>9/3/23</a:t>
+              <a:t>9/12/23</a:t>
             </a:fld>
             <a:endParaRPr lang="en-US"/>
           </a:p>
@@ -2726,7 +2726,7 @@
           <a:p>
             <a:fld id="{41748473-9145-41F0-ADB9-654A949CD218}" type="datetimeFigureOut">
               <a:rPr lang="en-US" smtClean="0"/>
-              <a:t>9/3/23</a:t>
+              <a:t>9/12/23</a:t>
             </a:fld>
             <a:endParaRPr lang="en-US"/>
           </a:p>
@@ -2894,7 +2894,7 @@
           <a:p>
             <a:fld id="{41748473-9145-41F0-ADB9-654A949CD218}" type="datetimeFigureOut">
               <a:rPr lang="en-US" smtClean="0"/>
-              <a:t>9/3/23</a:t>
+              <a:t>9/12/23</a:t>
             </a:fld>
             <a:endParaRPr lang="en-US"/>
           </a:p>
@@ -3139,7 +3139,7 @@
           <a:p>
             <a:fld id="{41748473-9145-41F0-ADB9-654A949CD218}" type="datetimeFigureOut">
               <a:rPr lang="en-US" smtClean="0"/>
-              <a:t>9/3/23</a:t>
+              <a:t>9/12/23</a:t>
             </a:fld>
             <a:endParaRPr lang="en-US"/>
           </a:p>
@@ -3368,7 +3368,7 @@
           <a:p>
             <a:fld id="{41748473-9145-41F0-ADB9-654A949CD218}" type="datetimeFigureOut">
               <a:rPr lang="en-US" smtClean="0"/>
-              <a:t>9/3/23</a:t>
+              <a:t>9/12/23</a:t>
             </a:fld>
             <a:endParaRPr lang="en-US"/>
           </a:p>
@@ -3732,7 +3732,7 @@
           <a:p>
             <a:fld id="{41748473-9145-41F0-ADB9-654A949CD218}" type="datetimeFigureOut">
               <a:rPr lang="en-US" smtClean="0"/>
-              <a:t>9/3/23</a:t>
+              <a:t>9/12/23</a:t>
             </a:fld>
             <a:endParaRPr lang="en-US"/>
           </a:p>
@@ -3849,7 +3849,7 @@
           <a:p>
             <a:fld id="{41748473-9145-41F0-ADB9-654A949CD218}" type="datetimeFigureOut">
               <a:rPr lang="en-US" smtClean="0"/>
-              <a:t>9/3/23</a:t>
+              <a:t>9/12/23</a:t>
             </a:fld>
             <a:endParaRPr lang="en-US"/>
           </a:p>
@@ -3944,7 +3944,7 @@
           <a:p>
             <a:fld id="{41748473-9145-41F0-ADB9-654A949CD218}" type="datetimeFigureOut">
               <a:rPr lang="en-US" smtClean="0"/>
-              <a:t>9/3/23</a:t>
+              <a:t>9/12/23</a:t>
             </a:fld>
             <a:endParaRPr lang="en-US"/>
           </a:p>
@@ -4219,7 +4219,7 @@
           <a:p>
             <a:fld id="{41748473-9145-41F0-ADB9-654A949CD218}" type="datetimeFigureOut">
               <a:rPr lang="en-US" smtClean="0"/>
-              <a:t>9/3/23</a:t>
+              <a:t>9/12/23</a:t>
             </a:fld>
             <a:endParaRPr lang="en-US"/>
           </a:p>
@@ -4471,7 +4471,7 @@
           <a:p>
             <a:fld id="{41748473-9145-41F0-ADB9-654A949CD218}" type="datetimeFigureOut">
               <a:rPr lang="en-US" smtClean="0"/>
-              <a:t>9/3/23</a:t>
+              <a:t>9/12/23</a:t>
             </a:fld>
             <a:endParaRPr lang="en-US"/>
           </a:p>
@@ -4682,7 +4682,7 @@
           <a:p>
             <a:fld id="{41748473-9145-41F0-ADB9-654A949CD218}" type="datetimeFigureOut">
               <a:rPr lang="en-US" smtClean="0"/>
-              <a:t>9/3/23</a:t>
+              <a:t>9/12/23</a:t>
             </a:fld>
             <a:endParaRPr lang="en-US"/>
           </a:p>
@@ -14678,8 +14678,8 @@
           </a:p>
         </p:txBody>
       </p:sp>
-      <mc:AlternateContent xmlns:mc="http://schemas.openxmlformats.org/markup-compatibility/2006" xmlns:a14="http://schemas.microsoft.com/office/drawing/2010/main">
-        <mc:Choice Requires="a14">
+      <mc:AlternateContent xmlns:mc="http://schemas.openxmlformats.org/markup-compatibility/2006">
+        <mc:Choice xmlns:a14="http://schemas.microsoft.com/office/drawing/2010/main" Requires="a14">
           <p:sp>
             <p:nvSpPr>
               <p:cNvPr id="4" name="TextBox 3">
@@ -14795,6 +14795,12 @@
                               </m:ctrlPr>
                             </m:sSupPr>
                             <m:e>
+                              <m:r>
+                                <a:rPr lang="en-US" sz="2800" b="0" i="1" smtClean="0">
+                                  <a:latin typeface="Cambria Math" panose="02040503050406030204" pitchFamily="18" charset="0"/>
+                                </a:rPr>
+                                <m:t>∑</m:t>
+                              </m:r>
                               <m:d>
                                 <m:dPr>
                                   <m:ctrlPr>
@@ -14900,7 +14906,7 @@
             </p:txBody>
           </p:sp>
         </mc:Choice>
-        <mc:Fallback xmlns="">
+        <mc:Fallback>
           <p:sp>
             <p:nvSpPr>
               <p:cNvPr id="4" name="TextBox 3">
@@ -15023,8 +15029,8 @@
           </a:p>
         </p:txBody>
       </p:sp>
-      <mc:AlternateContent xmlns:mc="http://schemas.openxmlformats.org/markup-compatibility/2006" xmlns:a14="http://schemas.microsoft.com/office/drawing/2010/main">
-        <mc:Choice Requires="a14">
+      <mc:AlternateContent xmlns:mc="http://schemas.openxmlformats.org/markup-compatibility/2006">
+        <mc:Choice xmlns:a14="http://schemas.microsoft.com/office/drawing/2010/main" Requires="a14">
           <p:sp>
             <p:nvSpPr>
               <p:cNvPr id="8" name="TextBox 7">
@@ -15040,7 +15046,7 @@
             <p:spPr>
               <a:xfrm>
                 <a:off x="620837" y="5183092"/>
-                <a:ext cx="9951720" cy="898964"/>
+                <a:ext cx="9951720" cy="1365374"/>
               </a:xfrm>
               <a:prstGeom prst="rect">
                 <a:avLst/>
@@ -15072,37 +15078,6 @@
                         </a:rPr>
                         <m:t>= </m:t>
                       </m:r>
-                      <m:f>
-                        <m:fPr>
-                          <m:ctrlPr>
-                            <a:rPr lang="en-US" sz="2800" i="1" dirty="0" smtClean="0">
-                              <a:latin typeface="Cambria Math" panose="02040503050406030204" pitchFamily="18" charset="0"/>
-                            </a:rPr>
-                          </m:ctrlPr>
-                        </m:fPr>
-                        <m:num>
-                          <m:r>
-                            <a:rPr lang="en-US" sz="2800" b="0" i="1" dirty="0" smtClean="0">
-                              <a:latin typeface="Cambria Math" panose="02040503050406030204" pitchFamily="18" charset="0"/>
-                            </a:rPr>
-                            <m:t>1</m:t>
-                          </m:r>
-                        </m:num>
-                        <m:den>
-                          <m:r>
-                            <a:rPr lang="en-US" sz="2800" b="0" i="1" dirty="0" smtClean="0">
-                              <a:latin typeface="Cambria Math" panose="02040503050406030204" pitchFamily="18" charset="0"/>
-                            </a:rPr>
-                            <m:t>𝑛</m:t>
-                          </m:r>
-                          <m:r>
-                            <a:rPr lang="en-US" sz="2800" b="0" i="1" dirty="0" smtClean="0">
-                              <a:latin typeface="Cambria Math" panose="02040503050406030204" pitchFamily="18" charset="0"/>
-                            </a:rPr>
-                            <m:t>−2</m:t>
-                          </m:r>
-                        </m:den>
-                      </m:f>
                       <m:rad>
                         <m:radPr>
                           <m:degHide m:val="on"/>
@@ -15114,6 +15089,37 @@
                         </m:radPr>
                         <m:deg/>
                         <m:e>
+                          <m:f>
+                            <m:fPr>
+                              <m:ctrlPr>
+                                <a:rPr lang="en-US" sz="2800" i="1" dirty="0">
+                                  <a:latin typeface="Cambria Math" panose="02040503050406030204" pitchFamily="18" charset="0"/>
+                                </a:rPr>
+                              </m:ctrlPr>
+                            </m:fPr>
+                            <m:num>
+                              <m:r>
+                                <a:rPr lang="en-US" sz="2800" i="1" dirty="0">
+                                  <a:latin typeface="Cambria Math" panose="02040503050406030204" pitchFamily="18" charset="0"/>
+                                </a:rPr>
+                                <m:t>1</m:t>
+                              </m:r>
+                            </m:num>
+                            <m:den>
+                              <m:r>
+                                <a:rPr lang="en-US" sz="2800" i="1" dirty="0">
+                                  <a:latin typeface="Cambria Math" panose="02040503050406030204" pitchFamily="18" charset="0"/>
+                                </a:rPr>
+                                <m:t>𝑛</m:t>
+                              </m:r>
+                              <m:r>
+                                <a:rPr lang="en-US" sz="2800" i="1" dirty="0">
+                                  <a:latin typeface="Cambria Math" panose="02040503050406030204" pitchFamily="18" charset="0"/>
+                                </a:rPr>
+                                <m:t>−2</m:t>
+                              </m:r>
+                            </m:den>
+                          </m:f>
                           <m:r>
                             <a:rPr lang="en-US" sz="2800" i="1">
                               <a:latin typeface="Cambria Math" panose="02040503050406030204" pitchFamily="18" charset="0"/>
@@ -15130,7 +15136,7 @@
             </p:txBody>
           </p:sp>
         </mc:Choice>
-        <mc:Fallback xmlns="">
+        <mc:Fallback>
           <p:sp>
             <p:nvSpPr>
               <p:cNvPr id="8" name="TextBox 7">
@@ -15148,7 +15154,7 @@
             <p:spPr>
               <a:xfrm>
                 <a:off x="620837" y="5183092"/>
-                <a:ext cx="9951720" cy="898964"/>
+                <a:ext cx="9951720" cy="1365374"/>
               </a:xfrm>
               <a:prstGeom prst="rect">
                 <a:avLst/>
@@ -15156,7 +15162,7 @@
               <a:blipFill>
                 <a:blip r:embed="rId4"/>
                 <a:stretch>
-                  <a:fillRect b="-6944"/>
+                  <a:fillRect/>
                 </a:stretch>
               </a:blipFill>
             </p:spPr>

--- a/_umkc-teaching/slides/Lecture3.pptx
+++ b/_umkc-teaching/slides/Lecture3.pptx
@@ -14678,8 +14678,8 @@
           </a:p>
         </p:txBody>
       </p:sp>
-      <mc:AlternateContent xmlns:mc="http://schemas.openxmlformats.org/markup-compatibility/2006">
-        <mc:Choice xmlns:a14="http://schemas.microsoft.com/office/drawing/2010/main" Requires="a14">
+      <mc:AlternateContent xmlns:mc="http://schemas.openxmlformats.org/markup-compatibility/2006" xmlns:a14="http://schemas.microsoft.com/office/drawing/2010/main">
+        <mc:Choice Requires="a14">
           <p:sp>
             <p:nvSpPr>
               <p:cNvPr id="4" name="TextBox 3">
@@ -14906,7 +14906,7 @@
             </p:txBody>
           </p:sp>
         </mc:Choice>
-        <mc:Fallback>
+        <mc:Fallback xmlns="">
           <p:sp>
             <p:nvSpPr>
               <p:cNvPr id="4" name="TextBox 3">
@@ -15029,8 +15029,8 @@
           </a:p>
         </p:txBody>
       </p:sp>
-      <mc:AlternateContent xmlns:mc="http://schemas.openxmlformats.org/markup-compatibility/2006">
-        <mc:Choice xmlns:a14="http://schemas.microsoft.com/office/drawing/2010/main" Requires="a14">
+      <mc:AlternateContent xmlns:mc="http://schemas.openxmlformats.org/markup-compatibility/2006" xmlns:a14="http://schemas.microsoft.com/office/drawing/2010/main">
+        <mc:Choice Requires="a14">
           <p:sp>
             <p:nvSpPr>
               <p:cNvPr id="8" name="TextBox 7">
@@ -15136,7 +15136,7 @@
             </p:txBody>
           </p:sp>
         </mc:Choice>
-        <mc:Fallback>
+        <mc:Fallback xmlns="">
           <p:sp>
             <p:nvSpPr>
               <p:cNvPr id="8" name="TextBox 7">

--- a/_umkc-teaching/slides/Lecture3.pptx
+++ b/_umkc-teaching/slides/Lecture3.pptx
@@ -5,7 +5,7 @@
     <p:sldMasterId id="2147483648" r:id="rId1"/>
   </p:sldMasterIdLst>
   <p:notesMasterIdLst>
-    <p:notesMasterId r:id="rId26"/>
+    <p:notesMasterId r:id="rId27"/>
   </p:notesMasterIdLst>
   <p:sldIdLst>
     <p:sldId id="257" r:id="rId2"/>
@@ -31,7 +31,8 @@
     <p:sldId id="331" r:id="rId22"/>
     <p:sldId id="332" r:id="rId23"/>
     <p:sldId id="333" r:id="rId24"/>
-    <p:sldId id="293" r:id="rId25"/>
+    <p:sldId id="334" r:id="rId25"/>
+    <p:sldId id="293" r:id="rId26"/>
   </p:sldIdLst>
   <p:sldSz cx="12192000" cy="6858000"/>
   <p:notesSz cx="6858000" cy="9144000"/>
@@ -220,7 +221,7 @@
           <a:p>
             <a:fld id="{7AF9442D-9D7C-40D7-A5A3-649EA8C158D2}" type="datetimeFigureOut">
               <a:rPr lang="en-US" smtClean="0"/>
-              <a:t>9/12/23</a:t>
+              <a:t>9/20/23</a:t>
             </a:fld>
             <a:endParaRPr lang="en-US"/>
           </a:p>
@@ -1663,6 +1664,90 @@
 </p:notes>
 </file>
 
+<file path=ppt/notesSlides/notesSlide22.xml><?xml version="1.0" encoding="utf-8"?>
+<p:notes xmlns:a="http://schemas.openxmlformats.org/drawingml/2006/main" xmlns:r="http://schemas.openxmlformats.org/officeDocument/2006/relationships" xmlns:p="http://schemas.openxmlformats.org/presentationml/2006/main">
+  <p:cSld>
+    <p:spTree>
+      <p:nvGrpSpPr>
+        <p:cNvPr id="1" name=""/>
+        <p:cNvGrpSpPr/>
+        <p:nvPr/>
+      </p:nvGrpSpPr>
+      <p:grpSpPr>
+        <a:xfrm>
+          <a:off x="0" y="0"/>
+          <a:ext cx="0" cy="0"/>
+          <a:chOff x="0" y="0"/>
+          <a:chExt cx="0" cy="0"/>
+        </a:xfrm>
+      </p:grpSpPr>
+      <p:sp>
+        <p:nvSpPr>
+          <p:cNvPr id="2" name="Slide Image Placeholder 1"/>
+          <p:cNvSpPr>
+            <a:spLocks noGrp="1" noRot="1" noChangeAspect="1"/>
+          </p:cNvSpPr>
+          <p:nvPr>
+            <p:ph type="sldImg"/>
+          </p:nvPr>
+        </p:nvSpPr>
+        <p:spPr/>
+      </p:sp>
+      <p:sp>
+        <p:nvSpPr>
+          <p:cNvPr id="3" name="Notes Placeholder 2"/>
+          <p:cNvSpPr>
+            <a:spLocks noGrp="1"/>
+          </p:cNvSpPr>
+          <p:nvPr>
+            <p:ph type="body" idx="1"/>
+          </p:nvPr>
+        </p:nvSpPr>
+        <p:spPr/>
+        <p:txBody>
+          <a:bodyPr/>
+          <a:lstStyle/>
+          <a:p>
+            <a:endParaRPr lang="en-US" dirty="0"/>
+          </a:p>
+        </p:txBody>
+      </p:sp>
+      <p:sp>
+        <p:nvSpPr>
+          <p:cNvPr id="4" name="Slide Number Placeholder 3"/>
+          <p:cNvSpPr>
+            <a:spLocks noGrp="1"/>
+          </p:cNvSpPr>
+          <p:nvPr>
+            <p:ph type="sldNum" sz="quarter" idx="5"/>
+          </p:nvPr>
+        </p:nvSpPr>
+        <p:spPr/>
+        <p:txBody>
+          <a:bodyPr/>
+          <a:lstStyle/>
+          <a:p>
+            <a:fld id="{3F8BDF20-BE86-4883-8A23-4CE3D0058BEA}" type="slidenum">
+              <a:rPr lang="en-US" smtClean="0"/>
+              <a:t>24</a:t>
+            </a:fld>
+            <a:endParaRPr lang="en-US"/>
+          </a:p>
+        </p:txBody>
+      </p:sp>
+    </p:spTree>
+    <p:extLst>
+      <p:ext uri="{BB962C8B-B14F-4D97-AF65-F5344CB8AC3E}">
+        <p14:creationId xmlns:p14="http://schemas.microsoft.com/office/powerpoint/2010/main" val="3644619105"/>
+      </p:ext>
+    </p:extLst>
+  </p:cSld>
+  <p:clrMapOvr>
+    <a:masterClrMapping/>
+  </p:clrMapOvr>
+</p:notes>
+</file>
+
 <file path=ppt/notesSlides/notesSlide3.xml><?xml version="1.0" encoding="utf-8"?>
 <p:notes xmlns:a="http://schemas.openxmlformats.org/drawingml/2006/main" xmlns:r="http://schemas.openxmlformats.org/officeDocument/2006/relationships" xmlns:p="http://schemas.openxmlformats.org/presentationml/2006/main">
   <p:cSld>
@@ -2380,7 +2465,7 @@
           <a:p>
             <a:fld id="{41748473-9145-41F0-ADB9-654A949CD218}" type="datetimeFigureOut">
               <a:rPr lang="en-US" smtClean="0"/>
-              <a:t>9/12/23</a:t>
+              <a:t>9/20/23</a:t>
             </a:fld>
             <a:endParaRPr lang="en-US"/>
           </a:p>
@@ -2548,7 +2633,7 @@
           <a:p>
             <a:fld id="{41748473-9145-41F0-ADB9-654A949CD218}" type="datetimeFigureOut">
               <a:rPr lang="en-US" smtClean="0"/>
-              <a:t>9/12/23</a:t>
+              <a:t>9/20/23</a:t>
             </a:fld>
             <a:endParaRPr lang="en-US"/>
           </a:p>
@@ -2726,7 +2811,7 @@
           <a:p>
             <a:fld id="{41748473-9145-41F0-ADB9-654A949CD218}" type="datetimeFigureOut">
               <a:rPr lang="en-US" smtClean="0"/>
-              <a:t>9/12/23</a:t>
+              <a:t>9/20/23</a:t>
             </a:fld>
             <a:endParaRPr lang="en-US"/>
           </a:p>
@@ -2894,7 +2979,7 @@
           <a:p>
             <a:fld id="{41748473-9145-41F0-ADB9-654A949CD218}" type="datetimeFigureOut">
               <a:rPr lang="en-US" smtClean="0"/>
-              <a:t>9/12/23</a:t>
+              <a:t>9/20/23</a:t>
             </a:fld>
             <a:endParaRPr lang="en-US"/>
           </a:p>
@@ -3139,7 +3224,7 @@
           <a:p>
             <a:fld id="{41748473-9145-41F0-ADB9-654A949CD218}" type="datetimeFigureOut">
               <a:rPr lang="en-US" smtClean="0"/>
-              <a:t>9/12/23</a:t>
+              <a:t>9/20/23</a:t>
             </a:fld>
             <a:endParaRPr lang="en-US"/>
           </a:p>
@@ -3368,7 +3453,7 @@
           <a:p>
             <a:fld id="{41748473-9145-41F0-ADB9-654A949CD218}" type="datetimeFigureOut">
               <a:rPr lang="en-US" smtClean="0"/>
-              <a:t>9/12/23</a:t>
+              <a:t>9/20/23</a:t>
             </a:fld>
             <a:endParaRPr lang="en-US"/>
           </a:p>
@@ -3732,7 +3817,7 @@
           <a:p>
             <a:fld id="{41748473-9145-41F0-ADB9-654A949CD218}" type="datetimeFigureOut">
               <a:rPr lang="en-US" smtClean="0"/>
-              <a:t>9/12/23</a:t>
+              <a:t>9/20/23</a:t>
             </a:fld>
             <a:endParaRPr lang="en-US"/>
           </a:p>
@@ -3849,7 +3934,7 @@
           <a:p>
             <a:fld id="{41748473-9145-41F0-ADB9-654A949CD218}" type="datetimeFigureOut">
               <a:rPr lang="en-US" smtClean="0"/>
-              <a:t>9/12/23</a:t>
+              <a:t>9/20/23</a:t>
             </a:fld>
             <a:endParaRPr lang="en-US"/>
           </a:p>
@@ -3944,7 +4029,7 @@
           <a:p>
             <a:fld id="{41748473-9145-41F0-ADB9-654A949CD218}" type="datetimeFigureOut">
               <a:rPr lang="en-US" smtClean="0"/>
-              <a:t>9/12/23</a:t>
+              <a:t>9/20/23</a:t>
             </a:fld>
             <a:endParaRPr lang="en-US"/>
           </a:p>
@@ -4219,7 +4304,7 @@
           <a:p>
             <a:fld id="{41748473-9145-41F0-ADB9-654A949CD218}" type="datetimeFigureOut">
               <a:rPr lang="en-US" smtClean="0"/>
-              <a:t>9/12/23</a:t>
+              <a:t>9/20/23</a:t>
             </a:fld>
             <a:endParaRPr lang="en-US"/>
           </a:p>
@@ -4471,7 +4556,7 @@
           <a:p>
             <a:fld id="{41748473-9145-41F0-ADB9-654A949CD218}" type="datetimeFigureOut">
               <a:rPr lang="en-US" smtClean="0"/>
-              <a:t>9/12/23</a:t>
+              <a:t>9/20/23</a:t>
             </a:fld>
             <a:endParaRPr lang="en-US"/>
           </a:p>
@@ -4682,7 +4767,7 @@
           <a:p>
             <a:fld id="{41748473-9145-41F0-ADB9-654A949CD218}" type="datetimeFigureOut">
               <a:rPr lang="en-US" smtClean="0"/>
-              <a:t>9/12/23</a:t>
+              <a:t>9/20/23</a:t>
             </a:fld>
             <a:endParaRPr lang="en-US"/>
           </a:p>
@@ -16518,6 +16603,112 @@
       </p:grpSpPr>
       <p:sp>
         <p:nvSpPr>
+          <p:cNvPr id="2" name="Title 1"/>
+          <p:cNvSpPr>
+            <a:spLocks noGrp="1"/>
+          </p:cNvSpPr>
+          <p:nvPr>
+            <p:ph type="title"/>
+          </p:nvPr>
+        </p:nvSpPr>
+        <p:spPr>
+          <a:xfrm>
+            <a:off x="838200" y="365126"/>
+            <a:ext cx="10515600" cy="981894"/>
+          </a:xfrm>
+        </p:spPr>
+        <p:txBody>
+          <a:bodyPr>
+            <a:normAutofit/>
+          </a:bodyPr>
+          <a:lstStyle/>
+          <a:p>
+            <a:r>
+              <a:rPr lang="en-US" dirty="0"/>
+              <a:t>Adjusted R-Squared </a:t>
+            </a:r>
+          </a:p>
+        </p:txBody>
+      </p:sp>
+      <p:pic>
+        <p:nvPicPr>
+          <p:cNvPr id="1026" name="Picture 2">
+            <a:extLst>
+              <a:ext uri="{FF2B5EF4-FFF2-40B4-BE49-F238E27FC236}">
+                <a16:creationId xmlns:a16="http://schemas.microsoft.com/office/drawing/2014/main" id="{94595D1A-F7FB-4201-087D-4EAD932C50AA}"/>
+              </a:ext>
+            </a:extLst>
+          </p:cNvPr>
+          <p:cNvPicPr>
+            <a:picLocks noChangeAspect="1" noChangeArrowheads="1"/>
+          </p:cNvPicPr>
+          <p:nvPr/>
+        </p:nvPicPr>
+        <p:blipFill>
+          <a:blip r:embed="rId3">
+            <a:extLst>
+              <a:ext uri="{28A0092B-C50C-407E-A947-70E740481C1C}">
+                <a14:useLocalDpi xmlns:a14="http://schemas.microsoft.com/office/drawing/2010/main" val="0"/>
+              </a:ext>
+            </a:extLst>
+          </a:blip>
+          <a:srcRect/>
+          <a:stretch>
+            <a:fillRect/>
+          </a:stretch>
+        </p:blipFill>
+        <p:spPr bwMode="auto">
+          <a:xfrm>
+            <a:off x="1714176" y="2058637"/>
+            <a:ext cx="7569309" cy="2898441"/>
+          </a:xfrm>
+          <a:prstGeom prst="rect">
+            <a:avLst/>
+          </a:prstGeom>
+          <a:noFill/>
+          <a:extLst>
+            <a:ext uri="{909E8E84-426E-40DD-AFC4-6F175D3DCCD1}">
+              <a14:hiddenFill xmlns:a14="http://schemas.microsoft.com/office/drawing/2010/main">
+                <a:solidFill>
+                  <a:srgbClr val="FFFFFF"/>
+                </a:solidFill>
+              </a14:hiddenFill>
+            </a:ext>
+          </a:extLst>
+        </p:spPr>
+      </p:pic>
+    </p:spTree>
+    <p:extLst>
+      <p:ext uri="{BB962C8B-B14F-4D97-AF65-F5344CB8AC3E}">
+        <p14:creationId xmlns:p14="http://schemas.microsoft.com/office/powerpoint/2010/main" val="3158653100"/>
+      </p:ext>
+    </p:extLst>
+  </p:cSld>
+  <p:clrMapOvr>
+    <a:masterClrMapping/>
+  </p:clrMapOvr>
+</p:sld>
+</file>
+
+<file path=ppt/slides/slide25.xml><?xml version="1.0" encoding="utf-8"?>
+<p:sld xmlns:a="http://schemas.openxmlformats.org/drawingml/2006/main" xmlns:r="http://schemas.openxmlformats.org/officeDocument/2006/relationships" xmlns:p="http://schemas.openxmlformats.org/presentationml/2006/main">
+  <p:cSld>
+    <p:spTree>
+      <p:nvGrpSpPr>
+        <p:cNvPr id="1" name=""/>
+        <p:cNvGrpSpPr/>
+        <p:nvPr/>
+      </p:nvGrpSpPr>
+      <p:grpSpPr>
+        <a:xfrm>
+          <a:off x="0" y="0"/>
+          <a:ext cx="0" cy="0"/>
+          <a:chOff x="0" y="0"/>
+          <a:chExt cx="0" cy="0"/>
+        </a:xfrm>
+      </p:grpSpPr>
+      <p:sp>
+        <p:nvSpPr>
           <p:cNvPr id="10" name="TextBox 9">
             <a:extLst>
               <a:ext uri="{FF2B5EF4-FFF2-40B4-BE49-F238E27FC236}">

--- a/_umkc-teaching/slides/Lecture3.pptx
+++ b/_umkc-teaching/slides/Lecture3.pptx
@@ -5,7 +5,7 @@
     <p:sldMasterId id="2147483648" r:id="rId1"/>
   </p:sldMasterIdLst>
   <p:notesMasterIdLst>
-    <p:notesMasterId r:id="rId27"/>
+    <p:notesMasterId r:id="rId26"/>
   </p:notesMasterIdLst>
   <p:sldIdLst>
     <p:sldId id="257" r:id="rId2"/>
@@ -27,12 +27,11 @@
     <p:sldId id="327" r:id="rId18"/>
     <p:sldId id="328" r:id="rId19"/>
     <p:sldId id="329" r:id="rId20"/>
-    <p:sldId id="330" r:id="rId21"/>
-    <p:sldId id="331" r:id="rId22"/>
-    <p:sldId id="332" r:id="rId23"/>
-    <p:sldId id="333" r:id="rId24"/>
-    <p:sldId id="334" r:id="rId25"/>
-    <p:sldId id="293" r:id="rId26"/>
+    <p:sldId id="331" r:id="rId21"/>
+    <p:sldId id="332" r:id="rId22"/>
+    <p:sldId id="333" r:id="rId23"/>
+    <p:sldId id="334" r:id="rId24"/>
+    <p:sldId id="293" r:id="rId25"/>
   </p:sldIdLst>
   <p:sldSz cx="12192000" cy="6858000"/>
   <p:notesSz cx="6858000" cy="9144000"/>
@@ -1318,7 +1317,7 @@
     </p:spTree>
     <p:extLst>
       <p:ext uri="{BB962C8B-B14F-4D97-AF65-F5344CB8AC3E}">
-        <p14:creationId xmlns:p14="http://schemas.microsoft.com/office/powerpoint/2010/main" val="1114518164"/>
+        <p14:creationId xmlns:p14="http://schemas.microsoft.com/office/powerpoint/2010/main" val="546932217"/>
       </p:ext>
     </p:extLst>
   </p:cSld>
@@ -1402,7 +1401,7 @@
     </p:spTree>
     <p:extLst>
       <p:ext uri="{BB962C8B-B14F-4D97-AF65-F5344CB8AC3E}">
-        <p14:creationId xmlns:p14="http://schemas.microsoft.com/office/powerpoint/2010/main" val="546932217"/>
+        <p14:creationId xmlns:p14="http://schemas.microsoft.com/office/powerpoint/2010/main" val="3441794395"/>
       </p:ext>
     </p:extLst>
   </p:cSld>
@@ -1570,7 +1569,7 @@
     </p:spTree>
     <p:extLst>
       <p:ext uri="{BB962C8B-B14F-4D97-AF65-F5344CB8AC3E}">
-        <p14:creationId xmlns:p14="http://schemas.microsoft.com/office/powerpoint/2010/main" val="3441794395"/>
+        <p14:creationId xmlns:p14="http://schemas.microsoft.com/office/powerpoint/2010/main" val="467129763"/>
       </p:ext>
     </p:extLst>
   </p:cSld>
@@ -1646,90 +1645,6 @@
             <a:fld id="{3F8BDF20-BE86-4883-8A23-4CE3D0058BEA}" type="slidenum">
               <a:rPr lang="en-US" smtClean="0"/>
               <a:t>23</a:t>
-            </a:fld>
-            <a:endParaRPr lang="en-US"/>
-          </a:p>
-        </p:txBody>
-      </p:sp>
-    </p:spTree>
-    <p:extLst>
-      <p:ext uri="{BB962C8B-B14F-4D97-AF65-F5344CB8AC3E}">
-        <p14:creationId xmlns:p14="http://schemas.microsoft.com/office/powerpoint/2010/main" val="467129763"/>
-      </p:ext>
-    </p:extLst>
-  </p:cSld>
-  <p:clrMapOvr>
-    <a:masterClrMapping/>
-  </p:clrMapOvr>
-</p:notes>
-</file>
-
-<file path=ppt/notesSlides/notesSlide22.xml><?xml version="1.0" encoding="utf-8"?>
-<p:notes xmlns:a="http://schemas.openxmlformats.org/drawingml/2006/main" xmlns:r="http://schemas.openxmlformats.org/officeDocument/2006/relationships" xmlns:p="http://schemas.openxmlformats.org/presentationml/2006/main">
-  <p:cSld>
-    <p:spTree>
-      <p:nvGrpSpPr>
-        <p:cNvPr id="1" name=""/>
-        <p:cNvGrpSpPr/>
-        <p:nvPr/>
-      </p:nvGrpSpPr>
-      <p:grpSpPr>
-        <a:xfrm>
-          <a:off x="0" y="0"/>
-          <a:ext cx="0" cy="0"/>
-          <a:chOff x="0" y="0"/>
-          <a:chExt cx="0" cy="0"/>
-        </a:xfrm>
-      </p:grpSpPr>
-      <p:sp>
-        <p:nvSpPr>
-          <p:cNvPr id="2" name="Slide Image Placeholder 1"/>
-          <p:cNvSpPr>
-            <a:spLocks noGrp="1" noRot="1" noChangeAspect="1"/>
-          </p:cNvSpPr>
-          <p:nvPr>
-            <p:ph type="sldImg"/>
-          </p:nvPr>
-        </p:nvSpPr>
-        <p:spPr/>
-      </p:sp>
-      <p:sp>
-        <p:nvSpPr>
-          <p:cNvPr id="3" name="Notes Placeholder 2"/>
-          <p:cNvSpPr>
-            <a:spLocks noGrp="1"/>
-          </p:cNvSpPr>
-          <p:nvPr>
-            <p:ph type="body" idx="1"/>
-          </p:nvPr>
-        </p:nvSpPr>
-        <p:spPr/>
-        <p:txBody>
-          <a:bodyPr/>
-          <a:lstStyle/>
-          <a:p>
-            <a:endParaRPr lang="en-US" dirty="0"/>
-          </a:p>
-        </p:txBody>
-      </p:sp>
-      <p:sp>
-        <p:nvSpPr>
-          <p:cNvPr id="4" name="Slide Number Placeholder 3"/>
-          <p:cNvSpPr>
-            <a:spLocks noGrp="1"/>
-          </p:cNvSpPr>
-          <p:nvPr>
-            <p:ph type="sldNum" sz="quarter" idx="5"/>
-          </p:nvPr>
-        </p:nvSpPr>
-        <p:spPr/>
-        <p:txBody>
-          <a:bodyPr/>
-          <a:lstStyle/>
-          <a:p>
-            <a:fld id="{3F8BDF20-BE86-4883-8A23-4CE3D0058BEA}" type="slidenum">
-              <a:rPr lang="en-US" smtClean="0"/>
-              <a:t>24</a:t>
             </a:fld>
             <a:endParaRPr lang="en-US"/>
           </a:p>
@@ -14324,562 +14239,6 @@
                               </m:ctrlPr>
                             </m:sSupPr>
                             <m:e>
-                              <m:d>
-                                <m:dPr>
-                                  <m:ctrlPr>
-                                    <a:rPr lang="en-US" sz="2800" b="0" i="1" smtClean="0">
-                                      <a:latin typeface="Cambria Math" panose="02040503050406030204" pitchFamily="18" charset="0"/>
-                                    </a:rPr>
-                                  </m:ctrlPr>
-                                </m:dPr>
-                                <m:e>
-                                  <m:sSub>
-                                    <m:sSubPr>
-                                      <m:ctrlPr>
-                                        <a:rPr lang="en-US" sz="2800" b="0" i="1" smtClean="0">
-                                          <a:latin typeface="Cambria Math" panose="02040503050406030204" pitchFamily="18" charset="0"/>
-                                        </a:rPr>
-                                      </m:ctrlPr>
-                                    </m:sSubPr>
-                                    <m:e>
-                                      <m:r>
-                                        <a:rPr lang="en-US" sz="2800" b="0" i="1" smtClean="0">
-                                          <a:latin typeface="Cambria Math" panose="02040503050406030204" pitchFamily="18" charset="0"/>
-                                        </a:rPr>
-                                        <m:t>𝑦</m:t>
-                                      </m:r>
-                                    </m:e>
-                                    <m:sub>
-                                      <m:r>
-                                        <a:rPr lang="en-US" sz="2800" b="0" i="1" smtClean="0">
-                                          <a:latin typeface="Cambria Math" panose="02040503050406030204" pitchFamily="18" charset="0"/>
-                                        </a:rPr>
-                                        <m:t>𝑖</m:t>
-                                      </m:r>
-                                    </m:sub>
-                                  </m:sSub>
-                                  <m:r>
-                                    <a:rPr lang="en-US" sz="2800" b="0" i="1" smtClean="0">
-                                      <a:latin typeface="Cambria Math" panose="02040503050406030204" pitchFamily="18" charset="0"/>
-                                    </a:rPr>
-                                    <m:t> −</m:t>
-                                  </m:r>
-                                  <m:sSub>
-                                    <m:sSubPr>
-                                      <m:ctrlPr>
-                                        <a:rPr lang="en-US" sz="2800" b="0" i="1" smtClean="0">
-                                          <a:latin typeface="Cambria Math" panose="02040503050406030204" pitchFamily="18" charset="0"/>
-                                        </a:rPr>
-                                      </m:ctrlPr>
-                                    </m:sSubPr>
-                                    <m:e>
-                                      <m:acc>
-                                        <m:accPr>
-                                          <m:chr m:val="̂"/>
-                                          <m:ctrlPr>
-                                            <a:rPr lang="en-US" sz="2800" b="0" i="1" smtClean="0">
-                                              <a:latin typeface="Cambria Math" panose="02040503050406030204" pitchFamily="18" charset="0"/>
-                                            </a:rPr>
-                                          </m:ctrlPr>
-                                        </m:accPr>
-                                        <m:e>
-                                          <m:r>
-                                            <a:rPr lang="en-US" sz="2800" b="0" i="1" smtClean="0">
-                                              <a:latin typeface="Cambria Math" panose="02040503050406030204" pitchFamily="18" charset="0"/>
-                                            </a:rPr>
-                                            <m:t>𝑦</m:t>
-                                          </m:r>
-                                        </m:e>
-                                      </m:acc>
-                                    </m:e>
-                                    <m:sub>
-                                      <m:r>
-                                        <a:rPr lang="en-US" sz="2800" b="0" i="1" smtClean="0">
-                                          <a:latin typeface="Cambria Math" panose="02040503050406030204" pitchFamily="18" charset="0"/>
-                                        </a:rPr>
-                                        <m:t>𝑖</m:t>
-                                      </m:r>
-                                    </m:sub>
-                                  </m:sSub>
-                                </m:e>
-                              </m:d>
-                            </m:e>
-                            <m:sup>
-                              <m:r>
-                                <a:rPr lang="en-US" sz="2800" b="0" i="1" smtClean="0">
-                                  <a:latin typeface="Cambria Math" panose="02040503050406030204" pitchFamily="18" charset="0"/>
-                                </a:rPr>
-                                <m:t>2</m:t>
-                              </m:r>
-                            </m:sup>
-                          </m:sSup>
-                          <m:r>
-                            <a:rPr lang="en-US" sz="2800" b="0" i="1" smtClean="0">
-                              <a:latin typeface="Cambria Math" panose="02040503050406030204" pitchFamily="18" charset="0"/>
-                            </a:rPr>
-                            <m:t> </m:t>
-                          </m:r>
-                        </m:e>
-                      </m:nary>
-                    </m:oMath>
-                  </m:oMathPara>
-                </a14:m>
-                <a:endParaRPr lang="en-US" sz="2800" dirty="0"/>
-              </a:p>
-            </p:txBody>
-          </p:sp>
-        </mc:Choice>
-        <mc:Fallback xmlns="">
-          <p:sp>
-            <p:nvSpPr>
-              <p:cNvPr id="4" name="TextBox 3">
-                <a:extLst>
-                  <a:ext uri="{FF2B5EF4-FFF2-40B4-BE49-F238E27FC236}">
-                    <a16:creationId xmlns:a16="http://schemas.microsoft.com/office/drawing/2014/main" id="{7FB57015-D8AA-DDA7-27CF-ED114BC71486}"/>
-                  </a:ext>
-                </a:extLst>
-              </p:cNvPr>
-              <p:cNvSpPr txBox="1">
-                <a:spLocks noRot="1" noChangeAspect="1" noMove="1" noResize="1" noEditPoints="1" noAdjustHandles="1" noChangeArrowheads="1" noChangeShapeType="1" noTextEdit="1"/>
-              </p:cNvSpPr>
-              <p:nvPr/>
-            </p:nvSpPr>
-            <p:spPr>
-              <a:xfrm>
-                <a:off x="620837" y="2696118"/>
-                <a:ext cx="9951720" cy="1137876"/>
-              </a:xfrm>
-              <a:prstGeom prst="rect">
-                <a:avLst/>
-              </a:prstGeom>
-              <a:blipFill>
-                <a:blip r:embed="rId3"/>
-                <a:stretch>
-                  <a:fillRect t="-131111" b="-183333"/>
-                </a:stretch>
-              </a:blipFill>
-            </p:spPr>
-            <p:txBody>
-              <a:bodyPr/>
-              <a:lstStyle/>
-              <a:p>
-                <a:r>
-                  <a:rPr lang="en-US">
-                    <a:noFill/>
-                  </a:rPr>
-                  <a:t> </a:t>
-                </a:r>
-              </a:p>
-            </p:txBody>
-          </p:sp>
-        </mc:Fallback>
-      </mc:AlternateContent>
-      <p:sp>
-        <p:nvSpPr>
-          <p:cNvPr id="5" name="TextBox 4">
-            <a:extLst>
-              <a:ext uri="{FF2B5EF4-FFF2-40B4-BE49-F238E27FC236}">
-                <a16:creationId xmlns:a16="http://schemas.microsoft.com/office/drawing/2014/main" id="{6FF90575-7F56-8375-BE3F-CE56E03F4977}"/>
-              </a:ext>
-            </a:extLst>
-          </p:cNvPr>
-          <p:cNvSpPr txBox="1"/>
-          <p:nvPr/>
-        </p:nvSpPr>
-        <p:spPr>
-          <a:xfrm>
-            <a:off x="838200" y="1759959"/>
-            <a:ext cx="10515600" cy="523220"/>
-          </a:xfrm>
-          <a:prstGeom prst="rect">
-            <a:avLst/>
-          </a:prstGeom>
-          <a:noFill/>
-        </p:spPr>
-        <p:txBody>
-          <a:bodyPr wrap="square">
-            <a:spAutoFit/>
-          </a:bodyPr>
-          <a:lstStyle/>
-          <a:p>
-            <a:r>
-              <a:rPr lang="en-US" sz="2800" b="0" dirty="0"/>
-              <a:t>The </a:t>
-            </a:r>
-            <a:r>
-              <a:rPr lang="en-US" sz="2800" dirty="0"/>
-              <a:t>residual sum of squares (RSS)</a:t>
-            </a:r>
-          </a:p>
-        </p:txBody>
-      </p:sp>
-      <p:sp>
-        <p:nvSpPr>
-          <p:cNvPr id="6" name="TextBox 5">
-            <a:extLst>
-              <a:ext uri="{FF2B5EF4-FFF2-40B4-BE49-F238E27FC236}">
-                <a16:creationId xmlns:a16="http://schemas.microsoft.com/office/drawing/2014/main" id="{712B9308-A003-0DC7-842D-39C783CE80D2}"/>
-              </a:ext>
-            </a:extLst>
-          </p:cNvPr>
-          <p:cNvSpPr txBox="1"/>
-          <p:nvPr/>
-        </p:nvSpPr>
-        <p:spPr>
-          <a:xfrm>
-            <a:off x="838200" y="4246933"/>
-            <a:ext cx="10515600" cy="523220"/>
-          </a:xfrm>
-          <a:prstGeom prst="rect">
-            <a:avLst/>
-          </a:prstGeom>
-          <a:noFill/>
-        </p:spPr>
-        <p:txBody>
-          <a:bodyPr wrap="square">
-            <a:spAutoFit/>
-          </a:bodyPr>
-          <a:lstStyle/>
-          <a:p>
-            <a:r>
-              <a:rPr lang="en-US" sz="2800" b="0" dirty="0"/>
-              <a:t>The residual standard error </a:t>
-            </a:r>
-            <a:r>
-              <a:rPr lang="en-US" sz="2800" dirty="0"/>
-              <a:t>(RSE)</a:t>
-            </a:r>
-          </a:p>
-        </p:txBody>
-      </p:sp>
-      <mc:AlternateContent xmlns:mc="http://schemas.openxmlformats.org/markup-compatibility/2006" xmlns:a14="http://schemas.microsoft.com/office/drawing/2010/main">
-        <mc:Choice Requires="a14">
-          <p:sp>
-            <p:nvSpPr>
-              <p:cNvPr id="8" name="TextBox 7">
-                <a:extLst>
-                  <a:ext uri="{FF2B5EF4-FFF2-40B4-BE49-F238E27FC236}">
-                    <a16:creationId xmlns:a16="http://schemas.microsoft.com/office/drawing/2014/main" id="{90922E47-7605-DA96-D15F-D765699E9692}"/>
-                  </a:ext>
-                </a:extLst>
-              </p:cNvPr>
-              <p:cNvSpPr txBox="1"/>
-              <p:nvPr/>
-            </p:nvSpPr>
-            <p:spPr>
-              <a:xfrm>
-                <a:off x="620837" y="5183092"/>
-                <a:ext cx="9951720" cy="898964"/>
-              </a:xfrm>
-              <a:prstGeom prst="rect">
-                <a:avLst/>
-              </a:prstGeom>
-              <a:noFill/>
-            </p:spPr>
-            <p:txBody>
-              <a:bodyPr wrap="square">
-                <a:spAutoFit/>
-              </a:bodyPr>
-              <a:lstStyle/>
-              <a:p>
-                <a:pPr/>
-                <a14:m>
-                  <m:oMathPara xmlns:m="http://schemas.openxmlformats.org/officeDocument/2006/math">
-                    <m:oMathParaPr>
-                      <m:jc m:val="centerGroup"/>
-                    </m:oMathParaPr>
-                    <m:oMath xmlns:m="http://schemas.openxmlformats.org/officeDocument/2006/math">
-                      <m:r>
-                        <a:rPr lang="en-US" sz="2800" b="0" i="1" smtClean="0">
-                          <a:latin typeface="Cambria Math" panose="02040503050406030204" pitchFamily="18" charset="0"/>
-                        </a:rPr>
-                        <m:t>𝑅𝑆𝐸</m:t>
-                      </m:r>
-                      <m:r>
-                        <a:rPr lang="en-US" sz="2800" b="0" i="1" smtClean="0">
-                          <a:latin typeface="Cambria Math" panose="02040503050406030204" pitchFamily="18" charset="0"/>
-                        </a:rPr>
-                        <m:t>= </m:t>
-                      </m:r>
-                      <m:f>
-                        <m:fPr>
-                          <m:ctrlPr>
-                            <a:rPr lang="en-US" sz="2800" i="1" dirty="0" smtClean="0">
-                              <a:latin typeface="Cambria Math" panose="02040503050406030204" pitchFamily="18" charset="0"/>
-                            </a:rPr>
-                          </m:ctrlPr>
-                        </m:fPr>
-                        <m:num>
-                          <m:r>
-                            <a:rPr lang="en-US" sz="2800" b="0" i="1" dirty="0" smtClean="0">
-                              <a:latin typeface="Cambria Math" panose="02040503050406030204" pitchFamily="18" charset="0"/>
-                            </a:rPr>
-                            <m:t>1</m:t>
-                          </m:r>
-                        </m:num>
-                        <m:den>
-                          <m:r>
-                            <a:rPr lang="en-US" sz="2800" b="0" i="1" dirty="0" smtClean="0">
-                              <a:latin typeface="Cambria Math" panose="02040503050406030204" pitchFamily="18" charset="0"/>
-                            </a:rPr>
-                            <m:t>𝑛</m:t>
-                          </m:r>
-                          <m:r>
-                            <a:rPr lang="en-US" sz="2800" b="0" i="1" dirty="0" smtClean="0">
-                              <a:latin typeface="Cambria Math" panose="02040503050406030204" pitchFamily="18" charset="0"/>
-                            </a:rPr>
-                            <m:t>−2</m:t>
-                          </m:r>
-                        </m:den>
-                      </m:f>
-                      <m:rad>
-                        <m:radPr>
-                          <m:degHide m:val="on"/>
-                          <m:ctrlPr>
-                            <a:rPr lang="en-US" sz="2800" i="1" dirty="0" smtClean="0">
-                              <a:latin typeface="Cambria Math" panose="02040503050406030204" pitchFamily="18" charset="0"/>
-                            </a:rPr>
-                          </m:ctrlPr>
-                        </m:radPr>
-                        <m:deg/>
-                        <m:e>
-                          <m:r>
-                            <a:rPr lang="en-US" sz="2800" i="1">
-                              <a:latin typeface="Cambria Math" panose="02040503050406030204" pitchFamily="18" charset="0"/>
-                            </a:rPr>
-                            <m:t>𝑅𝑆𝑆</m:t>
-                          </m:r>
-                        </m:e>
-                      </m:rad>
-                    </m:oMath>
-                  </m:oMathPara>
-                </a14:m>
-                <a:endParaRPr lang="en-US" sz="2800" dirty="0"/>
-              </a:p>
-            </p:txBody>
-          </p:sp>
-        </mc:Choice>
-        <mc:Fallback xmlns="">
-          <p:sp>
-            <p:nvSpPr>
-              <p:cNvPr id="8" name="TextBox 7">
-                <a:extLst>
-                  <a:ext uri="{FF2B5EF4-FFF2-40B4-BE49-F238E27FC236}">
-                    <a16:creationId xmlns:a16="http://schemas.microsoft.com/office/drawing/2014/main" id="{90922E47-7605-DA96-D15F-D765699E9692}"/>
-                  </a:ext>
-                </a:extLst>
-              </p:cNvPr>
-              <p:cNvSpPr txBox="1">
-                <a:spLocks noRot="1" noChangeAspect="1" noMove="1" noResize="1" noEditPoints="1" noAdjustHandles="1" noChangeArrowheads="1" noChangeShapeType="1" noTextEdit="1"/>
-              </p:cNvSpPr>
-              <p:nvPr/>
-            </p:nvSpPr>
-            <p:spPr>
-              <a:xfrm>
-                <a:off x="620837" y="5183092"/>
-                <a:ext cx="9951720" cy="898964"/>
-              </a:xfrm>
-              <a:prstGeom prst="rect">
-                <a:avLst/>
-              </a:prstGeom>
-              <a:blipFill>
-                <a:blip r:embed="rId4"/>
-                <a:stretch>
-                  <a:fillRect b="-6944"/>
-                </a:stretch>
-              </a:blipFill>
-            </p:spPr>
-            <p:txBody>
-              <a:bodyPr/>
-              <a:lstStyle/>
-              <a:p>
-                <a:r>
-                  <a:rPr lang="en-US">
-                    <a:noFill/>
-                  </a:rPr>
-                  <a:t> </a:t>
-                </a:r>
-              </a:p>
-            </p:txBody>
-          </p:sp>
-        </mc:Fallback>
-      </mc:AlternateContent>
-    </p:spTree>
-    <p:extLst>
-      <p:ext uri="{BB962C8B-B14F-4D97-AF65-F5344CB8AC3E}">
-        <p14:creationId xmlns:p14="http://schemas.microsoft.com/office/powerpoint/2010/main" val="1490887763"/>
-      </p:ext>
-    </p:extLst>
-  </p:cSld>
-  <p:clrMapOvr>
-    <a:masterClrMapping/>
-  </p:clrMapOvr>
-</p:sld>
-</file>
-
-<file path=ppt/slides/slide21.xml><?xml version="1.0" encoding="utf-8"?>
-<p:sld xmlns:a="http://schemas.openxmlformats.org/drawingml/2006/main" xmlns:r="http://schemas.openxmlformats.org/officeDocument/2006/relationships" xmlns:p="http://schemas.openxmlformats.org/presentationml/2006/main">
-  <p:cSld>
-    <p:spTree>
-      <p:nvGrpSpPr>
-        <p:cNvPr id="1" name=""/>
-        <p:cNvGrpSpPr/>
-        <p:nvPr/>
-      </p:nvGrpSpPr>
-      <p:grpSpPr>
-        <a:xfrm>
-          <a:off x="0" y="0"/>
-          <a:ext cx="0" cy="0"/>
-          <a:chOff x="0" y="0"/>
-          <a:chExt cx="0" cy="0"/>
-        </a:xfrm>
-      </p:grpSpPr>
-      <p:sp>
-        <p:nvSpPr>
-          <p:cNvPr id="2" name="Title 1"/>
-          <p:cNvSpPr>
-            <a:spLocks noGrp="1"/>
-          </p:cNvSpPr>
-          <p:nvPr>
-            <p:ph type="title"/>
-          </p:nvPr>
-        </p:nvSpPr>
-        <p:spPr>
-          <a:xfrm>
-            <a:off x="838200" y="365126"/>
-            <a:ext cx="10515600" cy="981894"/>
-          </a:xfrm>
-        </p:spPr>
-        <p:txBody>
-          <a:bodyPr>
-            <a:normAutofit/>
-          </a:bodyPr>
-          <a:lstStyle/>
-          <a:p>
-            <a:r>
-              <a:rPr lang="en-US" dirty="0"/>
-              <a:t>Prediction Error</a:t>
-            </a:r>
-          </a:p>
-        </p:txBody>
-      </p:sp>
-      <mc:AlternateContent xmlns:mc="http://schemas.openxmlformats.org/markup-compatibility/2006" xmlns:a14="http://schemas.microsoft.com/office/drawing/2010/main">
-        <mc:Choice Requires="a14">
-          <p:sp>
-            <p:nvSpPr>
-              <p:cNvPr id="4" name="TextBox 3">
-                <a:extLst>
-                  <a:ext uri="{FF2B5EF4-FFF2-40B4-BE49-F238E27FC236}">
-                    <a16:creationId xmlns:a16="http://schemas.microsoft.com/office/drawing/2014/main" id="{7FB57015-D8AA-DDA7-27CF-ED114BC71486}"/>
-                  </a:ext>
-                </a:extLst>
-              </p:cNvPr>
-              <p:cNvSpPr txBox="1"/>
-              <p:nvPr/>
-            </p:nvSpPr>
-            <p:spPr>
-              <a:xfrm>
-                <a:off x="620837" y="2696118"/>
-                <a:ext cx="9951720" cy="1137876"/>
-              </a:xfrm>
-              <a:prstGeom prst="rect">
-                <a:avLst/>
-              </a:prstGeom>
-              <a:noFill/>
-            </p:spPr>
-            <p:txBody>
-              <a:bodyPr wrap="square">
-                <a:spAutoFit/>
-              </a:bodyPr>
-              <a:lstStyle/>
-              <a:p>
-                <a:pPr/>
-                <a14:m>
-                  <m:oMathPara xmlns:m="http://schemas.openxmlformats.org/officeDocument/2006/math">
-                    <m:oMathParaPr>
-                      <m:jc m:val="centerGroup"/>
-                    </m:oMathParaPr>
-                    <m:oMath xmlns:m="http://schemas.openxmlformats.org/officeDocument/2006/math">
-                      <m:r>
-                        <a:rPr lang="en-US" sz="2800" b="0" i="1" smtClean="0">
-                          <a:latin typeface="Cambria Math" panose="02040503050406030204" pitchFamily="18" charset="0"/>
-                        </a:rPr>
-                        <m:t>𝑅𝑆𝑆</m:t>
-                      </m:r>
-                      <m:r>
-                        <a:rPr lang="en-US" sz="2800" b="0" i="1" smtClean="0">
-                          <a:latin typeface="Cambria Math" panose="02040503050406030204" pitchFamily="18" charset="0"/>
-                        </a:rPr>
-                        <m:t>=</m:t>
-                      </m:r>
-                      <m:nary>
-                        <m:naryPr>
-                          <m:chr m:val="∑"/>
-                          <m:supHide m:val="on"/>
-                          <m:ctrlPr>
-                            <a:rPr lang="en-US" sz="2800" b="0" i="1" smtClean="0">
-                              <a:latin typeface="Cambria Math" panose="02040503050406030204" pitchFamily="18" charset="0"/>
-                            </a:rPr>
-                          </m:ctrlPr>
-                        </m:naryPr>
-                        <m:sub>
-                          <m:r>
-                            <a:rPr lang="en-US" sz="2800" b="0" i="1" smtClean="0">
-                              <a:latin typeface="Cambria Math" panose="02040503050406030204" pitchFamily="18" charset="0"/>
-                            </a:rPr>
-                            <m:t>𝑖</m:t>
-                          </m:r>
-                        </m:sub>
-                        <m:sup/>
-                        <m:e>
-                          <m:sSubSup>
-                            <m:sSubSupPr>
-                              <m:ctrlPr>
-                                <a:rPr lang="en-US" sz="2800" b="0" i="1" smtClean="0">
-                                  <a:latin typeface="Cambria Math" panose="02040503050406030204" pitchFamily="18" charset="0"/>
-                                </a:rPr>
-                              </m:ctrlPr>
-                            </m:sSubSupPr>
-                            <m:e>
-                              <m:r>
-                                <a:rPr lang="en-US" sz="2800" b="0" i="1" smtClean="0">
-                                  <a:latin typeface="Cambria Math" panose="02040503050406030204" pitchFamily="18" charset="0"/>
-                                </a:rPr>
-                                <m:t>𝑒</m:t>
-                              </m:r>
-                            </m:e>
-                            <m:sub>
-                              <m:r>
-                                <a:rPr lang="en-US" sz="2800" b="0" i="1" smtClean="0">
-                                  <a:latin typeface="Cambria Math" panose="02040503050406030204" pitchFamily="18" charset="0"/>
-                                </a:rPr>
-                                <m:t>𝑖</m:t>
-                              </m:r>
-                            </m:sub>
-                            <m:sup>
-                              <m:r>
-                                <a:rPr lang="en-US" sz="2800" b="0" i="1" smtClean="0">
-                                  <a:latin typeface="Cambria Math" panose="02040503050406030204" pitchFamily="18" charset="0"/>
-                                </a:rPr>
-                                <m:t>2</m:t>
-                              </m:r>
-                            </m:sup>
-                          </m:sSubSup>
-                          <m:r>
-                            <a:rPr lang="en-US" sz="2800" b="0" i="1" smtClean="0">
-                              <a:latin typeface="Cambria Math" panose="02040503050406030204" pitchFamily="18" charset="0"/>
-                            </a:rPr>
-                            <m:t>=</m:t>
-                          </m:r>
-                          <m:sSup>
-                            <m:sSupPr>
-                              <m:ctrlPr>
-                                <a:rPr lang="en-US" sz="2800" b="0" i="1" smtClean="0">
-                                  <a:latin typeface="Cambria Math" panose="02040503050406030204" pitchFamily="18" charset="0"/>
-                                </a:rPr>
-                              </m:ctrlPr>
-                            </m:sSupPr>
-                            <m:e>
                               <m:r>
                                 <a:rPr lang="en-US" sz="2800" b="0" i="1" smtClean="0">
                                   <a:latin typeface="Cambria Math" panose="02040503050406030204" pitchFamily="18" charset="0"/>
@@ -15279,7 +14638,7 @@
 </p:sld>
 </file>
 
-<file path=ppt/slides/slide22.xml><?xml version="1.0" encoding="utf-8"?>
+<file path=ppt/slides/slide21.xml><?xml version="1.0" encoding="utf-8"?>
 <p:sld xmlns:a="http://schemas.openxmlformats.org/drawingml/2006/main" xmlns:r="http://schemas.openxmlformats.org/officeDocument/2006/relationships" xmlns:p="http://schemas.openxmlformats.org/presentationml/2006/main">
   <p:cSld>
     <p:spTree>
@@ -15757,7 +15116,7 @@
 </p:sld>
 </file>
 
-<file path=ppt/slides/slide23.xml><?xml version="1.0" encoding="utf-8"?>
+<file path=ppt/slides/slide22.xml><?xml version="1.0" encoding="utf-8"?>
 <p:sld xmlns:a="http://schemas.openxmlformats.org/drawingml/2006/main" xmlns:r="http://schemas.openxmlformats.org/officeDocument/2006/relationships" xmlns:p="http://schemas.openxmlformats.org/presentationml/2006/main">
   <p:cSld>
     <p:spTree>
@@ -16584,7 +15943,7 @@
 </p:sld>
 </file>
 
-<file path=ppt/slides/slide24.xml><?xml version="1.0" encoding="utf-8"?>
+<file path=ppt/slides/slide23.xml><?xml version="1.0" encoding="utf-8"?>
 <p:sld xmlns:a="http://schemas.openxmlformats.org/drawingml/2006/main" xmlns:r="http://schemas.openxmlformats.org/officeDocument/2006/relationships" xmlns:p="http://schemas.openxmlformats.org/presentationml/2006/main">
   <p:cSld>
     <p:spTree>
@@ -16690,7 +16049,7 @@
 </p:sld>
 </file>
 
-<file path=ppt/slides/slide25.xml><?xml version="1.0" encoding="utf-8"?>
+<file path=ppt/slides/slide24.xml><?xml version="1.0" encoding="utf-8"?>
 <p:sld xmlns:a="http://schemas.openxmlformats.org/drawingml/2006/main" xmlns:r="http://schemas.openxmlformats.org/officeDocument/2006/relationships" xmlns:p="http://schemas.openxmlformats.org/presentationml/2006/main">
   <p:cSld>
     <p:spTree>
